--- a/docs/Figures/SystemWorking.pptx
+++ b/docs/Figures/SystemWorking.pptx
@@ -115,7 +115,7 @@
   </p:defaultTextStyle>
   <p:extLst>
     <p:ext uri="{EFAFB233-063F-42B5-8137-9DF3F51BA10A}">
-      <p15:sldGuideLst xmlns:p15="http://schemas.microsoft.com/office/powerpoint/2012/main" xmlns="">
+      <p15:sldGuideLst xmlns:p15="http://schemas.microsoft.com/office/powerpoint/2012/main">
         <p15:guide id="1" orient="horz" pos="2160">
           <p15:clr>
             <a:srgbClr val="A4A3A4"/>
@@ -214,7 +214,7 @@
           <a:p>
             <a:fld id="{7B126BB8-5932-4ACC-8CD5-328D9DA138C9}" type="datetimeFigureOut">
               <a:rPr lang="en-US" smtClean="0"/>
-              <a:t>3/6/2017</a:t>
+              <a:t>1/22/2020</a:t>
             </a:fld>
             <a:endParaRPr lang="en-US"/>
           </a:p>
@@ -278,38 +278,37 @@
           <a:p>
             <a:pPr lvl="0"/>
             <a:r>
-              <a:rPr lang="en-US" smtClean="0"/>
+              <a:rPr lang="en-US"/>
               <a:t>Click to edit Master text styles</a:t>
             </a:r>
           </a:p>
           <a:p>
             <a:pPr lvl="1"/>
             <a:r>
-              <a:rPr lang="en-US" smtClean="0"/>
+              <a:rPr lang="en-US"/>
               <a:t>Second level</a:t>
             </a:r>
           </a:p>
           <a:p>
             <a:pPr lvl="2"/>
             <a:r>
-              <a:rPr lang="en-US" smtClean="0"/>
+              <a:rPr lang="en-US"/>
               <a:t>Third level</a:t>
             </a:r>
           </a:p>
           <a:p>
             <a:pPr lvl="3"/>
             <a:r>
-              <a:rPr lang="en-US" smtClean="0"/>
+              <a:rPr lang="en-US"/>
               <a:t>Fourth level</a:t>
             </a:r>
           </a:p>
           <a:p>
             <a:pPr lvl="4"/>
             <a:r>
-              <a:rPr lang="en-US" smtClean="0"/>
+              <a:rPr lang="en-US"/>
               <a:t>Fifth level</a:t>
             </a:r>
-            <a:endParaRPr lang="en-US"/>
           </a:p>
         </p:txBody>
       </p:sp>
@@ -520,10 +519,9 @@
           <a:lstStyle/>
           <a:p>
             <a:r>
-              <a:rPr lang="en-US" smtClean="0"/>
+              <a:rPr lang="en-US"/>
               <a:t>Click to edit Master title style</a:t>
             </a:r>
-            <a:endParaRPr lang="en-US"/>
           </a:p>
         </p:txBody>
       </p:sp>
@@ -639,10 +637,9 @@
           </a:lstStyle>
           <a:p>
             <a:r>
-              <a:rPr lang="en-US" smtClean="0"/>
+              <a:rPr lang="en-US"/>
               <a:t>Click to edit Master subtitle style</a:t>
             </a:r>
-            <a:endParaRPr lang="en-US"/>
           </a:p>
         </p:txBody>
       </p:sp>
@@ -663,7 +660,7 @@
           <a:p>
             <a:fld id="{9E9AFD63-10BD-4598-9E1E-9FFECB76D2D7}" type="datetimeFigureOut">
               <a:rPr lang="en-US" smtClean="0"/>
-              <a:t>3/6/2017</a:t>
+              <a:t>1/22/2020</a:t>
             </a:fld>
             <a:endParaRPr lang="en-US"/>
           </a:p>
@@ -757,10 +754,9 @@
           <a:lstStyle/>
           <a:p>
             <a:r>
-              <a:rPr lang="en-US" smtClean="0"/>
+              <a:rPr lang="en-US"/>
               <a:t>Click to edit Master title style</a:t>
             </a:r>
-            <a:endParaRPr lang="en-US"/>
           </a:p>
         </p:txBody>
       </p:sp>
@@ -781,38 +777,37 @@
           <a:p>
             <a:pPr lvl="0"/>
             <a:r>
-              <a:rPr lang="en-US" smtClean="0"/>
+              <a:rPr lang="en-US"/>
               <a:t>Click to edit Master text styles</a:t>
             </a:r>
           </a:p>
           <a:p>
             <a:pPr lvl="1"/>
             <a:r>
-              <a:rPr lang="en-US" smtClean="0"/>
+              <a:rPr lang="en-US"/>
               <a:t>Second level</a:t>
             </a:r>
           </a:p>
           <a:p>
             <a:pPr lvl="2"/>
             <a:r>
-              <a:rPr lang="en-US" smtClean="0"/>
+              <a:rPr lang="en-US"/>
               <a:t>Third level</a:t>
             </a:r>
           </a:p>
           <a:p>
             <a:pPr lvl="3"/>
             <a:r>
-              <a:rPr lang="en-US" smtClean="0"/>
+              <a:rPr lang="en-US"/>
               <a:t>Fourth level</a:t>
             </a:r>
           </a:p>
           <a:p>
             <a:pPr lvl="4"/>
             <a:r>
-              <a:rPr lang="en-US" smtClean="0"/>
+              <a:rPr lang="en-US"/>
               <a:t>Fifth level</a:t>
             </a:r>
-            <a:endParaRPr lang="en-US"/>
           </a:p>
         </p:txBody>
       </p:sp>
@@ -833,7 +828,7 @@
           <a:p>
             <a:fld id="{9E9AFD63-10BD-4598-9E1E-9FFECB76D2D7}" type="datetimeFigureOut">
               <a:rPr lang="en-US" smtClean="0"/>
-              <a:t>3/6/2017</a:t>
+              <a:t>1/22/2020</a:t>
             </a:fld>
             <a:endParaRPr lang="en-US"/>
           </a:p>
@@ -932,10 +927,9 @@
           <a:lstStyle/>
           <a:p>
             <a:r>
-              <a:rPr lang="en-US" smtClean="0"/>
+              <a:rPr lang="en-US"/>
               <a:t>Click to edit Master title style</a:t>
             </a:r>
-            <a:endParaRPr lang="en-US"/>
           </a:p>
         </p:txBody>
       </p:sp>
@@ -961,38 +955,37 @@
           <a:p>
             <a:pPr lvl="0"/>
             <a:r>
-              <a:rPr lang="en-US" smtClean="0"/>
+              <a:rPr lang="en-US"/>
               <a:t>Click to edit Master text styles</a:t>
             </a:r>
           </a:p>
           <a:p>
             <a:pPr lvl="1"/>
             <a:r>
-              <a:rPr lang="en-US" smtClean="0"/>
+              <a:rPr lang="en-US"/>
               <a:t>Second level</a:t>
             </a:r>
           </a:p>
           <a:p>
             <a:pPr lvl="2"/>
             <a:r>
-              <a:rPr lang="en-US" smtClean="0"/>
+              <a:rPr lang="en-US"/>
               <a:t>Third level</a:t>
             </a:r>
           </a:p>
           <a:p>
             <a:pPr lvl="3"/>
             <a:r>
-              <a:rPr lang="en-US" smtClean="0"/>
+              <a:rPr lang="en-US"/>
               <a:t>Fourth level</a:t>
             </a:r>
           </a:p>
           <a:p>
             <a:pPr lvl="4"/>
             <a:r>
-              <a:rPr lang="en-US" smtClean="0"/>
+              <a:rPr lang="en-US"/>
               <a:t>Fifth level</a:t>
             </a:r>
-            <a:endParaRPr lang="en-US"/>
           </a:p>
         </p:txBody>
       </p:sp>
@@ -1013,7 +1006,7 @@
           <a:p>
             <a:fld id="{9E9AFD63-10BD-4598-9E1E-9FFECB76D2D7}" type="datetimeFigureOut">
               <a:rPr lang="en-US" smtClean="0"/>
-              <a:t>3/6/2017</a:t>
+              <a:t>1/22/2020</a:t>
             </a:fld>
             <a:endParaRPr lang="en-US"/>
           </a:p>
@@ -1208,10 +1201,9 @@
           </a:lstStyle>
           <a:p>
             <a:r>
-              <a:rPr lang="en-US" dirty="0" smtClean="0"/>
+              <a:rPr lang="en-US" dirty="0"/>
               <a:t>date</a:t>
             </a:r>
-            <a:endParaRPr lang="en-US" dirty="0"/>
           </a:p>
         </p:txBody>
       </p:sp>
@@ -1375,10 +1367,9 @@
           </a:lstStyle>
           <a:p>
             <a:r>
-              <a:rPr lang="en-US" dirty="0" smtClean="0"/>
+              <a:rPr lang="en-US" dirty="0"/>
               <a:t>Click to edit title</a:t>
             </a:r>
-            <a:endParaRPr lang="en-US" dirty="0"/>
           </a:p>
         </p:txBody>
       </p:sp>
@@ -1467,38 +1458,37 @@
           <a:p>
             <a:pPr lvl="0"/>
             <a:r>
-              <a:rPr lang="en-US" smtClean="0"/>
+              <a:rPr lang="en-US"/>
               <a:t>Click to edit Master text styles</a:t>
             </a:r>
           </a:p>
           <a:p>
             <a:pPr lvl="1"/>
             <a:r>
-              <a:rPr lang="en-US" smtClean="0"/>
+              <a:rPr lang="en-US"/>
               <a:t>Second level</a:t>
             </a:r>
           </a:p>
           <a:p>
             <a:pPr lvl="2"/>
             <a:r>
-              <a:rPr lang="en-US" smtClean="0"/>
+              <a:rPr lang="en-US"/>
               <a:t>Third level</a:t>
             </a:r>
           </a:p>
           <a:p>
             <a:pPr lvl="3"/>
             <a:r>
-              <a:rPr lang="en-US" smtClean="0"/>
+              <a:rPr lang="en-US"/>
               <a:t>Fourth level</a:t>
             </a:r>
           </a:p>
           <a:p>
             <a:pPr lvl="4"/>
             <a:r>
-              <a:rPr lang="en-US" smtClean="0"/>
+              <a:rPr lang="en-US"/>
               <a:t>Fifth level</a:t>
             </a:r>
-            <a:endParaRPr lang="en-US"/>
           </a:p>
         </p:txBody>
       </p:sp>
@@ -1528,7 +1518,7 @@
           <a:lstStyle/>
           <a:p>
             <a:r>
-              <a:rPr lang="en-US" smtClean="0"/>
+              <a:rPr lang="en-US"/>
               <a:t>Click to edit Master title style</a:t>
             </a:r>
             <a:endParaRPr lang="en-US" dirty="0"/>
@@ -1593,7 +1583,7 @@
           </a:lstStyle>
           <a:p>
             <a:r>
-              <a:rPr lang="en-US" smtClean="0"/>
+              <a:rPr lang="en-US"/>
               <a:t>Click to edit Master title style</a:t>
             </a:r>
             <a:endParaRPr lang="en-US" dirty="0"/>
@@ -1716,7 +1706,7 @@
           <a:p>
             <a:pPr lvl="0"/>
             <a:r>
-              <a:rPr lang="en-US" smtClean="0"/>
+              <a:rPr lang="en-US"/>
               <a:t>Click to edit Master text styles</a:t>
             </a:r>
           </a:p>
@@ -1805,35 +1795,35 @@
           <a:p>
             <a:pPr lvl="0"/>
             <a:r>
-              <a:rPr lang="en-US" smtClean="0"/>
+              <a:rPr lang="en-US"/>
               <a:t>Click to edit Master text styles</a:t>
             </a:r>
           </a:p>
           <a:p>
             <a:pPr lvl="1"/>
             <a:r>
-              <a:rPr lang="en-US" smtClean="0"/>
+              <a:rPr lang="en-US"/>
               <a:t>Second level</a:t>
             </a:r>
           </a:p>
           <a:p>
             <a:pPr lvl="2"/>
             <a:r>
-              <a:rPr lang="en-US" smtClean="0"/>
+              <a:rPr lang="en-US"/>
               <a:t>Third level</a:t>
             </a:r>
           </a:p>
           <a:p>
             <a:pPr lvl="3"/>
             <a:r>
-              <a:rPr lang="en-US" smtClean="0"/>
+              <a:rPr lang="en-US"/>
               <a:t>Fourth level</a:t>
             </a:r>
           </a:p>
           <a:p>
             <a:pPr lvl="4"/>
             <a:r>
-              <a:rPr lang="en-US" smtClean="0"/>
+              <a:rPr lang="en-US"/>
               <a:t>Fifth level</a:t>
             </a:r>
             <a:endParaRPr lang="en-US" dirty="0"/>
@@ -1893,38 +1883,37 @@
           <a:p>
             <a:pPr lvl="0"/>
             <a:r>
-              <a:rPr lang="en-US" smtClean="0"/>
+              <a:rPr lang="en-US"/>
               <a:t>Click to edit Master text styles</a:t>
             </a:r>
           </a:p>
           <a:p>
             <a:pPr lvl="1"/>
             <a:r>
-              <a:rPr lang="en-US" smtClean="0"/>
+              <a:rPr lang="en-US"/>
               <a:t>Second level</a:t>
             </a:r>
           </a:p>
           <a:p>
             <a:pPr lvl="2"/>
             <a:r>
-              <a:rPr lang="en-US" smtClean="0"/>
+              <a:rPr lang="en-US"/>
               <a:t>Third level</a:t>
             </a:r>
           </a:p>
           <a:p>
             <a:pPr lvl="3"/>
             <a:r>
-              <a:rPr lang="en-US" smtClean="0"/>
+              <a:rPr lang="en-US"/>
               <a:t>Fourth level</a:t>
             </a:r>
           </a:p>
           <a:p>
             <a:pPr lvl="4"/>
             <a:r>
-              <a:rPr lang="en-US" smtClean="0"/>
+              <a:rPr lang="en-US"/>
               <a:t>Fifth level</a:t>
             </a:r>
-            <a:endParaRPr lang="en-US"/>
           </a:p>
         </p:txBody>
       </p:sp>
@@ -1954,7 +1943,7 @@
           <a:lstStyle/>
           <a:p>
             <a:r>
-              <a:rPr lang="en-US" smtClean="0"/>
+              <a:rPr lang="en-US"/>
               <a:t>Click to edit Master title style</a:t>
             </a:r>
             <a:endParaRPr lang="en-US" dirty="0"/>
@@ -2055,7 +2044,7 @@
           <a:p>
             <a:pPr lvl="0"/>
             <a:r>
-              <a:rPr lang="en-US" smtClean="0"/>
+              <a:rPr lang="en-US"/>
               <a:t>Click to edit Master text styles</a:t>
             </a:r>
           </a:p>
@@ -2114,35 +2103,35 @@
           <a:p>
             <a:pPr lvl="0"/>
             <a:r>
-              <a:rPr lang="en-US" smtClean="0"/>
+              <a:rPr lang="en-US"/>
               <a:t>Click to edit Master text styles</a:t>
             </a:r>
           </a:p>
           <a:p>
             <a:pPr lvl="1"/>
             <a:r>
-              <a:rPr lang="en-US" smtClean="0"/>
+              <a:rPr lang="en-US"/>
               <a:t>Second level</a:t>
             </a:r>
           </a:p>
           <a:p>
             <a:pPr lvl="2"/>
             <a:r>
-              <a:rPr lang="en-US" smtClean="0"/>
+              <a:rPr lang="en-US"/>
               <a:t>Third level</a:t>
             </a:r>
           </a:p>
           <a:p>
             <a:pPr lvl="3"/>
             <a:r>
-              <a:rPr lang="en-US" smtClean="0"/>
+              <a:rPr lang="en-US"/>
               <a:t>Fourth level</a:t>
             </a:r>
           </a:p>
           <a:p>
             <a:pPr lvl="4"/>
             <a:r>
-              <a:rPr lang="en-US" smtClean="0"/>
+              <a:rPr lang="en-US"/>
               <a:t>Fifth level</a:t>
             </a:r>
             <a:endParaRPr lang="en-US" dirty="0"/>
@@ -2213,7 +2202,7 @@
           <a:p>
             <a:pPr lvl="0"/>
             <a:r>
-              <a:rPr lang="en-US" smtClean="0"/>
+              <a:rPr lang="en-US"/>
               <a:t>Click to edit Master text styles</a:t>
             </a:r>
           </a:p>
@@ -2272,38 +2261,37 @@
           <a:p>
             <a:pPr lvl="0"/>
             <a:r>
-              <a:rPr lang="en-US" smtClean="0"/>
+              <a:rPr lang="en-US"/>
               <a:t>Click to edit Master text styles</a:t>
             </a:r>
           </a:p>
           <a:p>
             <a:pPr lvl="1"/>
             <a:r>
-              <a:rPr lang="en-US" smtClean="0"/>
+              <a:rPr lang="en-US"/>
               <a:t>Second level</a:t>
             </a:r>
           </a:p>
           <a:p>
             <a:pPr lvl="2"/>
             <a:r>
-              <a:rPr lang="en-US" smtClean="0"/>
+              <a:rPr lang="en-US"/>
               <a:t>Third level</a:t>
             </a:r>
           </a:p>
           <a:p>
             <a:pPr lvl="3"/>
             <a:r>
-              <a:rPr lang="en-US" smtClean="0"/>
+              <a:rPr lang="en-US"/>
               <a:t>Fourth level</a:t>
             </a:r>
           </a:p>
           <a:p>
             <a:pPr lvl="4"/>
             <a:r>
-              <a:rPr lang="en-US" smtClean="0"/>
+              <a:rPr lang="en-US"/>
               <a:t>Fifth level</a:t>
             </a:r>
-            <a:endParaRPr lang="en-US"/>
           </a:p>
         </p:txBody>
       </p:sp>
@@ -2333,7 +2321,7 @@
           <a:lstStyle/>
           <a:p>
             <a:r>
-              <a:rPr lang="en-US" smtClean="0"/>
+              <a:rPr lang="en-US"/>
               <a:t>Click to edit Master title style</a:t>
             </a:r>
             <a:endParaRPr lang="en-US" dirty="0"/>
@@ -2396,7 +2384,7 @@
           <a:lstStyle/>
           <a:p>
             <a:r>
-              <a:rPr lang="en-US" smtClean="0"/>
+              <a:rPr lang="en-US"/>
               <a:t>Click to edit Master title style</a:t>
             </a:r>
             <a:endParaRPr lang="en-US" dirty="0"/>
@@ -2491,10 +2479,9 @@
           </a:lstStyle>
           <a:p>
             <a:r>
-              <a:rPr lang="en-US" smtClean="0"/>
+              <a:rPr lang="en-US"/>
               <a:t>Click to edit Master title style</a:t>
             </a:r>
-            <a:endParaRPr lang="en-US"/>
           </a:p>
         </p:txBody>
       </p:sp>
@@ -2551,35 +2538,35 @@
           <a:p>
             <a:pPr lvl="0"/>
             <a:r>
-              <a:rPr lang="en-US" smtClean="0"/>
+              <a:rPr lang="en-US"/>
               <a:t>Click to edit Master text styles</a:t>
             </a:r>
           </a:p>
           <a:p>
             <a:pPr lvl="1"/>
             <a:r>
-              <a:rPr lang="en-US" smtClean="0"/>
+              <a:rPr lang="en-US"/>
               <a:t>Second level</a:t>
             </a:r>
           </a:p>
           <a:p>
             <a:pPr lvl="2"/>
             <a:r>
-              <a:rPr lang="en-US" smtClean="0"/>
+              <a:rPr lang="en-US"/>
               <a:t>Third level</a:t>
             </a:r>
           </a:p>
           <a:p>
             <a:pPr lvl="3"/>
             <a:r>
-              <a:rPr lang="en-US" smtClean="0"/>
+              <a:rPr lang="en-US"/>
               <a:t>Fourth level</a:t>
             </a:r>
           </a:p>
           <a:p>
             <a:pPr lvl="4"/>
             <a:r>
-              <a:rPr lang="en-US" smtClean="0"/>
+              <a:rPr lang="en-US"/>
               <a:t>Fifth level</a:t>
             </a:r>
             <a:endParaRPr lang="en-US" dirty="0"/>
@@ -2648,7 +2635,7 @@
           <a:p>
             <a:pPr lvl="0"/>
             <a:r>
-              <a:rPr lang="en-US" smtClean="0"/>
+              <a:rPr lang="en-US"/>
               <a:t>Click to edit Master text styles</a:t>
             </a:r>
           </a:p>
@@ -2700,10 +2687,9 @@
           <a:lstStyle/>
           <a:p>
             <a:r>
-              <a:rPr lang="en-US" smtClean="0"/>
+              <a:rPr lang="en-US"/>
               <a:t>Click to edit Master title style</a:t>
             </a:r>
-            <a:endParaRPr lang="en-US"/>
           </a:p>
         </p:txBody>
       </p:sp>
@@ -2724,38 +2710,37 @@
           <a:p>
             <a:pPr lvl="0"/>
             <a:r>
-              <a:rPr lang="en-US" smtClean="0"/>
+              <a:rPr lang="en-US"/>
               <a:t>Click to edit Master text styles</a:t>
             </a:r>
           </a:p>
           <a:p>
             <a:pPr lvl="1"/>
             <a:r>
-              <a:rPr lang="en-US" smtClean="0"/>
+              <a:rPr lang="en-US"/>
               <a:t>Second level</a:t>
             </a:r>
           </a:p>
           <a:p>
             <a:pPr lvl="2"/>
             <a:r>
-              <a:rPr lang="en-US" smtClean="0"/>
+              <a:rPr lang="en-US"/>
               <a:t>Third level</a:t>
             </a:r>
           </a:p>
           <a:p>
             <a:pPr lvl="3"/>
             <a:r>
-              <a:rPr lang="en-US" smtClean="0"/>
+              <a:rPr lang="en-US"/>
               <a:t>Fourth level</a:t>
             </a:r>
           </a:p>
           <a:p>
             <a:pPr lvl="4"/>
             <a:r>
-              <a:rPr lang="en-US" smtClean="0"/>
+              <a:rPr lang="en-US"/>
               <a:t>Fifth level</a:t>
             </a:r>
-            <a:endParaRPr lang="en-US"/>
           </a:p>
         </p:txBody>
       </p:sp>
@@ -2776,7 +2761,7 @@
           <a:p>
             <a:fld id="{9E9AFD63-10BD-4598-9E1E-9FFECB76D2D7}" type="datetimeFigureOut">
               <a:rPr lang="en-US" smtClean="0"/>
-              <a:t>3/6/2017</a:t>
+              <a:t>1/22/2020</a:t>
             </a:fld>
             <a:endParaRPr lang="en-US"/>
           </a:p>
@@ -2882,10 +2867,9 @@
           </a:lstStyle>
           <a:p>
             <a:r>
-              <a:rPr lang="en-US" smtClean="0"/>
+              <a:rPr lang="en-US"/>
               <a:t>Click to edit Master title style</a:t>
             </a:r>
-            <a:endParaRPr lang="en-US"/>
           </a:p>
         </p:txBody>
       </p:sp>
@@ -2950,10 +2934,9 @@
           </a:lstStyle>
           <a:p>
             <a:r>
-              <a:rPr lang="en-US" smtClean="0"/>
+              <a:rPr lang="en-US"/>
               <a:t>Drag picture to placeholder or click icon to add</a:t>
             </a:r>
-            <a:endParaRPr lang="en-US"/>
           </a:p>
         </p:txBody>
       </p:sp>
@@ -3019,7 +3002,7 @@
           <a:p>
             <a:pPr lvl="0"/>
             <a:r>
-              <a:rPr lang="en-US" smtClean="0"/>
+              <a:rPr lang="en-US"/>
               <a:t>Click to edit Master text styles</a:t>
             </a:r>
           </a:p>
@@ -3080,10 +3063,9 @@
           </a:lstStyle>
           <a:p>
             <a:r>
-              <a:rPr lang="en-US" smtClean="0"/>
+              <a:rPr lang="en-US"/>
               <a:t>Click to edit Master title style</a:t>
             </a:r>
-            <a:endParaRPr lang="en-US"/>
           </a:p>
         </p:txBody>
       </p:sp>
@@ -3200,7 +3182,7 @@
           <a:p>
             <a:pPr lvl="0"/>
             <a:r>
-              <a:rPr lang="en-US" smtClean="0"/>
+              <a:rPr lang="en-US"/>
               <a:t>Click to edit Master text styles</a:t>
             </a:r>
           </a:p>
@@ -3223,7 +3205,7 @@
           <a:p>
             <a:fld id="{9E9AFD63-10BD-4598-9E1E-9FFECB76D2D7}" type="datetimeFigureOut">
               <a:rPr lang="en-US" smtClean="0"/>
-              <a:t>3/6/2017</a:t>
+              <a:t>1/22/2020</a:t>
             </a:fld>
             <a:endParaRPr lang="en-US"/>
           </a:p>
@@ -3317,10 +3299,9 @@
           <a:lstStyle/>
           <a:p>
             <a:r>
-              <a:rPr lang="en-US" smtClean="0"/>
+              <a:rPr lang="en-US"/>
               <a:t>Click to edit Master title style</a:t>
             </a:r>
-            <a:endParaRPr lang="en-US"/>
           </a:p>
         </p:txBody>
       </p:sp>
@@ -3374,38 +3355,37 @@
           <a:p>
             <a:pPr lvl="0"/>
             <a:r>
-              <a:rPr lang="en-US" smtClean="0"/>
+              <a:rPr lang="en-US"/>
               <a:t>Click to edit Master text styles</a:t>
             </a:r>
           </a:p>
           <a:p>
             <a:pPr lvl="1"/>
             <a:r>
-              <a:rPr lang="en-US" smtClean="0"/>
+              <a:rPr lang="en-US"/>
               <a:t>Second level</a:t>
             </a:r>
           </a:p>
           <a:p>
             <a:pPr lvl="2"/>
             <a:r>
-              <a:rPr lang="en-US" smtClean="0"/>
+              <a:rPr lang="en-US"/>
               <a:t>Third level</a:t>
             </a:r>
           </a:p>
           <a:p>
             <a:pPr lvl="3"/>
             <a:r>
-              <a:rPr lang="en-US" smtClean="0"/>
+              <a:rPr lang="en-US"/>
               <a:t>Fourth level</a:t>
             </a:r>
           </a:p>
           <a:p>
             <a:pPr lvl="4"/>
             <a:r>
-              <a:rPr lang="en-US" smtClean="0"/>
+              <a:rPr lang="en-US"/>
               <a:t>Fifth level</a:t>
             </a:r>
-            <a:endParaRPr lang="en-US"/>
           </a:p>
         </p:txBody>
       </p:sp>
@@ -3459,38 +3439,37 @@
           <a:p>
             <a:pPr lvl="0"/>
             <a:r>
-              <a:rPr lang="en-US" smtClean="0"/>
+              <a:rPr lang="en-US"/>
               <a:t>Click to edit Master text styles</a:t>
             </a:r>
           </a:p>
           <a:p>
             <a:pPr lvl="1"/>
             <a:r>
-              <a:rPr lang="en-US" smtClean="0"/>
+              <a:rPr lang="en-US"/>
               <a:t>Second level</a:t>
             </a:r>
           </a:p>
           <a:p>
             <a:pPr lvl="2"/>
             <a:r>
-              <a:rPr lang="en-US" smtClean="0"/>
+              <a:rPr lang="en-US"/>
               <a:t>Third level</a:t>
             </a:r>
           </a:p>
           <a:p>
             <a:pPr lvl="3"/>
             <a:r>
-              <a:rPr lang="en-US" smtClean="0"/>
+              <a:rPr lang="en-US"/>
               <a:t>Fourth level</a:t>
             </a:r>
           </a:p>
           <a:p>
             <a:pPr lvl="4"/>
             <a:r>
-              <a:rPr lang="en-US" smtClean="0"/>
+              <a:rPr lang="en-US"/>
               <a:t>Fifth level</a:t>
             </a:r>
-            <a:endParaRPr lang="en-US"/>
           </a:p>
         </p:txBody>
       </p:sp>
@@ -3511,7 +3490,7 @@
           <a:p>
             <a:fld id="{9E9AFD63-10BD-4598-9E1E-9FFECB76D2D7}" type="datetimeFigureOut">
               <a:rPr lang="en-US" smtClean="0"/>
-              <a:t>3/6/2017</a:t>
+              <a:t>1/22/2020</a:t>
             </a:fld>
             <a:endParaRPr lang="en-US"/>
           </a:p>
@@ -3609,10 +3588,9 @@
           </a:lstStyle>
           <a:p>
             <a:r>
-              <a:rPr lang="en-US" smtClean="0"/>
+              <a:rPr lang="en-US"/>
               <a:t>Click to edit Master title style</a:t>
             </a:r>
-            <a:endParaRPr lang="en-US"/>
           </a:p>
         </p:txBody>
       </p:sp>
@@ -3675,7 +3653,7 @@
           <a:p>
             <a:pPr lvl="0"/>
             <a:r>
-              <a:rPr lang="en-US" smtClean="0"/>
+              <a:rPr lang="en-US"/>
               <a:t>Click to edit Master text styles</a:t>
             </a:r>
           </a:p>
@@ -3731,38 +3709,37 @@
           <a:p>
             <a:pPr lvl="0"/>
             <a:r>
-              <a:rPr lang="en-US" smtClean="0"/>
+              <a:rPr lang="en-US"/>
               <a:t>Click to edit Master text styles</a:t>
             </a:r>
           </a:p>
           <a:p>
             <a:pPr lvl="1"/>
             <a:r>
-              <a:rPr lang="en-US" smtClean="0"/>
+              <a:rPr lang="en-US"/>
               <a:t>Second level</a:t>
             </a:r>
           </a:p>
           <a:p>
             <a:pPr lvl="2"/>
             <a:r>
-              <a:rPr lang="en-US" smtClean="0"/>
+              <a:rPr lang="en-US"/>
               <a:t>Third level</a:t>
             </a:r>
           </a:p>
           <a:p>
             <a:pPr lvl="3"/>
             <a:r>
-              <a:rPr lang="en-US" smtClean="0"/>
+              <a:rPr lang="en-US"/>
               <a:t>Fourth level</a:t>
             </a:r>
           </a:p>
           <a:p>
             <a:pPr lvl="4"/>
             <a:r>
-              <a:rPr lang="en-US" smtClean="0"/>
+              <a:rPr lang="en-US"/>
               <a:t>Fifth level</a:t>
             </a:r>
-            <a:endParaRPr lang="en-US"/>
           </a:p>
         </p:txBody>
       </p:sp>
@@ -3825,7 +3802,7 @@
           <a:p>
             <a:pPr lvl="0"/>
             <a:r>
-              <a:rPr lang="en-US" smtClean="0"/>
+              <a:rPr lang="en-US"/>
               <a:t>Click to edit Master text styles</a:t>
             </a:r>
           </a:p>
@@ -3881,38 +3858,37 @@
           <a:p>
             <a:pPr lvl="0"/>
             <a:r>
-              <a:rPr lang="en-US" smtClean="0"/>
+              <a:rPr lang="en-US"/>
               <a:t>Click to edit Master text styles</a:t>
             </a:r>
           </a:p>
           <a:p>
             <a:pPr lvl="1"/>
             <a:r>
-              <a:rPr lang="en-US" smtClean="0"/>
+              <a:rPr lang="en-US"/>
               <a:t>Second level</a:t>
             </a:r>
           </a:p>
           <a:p>
             <a:pPr lvl="2"/>
             <a:r>
-              <a:rPr lang="en-US" smtClean="0"/>
+              <a:rPr lang="en-US"/>
               <a:t>Third level</a:t>
             </a:r>
           </a:p>
           <a:p>
             <a:pPr lvl="3"/>
             <a:r>
-              <a:rPr lang="en-US" smtClean="0"/>
+              <a:rPr lang="en-US"/>
               <a:t>Fourth level</a:t>
             </a:r>
           </a:p>
           <a:p>
             <a:pPr lvl="4"/>
             <a:r>
-              <a:rPr lang="en-US" smtClean="0"/>
+              <a:rPr lang="en-US"/>
               <a:t>Fifth level</a:t>
             </a:r>
-            <a:endParaRPr lang="en-US"/>
           </a:p>
         </p:txBody>
       </p:sp>
@@ -3933,7 +3909,7 @@
           <a:p>
             <a:fld id="{9E9AFD63-10BD-4598-9E1E-9FFECB76D2D7}" type="datetimeFigureOut">
               <a:rPr lang="en-US" smtClean="0"/>
-              <a:t>3/6/2017</a:t>
+              <a:t>1/22/2020</a:t>
             </a:fld>
             <a:endParaRPr lang="en-US"/>
           </a:p>
@@ -4027,10 +4003,9 @@
           <a:lstStyle/>
           <a:p>
             <a:r>
-              <a:rPr lang="en-US" smtClean="0"/>
+              <a:rPr lang="en-US"/>
               <a:t>Click to edit Master title style</a:t>
             </a:r>
-            <a:endParaRPr lang="en-US"/>
           </a:p>
         </p:txBody>
       </p:sp>
@@ -4051,7 +4026,7 @@
           <a:p>
             <a:fld id="{9E9AFD63-10BD-4598-9E1E-9FFECB76D2D7}" type="datetimeFigureOut">
               <a:rPr lang="en-US" smtClean="0"/>
-              <a:t>3/6/2017</a:t>
+              <a:t>1/22/2020</a:t>
             </a:fld>
             <a:endParaRPr lang="en-US"/>
           </a:p>
@@ -4146,7 +4121,7 @@
           <a:p>
             <a:fld id="{9E9AFD63-10BD-4598-9E1E-9FFECB76D2D7}" type="datetimeFigureOut">
               <a:rPr lang="en-US" smtClean="0"/>
-              <a:t>3/6/2017</a:t>
+              <a:t>1/22/2020</a:t>
             </a:fld>
             <a:endParaRPr lang="en-US"/>
           </a:p>
@@ -4249,10 +4224,9 @@
           </a:lstStyle>
           <a:p>
             <a:r>
-              <a:rPr lang="en-US" smtClean="0"/>
+              <a:rPr lang="en-US"/>
               <a:t>Click to edit Master title style</a:t>
             </a:r>
-            <a:endParaRPr lang="en-US"/>
           </a:p>
         </p:txBody>
       </p:sp>
@@ -4306,38 +4280,37 @@
           <a:p>
             <a:pPr lvl="0"/>
             <a:r>
-              <a:rPr lang="en-US" smtClean="0"/>
+              <a:rPr lang="en-US"/>
               <a:t>Click to edit Master text styles</a:t>
             </a:r>
           </a:p>
           <a:p>
             <a:pPr lvl="1"/>
             <a:r>
-              <a:rPr lang="en-US" smtClean="0"/>
+              <a:rPr lang="en-US"/>
               <a:t>Second level</a:t>
             </a:r>
           </a:p>
           <a:p>
             <a:pPr lvl="2"/>
             <a:r>
-              <a:rPr lang="en-US" smtClean="0"/>
+              <a:rPr lang="en-US"/>
               <a:t>Third level</a:t>
             </a:r>
           </a:p>
           <a:p>
             <a:pPr lvl="3"/>
             <a:r>
-              <a:rPr lang="en-US" smtClean="0"/>
+              <a:rPr lang="en-US"/>
               <a:t>Fourth level</a:t>
             </a:r>
           </a:p>
           <a:p>
             <a:pPr lvl="4"/>
             <a:r>
-              <a:rPr lang="en-US" smtClean="0"/>
+              <a:rPr lang="en-US"/>
               <a:t>Fifth level</a:t>
             </a:r>
-            <a:endParaRPr lang="en-US"/>
           </a:p>
         </p:txBody>
       </p:sp>
@@ -4400,7 +4373,7 @@
           <a:p>
             <a:pPr lvl="0"/>
             <a:r>
-              <a:rPr lang="en-US" smtClean="0"/>
+              <a:rPr lang="en-US"/>
               <a:t>Click to edit Master text styles</a:t>
             </a:r>
           </a:p>
@@ -4423,7 +4396,7 @@
           <a:p>
             <a:fld id="{9E9AFD63-10BD-4598-9E1E-9FFECB76D2D7}" type="datetimeFigureOut">
               <a:rPr lang="en-US" smtClean="0"/>
-              <a:t>3/6/2017</a:t>
+              <a:t>1/22/2020</a:t>
             </a:fld>
             <a:endParaRPr lang="en-US"/>
           </a:p>
@@ -4526,10 +4499,9 @@
           </a:lstStyle>
           <a:p>
             <a:r>
-              <a:rPr lang="en-US" smtClean="0"/>
+              <a:rPr lang="en-US"/>
               <a:t>Click to edit Master title style</a:t>
             </a:r>
-            <a:endParaRPr lang="en-US"/>
           </a:p>
         </p:txBody>
       </p:sp>
@@ -4653,7 +4625,7 @@
           <a:p>
             <a:pPr lvl="0"/>
             <a:r>
-              <a:rPr lang="en-US" smtClean="0"/>
+              <a:rPr lang="en-US"/>
               <a:t>Click to edit Master text styles</a:t>
             </a:r>
           </a:p>
@@ -4676,7 +4648,7 @@
           <a:p>
             <a:fld id="{9E9AFD63-10BD-4598-9E1E-9FFECB76D2D7}" type="datetimeFigureOut">
               <a:rPr lang="en-US" smtClean="0"/>
-              <a:t>3/6/2017</a:t>
+              <a:t>1/22/2020</a:t>
             </a:fld>
             <a:endParaRPr lang="en-US"/>
           </a:p>
@@ -4785,10 +4757,9 @@
           <a:lstStyle/>
           <a:p>
             <a:r>
-              <a:rPr lang="en-US" smtClean="0"/>
+              <a:rPr lang="en-US"/>
               <a:t>Click to edit Master title style</a:t>
             </a:r>
-            <a:endParaRPr lang="en-US"/>
           </a:p>
         </p:txBody>
       </p:sp>
@@ -4819,38 +4790,37 @@
           <a:p>
             <a:pPr lvl="0"/>
             <a:r>
-              <a:rPr lang="en-US" smtClean="0"/>
+              <a:rPr lang="en-US"/>
               <a:t>Click to edit Master text styles</a:t>
             </a:r>
           </a:p>
           <a:p>
             <a:pPr lvl="1"/>
             <a:r>
-              <a:rPr lang="en-US" smtClean="0"/>
+              <a:rPr lang="en-US"/>
               <a:t>Second level</a:t>
             </a:r>
           </a:p>
           <a:p>
             <a:pPr lvl="2"/>
             <a:r>
-              <a:rPr lang="en-US" smtClean="0"/>
+              <a:rPr lang="en-US"/>
               <a:t>Third level</a:t>
             </a:r>
           </a:p>
           <a:p>
             <a:pPr lvl="3"/>
             <a:r>
-              <a:rPr lang="en-US" smtClean="0"/>
+              <a:rPr lang="en-US"/>
               <a:t>Fourth level</a:t>
             </a:r>
           </a:p>
           <a:p>
             <a:pPr lvl="4"/>
             <a:r>
-              <a:rPr lang="en-US" smtClean="0"/>
+              <a:rPr lang="en-US"/>
               <a:t>Fifth level</a:t>
             </a:r>
-            <a:endParaRPr lang="en-US"/>
           </a:p>
         </p:txBody>
       </p:sp>
@@ -4889,7 +4859,7 @@
           <a:p>
             <a:fld id="{9E9AFD63-10BD-4598-9E1E-9FFECB76D2D7}" type="datetimeFigureOut">
               <a:rPr lang="en-US" smtClean="0"/>
-              <a:t>3/6/2017</a:t>
+              <a:t>1/22/2020</a:t>
             </a:fld>
             <a:endParaRPr lang="en-US"/>
           </a:p>
@@ -5385,10 +5355,10 @@
                 <a:ea typeface="ＭＳ Ｐゴシック" pitchFamily="-106" charset="-128"/>
                 <a:cs typeface="ＭＳ Ｐゴシック" pitchFamily="-106" charset="-128"/>
               </a:rPr>
-              <a:t>Copyright </a:t>
-            </a:r>
-            <a:r>
-              <a:rPr lang="en-US" sz="600" dirty="0" smtClean="0">
+              <a:t>Copyright 2014. All rights reserved. Applied </a:t>
+            </a:r>
+            <a:r>
+              <a:rPr lang="en-US" sz="600" dirty="0" err="1">
                 <a:solidFill>
                   <a:prstClr val="black">
                     <a:lumMod val="65000"/>
@@ -5400,7 +5370,7 @@
                 <a:ea typeface="ＭＳ Ｐゴシック" pitchFamily="-106" charset="-128"/>
                 <a:cs typeface="ＭＳ Ｐゴシック" pitchFamily="-106" charset="-128"/>
               </a:rPr>
-              <a:t>2014. </a:t>
+              <a:t>ReArch</a:t>
             </a:r>
             <a:r>
               <a:rPr lang="en-US" sz="600" dirty="0">
@@ -5415,52 +5385,7 @@
                 <a:ea typeface="ＭＳ Ｐゴシック" pitchFamily="-106" charset="-128"/>
                 <a:cs typeface="ＭＳ Ｐゴシック" pitchFamily="-106" charset="-128"/>
               </a:rPr>
-              <a:t>All rights reserved. Applied </a:t>
-            </a:r>
-            <a:r>
-              <a:rPr lang="en-US" sz="600" dirty="0" err="1" smtClean="0">
-                <a:solidFill>
-                  <a:prstClr val="black">
-                    <a:lumMod val="65000"/>
-                    <a:lumOff val="35000"/>
-                    <a:alpha val="30000"/>
-                  </a:prstClr>
-                </a:solidFill>
-                <a:latin typeface="Arial" pitchFamily="-108" charset="0"/>
-                <a:ea typeface="ＭＳ Ｐゴシック" pitchFamily="-106" charset="-128"/>
-                <a:cs typeface="ＭＳ Ｐゴシック" pitchFamily="-106" charset="-128"/>
-              </a:rPr>
-              <a:t>ReArch</a:t>
-            </a:r>
-            <a:r>
-              <a:rPr lang="en-US" sz="600" dirty="0" smtClean="0">
-                <a:solidFill>
-                  <a:prstClr val="black">
-                    <a:lumMod val="65000"/>
-                    <a:lumOff val="35000"/>
-                    <a:alpha val="30000"/>
-                  </a:prstClr>
-                </a:solidFill>
-                <a:latin typeface="Arial" pitchFamily="-108" charset="0"/>
-                <a:ea typeface="ＭＳ Ｐゴシック" pitchFamily="-106" charset="-128"/>
-                <a:cs typeface="ＭＳ Ｐゴシック" pitchFamily="-106" charset="-128"/>
-              </a:rPr>
-              <a:t> </a:t>
-            </a:r>
-            <a:r>
-              <a:rPr lang="en-US" sz="600" dirty="0">
-                <a:solidFill>
-                  <a:prstClr val="black">
-                    <a:lumMod val="65000"/>
-                    <a:lumOff val="35000"/>
-                    <a:alpha val="30000"/>
-                  </a:prstClr>
-                </a:solidFill>
-                <a:latin typeface="Arial" pitchFamily="-108" charset="0"/>
-                <a:ea typeface="ＭＳ Ｐゴシック" pitchFamily="-106" charset="-128"/>
-                <a:cs typeface="ＭＳ Ｐゴシック" pitchFamily="-106" charset="-128"/>
-              </a:rPr>
-              <a:t>Associates, Inc.</a:t>
+              <a:t> Associates, Inc.</a:t>
             </a:r>
           </a:p>
         </p:txBody>
@@ -5543,35 +5468,35 @@
           <a:p>
             <a:pPr lvl="0"/>
             <a:r>
-              <a:rPr lang="en-US" smtClean="0"/>
+              <a:rPr lang="en-US"/>
               <a:t>Click to edit Master text styles</a:t>
             </a:r>
           </a:p>
           <a:p>
             <a:pPr lvl="1"/>
             <a:r>
-              <a:rPr lang="en-US" smtClean="0"/>
+              <a:rPr lang="en-US"/>
               <a:t>Second level</a:t>
             </a:r>
           </a:p>
           <a:p>
             <a:pPr lvl="2"/>
             <a:r>
-              <a:rPr lang="en-US" smtClean="0"/>
+              <a:rPr lang="en-US"/>
               <a:t>Third level</a:t>
             </a:r>
           </a:p>
           <a:p>
             <a:pPr lvl="3"/>
             <a:r>
-              <a:rPr lang="en-US" smtClean="0"/>
+              <a:rPr lang="en-US"/>
               <a:t>Fourth level</a:t>
             </a:r>
           </a:p>
           <a:p>
             <a:pPr lvl="4"/>
             <a:r>
-              <a:rPr lang="en-US" smtClean="0"/>
+              <a:rPr lang="en-US"/>
               <a:t>Fifth level</a:t>
             </a:r>
             <a:endParaRPr lang="en-US" dirty="0"/>
@@ -5604,7 +5529,7 @@
           <a:lstStyle/>
           <a:p>
             <a:r>
-              <a:rPr lang="en-US" smtClean="0"/>
+              <a:rPr lang="en-US"/>
               <a:t>Click to edit Master title style</a:t>
             </a:r>
             <a:endParaRPr lang="en-US" dirty="0"/>
@@ -6334,10 +6259,9 @@
           <a:lstStyle/>
           <a:p>
             <a:r>
-              <a:rPr lang="en-US" sz="1400" dirty="0" smtClean="0"/>
+              <a:rPr lang="en-US" sz="1400" dirty="0"/>
               <a:t>Initial</a:t>
             </a:r>
-            <a:endParaRPr lang="en-US" sz="1400" dirty="0"/>
           </a:p>
         </p:txBody>
       </p:sp>
@@ -6364,10 +6288,9 @@
           <a:lstStyle/>
           <a:p>
             <a:r>
-              <a:rPr lang="en-US" sz="1400" dirty="0" smtClean="0"/>
+              <a:rPr lang="en-US" sz="1400" dirty="0"/>
               <a:t>Secondary</a:t>
             </a:r>
-            <a:endParaRPr lang="en-US" sz="1400" dirty="0"/>
           </a:p>
         </p:txBody>
       </p:sp>
@@ -6394,10 +6317,9 @@
           <a:lstStyle/>
           <a:p>
             <a:r>
-              <a:rPr lang="en-US" sz="1400" dirty="0" smtClean="0"/>
+              <a:rPr lang="en-US" sz="1400" dirty="0"/>
               <a:t>Active</a:t>
             </a:r>
-            <a:endParaRPr lang="en-US" sz="1400" dirty="0"/>
           </a:p>
         </p:txBody>
       </p:sp>
@@ -6426,8 +6348,20 @@
                 <a:tableStyleId>{5940675A-B579-460E-94D1-54222C63F5DA}</a:tableStyleId>
               </a:tblPr>
               <a:tblGrid>
-                <a:gridCol w="1122128"/>
-                <a:gridCol w="4474001"/>
+                <a:gridCol w="1122128">
+                  <a:extLst>
+                    <a:ext uri="{9D8B030D-6E8A-4147-A177-3AD203B41FA5}">
+                      <a16:colId xmlns:a16="http://schemas.microsoft.com/office/drawing/2014/main" val="20000"/>
+                    </a:ext>
+                  </a:extLst>
+                </a:gridCol>
+                <a:gridCol w="4474001">
+                  <a:extLst>
+                    <a:ext uri="{9D8B030D-6E8A-4147-A177-3AD203B41FA5}">
+                      <a16:colId xmlns:a16="http://schemas.microsoft.com/office/drawing/2014/main" val="20001"/>
+                    </a:ext>
+                  </a:extLst>
+                </a:gridCol>
               </a:tblGrid>
               <a:tr h="370840">
                 <a:tc>
@@ -6437,10 +6371,9 @@
                     <a:p>
                       <a:pPr algn="ctr"/>
                       <a:r>
-                        <a:rPr lang="en-US" sz="1200" b="1" dirty="0" smtClean="0"/>
+                        <a:rPr lang="en-US" sz="1200" b="1" dirty="0"/>
                         <a:t>Initial</a:t>
                       </a:r>
-                      <a:endParaRPr lang="en-US" sz="1200" b="1" dirty="0" smtClean="0"/>
                     </a:p>
                   </a:txBody>
                   <a:tcPr anchor="ctr"/>
@@ -6451,30 +6384,23 @@
                     <a:lstStyle/>
                     <a:p>
                       <a:r>
-                        <a:rPr lang="en-US" sz="1200" dirty="0" smtClean="0"/>
+                        <a:rPr lang="en-US" sz="1200" dirty="0"/>
                         <a:t>All values are initialized prior to beginning</a:t>
                       </a:r>
                       <a:r>
-                        <a:rPr lang="en-US" sz="1200" baseline="0" dirty="0" smtClean="0"/>
-                        <a:t> calculations, </a:t>
-                      </a:r>
-                      <a:r>
-                        <a:rPr lang="en-US" sz="1200" baseline="0" dirty="0" smtClean="0"/>
-                        <a:t>system </a:t>
-                      </a:r>
-                      <a:r>
-                        <a:rPr lang="en-US" sz="1200" baseline="0" dirty="0" smtClean="0"/>
-                        <a:t>parameters are modified to meet the patient file values. The engine executes until all specified stabilization criteria are satisfied</a:t>
-                      </a:r>
-                      <a:r>
-                        <a:rPr lang="en-US" sz="1200" baseline="0" dirty="0" smtClean="0"/>
-                        <a:t>. The result is the patient’s resting homeostatic state.</a:t>
+                        <a:rPr lang="en-US" sz="1200" baseline="0" dirty="0"/>
+                        <a:t> calculations, system parameters are modified to meet the patient file values. The engine executes until all specified stabilization criteria are satisfied. The result is the patient’s resting homeostatic state.</a:t>
                       </a:r>
                       <a:endParaRPr lang="en-US" sz="1200" dirty="0"/>
                     </a:p>
                   </a:txBody>
                   <a:tcPr/>
                 </a:tc>
+                <a:extLst>
+                  <a:ext uri="{0D108BD9-81ED-4DB2-BD59-A6C34878D82A}">
+                    <a16:rowId xmlns:a16="http://schemas.microsoft.com/office/drawing/2014/main" val="10000"/>
+                  </a:ext>
+                </a:extLst>
               </a:tr>
               <a:tr h="370840">
                 <a:tc>
@@ -6484,10 +6410,9 @@
                     <a:p>
                       <a:pPr algn="ctr"/>
                       <a:r>
-                        <a:rPr lang="en-US" sz="1200" b="1" dirty="0" smtClean="0"/>
+                        <a:rPr lang="en-US" sz="1200" b="1" dirty="0"/>
                         <a:t>Secondary</a:t>
                       </a:r>
-                      <a:endParaRPr lang="en-US" sz="1200" b="1" dirty="0"/>
                     </a:p>
                   </a:txBody>
                   <a:tcPr anchor="ctr"/>
@@ -6498,50 +6423,31 @@
                     <a:lstStyle/>
                     <a:p>
                       <a:r>
-                        <a:rPr lang="en-US" sz="1200" dirty="0" smtClean="0"/>
-                        <a:t>After </a:t>
+                        <a:rPr lang="en-US" sz="1200" dirty="0"/>
+                        <a:t>After initial stabilization has been achieved, chronic conditions and certain feedback mechanism</a:t>
                       </a:r>
                       <a:r>
-                        <a:rPr lang="en-US" sz="1200" dirty="0" smtClean="0"/>
-                        <a:t>initial </a:t>
-                      </a:r>
-                      <a:r>
-                        <a:rPr lang="en-US" sz="1200" dirty="0" smtClean="0"/>
-                        <a:t>stabilization has been achieved, chronic conditions </a:t>
-                      </a:r>
-                      <a:r>
-                        <a:rPr lang="en-US" sz="1200" dirty="0" smtClean="0"/>
-                        <a:t>and certain feedback mechanism</a:t>
-                      </a:r>
-                      <a:r>
-                        <a:rPr lang="en-US" sz="1200" baseline="0" dirty="0" smtClean="0"/>
+                        <a:rPr lang="en-US" sz="1200" baseline="0" dirty="0"/>
                         <a:t>s (e.g., baroreceptors) </a:t>
                       </a:r>
                       <a:r>
-                        <a:rPr lang="en-US" sz="1200" dirty="0" smtClean="0"/>
-                        <a:t>are </a:t>
+                        <a:rPr lang="en-US" sz="1200" dirty="0"/>
+                        <a:t>are applied. Any patient parameters, environmental settings, or model values are updated to represent</a:t>
                       </a:r>
                       <a:r>
-                        <a:rPr lang="en-US" sz="1200" dirty="0" smtClean="0"/>
-                        <a:t>applied. Any patient parameters, environmental settings, or model values are updated to represent</a:t>
-                      </a:r>
-                      <a:r>
-                        <a:rPr lang="en-US" sz="1200" baseline="0" dirty="0" smtClean="0"/>
-                        <a:t> the specified condition</a:t>
-                      </a:r>
-                      <a:r>
-                        <a:rPr lang="en-US" sz="1200" baseline="0" dirty="0" smtClean="0"/>
-                        <a:t>. </a:t>
-                      </a:r>
-                      <a:r>
-                        <a:rPr lang="en-US" sz="1200" baseline="0" dirty="0" smtClean="0"/>
-                        <a:t>The engine executes until all specified stabilization criteria are satisfied.</a:t>
+                        <a:rPr lang="en-US" sz="1200" baseline="0" dirty="0"/>
+                        <a:t> the specified condition. The engine executes until all specified stabilization criteria are satisfied.</a:t>
                       </a:r>
                       <a:endParaRPr lang="en-US" sz="1200" dirty="0"/>
                     </a:p>
                   </a:txBody>
                   <a:tcPr/>
                 </a:tc>
+                <a:extLst>
+                  <a:ext uri="{0D108BD9-81ED-4DB2-BD59-A6C34878D82A}">
+                    <a16:rowId xmlns:a16="http://schemas.microsoft.com/office/drawing/2014/main" val="10001"/>
+                  </a:ext>
+                </a:extLst>
               </a:tr>
               <a:tr h="370840">
                 <a:tc>
@@ -6551,10 +6457,9 @@
                     <a:p>
                       <a:pPr algn="ctr"/>
                       <a:r>
-                        <a:rPr lang="en-US" sz="1200" b="1" dirty="0" smtClean="0"/>
+                        <a:rPr lang="en-US" sz="1200" b="1" dirty="0"/>
                         <a:t>Active</a:t>
                       </a:r>
-                      <a:endParaRPr lang="en-US" sz="1200" b="1" dirty="0"/>
                     </a:p>
                   </a:txBody>
                   <a:tcPr anchor="ctr"/>
@@ -6565,11 +6470,11 @@
                     <a:lstStyle/>
                     <a:p>
                       <a:r>
-                        <a:rPr lang="en-US" sz="1200" dirty="0" smtClean="0"/>
+                        <a:rPr lang="en-US" sz="1200" dirty="0"/>
                         <a:t>After the</a:t>
                       </a:r>
                       <a:r>
-                        <a:rPr lang="en-US" sz="1200" baseline="0" dirty="0" smtClean="0"/>
+                        <a:rPr lang="en-US" sz="1200" baseline="0" dirty="0"/>
                         <a:t> patient physiology is stable, the remainder of the scenario executes.  All feedback mechanisms are active. Further modifications are performed through actions.</a:t>
                       </a:r>
                       <a:endParaRPr lang="en-US" sz="1200" dirty="0"/>
@@ -6577,6 +6482,11 @@
                   </a:txBody>
                   <a:tcPr/>
                 </a:tc>
+                <a:extLst>
+                  <a:ext uri="{0D108BD9-81ED-4DB2-BD59-A6C34878D82A}">
+                    <a16:rowId xmlns:a16="http://schemas.microsoft.com/office/drawing/2014/main" val="10002"/>
+                  </a:ext>
+                </a:extLst>
               </a:tr>
             </a:tbl>
           </a:graphicData>
@@ -6652,10 +6562,9 @@
           <a:lstStyle/>
           <a:p>
             <a:r>
-              <a:rPr lang="en-US" sz="1400" dirty="0" smtClean="0"/>
+              <a:rPr lang="en-US" sz="1400" dirty="0"/>
               <a:t>Stabilization</a:t>
             </a:r>
-            <a:endParaRPr lang="en-US" sz="1400" dirty="0"/>
           </a:p>
         </p:txBody>
       </p:sp>
@@ -6756,10 +6665,9 @@
           <a:lstStyle/>
           <a:p>
             <a:r>
-              <a:rPr lang="en-US" sz="1400" dirty="0" smtClean="0"/>
+              <a:rPr lang="en-US" sz="1400" dirty="0"/>
               <a:t>Simulation Time = 0</a:t>
             </a:r>
-            <a:endParaRPr lang="en-US" sz="1400" dirty="0"/>
           </a:p>
         </p:txBody>
       </p:sp>
@@ -6881,18 +6789,13 @@
           <a:p>
             <a:pPr algn="r"/>
             <a:r>
-              <a:rPr lang="en-US" dirty="0" smtClean="0">
+              <a:rPr lang="en-US" dirty="0">
                 <a:solidFill>
                   <a:srgbClr val="12153E"/>
                 </a:solidFill>
               </a:rPr>
               <a:t>Brain</a:t>
             </a:r>
-            <a:endParaRPr lang="en-US" dirty="0">
-              <a:solidFill>
-                <a:srgbClr val="12153E"/>
-              </a:solidFill>
-            </a:endParaRPr>
           </a:p>
         </p:txBody>
       </p:sp>
@@ -6942,18 +6845,13 @@
           <a:p>
             <a:pPr algn="r"/>
             <a:r>
-              <a:rPr lang="en-US" dirty="0" smtClean="0">
+              <a:rPr lang="en-US" dirty="0">
                 <a:solidFill>
                   <a:srgbClr val="12153E"/>
                 </a:solidFill>
               </a:rPr>
               <a:t>Heart</a:t>
             </a:r>
-            <a:endParaRPr lang="en-US" dirty="0">
-              <a:solidFill>
-                <a:srgbClr val="12153E"/>
-              </a:solidFill>
-            </a:endParaRPr>
           </a:p>
         </p:txBody>
       </p:sp>
@@ -7003,18 +6901,13 @@
           <a:p>
             <a:pPr algn="r"/>
             <a:r>
-              <a:rPr lang="en-US" dirty="0" smtClean="0">
+              <a:rPr lang="en-US" dirty="0">
                 <a:solidFill>
                   <a:srgbClr val="12153E"/>
                 </a:solidFill>
               </a:rPr>
               <a:t>Arms</a:t>
             </a:r>
-            <a:endParaRPr lang="en-US" dirty="0">
-              <a:solidFill>
-                <a:srgbClr val="12153E"/>
-              </a:solidFill>
-            </a:endParaRPr>
           </a:p>
         </p:txBody>
       </p:sp>
@@ -7064,18 +6957,13 @@
           <a:p>
             <a:pPr algn="r"/>
             <a:r>
-              <a:rPr lang="en-US" dirty="0" smtClean="0">
+              <a:rPr lang="en-US" dirty="0">
                 <a:solidFill>
                   <a:srgbClr val="12153E"/>
                 </a:solidFill>
               </a:rPr>
               <a:t>Legs</a:t>
             </a:r>
-            <a:endParaRPr lang="en-US" dirty="0">
-              <a:solidFill>
-                <a:srgbClr val="12153E"/>
-              </a:solidFill>
-            </a:endParaRPr>
           </a:p>
         </p:txBody>
       </p:sp>
@@ -7125,18 +7013,13 @@
           <a:p>
             <a:pPr algn="r"/>
             <a:r>
-              <a:rPr lang="en-US" dirty="0" smtClean="0">
+              <a:rPr lang="en-US" dirty="0">
                 <a:solidFill>
                   <a:srgbClr val="12153E"/>
                 </a:solidFill>
               </a:rPr>
               <a:t>Core</a:t>
             </a:r>
-            <a:endParaRPr lang="en-US" dirty="0">
-              <a:solidFill>
-                <a:srgbClr val="12153E"/>
-              </a:solidFill>
-            </a:endParaRPr>
           </a:p>
         </p:txBody>
       </p:sp>
@@ -7186,18 +7069,13 @@
           <a:p>
             <a:pPr algn="r"/>
             <a:r>
-              <a:rPr lang="en-US" dirty="0" smtClean="0">
+              <a:rPr lang="en-US" dirty="0">
                 <a:solidFill>
                   <a:srgbClr val="12153E"/>
                 </a:solidFill>
               </a:rPr>
               <a:t>Liver</a:t>
             </a:r>
-            <a:endParaRPr lang="en-US" dirty="0">
-              <a:solidFill>
-                <a:srgbClr val="12153E"/>
-              </a:solidFill>
-            </a:endParaRPr>
           </a:p>
         </p:txBody>
       </p:sp>
@@ -7250,18 +7128,13 @@
           <a:p>
             <a:pPr algn="r"/>
             <a:r>
-              <a:rPr lang="en-US" dirty="0" smtClean="0">
+              <a:rPr lang="en-US" dirty="0">
                 <a:solidFill>
                   <a:srgbClr val="12153E"/>
                 </a:solidFill>
               </a:rPr>
               <a:t>Gut</a:t>
             </a:r>
-            <a:endParaRPr lang="en-US" dirty="0">
-              <a:solidFill>
-                <a:srgbClr val="12153E"/>
-              </a:solidFill>
-            </a:endParaRPr>
           </a:p>
         </p:txBody>
       </p:sp>
@@ -7311,18 +7184,13 @@
           <a:p>
             <a:pPr algn="r"/>
             <a:r>
-              <a:rPr lang="en-US" dirty="0" smtClean="0">
+              <a:rPr lang="en-US" dirty="0">
                 <a:solidFill>
                   <a:srgbClr val="12153E"/>
                 </a:solidFill>
               </a:rPr>
               <a:t>Kidneys</a:t>
             </a:r>
-            <a:endParaRPr lang="en-US" dirty="0">
-              <a:solidFill>
-                <a:srgbClr val="12153E"/>
-              </a:solidFill>
-            </a:endParaRPr>
           </a:p>
         </p:txBody>
       </p:sp>
@@ -7372,18 +7240,13 @@
           <a:p>
             <a:pPr algn="r"/>
             <a:r>
-              <a:rPr lang="en-US" dirty="0" smtClean="0">
+              <a:rPr lang="en-US" dirty="0">
                 <a:solidFill>
                   <a:srgbClr val="12153E"/>
                 </a:solidFill>
               </a:rPr>
               <a:t>Core</a:t>
             </a:r>
-            <a:endParaRPr lang="en-US" dirty="0">
-              <a:solidFill>
-                <a:srgbClr val="12153E"/>
-              </a:solidFill>
-            </a:endParaRPr>
           </a:p>
         </p:txBody>
       </p:sp>
@@ -7433,18 +7296,13 @@
           <a:p>
             <a:pPr algn="ctr"/>
             <a:r>
-              <a:rPr lang="en-US" dirty="0" smtClean="0">
+              <a:rPr lang="en-US" dirty="0">
                 <a:solidFill>
                   <a:srgbClr val="12153E"/>
                 </a:solidFill>
               </a:rPr>
               <a:t>Lungs</a:t>
             </a:r>
-            <a:endParaRPr lang="en-US" dirty="0">
-              <a:solidFill>
-                <a:srgbClr val="12153E"/>
-              </a:solidFill>
-            </a:endParaRPr>
           </a:p>
         </p:txBody>
       </p:sp>
@@ -7579,10 +7437,9 @@
           <a:lstStyle/>
           <a:p>
             <a:r>
-              <a:rPr lang="en-US" sz="1200" dirty="0" smtClean="0"/>
+              <a:rPr lang="en-US" sz="1200" dirty="0"/>
               <a:t>Environment</a:t>
             </a:r>
-            <a:endParaRPr lang="en-US" sz="1200" dirty="0"/>
           </a:p>
         </p:txBody>
       </p:sp>
@@ -7674,7 +7531,6 @@
               <a:rPr lang="en-US" dirty="0"/>
               <a:t>Cardiovascular</a:t>
             </a:r>
-            <a:endParaRPr lang="en-US" dirty="0"/>
           </a:p>
         </p:txBody>
       </p:sp>
@@ -7825,10 +7681,9 @@
           <a:lstStyle/>
           <a:p>
             <a:r>
-              <a:rPr lang="en-US" sz="1200" dirty="0" smtClean="0"/>
+              <a:rPr lang="en-US" sz="1200" dirty="0"/>
               <a:t>Anesthesia Machine</a:t>
             </a:r>
-            <a:endParaRPr lang="en-US" sz="1200" dirty="0"/>
           </a:p>
         </p:txBody>
       </p:sp>
@@ -7870,10 +7725,9 @@
           <a:p>
             <a:pPr algn="ctr"/>
             <a:r>
-              <a:rPr lang="en-US" sz="1200" dirty="0" smtClean="0"/>
+              <a:rPr lang="en-US" sz="1200" dirty="0"/>
               <a:t>Blood Chemistry</a:t>
             </a:r>
-            <a:endParaRPr lang="en-US" sz="1200" dirty="0"/>
           </a:p>
         </p:txBody>
       </p:sp>
@@ -7914,10 +7768,9 @@
           <a:lstStyle/>
           <a:p>
             <a:r>
-              <a:rPr lang="en-US" sz="1200" dirty="0" smtClean="0"/>
+              <a:rPr lang="en-US" sz="1200" dirty="0"/>
               <a:t>Inhaler</a:t>
             </a:r>
-            <a:endParaRPr lang="en-US" sz="1200" dirty="0"/>
           </a:p>
         </p:txBody>
       </p:sp>
@@ -7958,10 +7811,9 @@
           <a:lstStyle/>
           <a:p>
             <a:r>
-              <a:rPr lang="en-US" sz="1200" dirty="0" smtClean="0"/>
+              <a:rPr lang="en-US" sz="1200" dirty="0"/>
               <a:t>Drugs</a:t>
             </a:r>
-            <a:endParaRPr lang="en-US" sz="1200" dirty="0"/>
           </a:p>
         </p:txBody>
       </p:sp>
@@ -8002,10 +7854,9 @@
           <a:lstStyle/>
           <a:p>
             <a:r>
-              <a:rPr lang="en-US" sz="1200" dirty="0" smtClean="0"/>
+              <a:rPr lang="en-US" sz="1200" dirty="0"/>
               <a:t>Endocrine</a:t>
             </a:r>
-            <a:endParaRPr lang="en-US" sz="1200" dirty="0"/>
           </a:p>
         </p:txBody>
       </p:sp>
@@ -8046,10 +7897,9 @@
           <a:lstStyle/>
           <a:p>
             <a:r>
-              <a:rPr lang="en-US" sz="1200" dirty="0" smtClean="0"/>
+              <a:rPr lang="en-US" sz="1200" dirty="0"/>
               <a:t>Energy</a:t>
             </a:r>
-            <a:endParaRPr lang="en-US" sz="1200" dirty="0"/>
           </a:p>
         </p:txBody>
       </p:sp>
@@ -8090,10 +7940,9 @@
           <a:lstStyle/>
           <a:p>
             <a:r>
-              <a:rPr lang="en-US" sz="1200" dirty="0" smtClean="0"/>
+              <a:rPr lang="en-US" sz="1200" dirty="0"/>
               <a:t>Gastrointestinal</a:t>
             </a:r>
-            <a:endParaRPr lang="en-US" sz="1200" dirty="0"/>
           </a:p>
         </p:txBody>
       </p:sp>
@@ -8134,10 +7983,9 @@
           <a:lstStyle/>
           <a:p>
             <a:r>
-              <a:rPr lang="en-US" sz="1200" dirty="0" smtClean="0"/>
+              <a:rPr lang="en-US" sz="1200" dirty="0"/>
               <a:t>Nervous</a:t>
             </a:r>
-            <a:endParaRPr lang="en-US" sz="1200" dirty="0"/>
           </a:p>
         </p:txBody>
       </p:sp>
@@ -8178,10 +8026,9 @@
           <a:lstStyle/>
           <a:p>
             <a:r>
-              <a:rPr lang="en-US" sz="1200" dirty="0" smtClean="0"/>
+              <a:rPr lang="en-US" sz="1200" dirty="0"/>
               <a:t>Renal</a:t>
             </a:r>
-            <a:endParaRPr lang="en-US" sz="1200" dirty="0"/>
           </a:p>
         </p:txBody>
       </p:sp>
@@ -8222,10 +8069,9 @@
           <a:lstStyle/>
           <a:p>
             <a:r>
-              <a:rPr lang="en-US" sz="1200" dirty="0" smtClean="0"/>
+              <a:rPr lang="en-US" sz="1200" dirty="0"/>
               <a:t>Tissue</a:t>
             </a:r>
-            <a:endParaRPr lang="en-US" sz="1200" dirty="0"/>
           </a:p>
         </p:txBody>
       </p:sp>
@@ -8252,14 +8098,13 @@
           <a:lstStyle/>
           <a:p>
             <a:r>
-              <a:rPr lang="en-US" sz="900" b="1" u="sng" dirty="0" smtClean="0"/>
+              <a:rPr lang="en-US" sz="900" b="1" u="sng" dirty="0"/>
               <a:t>Connection Type:</a:t>
             </a:r>
-            <a:endParaRPr lang="en-US" sz="900" b="1" u="sng" dirty="0"/>
-          </a:p>
-          <a:p>
-            <a:r>
-              <a:rPr lang="en-US" sz="900" b="1" dirty="0" smtClean="0">
+          </a:p>
+          <a:p>
+            <a:r>
+              <a:rPr lang="en-US" sz="900" b="1" dirty="0">
                 <a:solidFill>
                   <a:schemeClr val="tx2">
                     <a:lumMod val="60000"/>
@@ -8272,7 +8117,7 @@
           </a:p>
           <a:p>
             <a:r>
-              <a:rPr lang="en-US" sz="900" b="1" dirty="0" smtClean="0">
+              <a:rPr lang="en-US" sz="900" b="1" dirty="0">
                 <a:solidFill>
                   <a:schemeClr val="accent2">
                     <a:lumMod val="60000"/>
@@ -8285,7 +8130,7 @@
           </a:p>
           <a:p>
             <a:r>
-              <a:rPr lang="en-US" sz="900" b="1" dirty="0" smtClean="0"/>
+              <a:rPr lang="en-US" sz="900" b="1" dirty="0"/>
               <a:t>Property Modifier</a:t>
             </a:r>
           </a:p>
@@ -8504,10 +8349,9 @@
           <a:lstStyle/>
           <a:p>
             <a:r>
-              <a:rPr lang="en-US" sz="900" dirty="0" smtClean="0"/>
+              <a:rPr lang="en-US" sz="900" dirty="0"/>
               <a:t>Ambient</a:t>
             </a:r>
-            <a:endParaRPr lang="en-US" sz="900" dirty="0"/>
           </a:p>
         </p:txBody>
       </p:sp>
@@ -8686,10 +8530,9 @@
           <a:lstStyle/>
           <a:p>
             <a:r>
-              <a:rPr lang="en-US" sz="900" dirty="0" smtClean="0"/>
+              <a:rPr lang="en-US" sz="900" dirty="0"/>
               <a:t>Chemoreceptor</a:t>
             </a:r>
-            <a:endParaRPr lang="en-US" sz="900" dirty="0"/>
           </a:p>
         </p:txBody>
       </p:sp>
@@ -8716,10 +8559,9 @@
           <a:lstStyle/>
           <a:p>
             <a:r>
-              <a:rPr lang="en-US" sz="900" dirty="0" smtClean="0"/>
+              <a:rPr lang="en-US" sz="900" dirty="0"/>
               <a:t>Vaporizer</a:t>
             </a:r>
-            <a:endParaRPr lang="en-US" sz="900" dirty="0"/>
           </a:p>
         </p:txBody>
       </p:sp>
@@ -8746,7 +8588,7 @@
           <a:lstStyle/>
           <a:p>
             <a:r>
-              <a:rPr lang="en-US" sz="900" dirty="0" err="1" smtClean="0"/>
+              <a:rPr lang="en-US" sz="900" dirty="0" err="1"/>
               <a:t>Aerosolizer</a:t>
             </a:r>
             <a:endParaRPr lang="en-US" sz="900" dirty="0"/>
@@ -8777,10 +8619,9 @@
           <a:p>
             <a:pPr algn="ctr"/>
             <a:r>
-              <a:rPr lang="en-US" sz="900" dirty="0" smtClean="0"/>
+              <a:rPr lang="en-US" sz="900" dirty="0"/>
               <a:t>Bolus/Infusion</a:t>
             </a:r>
-            <a:endParaRPr lang="en-US" sz="900" dirty="0"/>
           </a:p>
         </p:txBody>
       </p:sp>
@@ -9217,17 +9058,16 @@
           <a:p>
             <a:pPr algn="ctr"/>
             <a:r>
-              <a:rPr lang="en-US" sz="900" dirty="0" smtClean="0"/>
+              <a:rPr lang="en-US" sz="900" dirty="0"/>
               <a:t>Metabolic </a:t>
             </a:r>
           </a:p>
           <a:p>
             <a:pPr algn="ctr"/>
             <a:r>
-              <a:rPr lang="en-US" sz="900" dirty="0" smtClean="0"/>
+              <a:rPr lang="en-US" sz="900" dirty="0"/>
               <a:t>Response</a:t>
             </a:r>
-            <a:endParaRPr lang="en-US" sz="900" dirty="0"/>
           </a:p>
         </p:txBody>
       </p:sp>
@@ -9254,16 +9094,15 @@
           <a:lstStyle/>
           <a:p>
             <a:r>
-              <a:rPr lang="en-US" sz="900" dirty="0" smtClean="0"/>
+              <a:rPr lang="en-US" sz="900" dirty="0"/>
               <a:t>Production/</a:t>
             </a:r>
           </a:p>
           <a:p>
             <a:r>
-              <a:rPr lang="en-US" sz="900" dirty="0" smtClean="0"/>
+              <a:rPr lang="en-US" sz="900" dirty="0"/>
               <a:t>Consumption</a:t>
             </a:r>
-            <a:endParaRPr lang="en-US" sz="900" dirty="0"/>
           </a:p>
         </p:txBody>
       </p:sp>
@@ -9290,10 +9129,9 @@
           <a:lstStyle/>
           <a:p>
             <a:r>
-              <a:rPr lang="en-US" sz="900" dirty="0" smtClean="0"/>
+              <a:rPr lang="en-US" sz="900" dirty="0"/>
               <a:t>Baroreceptor</a:t>
             </a:r>
-            <a:endParaRPr lang="en-US" sz="900" dirty="0"/>
           </a:p>
         </p:txBody>
       </p:sp>
@@ -9321,17 +9159,16 @@
           <a:p>
             <a:pPr algn="ctr"/>
             <a:r>
-              <a:rPr lang="en-US" sz="900" dirty="0" smtClean="0"/>
+              <a:rPr lang="en-US" sz="900" dirty="0"/>
               <a:t>Hormone </a:t>
             </a:r>
           </a:p>
           <a:p>
             <a:pPr algn="ctr"/>
             <a:r>
-              <a:rPr lang="en-US" sz="900" dirty="0" smtClean="0"/>
+              <a:rPr lang="en-US" sz="900" dirty="0"/>
               <a:t>Release</a:t>
             </a:r>
-            <a:endParaRPr lang="en-US" sz="900" dirty="0"/>
           </a:p>
         </p:txBody>
       </p:sp>
@@ -9395,10 +9232,9 @@
           <a:p>
             <a:pPr algn="ctr"/>
             <a:r>
-              <a:rPr lang="en-US" sz="900" dirty="0" smtClean="0"/>
+              <a:rPr lang="en-US" sz="900" dirty="0"/>
               <a:t>Drug Effect</a:t>
             </a:r>
-            <a:endParaRPr lang="en-US" sz="900" dirty="0"/>
           </a:p>
         </p:txBody>
       </p:sp>
@@ -9465,10 +9301,9 @@
           <a:p>
             <a:pPr algn="ctr"/>
             <a:r>
-              <a:rPr lang="en-US" sz="900" dirty="0" smtClean="0"/>
+              <a:rPr lang="en-US" sz="900" dirty="0"/>
               <a:t>Drug Effect</a:t>
             </a:r>
-            <a:endParaRPr lang="en-US" sz="900" dirty="0"/>
           </a:p>
         </p:txBody>
       </p:sp>
@@ -9581,7 +9416,7 @@
           <a:lstStyle/>
           <a:p>
             <a:r>
-              <a:rPr lang="en-US" sz="1600" dirty="0" smtClean="0">
+              <a:rPr lang="en-US" sz="1600" dirty="0">
                 <a:solidFill>
                   <a:srgbClr val="12153E"/>
                 </a:solidFill>
@@ -9591,18 +9426,13 @@
           </a:p>
           <a:p>
             <a:r>
-              <a:rPr lang="en-US" sz="1600" dirty="0" smtClean="0">
+              <a:rPr lang="en-US" sz="1600" dirty="0">
                 <a:solidFill>
                   <a:srgbClr val="12153E"/>
                 </a:solidFill>
               </a:rPr>
               <a:t>Drug Effects</a:t>
             </a:r>
-            <a:endParaRPr lang="en-US" sz="1600" dirty="0">
-              <a:solidFill>
-                <a:srgbClr val="12153E"/>
-              </a:solidFill>
-            </a:endParaRPr>
           </a:p>
         </p:txBody>
       </p:sp>
@@ -10881,18 +10711,13 @@
             <a:p>
               <a:pPr algn="ctr"/>
               <a:r>
-                <a:rPr lang="en-US" sz="1600" dirty="0" smtClean="0">
+                <a:rPr lang="en-US" sz="1600" dirty="0">
                   <a:solidFill>
                     <a:srgbClr val="12153E"/>
                   </a:solidFill>
                 </a:rPr>
                 <a:t>Cardiovascular</a:t>
               </a:r>
-              <a:endParaRPr lang="en-US" sz="1600" dirty="0">
-                <a:solidFill>
-                  <a:srgbClr val="12153E"/>
-                </a:solidFill>
-              </a:endParaRPr>
             </a:p>
           </p:txBody>
         </p:sp>
@@ -10991,18 +10816,13 @@
             <a:p>
               <a:pPr algn="ctr"/>
               <a:r>
-                <a:rPr lang="en-US" sz="1600" dirty="0" smtClean="0">
+                <a:rPr lang="en-US" sz="1600" dirty="0">
                   <a:solidFill>
                     <a:srgbClr val="12153E"/>
                   </a:solidFill>
                 </a:rPr>
                 <a:t>Blood</a:t>
               </a:r>
-              <a:endParaRPr lang="en-US" sz="1600" dirty="0">
-                <a:solidFill>
-                  <a:srgbClr val="12153E"/>
-                </a:solidFill>
-              </a:endParaRPr>
             </a:p>
           </p:txBody>
         </p:sp>
@@ -11052,18 +10872,13 @@
             <a:p>
               <a:pPr algn="ctr"/>
               <a:r>
-                <a:rPr lang="en-US" sz="1600" dirty="0" smtClean="0">
+                <a:rPr lang="en-US" sz="1600" dirty="0">
                   <a:solidFill>
                     <a:srgbClr val="12153E"/>
                   </a:solidFill>
                 </a:rPr>
                 <a:t>Tissue</a:t>
               </a:r>
-              <a:endParaRPr lang="en-US" sz="1600" dirty="0">
-                <a:solidFill>
-                  <a:srgbClr val="12153E"/>
-                </a:solidFill>
-              </a:endParaRPr>
             </a:p>
           </p:txBody>
         </p:sp>
@@ -11113,18 +10928,13 @@
             <a:p>
               <a:pPr algn="ctr"/>
               <a:r>
-                <a:rPr lang="en-US" sz="1600" dirty="0" smtClean="0">
+                <a:rPr lang="en-US" sz="1600" dirty="0">
                   <a:solidFill>
                     <a:srgbClr val="12153E"/>
                   </a:solidFill>
                 </a:rPr>
                 <a:t>Extravascular</a:t>
               </a:r>
-              <a:endParaRPr lang="en-US" sz="1600" dirty="0">
-                <a:solidFill>
-                  <a:srgbClr val="12153E"/>
-                </a:solidFill>
-              </a:endParaRPr>
             </a:p>
           </p:txBody>
         </p:sp>
@@ -11175,18 +10985,13 @@
           <a:p>
             <a:pPr algn="ctr"/>
             <a:r>
-              <a:rPr lang="en-US" sz="1600" dirty="0" smtClean="0">
+              <a:rPr lang="en-US" sz="1600" dirty="0">
                 <a:solidFill>
                   <a:srgbClr val="12153E"/>
                 </a:solidFill>
               </a:rPr>
               <a:t>Respiratory</a:t>
             </a:r>
-            <a:endParaRPr lang="en-US" sz="1600" dirty="0">
-              <a:solidFill>
-                <a:srgbClr val="12153E"/>
-              </a:solidFill>
-            </a:endParaRPr>
           </a:p>
         </p:txBody>
       </p:sp>
@@ -11236,18 +11041,13 @@
           <a:p>
             <a:pPr algn="ctr"/>
             <a:r>
-              <a:rPr lang="en-US" sz="1600" dirty="0" smtClean="0">
+              <a:rPr lang="en-US" sz="1600" dirty="0">
                 <a:solidFill>
                   <a:srgbClr val="12153E"/>
                 </a:solidFill>
               </a:rPr>
               <a:t>Anesthesia Machine</a:t>
             </a:r>
-            <a:endParaRPr lang="en-US" sz="1600" dirty="0">
-              <a:solidFill>
-                <a:srgbClr val="12153E"/>
-              </a:solidFill>
-            </a:endParaRPr>
           </a:p>
         </p:txBody>
       </p:sp>
@@ -11337,18 +11137,13 @@
           <a:p>
             <a:pPr algn="ctr"/>
             <a:r>
-              <a:rPr lang="en-US" sz="1600" dirty="0" smtClean="0">
+              <a:rPr lang="en-US" sz="1600" dirty="0">
                 <a:solidFill>
                   <a:srgbClr val="12153E"/>
                 </a:solidFill>
               </a:rPr>
               <a:t>Renal</a:t>
             </a:r>
-            <a:endParaRPr lang="en-US" sz="1600" dirty="0">
-              <a:solidFill>
-                <a:srgbClr val="12153E"/>
-              </a:solidFill>
-            </a:endParaRPr>
           </a:p>
         </p:txBody>
       </p:sp>
@@ -11438,18 +11233,13 @@
           <a:p>
             <a:pPr algn="ctr"/>
             <a:r>
-              <a:rPr lang="en-US" sz="1600" dirty="0" smtClean="0">
+              <a:rPr lang="en-US" sz="1600" dirty="0">
                 <a:solidFill>
                   <a:srgbClr val="12153E"/>
                 </a:solidFill>
               </a:rPr>
               <a:t>Gastrointestinal</a:t>
             </a:r>
-            <a:endParaRPr lang="en-US" sz="1600" dirty="0">
-              <a:solidFill>
-                <a:srgbClr val="12153E"/>
-              </a:solidFill>
-            </a:endParaRPr>
           </a:p>
         </p:txBody>
       </p:sp>
@@ -11499,18 +11289,13 @@
           <a:p>
             <a:pPr algn="ctr"/>
             <a:r>
-              <a:rPr lang="en-US" sz="1600" dirty="0" smtClean="0">
+              <a:rPr lang="en-US" sz="1600" dirty="0">
                 <a:solidFill>
                   <a:srgbClr val="12153E"/>
                 </a:solidFill>
               </a:rPr>
               <a:t>Energy</a:t>
             </a:r>
-            <a:endParaRPr lang="en-US" sz="1600" dirty="0">
-              <a:solidFill>
-                <a:srgbClr val="12153E"/>
-              </a:solidFill>
-            </a:endParaRPr>
           </a:p>
         </p:txBody>
       </p:sp>
@@ -11921,18 +11706,13 @@
           <a:p>
             <a:pPr algn="ctr"/>
             <a:r>
-              <a:rPr lang="en-US" sz="1600" dirty="0" smtClean="0">
+              <a:rPr lang="en-US" sz="1600" dirty="0">
                 <a:solidFill>
                   <a:srgbClr val="12153E"/>
                 </a:solidFill>
               </a:rPr>
               <a:t>Nervous</a:t>
             </a:r>
-            <a:endParaRPr lang="en-US" sz="1600" dirty="0">
-              <a:solidFill>
-                <a:srgbClr val="12153E"/>
-              </a:solidFill>
-            </a:endParaRPr>
           </a:p>
         </p:txBody>
       </p:sp>
@@ -11982,18 +11762,13 @@
           <a:p>
             <a:pPr algn="ctr"/>
             <a:r>
-              <a:rPr lang="en-US" sz="1600" dirty="0" smtClean="0">
+              <a:rPr lang="en-US" sz="1600" dirty="0">
                 <a:solidFill>
                   <a:srgbClr val="12153E"/>
                 </a:solidFill>
               </a:rPr>
               <a:t>Endocrine</a:t>
             </a:r>
-            <a:endParaRPr lang="en-US" sz="1600" dirty="0">
-              <a:solidFill>
-                <a:srgbClr val="12153E"/>
-              </a:solidFill>
-            </a:endParaRPr>
           </a:p>
         </p:txBody>
       </p:sp>
@@ -13091,18 +12866,13 @@
             <a:p>
               <a:pPr algn="ctr"/>
               <a:r>
-                <a:rPr lang="en-US" dirty="0" smtClean="0">
+                <a:rPr lang="en-US" dirty="0">
                   <a:solidFill>
                     <a:srgbClr val="216AAF"/>
                   </a:solidFill>
                 </a:rPr>
                 <a:t>Body</a:t>
               </a:r>
-              <a:endParaRPr lang="en-US" dirty="0">
-                <a:solidFill>
-                  <a:srgbClr val="216AAF"/>
-                </a:solidFill>
-              </a:endParaRPr>
             </a:p>
           </p:txBody>
         </p:sp>
@@ -13133,18 +12903,13 @@
             <a:p>
               <a:pPr algn="ctr"/>
               <a:r>
-                <a:rPr lang="en-US" dirty="0" smtClean="0">
+                <a:rPr lang="en-US" dirty="0">
                   <a:solidFill>
                     <a:srgbClr val="216AAF"/>
                   </a:solidFill>
                 </a:rPr>
                 <a:t>Systems</a:t>
               </a:r>
-              <a:endParaRPr lang="en-US" dirty="0">
-                <a:solidFill>
-                  <a:srgbClr val="216AAF"/>
-                </a:solidFill>
-              </a:endParaRPr>
             </a:p>
           </p:txBody>
         </p:sp>
@@ -13175,18 +12940,13 @@
             <a:p>
               <a:pPr algn="ctr"/>
               <a:r>
-                <a:rPr lang="en-US" dirty="0" smtClean="0">
+                <a:rPr lang="en-US" dirty="0">
                   <a:solidFill>
                     <a:srgbClr val="216AAF"/>
                   </a:solidFill>
                 </a:rPr>
                 <a:t>Organs</a:t>
               </a:r>
-              <a:endParaRPr lang="en-US" dirty="0">
-                <a:solidFill>
-                  <a:srgbClr val="216AAF"/>
-                </a:solidFill>
-              </a:endParaRPr>
             </a:p>
           </p:txBody>
         </p:sp>
@@ -13217,18 +12977,13 @@
             <a:p>
               <a:pPr algn="ctr"/>
               <a:r>
-                <a:rPr lang="en-US" dirty="0" smtClean="0">
+                <a:rPr lang="en-US" dirty="0">
                   <a:solidFill>
                     <a:srgbClr val="216AAF"/>
                   </a:solidFill>
                 </a:rPr>
                 <a:t>Tissues</a:t>
               </a:r>
-              <a:endParaRPr lang="en-US" dirty="0">
-                <a:solidFill>
-                  <a:srgbClr val="216AAF"/>
-                </a:solidFill>
-              </a:endParaRPr>
             </a:p>
           </p:txBody>
         </p:sp>
@@ -13259,18 +13014,13 @@
             <a:p>
               <a:pPr algn="ctr"/>
               <a:r>
-                <a:rPr lang="en-US" dirty="0" smtClean="0">
+                <a:rPr lang="en-US" dirty="0">
                   <a:solidFill>
                     <a:srgbClr val="216AAF"/>
                   </a:solidFill>
                 </a:rPr>
                 <a:t>Cells</a:t>
               </a:r>
-              <a:endParaRPr lang="en-US" dirty="0">
-                <a:solidFill>
-                  <a:srgbClr val="216AAF"/>
-                </a:solidFill>
-              </a:endParaRPr>
             </a:p>
           </p:txBody>
         </p:sp>
@@ -13301,18 +13051,13 @@
             <a:p>
               <a:pPr algn="ctr"/>
               <a:r>
-                <a:rPr lang="en-US" dirty="0" smtClean="0">
+                <a:rPr lang="en-US" dirty="0">
                   <a:solidFill>
                     <a:srgbClr val="216AAF"/>
                   </a:solidFill>
                 </a:rPr>
                 <a:t>Proteins</a:t>
               </a:r>
-              <a:endParaRPr lang="en-US" dirty="0">
-                <a:solidFill>
-                  <a:srgbClr val="216AAF"/>
-                </a:solidFill>
-              </a:endParaRPr>
             </a:p>
           </p:txBody>
         </p:sp>
@@ -13343,18 +13088,13 @@
             <a:p>
               <a:pPr algn="ctr"/>
               <a:r>
-                <a:rPr lang="en-US" dirty="0" smtClean="0">
+                <a:rPr lang="en-US" dirty="0">
                   <a:solidFill>
                     <a:srgbClr val="216AAF"/>
                   </a:solidFill>
                 </a:rPr>
                 <a:t>Genes</a:t>
               </a:r>
-              <a:endParaRPr lang="en-US" dirty="0">
-                <a:solidFill>
-                  <a:srgbClr val="216AAF"/>
-                </a:solidFill>
-              </a:endParaRPr>
             </a:p>
           </p:txBody>
         </p:sp>
@@ -13367,8 +13107,8 @@
         </p:nvSpPr>
         <p:spPr>
           <a:xfrm>
-            <a:off x="1633803" y="1403866"/>
-            <a:ext cx="2525563" cy="369332"/>
+            <a:off x="2075203" y="1403866"/>
+            <a:ext cx="1635063" cy="369332"/>
           </a:xfrm>
           <a:prstGeom prst="rect">
             <a:avLst/>
@@ -13382,34 +13122,13 @@
           <a:lstStyle/>
           <a:p>
             <a:r>
-              <a:rPr lang="en-US" dirty="0" smtClean="0">
+              <a:rPr lang="en-US" dirty="0">
                 <a:solidFill>
                   <a:prstClr val="black"/>
                 </a:solidFill>
               </a:rPr>
-              <a:t>Current </a:t>
-            </a:r>
-            <a:r>
-              <a:rPr lang="en-US" dirty="0" err="1" smtClean="0">
-                <a:solidFill>
-                  <a:prstClr val="black"/>
-                </a:solidFill>
-              </a:rPr>
-              <a:t>BioGears</a:t>
-            </a:r>
-            <a:r>
-              <a:rPr lang="en-US" dirty="0" smtClean="0">
-                <a:solidFill>
-                  <a:prstClr val="black"/>
-                </a:solidFill>
-              </a:rPr>
-              <a:t> Fidelity</a:t>
-            </a:r>
-            <a:endParaRPr lang="en-US" dirty="0">
-              <a:solidFill>
-                <a:prstClr val="black"/>
-              </a:solidFill>
-            </a:endParaRPr>
+              <a:t>Current Fidelity</a:t>
+            </a:r>
           </a:p>
         </p:txBody>
       </p:sp>
@@ -13485,18 +13204,13 @@
           <a:lstStyle/>
           <a:p>
             <a:r>
-              <a:rPr lang="en-US" dirty="0" smtClean="0">
+              <a:rPr lang="en-US" dirty="0">
                 <a:solidFill>
                   <a:prstClr val="black"/>
                 </a:solidFill>
               </a:rPr>
               <a:t>Possible Extensions</a:t>
             </a:r>
-            <a:endParaRPr lang="en-US" dirty="0">
-              <a:solidFill>
-                <a:prstClr val="black"/>
-              </a:solidFill>
-            </a:endParaRPr>
           </a:p>
         </p:txBody>
       </p:sp>
@@ -13537,16 +13251,634 @@
           </a:fontRef>
         </p:style>
       </p:cxnSp>
+    </p:spTree>
+    <p:extLst>
+      <p:ext uri="{BB962C8B-B14F-4D97-AF65-F5344CB8AC3E}">
+        <p14:creationId xmlns:p14="http://schemas.microsoft.com/office/powerpoint/2010/main" val="2649033550"/>
+      </p:ext>
+    </p:extLst>
+  </p:cSld>
+  <p:clrMapOvr>
+    <a:masterClrMapping/>
+  </p:clrMapOvr>
+</p:sld>
+</file>
+
+<file path=ppt/slides/slide6.xml><?xml version="1.0" encoding="utf-8"?>
+<p:sld xmlns:a="http://schemas.openxmlformats.org/drawingml/2006/main" xmlns:r="http://schemas.openxmlformats.org/officeDocument/2006/relationships" xmlns:p="http://schemas.openxmlformats.org/presentationml/2006/main">
+  <p:cSld>
+    <p:spTree>
+      <p:nvGrpSpPr>
+        <p:cNvPr id="1" name=""/>
+        <p:cNvGrpSpPr/>
+        <p:nvPr/>
+      </p:nvGrpSpPr>
+      <p:grpSpPr>
+        <a:xfrm>
+          <a:off x="0" y="0"/>
+          <a:ext cx="0" cy="0"/>
+          <a:chOff x="0" y="0"/>
+          <a:chExt cx="0" cy="0"/>
+        </a:xfrm>
+      </p:grpSpPr>
+      <p:sp>
+        <p:nvSpPr>
+          <p:cNvPr id="18" name="Down Arrow 17"/>
+          <p:cNvSpPr/>
+          <p:nvPr/>
+        </p:nvSpPr>
+        <p:spPr>
+          <a:xfrm rot="16200000">
+            <a:off x="2690380" y="3637629"/>
+            <a:ext cx="486640" cy="533400"/>
+          </a:xfrm>
+          <a:prstGeom prst="downArrow">
+            <a:avLst/>
+          </a:prstGeom>
+        </p:spPr>
+        <p:style>
+          <a:lnRef idx="2">
+            <a:schemeClr val="dk1">
+              <a:shade val="50000"/>
+            </a:schemeClr>
+          </a:lnRef>
+          <a:fillRef idx="1">
+            <a:schemeClr val="dk1"/>
+          </a:fillRef>
+          <a:effectRef idx="0">
+            <a:schemeClr val="dk1"/>
+          </a:effectRef>
+          <a:fontRef idx="minor">
+            <a:schemeClr val="lt1"/>
+          </a:fontRef>
+        </p:style>
+        <p:txBody>
+          <a:bodyPr rtlCol="0" anchor="ctr"/>
+          <a:lstStyle/>
+          <a:p>
+            <a:pPr algn="ctr"/>
+            <a:endParaRPr lang="en-US">
+              <a:solidFill>
+                <a:prstClr val="white"/>
+              </a:solidFill>
+            </a:endParaRPr>
+          </a:p>
+        </p:txBody>
+      </p:sp>
+      <p:sp>
+        <p:nvSpPr>
+          <p:cNvPr id="6" name="Rounded Rectangle 5"/>
+          <p:cNvSpPr/>
+          <p:nvPr/>
+        </p:nvSpPr>
+        <p:spPr>
+          <a:xfrm>
+            <a:off x="43621" y="3584001"/>
+            <a:ext cx="2547179" cy="683200"/>
+          </a:xfrm>
+          <a:prstGeom prst="roundRect">
+            <a:avLst/>
+          </a:prstGeom>
+        </p:spPr>
+        <p:style>
+          <a:lnRef idx="2">
+            <a:schemeClr val="accent1">
+              <a:shade val="50000"/>
+            </a:schemeClr>
+          </a:lnRef>
+          <a:fillRef idx="1">
+            <a:schemeClr val="accent1"/>
+          </a:fillRef>
+          <a:effectRef idx="0">
+            <a:schemeClr val="accent1"/>
+          </a:effectRef>
+          <a:fontRef idx="minor">
+            <a:schemeClr val="lt1"/>
+          </a:fontRef>
+        </p:style>
+        <p:txBody>
+          <a:bodyPr rtlCol="0" anchor="t" anchorCtr="0"/>
+          <a:lstStyle/>
+          <a:p>
+            <a:pPr algn="ctr"/>
+            <a:r>
+              <a:rPr lang="en-US" sz="1050" b="1" u="sng" dirty="0">
+                <a:solidFill>
+                  <a:prstClr val="white"/>
+                </a:solidFill>
+              </a:rPr>
+              <a:t>Preprocess</a:t>
+            </a:r>
+          </a:p>
+          <a:p>
+            <a:r>
+              <a:rPr lang="en-US" sz="1050" dirty="0">
+                <a:solidFill>
+                  <a:prstClr val="white"/>
+                </a:solidFill>
+              </a:rPr>
+              <a:t>Uses feedback mechanisms to modify elements for the next time step.</a:t>
+            </a:r>
+          </a:p>
+        </p:txBody>
+      </p:sp>
+      <p:sp>
+        <p:nvSpPr>
+          <p:cNvPr id="26" name="Rounded Rectangle 25"/>
+          <p:cNvSpPr/>
+          <p:nvPr/>
+        </p:nvSpPr>
+        <p:spPr>
+          <a:xfrm>
+            <a:off x="3304670" y="3584001"/>
+            <a:ext cx="2547179" cy="683200"/>
+          </a:xfrm>
+          <a:prstGeom prst="roundRect">
+            <a:avLst/>
+          </a:prstGeom>
+        </p:spPr>
+        <p:style>
+          <a:lnRef idx="2">
+            <a:schemeClr val="accent1">
+              <a:shade val="50000"/>
+            </a:schemeClr>
+          </a:lnRef>
+          <a:fillRef idx="1">
+            <a:schemeClr val="accent1"/>
+          </a:fillRef>
+          <a:effectRef idx="0">
+            <a:schemeClr val="accent1"/>
+          </a:effectRef>
+          <a:fontRef idx="minor">
+            <a:schemeClr val="lt1"/>
+          </a:fontRef>
+        </p:style>
+        <p:txBody>
+          <a:bodyPr rtlCol="0" anchor="t" anchorCtr="0"/>
+          <a:lstStyle/>
+          <a:p>
+            <a:pPr algn="ctr"/>
+            <a:r>
+              <a:rPr lang="en-US" sz="1050" b="1" u="sng" dirty="0">
+                <a:solidFill>
+                  <a:prstClr val="white"/>
+                </a:solidFill>
+              </a:rPr>
+              <a:t>Process</a:t>
+            </a:r>
+          </a:p>
+          <a:p>
+            <a:r>
+              <a:rPr lang="en-US" sz="1050" dirty="0">
+                <a:solidFill>
+                  <a:prstClr val="white"/>
+                </a:solidFill>
+              </a:rPr>
+              <a:t>Calculates the entire state of the system for the next time step.</a:t>
+            </a:r>
+          </a:p>
+        </p:txBody>
+      </p:sp>
+      <p:sp>
+        <p:nvSpPr>
+          <p:cNvPr id="27" name="Rounded Rectangle 26"/>
+          <p:cNvSpPr/>
+          <p:nvPr/>
+        </p:nvSpPr>
+        <p:spPr>
+          <a:xfrm>
+            <a:off x="6565719" y="3584001"/>
+            <a:ext cx="2547179" cy="683200"/>
+          </a:xfrm>
+          <a:prstGeom prst="roundRect">
+            <a:avLst/>
+          </a:prstGeom>
+        </p:spPr>
+        <p:style>
+          <a:lnRef idx="2">
+            <a:schemeClr val="accent1">
+              <a:shade val="50000"/>
+            </a:schemeClr>
+          </a:lnRef>
+          <a:fillRef idx="1">
+            <a:schemeClr val="accent1"/>
+          </a:fillRef>
+          <a:effectRef idx="0">
+            <a:schemeClr val="accent1"/>
+          </a:effectRef>
+          <a:fontRef idx="minor">
+            <a:schemeClr val="lt1"/>
+          </a:fontRef>
+        </p:style>
+        <p:txBody>
+          <a:bodyPr rtlCol="0" anchor="t" anchorCtr="0"/>
+          <a:lstStyle/>
+          <a:p>
+            <a:pPr algn="ctr"/>
+            <a:r>
+              <a:rPr lang="en-US" sz="1050" b="1" u="sng" dirty="0" err="1">
+                <a:solidFill>
+                  <a:prstClr val="white"/>
+                </a:solidFill>
+              </a:rPr>
+              <a:t>PostProcess</a:t>
+            </a:r>
+            <a:endParaRPr lang="en-US" sz="1050" b="1" u="sng" dirty="0">
+              <a:solidFill>
+                <a:prstClr val="white"/>
+              </a:solidFill>
+            </a:endParaRPr>
+          </a:p>
+          <a:p>
+            <a:r>
+              <a:rPr lang="en-US" sz="1050" dirty="0">
+                <a:solidFill>
+                  <a:prstClr val="white"/>
+                </a:solidFill>
+              </a:rPr>
+              <a:t>Advances time by moving the next time step to current.</a:t>
+            </a:r>
+          </a:p>
+        </p:txBody>
+      </p:sp>
+      <p:sp>
+        <p:nvSpPr>
+          <p:cNvPr id="28" name="Rounded Rectangle 27"/>
+          <p:cNvSpPr/>
+          <p:nvPr/>
+        </p:nvSpPr>
+        <p:spPr>
+          <a:xfrm>
+            <a:off x="4419600" y="1736495"/>
+            <a:ext cx="2547179" cy="701905"/>
+          </a:xfrm>
+          <a:prstGeom prst="roundRect">
+            <a:avLst/>
+          </a:prstGeom>
+        </p:spPr>
+        <p:style>
+          <a:lnRef idx="2">
+            <a:schemeClr val="accent1">
+              <a:shade val="50000"/>
+            </a:schemeClr>
+          </a:lnRef>
+          <a:fillRef idx="1">
+            <a:schemeClr val="accent1"/>
+          </a:fillRef>
+          <a:effectRef idx="0">
+            <a:schemeClr val="accent1"/>
+          </a:effectRef>
+          <a:fontRef idx="minor">
+            <a:schemeClr val="lt1"/>
+          </a:fontRef>
+        </p:style>
+        <p:txBody>
+          <a:bodyPr rtlCol="0" anchor="t" anchorCtr="0"/>
+          <a:lstStyle/>
+          <a:p>
+            <a:pPr algn="ctr"/>
+            <a:r>
+              <a:rPr lang="en-US" sz="1050" b="1" u="sng" dirty="0">
+                <a:solidFill>
+                  <a:prstClr val="white"/>
+                </a:solidFill>
+              </a:rPr>
+              <a:t>Assessments</a:t>
+            </a:r>
+          </a:p>
+          <a:p>
+            <a:r>
+              <a:rPr lang="en-US" sz="1050" dirty="0">
+                <a:solidFill>
+                  <a:prstClr val="white"/>
+                </a:solidFill>
+              </a:rPr>
+              <a:t>Called on demand to calculate and set assessment specific data.</a:t>
+            </a:r>
+          </a:p>
+        </p:txBody>
+      </p:sp>
+      <p:sp>
+        <p:nvSpPr>
+          <p:cNvPr id="31" name="Rounded Rectangle 30"/>
+          <p:cNvSpPr/>
+          <p:nvPr/>
+        </p:nvSpPr>
+        <p:spPr>
+          <a:xfrm>
+            <a:off x="43620" y="480447"/>
+            <a:ext cx="2547179" cy="472033"/>
+          </a:xfrm>
+          <a:prstGeom prst="roundRect">
+            <a:avLst/>
+          </a:prstGeom>
+        </p:spPr>
+        <p:style>
+          <a:lnRef idx="2">
+            <a:schemeClr val="accent1">
+              <a:shade val="50000"/>
+            </a:schemeClr>
+          </a:lnRef>
+          <a:fillRef idx="1">
+            <a:schemeClr val="accent1"/>
+          </a:fillRef>
+          <a:effectRef idx="0">
+            <a:schemeClr val="accent1"/>
+          </a:effectRef>
+          <a:fontRef idx="minor">
+            <a:schemeClr val="lt1"/>
+          </a:fontRef>
+        </p:style>
+        <p:txBody>
+          <a:bodyPr rtlCol="0" anchor="t" anchorCtr="0"/>
+          <a:lstStyle/>
+          <a:p>
+            <a:pPr algn="ctr"/>
+            <a:r>
+              <a:rPr lang="en-US" sz="1050" b="1" u="sng" dirty="0">
+                <a:solidFill>
+                  <a:prstClr val="white"/>
+                </a:solidFill>
+              </a:rPr>
+              <a:t>Reset</a:t>
+            </a:r>
+          </a:p>
+          <a:p>
+            <a:r>
+              <a:rPr lang="en-US" sz="1050" dirty="0">
+                <a:solidFill>
+                  <a:prstClr val="white"/>
+                </a:solidFill>
+              </a:rPr>
+              <a:t>Initializes the system.</a:t>
+            </a:r>
+          </a:p>
+        </p:txBody>
+      </p:sp>
+      <p:sp>
+        <p:nvSpPr>
+          <p:cNvPr id="33" name="Rounded Rectangle 32"/>
+          <p:cNvSpPr/>
+          <p:nvPr/>
+        </p:nvSpPr>
+        <p:spPr>
+          <a:xfrm>
+            <a:off x="43621" y="1658724"/>
+            <a:ext cx="2524974" cy="1198756"/>
+          </a:xfrm>
+          <a:prstGeom prst="roundRect">
+            <a:avLst/>
+          </a:prstGeom>
+        </p:spPr>
+        <p:style>
+          <a:lnRef idx="2">
+            <a:schemeClr val="accent1">
+              <a:shade val="50000"/>
+            </a:schemeClr>
+          </a:lnRef>
+          <a:fillRef idx="1">
+            <a:schemeClr val="accent1"/>
+          </a:fillRef>
+          <a:effectRef idx="0">
+            <a:schemeClr val="accent1"/>
+          </a:effectRef>
+          <a:fontRef idx="minor">
+            <a:schemeClr val="lt1"/>
+          </a:fontRef>
+        </p:style>
+        <p:txBody>
+          <a:bodyPr rtlCol="0" anchor="t" anchorCtr="0"/>
+          <a:lstStyle/>
+          <a:p>
+            <a:pPr algn="ctr"/>
+            <a:r>
+              <a:rPr lang="en-US" sz="1050" b="1" u="sng" dirty="0">
+                <a:solidFill>
+                  <a:prstClr val="white"/>
+                </a:solidFill>
+              </a:rPr>
+              <a:t>Initialization</a:t>
+            </a:r>
+          </a:p>
+          <a:p>
+            <a:r>
+              <a:rPr lang="en-US" sz="1050" b="1" dirty="0"/>
+              <a:t>Resting</a:t>
+            </a:r>
+            <a:r>
+              <a:rPr lang="en-US" sz="1050" dirty="0"/>
+              <a:t>: Functionality specific to resting patient stabilization</a:t>
+            </a:r>
+          </a:p>
+          <a:p>
+            <a:endParaRPr lang="en-US" sz="1050" dirty="0"/>
+          </a:p>
+          <a:p>
+            <a:r>
+              <a:rPr lang="en-US" sz="1050" b="1" dirty="0">
+                <a:solidFill>
+                  <a:prstClr val="white"/>
+                </a:solidFill>
+              </a:rPr>
+              <a:t>Conditions</a:t>
+            </a:r>
+            <a:r>
+              <a:rPr lang="en-US" sz="1050" dirty="0">
+                <a:solidFill>
+                  <a:prstClr val="white"/>
+                </a:solidFill>
+              </a:rPr>
+              <a:t>: Functionality specific to applying conditions</a:t>
+            </a:r>
+          </a:p>
+        </p:txBody>
+      </p:sp>
+      <p:sp>
+        <p:nvSpPr>
+          <p:cNvPr id="34" name="Down Arrow 33"/>
+          <p:cNvSpPr/>
+          <p:nvPr/>
+        </p:nvSpPr>
+        <p:spPr>
+          <a:xfrm rot="16200000">
+            <a:off x="5966980" y="3637630"/>
+            <a:ext cx="486640" cy="533400"/>
+          </a:xfrm>
+          <a:prstGeom prst="downArrow">
+            <a:avLst/>
+          </a:prstGeom>
+        </p:spPr>
+        <p:style>
+          <a:lnRef idx="2">
+            <a:schemeClr val="dk1">
+              <a:shade val="50000"/>
+            </a:schemeClr>
+          </a:lnRef>
+          <a:fillRef idx="1">
+            <a:schemeClr val="dk1"/>
+          </a:fillRef>
+          <a:effectRef idx="0">
+            <a:schemeClr val="dk1"/>
+          </a:effectRef>
+          <a:fontRef idx="minor">
+            <a:schemeClr val="lt1"/>
+          </a:fontRef>
+        </p:style>
+        <p:txBody>
+          <a:bodyPr rtlCol="0" anchor="ctr"/>
+          <a:lstStyle/>
+          <a:p>
+            <a:pPr algn="ctr"/>
+            <a:endParaRPr lang="en-US">
+              <a:solidFill>
+                <a:prstClr val="white"/>
+              </a:solidFill>
+            </a:endParaRPr>
+          </a:p>
+        </p:txBody>
+      </p:sp>
+      <p:sp>
+        <p:nvSpPr>
+          <p:cNvPr id="35" name="Down Arrow 34"/>
+          <p:cNvSpPr/>
+          <p:nvPr/>
+        </p:nvSpPr>
+        <p:spPr>
+          <a:xfrm>
+            <a:off x="1062788" y="2960137"/>
+            <a:ext cx="486640" cy="533400"/>
+          </a:xfrm>
+          <a:prstGeom prst="downArrow">
+            <a:avLst/>
+          </a:prstGeom>
+        </p:spPr>
+        <p:style>
+          <a:lnRef idx="2">
+            <a:schemeClr val="dk1">
+              <a:shade val="50000"/>
+            </a:schemeClr>
+          </a:lnRef>
+          <a:fillRef idx="1">
+            <a:schemeClr val="dk1"/>
+          </a:fillRef>
+          <a:effectRef idx="0">
+            <a:schemeClr val="dk1"/>
+          </a:effectRef>
+          <a:fontRef idx="minor">
+            <a:schemeClr val="lt1"/>
+          </a:fontRef>
+        </p:style>
+        <p:txBody>
+          <a:bodyPr rtlCol="0" anchor="ctr"/>
+          <a:lstStyle/>
+          <a:p>
+            <a:pPr algn="ctr"/>
+            <a:endParaRPr lang="en-US">
+              <a:solidFill>
+                <a:prstClr val="white"/>
+              </a:solidFill>
+            </a:endParaRPr>
+          </a:p>
+        </p:txBody>
+      </p:sp>
+      <p:sp>
+        <p:nvSpPr>
+          <p:cNvPr id="36" name="Down Arrow 35"/>
+          <p:cNvSpPr/>
+          <p:nvPr/>
+        </p:nvSpPr>
+        <p:spPr>
+          <a:xfrm>
+            <a:off x="1062788" y="1028680"/>
+            <a:ext cx="486640" cy="533400"/>
+          </a:xfrm>
+          <a:prstGeom prst="downArrow">
+            <a:avLst/>
+          </a:prstGeom>
+        </p:spPr>
+        <p:style>
+          <a:lnRef idx="2">
+            <a:schemeClr val="dk1">
+              <a:shade val="50000"/>
+            </a:schemeClr>
+          </a:lnRef>
+          <a:fillRef idx="1">
+            <a:schemeClr val="dk1"/>
+          </a:fillRef>
+          <a:effectRef idx="0">
+            <a:schemeClr val="dk1"/>
+          </a:effectRef>
+          <a:fontRef idx="minor">
+            <a:schemeClr val="lt1"/>
+          </a:fontRef>
+        </p:style>
+        <p:txBody>
+          <a:bodyPr rtlCol="0" anchor="ctr"/>
+          <a:lstStyle/>
+          <a:p>
+            <a:pPr algn="ctr"/>
+            <a:endParaRPr lang="en-US">
+              <a:solidFill>
+                <a:prstClr val="white"/>
+              </a:solidFill>
+            </a:endParaRPr>
+          </a:p>
+        </p:txBody>
+      </p:sp>
+      <p:sp>
+        <p:nvSpPr>
+          <p:cNvPr id="2" name="U-Turn Arrow 1"/>
+          <p:cNvSpPr/>
+          <p:nvPr/>
+        </p:nvSpPr>
+        <p:spPr>
+          <a:xfrm rot="10800000">
+            <a:off x="1056329" y="4343400"/>
+            <a:ext cx="6938212" cy="1066800"/>
+          </a:xfrm>
+          <a:prstGeom prst="uturnArrow">
+            <a:avLst/>
+          </a:prstGeom>
+        </p:spPr>
+        <p:style>
+          <a:lnRef idx="2">
+            <a:schemeClr val="dk1">
+              <a:shade val="50000"/>
+            </a:schemeClr>
+          </a:lnRef>
+          <a:fillRef idx="1">
+            <a:schemeClr val="dk1"/>
+          </a:fillRef>
+          <a:effectRef idx="0">
+            <a:schemeClr val="dk1"/>
+          </a:effectRef>
+          <a:fontRef idx="minor">
+            <a:schemeClr val="lt1"/>
+          </a:fontRef>
+        </p:style>
+        <p:txBody>
+          <a:bodyPr rtlCol="0" anchor="ctr"/>
+          <a:lstStyle/>
+          <a:p>
+            <a:pPr algn="ctr"/>
+            <a:endParaRPr lang="en-US">
+              <a:solidFill>
+                <a:prstClr val="white"/>
+              </a:solidFill>
+            </a:endParaRPr>
+          </a:p>
+        </p:txBody>
+      </p:sp>
       <p:pic>
         <p:nvPicPr>
-          <p:cNvPr id="4098" name="Picture 2"/>
+          <p:cNvPr id="6146" name="Picture 2"/>
           <p:cNvPicPr>
             <a:picLocks noChangeAspect="1" noChangeArrowheads="1"/>
           </p:cNvPicPr>
           <p:nvPr/>
         </p:nvPicPr>
         <p:blipFill>
-          <a:blip r:embed="rId11" cstate="print">
+          <a:blip r:embed="rId2" cstate="print">
             <a:extLst>
               <a:ext uri="{28A0092B-C50C-407E-A947-70E740481C1C}">
                 <a14:useLocalDpi xmlns:a14="http://schemas.microsoft.com/office/drawing/2010/main" val="0"/>
@@ -13560,8 +13892,8 @@
         </p:blipFill>
         <p:spPr bwMode="auto">
           <a:xfrm>
-            <a:off x="3046748" y="4267200"/>
-            <a:ext cx="3168285" cy="643264"/>
+            <a:off x="3509046" y="3584001"/>
+            <a:ext cx="5544586" cy="3020977"/>
           </a:xfrm>
           <a:prstGeom prst="rect">
             <a:avLst/>
@@ -13604,732 +13936,6 @@
     </p:spTree>
     <p:extLst>
       <p:ext uri="{BB962C8B-B14F-4D97-AF65-F5344CB8AC3E}">
-        <p14:creationId xmlns:p14="http://schemas.microsoft.com/office/powerpoint/2010/main" val="2649033550"/>
-      </p:ext>
-    </p:extLst>
-  </p:cSld>
-  <p:clrMapOvr>
-    <a:masterClrMapping/>
-  </p:clrMapOvr>
-</p:sld>
-</file>
-
-<file path=ppt/slides/slide6.xml><?xml version="1.0" encoding="utf-8"?>
-<p:sld xmlns:a="http://schemas.openxmlformats.org/drawingml/2006/main" xmlns:r="http://schemas.openxmlformats.org/officeDocument/2006/relationships" xmlns:p="http://schemas.openxmlformats.org/presentationml/2006/main">
-  <p:cSld>
-    <p:spTree>
-      <p:nvGrpSpPr>
-        <p:cNvPr id="1" name=""/>
-        <p:cNvGrpSpPr/>
-        <p:nvPr/>
-      </p:nvGrpSpPr>
-      <p:grpSpPr>
-        <a:xfrm>
-          <a:off x="0" y="0"/>
-          <a:ext cx="0" cy="0"/>
-          <a:chOff x="0" y="0"/>
-          <a:chExt cx="0" cy="0"/>
-        </a:xfrm>
-      </p:grpSpPr>
-      <p:sp>
-        <p:nvSpPr>
-          <p:cNvPr id="18" name="Down Arrow 17"/>
-          <p:cNvSpPr/>
-          <p:nvPr/>
-        </p:nvSpPr>
-        <p:spPr>
-          <a:xfrm rot="16200000">
-            <a:off x="2690380" y="3637629"/>
-            <a:ext cx="486640" cy="533400"/>
-          </a:xfrm>
-          <a:prstGeom prst="downArrow">
-            <a:avLst/>
-          </a:prstGeom>
-        </p:spPr>
-        <p:style>
-          <a:lnRef idx="2">
-            <a:schemeClr val="dk1">
-              <a:shade val="50000"/>
-            </a:schemeClr>
-          </a:lnRef>
-          <a:fillRef idx="1">
-            <a:schemeClr val="dk1"/>
-          </a:fillRef>
-          <a:effectRef idx="0">
-            <a:schemeClr val="dk1"/>
-          </a:effectRef>
-          <a:fontRef idx="minor">
-            <a:schemeClr val="lt1"/>
-          </a:fontRef>
-        </p:style>
-        <p:txBody>
-          <a:bodyPr rtlCol="0" anchor="ctr"/>
-          <a:lstStyle/>
-          <a:p>
-            <a:pPr algn="ctr"/>
-            <a:endParaRPr lang="en-US">
-              <a:solidFill>
-                <a:prstClr val="white"/>
-              </a:solidFill>
-            </a:endParaRPr>
-          </a:p>
-        </p:txBody>
-      </p:sp>
-      <p:sp>
-        <p:nvSpPr>
-          <p:cNvPr id="6" name="Rounded Rectangle 5"/>
-          <p:cNvSpPr/>
-          <p:nvPr/>
-        </p:nvSpPr>
-        <p:spPr>
-          <a:xfrm>
-            <a:off x="43621" y="3584001"/>
-            <a:ext cx="2547179" cy="683200"/>
-          </a:xfrm>
-          <a:prstGeom prst="roundRect">
-            <a:avLst/>
-          </a:prstGeom>
-        </p:spPr>
-        <p:style>
-          <a:lnRef idx="2">
-            <a:schemeClr val="accent1">
-              <a:shade val="50000"/>
-            </a:schemeClr>
-          </a:lnRef>
-          <a:fillRef idx="1">
-            <a:schemeClr val="accent1"/>
-          </a:fillRef>
-          <a:effectRef idx="0">
-            <a:schemeClr val="accent1"/>
-          </a:effectRef>
-          <a:fontRef idx="minor">
-            <a:schemeClr val="lt1"/>
-          </a:fontRef>
-        </p:style>
-        <p:txBody>
-          <a:bodyPr rtlCol="0" anchor="t" anchorCtr="0"/>
-          <a:lstStyle/>
-          <a:p>
-            <a:pPr algn="ctr"/>
-            <a:r>
-              <a:rPr lang="en-US" sz="1050" b="1" u="sng" dirty="0" smtClean="0">
-                <a:solidFill>
-                  <a:prstClr val="white"/>
-                </a:solidFill>
-              </a:rPr>
-              <a:t>Preprocess</a:t>
-            </a:r>
-          </a:p>
-          <a:p>
-            <a:r>
-              <a:rPr lang="en-US" sz="1050" dirty="0">
-                <a:solidFill>
-                  <a:prstClr val="white"/>
-                </a:solidFill>
-              </a:rPr>
-              <a:t>Uses feedback mechanisms to modify elements for the next time step</a:t>
-            </a:r>
-            <a:r>
-              <a:rPr lang="en-US" sz="1050" dirty="0" smtClean="0">
-                <a:solidFill>
-                  <a:prstClr val="white"/>
-                </a:solidFill>
-              </a:rPr>
-              <a:t>.</a:t>
-            </a:r>
-            <a:endParaRPr lang="en-US" sz="1050" dirty="0">
-              <a:solidFill>
-                <a:prstClr val="white"/>
-              </a:solidFill>
-            </a:endParaRPr>
-          </a:p>
-        </p:txBody>
-      </p:sp>
-      <p:sp>
-        <p:nvSpPr>
-          <p:cNvPr id="26" name="Rounded Rectangle 25"/>
-          <p:cNvSpPr/>
-          <p:nvPr/>
-        </p:nvSpPr>
-        <p:spPr>
-          <a:xfrm>
-            <a:off x="3304670" y="3584001"/>
-            <a:ext cx="2547179" cy="683200"/>
-          </a:xfrm>
-          <a:prstGeom prst="roundRect">
-            <a:avLst/>
-          </a:prstGeom>
-        </p:spPr>
-        <p:style>
-          <a:lnRef idx="2">
-            <a:schemeClr val="accent1">
-              <a:shade val="50000"/>
-            </a:schemeClr>
-          </a:lnRef>
-          <a:fillRef idx="1">
-            <a:schemeClr val="accent1"/>
-          </a:fillRef>
-          <a:effectRef idx="0">
-            <a:schemeClr val="accent1"/>
-          </a:effectRef>
-          <a:fontRef idx="minor">
-            <a:schemeClr val="lt1"/>
-          </a:fontRef>
-        </p:style>
-        <p:txBody>
-          <a:bodyPr rtlCol="0" anchor="t" anchorCtr="0"/>
-          <a:lstStyle/>
-          <a:p>
-            <a:pPr algn="ctr"/>
-            <a:r>
-              <a:rPr lang="en-US" sz="1050" b="1" u="sng" dirty="0" smtClean="0">
-                <a:solidFill>
-                  <a:prstClr val="white"/>
-                </a:solidFill>
-              </a:rPr>
-              <a:t>Process</a:t>
-            </a:r>
-          </a:p>
-          <a:p>
-            <a:r>
-              <a:rPr lang="en-US" sz="1050" dirty="0">
-                <a:solidFill>
-                  <a:prstClr val="white"/>
-                </a:solidFill>
-              </a:rPr>
-              <a:t>Calculates the entire state of the system for the next time step</a:t>
-            </a:r>
-            <a:r>
-              <a:rPr lang="en-US" sz="1050" dirty="0" smtClean="0">
-                <a:solidFill>
-                  <a:prstClr val="white"/>
-                </a:solidFill>
-              </a:rPr>
-              <a:t>.</a:t>
-            </a:r>
-            <a:endParaRPr lang="en-US" sz="1050" dirty="0">
-              <a:solidFill>
-                <a:prstClr val="white"/>
-              </a:solidFill>
-            </a:endParaRPr>
-          </a:p>
-        </p:txBody>
-      </p:sp>
-      <p:sp>
-        <p:nvSpPr>
-          <p:cNvPr id="27" name="Rounded Rectangle 26"/>
-          <p:cNvSpPr/>
-          <p:nvPr/>
-        </p:nvSpPr>
-        <p:spPr>
-          <a:xfrm>
-            <a:off x="6565719" y="3584001"/>
-            <a:ext cx="2547179" cy="683200"/>
-          </a:xfrm>
-          <a:prstGeom prst="roundRect">
-            <a:avLst/>
-          </a:prstGeom>
-        </p:spPr>
-        <p:style>
-          <a:lnRef idx="2">
-            <a:schemeClr val="accent1">
-              <a:shade val="50000"/>
-            </a:schemeClr>
-          </a:lnRef>
-          <a:fillRef idx="1">
-            <a:schemeClr val="accent1"/>
-          </a:fillRef>
-          <a:effectRef idx="0">
-            <a:schemeClr val="accent1"/>
-          </a:effectRef>
-          <a:fontRef idx="minor">
-            <a:schemeClr val="lt1"/>
-          </a:fontRef>
-        </p:style>
-        <p:txBody>
-          <a:bodyPr rtlCol="0" anchor="t" anchorCtr="0"/>
-          <a:lstStyle/>
-          <a:p>
-            <a:pPr algn="ctr"/>
-            <a:r>
-              <a:rPr lang="en-US" sz="1050" b="1" u="sng" dirty="0" err="1" smtClean="0">
-                <a:solidFill>
-                  <a:prstClr val="white"/>
-                </a:solidFill>
-              </a:rPr>
-              <a:t>PostProcess</a:t>
-            </a:r>
-            <a:endParaRPr lang="en-US" sz="1050" b="1" u="sng" dirty="0" smtClean="0">
-              <a:solidFill>
-                <a:prstClr val="white"/>
-              </a:solidFill>
-            </a:endParaRPr>
-          </a:p>
-          <a:p>
-            <a:r>
-              <a:rPr lang="en-US" sz="1050" dirty="0">
-                <a:solidFill>
-                  <a:prstClr val="white"/>
-                </a:solidFill>
-              </a:rPr>
-              <a:t>Advances time by moving the next time step to current</a:t>
-            </a:r>
-            <a:r>
-              <a:rPr lang="en-US" sz="1050" dirty="0" smtClean="0">
-                <a:solidFill>
-                  <a:prstClr val="white"/>
-                </a:solidFill>
-              </a:rPr>
-              <a:t>.</a:t>
-            </a:r>
-            <a:endParaRPr lang="en-US" sz="1050" dirty="0">
-              <a:solidFill>
-                <a:prstClr val="white"/>
-              </a:solidFill>
-            </a:endParaRPr>
-          </a:p>
-        </p:txBody>
-      </p:sp>
-      <p:sp>
-        <p:nvSpPr>
-          <p:cNvPr id="28" name="Rounded Rectangle 27"/>
-          <p:cNvSpPr/>
-          <p:nvPr/>
-        </p:nvSpPr>
-        <p:spPr>
-          <a:xfrm>
-            <a:off x="4419600" y="1736495"/>
-            <a:ext cx="2547179" cy="701905"/>
-          </a:xfrm>
-          <a:prstGeom prst="roundRect">
-            <a:avLst/>
-          </a:prstGeom>
-        </p:spPr>
-        <p:style>
-          <a:lnRef idx="2">
-            <a:schemeClr val="accent1">
-              <a:shade val="50000"/>
-            </a:schemeClr>
-          </a:lnRef>
-          <a:fillRef idx="1">
-            <a:schemeClr val="accent1"/>
-          </a:fillRef>
-          <a:effectRef idx="0">
-            <a:schemeClr val="accent1"/>
-          </a:effectRef>
-          <a:fontRef idx="minor">
-            <a:schemeClr val="lt1"/>
-          </a:fontRef>
-        </p:style>
-        <p:txBody>
-          <a:bodyPr rtlCol="0" anchor="t" anchorCtr="0"/>
-          <a:lstStyle/>
-          <a:p>
-            <a:pPr algn="ctr"/>
-            <a:r>
-              <a:rPr lang="en-US" sz="1050" b="1" u="sng" dirty="0" smtClean="0">
-                <a:solidFill>
-                  <a:prstClr val="white"/>
-                </a:solidFill>
-              </a:rPr>
-              <a:t>Assessments</a:t>
-            </a:r>
-          </a:p>
-          <a:p>
-            <a:r>
-              <a:rPr lang="en-US" sz="1050" dirty="0" smtClean="0">
-                <a:solidFill>
-                  <a:prstClr val="white"/>
-                </a:solidFill>
-              </a:rPr>
-              <a:t>Called on demand to calculate and set assessment specific data.</a:t>
-            </a:r>
-          </a:p>
-        </p:txBody>
-      </p:sp>
-      <p:sp>
-        <p:nvSpPr>
-          <p:cNvPr id="31" name="Rounded Rectangle 30"/>
-          <p:cNvSpPr/>
-          <p:nvPr/>
-        </p:nvSpPr>
-        <p:spPr>
-          <a:xfrm>
-            <a:off x="43620" y="480447"/>
-            <a:ext cx="2547179" cy="472033"/>
-          </a:xfrm>
-          <a:prstGeom prst="roundRect">
-            <a:avLst/>
-          </a:prstGeom>
-        </p:spPr>
-        <p:style>
-          <a:lnRef idx="2">
-            <a:schemeClr val="accent1">
-              <a:shade val="50000"/>
-            </a:schemeClr>
-          </a:lnRef>
-          <a:fillRef idx="1">
-            <a:schemeClr val="accent1"/>
-          </a:fillRef>
-          <a:effectRef idx="0">
-            <a:schemeClr val="accent1"/>
-          </a:effectRef>
-          <a:fontRef idx="minor">
-            <a:schemeClr val="lt1"/>
-          </a:fontRef>
-        </p:style>
-        <p:txBody>
-          <a:bodyPr rtlCol="0" anchor="t" anchorCtr="0"/>
-          <a:lstStyle/>
-          <a:p>
-            <a:pPr algn="ctr"/>
-            <a:r>
-              <a:rPr lang="en-US" sz="1050" b="1" u="sng" dirty="0" smtClean="0">
-                <a:solidFill>
-                  <a:prstClr val="white"/>
-                </a:solidFill>
-              </a:rPr>
-              <a:t>Reset</a:t>
-            </a:r>
-          </a:p>
-          <a:p>
-            <a:r>
-              <a:rPr lang="en-US" sz="1050" dirty="0" smtClean="0">
-                <a:solidFill>
-                  <a:prstClr val="white"/>
-                </a:solidFill>
-              </a:rPr>
-              <a:t>Initializes the system.</a:t>
-            </a:r>
-          </a:p>
-        </p:txBody>
-      </p:sp>
-      <p:sp>
-        <p:nvSpPr>
-          <p:cNvPr id="33" name="Rounded Rectangle 32"/>
-          <p:cNvSpPr/>
-          <p:nvPr/>
-        </p:nvSpPr>
-        <p:spPr>
-          <a:xfrm>
-            <a:off x="43621" y="1658724"/>
-            <a:ext cx="2524974" cy="1198756"/>
-          </a:xfrm>
-          <a:prstGeom prst="roundRect">
-            <a:avLst/>
-          </a:prstGeom>
-        </p:spPr>
-        <p:style>
-          <a:lnRef idx="2">
-            <a:schemeClr val="accent1">
-              <a:shade val="50000"/>
-            </a:schemeClr>
-          </a:lnRef>
-          <a:fillRef idx="1">
-            <a:schemeClr val="accent1"/>
-          </a:fillRef>
-          <a:effectRef idx="0">
-            <a:schemeClr val="accent1"/>
-          </a:effectRef>
-          <a:fontRef idx="minor">
-            <a:schemeClr val="lt1"/>
-          </a:fontRef>
-        </p:style>
-        <p:txBody>
-          <a:bodyPr rtlCol="0" anchor="t" anchorCtr="0"/>
-          <a:lstStyle/>
-          <a:p>
-            <a:pPr algn="ctr"/>
-            <a:r>
-              <a:rPr lang="en-US" sz="1050" b="1" u="sng" dirty="0" smtClean="0">
-                <a:solidFill>
-                  <a:prstClr val="white"/>
-                </a:solidFill>
-              </a:rPr>
-              <a:t>Initialization</a:t>
-            </a:r>
-          </a:p>
-          <a:p>
-            <a:r>
-              <a:rPr lang="en-US" sz="1050" b="1" dirty="0" smtClean="0"/>
-              <a:t>Resting</a:t>
-            </a:r>
-            <a:r>
-              <a:rPr lang="en-US" sz="1050" dirty="0" smtClean="0"/>
-              <a:t>: Functionality specific to resting patient stabilization</a:t>
-            </a:r>
-          </a:p>
-          <a:p>
-            <a:endParaRPr lang="en-US" sz="1050" dirty="0" smtClean="0"/>
-          </a:p>
-          <a:p>
-            <a:r>
-              <a:rPr lang="en-US" sz="1050" b="1" dirty="0" smtClean="0">
-                <a:solidFill>
-                  <a:prstClr val="white"/>
-                </a:solidFill>
-              </a:rPr>
-              <a:t>Conditions</a:t>
-            </a:r>
-            <a:r>
-              <a:rPr lang="en-US" sz="1050" dirty="0" smtClean="0">
-                <a:solidFill>
-                  <a:prstClr val="white"/>
-                </a:solidFill>
-              </a:rPr>
-              <a:t>: Functionality specific to applying conditions</a:t>
-            </a:r>
-            <a:endParaRPr lang="en-US" sz="1050" dirty="0">
-              <a:solidFill>
-                <a:prstClr val="white"/>
-              </a:solidFill>
-            </a:endParaRPr>
-          </a:p>
-        </p:txBody>
-      </p:sp>
-      <p:sp>
-        <p:nvSpPr>
-          <p:cNvPr id="34" name="Down Arrow 33"/>
-          <p:cNvSpPr/>
-          <p:nvPr/>
-        </p:nvSpPr>
-        <p:spPr>
-          <a:xfrm rot="16200000">
-            <a:off x="5966980" y="3637630"/>
-            <a:ext cx="486640" cy="533400"/>
-          </a:xfrm>
-          <a:prstGeom prst="downArrow">
-            <a:avLst/>
-          </a:prstGeom>
-        </p:spPr>
-        <p:style>
-          <a:lnRef idx="2">
-            <a:schemeClr val="dk1">
-              <a:shade val="50000"/>
-            </a:schemeClr>
-          </a:lnRef>
-          <a:fillRef idx="1">
-            <a:schemeClr val="dk1"/>
-          </a:fillRef>
-          <a:effectRef idx="0">
-            <a:schemeClr val="dk1"/>
-          </a:effectRef>
-          <a:fontRef idx="minor">
-            <a:schemeClr val="lt1"/>
-          </a:fontRef>
-        </p:style>
-        <p:txBody>
-          <a:bodyPr rtlCol="0" anchor="ctr"/>
-          <a:lstStyle/>
-          <a:p>
-            <a:pPr algn="ctr"/>
-            <a:endParaRPr lang="en-US">
-              <a:solidFill>
-                <a:prstClr val="white"/>
-              </a:solidFill>
-            </a:endParaRPr>
-          </a:p>
-        </p:txBody>
-      </p:sp>
-      <p:sp>
-        <p:nvSpPr>
-          <p:cNvPr id="35" name="Down Arrow 34"/>
-          <p:cNvSpPr/>
-          <p:nvPr/>
-        </p:nvSpPr>
-        <p:spPr>
-          <a:xfrm>
-            <a:off x="1062788" y="2960137"/>
-            <a:ext cx="486640" cy="533400"/>
-          </a:xfrm>
-          <a:prstGeom prst="downArrow">
-            <a:avLst/>
-          </a:prstGeom>
-        </p:spPr>
-        <p:style>
-          <a:lnRef idx="2">
-            <a:schemeClr val="dk1">
-              <a:shade val="50000"/>
-            </a:schemeClr>
-          </a:lnRef>
-          <a:fillRef idx="1">
-            <a:schemeClr val="dk1"/>
-          </a:fillRef>
-          <a:effectRef idx="0">
-            <a:schemeClr val="dk1"/>
-          </a:effectRef>
-          <a:fontRef idx="minor">
-            <a:schemeClr val="lt1"/>
-          </a:fontRef>
-        </p:style>
-        <p:txBody>
-          <a:bodyPr rtlCol="0" anchor="ctr"/>
-          <a:lstStyle/>
-          <a:p>
-            <a:pPr algn="ctr"/>
-            <a:endParaRPr lang="en-US">
-              <a:solidFill>
-                <a:prstClr val="white"/>
-              </a:solidFill>
-            </a:endParaRPr>
-          </a:p>
-        </p:txBody>
-      </p:sp>
-      <p:sp>
-        <p:nvSpPr>
-          <p:cNvPr id="36" name="Down Arrow 35"/>
-          <p:cNvSpPr/>
-          <p:nvPr/>
-        </p:nvSpPr>
-        <p:spPr>
-          <a:xfrm>
-            <a:off x="1062788" y="1028680"/>
-            <a:ext cx="486640" cy="533400"/>
-          </a:xfrm>
-          <a:prstGeom prst="downArrow">
-            <a:avLst/>
-          </a:prstGeom>
-        </p:spPr>
-        <p:style>
-          <a:lnRef idx="2">
-            <a:schemeClr val="dk1">
-              <a:shade val="50000"/>
-            </a:schemeClr>
-          </a:lnRef>
-          <a:fillRef idx="1">
-            <a:schemeClr val="dk1"/>
-          </a:fillRef>
-          <a:effectRef idx="0">
-            <a:schemeClr val="dk1"/>
-          </a:effectRef>
-          <a:fontRef idx="minor">
-            <a:schemeClr val="lt1"/>
-          </a:fontRef>
-        </p:style>
-        <p:txBody>
-          <a:bodyPr rtlCol="0" anchor="ctr"/>
-          <a:lstStyle/>
-          <a:p>
-            <a:pPr algn="ctr"/>
-            <a:endParaRPr lang="en-US">
-              <a:solidFill>
-                <a:prstClr val="white"/>
-              </a:solidFill>
-            </a:endParaRPr>
-          </a:p>
-        </p:txBody>
-      </p:sp>
-      <p:sp>
-        <p:nvSpPr>
-          <p:cNvPr id="2" name="U-Turn Arrow 1"/>
-          <p:cNvSpPr/>
-          <p:nvPr/>
-        </p:nvSpPr>
-        <p:spPr>
-          <a:xfrm rot="10800000">
-            <a:off x="1056329" y="4343400"/>
-            <a:ext cx="6938212" cy="1066800"/>
-          </a:xfrm>
-          <a:prstGeom prst="uturnArrow">
-            <a:avLst/>
-          </a:prstGeom>
-        </p:spPr>
-        <p:style>
-          <a:lnRef idx="2">
-            <a:schemeClr val="dk1">
-              <a:shade val="50000"/>
-            </a:schemeClr>
-          </a:lnRef>
-          <a:fillRef idx="1">
-            <a:schemeClr val="dk1"/>
-          </a:fillRef>
-          <a:effectRef idx="0">
-            <a:schemeClr val="dk1"/>
-          </a:effectRef>
-          <a:fontRef idx="minor">
-            <a:schemeClr val="lt1"/>
-          </a:fontRef>
-        </p:style>
-        <p:txBody>
-          <a:bodyPr rtlCol="0" anchor="ctr"/>
-          <a:lstStyle/>
-          <a:p>
-            <a:pPr algn="ctr"/>
-            <a:endParaRPr lang="en-US">
-              <a:solidFill>
-                <a:prstClr val="white"/>
-              </a:solidFill>
-            </a:endParaRPr>
-          </a:p>
-        </p:txBody>
-      </p:sp>
-      <p:pic>
-        <p:nvPicPr>
-          <p:cNvPr id="6146" name="Picture 2"/>
-          <p:cNvPicPr>
-            <a:picLocks noChangeAspect="1" noChangeArrowheads="1"/>
-          </p:cNvPicPr>
-          <p:nvPr/>
-        </p:nvPicPr>
-        <p:blipFill>
-          <a:blip r:embed="rId2" cstate="print">
-            <a:extLst>
-              <a:ext uri="{28A0092B-C50C-407E-A947-70E740481C1C}">
-                <a14:useLocalDpi xmlns:a14="http://schemas.microsoft.com/office/drawing/2010/main" val="0"/>
-              </a:ext>
-            </a:extLst>
-          </a:blip>
-          <a:srcRect/>
-          <a:stretch>
-            <a:fillRect/>
-          </a:stretch>
-        </p:blipFill>
-        <p:spPr bwMode="auto">
-          <a:xfrm>
-            <a:off x="3509046" y="3584001"/>
-            <a:ext cx="5544586" cy="3020977"/>
-          </a:xfrm>
-          <a:prstGeom prst="rect">
-            <a:avLst/>
-          </a:prstGeom>
-          <a:noFill/>
-          <a:ln>
-            <a:noFill/>
-          </a:ln>
-          <a:effectLst/>
-          <a:extLst>
-            <a:ext uri="{909E8E84-426E-40DD-AFC4-6F175D3DCCD1}">
-              <a14:hiddenFill xmlns:a14="http://schemas.microsoft.com/office/drawing/2010/main">
-                <a:solidFill>
-                  <a:schemeClr val="accent1"/>
-                </a:solidFill>
-              </a14:hiddenFill>
-            </a:ext>
-            <a:ext uri="{91240B29-F687-4F45-9708-019B960494DF}">
-              <a14:hiddenLine xmlns:a14="http://schemas.microsoft.com/office/drawing/2010/main" w="9525">
-                <a:solidFill>
-                  <a:schemeClr val="tx1"/>
-                </a:solidFill>
-                <a:miter lim="800000"/>
-                <a:headEnd/>
-                <a:tailEnd/>
-              </a14:hiddenLine>
-            </a:ext>
-            <a:ext uri="{AF507438-7753-43E0-B8FC-AC1667EBCBE1}">
-              <a14:hiddenEffects xmlns:a14="http://schemas.microsoft.com/office/drawing/2010/main">
-                <a:effectLst>
-                  <a:outerShdw dist="35921" dir="2700000" algn="ctr" rotWithShape="0">
-                    <a:schemeClr val="bg2"/>
-                  </a:outerShdw>
-                </a:effectLst>
-              </a14:hiddenEffects>
-            </a:ext>
-          </a:extLst>
-        </p:spPr>
-      </p:pic>
-    </p:spTree>
-    <p:extLst>
-      <p:ext uri="{BB962C8B-B14F-4D97-AF65-F5344CB8AC3E}">
         <p14:creationId xmlns:p14="http://schemas.microsoft.com/office/powerpoint/2010/main" val="329163800"/>
       </p:ext>
     </p:extLst>
@@ -14337,13 +13943,6 @@
   <p:clrMapOvr>
     <a:masterClrMapping/>
   </p:clrMapOvr>
-  <p:timing>
-    <p:tnLst>
-      <p:par>
-        <p:cTn id="1" dur="indefinite" restart="never" nodeType="tmRoot"/>
-      </p:par>
-    </p:tnLst>
-  </p:timing>
 </p:sld>
 </file>
 

--- a/docs/Figures/SystemWorking.pptx
+++ b/docs/Figures/SystemWorking.pptx
@@ -6,7 +6,7 @@
     <p:sldMasterId id="2147483672" r:id="rId2"/>
   </p:sldMasterIdLst>
   <p:notesMasterIdLst>
-    <p:notesMasterId r:id="rId9"/>
+    <p:notesMasterId r:id="rId10"/>
   </p:notesMasterIdLst>
   <p:sldIdLst>
     <p:sldId id="359" r:id="rId3"/>
@@ -14,7 +14,8 @@
     <p:sldId id="362" r:id="rId5"/>
     <p:sldId id="361" r:id="rId6"/>
     <p:sldId id="263" r:id="rId7"/>
-    <p:sldId id="360" r:id="rId8"/>
+    <p:sldId id="363" r:id="rId8"/>
+    <p:sldId id="360" r:id="rId9"/>
   </p:sldIdLst>
   <p:sldSz cx="9144000" cy="6858000" type="screen4x3"/>
   <p:notesSz cx="6996113" cy="9282113"/>
@@ -132,6 +133,8243 @@
 </p:presentation>
 </file>
 
+<file path=ppt/diagrams/colors1.xml><?xml version="1.0" encoding="utf-8"?>
+<dgm:colorsDef xmlns:dgm="http://schemas.openxmlformats.org/drawingml/2006/diagram" xmlns:a="http://schemas.openxmlformats.org/drawingml/2006/main" uniqueId="urn:microsoft.com/office/officeart/2005/8/colors/accent1_2">
+  <dgm:title val=""/>
+  <dgm:desc val=""/>
+  <dgm:catLst>
+    <dgm:cat type="accent1" pri="11200"/>
+  </dgm:catLst>
+  <dgm:styleLbl name="node0">
+    <dgm:fillClrLst meth="repeat">
+      <a:schemeClr val="accent1"/>
+    </dgm:fillClrLst>
+    <dgm:linClrLst meth="repeat">
+      <a:schemeClr val="lt1"/>
+    </dgm:linClrLst>
+    <dgm:effectClrLst/>
+    <dgm:txLinClrLst/>
+    <dgm:txFillClrLst/>
+    <dgm:txEffectClrLst/>
+  </dgm:styleLbl>
+  <dgm:styleLbl name="alignNode1">
+    <dgm:fillClrLst meth="repeat">
+      <a:schemeClr val="accent1"/>
+    </dgm:fillClrLst>
+    <dgm:linClrLst meth="repeat">
+      <a:schemeClr val="accent1"/>
+    </dgm:linClrLst>
+    <dgm:effectClrLst/>
+    <dgm:txLinClrLst/>
+    <dgm:txFillClrLst/>
+    <dgm:txEffectClrLst/>
+  </dgm:styleLbl>
+  <dgm:styleLbl name="node1">
+    <dgm:fillClrLst meth="repeat">
+      <a:schemeClr val="accent1"/>
+    </dgm:fillClrLst>
+    <dgm:linClrLst meth="repeat">
+      <a:schemeClr val="lt1"/>
+    </dgm:linClrLst>
+    <dgm:effectClrLst/>
+    <dgm:txLinClrLst/>
+    <dgm:txFillClrLst/>
+    <dgm:txEffectClrLst/>
+  </dgm:styleLbl>
+  <dgm:styleLbl name="lnNode1">
+    <dgm:fillClrLst meth="repeat">
+      <a:schemeClr val="accent1"/>
+    </dgm:fillClrLst>
+    <dgm:linClrLst meth="repeat">
+      <a:schemeClr val="lt1"/>
+    </dgm:linClrLst>
+    <dgm:effectClrLst/>
+    <dgm:txLinClrLst/>
+    <dgm:txFillClrLst/>
+    <dgm:txEffectClrLst/>
+  </dgm:styleLbl>
+  <dgm:styleLbl name="vennNode1">
+    <dgm:fillClrLst meth="repeat">
+      <a:schemeClr val="accent1">
+        <a:alpha val="50000"/>
+      </a:schemeClr>
+    </dgm:fillClrLst>
+    <dgm:linClrLst meth="repeat">
+      <a:schemeClr val="lt1"/>
+    </dgm:linClrLst>
+    <dgm:effectClrLst/>
+    <dgm:txLinClrLst/>
+    <dgm:txFillClrLst/>
+    <dgm:txEffectClrLst/>
+  </dgm:styleLbl>
+  <dgm:styleLbl name="node2">
+    <dgm:fillClrLst meth="repeat">
+      <a:schemeClr val="accent1"/>
+    </dgm:fillClrLst>
+    <dgm:linClrLst meth="repeat">
+      <a:schemeClr val="lt1"/>
+    </dgm:linClrLst>
+    <dgm:effectClrLst/>
+    <dgm:txLinClrLst/>
+    <dgm:txFillClrLst/>
+    <dgm:txEffectClrLst/>
+  </dgm:styleLbl>
+  <dgm:styleLbl name="node3">
+    <dgm:fillClrLst meth="repeat">
+      <a:schemeClr val="accent1"/>
+    </dgm:fillClrLst>
+    <dgm:linClrLst meth="repeat">
+      <a:schemeClr val="lt1"/>
+    </dgm:linClrLst>
+    <dgm:effectClrLst/>
+    <dgm:txLinClrLst/>
+    <dgm:txFillClrLst/>
+    <dgm:txEffectClrLst/>
+  </dgm:styleLbl>
+  <dgm:styleLbl name="node4">
+    <dgm:fillClrLst meth="repeat">
+      <a:schemeClr val="accent1"/>
+    </dgm:fillClrLst>
+    <dgm:linClrLst meth="repeat">
+      <a:schemeClr val="lt1"/>
+    </dgm:linClrLst>
+    <dgm:effectClrLst/>
+    <dgm:txLinClrLst/>
+    <dgm:txFillClrLst/>
+    <dgm:txEffectClrLst/>
+  </dgm:styleLbl>
+  <dgm:styleLbl name="fgImgPlace1">
+    <dgm:fillClrLst meth="repeat">
+      <a:schemeClr val="accent1">
+        <a:tint val="50000"/>
+      </a:schemeClr>
+    </dgm:fillClrLst>
+    <dgm:linClrLst meth="repeat">
+      <a:schemeClr val="lt1"/>
+    </dgm:linClrLst>
+    <dgm:effectClrLst/>
+    <dgm:txLinClrLst/>
+    <dgm:txFillClrLst meth="repeat">
+      <a:schemeClr val="lt1"/>
+    </dgm:txFillClrLst>
+    <dgm:txEffectClrLst/>
+  </dgm:styleLbl>
+  <dgm:styleLbl name="alignImgPlace1">
+    <dgm:fillClrLst meth="repeat">
+      <a:schemeClr val="accent1">
+        <a:tint val="50000"/>
+      </a:schemeClr>
+    </dgm:fillClrLst>
+    <dgm:linClrLst meth="repeat">
+      <a:schemeClr val="lt1"/>
+    </dgm:linClrLst>
+    <dgm:effectClrLst/>
+    <dgm:txLinClrLst/>
+    <dgm:txFillClrLst meth="repeat">
+      <a:schemeClr val="lt1"/>
+    </dgm:txFillClrLst>
+    <dgm:txEffectClrLst/>
+  </dgm:styleLbl>
+  <dgm:styleLbl name="bgImgPlace1">
+    <dgm:fillClrLst meth="repeat">
+      <a:schemeClr val="accent1">
+        <a:tint val="50000"/>
+      </a:schemeClr>
+    </dgm:fillClrLst>
+    <dgm:linClrLst meth="repeat">
+      <a:schemeClr val="lt1"/>
+    </dgm:linClrLst>
+    <dgm:effectClrLst/>
+    <dgm:txLinClrLst/>
+    <dgm:txFillClrLst meth="repeat">
+      <a:schemeClr val="lt1"/>
+    </dgm:txFillClrLst>
+    <dgm:txEffectClrLst/>
+  </dgm:styleLbl>
+  <dgm:styleLbl name="sibTrans2D1">
+    <dgm:fillClrLst meth="repeat">
+      <a:schemeClr val="accent1">
+        <a:tint val="60000"/>
+      </a:schemeClr>
+    </dgm:fillClrLst>
+    <dgm:linClrLst meth="repeat">
+      <a:schemeClr val="accent1">
+        <a:tint val="60000"/>
+      </a:schemeClr>
+    </dgm:linClrLst>
+    <dgm:effectClrLst/>
+    <dgm:txLinClrLst/>
+    <dgm:txFillClrLst/>
+    <dgm:txEffectClrLst/>
+  </dgm:styleLbl>
+  <dgm:styleLbl name="fgSibTrans2D1">
+    <dgm:fillClrLst meth="repeat">
+      <a:schemeClr val="accent1">
+        <a:tint val="60000"/>
+      </a:schemeClr>
+    </dgm:fillClrLst>
+    <dgm:linClrLst meth="repeat">
+      <a:schemeClr val="accent1">
+        <a:tint val="60000"/>
+      </a:schemeClr>
+    </dgm:linClrLst>
+    <dgm:effectClrLst/>
+    <dgm:txLinClrLst/>
+    <dgm:txFillClrLst/>
+    <dgm:txEffectClrLst/>
+  </dgm:styleLbl>
+  <dgm:styleLbl name="bgSibTrans2D1">
+    <dgm:fillClrLst meth="repeat">
+      <a:schemeClr val="accent1">
+        <a:tint val="60000"/>
+      </a:schemeClr>
+    </dgm:fillClrLst>
+    <dgm:linClrLst meth="repeat">
+      <a:schemeClr val="accent1">
+        <a:tint val="60000"/>
+      </a:schemeClr>
+    </dgm:linClrLst>
+    <dgm:effectClrLst/>
+    <dgm:txLinClrLst/>
+    <dgm:txFillClrLst/>
+    <dgm:txEffectClrLst/>
+  </dgm:styleLbl>
+  <dgm:styleLbl name="sibTrans1D1">
+    <dgm:fillClrLst meth="repeat">
+      <a:schemeClr val="accent1"/>
+    </dgm:fillClrLst>
+    <dgm:linClrLst meth="repeat">
+      <a:schemeClr val="accent1"/>
+    </dgm:linClrLst>
+    <dgm:effectClrLst/>
+    <dgm:txLinClrLst/>
+    <dgm:txFillClrLst meth="repeat">
+      <a:schemeClr val="tx1"/>
+    </dgm:txFillClrLst>
+    <dgm:txEffectClrLst/>
+  </dgm:styleLbl>
+  <dgm:styleLbl name="callout">
+    <dgm:fillClrLst meth="repeat">
+      <a:schemeClr val="accent1"/>
+    </dgm:fillClrLst>
+    <dgm:linClrLst meth="repeat">
+      <a:schemeClr val="accent1">
+        <a:tint val="50000"/>
+      </a:schemeClr>
+    </dgm:linClrLst>
+    <dgm:effectClrLst/>
+    <dgm:txLinClrLst/>
+    <dgm:txFillClrLst meth="repeat">
+      <a:schemeClr val="tx1"/>
+    </dgm:txFillClrLst>
+    <dgm:txEffectClrLst/>
+  </dgm:styleLbl>
+  <dgm:styleLbl name="asst0">
+    <dgm:fillClrLst meth="repeat">
+      <a:schemeClr val="accent1"/>
+    </dgm:fillClrLst>
+    <dgm:linClrLst meth="repeat">
+      <a:schemeClr val="lt1"/>
+    </dgm:linClrLst>
+    <dgm:effectClrLst/>
+    <dgm:txLinClrLst/>
+    <dgm:txFillClrLst/>
+    <dgm:txEffectClrLst/>
+  </dgm:styleLbl>
+  <dgm:styleLbl name="asst1">
+    <dgm:fillClrLst meth="repeat">
+      <a:schemeClr val="accent1"/>
+    </dgm:fillClrLst>
+    <dgm:linClrLst meth="repeat">
+      <a:schemeClr val="lt1"/>
+    </dgm:linClrLst>
+    <dgm:effectClrLst/>
+    <dgm:txLinClrLst/>
+    <dgm:txFillClrLst/>
+    <dgm:txEffectClrLst/>
+  </dgm:styleLbl>
+  <dgm:styleLbl name="asst2">
+    <dgm:fillClrLst meth="repeat">
+      <a:schemeClr val="accent1"/>
+    </dgm:fillClrLst>
+    <dgm:linClrLst meth="repeat">
+      <a:schemeClr val="lt1"/>
+    </dgm:linClrLst>
+    <dgm:effectClrLst/>
+    <dgm:txLinClrLst/>
+    <dgm:txFillClrLst/>
+    <dgm:txEffectClrLst/>
+  </dgm:styleLbl>
+  <dgm:styleLbl name="asst3">
+    <dgm:fillClrLst meth="repeat">
+      <a:schemeClr val="accent1"/>
+    </dgm:fillClrLst>
+    <dgm:linClrLst meth="repeat">
+      <a:schemeClr val="lt1"/>
+    </dgm:linClrLst>
+    <dgm:effectClrLst/>
+    <dgm:txLinClrLst/>
+    <dgm:txFillClrLst/>
+    <dgm:txEffectClrLst/>
+  </dgm:styleLbl>
+  <dgm:styleLbl name="asst4">
+    <dgm:fillClrLst meth="repeat">
+      <a:schemeClr val="accent1"/>
+    </dgm:fillClrLst>
+    <dgm:linClrLst meth="repeat">
+      <a:schemeClr val="lt1"/>
+    </dgm:linClrLst>
+    <dgm:effectClrLst/>
+    <dgm:txLinClrLst/>
+    <dgm:txFillClrLst/>
+    <dgm:txEffectClrLst/>
+  </dgm:styleLbl>
+  <dgm:styleLbl name="parChTrans2D1">
+    <dgm:fillClrLst meth="repeat">
+      <a:schemeClr val="accent1">
+        <a:tint val="60000"/>
+      </a:schemeClr>
+    </dgm:fillClrLst>
+    <dgm:linClrLst meth="repeat">
+      <a:schemeClr val="accent1">
+        <a:tint val="60000"/>
+      </a:schemeClr>
+    </dgm:linClrLst>
+    <dgm:effectClrLst/>
+    <dgm:txLinClrLst/>
+    <dgm:txFillClrLst meth="repeat">
+      <a:schemeClr val="lt1"/>
+    </dgm:txFillClrLst>
+    <dgm:txEffectClrLst/>
+  </dgm:styleLbl>
+  <dgm:styleLbl name="parChTrans2D2">
+    <dgm:fillClrLst meth="repeat">
+      <a:schemeClr val="accent1"/>
+    </dgm:fillClrLst>
+    <dgm:linClrLst meth="repeat">
+      <a:schemeClr val="accent1"/>
+    </dgm:linClrLst>
+    <dgm:effectClrLst/>
+    <dgm:txLinClrLst/>
+    <dgm:txFillClrLst meth="repeat">
+      <a:schemeClr val="lt1"/>
+    </dgm:txFillClrLst>
+    <dgm:txEffectClrLst/>
+  </dgm:styleLbl>
+  <dgm:styleLbl name="parChTrans2D3">
+    <dgm:fillClrLst meth="repeat">
+      <a:schemeClr val="accent1"/>
+    </dgm:fillClrLst>
+    <dgm:linClrLst meth="repeat">
+      <a:schemeClr val="accent1"/>
+    </dgm:linClrLst>
+    <dgm:effectClrLst/>
+    <dgm:txLinClrLst/>
+    <dgm:txFillClrLst meth="repeat">
+      <a:schemeClr val="lt1"/>
+    </dgm:txFillClrLst>
+    <dgm:txEffectClrLst/>
+  </dgm:styleLbl>
+  <dgm:styleLbl name="parChTrans2D4">
+    <dgm:fillClrLst meth="repeat">
+      <a:schemeClr val="accent1"/>
+    </dgm:fillClrLst>
+    <dgm:linClrLst meth="repeat">
+      <a:schemeClr val="accent1"/>
+    </dgm:linClrLst>
+    <dgm:effectClrLst/>
+    <dgm:txLinClrLst/>
+    <dgm:txFillClrLst meth="repeat">
+      <a:schemeClr val="lt1"/>
+    </dgm:txFillClrLst>
+    <dgm:txEffectClrLst/>
+  </dgm:styleLbl>
+  <dgm:styleLbl name="parChTrans1D1">
+    <dgm:fillClrLst meth="repeat">
+      <a:schemeClr val="accent1"/>
+    </dgm:fillClrLst>
+    <dgm:linClrLst meth="repeat">
+      <a:schemeClr val="accent1">
+        <a:shade val="60000"/>
+      </a:schemeClr>
+    </dgm:linClrLst>
+    <dgm:effectClrLst/>
+    <dgm:txLinClrLst/>
+    <dgm:txFillClrLst meth="repeat">
+      <a:schemeClr val="tx1"/>
+    </dgm:txFillClrLst>
+    <dgm:txEffectClrLst/>
+  </dgm:styleLbl>
+  <dgm:styleLbl name="parChTrans1D2">
+    <dgm:fillClrLst meth="repeat">
+      <a:schemeClr val="accent1"/>
+    </dgm:fillClrLst>
+    <dgm:linClrLst meth="repeat">
+      <a:schemeClr val="accent1">
+        <a:shade val="60000"/>
+      </a:schemeClr>
+    </dgm:linClrLst>
+    <dgm:effectClrLst/>
+    <dgm:txLinClrLst/>
+    <dgm:txFillClrLst meth="repeat">
+      <a:schemeClr val="tx1"/>
+    </dgm:txFillClrLst>
+    <dgm:txEffectClrLst/>
+  </dgm:styleLbl>
+  <dgm:styleLbl name="parChTrans1D3">
+    <dgm:fillClrLst meth="repeat">
+      <a:schemeClr val="accent1"/>
+    </dgm:fillClrLst>
+    <dgm:linClrLst meth="repeat">
+      <a:schemeClr val="accent1">
+        <a:shade val="80000"/>
+      </a:schemeClr>
+    </dgm:linClrLst>
+    <dgm:effectClrLst/>
+    <dgm:txLinClrLst/>
+    <dgm:txFillClrLst meth="repeat">
+      <a:schemeClr val="tx1"/>
+    </dgm:txFillClrLst>
+    <dgm:txEffectClrLst/>
+  </dgm:styleLbl>
+  <dgm:styleLbl name="parChTrans1D4">
+    <dgm:fillClrLst meth="repeat">
+      <a:schemeClr val="accent1"/>
+    </dgm:fillClrLst>
+    <dgm:linClrLst meth="repeat">
+      <a:schemeClr val="accent1">
+        <a:shade val="80000"/>
+      </a:schemeClr>
+    </dgm:linClrLst>
+    <dgm:effectClrLst/>
+    <dgm:txLinClrLst/>
+    <dgm:txFillClrLst meth="repeat">
+      <a:schemeClr val="tx1"/>
+    </dgm:txFillClrLst>
+    <dgm:txEffectClrLst/>
+  </dgm:styleLbl>
+  <dgm:styleLbl name="fgAcc1">
+    <dgm:fillClrLst meth="repeat">
+      <a:schemeClr val="lt1">
+        <a:alpha val="90000"/>
+      </a:schemeClr>
+    </dgm:fillClrLst>
+    <dgm:linClrLst meth="repeat">
+      <a:schemeClr val="accent1"/>
+    </dgm:linClrLst>
+    <dgm:effectClrLst/>
+    <dgm:txLinClrLst/>
+    <dgm:txFillClrLst meth="repeat">
+      <a:schemeClr val="dk1"/>
+    </dgm:txFillClrLst>
+    <dgm:txEffectClrLst/>
+  </dgm:styleLbl>
+  <dgm:styleLbl name="conFgAcc1">
+    <dgm:fillClrLst meth="repeat">
+      <a:schemeClr val="lt1">
+        <a:alpha val="90000"/>
+      </a:schemeClr>
+    </dgm:fillClrLst>
+    <dgm:linClrLst meth="repeat">
+      <a:schemeClr val="accent1"/>
+    </dgm:linClrLst>
+    <dgm:effectClrLst/>
+    <dgm:txLinClrLst/>
+    <dgm:txFillClrLst meth="repeat">
+      <a:schemeClr val="dk1"/>
+    </dgm:txFillClrLst>
+    <dgm:txEffectClrLst/>
+  </dgm:styleLbl>
+  <dgm:styleLbl name="alignAcc1">
+    <dgm:fillClrLst meth="repeat">
+      <a:schemeClr val="lt1">
+        <a:alpha val="90000"/>
+      </a:schemeClr>
+    </dgm:fillClrLst>
+    <dgm:linClrLst meth="repeat">
+      <a:schemeClr val="accent1"/>
+    </dgm:linClrLst>
+    <dgm:effectClrLst/>
+    <dgm:txLinClrLst/>
+    <dgm:txFillClrLst meth="repeat">
+      <a:schemeClr val="dk1"/>
+    </dgm:txFillClrLst>
+    <dgm:txEffectClrLst/>
+  </dgm:styleLbl>
+  <dgm:styleLbl name="trAlignAcc1">
+    <dgm:fillClrLst meth="repeat">
+      <a:schemeClr val="lt1">
+        <a:alpha val="40000"/>
+      </a:schemeClr>
+    </dgm:fillClrLst>
+    <dgm:linClrLst meth="repeat">
+      <a:schemeClr val="accent1"/>
+    </dgm:linClrLst>
+    <dgm:effectClrLst/>
+    <dgm:txLinClrLst/>
+    <dgm:txFillClrLst meth="repeat">
+      <a:schemeClr val="dk1"/>
+    </dgm:txFillClrLst>
+    <dgm:txEffectClrLst/>
+  </dgm:styleLbl>
+  <dgm:styleLbl name="bgAcc1">
+    <dgm:fillClrLst meth="repeat">
+      <a:schemeClr val="lt1">
+        <a:alpha val="90000"/>
+      </a:schemeClr>
+    </dgm:fillClrLst>
+    <dgm:linClrLst meth="repeat">
+      <a:schemeClr val="accent1"/>
+    </dgm:linClrLst>
+    <dgm:effectClrLst/>
+    <dgm:txLinClrLst/>
+    <dgm:txFillClrLst meth="repeat">
+      <a:schemeClr val="dk1"/>
+    </dgm:txFillClrLst>
+    <dgm:txEffectClrLst/>
+  </dgm:styleLbl>
+  <dgm:styleLbl name="solidFgAcc1">
+    <dgm:fillClrLst meth="repeat">
+      <a:schemeClr val="lt1"/>
+    </dgm:fillClrLst>
+    <dgm:linClrLst meth="repeat">
+      <a:schemeClr val="accent1"/>
+    </dgm:linClrLst>
+    <dgm:effectClrLst/>
+    <dgm:txLinClrLst/>
+    <dgm:txFillClrLst meth="repeat">
+      <a:schemeClr val="dk1"/>
+    </dgm:txFillClrLst>
+    <dgm:txEffectClrLst/>
+  </dgm:styleLbl>
+  <dgm:styleLbl name="solidAlignAcc1">
+    <dgm:fillClrLst meth="repeat">
+      <a:schemeClr val="lt1"/>
+    </dgm:fillClrLst>
+    <dgm:linClrLst meth="repeat">
+      <a:schemeClr val="accent1"/>
+    </dgm:linClrLst>
+    <dgm:effectClrLst/>
+    <dgm:txLinClrLst/>
+    <dgm:txFillClrLst meth="repeat">
+      <a:schemeClr val="dk1"/>
+    </dgm:txFillClrLst>
+    <dgm:txEffectClrLst/>
+  </dgm:styleLbl>
+  <dgm:styleLbl name="solidBgAcc1">
+    <dgm:fillClrLst meth="repeat">
+      <a:schemeClr val="lt1"/>
+    </dgm:fillClrLst>
+    <dgm:linClrLst meth="repeat">
+      <a:schemeClr val="accent1"/>
+    </dgm:linClrLst>
+    <dgm:effectClrLst/>
+    <dgm:txLinClrLst/>
+    <dgm:txFillClrLst meth="repeat">
+      <a:schemeClr val="dk1"/>
+    </dgm:txFillClrLst>
+    <dgm:txEffectClrLst/>
+  </dgm:styleLbl>
+  <dgm:styleLbl name="fgAccFollowNode1">
+    <dgm:fillClrLst meth="repeat">
+      <a:schemeClr val="accent1">
+        <a:alpha val="90000"/>
+        <a:tint val="40000"/>
+      </a:schemeClr>
+    </dgm:fillClrLst>
+    <dgm:linClrLst meth="repeat">
+      <a:schemeClr val="accent1">
+        <a:alpha val="90000"/>
+        <a:tint val="40000"/>
+      </a:schemeClr>
+    </dgm:linClrLst>
+    <dgm:effectClrLst/>
+    <dgm:txLinClrLst/>
+    <dgm:txFillClrLst meth="repeat">
+      <a:schemeClr val="dk1"/>
+    </dgm:txFillClrLst>
+    <dgm:txEffectClrLst/>
+  </dgm:styleLbl>
+  <dgm:styleLbl name="alignAccFollowNode1">
+    <dgm:fillClrLst meth="repeat">
+      <a:schemeClr val="accent1">
+        <a:alpha val="90000"/>
+        <a:tint val="40000"/>
+      </a:schemeClr>
+    </dgm:fillClrLst>
+    <dgm:linClrLst meth="repeat">
+      <a:schemeClr val="accent1">
+        <a:alpha val="90000"/>
+        <a:tint val="40000"/>
+      </a:schemeClr>
+    </dgm:linClrLst>
+    <dgm:effectClrLst/>
+    <dgm:txLinClrLst/>
+    <dgm:txFillClrLst meth="repeat">
+      <a:schemeClr val="dk1"/>
+    </dgm:txFillClrLst>
+    <dgm:txEffectClrLst/>
+  </dgm:styleLbl>
+  <dgm:styleLbl name="bgAccFollowNode1">
+    <dgm:fillClrLst meth="repeat">
+      <a:schemeClr val="accent1">
+        <a:alpha val="90000"/>
+        <a:tint val="40000"/>
+      </a:schemeClr>
+    </dgm:fillClrLst>
+    <dgm:linClrLst meth="repeat">
+      <a:schemeClr val="accent1">
+        <a:alpha val="90000"/>
+        <a:tint val="40000"/>
+      </a:schemeClr>
+    </dgm:linClrLst>
+    <dgm:effectClrLst/>
+    <dgm:txLinClrLst/>
+    <dgm:txFillClrLst meth="repeat">
+      <a:schemeClr val="dk1"/>
+    </dgm:txFillClrLst>
+    <dgm:txEffectClrLst/>
+  </dgm:styleLbl>
+  <dgm:styleLbl name="fgAcc0">
+    <dgm:fillClrLst meth="repeat">
+      <a:schemeClr val="lt1">
+        <a:alpha val="90000"/>
+      </a:schemeClr>
+    </dgm:fillClrLst>
+    <dgm:linClrLst meth="repeat">
+      <a:schemeClr val="accent1"/>
+    </dgm:linClrLst>
+    <dgm:effectClrLst/>
+    <dgm:txLinClrLst/>
+    <dgm:txFillClrLst meth="repeat">
+      <a:schemeClr val="dk1"/>
+    </dgm:txFillClrLst>
+    <dgm:txEffectClrLst/>
+  </dgm:styleLbl>
+  <dgm:styleLbl name="fgAcc2">
+    <dgm:fillClrLst meth="repeat">
+      <a:schemeClr val="lt1">
+        <a:alpha val="90000"/>
+      </a:schemeClr>
+    </dgm:fillClrLst>
+    <dgm:linClrLst meth="repeat">
+      <a:schemeClr val="accent1"/>
+    </dgm:linClrLst>
+    <dgm:effectClrLst/>
+    <dgm:txLinClrLst/>
+    <dgm:txFillClrLst meth="repeat">
+      <a:schemeClr val="dk1"/>
+    </dgm:txFillClrLst>
+    <dgm:txEffectClrLst/>
+  </dgm:styleLbl>
+  <dgm:styleLbl name="fgAcc3">
+    <dgm:fillClrLst meth="repeat">
+      <a:schemeClr val="lt1">
+        <a:alpha val="90000"/>
+      </a:schemeClr>
+    </dgm:fillClrLst>
+    <dgm:linClrLst meth="repeat">
+      <a:schemeClr val="accent1"/>
+    </dgm:linClrLst>
+    <dgm:effectClrLst/>
+    <dgm:txLinClrLst/>
+    <dgm:txFillClrLst meth="repeat">
+      <a:schemeClr val="dk1"/>
+    </dgm:txFillClrLst>
+    <dgm:txEffectClrLst/>
+  </dgm:styleLbl>
+  <dgm:styleLbl name="fgAcc4">
+    <dgm:fillClrLst meth="repeat">
+      <a:schemeClr val="lt1">
+        <a:alpha val="90000"/>
+      </a:schemeClr>
+    </dgm:fillClrLst>
+    <dgm:linClrLst meth="repeat">
+      <a:schemeClr val="accent1"/>
+    </dgm:linClrLst>
+    <dgm:effectClrLst/>
+    <dgm:txLinClrLst/>
+    <dgm:txFillClrLst meth="repeat">
+      <a:schemeClr val="dk1"/>
+    </dgm:txFillClrLst>
+    <dgm:txEffectClrLst/>
+  </dgm:styleLbl>
+  <dgm:styleLbl name="bgShp">
+    <dgm:fillClrLst meth="repeat">
+      <a:schemeClr val="accent1">
+        <a:tint val="40000"/>
+      </a:schemeClr>
+    </dgm:fillClrLst>
+    <dgm:linClrLst meth="repeat">
+      <a:schemeClr val="accent1"/>
+    </dgm:linClrLst>
+    <dgm:effectClrLst/>
+    <dgm:txLinClrLst/>
+    <dgm:txFillClrLst meth="repeat">
+      <a:schemeClr val="dk1"/>
+    </dgm:txFillClrLst>
+    <dgm:txEffectClrLst/>
+  </dgm:styleLbl>
+  <dgm:styleLbl name="dkBgShp">
+    <dgm:fillClrLst meth="repeat">
+      <a:schemeClr val="accent1">
+        <a:shade val="80000"/>
+      </a:schemeClr>
+    </dgm:fillClrLst>
+    <dgm:linClrLst meth="repeat">
+      <a:schemeClr val="accent1"/>
+    </dgm:linClrLst>
+    <dgm:effectClrLst/>
+    <dgm:txLinClrLst/>
+    <dgm:txFillClrLst meth="repeat">
+      <a:schemeClr val="lt1"/>
+    </dgm:txFillClrLst>
+    <dgm:txEffectClrLst/>
+  </dgm:styleLbl>
+  <dgm:styleLbl name="trBgShp">
+    <dgm:fillClrLst meth="repeat">
+      <a:schemeClr val="accent1">
+        <a:tint val="50000"/>
+        <a:alpha val="40000"/>
+      </a:schemeClr>
+    </dgm:fillClrLst>
+    <dgm:linClrLst meth="repeat">
+      <a:schemeClr val="accent1"/>
+    </dgm:linClrLst>
+    <dgm:effectClrLst/>
+    <dgm:txLinClrLst/>
+    <dgm:txFillClrLst meth="repeat">
+      <a:schemeClr val="lt1"/>
+    </dgm:txFillClrLst>
+    <dgm:txEffectClrLst/>
+  </dgm:styleLbl>
+  <dgm:styleLbl name="fgShp">
+    <dgm:fillClrLst meth="repeat">
+      <a:schemeClr val="accent1">
+        <a:tint val="60000"/>
+      </a:schemeClr>
+    </dgm:fillClrLst>
+    <dgm:linClrLst meth="repeat">
+      <a:schemeClr val="lt1"/>
+    </dgm:linClrLst>
+    <dgm:effectClrLst/>
+    <dgm:txLinClrLst/>
+    <dgm:txFillClrLst meth="repeat">
+      <a:schemeClr val="dk1"/>
+    </dgm:txFillClrLst>
+    <dgm:txEffectClrLst/>
+  </dgm:styleLbl>
+  <dgm:styleLbl name="revTx">
+    <dgm:fillClrLst meth="repeat">
+      <a:schemeClr val="lt1">
+        <a:alpha val="0"/>
+      </a:schemeClr>
+    </dgm:fillClrLst>
+    <dgm:linClrLst meth="repeat">
+      <a:schemeClr val="dk1">
+        <a:alpha val="0"/>
+      </a:schemeClr>
+    </dgm:linClrLst>
+    <dgm:effectClrLst/>
+    <dgm:txLinClrLst/>
+    <dgm:txFillClrLst meth="repeat">
+      <a:schemeClr val="tx1"/>
+    </dgm:txFillClrLst>
+    <dgm:txEffectClrLst/>
+  </dgm:styleLbl>
+</dgm:colorsDef>
+</file>
+
+<file path=ppt/diagrams/data1.xml><?xml version="1.0" encoding="utf-8"?>
+<dgm:dataModel xmlns:dgm="http://schemas.openxmlformats.org/drawingml/2006/diagram" xmlns:a="http://schemas.openxmlformats.org/drawingml/2006/main">
+  <dgm:ptLst>
+    <dgm:pt modelId="{2D92A8E7-F9D3-4E33-8CC7-2B5A6BC2E28A}" type="doc">
+      <dgm:prSet loTypeId="urn:microsoft.com/office/officeart/2011/layout/CircleProcess" loCatId="process" qsTypeId="urn:microsoft.com/office/officeart/2005/8/quickstyle/simple1" qsCatId="simple" csTypeId="urn:microsoft.com/office/officeart/2005/8/colors/accent1_2" csCatId="accent1" phldr="1"/>
+      <dgm:spPr/>
+      <dgm:t>
+        <a:bodyPr/>
+        <a:lstStyle/>
+        <a:p>
+          <a:endParaRPr lang="en-US"/>
+        </a:p>
+      </dgm:t>
+    </dgm:pt>
+    <dgm:pt modelId="{4F0FE1FA-28AD-436C-8433-00BF20C06A2A}">
+      <dgm:prSet phldrT="[Text]"/>
+      <dgm:spPr/>
+      <dgm:t>
+        <a:bodyPr/>
+        <a:lstStyle/>
+        <a:p>
+          <a:endParaRPr lang="en-US" dirty="0"/>
+        </a:p>
+      </dgm:t>
+    </dgm:pt>
+    <dgm:pt modelId="{53C28B4B-C2C5-478E-B204-B2FE5C5C68DB}" type="parTrans" cxnId="{2DB4B7CE-DE37-49BB-A84E-11902CC3E0B4}">
+      <dgm:prSet/>
+      <dgm:spPr/>
+      <dgm:t>
+        <a:bodyPr/>
+        <a:lstStyle/>
+        <a:p>
+          <a:endParaRPr lang="en-US"/>
+        </a:p>
+      </dgm:t>
+    </dgm:pt>
+    <dgm:pt modelId="{A005B693-4B3D-4D0A-A7B7-B923B3E985ED}" type="sibTrans" cxnId="{2DB4B7CE-DE37-49BB-A84E-11902CC3E0B4}">
+      <dgm:prSet/>
+      <dgm:spPr/>
+      <dgm:t>
+        <a:bodyPr/>
+        <a:lstStyle/>
+        <a:p>
+          <a:endParaRPr lang="en-US"/>
+        </a:p>
+      </dgm:t>
+    </dgm:pt>
+    <dgm:pt modelId="{E8544D96-8E4C-40E4-B670-2E84FB23FE4B}">
+      <dgm:prSet phldrT="[Text]"/>
+      <dgm:spPr/>
+      <dgm:t>
+        <a:bodyPr/>
+        <a:lstStyle/>
+        <a:p>
+          <a:endParaRPr lang="en-US" dirty="0"/>
+        </a:p>
+      </dgm:t>
+    </dgm:pt>
+    <dgm:pt modelId="{FC30321F-9273-4404-A7F6-BEF7A357753A}" type="parTrans" cxnId="{32C3CAE2-68C5-4332-92CB-24A7D8A2E679}">
+      <dgm:prSet/>
+      <dgm:spPr/>
+      <dgm:t>
+        <a:bodyPr/>
+        <a:lstStyle/>
+        <a:p>
+          <a:endParaRPr lang="en-US"/>
+        </a:p>
+      </dgm:t>
+    </dgm:pt>
+    <dgm:pt modelId="{590267AC-D29E-41CA-A45C-D5A87CA0EFC9}" type="sibTrans" cxnId="{32C3CAE2-68C5-4332-92CB-24A7D8A2E679}">
+      <dgm:prSet/>
+      <dgm:spPr/>
+      <dgm:t>
+        <a:bodyPr/>
+        <a:lstStyle/>
+        <a:p>
+          <a:endParaRPr lang="en-US"/>
+        </a:p>
+      </dgm:t>
+    </dgm:pt>
+    <dgm:pt modelId="{25B7D806-0E3D-473F-8821-3BEEA997EE4C}">
+      <dgm:prSet phldrT="[Text]"/>
+      <dgm:spPr/>
+      <dgm:t>
+        <a:bodyPr/>
+        <a:lstStyle/>
+        <a:p>
+          <a:endParaRPr lang="en-US" dirty="0"/>
+        </a:p>
+      </dgm:t>
+    </dgm:pt>
+    <dgm:pt modelId="{E84CCDD0-E3CE-468C-89B9-9F662DB51575}" type="sibTrans" cxnId="{B2D1C9DC-A81E-4325-A872-42CECEAC1F07}">
+      <dgm:prSet/>
+      <dgm:spPr/>
+      <dgm:t>
+        <a:bodyPr/>
+        <a:lstStyle/>
+        <a:p>
+          <a:endParaRPr lang="en-US"/>
+        </a:p>
+      </dgm:t>
+    </dgm:pt>
+    <dgm:pt modelId="{A7EB7693-4A66-4044-89A2-05C26B2D8567}" type="parTrans" cxnId="{B2D1C9DC-A81E-4325-A872-42CECEAC1F07}">
+      <dgm:prSet/>
+      <dgm:spPr/>
+      <dgm:t>
+        <a:bodyPr/>
+        <a:lstStyle/>
+        <a:p>
+          <a:endParaRPr lang="en-US"/>
+        </a:p>
+      </dgm:t>
+    </dgm:pt>
+    <dgm:pt modelId="{2BEAA46F-6E9B-412E-A081-9353E3732725}">
+      <dgm:prSet phldrT="[Text]"/>
+      <dgm:spPr/>
+      <dgm:t>
+        <a:bodyPr/>
+        <a:lstStyle/>
+        <a:p>
+          <a:endParaRPr lang="en-US" dirty="0"/>
+        </a:p>
+      </dgm:t>
+    </dgm:pt>
+    <dgm:pt modelId="{2D74636D-1310-49A0-8160-48E7D4380C1D}" type="parTrans" cxnId="{04E32320-0F63-46D8-9F9D-953C00D22F8E}">
+      <dgm:prSet/>
+      <dgm:spPr/>
+      <dgm:t>
+        <a:bodyPr/>
+        <a:lstStyle/>
+        <a:p>
+          <a:endParaRPr lang="en-US"/>
+        </a:p>
+      </dgm:t>
+    </dgm:pt>
+    <dgm:pt modelId="{10B9552B-E2D0-4821-BB5B-2298CC1ACA41}" type="sibTrans" cxnId="{04E32320-0F63-46D8-9F9D-953C00D22F8E}">
+      <dgm:prSet/>
+      <dgm:spPr/>
+      <dgm:t>
+        <a:bodyPr/>
+        <a:lstStyle/>
+        <a:p>
+          <a:endParaRPr lang="en-US"/>
+        </a:p>
+      </dgm:t>
+    </dgm:pt>
+    <dgm:pt modelId="{59C11C2D-47F9-49E8-870F-FAF7AF34DB07}">
+      <dgm:prSet phldrT="[Text]"/>
+      <dgm:spPr/>
+      <dgm:t>
+        <a:bodyPr/>
+        <a:lstStyle/>
+        <a:p>
+          <a:endParaRPr lang="en-US" dirty="0"/>
+        </a:p>
+      </dgm:t>
+    </dgm:pt>
+    <dgm:pt modelId="{EF4933A3-B4D1-468C-BC10-7552D3F82749}" type="parTrans" cxnId="{B2847754-5843-49A5-802D-AAC0B0DB3252}">
+      <dgm:prSet/>
+      <dgm:spPr/>
+      <dgm:t>
+        <a:bodyPr/>
+        <a:lstStyle/>
+        <a:p>
+          <a:endParaRPr lang="en-US"/>
+        </a:p>
+      </dgm:t>
+    </dgm:pt>
+    <dgm:pt modelId="{1526659B-9A95-4061-BB65-1E2C5D75CFA9}" type="sibTrans" cxnId="{B2847754-5843-49A5-802D-AAC0B0DB3252}">
+      <dgm:prSet/>
+      <dgm:spPr/>
+      <dgm:t>
+        <a:bodyPr/>
+        <a:lstStyle/>
+        <a:p>
+          <a:endParaRPr lang="en-US"/>
+        </a:p>
+      </dgm:t>
+    </dgm:pt>
+    <dgm:pt modelId="{6B2B3AE5-9E4E-4598-BE28-6673071A295C}">
+      <dgm:prSet phldrT="[Text]"/>
+      <dgm:spPr/>
+      <dgm:t>
+        <a:bodyPr/>
+        <a:lstStyle/>
+        <a:p>
+          <a:endParaRPr lang="en-US" dirty="0"/>
+        </a:p>
+      </dgm:t>
+    </dgm:pt>
+    <dgm:pt modelId="{3A75C8FE-1532-4366-BEA0-782600AEF27B}" type="parTrans" cxnId="{378949E4-60D8-43B5-895B-AF41F2880C19}">
+      <dgm:prSet/>
+      <dgm:spPr/>
+      <dgm:t>
+        <a:bodyPr/>
+        <a:lstStyle/>
+        <a:p>
+          <a:endParaRPr lang="en-US"/>
+        </a:p>
+      </dgm:t>
+    </dgm:pt>
+    <dgm:pt modelId="{F1AA6535-721C-4044-8BB2-347CFF456769}" type="sibTrans" cxnId="{378949E4-60D8-43B5-895B-AF41F2880C19}">
+      <dgm:prSet/>
+      <dgm:spPr/>
+      <dgm:t>
+        <a:bodyPr/>
+        <a:lstStyle/>
+        <a:p>
+          <a:endParaRPr lang="en-US"/>
+        </a:p>
+      </dgm:t>
+    </dgm:pt>
+    <dgm:pt modelId="{D7B11413-48B0-4962-AD8A-75C0C06884B0}">
+      <dgm:prSet phldrT="[Text]"/>
+      <dgm:spPr/>
+      <dgm:t>
+        <a:bodyPr/>
+        <a:lstStyle/>
+        <a:p>
+          <a:endParaRPr lang="en-US" dirty="0"/>
+        </a:p>
+      </dgm:t>
+    </dgm:pt>
+    <dgm:pt modelId="{87D9AD99-25CC-4694-B0A2-CFE8CD225A65}" type="parTrans" cxnId="{774F5A2B-145A-4EDB-B0C5-E144DC4E5A52}">
+      <dgm:prSet/>
+      <dgm:spPr/>
+      <dgm:t>
+        <a:bodyPr/>
+        <a:lstStyle/>
+        <a:p>
+          <a:endParaRPr lang="en-US"/>
+        </a:p>
+      </dgm:t>
+    </dgm:pt>
+    <dgm:pt modelId="{C5B2793F-409D-4602-BCEC-8A99D2C1D38E}" type="sibTrans" cxnId="{774F5A2B-145A-4EDB-B0C5-E144DC4E5A52}">
+      <dgm:prSet/>
+      <dgm:spPr/>
+      <dgm:t>
+        <a:bodyPr/>
+        <a:lstStyle/>
+        <a:p>
+          <a:endParaRPr lang="en-US"/>
+        </a:p>
+      </dgm:t>
+    </dgm:pt>
+    <dgm:pt modelId="{4DCDD203-F84A-48D3-974E-3FC08622F243}">
+      <dgm:prSet phldrT="[Text]"/>
+      <dgm:spPr/>
+      <dgm:t>
+        <a:bodyPr/>
+        <a:lstStyle/>
+        <a:p>
+          <a:endParaRPr lang="en-US" dirty="0"/>
+        </a:p>
+      </dgm:t>
+    </dgm:pt>
+    <dgm:pt modelId="{F03B15F1-6B47-4915-B592-FBF1F641C445}" type="parTrans" cxnId="{D0E66366-6E84-48AC-8625-2248E29E08B5}">
+      <dgm:prSet/>
+      <dgm:spPr/>
+      <dgm:t>
+        <a:bodyPr/>
+        <a:lstStyle/>
+        <a:p>
+          <a:endParaRPr lang="en-US"/>
+        </a:p>
+      </dgm:t>
+    </dgm:pt>
+    <dgm:pt modelId="{2570C1A8-62BD-4AAB-BD13-4886F89E329E}" type="sibTrans" cxnId="{D0E66366-6E84-48AC-8625-2248E29E08B5}">
+      <dgm:prSet/>
+      <dgm:spPr/>
+      <dgm:t>
+        <a:bodyPr/>
+        <a:lstStyle/>
+        <a:p>
+          <a:endParaRPr lang="en-US"/>
+        </a:p>
+      </dgm:t>
+    </dgm:pt>
+    <dgm:pt modelId="{87CD3CC5-FC25-4B0D-B3D9-AA5247696961}">
+      <dgm:prSet phldrT="[Text]"/>
+      <dgm:spPr/>
+      <dgm:t>
+        <a:bodyPr/>
+        <a:lstStyle/>
+        <a:p>
+          <a:endParaRPr lang="en-US" dirty="0"/>
+        </a:p>
+      </dgm:t>
+    </dgm:pt>
+    <dgm:pt modelId="{6BA2875F-AAC3-48C0-B4CF-D666F95DA2EF}" type="parTrans" cxnId="{C40BF5A6-3488-4DC0-895F-E88E8B0BC6EE}">
+      <dgm:prSet/>
+      <dgm:spPr/>
+      <dgm:t>
+        <a:bodyPr/>
+        <a:lstStyle/>
+        <a:p>
+          <a:endParaRPr lang="en-US"/>
+        </a:p>
+      </dgm:t>
+    </dgm:pt>
+    <dgm:pt modelId="{1A12F10B-B098-4E5E-BE98-49A481B39764}" type="sibTrans" cxnId="{C40BF5A6-3488-4DC0-895F-E88E8B0BC6EE}">
+      <dgm:prSet/>
+      <dgm:spPr/>
+      <dgm:t>
+        <a:bodyPr/>
+        <a:lstStyle/>
+        <a:p>
+          <a:endParaRPr lang="en-US"/>
+        </a:p>
+      </dgm:t>
+    </dgm:pt>
+    <dgm:pt modelId="{97A4214D-2955-40DC-9F66-4E96300F64D5}">
+      <dgm:prSet phldrT="[Text]"/>
+      <dgm:spPr/>
+      <dgm:t>
+        <a:bodyPr/>
+        <a:lstStyle/>
+        <a:p>
+          <a:endParaRPr lang="en-US" dirty="0"/>
+        </a:p>
+      </dgm:t>
+    </dgm:pt>
+    <dgm:pt modelId="{DD157F36-C933-4DDB-8832-1EB67D758ADF}" type="parTrans" cxnId="{41BEA6DA-AC6F-46CA-AB45-5ED65C1D2D72}">
+      <dgm:prSet/>
+      <dgm:spPr/>
+      <dgm:t>
+        <a:bodyPr/>
+        <a:lstStyle/>
+        <a:p>
+          <a:endParaRPr lang="en-US"/>
+        </a:p>
+      </dgm:t>
+    </dgm:pt>
+    <dgm:pt modelId="{056F7705-70F9-456D-8808-164372EB7887}" type="sibTrans" cxnId="{41BEA6DA-AC6F-46CA-AB45-5ED65C1D2D72}">
+      <dgm:prSet/>
+      <dgm:spPr/>
+      <dgm:t>
+        <a:bodyPr/>
+        <a:lstStyle/>
+        <a:p>
+          <a:endParaRPr lang="en-US"/>
+        </a:p>
+      </dgm:t>
+    </dgm:pt>
+    <dgm:pt modelId="{8B4A0AF3-C186-4940-A910-15DA4B0A43AB}" type="pres">
+      <dgm:prSet presAssocID="{2D92A8E7-F9D3-4E33-8CC7-2B5A6BC2E28A}" presName="Name0" presStyleCnt="0">
+        <dgm:presLayoutVars>
+          <dgm:chMax val="11"/>
+          <dgm:chPref val="11"/>
+          <dgm:dir/>
+          <dgm:resizeHandles/>
+        </dgm:presLayoutVars>
+      </dgm:prSet>
+      <dgm:spPr/>
+    </dgm:pt>
+    <dgm:pt modelId="{CF127DC6-DC90-4EB1-8133-98A2FC005C85}" type="pres">
+      <dgm:prSet presAssocID="{25B7D806-0E3D-473F-8821-3BEEA997EE4C}" presName="Accent10" presStyleCnt="0"/>
+      <dgm:spPr/>
+    </dgm:pt>
+    <dgm:pt modelId="{75888A31-1AD7-49D7-82BD-1710CBB41933}" type="pres">
+      <dgm:prSet presAssocID="{25B7D806-0E3D-473F-8821-3BEEA997EE4C}" presName="Accent" presStyleLbl="node1" presStyleIdx="0" presStyleCnt="10"/>
+      <dgm:spPr/>
+    </dgm:pt>
+    <dgm:pt modelId="{452386DF-2D3F-4430-86AE-CC26E073F453}" type="pres">
+      <dgm:prSet presAssocID="{25B7D806-0E3D-473F-8821-3BEEA997EE4C}" presName="ParentBackground10" presStyleCnt="0"/>
+      <dgm:spPr/>
+    </dgm:pt>
+    <dgm:pt modelId="{DB5BB0C9-B1F3-4373-8C67-6A251AD873FA}" type="pres">
+      <dgm:prSet presAssocID="{25B7D806-0E3D-473F-8821-3BEEA997EE4C}" presName="ParentBackground" presStyleLbl="fgAcc1" presStyleIdx="0" presStyleCnt="10"/>
+      <dgm:spPr/>
+    </dgm:pt>
+    <dgm:pt modelId="{AF270BF9-2ADE-4AB2-A55B-0F28DD8843A8}" type="pres">
+      <dgm:prSet presAssocID="{25B7D806-0E3D-473F-8821-3BEEA997EE4C}" presName="Parent10" presStyleLbl="revTx" presStyleIdx="0" presStyleCnt="0">
+        <dgm:presLayoutVars>
+          <dgm:chMax val="1"/>
+          <dgm:chPref val="1"/>
+          <dgm:bulletEnabled val="1"/>
+        </dgm:presLayoutVars>
+      </dgm:prSet>
+      <dgm:spPr/>
+    </dgm:pt>
+    <dgm:pt modelId="{19342C91-8CB4-47A8-97AE-1079E1B876F9}" type="pres">
+      <dgm:prSet presAssocID="{97A4214D-2955-40DC-9F66-4E96300F64D5}" presName="Accent9" presStyleCnt="0"/>
+      <dgm:spPr/>
+    </dgm:pt>
+    <dgm:pt modelId="{A71C9020-E9A2-4B92-A9C4-4BB63B438F62}" type="pres">
+      <dgm:prSet presAssocID="{97A4214D-2955-40DC-9F66-4E96300F64D5}" presName="Accent" presStyleLbl="node1" presStyleIdx="1" presStyleCnt="10"/>
+      <dgm:spPr/>
+    </dgm:pt>
+    <dgm:pt modelId="{587D6D2D-84F5-4CC2-A690-570F24C02343}" type="pres">
+      <dgm:prSet presAssocID="{97A4214D-2955-40DC-9F66-4E96300F64D5}" presName="ParentBackground9" presStyleCnt="0"/>
+      <dgm:spPr/>
+    </dgm:pt>
+    <dgm:pt modelId="{79078BAC-2688-465E-9F78-3724289392A4}" type="pres">
+      <dgm:prSet presAssocID="{97A4214D-2955-40DC-9F66-4E96300F64D5}" presName="ParentBackground" presStyleLbl="fgAcc1" presStyleIdx="1" presStyleCnt="10"/>
+      <dgm:spPr/>
+    </dgm:pt>
+    <dgm:pt modelId="{BD62735C-7AB4-43C9-B52F-ABF2B5D6764A}" type="pres">
+      <dgm:prSet presAssocID="{97A4214D-2955-40DC-9F66-4E96300F64D5}" presName="Parent9" presStyleLbl="revTx" presStyleIdx="0" presStyleCnt="0">
+        <dgm:presLayoutVars>
+          <dgm:chMax val="1"/>
+          <dgm:chPref val="1"/>
+          <dgm:bulletEnabled val="1"/>
+        </dgm:presLayoutVars>
+      </dgm:prSet>
+      <dgm:spPr/>
+    </dgm:pt>
+    <dgm:pt modelId="{8374048B-3C72-405D-95D6-53DC58C66FB5}" type="pres">
+      <dgm:prSet presAssocID="{87CD3CC5-FC25-4B0D-B3D9-AA5247696961}" presName="Accent8" presStyleCnt="0"/>
+      <dgm:spPr/>
+    </dgm:pt>
+    <dgm:pt modelId="{B19935E4-6452-4DDB-9049-02CC99D456DE}" type="pres">
+      <dgm:prSet presAssocID="{87CD3CC5-FC25-4B0D-B3D9-AA5247696961}" presName="Accent" presStyleLbl="node1" presStyleIdx="2" presStyleCnt="10"/>
+      <dgm:spPr/>
+    </dgm:pt>
+    <dgm:pt modelId="{C6AC4D0A-09BA-4B49-8EDA-3EA8781024BA}" type="pres">
+      <dgm:prSet presAssocID="{87CD3CC5-FC25-4B0D-B3D9-AA5247696961}" presName="ParentBackground8" presStyleCnt="0"/>
+      <dgm:spPr/>
+    </dgm:pt>
+    <dgm:pt modelId="{80494B8F-CBE2-4083-A153-BC4E082130B1}" type="pres">
+      <dgm:prSet presAssocID="{87CD3CC5-FC25-4B0D-B3D9-AA5247696961}" presName="ParentBackground" presStyleLbl="fgAcc1" presStyleIdx="2" presStyleCnt="10"/>
+      <dgm:spPr/>
+    </dgm:pt>
+    <dgm:pt modelId="{4D7D4FFB-F3E7-4034-8F0B-0EB6F7148A0E}" type="pres">
+      <dgm:prSet presAssocID="{87CD3CC5-FC25-4B0D-B3D9-AA5247696961}" presName="Parent8" presStyleLbl="revTx" presStyleIdx="0" presStyleCnt="0">
+        <dgm:presLayoutVars>
+          <dgm:chMax val="1"/>
+          <dgm:chPref val="1"/>
+          <dgm:bulletEnabled val="1"/>
+        </dgm:presLayoutVars>
+      </dgm:prSet>
+      <dgm:spPr/>
+    </dgm:pt>
+    <dgm:pt modelId="{5032BD3E-9D72-4789-A12F-23D42F4424BB}" type="pres">
+      <dgm:prSet presAssocID="{4DCDD203-F84A-48D3-974E-3FC08622F243}" presName="Accent7" presStyleCnt="0"/>
+      <dgm:spPr/>
+    </dgm:pt>
+    <dgm:pt modelId="{EA74386D-8E07-4ADB-9A63-E2A64745CE94}" type="pres">
+      <dgm:prSet presAssocID="{4DCDD203-F84A-48D3-974E-3FC08622F243}" presName="Accent" presStyleLbl="node1" presStyleIdx="3" presStyleCnt="10"/>
+      <dgm:spPr/>
+    </dgm:pt>
+    <dgm:pt modelId="{31623D82-B826-4F01-B9A1-0E2B07A3DC8B}" type="pres">
+      <dgm:prSet presAssocID="{4DCDD203-F84A-48D3-974E-3FC08622F243}" presName="ParentBackground7" presStyleCnt="0"/>
+      <dgm:spPr/>
+    </dgm:pt>
+    <dgm:pt modelId="{115E82F9-BEEA-473C-9BF2-20E089953913}" type="pres">
+      <dgm:prSet presAssocID="{4DCDD203-F84A-48D3-974E-3FC08622F243}" presName="ParentBackground" presStyleLbl="fgAcc1" presStyleIdx="3" presStyleCnt="10"/>
+      <dgm:spPr/>
+    </dgm:pt>
+    <dgm:pt modelId="{C424E50D-9F70-44A6-BE23-1EB7F288F1E7}" type="pres">
+      <dgm:prSet presAssocID="{4DCDD203-F84A-48D3-974E-3FC08622F243}" presName="Parent7" presStyleLbl="revTx" presStyleIdx="0" presStyleCnt="0">
+        <dgm:presLayoutVars>
+          <dgm:chMax val="1"/>
+          <dgm:chPref val="1"/>
+          <dgm:bulletEnabled val="1"/>
+        </dgm:presLayoutVars>
+      </dgm:prSet>
+      <dgm:spPr/>
+    </dgm:pt>
+    <dgm:pt modelId="{0E766EC8-3121-494C-989A-FC2AF1FFB073}" type="pres">
+      <dgm:prSet presAssocID="{D7B11413-48B0-4962-AD8A-75C0C06884B0}" presName="Accent6" presStyleCnt="0"/>
+      <dgm:spPr/>
+    </dgm:pt>
+    <dgm:pt modelId="{890BD874-34E7-46CB-AF9B-C3196AFAEAE5}" type="pres">
+      <dgm:prSet presAssocID="{D7B11413-48B0-4962-AD8A-75C0C06884B0}" presName="Accent" presStyleLbl="node1" presStyleIdx="4" presStyleCnt="10"/>
+      <dgm:spPr/>
+    </dgm:pt>
+    <dgm:pt modelId="{4377A382-8EAC-4CD6-815D-C926458C34CC}" type="pres">
+      <dgm:prSet presAssocID="{D7B11413-48B0-4962-AD8A-75C0C06884B0}" presName="ParentBackground6" presStyleCnt="0"/>
+      <dgm:spPr/>
+    </dgm:pt>
+    <dgm:pt modelId="{997D7B2C-17AA-4B4E-94A9-0A231F18DC9C}" type="pres">
+      <dgm:prSet presAssocID="{D7B11413-48B0-4962-AD8A-75C0C06884B0}" presName="ParentBackground" presStyleLbl="fgAcc1" presStyleIdx="4" presStyleCnt="10"/>
+      <dgm:spPr/>
+    </dgm:pt>
+    <dgm:pt modelId="{584B2B27-ECAA-433C-B157-46ACBD2CC86B}" type="pres">
+      <dgm:prSet presAssocID="{D7B11413-48B0-4962-AD8A-75C0C06884B0}" presName="Parent6" presStyleLbl="revTx" presStyleIdx="0" presStyleCnt="0">
+        <dgm:presLayoutVars>
+          <dgm:chMax val="1"/>
+          <dgm:chPref val="1"/>
+          <dgm:bulletEnabled val="1"/>
+        </dgm:presLayoutVars>
+      </dgm:prSet>
+      <dgm:spPr/>
+    </dgm:pt>
+    <dgm:pt modelId="{778BD097-C339-4C6B-9D50-845B8986175A}" type="pres">
+      <dgm:prSet presAssocID="{6B2B3AE5-9E4E-4598-BE28-6673071A295C}" presName="Accent5" presStyleCnt="0"/>
+      <dgm:spPr/>
+    </dgm:pt>
+    <dgm:pt modelId="{28FF938D-A72E-46B2-B119-78828BBD3940}" type="pres">
+      <dgm:prSet presAssocID="{6B2B3AE5-9E4E-4598-BE28-6673071A295C}" presName="Accent" presStyleLbl="node1" presStyleIdx="5" presStyleCnt="10"/>
+      <dgm:spPr/>
+    </dgm:pt>
+    <dgm:pt modelId="{4A762E01-9EA2-4853-A164-31F85359FA05}" type="pres">
+      <dgm:prSet presAssocID="{6B2B3AE5-9E4E-4598-BE28-6673071A295C}" presName="ParentBackground5" presStyleCnt="0"/>
+      <dgm:spPr/>
+    </dgm:pt>
+    <dgm:pt modelId="{47826B2B-B173-4E97-9729-DB1791EB76EF}" type="pres">
+      <dgm:prSet presAssocID="{6B2B3AE5-9E4E-4598-BE28-6673071A295C}" presName="ParentBackground" presStyleLbl="fgAcc1" presStyleIdx="5" presStyleCnt="10"/>
+      <dgm:spPr/>
+    </dgm:pt>
+    <dgm:pt modelId="{BE759486-0CDA-4623-800C-4C8AE4965CB2}" type="pres">
+      <dgm:prSet presAssocID="{6B2B3AE5-9E4E-4598-BE28-6673071A295C}" presName="Parent5" presStyleLbl="revTx" presStyleIdx="0" presStyleCnt="0">
+        <dgm:presLayoutVars>
+          <dgm:chMax val="1"/>
+          <dgm:chPref val="1"/>
+          <dgm:bulletEnabled val="1"/>
+        </dgm:presLayoutVars>
+      </dgm:prSet>
+      <dgm:spPr/>
+    </dgm:pt>
+    <dgm:pt modelId="{1A9F0F5F-A1E6-42B3-9C65-60699177B2C7}" type="pres">
+      <dgm:prSet presAssocID="{59C11C2D-47F9-49E8-870F-FAF7AF34DB07}" presName="Accent4" presStyleCnt="0"/>
+      <dgm:spPr/>
+    </dgm:pt>
+    <dgm:pt modelId="{E2E4F419-3967-4951-9275-E1265D132EDE}" type="pres">
+      <dgm:prSet presAssocID="{59C11C2D-47F9-49E8-870F-FAF7AF34DB07}" presName="Accent" presStyleLbl="node1" presStyleIdx="6" presStyleCnt="10"/>
+      <dgm:spPr/>
+    </dgm:pt>
+    <dgm:pt modelId="{19EE69C3-CCC5-4C89-8BE4-3AE0AABFFCBC}" type="pres">
+      <dgm:prSet presAssocID="{59C11C2D-47F9-49E8-870F-FAF7AF34DB07}" presName="ParentBackground4" presStyleCnt="0"/>
+      <dgm:spPr/>
+    </dgm:pt>
+    <dgm:pt modelId="{67E176DC-031A-4900-A6BC-8E5485BD42BD}" type="pres">
+      <dgm:prSet presAssocID="{59C11C2D-47F9-49E8-870F-FAF7AF34DB07}" presName="ParentBackground" presStyleLbl="fgAcc1" presStyleIdx="6" presStyleCnt="10"/>
+      <dgm:spPr/>
+    </dgm:pt>
+    <dgm:pt modelId="{543B8962-1661-40B8-AA24-B29B5FDA6B44}" type="pres">
+      <dgm:prSet presAssocID="{59C11C2D-47F9-49E8-870F-FAF7AF34DB07}" presName="Parent4" presStyleLbl="revTx" presStyleIdx="0" presStyleCnt="0">
+        <dgm:presLayoutVars>
+          <dgm:chMax val="1"/>
+          <dgm:chPref val="1"/>
+          <dgm:bulletEnabled val="1"/>
+        </dgm:presLayoutVars>
+      </dgm:prSet>
+      <dgm:spPr/>
+    </dgm:pt>
+    <dgm:pt modelId="{FBA00BBF-4F4C-4E0A-ABAA-DA8ECF256BAF}" type="pres">
+      <dgm:prSet presAssocID="{2BEAA46F-6E9B-412E-A081-9353E3732725}" presName="Accent3" presStyleCnt="0"/>
+      <dgm:spPr/>
+    </dgm:pt>
+    <dgm:pt modelId="{B8E76BDF-217D-4035-86F3-BE326553EA9C}" type="pres">
+      <dgm:prSet presAssocID="{2BEAA46F-6E9B-412E-A081-9353E3732725}" presName="Accent" presStyleLbl="node1" presStyleIdx="7" presStyleCnt="10"/>
+      <dgm:spPr/>
+    </dgm:pt>
+    <dgm:pt modelId="{73D5B91B-9C09-48D8-96A6-13B7F97B7519}" type="pres">
+      <dgm:prSet presAssocID="{2BEAA46F-6E9B-412E-A081-9353E3732725}" presName="ParentBackground3" presStyleCnt="0"/>
+      <dgm:spPr/>
+    </dgm:pt>
+    <dgm:pt modelId="{85B82FEA-FA8B-43F7-B6CA-6B6A20FE6ABA}" type="pres">
+      <dgm:prSet presAssocID="{2BEAA46F-6E9B-412E-A081-9353E3732725}" presName="ParentBackground" presStyleLbl="fgAcc1" presStyleIdx="7" presStyleCnt="10"/>
+      <dgm:spPr/>
+    </dgm:pt>
+    <dgm:pt modelId="{4F811B8D-48B5-4A92-A006-79C79B0DB7F6}" type="pres">
+      <dgm:prSet presAssocID="{2BEAA46F-6E9B-412E-A081-9353E3732725}" presName="Parent3" presStyleLbl="revTx" presStyleIdx="0" presStyleCnt="0">
+        <dgm:presLayoutVars>
+          <dgm:chMax val="1"/>
+          <dgm:chPref val="1"/>
+          <dgm:bulletEnabled val="1"/>
+        </dgm:presLayoutVars>
+      </dgm:prSet>
+      <dgm:spPr/>
+    </dgm:pt>
+    <dgm:pt modelId="{CED7F98D-6014-45B4-B20A-983B23CFBDAE}" type="pres">
+      <dgm:prSet presAssocID="{E8544D96-8E4C-40E4-B670-2E84FB23FE4B}" presName="Accent2" presStyleCnt="0"/>
+      <dgm:spPr/>
+    </dgm:pt>
+    <dgm:pt modelId="{18EAE301-A01E-4E96-BFF8-5C964C7124E8}" type="pres">
+      <dgm:prSet presAssocID="{E8544D96-8E4C-40E4-B670-2E84FB23FE4B}" presName="Accent" presStyleLbl="node1" presStyleIdx="8" presStyleCnt="10"/>
+      <dgm:spPr/>
+    </dgm:pt>
+    <dgm:pt modelId="{91C29562-7984-48E6-8116-CFE59BE76577}" type="pres">
+      <dgm:prSet presAssocID="{E8544D96-8E4C-40E4-B670-2E84FB23FE4B}" presName="ParentBackground2" presStyleCnt="0"/>
+      <dgm:spPr/>
+    </dgm:pt>
+    <dgm:pt modelId="{F635F32C-C03D-4CCA-9A15-A8495EB47AC7}" type="pres">
+      <dgm:prSet presAssocID="{E8544D96-8E4C-40E4-B670-2E84FB23FE4B}" presName="ParentBackground" presStyleLbl="fgAcc1" presStyleIdx="8" presStyleCnt="10"/>
+      <dgm:spPr/>
+    </dgm:pt>
+    <dgm:pt modelId="{44D0BA85-A095-4025-978C-2F3BA2780211}" type="pres">
+      <dgm:prSet presAssocID="{E8544D96-8E4C-40E4-B670-2E84FB23FE4B}" presName="Parent2" presStyleLbl="revTx" presStyleIdx="0" presStyleCnt="0">
+        <dgm:presLayoutVars>
+          <dgm:chMax val="1"/>
+          <dgm:chPref val="1"/>
+          <dgm:bulletEnabled val="1"/>
+        </dgm:presLayoutVars>
+      </dgm:prSet>
+      <dgm:spPr/>
+    </dgm:pt>
+    <dgm:pt modelId="{B0CCCA24-BCC7-4B59-900E-93A6A0DF49A5}" type="pres">
+      <dgm:prSet presAssocID="{4F0FE1FA-28AD-436C-8433-00BF20C06A2A}" presName="Accent1" presStyleCnt="0"/>
+      <dgm:spPr/>
+    </dgm:pt>
+    <dgm:pt modelId="{AB1E23FB-A96E-4DD0-8F69-B56DEBC7D753}" type="pres">
+      <dgm:prSet presAssocID="{4F0FE1FA-28AD-436C-8433-00BF20C06A2A}" presName="Accent" presStyleLbl="node1" presStyleIdx="9" presStyleCnt="10"/>
+      <dgm:spPr/>
+    </dgm:pt>
+    <dgm:pt modelId="{DF84833C-13ED-4960-A17B-3FACBC009FC7}" type="pres">
+      <dgm:prSet presAssocID="{4F0FE1FA-28AD-436C-8433-00BF20C06A2A}" presName="ParentBackground1" presStyleCnt="0"/>
+      <dgm:spPr/>
+    </dgm:pt>
+    <dgm:pt modelId="{6B217563-C3B1-4B17-BA06-2C764DA3AE94}" type="pres">
+      <dgm:prSet presAssocID="{4F0FE1FA-28AD-436C-8433-00BF20C06A2A}" presName="ParentBackground" presStyleLbl="fgAcc1" presStyleIdx="9" presStyleCnt="10"/>
+      <dgm:spPr/>
+    </dgm:pt>
+    <dgm:pt modelId="{7EA4C608-AE6F-4B41-BF91-15BEC8D38D18}" type="pres">
+      <dgm:prSet presAssocID="{4F0FE1FA-28AD-436C-8433-00BF20C06A2A}" presName="Parent1" presStyleLbl="revTx" presStyleIdx="0" presStyleCnt="0">
+        <dgm:presLayoutVars>
+          <dgm:chMax val="1"/>
+          <dgm:chPref val="1"/>
+          <dgm:bulletEnabled val="1"/>
+        </dgm:presLayoutVars>
+      </dgm:prSet>
+      <dgm:spPr/>
+    </dgm:pt>
+  </dgm:ptLst>
+  <dgm:cxnLst>
+    <dgm:cxn modelId="{C6943300-3A44-4500-871C-B1684B5B222D}" type="presOf" srcId="{6B2B3AE5-9E4E-4598-BE28-6673071A295C}" destId="{47826B2B-B173-4E97-9729-DB1791EB76EF}" srcOrd="0" destOrd="0" presId="urn:microsoft.com/office/officeart/2011/layout/CircleProcess"/>
+    <dgm:cxn modelId="{268F2C10-C43A-4D44-8DA2-73812A37BD00}" type="presOf" srcId="{97A4214D-2955-40DC-9F66-4E96300F64D5}" destId="{BD62735C-7AB4-43C9-B52F-ABF2B5D6764A}" srcOrd="1" destOrd="0" presId="urn:microsoft.com/office/officeart/2011/layout/CircleProcess"/>
+    <dgm:cxn modelId="{F4693110-94FC-4F24-A99B-680D6EAB6CAA}" type="presOf" srcId="{87CD3CC5-FC25-4B0D-B3D9-AA5247696961}" destId="{4D7D4FFB-F3E7-4034-8F0B-0EB6F7148A0E}" srcOrd="1" destOrd="0" presId="urn:microsoft.com/office/officeart/2011/layout/CircleProcess"/>
+    <dgm:cxn modelId="{04E32320-0F63-46D8-9F9D-953C00D22F8E}" srcId="{2D92A8E7-F9D3-4E33-8CC7-2B5A6BC2E28A}" destId="{2BEAA46F-6E9B-412E-A081-9353E3732725}" srcOrd="2" destOrd="0" parTransId="{2D74636D-1310-49A0-8160-48E7D4380C1D}" sibTransId="{10B9552B-E2D0-4821-BB5B-2298CC1ACA41}"/>
+    <dgm:cxn modelId="{83EE7429-7535-4829-9685-FE52655A6B2E}" type="presOf" srcId="{2D92A8E7-F9D3-4E33-8CC7-2B5A6BC2E28A}" destId="{8B4A0AF3-C186-4940-A910-15DA4B0A43AB}" srcOrd="0" destOrd="0" presId="urn:microsoft.com/office/officeart/2011/layout/CircleProcess"/>
+    <dgm:cxn modelId="{774F5A2B-145A-4EDB-B0C5-E144DC4E5A52}" srcId="{2D92A8E7-F9D3-4E33-8CC7-2B5A6BC2E28A}" destId="{D7B11413-48B0-4962-AD8A-75C0C06884B0}" srcOrd="5" destOrd="0" parTransId="{87D9AD99-25CC-4694-B0A2-CFE8CD225A65}" sibTransId="{C5B2793F-409D-4602-BCEC-8A99D2C1D38E}"/>
+    <dgm:cxn modelId="{A4EB9030-F231-4B78-A9FD-7ACFB56D65F5}" type="presOf" srcId="{D7B11413-48B0-4962-AD8A-75C0C06884B0}" destId="{584B2B27-ECAA-433C-B157-46ACBD2CC86B}" srcOrd="1" destOrd="0" presId="urn:microsoft.com/office/officeart/2011/layout/CircleProcess"/>
+    <dgm:cxn modelId="{D0E66366-6E84-48AC-8625-2248E29E08B5}" srcId="{2D92A8E7-F9D3-4E33-8CC7-2B5A6BC2E28A}" destId="{4DCDD203-F84A-48D3-974E-3FC08622F243}" srcOrd="6" destOrd="0" parTransId="{F03B15F1-6B47-4915-B592-FBF1F641C445}" sibTransId="{2570C1A8-62BD-4AAB-BD13-4886F89E329E}"/>
+    <dgm:cxn modelId="{F792E349-2F5A-4514-8115-0138BB28CE3F}" type="presOf" srcId="{87CD3CC5-FC25-4B0D-B3D9-AA5247696961}" destId="{80494B8F-CBE2-4083-A153-BC4E082130B1}" srcOrd="0" destOrd="0" presId="urn:microsoft.com/office/officeart/2011/layout/CircleProcess"/>
+    <dgm:cxn modelId="{34146874-1125-4D74-9F7D-29CB716788AB}" type="presOf" srcId="{59C11C2D-47F9-49E8-870F-FAF7AF34DB07}" destId="{543B8962-1661-40B8-AA24-B29B5FDA6B44}" srcOrd="1" destOrd="0" presId="urn:microsoft.com/office/officeart/2011/layout/CircleProcess"/>
+    <dgm:cxn modelId="{B2847754-5843-49A5-802D-AAC0B0DB3252}" srcId="{2D92A8E7-F9D3-4E33-8CC7-2B5A6BC2E28A}" destId="{59C11C2D-47F9-49E8-870F-FAF7AF34DB07}" srcOrd="3" destOrd="0" parTransId="{EF4933A3-B4D1-468C-BC10-7552D3F82749}" sibTransId="{1526659B-9A95-4061-BB65-1E2C5D75CFA9}"/>
+    <dgm:cxn modelId="{96665B55-DC14-48CB-82BE-C604A7631857}" type="presOf" srcId="{4DCDD203-F84A-48D3-974E-3FC08622F243}" destId="{C424E50D-9F70-44A6-BE23-1EB7F288F1E7}" srcOrd="1" destOrd="0" presId="urn:microsoft.com/office/officeart/2011/layout/CircleProcess"/>
+    <dgm:cxn modelId="{2289E657-AB59-4382-B247-A509EFE33D43}" type="presOf" srcId="{4DCDD203-F84A-48D3-974E-3FC08622F243}" destId="{115E82F9-BEEA-473C-9BF2-20E089953913}" srcOrd="0" destOrd="0" presId="urn:microsoft.com/office/officeart/2011/layout/CircleProcess"/>
+    <dgm:cxn modelId="{46418578-5E7E-4FC5-840D-9A1392982E3B}" type="presOf" srcId="{25B7D806-0E3D-473F-8821-3BEEA997EE4C}" destId="{DB5BB0C9-B1F3-4373-8C67-6A251AD873FA}" srcOrd="0" destOrd="0" presId="urn:microsoft.com/office/officeart/2011/layout/CircleProcess"/>
+    <dgm:cxn modelId="{CDC8EA78-33D0-4A35-9B9B-7C8C497ECAC1}" type="presOf" srcId="{4F0FE1FA-28AD-436C-8433-00BF20C06A2A}" destId="{7EA4C608-AE6F-4B41-BF91-15BEC8D38D18}" srcOrd="1" destOrd="0" presId="urn:microsoft.com/office/officeart/2011/layout/CircleProcess"/>
+    <dgm:cxn modelId="{1D3F4F85-A40B-4422-9FF0-3EC85A027064}" type="presOf" srcId="{E8544D96-8E4C-40E4-B670-2E84FB23FE4B}" destId="{44D0BA85-A095-4025-978C-2F3BA2780211}" srcOrd="1" destOrd="0" presId="urn:microsoft.com/office/officeart/2011/layout/CircleProcess"/>
+    <dgm:cxn modelId="{9358AE95-FBC0-4B66-8717-F3EEDC7BB927}" type="presOf" srcId="{2BEAA46F-6E9B-412E-A081-9353E3732725}" destId="{85B82FEA-FA8B-43F7-B6CA-6B6A20FE6ABA}" srcOrd="0" destOrd="0" presId="urn:microsoft.com/office/officeart/2011/layout/CircleProcess"/>
+    <dgm:cxn modelId="{F986FFA4-B5BF-4107-9843-7819ED1FA1D1}" type="presOf" srcId="{2BEAA46F-6E9B-412E-A081-9353E3732725}" destId="{4F811B8D-48B5-4A92-A006-79C79B0DB7F6}" srcOrd="1" destOrd="0" presId="urn:microsoft.com/office/officeart/2011/layout/CircleProcess"/>
+    <dgm:cxn modelId="{C40BF5A6-3488-4DC0-895F-E88E8B0BC6EE}" srcId="{2D92A8E7-F9D3-4E33-8CC7-2B5A6BC2E28A}" destId="{87CD3CC5-FC25-4B0D-B3D9-AA5247696961}" srcOrd="7" destOrd="0" parTransId="{6BA2875F-AAC3-48C0-B4CF-D666F95DA2EF}" sibTransId="{1A12F10B-B098-4E5E-BE98-49A481B39764}"/>
+    <dgm:cxn modelId="{5EF12BA8-768F-48E6-8658-E02003FF19AE}" type="presOf" srcId="{59C11C2D-47F9-49E8-870F-FAF7AF34DB07}" destId="{67E176DC-031A-4900-A6BC-8E5485BD42BD}" srcOrd="0" destOrd="0" presId="urn:microsoft.com/office/officeart/2011/layout/CircleProcess"/>
+    <dgm:cxn modelId="{0C27BCBE-6CF4-4214-A902-414414D25605}" type="presOf" srcId="{97A4214D-2955-40DC-9F66-4E96300F64D5}" destId="{79078BAC-2688-465E-9F78-3724289392A4}" srcOrd="0" destOrd="0" presId="urn:microsoft.com/office/officeart/2011/layout/CircleProcess"/>
+    <dgm:cxn modelId="{014E9DBF-0EAC-49EE-8FD6-315E9D2A3587}" type="presOf" srcId="{4F0FE1FA-28AD-436C-8433-00BF20C06A2A}" destId="{6B217563-C3B1-4B17-BA06-2C764DA3AE94}" srcOrd="0" destOrd="0" presId="urn:microsoft.com/office/officeart/2011/layout/CircleProcess"/>
+    <dgm:cxn modelId="{0CD797C9-48D0-4343-A9FC-837BDB9AB7D8}" type="presOf" srcId="{D7B11413-48B0-4962-AD8A-75C0C06884B0}" destId="{997D7B2C-17AA-4B4E-94A9-0A231F18DC9C}" srcOrd="0" destOrd="0" presId="urn:microsoft.com/office/officeart/2011/layout/CircleProcess"/>
+    <dgm:cxn modelId="{DD87B5C9-7F26-4962-B242-08B309B55F26}" type="presOf" srcId="{25B7D806-0E3D-473F-8821-3BEEA997EE4C}" destId="{AF270BF9-2ADE-4AB2-A55B-0F28DD8843A8}" srcOrd="1" destOrd="0" presId="urn:microsoft.com/office/officeart/2011/layout/CircleProcess"/>
+    <dgm:cxn modelId="{33E4C2CC-EB14-4828-AACA-5AF803DC94CD}" type="presOf" srcId="{6B2B3AE5-9E4E-4598-BE28-6673071A295C}" destId="{BE759486-0CDA-4623-800C-4C8AE4965CB2}" srcOrd="1" destOrd="0" presId="urn:microsoft.com/office/officeart/2011/layout/CircleProcess"/>
+    <dgm:cxn modelId="{2DB4B7CE-DE37-49BB-A84E-11902CC3E0B4}" srcId="{2D92A8E7-F9D3-4E33-8CC7-2B5A6BC2E28A}" destId="{4F0FE1FA-28AD-436C-8433-00BF20C06A2A}" srcOrd="0" destOrd="0" parTransId="{53C28B4B-C2C5-478E-B204-B2FE5C5C68DB}" sibTransId="{A005B693-4B3D-4D0A-A7B7-B923B3E985ED}"/>
+    <dgm:cxn modelId="{41BEA6DA-AC6F-46CA-AB45-5ED65C1D2D72}" srcId="{2D92A8E7-F9D3-4E33-8CC7-2B5A6BC2E28A}" destId="{97A4214D-2955-40DC-9F66-4E96300F64D5}" srcOrd="8" destOrd="0" parTransId="{DD157F36-C933-4DDB-8832-1EB67D758ADF}" sibTransId="{056F7705-70F9-456D-8808-164372EB7887}"/>
+    <dgm:cxn modelId="{B2D1C9DC-A81E-4325-A872-42CECEAC1F07}" srcId="{2D92A8E7-F9D3-4E33-8CC7-2B5A6BC2E28A}" destId="{25B7D806-0E3D-473F-8821-3BEEA997EE4C}" srcOrd="9" destOrd="0" parTransId="{A7EB7693-4A66-4044-89A2-05C26B2D8567}" sibTransId="{E84CCDD0-E3CE-468C-89B9-9F662DB51575}"/>
+    <dgm:cxn modelId="{BA9F90DF-8742-4004-9119-9887AF40815C}" type="presOf" srcId="{E8544D96-8E4C-40E4-B670-2E84FB23FE4B}" destId="{F635F32C-C03D-4CCA-9A15-A8495EB47AC7}" srcOrd="0" destOrd="0" presId="urn:microsoft.com/office/officeart/2011/layout/CircleProcess"/>
+    <dgm:cxn modelId="{32C3CAE2-68C5-4332-92CB-24A7D8A2E679}" srcId="{2D92A8E7-F9D3-4E33-8CC7-2B5A6BC2E28A}" destId="{E8544D96-8E4C-40E4-B670-2E84FB23FE4B}" srcOrd="1" destOrd="0" parTransId="{FC30321F-9273-4404-A7F6-BEF7A357753A}" sibTransId="{590267AC-D29E-41CA-A45C-D5A87CA0EFC9}"/>
+    <dgm:cxn modelId="{378949E4-60D8-43B5-895B-AF41F2880C19}" srcId="{2D92A8E7-F9D3-4E33-8CC7-2B5A6BC2E28A}" destId="{6B2B3AE5-9E4E-4598-BE28-6673071A295C}" srcOrd="4" destOrd="0" parTransId="{3A75C8FE-1532-4366-BEA0-782600AEF27B}" sibTransId="{F1AA6535-721C-4044-8BB2-347CFF456769}"/>
+    <dgm:cxn modelId="{26F0E78B-0A23-42D7-A24F-0AD0A1DC98B5}" type="presParOf" srcId="{8B4A0AF3-C186-4940-A910-15DA4B0A43AB}" destId="{CF127DC6-DC90-4EB1-8133-98A2FC005C85}" srcOrd="0" destOrd="0" presId="urn:microsoft.com/office/officeart/2011/layout/CircleProcess"/>
+    <dgm:cxn modelId="{ECDEF0E8-2BE5-4B9E-A668-FF608A8BBA2F}" type="presParOf" srcId="{CF127DC6-DC90-4EB1-8133-98A2FC005C85}" destId="{75888A31-1AD7-49D7-82BD-1710CBB41933}" srcOrd="0" destOrd="0" presId="urn:microsoft.com/office/officeart/2011/layout/CircleProcess"/>
+    <dgm:cxn modelId="{23657BB3-DD80-4C6F-92D3-7E5B20D26563}" type="presParOf" srcId="{8B4A0AF3-C186-4940-A910-15DA4B0A43AB}" destId="{452386DF-2D3F-4430-86AE-CC26E073F453}" srcOrd="1" destOrd="0" presId="urn:microsoft.com/office/officeart/2011/layout/CircleProcess"/>
+    <dgm:cxn modelId="{AA967C04-0930-4BC2-B275-48746B405E4D}" type="presParOf" srcId="{452386DF-2D3F-4430-86AE-CC26E073F453}" destId="{DB5BB0C9-B1F3-4373-8C67-6A251AD873FA}" srcOrd="0" destOrd="0" presId="urn:microsoft.com/office/officeart/2011/layout/CircleProcess"/>
+    <dgm:cxn modelId="{C036688D-E2C5-4B43-8310-7BA72B6BE4AD}" type="presParOf" srcId="{8B4A0AF3-C186-4940-A910-15DA4B0A43AB}" destId="{AF270BF9-2ADE-4AB2-A55B-0F28DD8843A8}" srcOrd="2" destOrd="0" presId="urn:microsoft.com/office/officeart/2011/layout/CircleProcess"/>
+    <dgm:cxn modelId="{D7B352E5-BC3F-42AB-BB6E-87566020BE30}" type="presParOf" srcId="{8B4A0AF3-C186-4940-A910-15DA4B0A43AB}" destId="{19342C91-8CB4-47A8-97AE-1079E1B876F9}" srcOrd="3" destOrd="0" presId="urn:microsoft.com/office/officeart/2011/layout/CircleProcess"/>
+    <dgm:cxn modelId="{4E908BE9-329C-4E8F-BA3F-299B1D02EDC1}" type="presParOf" srcId="{19342C91-8CB4-47A8-97AE-1079E1B876F9}" destId="{A71C9020-E9A2-4B92-A9C4-4BB63B438F62}" srcOrd="0" destOrd="0" presId="urn:microsoft.com/office/officeart/2011/layout/CircleProcess"/>
+    <dgm:cxn modelId="{C13A1F83-5194-41ED-9CE4-304A0D31E8CB}" type="presParOf" srcId="{8B4A0AF3-C186-4940-A910-15DA4B0A43AB}" destId="{587D6D2D-84F5-4CC2-A690-570F24C02343}" srcOrd="4" destOrd="0" presId="urn:microsoft.com/office/officeart/2011/layout/CircleProcess"/>
+    <dgm:cxn modelId="{5C043AA4-460E-4FC6-BBD1-C9187991F1E3}" type="presParOf" srcId="{587D6D2D-84F5-4CC2-A690-570F24C02343}" destId="{79078BAC-2688-465E-9F78-3724289392A4}" srcOrd="0" destOrd="0" presId="urn:microsoft.com/office/officeart/2011/layout/CircleProcess"/>
+    <dgm:cxn modelId="{0363ECAA-E48F-4CBA-ADB7-8F7D3DF38691}" type="presParOf" srcId="{8B4A0AF3-C186-4940-A910-15DA4B0A43AB}" destId="{BD62735C-7AB4-43C9-B52F-ABF2B5D6764A}" srcOrd="5" destOrd="0" presId="urn:microsoft.com/office/officeart/2011/layout/CircleProcess"/>
+    <dgm:cxn modelId="{0A74B3AC-529E-425A-9209-65B37800B50C}" type="presParOf" srcId="{8B4A0AF3-C186-4940-A910-15DA4B0A43AB}" destId="{8374048B-3C72-405D-95D6-53DC58C66FB5}" srcOrd="6" destOrd="0" presId="urn:microsoft.com/office/officeart/2011/layout/CircleProcess"/>
+    <dgm:cxn modelId="{9BCB8DFE-7545-4622-954B-0F3FEDE15614}" type="presParOf" srcId="{8374048B-3C72-405D-95D6-53DC58C66FB5}" destId="{B19935E4-6452-4DDB-9049-02CC99D456DE}" srcOrd="0" destOrd="0" presId="urn:microsoft.com/office/officeart/2011/layout/CircleProcess"/>
+    <dgm:cxn modelId="{D0D2E71E-FC87-47D3-96EA-95DCC65E008F}" type="presParOf" srcId="{8B4A0AF3-C186-4940-A910-15DA4B0A43AB}" destId="{C6AC4D0A-09BA-4B49-8EDA-3EA8781024BA}" srcOrd="7" destOrd="0" presId="urn:microsoft.com/office/officeart/2011/layout/CircleProcess"/>
+    <dgm:cxn modelId="{61D0A68B-E31B-42FB-81DA-7ACAFDA0DBE7}" type="presParOf" srcId="{C6AC4D0A-09BA-4B49-8EDA-3EA8781024BA}" destId="{80494B8F-CBE2-4083-A153-BC4E082130B1}" srcOrd="0" destOrd="0" presId="urn:microsoft.com/office/officeart/2011/layout/CircleProcess"/>
+    <dgm:cxn modelId="{37C4DA93-956B-4A57-B0AE-665876760770}" type="presParOf" srcId="{8B4A0AF3-C186-4940-A910-15DA4B0A43AB}" destId="{4D7D4FFB-F3E7-4034-8F0B-0EB6F7148A0E}" srcOrd="8" destOrd="0" presId="urn:microsoft.com/office/officeart/2011/layout/CircleProcess"/>
+    <dgm:cxn modelId="{D58AC7FE-C9BB-4956-B192-9BF55713E146}" type="presParOf" srcId="{8B4A0AF3-C186-4940-A910-15DA4B0A43AB}" destId="{5032BD3E-9D72-4789-A12F-23D42F4424BB}" srcOrd="9" destOrd="0" presId="urn:microsoft.com/office/officeart/2011/layout/CircleProcess"/>
+    <dgm:cxn modelId="{6EAB9E5A-8565-49DA-9A79-51248FB30697}" type="presParOf" srcId="{5032BD3E-9D72-4789-A12F-23D42F4424BB}" destId="{EA74386D-8E07-4ADB-9A63-E2A64745CE94}" srcOrd="0" destOrd="0" presId="urn:microsoft.com/office/officeart/2011/layout/CircleProcess"/>
+    <dgm:cxn modelId="{AC469AD4-AACA-4366-9230-BB77E5513A8F}" type="presParOf" srcId="{8B4A0AF3-C186-4940-A910-15DA4B0A43AB}" destId="{31623D82-B826-4F01-B9A1-0E2B07A3DC8B}" srcOrd="10" destOrd="0" presId="urn:microsoft.com/office/officeart/2011/layout/CircleProcess"/>
+    <dgm:cxn modelId="{4EF9CCEF-66D9-4397-AE51-5769F0B6FB9A}" type="presParOf" srcId="{31623D82-B826-4F01-B9A1-0E2B07A3DC8B}" destId="{115E82F9-BEEA-473C-9BF2-20E089953913}" srcOrd="0" destOrd="0" presId="urn:microsoft.com/office/officeart/2011/layout/CircleProcess"/>
+    <dgm:cxn modelId="{E3CC8A2E-3439-4BD4-84FC-EDDF593EA073}" type="presParOf" srcId="{8B4A0AF3-C186-4940-A910-15DA4B0A43AB}" destId="{C424E50D-9F70-44A6-BE23-1EB7F288F1E7}" srcOrd="11" destOrd="0" presId="urn:microsoft.com/office/officeart/2011/layout/CircleProcess"/>
+    <dgm:cxn modelId="{3803E19B-0594-4BDE-9F9D-172265312B4D}" type="presParOf" srcId="{8B4A0AF3-C186-4940-A910-15DA4B0A43AB}" destId="{0E766EC8-3121-494C-989A-FC2AF1FFB073}" srcOrd="12" destOrd="0" presId="urn:microsoft.com/office/officeart/2011/layout/CircleProcess"/>
+    <dgm:cxn modelId="{12BB62E6-BB54-41AD-901E-B38E4C45AF3C}" type="presParOf" srcId="{0E766EC8-3121-494C-989A-FC2AF1FFB073}" destId="{890BD874-34E7-46CB-AF9B-C3196AFAEAE5}" srcOrd="0" destOrd="0" presId="urn:microsoft.com/office/officeart/2011/layout/CircleProcess"/>
+    <dgm:cxn modelId="{78B74CCD-4D5C-4935-A19D-E256C55CE989}" type="presParOf" srcId="{8B4A0AF3-C186-4940-A910-15DA4B0A43AB}" destId="{4377A382-8EAC-4CD6-815D-C926458C34CC}" srcOrd="13" destOrd="0" presId="urn:microsoft.com/office/officeart/2011/layout/CircleProcess"/>
+    <dgm:cxn modelId="{3D1E768B-4C53-4005-8298-D911A2849F29}" type="presParOf" srcId="{4377A382-8EAC-4CD6-815D-C926458C34CC}" destId="{997D7B2C-17AA-4B4E-94A9-0A231F18DC9C}" srcOrd="0" destOrd="0" presId="urn:microsoft.com/office/officeart/2011/layout/CircleProcess"/>
+    <dgm:cxn modelId="{CFCD8A90-2230-4D02-B71D-4DCF02F6FF32}" type="presParOf" srcId="{8B4A0AF3-C186-4940-A910-15DA4B0A43AB}" destId="{584B2B27-ECAA-433C-B157-46ACBD2CC86B}" srcOrd="14" destOrd="0" presId="urn:microsoft.com/office/officeart/2011/layout/CircleProcess"/>
+    <dgm:cxn modelId="{26275B75-D6CE-4B28-B6AE-CED139188A72}" type="presParOf" srcId="{8B4A0AF3-C186-4940-A910-15DA4B0A43AB}" destId="{778BD097-C339-4C6B-9D50-845B8986175A}" srcOrd="15" destOrd="0" presId="urn:microsoft.com/office/officeart/2011/layout/CircleProcess"/>
+    <dgm:cxn modelId="{ECF1C180-8AAC-481A-A3BD-1504D78A278F}" type="presParOf" srcId="{778BD097-C339-4C6B-9D50-845B8986175A}" destId="{28FF938D-A72E-46B2-B119-78828BBD3940}" srcOrd="0" destOrd="0" presId="urn:microsoft.com/office/officeart/2011/layout/CircleProcess"/>
+    <dgm:cxn modelId="{1CF6D7CD-1ED5-4156-A222-E46DA11DEB4D}" type="presParOf" srcId="{8B4A0AF3-C186-4940-A910-15DA4B0A43AB}" destId="{4A762E01-9EA2-4853-A164-31F85359FA05}" srcOrd="16" destOrd="0" presId="urn:microsoft.com/office/officeart/2011/layout/CircleProcess"/>
+    <dgm:cxn modelId="{9A2C271E-4F82-4F1E-9268-332F10C64107}" type="presParOf" srcId="{4A762E01-9EA2-4853-A164-31F85359FA05}" destId="{47826B2B-B173-4E97-9729-DB1791EB76EF}" srcOrd="0" destOrd="0" presId="urn:microsoft.com/office/officeart/2011/layout/CircleProcess"/>
+    <dgm:cxn modelId="{84E67426-8683-4264-B264-BCB9B4A64557}" type="presParOf" srcId="{8B4A0AF3-C186-4940-A910-15DA4B0A43AB}" destId="{BE759486-0CDA-4623-800C-4C8AE4965CB2}" srcOrd="17" destOrd="0" presId="urn:microsoft.com/office/officeart/2011/layout/CircleProcess"/>
+    <dgm:cxn modelId="{C9272192-29F7-4EA4-9914-9E3DC07439FF}" type="presParOf" srcId="{8B4A0AF3-C186-4940-A910-15DA4B0A43AB}" destId="{1A9F0F5F-A1E6-42B3-9C65-60699177B2C7}" srcOrd="18" destOrd="0" presId="urn:microsoft.com/office/officeart/2011/layout/CircleProcess"/>
+    <dgm:cxn modelId="{EA3D79D6-63D8-4579-8C43-699F16DDCA31}" type="presParOf" srcId="{1A9F0F5F-A1E6-42B3-9C65-60699177B2C7}" destId="{E2E4F419-3967-4951-9275-E1265D132EDE}" srcOrd="0" destOrd="0" presId="urn:microsoft.com/office/officeart/2011/layout/CircleProcess"/>
+    <dgm:cxn modelId="{7BAA2EFB-49FC-4A1A-9EBA-5F82EC4ECCD7}" type="presParOf" srcId="{8B4A0AF3-C186-4940-A910-15DA4B0A43AB}" destId="{19EE69C3-CCC5-4C89-8BE4-3AE0AABFFCBC}" srcOrd="19" destOrd="0" presId="urn:microsoft.com/office/officeart/2011/layout/CircleProcess"/>
+    <dgm:cxn modelId="{BCD17655-8A79-470F-B47C-8446B1A2B539}" type="presParOf" srcId="{19EE69C3-CCC5-4C89-8BE4-3AE0AABFFCBC}" destId="{67E176DC-031A-4900-A6BC-8E5485BD42BD}" srcOrd="0" destOrd="0" presId="urn:microsoft.com/office/officeart/2011/layout/CircleProcess"/>
+    <dgm:cxn modelId="{F65DDD93-82D3-44F1-B5C8-95574F4183FF}" type="presParOf" srcId="{8B4A0AF3-C186-4940-A910-15DA4B0A43AB}" destId="{543B8962-1661-40B8-AA24-B29B5FDA6B44}" srcOrd="20" destOrd="0" presId="urn:microsoft.com/office/officeart/2011/layout/CircleProcess"/>
+    <dgm:cxn modelId="{EE9D8DB7-D984-4425-9C7A-D570EC6B3211}" type="presParOf" srcId="{8B4A0AF3-C186-4940-A910-15DA4B0A43AB}" destId="{FBA00BBF-4F4C-4E0A-ABAA-DA8ECF256BAF}" srcOrd="21" destOrd="0" presId="urn:microsoft.com/office/officeart/2011/layout/CircleProcess"/>
+    <dgm:cxn modelId="{28F5B8B2-63EA-4C84-8410-0CDB68882052}" type="presParOf" srcId="{FBA00BBF-4F4C-4E0A-ABAA-DA8ECF256BAF}" destId="{B8E76BDF-217D-4035-86F3-BE326553EA9C}" srcOrd="0" destOrd="0" presId="urn:microsoft.com/office/officeart/2011/layout/CircleProcess"/>
+    <dgm:cxn modelId="{7715ECAC-2017-4D4F-9F3E-8E37F3F681B6}" type="presParOf" srcId="{8B4A0AF3-C186-4940-A910-15DA4B0A43AB}" destId="{73D5B91B-9C09-48D8-96A6-13B7F97B7519}" srcOrd="22" destOrd="0" presId="urn:microsoft.com/office/officeart/2011/layout/CircleProcess"/>
+    <dgm:cxn modelId="{CD9EB422-3B37-4B25-B460-89D35F86841E}" type="presParOf" srcId="{73D5B91B-9C09-48D8-96A6-13B7F97B7519}" destId="{85B82FEA-FA8B-43F7-B6CA-6B6A20FE6ABA}" srcOrd="0" destOrd="0" presId="urn:microsoft.com/office/officeart/2011/layout/CircleProcess"/>
+    <dgm:cxn modelId="{084EAAD2-23D4-4FBE-8124-AE7CE53586BF}" type="presParOf" srcId="{8B4A0AF3-C186-4940-A910-15DA4B0A43AB}" destId="{4F811B8D-48B5-4A92-A006-79C79B0DB7F6}" srcOrd="23" destOrd="0" presId="urn:microsoft.com/office/officeart/2011/layout/CircleProcess"/>
+    <dgm:cxn modelId="{7BBD0256-B839-4E4B-933D-602DC09525E7}" type="presParOf" srcId="{8B4A0AF3-C186-4940-A910-15DA4B0A43AB}" destId="{CED7F98D-6014-45B4-B20A-983B23CFBDAE}" srcOrd="24" destOrd="0" presId="urn:microsoft.com/office/officeart/2011/layout/CircleProcess"/>
+    <dgm:cxn modelId="{00091400-6A58-4B8C-B90F-549ED23BE424}" type="presParOf" srcId="{CED7F98D-6014-45B4-B20A-983B23CFBDAE}" destId="{18EAE301-A01E-4E96-BFF8-5C964C7124E8}" srcOrd="0" destOrd="0" presId="urn:microsoft.com/office/officeart/2011/layout/CircleProcess"/>
+    <dgm:cxn modelId="{38DF62DA-109E-48FB-B106-F3BE08798F48}" type="presParOf" srcId="{8B4A0AF3-C186-4940-A910-15DA4B0A43AB}" destId="{91C29562-7984-48E6-8116-CFE59BE76577}" srcOrd="25" destOrd="0" presId="urn:microsoft.com/office/officeart/2011/layout/CircleProcess"/>
+    <dgm:cxn modelId="{EFED3856-1E71-49A5-9EDE-5703C09A3DAE}" type="presParOf" srcId="{91C29562-7984-48E6-8116-CFE59BE76577}" destId="{F635F32C-C03D-4CCA-9A15-A8495EB47AC7}" srcOrd="0" destOrd="0" presId="urn:microsoft.com/office/officeart/2011/layout/CircleProcess"/>
+    <dgm:cxn modelId="{CD8271F2-36F0-47C5-8E60-BCDA85A644D5}" type="presParOf" srcId="{8B4A0AF3-C186-4940-A910-15DA4B0A43AB}" destId="{44D0BA85-A095-4025-978C-2F3BA2780211}" srcOrd="26" destOrd="0" presId="urn:microsoft.com/office/officeart/2011/layout/CircleProcess"/>
+    <dgm:cxn modelId="{3C0B9146-1D1A-4452-A84C-70B6B637A1BD}" type="presParOf" srcId="{8B4A0AF3-C186-4940-A910-15DA4B0A43AB}" destId="{B0CCCA24-BCC7-4B59-900E-93A6A0DF49A5}" srcOrd="27" destOrd="0" presId="urn:microsoft.com/office/officeart/2011/layout/CircleProcess"/>
+    <dgm:cxn modelId="{5776E378-B172-4222-9A3E-A7CC1A1EDCC2}" type="presParOf" srcId="{B0CCCA24-BCC7-4B59-900E-93A6A0DF49A5}" destId="{AB1E23FB-A96E-4DD0-8F69-B56DEBC7D753}" srcOrd="0" destOrd="0" presId="urn:microsoft.com/office/officeart/2011/layout/CircleProcess"/>
+    <dgm:cxn modelId="{B6092815-08C4-45DF-9400-0D8E826883F4}" type="presParOf" srcId="{8B4A0AF3-C186-4940-A910-15DA4B0A43AB}" destId="{DF84833C-13ED-4960-A17B-3FACBC009FC7}" srcOrd="28" destOrd="0" presId="urn:microsoft.com/office/officeart/2011/layout/CircleProcess"/>
+    <dgm:cxn modelId="{B1ED2B2A-C6E2-4D1F-A11A-B94613627B64}" type="presParOf" srcId="{DF84833C-13ED-4960-A17B-3FACBC009FC7}" destId="{6B217563-C3B1-4B17-BA06-2C764DA3AE94}" srcOrd="0" destOrd="0" presId="urn:microsoft.com/office/officeart/2011/layout/CircleProcess"/>
+    <dgm:cxn modelId="{19B7AA12-4A11-47C2-AA1D-6551C2C93692}" type="presParOf" srcId="{8B4A0AF3-C186-4940-A910-15DA4B0A43AB}" destId="{7EA4C608-AE6F-4B41-BF91-15BEC8D38D18}" srcOrd="29" destOrd="0" presId="urn:microsoft.com/office/officeart/2011/layout/CircleProcess"/>
+  </dgm:cxnLst>
+  <dgm:bg/>
+  <dgm:whole/>
+  <dgm:extLst>
+    <a:ext uri="http://schemas.microsoft.com/office/drawing/2008/diagram">
+      <dsp:dataModelExt xmlns:dsp="http://schemas.microsoft.com/office/drawing/2008/diagram" relId="rId6" minVer="http://schemas.openxmlformats.org/drawingml/2006/diagram"/>
+    </a:ext>
+  </dgm:extLst>
+</dgm:dataModel>
+</file>
+
+<file path=ppt/diagrams/drawing1.xml><?xml version="1.0" encoding="utf-8"?>
+<dsp:drawing xmlns:dgm="http://schemas.openxmlformats.org/drawingml/2006/diagram" xmlns:dsp="http://schemas.microsoft.com/office/drawing/2008/diagram" xmlns:a="http://schemas.openxmlformats.org/drawingml/2006/main">
+  <dsp:spTree>
+    <dsp:nvGrpSpPr>
+      <dsp:cNvPr id="0" name=""/>
+      <dsp:cNvGrpSpPr/>
+    </dsp:nvGrpSpPr>
+    <dsp:grpSpPr/>
+    <dsp:sp modelId="{75888A31-1AD7-49D7-82BD-1710CBB41933}">
+      <dsp:nvSpPr>
+        <dsp:cNvPr id="0" name=""/>
+        <dsp:cNvSpPr/>
+      </dsp:nvSpPr>
+      <dsp:spPr>
+        <a:xfrm>
+          <a:off x="7109574" y="339097"/>
+          <a:ext cx="740198" cy="740590"/>
+        </a:xfrm>
+        <a:prstGeom prst="ellipse">
+          <a:avLst/>
+        </a:prstGeom>
+        <a:solidFill>
+          <a:schemeClr val="accent1">
+            <a:hueOff val="0"/>
+            <a:satOff val="0"/>
+            <a:lumOff val="0"/>
+            <a:alphaOff val="0"/>
+          </a:schemeClr>
+        </a:solidFill>
+        <a:ln w="25400" cap="flat" cmpd="sng" algn="ctr">
+          <a:solidFill>
+            <a:schemeClr val="lt1">
+              <a:hueOff val="0"/>
+              <a:satOff val="0"/>
+              <a:lumOff val="0"/>
+              <a:alphaOff val="0"/>
+            </a:schemeClr>
+          </a:solidFill>
+          <a:prstDash val="solid"/>
+        </a:ln>
+        <a:effectLst/>
+      </dsp:spPr>
+      <dsp:style>
+        <a:lnRef idx="2">
+          <a:scrgbClr r="0" g="0" b="0"/>
+        </a:lnRef>
+        <a:fillRef idx="1">
+          <a:scrgbClr r="0" g="0" b="0"/>
+        </a:fillRef>
+        <a:effectRef idx="0">
+          <a:scrgbClr r="0" g="0" b="0"/>
+        </a:effectRef>
+        <a:fontRef idx="minor">
+          <a:schemeClr val="lt1"/>
+        </a:fontRef>
+      </dsp:style>
+    </dsp:sp>
+    <dsp:sp modelId="{DB5BB0C9-B1F3-4373-8C67-6A251AD873FA}">
+      <dsp:nvSpPr>
+        <dsp:cNvPr id="0" name=""/>
+        <dsp:cNvSpPr/>
+      </dsp:nvSpPr>
+      <dsp:spPr>
+        <a:xfrm>
+          <a:off x="7133652" y="363788"/>
+          <a:ext cx="691266" cy="691208"/>
+        </a:xfrm>
+        <a:prstGeom prst="ellipse">
+          <a:avLst/>
+        </a:prstGeom>
+        <a:solidFill>
+          <a:schemeClr val="lt1">
+            <a:alpha val="90000"/>
+            <a:hueOff val="0"/>
+            <a:satOff val="0"/>
+            <a:lumOff val="0"/>
+            <a:alphaOff val="0"/>
+          </a:schemeClr>
+        </a:solidFill>
+        <a:ln w="25400" cap="flat" cmpd="sng" algn="ctr">
+          <a:solidFill>
+            <a:schemeClr val="accent1">
+              <a:hueOff val="0"/>
+              <a:satOff val="0"/>
+              <a:lumOff val="0"/>
+              <a:alphaOff val="0"/>
+            </a:schemeClr>
+          </a:solidFill>
+          <a:prstDash val="solid"/>
+        </a:ln>
+        <a:effectLst/>
+      </dsp:spPr>
+      <dsp:style>
+        <a:lnRef idx="2">
+          <a:scrgbClr r="0" g="0" b="0"/>
+        </a:lnRef>
+        <a:fillRef idx="1">
+          <a:scrgbClr r="0" g="0" b="0"/>
+        </a:fillRef>
+        <a:effectRef idx="0">
+          <a:scrgbClr r="0" g="0" b="0"/>
+        </a:effectRef>
+        <a:fontRef idx="minor"/>
+      </dsp:style>
+      <dsp:txBody>
+        <a:bodyPr spcFirstLastPara="0" vert="horz" wrap="square" lIns="36830" tIns="36830" rIns="36830" bIns="36830" numCol="1" spcCol="1270" anchor="ctr" anchorCtr="0">
+          <a:noAutofit/>
+        </a:bodyPr>
+        <a:lstStyle/>
+        <a:p>
+          <a:pPr marL="0" lvl="0" indent="0" algn="ctr" defTabSz="1289050">
+            <a:lnSpc>
+              <a:spcPct val="90000"/>
+            </a:lnSpc>
+            <a:spcBef>
+              <a:spcPct val="0"/>
+            </a:spcBef>
+            <a:spcAft>
+              <a:spcPct val="35000"/>
+            </a:spcAft>
+            <a:buNone/>
+          </a:pPr>
+          <a:endParaRPr lang="en-US" sz="2900" kern="1200" dirty="0"/>
+        </a:p>
+      </dsp:txBody>
+      <dsp:txXfrm>
+        <a:off x="7232293" y="462550"/>
+        <a:ext cx="493983" cy="493683"/>
+      </dsp:txXfrm>
+    </dsp:sp>
+    <dsp:sp modelId="{A71C9020-E9A2-4B92-A9C4-4BB63B438F62}">
+      <dsp:nvSpPr>
+        <dsp:cNvPr id="0" name=""/>
+        <dsp:cNvSpPr/>
+      </dsp:nvSpPr>
+      <dsp:spPr>
+        <a:xfrm rot="2700000">
+          <a:off x="6344063" y="339158"/>
+          <a:ext cx="740338" cy="740338"/>
+        </a:xfrm>
+        <a:prstGeom prst="teardrop">
+          <a:avLst>
+            <a:gd name="adj" fmla="val 100000"/>
+          </a:avLst>
+        </a:prstGeom>
+        <a:solidFill>
+          <a:schemeClr val="accent1">
+            <a:hueOff val="0"/>
+            <a:satOff val="0"/>
+            <a:lumOff val="0"/>
+            <a:alphaOff val="0"/>
+          </a:schemeClr>
+        </a:solidFill>
+        <a:ln w="25400" cap="flat" cmpd="sng" algn="ctr">
+          <a:solidFill>
+            <a:schemeClr val="lt1">
+              <a:hueOff val="0"/>
+              <a:satOff val="0"/>
+              <a:lumOff val="0"/>
+              <a:alphaOff val="0"/>
+            </a:schemeClr>
+          </a:solidFill>
+          <a:prstDash val="solid"/>
+        </a:ln>
+        <a:effectLst/>
+      </dsp:spPr>
+      <dsp:style>
+        <a:lnRef idx="2">
+          <a:scrgbClr r="0" g="0" b="0"/>
+        </a:lnRef>
+        <a:fillRef idx="1">
+          <a:scrgbClr r="0" g="0" b="0"/>
+        </a:fillRef>
+        <a:effectRef idx="0">
+          <a:scrgbClr r="0" g="0" b="0"/>
+        </a:effectRef>
+        <a:fontRef idx="minor">
+          <a:schemeClr val="lt1"/>
+        </a:fontRef>
+      </dsp:style>
+    </dsp:sp>
+    <dsp:sp modelId="{79078BAC-2688-465E-9F78-3724289392A4}">
+      <dsp:nvSpPr>
+        <dsp:cNvPr id="0" name=""/>
+        <dsp:cNvSpPr/>
+      </dsp:nvSpPr>
+      <dsp:spPr>
+        <a:xfrm>
+          <a:off x="6368599" y="363788"/>
+          <a:ext cx="691266" cy="691208"/>
+        </a:xfrm>
+        <a:prstGeom prst="ellipse">
+          <a:avLst/>
+        </a:prstGeom>
+        <a:solidFill>
+          <a:schemeClr val="lt1">
+            <a:alpha val="90000"/>
+            <a:hueOff val="0"/>
+            <a:satOff val="0"/>
+            <a:lumOff val="0"/>
+            <a:alphaOff val="0"/>
+          </a:schemeClr>
+        </a:solidFill>
+        <a:ln w="25400" cap="flat" cmpd="sng" algn="ctr">
+          <a:solidFill>
+            <a:schemeClr val="accent1">
+              <a:hueOff val="0"/>
+              <a:satOff val="0"/>
+              <a:lumOff val="0"/>
+              <a:alphaOff val="0"/>
+            </a:schemeClr>
+          </a:solidFill>
+          <a:prstDash val="solid"/>
+        </a:ln>
+        <a:effectLst/>
+      </dsp:spPr>
+      <dsp:style>
+        <a:lnRef idx="2">
+          <a:scrgbClr r="0" g="0" b="0"/>
+        </a:lnRef>
+        <a:fillRef idx="1">
+          <a:scrgbClr r="0" g="0" b="0"/>
+        </a:fillRef>
+        <a:effectRef idx="0">
+          <a:scrgbClr r="0" g="0" b="0"/>
+        </a:effectRef>
+        <a:fontRef idx="minor"/>
+      </dsp:style>
+      <dsp:txBody>
+        <a:bodyPr spcFirstLastPara="0" vert="horz" wrap="square" lIns="36830" tIns="36830" rIns="36830" bIns="36830" numCol="1" spcCol="1270" anchor="ctr" anchorCtr="0">
+          <a:noAutofit/>
+        </a:bodyPr>
+        <a:lstStyle/>
+        <a:p>
+          <a:pPr marL="0" lvl="0" indent="0" algn="ctr" defTabSz="1289050">
+            <a:lnSpc>
+              <a:spcPct val="90000"/>
+            </a:lnSpc>
+            <a:spcBef>
+              <a:spcPct val="0"/>
+            </a:spcBef>
+            <a:spcAft>
+              <a:spcPct val="35000"/>
+            </a:spcAft>
+            <a:buNone/>
+          </a:pPr>
+          <a:endParaRPr lang="en-US" sz="2900" kern="1200" dirty="0"/>
+        </a:p>
+      </dsp:txBody>
+      <dsp:txXfrm>
+        <a:off x="6467240" y="462550"/>
+        <a:ext cx="493983" cy="493683"/>
+      </dsp:txXfrm>
+    </dsp:sp>
+    <dsp:sp modelId="{B19935E4-6452-4DDB-9049-02CC99D456DE}">
+      <dsp:nvSpPr>
+        <dsp:cNvPr id="0" name=""/>
+        <dsp:cNvSpPr/>
+      </dsp:nvSpPr>
+      <dsp:spPr>
+        <a:xfrm rot="2700000">
+          <a:off x="5579010" y="339158"/>
+          <a:ext cx="740338" cy="740338"/>
+        </a:xfrm>
+        <a:prstGeom prst="teardrop">
+          <a:avLst>
+            <a:gd name="adj" fmla="val 100000"/>
+          </a:avLst>
+        </a:prstGeom>
+        <a:solidFill>
+          <a:schemeClr val="accent1">
+            <a:hueOff val="0"/>
+            <a:satOff val="0"/>
+            <a:lumOff val="0"/>
+            <a:alphaOff val="0"/>
+          </a:schemeClr>
+        </a:solidFill>
+        <a:ln w="25400" cap="flat" cmpd="sng" algn="ctr">
+          <a:solidFill>
+            <a:schemeClr val="lt1">
+              <a:hueOff val="0"/>
+              <a:satOff val="0"/>
+              <a:lumOff val="0"/>
+              <a:alphaOff val="0"/>
+            </a:schemeClr>
+          </a:solidFill>
+          <a:prstDash val="solid"/>
+        </a:ln>
+        <a:effectLst/>
+      </dsp:spPr>
+      <dsp:style>
+        <a:lnRef idx="2">
+          <a:scrgbClr r="0" g="0" b="0"/>
+        </a:lnRef>
+        <a:fillRef idx="1">
+          <a:scrgbClr r="0" g="0" b="0"/>
+        </a:fillRef>
+        <a:effectRef idx="0">
+          <a:scrgbClr r="0" g="0" b="0"/>
+        </a:effectRef>
+        <a:fontRef idx="minor">
+          <a:schemeClr val="lt1"/>
+        </a:fontRef>
+      </dsp:style>
+    </dsp:sp>
+    <dsp:sp modelId="{80494B8F-CBE2-4083-A153-BC4E082130B1}">
+      <dsp:nvSpPr>
+        <dsp:cNvPr id="0" name=""/>
+        <dsp:cNvSpPr/>
+      </dsp:nvSpPr>
+      <dsp:spPr>
+        <a:xfrm>
+          <a:off x="5603546" y="363788"/>
+          <a:ext cx="691266" cy="691208"/>
+        </a:xfrm>
+        <a:prstGeom prst="ellipse">
+          <a:avLst/>
+        </a:prstGeom>
+        <a:solidFill>
+          <a:schemeClr val="lt1">
+            <a:alpha val="90000"/>
+            <a:hueOff val="0"/>
+            <a:satOff val="0"/>
+            <a:lumOff val="0"/>
+            <a:alphaOff val="0"/>
+          </a:schemeClr>
+        </a:solidFill>
+        <a:ln w="25400" cap="flat" cmpd="sng" algn="ctr">
+          <a:solidFill>
+            <a:schemeClr val="accent1">
+              <a:hueOff val="0"/>
+              <a:satOff val="0"/>
+              <a:lumOff val="0"/>
+              <a:alphaOff val="0"/>
+            </a:schemeClr>
+          </a:solidFill>
+          <a:prstDash val="solid"/>
+        </a:ln>
+        <a:effectLst/>
+      </dsp:spPr>
+      <dsp:style>
+        <a:lnRef idx="2">
+          <a:scrgbClr r="0" g="0" b="0"/>
+        </a:lnRef>
+        <a:fillRef idx="1">
+          <a:scrgbClr r="0" g="0" b="0"/>
+        </a:fillRef>
+        <a:effectRef idx="0">
+          <a:scrgbClr r="0" g="0" b="0"/>
+        </a:effectRef>
+        <a:fontRef idx="minor"/>
+      </dsp:style>
+      <dsp:txBody>
+        <a:bodyPr spcFirstLastPara="0" vert="horz" wrap="square" lIns="36830" tIns="36830" rIns="36830" bIns="36830" numCol="1" spcCol="1270" anchor="ctr" anchorCtr="0">
+          <a:noAutofit/>
+        </a:bodyPr>
+        <a:lstStyle/>
+        <a:p>
+          <a:pPr marL="0" lvl="0" indent="0" algn="ctr" defTabSz="1289050">
+            <a:lnSpc>
+              <a:spcPct val="90000"/>
+            </a:lnSpc>
+            <a:spcBef>
+              <a:spcPct val="0"/>
+            </a:spcBef>
+            <a:spcAft>
+              <a:spcPct val="35000"/>
+            </a:spcAft>
+            <a:buNone/>
+          </a:pPr>
+          <a:endParaRPr lang="en-US" sz="2900" kern="1200" dirty="0"/>
+        </a:p>
+      </dsp:txBody>
+      <dsp:txXfrm>
+        <a:off x="5702188" y="462550"/>
+        <a:ext cx="493983" cy="493683"/>
+      </dsp:txXfrm>
+    </dsp:sp>
+    <dsp:sp modelId="{EA74386D-8E07-4ADB-9A63-E2A64745CE94}">
+      <dsp:nvSpPr>
+        <dsp:cNvPr id="0" name=""/>
+        <dsp:cNvSpPr/>
+      </dsp:nvSpPr>
+      <dsp:spPr>
+        <a:xfrm rot="2700000">
+          <a:off x="4813181" y="339158"/>
+          <a:ext cx="740338" cy="740338"/>
+        </a:xfrm>
+        <a:prstGeom prst="teardrop">
+          <a:avLst>
+            <a:gd name="adj" fmla="val 100000"/>
+          </a:avLst>
+        </a:prstGeom>
+        <a:solidFill>
+          <a:schemeClr val="accent1">
+            <a:hueOff val="0"/>
+            <a:satOff val="0"/>
+            <a:lumOff val="0"/>
+            <a:alphaOff val="0"/>
+          </a:schemeClr>
+        </a:solidFill>
+        <a:ln w="25400" cap="flat" cmpd="sng" algn="ctr">
+          <a:solidFill>
+            <a:schemeClr val="lt1">
+              <a:hueOff val="0"/>
+              <a:satOff val="0"/>
+              <a:lumOff val="0"/>
+              <a:alphaOff val="0"/>
+            </a:schemeClr>
+          </a:solidFill>
+          <a:prstDash val="solid"/>
+        </a:ln>
+        <a:effectLst/>
+      </dsp:spPr>
+      <dsp:style>
+        <a:lnRef idx="2">
+          <a:scrgbClr r="0" g="0" b="0"/>
+        </a:lnRef>
+        <a:fillRef idx="1">
+          <a:scrgbClr r="0" g="0" b="0"/>
+        </a:fillRef>
+        <a:effectRef idx="0">
+          <a:scrgbClr r="0" g="0" b="0"/>
+        </a:effectRef>
+        <a:fontRef idx="minor">
+          <a:schemeClr val="lt1"/>
+        </a:fontRef>
+      </dsp:style>
+    </dsp:sp>
+    <dsp:sp modelId="{115E82F9-BEEA-473C-9BF2-20E089953913}">
+      <dsp:nvSpPr>
+        <dsp:cNvPr id="0" name=""/>
+        <dsp:cNvSpPr/>
+      </dsp:nvSpPr>
+      <dsp:spPr>
+        <a:xfrm>
+          <a:off x="4838493" y="363788"/>
+          <a:ext cx="691266" cy="691208"/>
+        </a:xfrm>
+        <a:prstGeom prst="ellipse">
+          <a:avLst/>
+        </a:prstGeom>
+        <a:solidFill>
+          <a:schemeClr val="lt1">
+            <a:alpha val="90000"/>
+            <a:hueOff val="0"/>
+            <a:satOff val="0"/>
+            <a:lumOff val="0"/>
+            <a:alphaOff val="0"/>
+          </a:schemeClr>
+        </a:solidFill>
+        <a:ln w="25400" cap="flat" cmpd="sng" algn="ctr">
+          <a:solidFill>
+            <a:schemeClr val="accent1">
+              <a:hueOff val="0"/>
+              <a:satOff val="0"/>
+              <a:lumOff val="0"/>
+              <a:alphaOff val="0"/>
+            </a:schemeClr>
+          </a:solidFill>
+          <a:prstDash val="solid"/>
+        </a:ln>
+        <a:effectLst/>
+      </dsp:spPr>
+      <dsp:style>
+        <a:lnRef idx="2">
+          <a:scrgbClr r="0" g="0" b="0"/>
+        </a:lnRef>
+        <a:fillRef idx="1">
+          <a:scrgbClr r="0" g="0" b="0"/>
+        </a:fillRef>
+        <a:effectRef idx="0">
+          <a:scrgbClr r="0" g="0" b="0"/>
+        </a:effectRef>
+        <a:fontRef idx="minor"/>
+      </dsp:style>
+      <dsp:txBody>
+        <a:bodyPr spcFirstLastPara="0" vert="horz" wrap="square" lIns="36830" tIns="36830" rIns="36830" bIns="36830" numCol="1" spcCol="1270" anchor="ctr" anchorCtr="0">
+          <a:noAutofit/>
+        </a:bodyPr>
+        <a:lstStyle/>
+        <a:p>
+          <a:pPr marL="0" lvl="0" indent="0" algn="ctr" defTabSz="1289050">
+            <a:lnSpc>
+              <a:spcPct val="90000"/>
+            </a:lnSpc>
+            <a:spcBef>
+              <a:spcPct val="0"/>
+            </a:spcBef>
+            <a:spcAft>
+              <a:spcPct val="35000"/>
+            </a:spcAft>
+            <a:buNone/>
+          </a:pPr>
+          <a:endParaRPr lang="en-US" sz="2900" kern="1200" dirty="0"/>
+        </a:p>
+      </dsp:txBody>
+      <dsp:txXfrm>
+        <a:off x="4937135" y="462550"/>
+        <a:ext cx="493983" cy="493683"/>
+      </dsp:txXfrm>
+    </dsp:sp>
+    <dsp:sp modelId="{890BD874-34E7-46CB-AF9B-C3196AFAEAE5}">
+      <dsp:nvSpPr>
+        <dsp:cNvPr id="0" name=""/>
+        <dsp:cNvSpPr/>
+      </dsp:nvSpPr>
+      <dsp:spPr>
+        <a:xfrm rot="2700000">
+          <a:off x="4048128" y="339158"/>
+          <a:ext cx="740338" cy="740338"/>
+        </a:xfrm>
+        <a:prstGeom prst="teardrop">
+          <a:avLst>
+            <a:gd name="adj" fmla="val 100000"/>
+          </a:avLst>
+        </a:prstGeom>
+        <a:solidFill>
+          <a:schemeClr val="accent1">
+            <a:hueOff val="0"/>
+            <a:satOff val="0"/>
+            <a:lumOff val="0"/>
+            <a:alphaOff val="0"/>
+          </a:schemeClr>
+        </a:solidFill>
+        <a:ln w="25400" cap="flat" cmpd="sng" algn="ctr">
+          <a:solidFill>
+            <a:schemeClr val="lt1">
+              <a:hueOff val="0"/>
+              <a:satOff val="0"/>
+              <a:lumOff val="0"/>
+              <a:alphaOff val="0"/>
+            </a:schemeClr>
+          </a:solidFill>
+          <a:prstDash val="solid"/>
+        </a:ln>
+        <a:effectLst/>
+      </dsp:spPr>
+      <dsp:style>
+        <a:lnRef idx="2">
+          <a:scrgbClr r="0" g="0" b="0"/>
+        </a:lnRef>
+        <a:fillRef idx="1">
+          <a:scrgbClr r="0" g="0" b="0"/>
+        </a:fillRef>
+        <a:effectRef idx="0">
+          <a:scrgbClr r="0" g="0" b="0"/>
+        </a:effectRef>
+        <a:fontRef idx="minor">
+          <a:schemeClr val="lt1"/>
+        </a:fontRef>
+      </dsp:style>
+    </dsp:sp>
+    <dsp:sp modelId="{997D7B2C-17AA-4B4E-94A9-0A231F18DC9C}">
+      <dsp:nvSpPr>
+        <dsp:cNvPr id="0" name=""/>
+        <dsp:cNvSpPr/>
+      </dsp:nvSpPr>
+      <dsp:spPr>
+        <a:xfrm>
+          <a:off x="4072664" y="363788"/>
+          <a:ext cx="691266" cy="691208"/>
+        </a:xfrm>
+        <a:prstGeom prst="ellipse">
+          <a:avLst/>
+        </a:prstGeom>
+        <a:solidFill>
+          <a:schemeClr val="lt1">
+            <a:alpha val="90000"/>
+            <a:hueOff val="0"/>
+            <a:satOff val="0"/>
+            <a:lumOff val="0"/>
+            <a:alphaOff val="0"/>
+          </a:schemeClr>
+        </a:solidFill>
+        <a:ln w="25400" cap="flat" cmpd="sng" algn="ctr">
+          <a:solidFill>
+            <a:schemeClr val="accent1">
+              <a:hueOff val="0"/>
+              <a:satOff val="0"/>
+              <a:lumOff val="0"/>
+              <a:alphaOff val="0"/>
+            </a:schemeClr>
+          </a:solidFill>
+          <a:prstDash val="solid"/>
+        </a:ln>
+        <a:effectLst/>
+      </dsp:spPr>
+      <dsp:style>
+        <a:lnRef idx="2">
+          <a:scrgbClr r="0" g="0" b="0"/>
+        </a:lnRef>
+        <a:fillRef idx="1">
+          <a:scrgbClr r="0" g="0" b="0"/>
+        </a:fillRef>
+        <a:effectRef idx="0">
+          <a:scrgbClr r="0" g="0" b="0"/>
+        </a:effectRef>
+        <a:fontRef idx="minor"/>
+      </dsp:style>
+      <dsp:txBody>
+        <a:bodyPr spcFirstLastPara="0" vert="horz" wrap="square" lIns="36830" tIns="36830" rIns="36830" bIns="36830" numCol="1" spcCol="1270" anchor="ctr" anchorCtr="0">
+          <a:noAutofit/>
+        </a:bodyPr>
+        <a:lstStyle/>
+        <a:p>
+          <a:pPr marL="0" lvl="0" indent="0" algn="ctr" defTabSz="1289050">
+            <a:lnSpc>
+              <a:spcPct val="90000"/>
+            </a:lnSpc>
+            <a:spcBef>
+              <a:spcPct val="0"/>
+            </a:spcBef>
+            <a:spcAft>
+              <a:spcPct val="35000"/>
+            </a:spcAft>
+            <a:buNone/>
+          </a:pPr>
+          <a:endParaRPr lang="en-US" sz="2900" kern="1200" dirty="0"/>
+        </a:p>
+      </dsp:txBody>
+      <dsp:txXfrm>
+        <a:off x="4171305" y="462550"/>
+        <a:ext cx="493983" cy="493683"/>
+      </dsp:txXfrm>
+    </dsp:sp>
+    <dsp:sp modelId="{28FF938D-A72E-46B2-B119-78828BBD3940}">
+      <dsp:nvSpPr>
+        <dsp:cNvPr id="0" name=""/>
+        <dsp:cNvSpPr/>
+      </dsp:nvSpPr>
+      <dsp:spPr>
+        <a:xfrm rot="2700000">
+          <a:off x="3283075" y="339158"/>
+          <a:ext cx="740338" cy="740338"/>
+        </a:xfrm>
+        <a:prstGeom prst="teardrop">
+          <a:avLst>
+            <a:gd name="adj" fmla="val 100000"/>
+          </a:avLst>
+        </a:prstGeom>
+        <a:solidFill>
+          <a:schemeClr val="accent1">
+            <a:hueOff val="0"/>
+            <a:satOff val="0"/>
+            <a:lumOff val="0"/>
+            <a:alphaOff val="0"/>
+          </a:schemeClr>
+        </a:solidFill>
+        <a:ln w="25400" cap="flat" cmpd="sng" algn="ctr">
+          <a:solidFill>
+            <a:schemeClr val="lt1">
+              <a:hueOff val="0"/>
+              <a:satOff val="0"/>
+              <a:lumOff val="0"/>
+              <a:alphaOff val="0"/>
+            </a:schemeClr>
+          </a:solidFill>
+          <a:prstDash val="solid"/>
+        </a:ln>
+        <a:effectLst/>
+      </dsp:spPr>
+      <dsp:style>
+        <a:lnRef idx="2">
+          <a:scrgbClr r="0" g="0" b="0"/>
+        </a:lnRef>
+        <a:fillRef idx="1">
+          <a:scrgbClr r="0" g="0" b="0"/>
+        </a:fillRef>
+        <a:effectRef idx="0">
+          <a:scrgbClr r="0" g="0" b="0"/>
+        </a:effectRef>
+        <a:fontRef idx="minor">
+          <a:schemeClr val="lt1"/>
+        </a:fontRef>
+      </dsp:style>
+    </dsp:sp>
+    <dsp:sp modelId="{47826B2B-B173-4E97-9729-DB1791EB76EF}">
+      <dsp:nvSpPr>
+        <dsp:cNvPr id="0" name=""/>
+        <dsp:cNvSpPr/>
+      </dsp:nvSpPr>
+      <dsp:spPr>
+        <a:xfrm>
+          <a:off x="3307611" y="363788"/>
+          <a:ext cx="691266" cy="691208"/>
+        </a:xfrm>
+        <a:prstGeom prst="ellipse">
+          <a:avLst/>
+        </a:prstGeom>
+        <a:solidFill>
+          <a:schemeClr val="lt1">
+            <a:alpha val="90000"/>
+            <a:hueOff val="0"/>
+            <a:satOff val="0"/>
+            <a:lumOff val="0"/>
+            <a:alphaOff val="0"/>
+          </a:schemeClr>
+        </a:solidFill>
+        <a:ln w="25400" cap="flat" cmpd="sng" algn="ctr">
+          <a:solidFill>
+            <a:schemeClr val="accent1">
+              <a:hueOff val="0"/>
+              <a:satOff val="0"/>
+              <a:lumOff val="0"/>
+              <a:alphaOff val="0"/>
+            </a:schemeClr>
+          </a:solidFill>
+          <a:prstDash val="solid"/>
+        </a:ln>
+        <a:effectLst/>
+      </dsp:spPr>
+      <dsp:style>
+        <a:lnRef idx="2">
+          <a:scrgbClr r="0" g="0" b="0"/>
+        </a:lnRef>
+        <a:fillRef idx="1">
+          <a:scrgbClr r="0" g="0" b="0"/>
+        </a:fillRef>
+        <a:effectRef idx="0">
+          <a:scrgbClr r="0" g="0" b="0"/>
+        </a:effectRef>
+        <a:fontRef idx="minor"/>
+      </dsp:style>
+      <dsp:txBody>
+        <a:bodyPr spcFirstLastPara="0" vert="horz" wrap="square" lIns="36830" tIns="36830" rIns="36830" bIns="36830" numCol="1" spcCol="1270" anchor="ctr" anchorCtr="0">
+          <a:noAutofit/>
+        </a:bodyPr>
+        <a:lstStyle/>
+        <a:p>
+          <a:pPr marL="0" lvl="0" indent="0" algn="ctr" defTabSz="1289050">
+            <a:lnSpc>
+              <a:spcPct val="90000"/>
+            </a:lnSpc>
+            <a:spcBef>
+              <a:spcPct val="0"/>
+            </a:spcBef>
+            <a:spcAft>
+              <a:spcPct val="35000"/>
+            </a:spcAft>
+            <a:buNone/>
+          </a:pPr>
+          <a:endParaRPr lang="en-US" sz="2900" kern="1200" dirty="0"/>
+        </a:p>
+      </dsp:txBody>
+      <dsp:txXfrm>
+        <a:off x="3406252" y="462550"/>
+        <a:ext cx="493983" cy="493683"/>
+      </dsp:txXfrm>
+    </dsp:sp>
+    <dsp:sp modelId="{E2E4F419-3967-4951-9275-E1265D132EDE}">
+      <dsp:nvSpPr>
+        <dsp:cNvPr id="0" name=""/>
+        <dsp:cNvSpPr/>
+      </dsp:nvSpPr>
+      <dsp:spPr>
+        <a:xfrm rot="2700000">
+          <a:off x="2518022" y="339158"/>
+          <a:ext cx="740338" cy="740338"/>
+        </a:xfrm>
+        <a:prstGeom prst="teardrop">
+          <a:avLst>
+            <a:gd name="adj" fmla="val 100000"/>
+          </a:avLst>
+        </a:prstGeom>
+        <a:solidFill>
+          <a:schemeClr val="accent1">
+            <a:hueOff val="0"/>
+            <a:satOff val="0"/>
+            <a:lumOff val="0"/>
+            <a:alphaOff val="0"/>
+          </a:schemeClr>
+        </a:solidFill>
+        <a:ln w="25400" cap="flat" cmpd="sng" algn="ctr">
+          <a:solidFill>
+            <a:schemeClr val="lt1">
+              <a:hueOff val="0"/>
+              <a:satOff val="0"/>
+              <a:lumOff val="0"/>
+              <a:alphaOff val="0"/>
+            </a:schemeClr>
+          </a:solidFill>
+          <a:prstDash val="solid"/>
+        </a:ln>
+        <a:effectLst/>
+      </dsp:spPr>
+      <dsp:style>
+        <a:lnRef idx="2">
+          <a:scrgbClr r="0" g="0" b="0"/>
+        </a:lnRef>
+        <a:fillRef idx="1">
+          <a:scrgbClr r="0" g="0" b="0"/>
+        </a:fillRef>
+        <a:effectRef idx="0">
+          <a:scrgbClr r="0" g="0" b="0"/>
+        </a:effectRef>
+        <a:fontRef idx="minor">
+          <a:schemeClr val="lt1"/>
+        </a:fontRef>
+      </dsp:style>
+    </dsp:sp>
+    <dsp:sp modelId="{67E176DC-031A-4900-A6BC-8E5485BD42BD}">
+      <dsp:nvSpPr>
+        <dsp:cNvPr id="0" name=""/>
+        <dsp:cNvSpPr/>
+      </dsp:nvSpPr>
+      <dsp:spPr>
+        <a:xfrm>
+          <a:off x="2542558" y="363788"/>
+          <a:ext cx="691266" cy="691208"/>
+        </a:xfrm>
+        <a:prstGeom prst="ellipse">
+          <a:avLst/>
+        </a:prstGeom>
+        <a:solidFill>
+          <a:schemeClr val="lt1">
+            <a:alpha val="90000"/>
+            <a:hueOff val="0"/>
+            <a:satOff val="0"/>
+            <a:lumOff val="0"/>
+            <a:alphaOff val="0"/>
+          </a:schemeClr>
+        </a:solidFill>
+        <a:ln w="25400" cap="flat" cmpd="sng" algn="ctr">
+          <a:solidFill>
+            <a:schemeClr val="accent1">
+              <a:hueOff val="0"/>
+              <a:satOff val="0"/>
+              <a:lumOff val="0"/>
+              <a:alphaOff val="0"/>
+            </a:schemeClr>
+          </a:solidFill>
+          <a:prstDash val="solid"/>
+        </a:ln>
+        <a:effectLst/>
+      </dsp:spPr>
+      <dsp:style>
+        <a:lnRef idx="2">
+          <a:scrgbClr r="0" g="0" b="0"/>
+        </a:lnRef>
+        <a:fillRef idx="1">
+          <a:scrgbClr r="0" g="0" b="0"/>
+        </a:fillRef>
+        <a:effectRef idx="0">
+          <a:scrgbClr r="0" g="0" b="0"/>
+        </a:effectRef>
+        <a:fontRef idx="minor"/>
+      </dsp:style>
+      <dsp:txBody>
+        <a:bodyPr spcFirstLastPara="0" vert="horz" wrap="square" lIns="36830" tIns="36830" rIns="36830" bIns="36830" numCol="1" spcCol="1270" anchor="ctr" anchorCtr="0">
+          <a:noAutofit/>
+        </a:bodyPr>
+        <a:lstStyle/>
+        <a:p>
+          <a:pPr marL="0" lvl="0" indent="0" algn="ctr" defTabSz="1289050">
+            <a:lnSpc>
+              <a:spcPct val="90000"/>
+            </a:lnSpc>
+            <a:spcBef>
+              <a:spcPct val="0"/>
+            </a:spcBef>
+            <a:spcAft>
+              <a:spcPct val="35000"/>
+            </a:spcAft>
+            <a:buNone/>
+          </a:pPr>
+          <a:endParaRPr lang="en-US" sz="2900" kern="1200" dirty="0"/>
+        </a:p>
+      </dsp:txBody>
+      <dsp:txXfrm>
+        <a:off x="2641199" y="462550"/>
+        <a:ext cx="493983" cy="493683"/>
+      </dsp:txXfrm>
+    </dsp:sp>
+    <dsp:sp modelId="{B8E76BDF-217D-4035-86F3-BE326553EA9C}">
+      <dsp:nvSpPr>
+        <dsp:cNvPr id="0" name=""/>
+        <dsp:cNvSpPr/>
+      </dsp:nvSpPr>
+      <dsp:spPr>
+        <a:xfrm rot="2700000">
+          <a:off x="1752192" y="339158"/>
+          <a:ext cx="740338" cy="740338"/>
+        </a:xfrm>
+        <a:prstGeom prst="teardrop">
+          <a:avLst>
+            <a:gd name="adj" fmla="val 100000"/>
+          </a:avLst>
+        </a:prstGeom>
+        <a:solidFill>
+          <a:schemeClr val="accent1">
+            <a:hueOff val="0"/>
+            <a:satOff val="0"/>
+            <a:lumOff val="0"/>
+            <a:alphaOff val="0"/>
+          </a:schemeClr>
+        </a:solidFill>
+        <a:ln w="25400" cap="flat" cmpd="sng" algn="ctr">
+          <a:solidFill>
+            <a:schemeClr val="lt1">
+              <a:hueOff val="0"/>
+              <a:satOff val="0"/>
+              <a:lumOff val="0"/>
+              <a:alphaOff val="0"/>
+            </a:schemeClr>
+          </a:solidFill>
+          <a:prstDash val="solid"/>
+        </a:ln>
+        <a:effectLst/>
+      </dsp:spPr>
+      <dsp:style>
+        <a:lnRef idx="2">
+          <a:scrgbClr r="0" g="0" b="0"/>
+        </a:lnRef>
+        <a:fillRef idx="1">
+          <a:scrgbClr r="0" g="0" b="0"/>
+        </a:fillRef>
+        <a:effectRef idx="0">
+          <a:scrgbClr r="0" g="0" b="0"/>
+        </a:effectRef>
+        <a:fontRef idx="minor">
+          <a:schemeClr val="lt1"/>
+        </a:fontRef>
+      </dsp:style>
+    </dsp:sp>
+    <dsp:sp modelId="{85B82FEA-FA8B-43F7-B6CA-6B6A20FE6ABA}">
+      <dsp:nvSpPr>
+        <dsp:cNvPr id="0" name=""/>
+        <dsp:cNvSpPr/>
+      </dsp:nvSpPr>
+      <dsp:spPr>
+        <a:xfrm>
+          <a:off x="1777505" y="363788"/>
+          <a:ext cx="691266" cy="691208"/>
+        </a:xfrm>
+        <a:prstGeom prst="ellipse">
+          <a:avLst/>
+        </a:prstGeom>
+        <a:solidFill>
+          <a:schemeClr val="lt1">
+            <a:alpha val="90000"/>
+            <a:hueOff val="0"/>
+            <a:satOff val="0"/>
+            <a:lumOff val="0"/>
+            <a:alphaOff val="0"/>
+          </a:schemeClr>
+        </a:solidFill>
+        <a:ln w="25400" cap="flat" cmpd="sng" algn="ctr">
+          <a:solidFill>
+            <a:schemeClr val="accent1">
+              <a:hueOff val="0"/>
+              <a:satOff val="0"/>
+              <a:lumOff val="0"/>
+              <a:alphaOff val="0"/>
+            </a:schemeClr>
+          </a:solidFill>
+          <a:prstDash val="solid"/>
+        </a:ln>
+        <a:effectLst/>
+      </dsp:spPr>
+      <dsp:style>
+        <a:lnRef idx="2">
+          <a:scrgbClr r="0" g="0" b="0"/>
+        </a:lnRef>
+        <a:fillRef idx="1">
+          <a:scrgbClr r="0" g="0" b="0"/>
+        </a:fillRef>
+        <a:effectRef idx="0">
+          <a:scrgbClr r="0" g="0" b="0"/>
+        </a:effectRef>
+        <a:fontRef idx="minor"/>
+      </dsp:style>
+      <dsp:txBody>
+        <a:bodyPr spcFirstLastPara="0" vert="horz" wrap="square" lIns="36830" tIns="36830" rIns="36830" bIns="36830" numCol="1" spcCol="1270" anchor="ctr" anchorCtr="0">
+          <a:noAutofit/>
+        </a:bodyPr>
+        <a:lstStyle/>
+        <a:p>
+          <a:pPr marL="0" lvl="0" indent="0" algn="ctr" defTabSz="1289050">
+            <a:lnSpc>
+              <a:spcPct val="90000"/>
+            </a:lnSpc>
+            <a:spcBef>
+              <a:spcPct val="0"/>
+            </a:spcBef>
+            <a:spcAft>
+              <a:spcPct val="35000"/>
+            </a:spcAft>
+            <a:buNone/>
+          </a:pPr>
+          <a:endParaRPr lang="en-US" sz="2900" kern="1200" dirty="0"/>
+        </a:p>
+      </dsp:txBody>
+      <dsp:txXfrm>
+        <a:off x="1876146" y="462550"/>
+        <a:ext cx="493983" cy="493683"/>
+      </dsp:txXfrm>
+    </dsp:sp>
+    <dsp:sp modelId="{18EAE301-A01E-4E96-BFF8-5C964C7124E8}">
+      <dsp:nvSpPr>
+        <dsp:cNvPr id="0" name=""/>
+        <dsp:cNvSpPr/>
+      </dsp:nvSpPr>
+      <dsp:spPr>
+        <a:xfrm rot="2700000">
+          <a:off x="987139" y="339158"/>
+          <a:ext cx="740338" cy="740338"/>
+        </a:xfrm>
+        <a:prstGeom prst="teardrop">
+          <a:avLst>
+            <a:gd name="adj" fmla="val 100000"/>
+          </a:avLst>
+        </a:prstGeom>
+        <a:solidFill>
+          <a:schemeClr val="accent1">
+            <a:hueOff val="0"/>
+            <a:satOff val="0"/>
+            <a:lumOff val="0"/>
+            <a:alphaOff val="0"/>
+          </a:schemeClr>
+        </a:solidFill>
+        <a:ln w="25400" cap="flat" cmpd="sng" algn="ctr">
+          <a:solidFill>
+            <a:schemeClr val="lt1">
+              <a:hueOff val="0"/>
+              <a:satOff val="0"/>
+              <a:lumOff val="0"/>
+              <a:alphaOff val="0"/>
+            </a:schemeClr>
+          </a:solidFill>
+          <a:prstDash val="solid"/>
+        </a:ln>
+        <a:effectLst/>
+      </dsp:spPr>
+      <dsp:style>
+        <a:lnRef idx="2">
+          <a:scrgbClr r="0" g="0" b="0"/>
+        </a:lnRef>
+        <a:fillRef idx="1">
+          <a:scrgbClr r="0" g="0" b="0"/>
+        </a:fillRef>
+        <a:effectRef idx="0">
+          <a:scrgbClr r="0" g="0" b="0"/>
+        </a:effectRef>
+        <a:fontRef idx="minor">
+          <a:schemeClr val="lt1"/>
+        </a:fontRef>
+      </dsp:style>
+    </dsp:sp>
+    <dsp:sp modelId="{F635F32C-C03D-4CCA-9A15-A8495EB47AC7}">
+      <dsp:nvSpPr>
+        <dsp:cNvPr id="0" name=""/>
+        <dsp:cNvSpPr/>
+      </dsp:nvSpPr>
+      <dsp:spPr>
+        <a:xfrm>
+          <a:off x="1011675" y="363788"/>
+          <a:ext cx="691266" cy="691208"/>
+        </a:xfrm>
+        <a:prstGeom prst="ellipse">
+          <a:avLst/>
+        </a:prstGeom>
+        <a:solidFill>
+          <a:schemeClr val="lt1">
+            <a:alpha val="90000"/>
+            <a:hueOff val="0"/>
+            <a:satOff val="0"/>
+            <a:lumOff val="0"/>
+            <a:alphaOff val="0"/>
+          </a:schemeClr>
+        </a:solidFill>
+        <a:ln w="25400" cap="flat" cmpd="sng" algn="ctr">
+          <a:solidFill>
+            <a:schemeClr val="accent1">
+              <a:hueOff val="0"/>
+              <a:satOff val="0"/>
+              <a:lumOff val="0"/>
+              <a:alphaOff val="0"/>
+            </a:schemeClr>
+          </a:solidFill>
+          <a:prstDash val="solid"/>
+        </a:ln>
+        <a:effectLst/>
+      </dsp:spPr>
+      <dsp:style>
+        <a:lnRef idx="2">
+          <a:scrgbClr r="0" g="0" b="0"/>
+        </a:lnRef>
+        <a:fillRef idx="1">
+          <a:scrgbClr r="0" g="0" b="0"/>
+        </a:fillRef>
+        <a:effectRef idx="0">
+          <a:scrgbClr r="0" g="0" b="0"/>
+        </a:effectRef>
+        <a:fontRef idx="minor"/>
+      </dsp:style>
+      <dsp:txBody>
+        <a:bodyPr spcFirstLastPara="0" vert="horz" wrap="square" lIns="36830" tIns="36830" rIns="36830" bIns="36830" numCol="1" spcCol="1270" anchor="ctr" anchorCtr="0">
+          <a:noAutofit/>
+        </a:bodyPr>
+        <a:lstStyle/>
+        <a:p>
+          <a:pPr marL="0" lvl="0" indent="0" algn="ctr" defTabSz="1289050">
+            <a:lnSpc>
+              <a:spcPct val="90000"/>
+            </a:lnSpc>
+            <a:spcBef>
+              <a:spcPct val="0"/>
+            </a:spcBef>
+            <a:spcAft>
+              <a:spcPct val="35000"/>
+            </a:spcAft>
+            <a:buNone/>
+          </a:pPr>
+          <a:endParaRPr lang="en-US" sz="2900" kern="1200" dirty="0"/>
+        </a:p>
+      </dsp:txBody>
+      <dsp:txXfrm>
+        <a:off x="1111093" y="462550"/>
+        <a:ext cx="493983" cy="493683"/>
+      </dsp:txXfrm>
+    </dsp:sp>
+    <dsp:sp modelId="{AB1E23FB-A96E-4DD0-8F69-B56DEBC7D753}">
+      <dsp:nvSpPr>
+        <dsp:cNvPr id="0" name=""/>
+        <dsp:cNvSpPr/>
+      </dsp:nvSpPr>
+      <dsp:spPr>
+        <a:xfrm rot="2700000">
+          <a:off x="222087" y="339158"/>
+          <a:ext cx="740338" cy="740338"/>
+        </a:xfrm>
+        <a:prstGeom prst="teardrop">
+          <a:avLst>
+            <a:gd name="adj" fmla="val 100000"/>
+          </a:avLst>
+        </a:prstGeom>
+        <a:solidFill>
+          <a:schemeClr val="accent1">
+            <a:hueOff val="0"/>
+            <a:satOff val="0"/>
+            <a:lumOff val="0"/>
+            <a:alphaOff val="0"/>
+          </a:schemeClr>
+        </a:solidFill>
+        <a:ln w="25400" cap="flat" cmpd="sng" algn="ctr">
+          <a:solidFill>
+            <a:schemeClr val="lt1">
+              <a:hueOff val="0"/>
+              <a:satOff val="0"/>
+              <a:lumOff val="0"/>
+              <a:alphaOff val="0"/>
+            </a:schemeClr>
+          </a:solidFill>
+          <a:prstDash val="solid"/>
+        </a:ln>
+        <a:effectLst/>
+      </dsp:spPr>
+      <dsp:style>
+        <a:lnRef idx="2">
+          <a:scrgbClr r="0" g="0" b="0"/>
+        </a:lnRef>
+        <a:fillRef idx="1">
+          <a:scrgbClr r="0" g="0" b="0"/>
+        </a:fillRef>
+        <a:effectRef idx="0">
+          <a:scrgbClr r="0" g="0" b="0"/>
+        </a:effectRef>
+        <a:fontRef idx="minor">
+          <a:schemeClr val="lt1"/>
+        </a:fontRef>
+      </dsp:style>
+    </dsp:sp>
+    <dsp:sp modelId="{6B217563-C3B1-4B17-BA06-2C764DA3AE94}">
+      <dsp:nvSpPr>
+        <dsp:cNvPr id="0" name=""/>
+        <dsp:cNvSpPr/>
+      </dsp:nvSpPr>
+      <dsp:spPr>
+        <a:xfrm>
+          <a:off x="246623" y="363788"/>
+          <a:ext cx="691266" cy="691208"/>
+        </a:xfrm>
+        <a:prstGeom prst="ellipse">
+          <a:avLst/>
+        </a:prstGeom>
+        <a:solidFill>
+          <a:schemeClr val="lt1">
+            <a:alpha val="90000"/>
+            <a:hueOff val="0"/>
+            <a:satOff val="0"/>
+            <a:lumOff val="0"/>
+            <a:alphaOff val="0"/>
+          </a:schemeClr>
+        </a:solidFill>
+        <a:ln w="25400" cap="flat" cmpd="sng" algn="ctr">
+          <a:solidFill>
+            <a:schemeClr val="accent1">
+              <a:hueOff val="0"/>
+              <a:satOff val="0"/>
+              <a:lumOff val="0"/>
+              <a:alphaOff val="0"/>
+            </a:schemeClr>
+          </a:solidFill>
+          <a:prstDash val="solid"/>
+        </a:ln>
+        <a:effectLst/>
+      </dsp:spPr>
+      <dsp:style>
+        <a:lnRef idx="2">
+          <a:scrgbClr r="0" g="0" b="0"/>
+        </a:lnRef>
+        <a:fillRef idx="1">
+          <a:scrgbClr r="0" g="0" b="0"/>
+        </a:fillRef>
+        <a:effectRef idx="0">
+          <a:scrgbClr r="0" g="0" b="0"/>
+        </a:effectRef>
+        <a:fontRef idx="minor"/>
+      </dsp:style>
+      <dsp:txBody>
+        <a:bodyPr spcFirstLastPara="0" vert="horz" wrap="square" lIns="36830" tIns="36830" rIns="36830" bIns="36830" numCol="1" spcCol="1270" anchor="ctr" anchorCtr="0">
+          <a:noAutofit/>
+        </a:bodyPr>
+        <a:lstStyle/>
+        <a:p>
+          <a:pPr marL="0" lvl="0" indent="0" algn="ctr" defTabSz="1289050">
+            <a:lnSpc>
+              <a:spcPct val="90000"/>
+            </a:lnSpc>
+            <a:spcBef>
+              <a:spcPct val="0"/>
+            </a:spcBef>
+            <a:spcAft>
+              <a:spcPct val="35000"/>
+            </a:spcAft>
+            <a:buNone/>
+          </a:pPr>
+          <a:endParaRPr lang="en-US" sz="2900" kern="1200" dirty="0"/>
+        </a:p>
+      </dsp:txBody>
+      <dsp:txXfrm>
+        <a:off x="345264" y="462550"/>
+        <a:ext cx="493983" cy="493683"/>
+      </dsp:txXfrm>
+    </dsp:sp>
+  </dsp:spTree>
+</dsp:drawing>
+</file>
+
+<file path=ppt/diagrams/layout1.xml><?xml version="1.0" encoding="utf-8"?>
+<dgm:layoutDef xmlns:dgm="http://schemas.openxmlformats.org/drawingml/2006/diagram" xmlns:a="http://schemas.openxmlformats.org/drawingml/2006/main" uniqueId="urn:microsoft.com/office/officeart/2011/layout/CircleProcess">
+  <dgm:title val="Circle Process"/>
+  <dgm:desc val="Use to show sequential steps in a process. Limited to eleven Level 1 shapes with an unlimited number of Level 2 shapes. Works best with small amounts of text. Unused text does not appear, but remains available if you switch layouts."/>
+  <dgm:catLst>
+    <dgm:cat type="process" pri="8500"/>
+    <dgm:cat type="officeonline" pri="8500"/>
+  </dgm:catLst>
+  <dgm:sampData>
+    <dgm:dataModel>
+      <dgm:ptLst>
+        <dgm:pt modelId="0" type="doc"/>
+        <dgm:pt modelId="10">
+          <dgm:prSet phldr="1"/>
+        </dgm:pt>
+        <dgm:pt modelId="20">
+          <dgm:prSet phldr="1"/>
+        </dgm:pt>
+        <dgm:pt modelId="30">
+          <dgm:prSet phldr="1"/>
+        </dgm:pt>
+      </dgm:ptLst>
+      <dgm:cxnLst>
+        <dgm:cxn modelId="40" srcId="0" destId="10" srcOrd="0" destOrd="0"/>
+        <dgm:cxn modelId="50" srcId="0" destId="20" srcOrd="1" destOrd="0"/>
+        <dgm:cxn modelId="60" srcId="0" destId="30" srcOrd="2" destOrd="0"/>
+      </dgm:cxnLst>
+      <dgm:bg/>
+      <dgm:whole/>
+    </dgm:dataModel>
+  </dgm:sampData>
+  <dgm:styleData>
+    <dgm:dataModel>
+      <dgm:ptLst>
+        <dgm:pt modelId="0" type="doc"/>
+        <dgm:pt modelId="10">
+          <dgm:prSet phldr="1"/>
+        </dgm:pt>
+        <dgm:pt modelId="20">
+          <dgm:prSet phldr="1"/>
+        </dgm:pt>
+      </dgm:ptLst>
+      <dgm:cxnLst>
+        <dgm:cxn modelId="30" srcId="0" destId="10" srcOrd="0" destOrd="0"/>
+        <dgm:cxn modelId="40" srcId="0" destId="20" srcOrd="1" destOrd="0"/>
+      </dgm:cxnLst>
+      <dgm:bg/>
+      <dgm:whole/>
+    </dgm:dataModel>
+  </dgm:styleData>
+  <dgm:clrData>
+    <dgm:dataModel>
+      <dgm:ptLst>
+        <dgm:pt modelId="0" type="doc"/>
+        <dgm:pt modelId="10">
+          <dgm:prSet phldr="1"/>
+        </dgm:pt>
+        <dgm:pt modelId="20">
+          <dgm:prSet phldr="1"/>
+        </dgm:pt>
+        <dgm:pt modelId="30">
+          <dgm:prSet phldr="1"/>
+        </dgm:pt>
+        <dgm:pt modelId="40">
+          <dgm:prSet phldr="1"/>
+        </dgm:pt>
+      </dgm:ptLst>
+      <dgm:cxnLst>
+        <dgm:cxn modelId="50" srcId="0" destId="10" srcOrd="0" destOrd="0"/>
+        <dgm:cxn modelId="60" srcId="0" destId="20" srcOrd="1" destOrd="0"/>
+        <dgm:cxn modelId="70" srcId="0" destId="30" srcOrd="2" destOrd="0"/>
+        <dgm:cxn modelId="80" srcId="0" destId="40" srcOrd="3" destOrd="0"/>
+      </dgm:cxnLst>
+      <dgm:bg/>
+      <dgm:whole/>
+    </dgm:dataModel>
+  </dgm:clrData>
+  <dgm:layoutNode name="Name0">
+    <dgm:varLst>
+      <dgm:chMax val="11"/>
+      <dgm:chPref val="11"/>
+      <dgm:dir/>
+      <dgm:resizeHandles/>
+    </dgm:varLst>
+    <dgm:shape xmlns:r="http://schemas.openxmlformats.org/officeDocument/2006/relationships" r:blip="">
+      <dgm:adjLst/>
+    </dgm:shape>
+    <dgm:choose name="Name1">
+      <dgm:if name="Name2" func="var" arg="dir" op="equ" val="norm">
+        <dgm:choose name="Name3">
+          <dgm:if name="Name4" axis="ch" ptType="node" func="cnt" op="equ" val="1">
+            <dgm:alg type="composite">
+              <dgm:param type="ar" val="0.6383"/>
+            </dgm:alg>
+            <dgm:constrLst>
+              <dgm:constr type="primFontSz" for="des" forName="Child1" val="65"/>
+              <dgm:constr type="primFontSz" for="des" forName="Parent1" val="65"/>
+              <dgm:constr type="primFontSz" for="des" forName="Child1" refType="primFontSz" refFor="des" refForName="Parent1" op="lte"/>
+              <dgm:constr type="l" for="ch" forName="Parent1" refType="w" fact="0.1667"/>
+              <dgm:constr type="t" for="ch" forName="Parent1" refType="h" fact="0.1064"/>
+              <dgm:constr type="w" for="ch" forName="Parent1" refType="w" fact="0.6667"/>
+              <dgm:constr type="h" for="ch" forName="Parent1" refType="h" fact="0.4255"/>
+              <dgm:constr type="l" for="ch" forName="Accent1" refType="w" fact="0"/>
+              <dgm:constr type="t" for="ch" forName="Accent1" refType="h" fact="0"/>
+              <dgm:constr type="w" for="ch" forName="Accent1" refType="w"/>
+              <dgm:constr type="h" for="ch" forName="Accent1" refType="h" fact="0.6383"/>
+              <dgm:constr type="l" for="ch" forName="ParentBackground1" refType="w" fact="0.0333"/>
+              <dgm:constr type="t" for="ch" forName="ParentBackground1" refType="h" fact="0.0213"/>
+              <dgm:constr type="w" for="ch" forName="ParentBackground1" refType="w" fact="0.9333"/>
+              <dgm:constr type="h" for="ch" forName="ParentBackground1" refType="h" fact="0.5957"/>
+              <dgm:constr type="l" for="ch" forName="Child1" refType="w" fact="0.0333"/>
+              <dgm:constr type="t" for="ch" forName="Child1" refType="h" fact="0.6574"/>
+              <dgm:constr type="w" for="ch" forName="Child1" refType="w" fact="0.9333"/>
+              <dgm:constr type="h" for="ch" forName="Child1" refType="h" fact="0.3426"/>
+            </dgm:constrLst>
+          </dgm:if>
+          <dgm:if name="Name5" axis="ch" ptType="node" func="cnt" op="equ" val="2">
+            <dgm:alg type="composite">
+              <dgm:param type="ar" val="1.2659"/>
+            </dgm:alg>
+            <dgm:constrLst>
+              <dgm:constr type="primFontSz" for="des" forName="Child1" val="65"/>
+              <dgm:constr type="primFontSz" for="des" forName="Parent1" val="65"/>
+              <dgm:constr type="primFontSz" for="des" forName="Child1" refType="primFontSz" refFor="des" refForName="Parent1" op="lte"/>
+              <dgm:constr type="primFontSz" for="des" forName="Child2" refType="primFontSz" refFor="des" refForName="Parent1" op="lte"/>
+              <dgm:constr type="primFontSz" for="des" forName="Child1" refType="primFontSz" refFor="des" refForName="Parent2" op="lte"/>
+              <dgm:constr type="primFontSz" for="des" forName="Child2" refType="primFontSz" refFor="des" refForName="Parent2" op="lte"/>
+              <dgm:constr type="primFontSz" for="des" forName="Parent2" refType="primFontSz" refFor="des" refForName="Parent1" op="equ"/>
+              <dgm:constr type="primFontSz" for="des" forName="Child2" refType="primFontSz" refFor="des" refForName="Child1" op="equ"/>
+              <dgm:constr type="l" for="ch" forName="Parent2" refType="w" fact="0.6249"/>
+              <dgm:constr type="t" for="ch" forName="Parent2" refType="h" fact="0.2022"/>
+              <dgm:constr type="w" for="ch" forName="Parent2" refType="w" fact="0.3001"/>
+              <dgm:constr type="h" for="ch" forName="Parent2" refType="h" fact="0.3799"/>
+              <dgm:constr type="l" for="ch" forName="Parent1" refType="w" fact="0.1597"/>
+              <dgm:constr type="t" for="ch" forName="Parent1" refType="h" fact="0.2022"/>
+              <dgm:constr type="w" for="ch" forName="Parent1" refType="w" fact="0.3001"/>
+              <dgm:constr type="h" for="ch" forName="Parent1" refType="h" fact="0.3799"/>
+              <dgm:constr type="l" for="ch" forName="Accent2" refType="w" fact="0.5498"/>
+              <dgm:constr type="t" for="ch" forName="Accent2" refType="h" fact="0.1072"/>
+              <dgm:constr type="w" for="ch" forName="Accent2" refType="w" fact="0.4502"/>
+              <dgm:constr type="h" for="ch" forName="Accent2" refType="h" fact="0.5699"/>
+              <dgm:constr type="l" for="ch" forName="ParentBackground2" refType="w" fact="0.5648"/>
+              <dgm:constr type="t" for="ch" forName="ParentBackground2" refType="h" fact="0.1262"/>
+              <dgm:constr type="w" for="ch" forName="ParentBackground2" refType="w" fact="0.4201"/>
+              <dgm:constr type="h" for="ch" forName="ParentBackground2" refType="h" fact="0.5319"/>
+              <dgm:constr type="l" for="ch" forName="Child2" refType="w" fact="0.5648"/>
+              <dgm:constr type="t" for="ch" forName="Child2" refType="h" fact="0.6876"/>
+              <dgm:constr type="w" for="ch" forName="Child2" refType="w" fact="0.4201"/>
+              <dgm:constr type="h" for="ch" forName="Child2" refType="h" fact="0.3124"/>
+              <dgm:constr type="l" for="ch" forName="Accent1" refType="w" fact="-0.0086"/>
+              <dgm:constr type="t" for="ch" forName="Accent1" refType="h" fact="-0.0109"/>
+              <dgm:constr type="w" for="ch" forName="Accent1" refType="w" fact="0.6367"/>
+              <dgm:constr type="h" for="ch" forName="Accent1" refType="h" fact="0.806"/>
+              <dgm:constr type="l" for="ch" forName="ParentBackground1" refType="w" fact="0.0997"/>
+              <dgm:constr type="t" for="ch" forName="ParentBackground1" refType="h" fact="0.1262"/>
+              <dgm:constr type="w" for="ch" forName="ParentBackground1" refType="w" fact="0.4201"/>
+              <dgm:constr type="h" for="ch" forName="ParentBackground1" refType="h" fact="0.5319"/>
+              <dgm:constr type="l" for="ch" forName="Child1" refType="w" fact="0.0997"/>
+              <dgm:constr type="t" for="ch" forName="Child1" refType="h" fact="0.6876"/>
+              <dgm:constr type="w" for="ch" forName="Child1" refType="w" fact="0.4201"/>
+              <dgm:constr type="h" for="ch" forName="Child1" refType="h" fact="0.3124"/>
+            </dgm:constrLst>
+          </dgm:if>
+          <dgm:if name="Name6" axis="ch" ptType="node" func="cnt" op="equ" val="3">
+            <dgm:alg type="composite">
+              <dgm:param type="ar" val="1.8548"/>
+            </dgm:alg>
+            <dgm:constrLst>
+              <dgm:constr type="primFontSz" for="des" forName="Child1" val="65"/>
+              <dgm:constr type="primFontSz" for="des" forName="Parent1" val="65"/>
+              <dgm:constr type="primFontSz" for="des" forName="Child1" refType="primFontSz" refFor="des" refForName="Parent1" op="lte"/>
+              <dgm:constr type="primFontSz" for="des" forName="Child2" refType="primFontSz" refFor="des" refForName="Parent1" op="lte"/>
+              <dgm:constr type="primFontSz" for="des" forName="Child3" refType="primFontSz" refFor="des" refForName="Parent1" op="lte"/>
+              <dgm:constr type="primFontSz" for="des" forName="Child1" refType="primFontSz" refFor="des" refForName="Parent2" op="lte"/>
+              <dgm:constr type="primFontSz" for="des" forName="Child2" refType="primFontSz" refFor="des" refForName="Parent2" op="lte"/>
+              <dgm:constr type="primFontSz" for="des" forName="Child3" refType="primFontSz" refFor="des" refForName="Parent2" op="lte"/>
+              <dgm:constr type="primFontSz" for="des" forName="Child1" refType="primFontSz" refFor="des" refForName="Parent3" op="lte"/>
+              <dgm:constr type="primFontSz" for="des" forName="Child2" refType="primFontSz" refFor="des" refForName="Parent3" op="lte"/>
+              <dgm:constr type="primFontSz" for="des" forName="Child3" refType="primFontSz" refFor="des" refForName="Parent3" op="lte"/>
+              <dgm:constr type="primFontSz" for="des" forName="Parent2" refType="primFontSz" refFor="des" refForName="Parent1" op="equ"/>
+              <dgm:constr type="primFontSz" for="des" forName="Parent3" refType="primFontSz" refFor="des" refForName="Parent1" op="equ"/>
+              <dgm:constr type="primFontSz" for="des" forName="Child2" refType="primFontSz" refFor="des" refForName="Child1" op="equ"/>
+              <dgm:constr type="primFontSz" for="des" forName="Child3" refType="primFontSz" refFor="des" refForName="Child1" op="equ"/>
+              <dgm:constr type="l" for="ch" forName="Parent3" refType="w" fact="0.744"/>
+              <dgm:constr type="t" for="ch" forName="Parent3" refType="h" fact="0.2022"/>
+              <dgm:constr type="w" for="ch" forName="Parent3" refType="w" fact="0.2048"/>
+              <dgm:constr type="h" for="ch" forName="Parent3" refType="h" fact="0.3799"/>
+              <dgm:constr type="l" for="ch" forName="Parent2" refType="w" fact="0.4265"/>
+              <dgm:constr type="t" for="ch" forName="Parent2" refType="h" fact="0.2022"/>
+              <dgm:constr type="w" for="ch" forName="Parent2" refType="w" fact="0.2048"/>
+              <dgm:constr type="h" for="ch" forName="Parent2" refType="h" fact="0.3799"/>
+              <dgm:constr type="l" for="ch" forName="Parent1" refType="w" fact="0.109"/>
+              <dgm:constr type="t" for="ch" forName="Parent1" refType="h" fact="0.2022"/>
+              <dgm:constr type="w" for="ch" forName="Parent1" refType="w" fact="0.2048"/>
+              <dgm:constr type="h" for="ch" forName="Parent1" refType="h" fact="0.3799"/>
+              <dgm:constr type="l" for="ch" forName="Accent3" refType="w" fact="0.6928"/>
+              <dgm:constr type="t" for="ch" forName="Accent3" refType="h" fact="0.1072"/>
+              <dgm:constr type="w" for="ch" forName="Accent3" refType="w" fact="0.3072"/>
+              <dgm:constr type="h" for="ch" forName="Accent3" refType="h" fact="0.5699"/>
+              <dgm:constr type="l" for="ch" forName="ParentBackground3" refType="w" fact="0.703"/>
+              <dgm:constr type="t" for="ch" forName="ParentBackground3" refType="h" fact="0.1262"/>
+              <dgm:constr type="w" for="ch" forName="ParentBackground3" refType="w" fact="0.2868"/>
+              <dgm:constr type="h" for="ch" forName="ParentBackground3" refType="h" fact="0.5319"/>
+              <dgm:constr type="l" for="ch" forName="Child3" refType="w" fact="0.703"/>
+              <dgm:constr type="t" for="ch" forName="Child3" refType="h" fact="0.6876"/>
+              <dgm:constr type="w" for="ch" forName="Child3" refType="w" fact="0.2868"/>
+              <dgm:constr type="h" for="ch" forName="Child3" refType="h" fact="0.3124"/>
+              <dgm:constr type="l" for="ch" forName="Accent2" refType="w" fact="0.3122"/>
+              <dgm:constr type="t" for="ch" forName="Accent2" refType="h" fact="-0.0109"/>
+              <dgm:constr type="w" for="ch" forName="Accent2" refType="w" fact="0.4334"/>
+              <dgm:constr type="h" for="ch" forName="Accent2" refType="h" fact="0.806"/>
+              <dgm:constr type="l" for="ch" forName="ParentBackground2" refType="w" fact="0.3855"/>
+              <dgm:constr type="t" for="ch" forName="ParentBackground2" refType="h" fact="0.1262"/>
+              <dgm:constr type="w" for="ch" forName="ParentBackground2" refType="w" fact="0.2868"/>
+              <dgm:constr type="h" for="ch" forName="ParentBackground2" refType="h" fact="0.5319"/>
+              <dgm:constr type="l" for="ch" forName="Child2" refType="w" fact="0.3855"/>
+              <dgm:constr type="t" for="ch" forName="Child2" refType="h" fact="0.6876"/>
+              <dgm:constr type="w" for="ch" forName="Child2" refType="w" fact="0.2868"/>
+              <dgm:constr type="h" for="ch" forName="Child2" refType="h" fact="0.3124"/>
+              <dgm:constr type="l" for="ch" forName="Accent1" refType="w" fact="-0.0053"/>
+              <dgm:constr type="t" for="ch" forName="Accent1" refType="h" fact="-0.0109"/>
+              <dgm:constr type="w" for="ch" forName="Accent1" refType="w" fact="0.4334"/>
+              <dgm:constr type="h" for="ch" forName="Accent1" refType="h" fact="0.806"/>
+              <dgm:constr type="l" for="ch" forName="ParentBackground1" refType="w" fact="0.068"/>
+              <dgm:constr type="t" for="ch" forName="ParentBackground1" refType="h" fact="0.1262"/>
+              <dgm:constr type="w" for="ch" forName="ParentBackground1" refType="w" fact="0.2868"/>
+              <dgm:constr type="h" for="ch" forName="ParentBackground1" refType="h" fact="0.5319"/>
+              <dgm:constr type="l" for="ch" forName="Child1" refType="w" fact="0.068"/>
+              <dgm:constr type="t" for="ch" forName="Child1" refType="h" fact="0.6876"/>
+              <dgm:constr type="w" for="ch" forName="Child1" refType="w" fact="0.2868"/>
+              <dgm:constr type="h" for="ch" forName="Child1" refType="h" fact="0.3124"/>
+            </dgm:constrLst>
+          </dgm:if>
+          <dgm:if name="Name7" axis="ch" ptType="node" func="cnt" op="equ" val="4">
+            <dgm:alg type="composite">
+              <dgm:param type="ar" val="2.4437"/>
+            </dgm:alg>
+            <dgm:constrLst>
+              <dgm:constr type="primFontSz" for="des" forName="Child1" val="65"/>
+              <dgm:constr type="primFontSz" for="des" forName="Parent1" val="65"/>
+              <dgm:constr type="primFontSz" for="des" forName="Child1" refType="primFontSz" refFor="des" refForName="Parent1" op="lte"/>
+              <dgm:constr type="primFontSz" for="des" forName="Child2" refType="primFontSz" refFor="des" refForName="Parent1" op="lte"/>
+              <dgm:constr type="primFontSz" for="des" forName="Child3" refType="primFontSz" refFor="des" refForName="Parent1" op="lte"/>
+              <dgm:constr type="primFontSz" for="des" forName="Child4" refType="primFontSz" refFor="des" refForName="Parent1" op="lte"/>
+              <dgm:constr type="primFontSz" for="des" forName="Child1" refType="primFontSz" refFor="des" refForName="Parent2" op="lte"/>
+              <dgm:constr type="primFontSz" for="des" forName="Child2" refType="primFontSz" refFor="des" refForName="Parent2" op="lte"/>
+              <dgm:constr type="primFontSz" for="des" forName="Child3" refType="primFontSz" refFor="des" refForName="Parent2" op="lte"/>
+              <dgm:constr type="primFontSz" for="des" forName="Child4" refType="primFontSz" refFor="des" refForName="Parent2" op="lte"/>
+              <dgm:constr type="primFontSz" for="des" forName="Child1" refType="primFontSz" refFor="des" refForName="Parent3" op="lte"/>
+              <dgm:constr type="primFontSz" for="des" forName="Child2" refType="primFontSz" refFor="des" refForName="Parent3" op="lte"/>
+              <dgm:constr type="primFontSz" for="des" forName="Child3" refType="primFontSz" refFor="des" refForName="Parent3" op="lte"/>
+              <dgm:constr type="primFontSz" for="des" forName="Child4" refType="primFontSz" refFor="des" refForName="Parent3" op="lte"/>
+              <dgm:constr type="primFontSz" for="des" forName="Child1" refType="primFontSz" refFor="des" refForName="Parent4" op="lte"/>
+              <dgm:constr type="primFontSz" for="des" forName="Child2" refType="primFontSz" refFor="des" refForName="Parent4" op="lte"/>
+              <dgm:constr type="primFontSz" for="des" forName="Child3" refType="primFontSz" refFor="des" refForName="Parent4" op="lte"/>
+              <dgm:constr type="primFontSz" for="des" forName="Child4" refType="primFontSz" refFor="des" refForName="Parent4" op="lte"/>
+              <dgm:constr type="primFontSz" for="des" forName="Parent2" refType="primFontSz" refFor="des" refForName="Parent1" op="equ"/>
+              <dgm:constr type="primFontSz" for="des" forName="Parent3" refType="primFontSz" refFor="des" refForName="Parent1" op="equ"/>
+              <dgm:constr type="primFontSz" for="des" forName="Parent4" refType="primFontSz" refFor="des" refForName="Parent1" op="equ"/>
+              <dgm:constr type="primFontSz" for="des" forName="Child2" refType="primFontSz" refFor="des" refForName="Child1" op="equ"/>
+              <dgm:constr type="primFontSz" for="des" forName="Child3" refType="primFontSz" refFor="des" refForName="Child1" op="equ"/>
+              <dgm:constr type="primFontSz" for="des" forName="Child4" refType="primFontSz" refFor="des" refForName="Child1" op="equ"/>
+              <dgm:constr type="l" for="ch" forName="Parent4" refType="w" fact="0.8057"/>
+              <dgm:constr type="t" for="ch" forName="Parent4" refType="h" fact="0.2022"/>
+              <dgm:constr type="w" for="ch" forName="Parent4" refType="w" fact="0.1555"/>
+              <dgm:constr type="h" for="ch" forName="Parent4" refType="h" fact="0.3799"/>
+              <dgm:constr type="l" for="ch" forName="Parent3" refType="w" fact="0.5647"/>
+              <dgm:constr type="t" for="ch" forName="Parent3" refType="h" fact="0.2022"/>
+              <dgm:constr type="w" for="ch" forName="Parent3" refType="w" fact="0.1555"/>
+              <dgm:constr type="h" for="ch" forName="Parent3" refType="h" fact="0.3799"/>
+              <dgm:constr type="l" for="ch" forName="Parent2" refType="w" fact="0.3237"/>
+              <dgm:constr type="t" for="ch" forName="Parent2" refType="h" fact="0.2022"/>
+              <dgm:constr type="w" for="ch" forName="Parent2" refType="w" fact="0.1555"/>
+              <dgm:constr type="h" for="ch" forName="Parent2" refType="h" fact="0.3799"/>
+              <dgm:constr type="l" for="ch" forName="Parent1" refType="w" fact="0.0827"/>
+              <dgm:constr type="t" for="ch" forName="Parent1" refType="h" fact="0.2022"/>
+              <dgm:constr type="w" for="ch" forName="Parent1" refType="w" fact="0.1555"/>
+              <dgm:constr type="h" for="ch" forName="Parent1" refType="h" fact="0.3799"/>
+              <dgm:constr type="l" for="ch" forName="Accent4" refType="w" fact="0.7668"/>
+              <dgm:constr type="t" for="ch" forName="Accent4" refType="h" fact="0.1072"/>
+              <dgm:constr type="w" for="ch" forName="Accent4" refType="w" fact="0.2332"/>
+              <dgm:constr type="h" for="ch" forName="Accent4" refType="h" fact="0.5699"/>
+              <dgm:constr type="l" for="ch" forName="ParentBackground4" refType="w" fact="0.7746"/>
+              <dgm:constr type="t" for="ch" forName="ParentBackground4" refType="h" fact="0.1262"/>
+              <dgm:constr type="w" for="ch" forName="ParentBackground4" refType="w" fact="0.2177"/>
+              <dgm:constr type="h" for="ch" forName="ParentBackground4" refType="h" fact="0.5319"/>
+              <dgm:constr type="l" for="ch" forName="Child4" refType="w" fact="0.7746"/>
+              <dgm:constr type="t" for="ch" forName="Child4" refType="h" fact="0.6876"/>
+              <dgm:constr type="w" for="ch" forName="Child4" refType="w" fact="0.2177"/>
+              <dgm:constr type="h" for="ch" forName="Child4" refType="h" fact="0.3124"/>
+              <dgm:constr type="l" for="ch" forName="Accent3" refType="w" fact="0.4765"/>
+              <dgm:constr type="t" for="ch" forName="Accent3" refType="h" fact="-0.0109"/>
+              <dgm:constr type="w" for="ch" forName="Accent3" refType="w" fact="0.3298"/>
+              <dgm:constr type="h" for="ch" forName="Accent3" refType="h" fact="0.806"/>
+              <dgm:constr type="l" for="ch" forName="ParentBackground3" refType="w" fact="0.5336"/>
+              <dgm:constr type="t" for="ch" forName="ParentBackground3" refType="h" fact="0.1262"/>
+              <dgm:constr type="w" for="ch" forName="ParentBackground3" refType="w" fact="0.2177"/>
+              <dgm:constr type="h" for="ch" forName="ParentBackground3" refType="h" fact="0.5319"/>
+              <dgm:constr type="l" for="ch" forName="Child3" refType="w" fact="0.5336"/>
+              <dgm:constr type="t" for="ch" forName="Child3" refType="h" fact="0.6876"/>
+              <dgm:constr type="w" for="ch" forName="Child3" refType="w" fact="0.2177"/>
+              <dgm:constr type="h" for="ch" forName="Child3" refType="h" fact="0.3124"/>
+              <dgm:constr type="l" for="ch" forName="Accent2" refType="w" fact="0.2365"/>
+              <dgm:constr type="t" for="ch" forName="Accent2" refType="h" fact="-0.0109"/>
+              <dgm:constr type="w" for="ch" forName="Accent2" refType="w" fact="0.3298"/>
+              <dgm:constr type="h" for="ch" forName="Accent2" refType="h" fact="0.806"/>
+              <dgm:constr type="l" for="ch" forName="ParentBackground2" refType="w" fact="0.2926"/>
+              <dgm:constr type="t" for="ch" forName="ParentBackground2" refType="h" fact="0.1262"/>
+              <dgm:constr type="w" for="ch" forName="ParentBackground2" refType="w" fact="0.2177"/>
+              <dgm:constr type="h" for="ch" forName="ParentBackground2" refType="h" fact="0.5319"/>
+              <dgm:constr type="l" for="ch" forName="Child2" refType="w" fact="0.2926"/>
+              <dgm:constr type="t" for="ch" forName="Child2" refType="h" fact="0.6876"/>
+              <dgm:constr type="w" for="ch" forName="Child2" refType="w" fact="0.2177"/>
+              <dgm:constr type="h" for="ch" forName="Child2" refType="h" fact="0.3124"/>
+              <dgm:constr type="l" for="ch" forName="Accent1" refType="w" fact="-0.0045"/>
+              <dgm:constr type="t" for="ch" forName="Accent1" refType="h" fact="-0.0109"/>
+              <dgm:constr type="w" for="ch" forName="Accent1" refType="w" fact="0.3298"/>
+              <dgm:constr type="h" for="ch" forName="Accent1" refType="h" fact="0.806"/>
+              <dgm:constr type="l" for="ch" forName="ParentBackground1" refType="w" fact="0.0516"/>
+              <dgm:constr type="t" for="ch" forName="ParentBackground1" refType="h" fact="0.1262"/>
+              <dgm:constr type="w" for="ch" forName="ParentBackground1" refType="w" fact="0.2177"/>
+              <dgm:constr type="h" for="ch" forName="ParentBackground1" refType="h" fact="0.5319"/>
+              <dgm:constr type="l" for="ch" forName="Child1" refType="w" fact="0.0516"/>
+              <dgm:constr type="t" for="ch" forName="Child1" refType="h" fact="0.6876"/>
+              <dgm:constr type="w" for="ch" forName="Child1" refType="w" fact="0.2177"/>
+              <dgm:constr type="h" for="ch" forName="Child1" refType="h" fact="0.3124"/>
+            </dgm:constrLst>
+          </dgm:if>
+          <dgm:if name="Name8" axis="ch" ptType="node" func="cnt" op="equ" val="5">
+            <dgm:alg type="composite">
+              <dgm:param type="ar" val="3.0325"/>
+            </dgm:alg>
+            <dgm:constrLst>
+              <dgm:constr type="primFontSz" for="des" forName="Child1" val="65"/>
+              <dgm:constr type="primFontSz" for="des" forName="Parent1" val="65"/>
+              <dgm:constr type="primFontSz" for="des" forName="Child1" refType="primFontSz" refFor="des" refForName="Parent1" op="lte"/>
+              <dgm:constr type="primFontSz" for="des" forName="Child2" refType="primFontSz" refFor="des" refForName="Parent1" op="lte"/>
+              <dgm:constr type="primFontSz" for="des" forName="Child3" refType="primFontSz" refFor="des" refForName="Parent1" op="lte"/>
+              <dgm:constr type="primFontSz" for="des" forName="Child4" refType="primFontSz" refFor="des" refForName="Parent1" op="lte"/>
+              <dgm:constr type="primFontSz" for="des" forName="Child5" refType="primFontSz" refFor="des" refForName="Parent1" op="lte"/>
+              <dgm:constr type="primFontSz" for="des" forName="Child1" refType="primFontSz" refFor="des" refForName="Parent2" op="lte"/>
+              <dgm:constr type="primFontSz" for="des" forName="Child2" refType="primFontSz" refFor="des" refForName="Parent2" op="lte"/>
+              <dgm:constr type="primFontSz" for="des" forName="Child3" refType="primFontSz" refFor="des" refForName="Parent2" op="lte"/>
+              <dgm:constr type="primFontSz" for="des" forName="Child4" refType="primFontSz" refFor="des" refForName="Parent2" op="lte"/>
+              <dgm:constr type="primFontSz" for="des" forName="Child5" refType="primFontSz" refFor="des" refForName="Parent2" op="lte"/>
+              <dgm:constr type="primFontSz" for="des" forName="Child1" refType="primFontSz" refFor="des" refForName="Parent3" op="lte"/>
+              <dgm:constr type="primFontSz" for="des" forName="Child2" refType="primFontSz" refFor="des" refForName="Parent3" op="lte"/>
+              <dgm:constr type="primFontSz" for="des" forName="Child3" refType="primFontSz" refFor="des" refForName="Parent3" op="lte"/>
+              <dgm:constr type="primFontSz" for="des" forName="Child4" refType="primFontSz" refFor="des" refForName="Parent3" op="lte"/>
+              <dgm:constr type="primFontSz" for="des" forName="Child5" refType="primFontSz" refFor="des" refForName="Parent3" op="lte"/>
+              <dgm:constr type="primFontSz" for="des" forName="Child1" refType="primFontSz" refFor="des" refForName="Parent4" op="lte"/>
+              <dgm:constr type="primFontSz" for="des" forName="Child2" refType="primFontSz" refFor="des" refForName="Parent4" op="lte"/>
+              <dgm:constr type="primFontSz" for="des" forName="Child3" refType="primFontSz" refFor="des" refForName="Parent4" op="lte"/>
+              <dgm:constr type="primFontSz" for="des" forName="Child4" refType="primFontSz" refFor="des" refForName="Parent4" op="lte"/>
+              <dgm:constr type="primFontSz" for="des" forName="Child5" refType="primFontSz" refFor="des" refForName="Parent4" op="lte"/>
+              <dgm:constr type="primFontSz" for="des" forName="Child1" refType="primFontSz" refFor="des" refForName="Parent5" op="lte"/>
+              <dgm:constr type="primFontSz" for="des" forName="Child2" refType="primFontSz" refFor="des" refForName="Parent5" op="lte"/>
+              <dgm:constr type="primFontSz" for="des" forName="Child3" refType="primFontSz" refFor="des" refForName="Parent5" op="lte"/>
+              <dgm:constr type="primFontSz" for="des" forName="Child4" refType="primFontSz" refFor="des" refForName="Parent5" op="lte"/>
+              <dgm:constr type="primFontSz" for="des" forName="Child5" refType="primFontSz" refFor="des" refForName="Parent5" op="lte"/>
+              <dgm:constr type="primFontSz" for="des" forName="Parent2" refType="primFontSz" refFor="des" refForName="Parent1" op="equ"/>
+              <dgm:constr type="primFontSz" for="des" forName="Parent3" refType="primFontSz" refFor="des" refForName="Parent1" op="equ"/>
+              <dgm:constr type="primFontSz" for="des" forName="Parent4" refType="primFontSz" refFor="des" refForName="Parent1" op="equ"/>
+              <dgm:constr type="primFontSz" for="des" forName="Parent5" refType="primFontSz" refFor="des" refForName="Parent1" op="equ"/>
+              <dgm:constr type="primFontSz" for="des" forName="Child2" refType="primFontSz" refFor="des" refForName="Child1" op="equ"/>
+              <dgm:constr type="primFontSz" for="des" forName="Child3" refType="primFontSz" refFor="des" refForName="Child1" op="equ"/>
+              <dgm:constr type="primFontSz" for="des" forName="Child4" refType="primFontSz" refFor="des" refForName="Child1" op="equ"/>
+              <dgm:constr type="primFontSz" for="des" forName="Child5" refType="primFontSz" refFor="des" refForName="Child1" op="equ"/>
+              <dgm:constr type="l" for="ch" forName="Parent5" refType="w" fact="0.8434"/>
+              <dgm:constr type="t" for="ch" forName="Parent5" refType="h" fact="0.2022"/>
+              <dgm:constr type="w" for="ch" forName="Parent5" refType="w" fact="0.1253"/>
+              <dgm:constr type="h" for="ch" forName="Parent5" refType="h" fact="0.3799"/>
+              <dgm:constr type="l" for="ch" forName="Parent4" refType="w" fact="0.6492"/>
+              <dgm:constr type="t" for="ch" forName="Parent4" refType="h" fact="0.2022"/>
+              <dgm:constr type="w" for="ch" forName="Parent4" refType="w" fact="0.1253"/>
+              <dgm:constr type="h" for="ch" forName="Parent4" refType="h" fact="0.3799"/>
+              <dgm:constr type="l" for="ch" forName="Parent3" refType="w" fact="0.455"/>
+              <dgm:constr type="t" for="ch" forName="Parent3" refType="h" fact="0.2022"/>
+              <dgm:constr type="w" for="ch" forName="Parent3" refType="w" fact="0.1253"/>
+              <dgm:constr type="h" for="ch" forName="Parent3" refType="h" fact="0.3799"/>
+              <dgm:constr type="l" for="ch" forName="Parent2" refType="w" fact="0.2609"/>
+              <dgm:constr type="t" for="ch" forName="Parent2" refType="h" fact="0.2022"/>
+              <dgm:constr type="w" for="ch" forName="Parent2" refType="w" fact="0.1253"/>
+              <dgm:constr type="h" for="ch" forName="Parent2" refType="h" fact="0.3799"/>
+              <dgm:constr type="l" for="ch" forName="Parent1" refType="w" fact="0.0667"/>
+              <dgm:constr type="t" for="ch" forName="Parent1" refType="h" fact="0.2022"/>
+              <dgm:constr type="w" for="ch" forName="Parent1" refType="w" fact="0.1253"/>
+              <dgm:constr type="h" for="ch" forName="Parent1" refType="h" fact="0.3799"/>
+              <dgm:constr type="l" for="ch" forName="Accent5" refType="w" fact="0.8121"/>
+              <dgm:constr type="t" for="ch" forName="Accent5" refType="h" fact="0.1072"/>
+              <dgm:constr type="w" for="ch" forName="Accent5" refType="w" fact="0.1879"/>
+              <dgm:constr type="h" for="ch" forName="Accent5" refType="h" fact="0.5699"/>
+              <dgm:constr type="l" for="ch" forName="ParentBackground5" refType="w" fact="0.8183"/>
+              <dgm:constr type="t" for="ch" forName="ParentBackground5" refType="h" fact="0.1262"/>
+              <dgm:constr type="w" for="ch" forName="ParentBackground5" refType="w" fact="0.1754"/>
+              <dgm:constr type="h" for="ch" forName="ParentBackground5" refType="h" fact="0.5319"/>
+              <dgm:constr type="l" for="ch" forName="Child5" refType="w" fact="0.8183"/>
+              <dgm:constr type="t" for="ch" forName="Child5" refType="h" fact="0.6876"/>
+              <dgm:constr type="w" for="ch" forName="Child5" refType="w" fact="0.1754"/>
+              <dgm:constr type="h" for="ch" forName="Child5" refType="h" fact="0.3124"/>
+              <dgm:constr type="l" for="ch" forName="Accent4" refType="w" fact="0.5789"/>
+              <dgm:constr type="t" for="ch" forName="Accent4" refType="h" fact="-0.0109"/>
+              <dgm:constr type="w" for="ch" forName="Accent4" refType="w" fact="0.2657"/>
+              <dgm:constr type="h" for="ch" forName="Accent4" refType="h" fact="0.806"/>
+              <dgm:constr type="l" for="ch" forName="ParentBackground4" refType="w" fact="0.6242"/>
+              <dgm:constr type="t" for="ch" forName="ParentBackground4" refType="h" fact="0.1262"/>
+              <dgm:constr type="w" for="ch" forName="ParentBackground4" refType="w" fact="0.1754"/>
+              <dgm:constr type="h" for="ch" forName="ParentBackground4" refType="h" fact="0.5319"/>
+              <dgm:constr type="l" for="ch" forName="Child4" refType="w" fact="0.6242"/>
+              <dgm:constr type="t" for="ch" forName="Child4" refType="h" fact="0.6876"/>
+              <dgm:constr type="w" for="ch" forName="Child4" refType="w" fact="0.1754"/>
+              <dgm:constr type="h" for="ch" forName="Child4" refType="h" fact="0.3124"/>
+              <dgm:constr type="l" for="ch" forName="Accent3" refType="w" fact="0.3848"/>
+              <dgm:constr type="t" for="ch" forName="Accent3" refType="h" fact="-0.0109"/>
+              <dgm:constr type="w" for="ch" forName="Accent3" refType="w" fact="0.2657"/>
+              <dgm:constr type="h" for="ch" forName="Accent3" refType="h" fact="0.806"/>
+              <dgm:constr type="l" for="ch" forName="ParentBackground3" refType="w" fact="0.43"/>
+              <dgm:constr type="t" for="ch" forName="ParentBackground3" refType="h" fact="0.1262"/>
+              <dgm:constr type="w" for="ch" forName="ParentBackground3" refType="w" fact="0.1754"/>
+              <dgm:constr type="h" for="ch" forName="ParentBackground3" refType="h" fact="0.5319"/>
+              <dgm:constr type="l" for="ch" forName="Child3" refType="w" fact="0.43"/>
+              <dgm:constr type="t" for="ch" forName="Child3" refType="h" fact="0.6876"/>
+              <dgm:constr type="w" for="ch" forName="Child3" refType="w" fact="0.1754"/>
+              <dgm:constr type="h" for="ch" forName="Child3" refType="h" fact="0.3124"/>
+              <dgm:constr type="l" for="ch" forName="Accent2" refType="w" fact="0.1906"/>
+              <dgm:constr type="t" for="ch" forName="Accent2" refType="h" fact="-0.0109"/>
+              <dgm:constr type="w" for="ch" forName="Accent2" refType="w" fact="0.2657"/>
+              <dgm:constr type="h" for="ch" forName="Accent2" refType="h" fact="0.806"/>
+              <dgm:constr type="l" for="ch" forName="ParentBackground2" refType="w" fact="0.2358"/>
+              <dgm:constr type="t" for="ch" forName="ParentBackground2" refType="h" fact="0.1262"/>
+              <dgm:constr type="w" for="ch" forName="ParentBackground2" refType="w" fact="0.1754"/>
+              <dgm:constr type="h" for="ch" forName="ParentBackground2" refType="h" fact="0.5319"/>
+              <dgm:constr type="l" for="ch" forName="Child2" refType="w" fact="0.2358"/>
+              <dgm:constr type="t" for="ch" forName="Child2" refType="h" fact="0.6876"/>
+              <dgm:constr type="w" for="ch" forName="Child2" refType="w" fact="0.1754"/>
+              <dgm:constr type="h" for="ch" forName="Child2" refType="h" fact="0.3124"/>
+              <dgm:constr type="l" for="ch" forName="Accent1" refType="w" fact="-0.0036"/>
+              <dgm:constr type="t" for="ch" forName="Accent1" refType="h" fact="-0.0109"/>
+              <dgm:constr type="w" for="ch" forName="Accent1" refType="w" fact="0.2657"/>
+              <dgm:constr type="h" for="ch" forName="Accent1" refType="h" fact="0.806"/>
+              <dgm:constr type="l" for="ch" forName="ParentBackground1" refType="w" fact="0.0416"/>
+              <dgm:constr type="t" for="ch" forName="ParentBackground1" refType="h" fact="0.1262"/>
+              <dgm:constr type="w" for="ch" forName="ParentBackground1" refType="w" fact="0.1754"/>
+              <dgm:constr type="h" for="ch" forName="ParentBackground1" refType="h" fact="0.5319"/>
+              <dgm:constr type="l" for="ch" forName="Child1" refType="w" fact="0.0416"/>
+              <dgm:constr type="t" for="ch" forName="Child1" refType="h" fact="0.6876"/>
+              <dgm:constr type="w" for="ch" forName="Child1" refType="w" fact="0.1754"/>
+              <dgm:constr type="h" for="ch" forName="Child1" refType="h" fact="0.3124"/>
+            </dgm:constrLst>
+          </dgm:if>
+          <dgm:if name="Name9" axis="ch" ptType="node" func="cnt" op="equ" val="6">
+            <dgm:alg type="composite">
+              <dgm:param type="ar" val="3.6214"/>
+            </dgm:alg>
+            <dgm:constrLst>
+              <dgm:constr type="primFontSz" for="des" forName="Child1" val="65"/>
+              <dgm:constr type="primFontSz" for="des" forName="Parent1" val="65"/>
+              <dgm:constr type="primFontSz" for="des" forName="Child1" refType="primFontSz" refFor="des" refForName="Parent1" op="lte"/>
+              <dgm:constr type="primFontSz" for="des" forName="Child2" refType="primFontSz" refFor="des" refForName="Parent1" op="lte"/>
+              <dgm:constr type="primFontSz" for="des" forName="Child3" refType="primFontSz" refFor="des" refForName="Parent1" op="lte"/>
+              <dgm:constr type="primFontSz" for="des" forName="Child4" refType="primFontSz" refFor="des" refForName="Parent1" op="lte"/>
+              <dgm:constr type="primFontSz" for="des" forName="Child5" refType="primFontSz" refFor="des" refForName="Parent1" op="lte"/>
+              <dgm:constr type="primFontSz" for="des" forName="Child6" refType="primFontSz" refFor="des" refForName="Parent1" op="lte"/>
+              <dgm:constr type="primFontSz" for="des" forName="Child1" refType="primFontSz" refFor="des" refForName="Parent2" op="lte"/>
+              <dgm:constr type="primFontSz" for="des" forName="Child2" refType="primFontSz" refFor="des" refForName="Parent2" op="lte"/>
+              <dgm:constr type="primFontSz" for="des" forName="Child3" refType="primFontSz" refFor="des" refForName="Parent2" op="lte"/>
+              <dgm:constr type="primFontSz" for="des" forName="Child4" refType="primFontSz" refFor="des" refForName="Parent2" op="lte"/>
+              <dgm:constr type="primFontSz" for="des" forName="Child5" refType="primFontSz" refFor="des" refForName="Parent2" op="lte"/>
+              <dgm:constr type="primFontSz" for="des" forName="Child6" refType="primFontSz" refFor="des" refForName="Parent2" op="lte"/>
+              <dgm:constr type="primFontSz" for="des" forName="Child1" refType="primFontSz" refFor="des" refForName="Parent3" op="lte"/>
+              <dgm:constr type="primFontSz" for="des" forName="Child2" refType="primFontSz" refFor="des" refForName="Parent3" op="lte"/>
+              <dgm:constr type="primFontSz" for="des" forName="Child3" refType="primFontSz" refFor="des" refForName="Parent3" op="lte"/>
+              <dgm:constr type="primFontSz" for="des" forName="Child4" refType="primFontSz" refFor="des" refForName="Parent3" op="lte"/>
+              <dgm:constr type="primFontSz" for="des" forName="Child5" refType="primFontSz" refFor="des" refForName="Parent3" op="lte"/>
+              <dgm:constr type="primFontSz" for="des" forName="Child6" refType="primFontSz" refFor="des" refForName="Parent3" op="lte"/>
+              <dgm:constr type="primFontSz" for="des" forName="Child1" refType="primFontSz" refFor="des" refForName="Parent4" op="lte"/>
+              <dgm:constr type="primFontSz" for="des" forName="Child2" refType="primFontSz" refFor="des" refForName="Parent4" op="lte"/>
+              <dgm:constr type="primFontSz" for="des" forName="Child3" refType="primFontSz" refFor="des" refForName="Parent4" op="lte"/>
+              <dgm:constr type="primFontSz" for="des" forName="Child4" refType="primFontSz" refFor="des" refForName="Parent4" op="lte"/>
+              <dgm:constr type="primFontSz" for="des" forName="Child5" refType="primFontSz" refFor="des" refForName="Parent4" op="lte"/>
+              <dgm:constr type="primFontSz" for="des" forName="Child6" refType="primFontSz" refFor="des" refForName="Parent4" op="lte"/>
+              <dgm:constr type="primFontSz" for="des" forName="Child1" refType="primFontSz" refFor="des" refForName="Parent5" op="lte"/>
+              <dgm:constr type="primFontSz" for="des" forName="Child2" refType="primFontSz" refFor="des" refForName="Parent5" op="lte"/>
+              <dgm:constr type="primFontSz" for="des" forName="Child3" refType="primFontSz" refFor="des" refForName="Parent5" op="lte"/>
+              <dgm:constr type="primFontSz" for="des" forName="Child4" refType="primFontSz" refFor="des" refForName="Parent5" op="lte"/>
+              <dgm:constr type="primFontSz" for="des" forName="Child5" refType="primFontSz" refFor="des" refForName="Parent5" op="lte"/>
+              <dgm:constr type="primFontSz" for="des" forName="Child6" refType="primFontSz" refFor="des" refForName="Parent5" op="lte"/>
+              <dgm:constr type="primFontSz" for="des" forName="Child1" refType="primFontSz" refFor="des" refForName="Parent6" op="lte"/>
+              <dgm:constr type="primFontSz" for="des" forName="Child2" refType="primFontSz" refFor="des" refForName="Parent6" op="lte"/>
+              <dgm:constr type="primFontSz" for="des" forName="Child3" refType="primFontSz" refFor="des" refForName="Parent6" op="lte"/>
+              <dgm:constr type="primFontSz" for="des" forName="Child4" refType="primFontSz" refFor="des" refForName="Parent6" op="lte"/>
+              <dgm:constr type="primFontSz" for="des" forName="Child5" refType="primFontSz" refFor="des" refForName="Parent6" op="lte"/>
+              <dgm:constr type="primFontSz" for="des" forName="Child6" refType="primFontSz" refFor="des" refForName="Parent6" op="lte"/>
+              <dgm:constr type="primFontSz" for="des" forName="Parent2" refType="primFontSz" refFor="des" refForName="Parent1" op="equ"/>
+              <dgm:constr type="primFontSz" for="des" forName="Parent3" refType="primFontSz" refFor="des" refForName="Parent1" op="equ"/>
+              <dgm:constr type="primFontSz" for="des" forName="Parent4" refType="primFontSz" refFor="des" refForName="Parent1" op="equ"/>
+              <dgm:constr type="primFontSz" for="des" forName="Parent5" refType="primFontSz" refFor="des" refForName="Parent1" op="equ"/>
+              <dgm:constr type="primFontSz" for="des" forName="Parent6" refType="primFontSz" refFor="des" refForName="Parent1" op="equ"/>
+              <dgm:constr type="primFontSz" for="des" forName="Child2" refType="primFontSz" refFor="des" refForName="Child1" op="equ"/>
+              <dgm:constr type="primFontSz" for="des" forName="Child3" refType="primFontSz" refFor="des" refForName="Child1" op="equ"/>
+              <dgm:constr type="primFontSz" for="des" forName="Child4" refType="primFontSz" refFor="des" refForName="Child1" op="equ"/>
+              <dgm:constr type="primFontSz" for="des" forName="Child5" refType="primFontSz" refFor="des" refForName="Child1" op="equ"/>
+              <dgm:constr type="primFontSz" for="des" forName="Child6" refType="primFontSz" refFor="des" refForName="Child1" op="equ"/>
+              <dgm:constr type="l" for="ch" forName="Parent6" refType="w" fact="0.8689"/>
+              <dgm:constr type="t" for="ch" forName="Parent6" refType="h" fact="0.2022"/>
+              <dgm:constr type="w" for="ch" forName="Parent6" refType="w" fact="0.1049"/>
+              <dgm:constr type="h" for="ch" forName="Parent6" refType="h" fact="0.3799"/>
+              <dgm:constr type="l" for="ch" forName="Parent5" refType="w" fact="0.7063"/>
+              <dgm:constr type="t" for="ch" forName="Parent5" refType="h" fact="0.2022"/>
+              <dgm:constr type="w" for="ch" forName="Parent5" refType="w" fact="0.1049"/>
+              <dgm:constr type="h" for="ch" forName="Parent5" refType="h" fact="0.3799"/>
+              <dgm:constr type="l" for="ch" forName="Parent4" refType="w" fact="0.5437"/>
+              <dgm:constr type="t" for="ch" forName="Parent4" refType="h" fact="0.2022"/>
+              <dgm:constr type="w" for="ch" forName="Parent4" refType="w" fact="0.1049"/>
+              <dgm:constr type="h" for="ch" forName="Parent4" refType="h" fact="0.3799"/>
+              <dgm:constr type="l" for="ch" forName="Parent3" refType="w" fact="0.381"/>
+              <dgm:constr type="t" for="ch" forName="Parent3" refType="h" fact="0.2022"/>
+              <dgm:constr type="w" for="ch" forName="Parent3" refType="w" fact="0.1049"/>
+              <dgm:constr type="h" for="ch" forName="Parent3" refType="h" fact="0.3799"/>
+              <dgm:constr type="l" for="ch" forName="Parent2" refType="w" fact="0.2184"/>
+              <dgm:constr type="t" for="ch" forName="Parent2" refType="h" fact="0.2022"/>
+              <dgm:constr type="w" for="ch" forName="Parent2" refType="w" fact="0.1049"/>
+              <dgm:constr type="h" for="ch" forName="Parent2" refType="h" fact="0.3799"/>
+              <dgm:constr type="l" for="ch" forName="Parent1" refType="w" fact="0.0558"/>
+              <dgm:constr type="t" for="ch" forName="Parent1" refType="h" fact="0.2022"/>
+              <dgm:constr type="w" for="ch" forName="Parent1" refType="w" fact="0.1049"/>
+              <dgm:constr type="h" for="ch" forName="Parent1" refType="h" fact="0.3799"/>
+              <dgm:constr type="l" for="ch" forName="Accent6" refType="w" fact="0.8426"/>
+              <dgm:constr type="t" for="ch" forName="Accent6" refType="h" fact="0.1072"/>
+              <dgm:constr type="w" for="ch" forName="Accent6" refType="w" fact="0.1574"/>
+              <dgm:constr type="h" for="ch" forName="Accent6" refType="h" fact="0.5699"/>
+              <dgm:constr type="l" for="ch" forName="ParentBackground6" refType="w" fact="0.8479"/>
+              <dgm:constr type="t" for="ch" forName="ParentBackground6" refType="h" fact="0.1262"/>
+              <dgm:constr type="w" for="ch" forName="ParentBackground6" refType="w" fact="0.1469"/>
+              <dgm:constr type="h" for="ch" forName="ParentBackground6" refType="h" fact="0.5319"/>
+              <dgm:constr type="l" for="ch" forName="Child6" refType="w" fact="0.8479"/>
+              <dgm:constr type="t" for="ch" forName="Child6" refType="h" fact="0.6876"/>
+              <dgm:constr type="w" for="ch" forName="Child6" refType="w" fact="0.1469"/>
+              <dgm:constr type="h" for="ch" forName="Child6" refType="h" fact="0.3124"/>
+              <dgm:constr type="l" for="ch" forName="Accent5" refType="w" fact="0.6474"/>
+              <dgm:constr type="t" for="ch" forName="Accent5" refType="h" fact="-0.0109"/>
+              <dgm:constr type="w" for="ch" forName="Accent5" refType="w" fact="0.2226"/>
+              <dgm:constr type="h" for="ch" forName="Accent5" refType="h" fact="0.806"/>
+              <dgm:constr type="l" for="ch" forName="ParentBackground5" refType="w" fact="0.6853"/>
+              <dgm:constr type="t" for="ch" forName="ParentBackground5" refType="h" fact="0.1262"/>
+              <dgm:constr type="w" for="ch" forName="ParentBackground5" refType="w" fact="0.1469"/>
+              <dgm:constr type="h" for="ch" forName="ParentBackground5" refType="h" fact="0.5319"/>
+              <dgm:constr type="l" for="ch" forName="Child5" refType="w" fact="0.6853"/>
+              <dgm:constr type="t" for="ch" forName="Child5" refType="h" fact="0.6876"/>
+              <dgm:constr type="w" for="ch" forName="Child5" refType="w" fact="0.1469"/>
+              <dgm:constr type="h" for="ch" forName="Child5" refType="h" fact="0.3124"/>
+              <dgm:constr type="l" for="ch" forName="Accent4" refType="w" fact="0.4848"/>
+              <dgm:constr type="t" for="ch" forName="Accent4" refType="h" fact="-0.0109"/>
+              <dgm:constr type="w" for="ch" forName="Accent4" refType="w" fact="0.2226"/>
+              <dgm:constr type="h" for="ch" forName="Accent4" refType="h" fact="0.806"/>
+              <dgm:constr type="l" for="ch" forName="ParentBackground4" refType="w" fact="0.5227"/>
+              <dgm:constr type="t" for="ch" forName="ParentBackground4" refType="h" fact="0.1262"/>
+              <dgm:constr type="w" for="ch" forName="ParentBackground4" refType="w" fact="0.1469"/>
+              <dgm:constr type="h" for="ch" forName="ParentBackground4" refType="h" fact="0.5319"/>
+              <dgm:constr type="l" for="ch" forName="Child4" refType="w" fact="0.5227"/>
+              <dgm:constr type="t" for="ch" forName="Child4" refType="h" fact="0.6876"/>
+              <dgm:constr type="w" for="ch" forName="Child4" refType="w" fact="0.1469"/>
+              <dgm:constr type="h" for="ch" forName="Child4" refType="h" fact="0.3124"/>
+              <dgm:constr type="l" for="ch" forName="Accent3" refType="w" fact="0.3222"/>
+              <dgm:constr type="t" for="ch" forName="Accent3" refType="h" fact="-0.0109"/>
+              <dgm:constr type="w" for="ch" forName="Accent3" refType="w" fact="0.2226"/>
+              <dgm:constr type="h" for="ch" forName="Accent3" refType="h" fact="0.806"/>
+              <dgm:constr type="l" for="ch" forName="ParentBackground3" refType="w" fact="0.3601"/>
+              <dgm:constr type="t" for="ch" forName="ParentBackground3" refType="h" fact="0.1262"/>
+              <dgm:constr type="w" for="ch" forName="ParentBackground3" refType="w" fact="0.1469"/>
+              <dgm:constr type="h" for="ch" forName="ParentBackground3" refType="h" fact="0.5319"/>
+              <dgm:constr type="l" for="ch" forName="Child3" refType="w" fact="0.3601"/>
+              <dgm:constr type="t" for="ch" forName="Child3" refType="h" fact="0.6876"/>
+              <dgm:constr type="w" for="ch" forName="Child3" refType="w" fact="0.1469"/>
+              <dgm:constr type="h" for="ch" forName="Child3" refType="h" fact="0.3124"/>
+              <dgm:constr type="l" for="ch" forName="Accent2" refType="w" fact="0.1596"/>
+              <dgm:constr type="t" for="ch" forName="Accent2" refType="h" fact="-0.0109"/>
+              <dgm:constr type="w" for="ch" forName="Accent2" refType="w" fact="0.2226"/>
+              <dgm:constr type="h" for="ch" forName="Accent2" refType="h" fact="0.806"/>
+              <dgm:constr type="l" for="ch" forName="ParentBackground2" refType="w" fact="0.1975"/>
+              <dgm:constr type="t" for="ch" forName="ParentBackground2" refType="h" fact="0.1262"/>
+              <dgm:constr type="w" for="ch" forName="ParentBackground2" refType="w" fact="0.1469"/>
+              <dgm:constr type="h" for="ch" forName="ParentBackground2" refType="h" fact="0.5319"/>
+              <dgm:constr type="l" for="ch" forName="Child2" refType="w" fact="0.1975"/>
+              <dgm:constr type="t" for="ch" forName="Child2" refType="h" fact="0.6876"/>
+              <dgm:constr type="w" for="ch" forName="Child2" refType="w" fact="0.1469"/>
+              <dgm:constr type="h" for="ch" forName="Child2" refType="h" fact="0.3124"/>
+              <dgm:constr type="l" for="ch" forName="Accent1" refType="w" fact="-0.003"/>
+              <dgm:constr type="t" for="ch" forName="Accent1" refType="h" fact="-0.0109"/>
+              <dgm:constr type="w" for="ch" forName="Accent1" refType="w" fact="0.2226"/>
+              <dgm:constr type="h" for="ch" forName="Accent1" refType="h" fact="0.806"/>
+              <dgm:constr type="l" for="ch" forName="ParentBackground1" refType="w" fact="0.0348"/>
+              <dgm:constr type="t" for="ch" forName="ParentBackground1" refType="h" fact="0.1262"/>
+              <dgm:constr type="w" for="ch" forName="ParentBackground1" refType="w" fact="0.1469"/>
+              <dgm:constr type="h" for="ch" forName="ParentBackground1" refType="h" fact="0.5319"/>
+              <dgm:constr type="l" for="ch" forName="Child1" refType="w" fact="0.0348"/>
+              <dgm:constr type="t" for="ch" forName="Child1" refType="h" fact="0.6876"/>
+              <dgm:constr type="w" for="ch" forName="Child1" refType="w" fact="0.1469"/>
+              <dgm:constr type="h" for="ch" forName="Child1" refType="h" fact="0.3124"/>
+            </dgm:constrLst>
+          </dgm:if>
+          <dgm:if name="Name10" axis="ch" ptType="node" func="cnt" op="equ" val="7">
+            <dgm:alg type="composite">
+              <dgm:param type="ar" val="4.2103"/>
+            </dgm:alg>
+            <dgm:constrLst>
+              <dgm:constr type="primFontSz" for="des" forName="Child1" val="65"/>
+              <dgm:constr type="primFontSz" for="des" forName="Parent1" val="65"/>
+              <dgm:constr type="primFontSz" for="des" forName="Child1" refType="primFontSz" refFor="des" refForName="Parent1" op="lte"/>
+              <dgm:constr type="primFontSz" for="des" forName="Child2" refType="primFontSz" refFor="des" refForName="Parent1" op="lte"/>
+              <dgm:constr type="primFontSz" for="des" forName="Child3" refType="primFontSz" refFor="des" refForName="Parent1" op="lte"/>
+              <dgm:constr type="primFontSz" for="des" forName="Child4" refType="primFontSz" refFor="des" refForName="Parent1" op="lte"/>
+              <dgm:constr type="primFontSz" for="des" forName="Child5" refType="primFontSz" refFor="des" refForName="Parent1" op="lte"/>
+              <dgm:constr type="primFontSz" for="des" forName="Child6" refType="primFontSz" refFor="des" refForName="Parent1" op="lte"/>
+              <dgm:constr type="primFontSz" for="des" forName="Child7" refType="primFontSz" refFor="des" refForName="Parent1" op="lte"/>
+              <dgm:constr type="primFontSz" for="des" forName="Child1" refType="primFontSz" refFor="des" refForName="Parent2" op="lte"/>
+              <dgm:constr type="primFontSz" for="des" forName="Child2" refType="primFontSz" refFor="des" refForName="Parent2" op="lte"/>
+              <dgm:constr type="primFontSz" for="des" forName="Child3" refType="primFontSz" refFor="des" refForName="Parent2" op="lte"/>
+              <dgm:constr type="primFontSz" for="des" forName="Child4" refType="primFontSz" refFor="des" refForName="Parent2" op="lte"/>
+              <dgm:constr type="primFontSz" for="des" forName="Child5" refType="primFontSz" refFor="des" refForName="Parent2" op="lte"/>
+              <dgm:constr type="primFontSz" for="des" forName="Child6" refType="primFontSz" refFor="des" refForName="Parent2" op="lte"/>
+              <dgm:constr type="primFontSz" for="des" forName="Child7" refType="primFontSz" refFor="des" refForName="Parent2" op="lte"/>
+              <dgm:constr type="primFontSz" for="des" forName="Child1" refType="primFontSz" refFor="des" refForName="Parent3" op="lte"/>
+              <dgm:constr type="primFontSz" for="des" forName="Child2" refType="primFontSz" refFor="des" refForName="Parent3" op="lte"/>
+              <dgm:constr type="primFontSz" for="des" forName="Child3" refType="primFontSz" refFor="des" refForName="Parent3" op="lte"/>
+              <dgm:constr type="primFontSz" for="des" forName="Child4" refType="primFontSz" refFor="des" refForName="Parent3" op="lte"/>
+              <dgm:constr type="primFontSz" for="des" forName="Child5" refType="primFontSz" refFor="des" refForName="Parent3" op="lte"/>
+              <dgm:constr type="primFontSz" for="des" forName="Child6" refType="primFontSz" refFor="des" refForName="Parent3" op="lte"/>
+              <dgm:constr type="primFontSz" for="des" forName="Child7" refType="primFontSz" refFor="des" refForName="Parent3" op="lte"/>
+              <dgm:constr type="primFontSz" for="des" forName="Child1" refType="primFontSz" refFor="des" refForName="Parent4" op="lte"/>
+              <dgm:constr type="primFontSz" for="des" forName="Child2" refType="primFontSz" refFor="des" refForName="Parent4" op="lte"/>
+              <dgm:constr type="primFontSz" for="des" forName="Child3" refType="primFontSz" refFor="des" refForName="Parent4" op="lte"/>
+              <dgm:constr type="primFontSz" for="des" forName="Child4" refType="primFontSz" refFor="des" refForName="Parent4" op="lte"/>
+              <dgm:constr type="primFontSz" for="des" forName="Child5" refType="primFontSz" refFor="des" refForName="Parent4" op="lte"/>
+              <dgm:constr type="primFontSz" for="des" forName="Child6" refType="primFontSz" refFor="des" refForName="Parent4" op="lte"/>
+              <dgm:constr type="primFontSz" for="des" forName="Child7" refType="primFontSz" refFor="des" refForName="Parent4" op="lte"/>
+              <dgm:constr type="primFontSz" for="des" forName="Child1" refType="primFontSz" refFor="des" refForName="Parent5" op="lte"/>
+              <dgm:constr type="primFontSz" for="des" forName="Child2" refType="primFontSz" refFor="des" refForName="Parent5" op="lte"/>
+              <dgm:constr type="primFontSz" for="des" forName="Child3" refType="primFontSz" refFor="des" refForName="Parent5" op="lte"/>
+              <dgm:constr type="primFontSz" for="des" forName="Child4" refType="primFontSz" refFor="des" refForName="Parent5" op="lte"/>
+              <dgm:constr type="primFontSz" for="des" forName="Child5" refType="primFontSz" refFor="des" refForName="Parent5" op="lte"/>
+              <dgm:constr type="primFontSz" for="des" forName="Child6" refType="primFontSz" refFor="des" refForName="Parent5" op="lte"/>
+              <dgm:constr type="primFontSz" for="des" forName="Child7" refType="primFontSz" refFor="des" refForName="Parent5" op="lte"/>
+              <dgm:constr type="primFontSz" for="des" forName="Child1" refType="primFontSz" refFor="des" refForName="Parent6" op="lte"/>
+              <dgm:constr type="primFontSz" for="des" forName="Child2" refType="primFontSz" refFor="des" refForName="Parent6" op="lte"/>
+              <dgm:constr type="primFontSz" for="des" forName="Child3" refType="primFontSz" refFor="des" refForName="Parent6" op="lte"/>
+              <dgm:constr type="primFontSz" for="des" forName="Child4" refType="primFontSz" refFor="des" refForName="Parent6" op="lte"/>
+              <dgm:constr type="primFontSz" for="des" forName="Child5" refType="primFontSz" refFor="des" refForName="Parent6" op="lte"/>
+              <dgm:constr type="primFontSz" for="des" forName="Child6" refType="primFontSz" refFor="des" refForName="Parent6" op="lte"/>
+              <dgm:constr type="primFontSz" for="des" forName="Child7" refType="primFontSz" refFor="des" refForName="Parent6" op="lte"/>
+              <dgm:constr type="primFontSz" for="des" forName="Child1" refType="primFontSz" refFor="des" refForName="Parent7" op="lte"/>
+              <dgm:constr type="primFontSz" for="des" forName="Child2" refType="primFontSz" refFor="des" refForName="Parent7" op="lte"/>
+              <dgm:constr type="primFontSz" for="des" forName="Child3" refType="primFontSz" refFor="des" refForName="Parent7" op="lte"/>
+              <dgm:constr type="primFontSz" for="des" forName="Child4" refType="primFontSz" refFor="des" refForName="Parent7" op="lte"/>
+              <dgm:constr type="primFontSz" for="des" forName="Child5" refType="primFontSz" refFor="des" refForName="Parent7" op="lte"/>
+              <dgm:constr type="primFontSz" for="des" forName="Child6" refType="primFontSz" refFor="des" refForName="Parent7" op="lte"/>
+              <dgm:constr type="primFontSz" for="des" forName="Child7" refType="primFontSz" refFor="des" refForName="Parent7" op="lte"/>
+              <dgm:constr type="primFontSz" for="des" forName="Parent2" refType="primFontSz" refFor="des" refForName="Parent1" op="equ"/>
+              <dgm:constr type="primFontSz" for="des" forName="Parent3" refType="primFontSz" refFor="des" refForName="Parent1" op="equ"/>
+              <dgm:constr type="primFontSz" for="des" forName="Parent4" refType="primFontSz" refFor="des" refForName="Parent1" op="equ"/>
+              <dgm:constr type="primFontSz" for="des" forName="Parent5" refType="primFontSz" refFor="des" refForName="Parent1" op="equ"/>
+              <dgm:constr type="primFontSz" for="des" forName="Parent6" refType="primFontSz" refFor="des" refForName="Parent1" op="equ"/>
+              <dgm:constr type="primFontSz" for="des" forName="Parent7" refType="primFontSz" refFor="des" refForName="Parent1" op="equ"/>
+              <dgm:constr type="primFontSz" for="des" forName="Child2" refType="primFontSz" refFor="des" refForName="Child1" op="equ"/>
+              <dgm:constr type="primFontSz" for="des" forName="Child3" refType="primFontSz" refFor="des" refForName="Child1" op="equ"/>
+              <dgm:constr type="primFontSz" for="des" forName="Child4" refType="primFontSz" refFor="des" refForName="Child1" op="equ"/>
+              <dgm:constr type="primFontSz" for="des" forName="Child5" refType="primFontSz" refFor="des" refForName="Child1" op="equ"/>
+              <dgm:constr type="primFontSz" for="des" forName="Child6" refType="primFontSz" refFor="des" refForName="Child1" op="equ"/>
+              <dgm:constr type="primFontSz" for="des" forName="Child7" refType="primFontSz" refFor="des" refForName="Child1" op="equ"/>
+              <dgm:constr type="l" for="ch" forName="Parent7" refType="w" fact="0.8872"/>
+              <dgm:constr type="t" for="ch" forName="Parent7" refType="h" fact="0.2022"/>
+              <dgm:constr type="w" for="ch" forName="Parent7" refType="w" fact="0.0902"/>
+              <dgm:constr type="h" for="ch" forName="Parent7" refType="h" fact="0.3799"/>
+              <dgm:constr type="l" for="ch" forName="Parent6" refType="w" fact="0.7473"/>
+              <dgm:constr type="t" for="ch" forName="Parent6" refType="h" fact="0.2022"/>
+              <dgm:constr type="w" for="ch" forName="Parent6" refType="w" fact="0.0902"/>
+              <dgm:constr type="h" for="ch" forName="Parent6" refType="h" fact="0.3799"/>
+              <dgm:constr type="l" for="ch" forName="Parent5" refType="w" fact="0.6075"/>
+              <dgm:constr type="t" for="ch" forName="Parent5" refType="h" fact="0.2022"/>
+              <dgm:constr type="w" for="ch" forName="Parent5" refType="w" fact="0.0902"/>
+              <dgm:constr type="h" for="ch" forName="Parent5" refType="h" fact="0.3799"/>
+              <dgm:constr type="l" for="ch" forName="Parent4" refType="w" fact="0.4676"/>
+              <dgm:constr type="t" for="ch" forName="Parent4" refType="h" fact="0.2022"/>
+              <dgm:constr type="w" for="ch" forName="Parent4" refType="w" fact="0.0902"/>
+              <dgm:constr type="h" for="ch" forName="Parent4" refType="h" fact="0.3799"/>
+              <dgm:constr type="l" for="ch" forName="Parent3" refType="w" fact="0.3277"/>
+              <dgm:constr type="t" for="ch" forName="Parent3" refType="h" fact="0.2022"/>
+              <dgm:constr type="w" for="ch" forName="Parent3" refType="w" fact="0.0902"/>
+              <dgm:constr type="h" for="ch" forName="Parent3" refType="h" fact="0.3799"/>
+              <dgm:constr type="l" for="ch" forName="Parent2" refType="w" fact="0.1879"/>
+              <dgm:constr type="t" for="ch" forName="Parent2" refType="h" fact="0.2022"/>
+              <dgm:constr type="w" for="ch" forName="Parent2" refType="w" fact="0.0902"/>
+              <dgm:constr type="h" for="ch" forName="Parent2" refType="h" fact="0.3799"/>
+              <dgm:constr type="l" for="ch" forName="Parent1" refType="w" fact="0.048"/>
+              <dgm:constr type="t" for="ch" forName="Parent1" refType="h" fact="0.2022"/>
+              <dgm:constr type="w" for="ch" forName="Parent1" refType="w" fact="0.0902"/>
+              <dgm:constr type="h" for="ch" forName="Parent1" refType="h" fact="0.3799"/>
+              <dgm:constr type="l" for="ch" forName="Accent7" refType="w" fact="0.8646"/>
+              <dgm:constr type="t" for="ch" forName="Accent7" refType="h" fact="0.1072"/>
+              <dgm:constr type="w" for="ch" forName="Accent7" refType="w" fact="0.1354"/>
+              <dgm:constr type="h" for="ch" forName="Accent7" refType="h" fact="0.5699"/>
+              <dgm:constr type="l" for="ch" forName="ParentBackground7" refType="w" fact="0.8692"/>
+              <dgm:constr type="t" for="ch" forName="ParentBackground7" refType="h" fact="0.1262"/>
+              <dgm:constr type="w" for="ch" forName="ParentBackground7" refType="w" fact="0.1263"/>
+              <dgm:constr type="h" for="ch" forName="ParentBackground7" refType="h" fact="0.5319"/>
+              <dgm:constr type="l" for="ch" forName="Child7" refType="w" fact="0.8692"/>
+              <dgm:constr type="t" for="ch" forName="Child7" refType="h" fact="0.6876"/>
+              <dgm:constr type="w" for="ch" forName="Child7" refType="w" fact="0.1263"/>
+              <dgm:constr type="h" for="ch" forName="Child7" refType="h" fact="0.3124"/>
+              <dgm:constr type="l" for="ch" forName="Accent6" refType="w" fact="0.6967"/>
+              <dgm:constr type="t" for="ch" forName="Accent6" refType="h" fact="-0.0109"/>
+              <dgm:constr type="w" for="ch" forName="Accent6" refType="w" fact="0.1915"/>
+              <dgm:constr type="h" for="ch" forName="Accent6" refType="h" fact="0.806"/>
+              <dgm:constr type="l" for="ch" forName="ParentBackground6" refType="w" fact="0.7293"/>
+              <dgm:constr type="t" for="ch" forName="ParentBackground6" refType="h" fact="0.1262"/>
+              <dgm:constr type="w" for="ch" forName="ParentBackground6" refType="w" fact="0.1263"/>
+              <dgm:constr type="h" for="ch" forName="ParentBackground6" refType="h" fact="0.5319"/>
+              <dgm:constr type="l" for="ch" forName="Child6" refType="w" fact="0.7293"/>
+              <dgm:constr type="t" for="ch" forName="Child6" refType="h" fact="0.6876"/>
+              <dgm:constr type="w" for="ch" forName="Child6" refType="w" fact="0.1263"/>
+              <dgm:constr type="h" for="ch" forName="Child6" refType="h" fact="0.3124"/>
+              <dgm:constr type="l" for="ch" forName="Accent5" refType="w" fact="0.5569"/>
+              <dgm:constr type="t" for="ch" forName="Accent5" refType="h" fact="-0.0109"/>
+              <dgm:constr type="w" for="ch" forName="Accent5" refType="w" fact="0.1915"/>
+              <dgm:constr type="h" for="ch" forName="Accent5" refType="h" fact="0.806"/>
+              <dgm:constr type="l" for="ch" forName="ParentBackground5" refType="w" fact="0.5894"/>
+              <dgm:constr type="t" for="ch" forName="ParentBackground5" refType="h" fact="0.1262"/>
+              <dgm:constr type="w" for="ch" forName="ParentBackground5" refType="w" fact="0.1263"/>
+              <dgm:constr type="h" for="ch" forName="ParentBackground5" refType="h" fact="0.5319"/>
+              <dgm:constr type="l" for="ch" forName="Child5" refType="w" fact="0.5894"/>
+              <dgm:constr type="t" for="ch" forName="Child5" refType="h" fact="0.6876"/>
+              <dgm:constr type="w" for="ch" forName="Child5" refType="w" fact="0.1263"/>
+              <dgm:constr type="h" for="ch" forName="Child5" refType="h" fact="0.3124"/>
+              <dgm:constr type="l" for="ch" forName="Accent4" refType="w" fact="0.417"/>
+              <dgm:constr type="t" for="ch" forName="Accent4" refType="h" fact="-0.0109"/>
+              <dgm:constr type="w" for="ch" forName="Accent4" refType="w" fact="0.1915"/>
+              <dgm:constr type="h" for="ch" forName="Accent4" refType="h" fact="0.806"/>
+              <dgm:constr type="l" for="ch" forName="ParentBackground4" refType="w" fact="0.4496"/>
+              <dgm:constr type="t" for="ch" forName="ParentBackground4" refType="h" fact="0.1262"/>
+              <dgm:constr type="w" for="ch" forName="ParentBackground4" refType="w" fact="0.1263"/>
+              <dgm:constr type="h" for="ch" forName="ParentBackground4" refType="h" fact="0.5319"/>
+              <dgm:constr type="l" for="ch" forName="Child4" refType="w" fact="0.4496"/>
+              <dgm:constr type="t" for="ch" forName="Child4" refType="h" fact="0.6876"/>
+              <dgm:constr type="w" for="ch" forName="Child4" refType="w" fact="0.1263"/>
+              <dgm:constr type="h" for="ch" forName="Child4" refType="h" fact="0.3124"/>
+              <dgm:constr type="l" for="ch" forName="Accent3" refType="w" fact="0.2771"/>
+              <dgm:constr type="t" for="ch" forName="Accent3" refType="h" fact="-0.0109"/>
+              <dgm:constr type="w" for="ch" forName="Accent3" refType="w" fact="0.1915"/>
+              <dgm:constr type="h" for="ch" forName="Accent3" refType="h" fact="0.806"/>
+              <dgm:constr type="l" for="ch" forName="ParentBackground3" refType="w" fact="0.3097"/>
+              <dgm:constr type="t" for="ch" forName="ParentBackground3" refType="h" fact="0.1262"/>
+              <dgm:constr type="w" for="ch" forName="ParentBackground3" refType="w" fact="0.1263"/>
+              <dgm:constr type="h" for="ch" forName="ParentBackground3" refType="h" fact="0.5319"/>
+              <dgm:constr type="l" for="ch" forName="Child3" refType="w" fact="0.3097"/>
+              <dgm:constr type="t" for="ch" forName="Child3" refType="h" fact="0.6876"/>
+              <dgm:constr type="w" for="ch" forName="Child3" refType="w" fact="0.1263"/>
+              <dgm:constr type="h" for="ch" forName="Child3" refType="h" fact="0.3124"/>
+              <dgm:constr type="l" for="ch" forName="Accent2" refType="w" fact="0.1373"/>
+              <dgm:constr type="t" for="ch" forName="Accent2" refType="h" fact="-0.0109"/>
+              <dgm:constr type="w" for="ch" forName="Accent2" refType="w" fact="0.1915"/>
+              <dgm:constr type="h" for="ch" forName="Accent2" refType="h" fact="0.806"/>
+              <dgm:constr type="l" for="ch" forName="ParentBackground2" refType="w" fact="0.1698"/>
+              <dgm:constr type="t" for="ch" forName="ParentBackground2" refType="h" fact="0.1262"/>
+              <dgm:constr type="w" for="ch" forName="ParentBackground2" refType="w" fact="0.1263"/>
+              <dgm:constr type="h" for="ch" forName="ParentBackground2" refType="h" fact="0.5319"/>
+              <dgm:constr type="l" for="ch" forName="Child2" refType="w" fact="0.1698"/>
+              <dgm:constr type="t" for="ch" forName="Child2" refType="h" fact="0.6876"/>
+              <dgm:constr type="w" for="ch" forName="Child2" refType="w" fact="0.1263"/>
+              <dgm:constr type="h" for="ch" forName="Child2" refType="h" fact="0.3124"/>
+              <dgm:constr type="l" for="ch" forName="Accent1" refType="w" fact="-0.0026"/>
+              <dgm:constr type="t" for="ch" forName="Accent1" refType="h" fact="-0.0109"/>
+              <dgm:constr type="w" for="ch" forName="Accent1" refType="w" fact="0.1915"/>
+              <dgm:constr type="h" for="ch" forName="Accent1" refType="h" fact="0.806"/>
+              <dgm:constr type="l" for="ch" forName="ParentBackground1" refType="w" fact="0.03"/>
+              <dgm:constr type="t" for="ch" forName="ParentBackground1" refType="h" fact="0.1262"/>
+              <dgm:constr type="w" for="ch" forName="ParentBackground1" refType="w" fact="0.1263"/>
+              <dgm:constr type="h" for="ch" forName="ParentBackground1" refType="h" fact="0.5319"/>
+              <dgm:constr type="l" for="ch" forName="Child1" refType="w" fact="0.03"/>
+              <dgm:constr type="t" for="ch" forName="Child1" refType="h" fact="0.6876"/>
+              <dgm:constr type="w" for="ch" forName="Child1" refType="w" fact="0.1263"/>
+              <dgm:constr type="h" for="ch" forName="Child1" refType="h" fact="0.3124"/>
+            </dgm:constrLst>
+          </dgm:if>
+          <dgm:if name="Name11" axis="ch" ptType="node" func="cnt" op="equ" val="8">
+            <dgm:alg type="composite">
+              <dgm:param type="ar" val="4.7991"/>
+            </dgm:alg>
+            <dgm:constrLst>
+              <dgm:constr type="primFontSz" for="des" forName="Child1" val="65"/>
+              <dgm:constr type="primFontSz" for="des" forName="Parent1" val="65"/>
+              <dgm:constr type="primFontSz" for="des" forName="Child1" refType="primFontSz" refFor="des" refForName="Parent1" op="lte"/>
+              <dgm:constr type="primFontSz" for="des" forName="Child2" refType="primFontSz" refFor="des" refForName="Parent1" op="lte"/>
+              <dgm:constr type="primFontSz" for="des" forName="Child3" refType="primFontSz" refFor="des" refForName="Parent1" op="lte"/>
+              <dgm:constr type="primFontSz" for="des" forName="Child4" refType="primFontSz" refFor="des" refForName="Parent1" op="lte"/>
+              <dgm:constr type="primFontSz" for="des" forName="Child5" refType="primFontSz" refFor="des" refForName="Parent1" op="lte"/>
+              <dgm:constr type="primFontSz" for="des" forName="Child6" refType="primFontSz" refFor="des" refForName="Parent1" op="lte"/>
+              <dgm:constr type="primFontSz" for="des" forName="Child7" refType="primFontSz" refFor="des" refForName="Parent1" op="lte"/>
+              <dgm:constr type="primFontSz" for="des" forName="Child8" refType="primFontSz" refFor="des" refForName="Parent1" op="lte"/>
+              <dgm:constr type="primFontSz" for="des" forName="Child1" refType="primFontSz" refFor="des" refForName="Parent2" op="lte"/>
+              <dgm:constr type="primFontSz" for="des" forName="Child2" refType="primFontSz" refFor="des" refForName="Parent2" op="lte"/>
+              <dgm:constr type="primFontSz" for="des" forName="Child3" refType="primFontSz" refFor="des" refForName="Parent2" op="lte"/>
+              <dgm:constr type="primFontSz" for="des" forName="Child4" refType="primFontSz" refFor="des" refForName="Parent2" op="lte"/>
+              <dgm:constr type="primFontSz" for="des" forName="Child5" refType="primFontSz" refFor="des" refForName="Parent2" op="lte"/>
+              <dgm:constr type="primFontSz" for="des" forName="Child6" refType="primFontSz" refFor="des" refForName="Parent2" op="lte"/>
+              <dgm:constr type="primFontSz" for="des" forName="Child7" refType="primFontSz" refFor="des" refForName="Parent2" op="lte"/>
+              <dgm:constr type="primFontSz" for="des" forName="Child8" refType="primFontSz" refFor="des" refForName="Parent2" op="lte"/>
+              <dgm:constr type="primFontSz" for="des" forName="Child1" refType="primFontSz" refFor="des" refForName="Parent3" op="lte"/>
+              <dgm:constr type="primFontSz" for="des" forName="Child2" refType="primFontSz" refFor="des" refForName="Parent3" op="lte"/>
+              <dgm:constr type="primFontSz" for="des" forName="Child3" refType="primFontSz" refFor="des" refForName="Parent3" op="lte"/>
+              <dgm:constr type="primFontSz" for="des" forName="Child4" refType="primFontSz" refFor="des" refForName="Parent3" op="lte"/>
+              <dgm:constr type="primFontSz" for="des" forName="Child5" refType="primFontSz" refFor="des" refForName="Parent3" op="lte"/>
+              <dgm:constr type="primFontSz" for="des" forName="Child6" refType="primFontSz" refFor="des" refForName="Parent3" op="lte"/>
+              <dgm:constr type="primFontSz" for="des" forName="Child7" refType="primFontSz" refFor="des" refForName="Parent3" op="lte"/>
+              <dgm:constr type="primFontSz" for="des" forName="Child8" refType="primFontSz" refFor="des" refForName="Parent3" op="lte"/>
+              <dgm:constr type="primFontSz" for="des" forName="Child1" refType="primFontSz" refFor="des" refForName="Parent4" op="lte"/>
+              <dgm:constr type="primFontSz" for="des" forName="Child2" refType="primFontSz" refFor="des" refForName="Parent4" op="lte"/>
+              <dgm:constr type="primFontSz" for="des" forName="Child3" refType="primFontSz" refFor="des" refForName="Parent4" op="lte"/>
+              <dgm:constr type="primFontSz" for="des" forName="Child4" refType="primFontSz" refFor="des" refForName="Parent4" op="lte"/>
+              <dgm:constr type="primFontSz" for="des" forName="Child5" refType="primFontSz" refFor="des" refForName="Parent4" op="lte"/>
+              <dgm:constr type="primFontSz" for="des" forName="Child6" refType="primFontSz" refFor="des" refForName="Parent4" op="lte"/>
+              <dgm:constr type="primFontSz" for="des" forName="Child7" refType="primFontSz" refFor="des" refForName="Parent4" op="lte"/>
+              <dgm:constr type="primFontSz" for="des" forName="Child8" refType="primFontSz" refFor="des" refForName="Parent4" op="lte"/>
+              <dgm:constr type="primFontSz" for="des" forName="Child1" refType="primFontSz" refFor="des" refForName="Parent5" op="lte"/>
+              <dgm:constr type="primFontSz" for="des" forName="Child2" refType="primFontSz" refFor="des" refForName="Parent5" op="lte"/>
+              <dgm:constr type="primFontSz" for="des" forName="Child3" refType="primFontSz" refFor="des" refForName="Parent5" op="lte"/>
+              <dgm:constr type="primFontSz" for="des" forName="Child4" refType="primFontSz" refFor="des" refForName="Parent5" op="lte"/>
+              <dgm:constr type="primFontSz" for="des" forName="Child5" refType="primFontSz" refFor="des" refForName="Parent5" op="lte"/>
+              <dgm:constr type="primFontSz" for="des" forName="Child6" refType="primFontSz" refFor="des" refForName="Parent5" op="lte"/>
+              <dgm:constr type="primFontSz" for="des" forName="Child7" refType="primFontSz" refFor="des" refForName="Parent5" op="lte"/>
+              <dgm:constr type="primFontSz" for="des" forName="Child8" refType="primFontSz" refFor="des" refForName="Parent5" op="lte"/>
+              <dgm:constr type="primFontSz" for="des" forName="Child1" refType="primFontSz" refFor="des" refForName="Parent6" op="lte"/>
+              <dgm:constr type="primFontSz" for="des" forName="Child2" refType="primFontSz" refFor="des" refForName="Parent6" op="lte"/>
+              <dgm:constr type="primFontSz" for="des" forName="Child3" refType="primFontSz" refFor="des" refForName="Parent6" op="lte"/>
+              <dgm:constr type="primFontSz" for="des" forName="Child4" refType="primFontSz" refFor="des" refForName="Parent6" op="lte"/>
+              <dgm:constr type="primFontSz" for="des" forName="Child5" refType="primFontSz" refFor="des" refForName="Parent6" op="lte"/>
+              <dgm:constr type="primFontSz" for="des" forName="Child6" refType="primFontSz" refFor="des" refForName="Parent6" op="lte"/>
+              <dgm:constr type="primFontSz" for="des" forName="Child7" refType="primFontSz" refFor="des" refForName="Parent6" op="lte"/>
+              <dgm:constr type="primFontSz" for="des" forName="Child8" refType="primFontSz" refFor="des" refForName="Parent6" op="lte"/>
+              <dgm:constr type="primFontSz" for="des" forName="Child1" refType="primFontSz" refFor="des" refForName="Parent7" op="lte"/>
+              <dgm:constr type="primFontSz" for="des" forName="Child2" refType="primFontSz" refFor="des" refForName="Parent7" op="lte"/>
+              <dgm:constr type="primFontSz" for="des" forName="Child3" refType="primFontSz" refFor="des" refForName="Parent7" op="lte"/>
+              <dgm:constr type="primFontSz" for="des" forName="Child4" refType="primFontSz" refFor="des" refForName="Parent7" op="lte"/>
+              <dgm:constr type="primFontSz" for="des" forName="Child5" refType="primFontSz" refFor="des" refForName="Parent7" op="lte"/>
+              <dgm:constr type="primFontSz" for="des" forName="Child6" refType="primFontSz" refFor="des" refForName="Parent7" op="lte"/>
+              <dgm:constr type="primFontSz" for="des" forName="Child7" refType="primFontSz" refFor="des" refForName="Parent7" op="lte"/>
+              <dgm:constr type="primFontSz" for="des" forName="Child8" refType="primFontSz" refFor="des" refForName="Parent7" op="lte"/>
+              <dgm:constr type="primFontSz" for="des" forName="Child1" refType="primFontSz" refFor="des" refForName="Parent8" op="lte"/>
+              <dgm:constr type="primFontSz" for="des" forName="Child2" refType="primFontSz" refFor="des" refForName="Parent8" op="lte"/>
+              <dgm:constr type="primFontSz" for="des" forName="Child3" refType="primFontSz" refFor="des" refForName="Parent8" op="lte"/>
+              <dgm:constr type="primFontSz" for="des" forName="Child4" refType="primFontSz" refFor="des" refForName="Parent8" op="lte"/>
+              <dgm:constr type="primFontSz" for="des" forName="Child5" refType="primFontSz" refFor="des" refForName="Parent8" op="lte"/>
+              <dgm:constr type="primFontSz" for="des" forName="Child6" refType="primFontSz" refFor="des" refForName="Parent8" op="lte"/>
+              <dgm:constr type="primFontSz" for="des" forName="Child7" refType="primFontSz" refFor="des" refForName="Parent8" op="lte"/>
+              <dgm:constr type="primFontSz" for="des" forName="Child8" refType="primFontSz" refFor="des" refForName="Parent8" op="lte"/>
+              <dgm:constr type="primFontSz" for="des" forName="Parent2" refType="primFontSz" refFor="des" refForName="Parent1" op="equ"/>
+              <dgm:constr type="primFontSz" for="des" forName="Parent3" refType="primFontSz" refFor="des" refForName="Parent1" op="equ"/>
+              <dgm:constr type="primFontSz" for="des" forName="Parent4" refType="primFontSz" refFor="des" refForName="Parent1" op="equ"/>
+              <dgm:constr type="primFontSz" for="des" forName="Parent5" refType="primFontSz" refFor="des" refForName="Parent1" op="equ"/>
+              <dgm:constr type="primFontSz" for="des" forName="Parent6" refType="primFontSz" refFor="des" refForName="Parent1" op="equ"/>
+              <dgm:constr type="primFontSz" for="des" forName="Parent7" refType="primFontSz" refFor="des" refForName="Parent1" op="equ"/>
+              <dgm:constr type="primFontSz" for="des" forName="Parent8" refType="primFontSz" refFor="des" refForName="Parent1" op="equ"/>
+              <dgm:constr type="primFontSz" for="des" forName="Child2" refType="primFontSz" refFor="des" refForName="Child1" op="equ"/>
+              <dgm:constr type="primFontSz" for="des" forName="Child3" refType="primFontSz" refFor="des" refForName="Child1" op="equ"/>
+              <dgm:constr type="primFontSz" for="des" forName="Child4" refType="primFontSz" refFor="des" refForName="Child1" op="equ"/>
+              <dgm:constr type="primFontSz" for="des" forName="Child5" refType="primFontSz" refFor="des" refForName="Child1" op="equ"/>
+              <dgm:constr type="primFontSz" for="des" forName="Child6" refType="primFontSz" refFor="des" refForName="Child1" op="equ"/>
+              <dgm:constr type="primFontSz" for="des" forName="Child7" refType="primFontSz" refFor="des" refForName="Child1" op="equ"/>
+              <dgm:constr type="primFontSz" for="des" forName="Child8" refType="primFontSz" refFor="des" refForName="Child1" op="equ"/>
+              <dgm:constr type="l" for="ch" forName="Parent8" refType="w" fact="0.901"/>
+              <dgm:constr type="t" for="ch" forName="Parent8" refType="h" fact="0.2022"/>
+              <dgm:constr type="w" for="ch" forName="Parent8" refType="w" fact="0.0792"/>
+              <dgm:constr type="h" for="ch" forName="Parent8" refType="h" fact="0.3799"/>
+              <dgm:constr type="l" for="ch" forName="Parent7" refType="w" fact="0.7783"/>
+              <dgm:constr type="t" for="ch" forName="Parent7" refType="h" fact="0.2022"/>
+              <dgm:constr type="w" for="ch" forName="Parent7" refType="w" fact="0.0792"/>
+              <dgm:constr type="h" for="ch" forName="Parent7" refType="h" fact="0.3799"/>
+              <dgm:constr type="l" for="ch" forName="Parent6" refType="w" fact="0.6556"/>
+              <dgm:constr type="t" for="ch" forName="Parent6" refType="h" fact="0.2022"/>
+              <dgm:constr type="w" for="ch" forName="Parent6" refType="w" fact="0.0792"/>
+              <dgm:constr type="h" for="ch" forName="Parent6" refType="h" fact="0.3799"/>
+              <dgm:constr type="l" for="ch" forName="Parent5" refType="w" fact="0.5329"/>
+              <dgm:constr type="t" for="ch" forName="Parent5" refType="h" fact="0.2022"/>
+              <dgm:constr type="w" for="ch" forName="Parent5" refType="w" fact="0.0792"/>
+              <dgm:constr type="h" for="ch" forName="Parent5" refType="h" fact="0.3799"/>
+              <dgm:constr type="l" for="ch" forName="Parent4" refType="w" fact="0.4102"/>
+              <dgm:constr type="t" for="ch" forName="Parent4" refType="h" fact="0.2022"/>
+              <dgm:constr type="w" for="ch" forName="Parent4" refType="w" fact="0.0792"/>
+              <dgm:constr type="h" for="ch" forName="Parent4" refType="h" fact="0.3799"/>
+              <dgm:constr type="l" for="ch" forName="Parent3" refType="w" fact="0.2875"/>
+              <dgm:constr type="t" for="ch" forName="Parent3" refType="h" fact="0.2022"/>
+              <dgm:constr type="w" for="ch" forName="Parent3" refType="w" fact="0.0792"/>
+              <dgm:constr type="h" for="ch" forName="Parent3" refType="h" fact="0.3799"/>
+              <dgm:constr type="l" for="ch" forName="Parent2" refType="w" fact="0.1648"/>
+              <dgm:constr type="t" for="ch" forName="Parent2" refType="h" fact="0.2022"/>
+              <dgm:constr type="w" for="ch" forName="Parent2" refType="w" fact="0.0792"/>
+              <dgm:constr type="h" for="ch" forName="Parent2" refType="h" fact="0.3799"/>
+              <dgm:constr type="l" for="ch" forName="Parent1" refType="w" fact="0.0421"/>
+              <dgm:constr type="t" for="ch" forName="Parent1" refType="h" fact="0.2022"/>
+              <dgm:constr type="w" for="ch" forName="Parent1" refType="w" fact="0.0792"/>
+              <dgm:constr type="h" for="ch" forName="Parent1" refType="h" fact="0.3799"/>
+              <dgm:constr type="l" for="ch" forName="Accent8" refType="w" fact="0.8813"/>
+              <dgm:constr type="t" for="ch" forName="Accent8" refType="h" fact="0.1072"/>
+              <dgm:constr type="w" for="ch" forName="Accent8" refType="w" fact="0.1187"/>
+              <dgm:constr type="h" for="ch" forName="Accent8" refType="h" fact="0.5699"/>
+              <dgm:constr type="l" for="ch" forName="ParentBackground8" refType="w" fact="0.8852"/>
+              <dgm:constr type="t" for="ch" forName="ParentBackground8" refType="h" fact="0.1262"/>
+              <dgm:constr type="w" for="ch" forName="ParentBackground8" refType="w" fact="0.1108"/>
+              <dgm:constr type="h" for="ch" forName="ParentBackground8" refType="h" fact="0.5319"/>
+              <dgm:constr type="l" for="ch" forName="Child8" refType="w" fact="0.8852"/>
+              <dgm:constr type="t" for="ch" forName="Child8" refType="h" fact="0.6876"/>
+              <dgm:constr type="w" for="ch" forName="Child8" refType="w" fact="0.1108"/>
+              <dgm:constr type="h" for="ch" forName="Child8" refType="h" fact="0.3124"/>
+              <dgm:constr type="l" for="ch" forName="Accent7" refType="w" fact="0.7339"/>
+              <dgm:constr type="t" for="ch" forName="Accent7" refType="h" fact="-0.0109"/>
+              <dgm:constr type="w" for="ch" forName="Accent7" refType="w" fact="0.1679"/>
+              <dgm:constr type="h" for="ch" forName="Accent7" refType="h" fact="0.806"/>
+              <dgm:constr type="l" for="ch" forName="ParentBackground7" refType="w" fact="0.7625"/>
+              <dgm:constr type="t" for="ch" forName="ParentBackground7" refType="h" fact="0.1262"/>
+              <dgm:constr type="w" for="ch" forName="ParentBackground7" refType="w" fact="0.1108"/>
+              <dgm:constr type="h" for="ch" forName="ParentBackground7" refType="h" fact="0.5319"/>
+              <dgm:constr type="l" for="ch" forName="Child7" refType="w" fact="0.7625"/>
+              <dgm:constr type="t" for="ch" forName="Child7" refType="h" fact="0.6876"/>
+              <dgm:constr type="w" for="ch" forName="Child7" refType="w" fact="0.1108"/>
+              <dgm:constr type="h" for="ch" forName="Child7" refType="h" fact="0.3124"/>
+              <dgm:constr type="l" for="ch" forName="Accent6" refType="w" fact="0.6112"/>
+              <dgm:constr type="t" for="ch" forName="Accent6" refType="h" fact="-0.0109"/>
+              <dgm:constr type="w" for="ch" forName="Accent6" refType="w" fact="0.1679"/>
+              <dgm:constr type="h" for="ch" forName="Accent6" refType="h" fact="0.806"/>
+              <dgm:constr type="l" for="ch" forName="ParentBackground6" refType="w" fact="0.6398"/>
+              <dgm:constr type="t" for="ch" forName="ParentBackground6" refType="h" fact="0.1262"/>
+              <dgm:constr type="w" for="ch" forName="ParentBackground6" refType="w" fact="0.1108"/>
+              <dgm:constr type="h" for="ch" forName="ParentBackground6" refType="h" fact="0.5319"/>
+              <dgm:constr type="l" for="ch" forName="Child6" refType="w" fact="0.6398"/>
+              <dgm:constr type="t" for="ch" forName="Child6" refType="h" fact="0.6876"/>
+              <dgm:constr type="w" for="ch" forName="Child6" refType="w" fact="0.1108"/>
+              <dgm:constr type="h" for="ch" forName="Child6" refType="h" fact="0.3124"/>
+              <dgm:constr type="l" for="ch" forName="Accent5" refType="w" fact="0.4885"/>
+              <dgm:constr type="t" for="ch" forName="Accent5" refType="h" fact="-0.0109"/>
+              <dgm:constr type="w" for="ch" forName="Accent5" refType="w" fact="0.1679"/>
+              <dgm:constr type="h" for="ch" forName="Accent5" refType="h" fact="0.806"/>
+              <dgm:constr type="l" for="ch" forName="ParentBackground5" refType="w" fact="0.5171"/>
+              <dgm:constr type="t" for="ch" forName="ParentBackground5" refType="h" fact="0.1262"/>
+              <dgm:constr type="w" for="ch" forName="ParentBackground5" refType="w" fact="0.1108"/>
+              <dgm:constr type="h" for="ch" forName="ParentBackground5" refType="h" fact="0.5319"/>
+              <dgm:constr type="l" for="ch" forName="Child5" refType="w" fact="0.5171"/>
+              <dgm:constr type="t" for="ch" forName="Child5" refType="h" fact="0.6876"/>
+              <dgm:constr type="w" for="ch" forName="Child5" refType="w" fact="0.1108"/>
+              <dgm:constr type="h" for="ch" forName="Child5" refType="h" fact="0.3124"/>
+              <dgm:constr type="l" for="ch" forName="Accent4" refType="w" fact="0.3658"/>
+              <dgm:constr type="t" for="ch" forName="Accent4" refType="h" fact="-0.0109"/>
+              <dgm:constr type="w" for="ch" forName="Accent4" refType="w" fact="0.1679"/>
+              <dgm:constr type="h" for="ch" forName="Accent4" refType="h" fact="0.806"/>
+              <dgm:constr type="l" for="ch" forName="ParentBackground4" refType="w" fact="0.3944"/>
+              <dgm:constr type="t" for="ch" forName="ParentBackground4" refType="h" fact="0.1262"/>
+              <dgm:constr type="w" for="ch" forName="ParentBackground4" refType="w" fact="0.1108"/>
+              <dgm:constr type="h" for="ch" forName="ParentBackground4" refType="h" fact="0.5319"/>
+              <dgm:constr type="l" for="ch" forName="Child4" refType="w" fact="0.3944"/>
+              <dgm:constr type="t" for="ch" forName="Child4" refType="h" fact="0.6876"/>
+              <dgm:constr type="w" for="ch" forName="Child4" refType="w" fact="0.1108"/>
+              <dgm:constr type="h" for="ch" forName="Child4" refType="h" fact="0.3124"/>
+              <dgm:constr type="l" for="ch" forName="Accent3" refType="w" fact="0.2431"/>
+              <dgm:constr type="t" for="ch" forName="Accent3" refType="h" fact="-0.0109"/>
+              <dgm:constr type="w" for="ch" forName="Accent3" refType="w" fact="0.1679"/>
+              <dgm:constr type="h" for="ch" forName="Accent3" refType="h" fact="0.806"/>
+              <dgm:constr type="l" for="ch" forName="ParentBackground3" refType="w" fact="0.2717"/>
+              <dgm:constr type="t" for="ch" forName="ParentBackground3" refType="h" fact="0.1262"/>
+              <dgm:constr type="w" for="ch" forName="ParentBackground3" refType="w" fact="0.1108"/>
+              <dgm:constr type="h" for="ch" forName="ParentBackground3" refType="h" fact="0.5319"/>
+              <dgm:constr type="l" for="ch" forName="Child3" refType="w" fact="0.2717"/>
+              <dgm:constr type="t" for="ch" forName="Child3" refType="h" fact="0.6876"/>
+              <dgm:constr type="w" for="ch" forName="Child3" refType="w" fact="0.1108"/>
+              <dgm:constr type="h" for="ch" forName="Child3" refType="h" fact="0.3124"/>
+              <dgm:constr type="l" for="ch" forName="Accent2" refType="w" fact="0.1204"/>
+              <dgm:constr type="t" for="ch" forName="Accent2" refType="h" fact="-0.0109"/>
+              <dgm:constr type="w" for="ch" forName="Accent2" refType="w" fact="0.1679"/>
+              <dgm:constr type="h" for="ch" forName="Accent2" refType="h" fact="0.806"/>
+              <dgm:constr type="l" for="ch" forName="ParentBackground2" refType="w" fact="0.149"/>
+              <dgm:constr type="t" for="ch" forName="ParentBackground2" refType="h" fact="0.1262"/>
+              <dgm:constr type="w" for="ch" forName="ParentBackground2" refType="w" fact="0.1108"/>
+              <dgm:constr type="h" for="ch" forName="ParentBackground2" refType="h" fact="0.5319"/>
+              <dgm:constr type="l" for="ch" forName="Child2" refType="w" fact="0.149"/>
+              <dgm:constr type="t" for="ch" forName="Child2" refType="h" fact="0.6876"/>
+              <dgm:constr type="w" for="ch" forName="Child2" refType="w" fact="0.1108"/>
+              <dgm:constr type="h" for="ch" forName="Child2" refType="h" fact="0.3124"/>
+              <dgm:constr type="l" for="ch" forName="Accent1" refType="w" fact="-0.0023"/>
+              <dgm:constr type="t" for="ch" forName="Accent1" refType="h" fact="-0.0109"/>
+              <dgm:constr type="w" for="ch" forName="Accent1" refType="w" fact="0.1679"/>
+              <dgm:constr type="h" for="ch" forName="Accent1" refType="h" fact="0.806"/>
+              <dgm:constr type="l" for="ch" forName="ParentBackground1" refType="w" fact="0.0263"/>
+              <dgm:constr type="t" for="ch" forName="ParentBackground1" refType="h" fact="0.1262"/>
+              <dgm:constr type="w" for="ch" forName="ParentBackground1" refType="w" fact="0.1108"/>
+              <dgm:constr type="h" for="ch" forName="ParentBackground1" refType="h" fact="0.5319"/>
+              <dgm:constr type="l" for="ch" forName="Child1" refType="w" fact="0.0263"/>
+              <dgm:constr type="t" for="ch" forName="Child1" refType="h" fact="0.6876"/>
+              <dgm:constr type="w" for="ch" forName="Child1" refType="w" fact="0.1108"/>
+              <dgm:constr type="h" for="ch" forName="Child1" refType="h" fact="0.3124"/>
+            </dgm:constrLst>
+          </dgm:if>
+          <dgm:if name="Name12" axis="ch" ptType="node" func="cnt" op="equ" val="9">
+            <dgm:alg type="composite">
+              <dgm:param type="ar" val="5.388"/>
+            </dgm:alg>
+            <dgm:constrLst>
+              <dgm:constr type="primFontSz" for="des" forName="Child1" val="65"/>
+              <dgm:constr type="primFontSz" for="des" forName="Parent1" val="65"/>
+              <dgm:constr type="primFontSz" for="des" forName="Child1" refType="primFontSz" refFor="des" refForName="Parent1" op="lte"/>
+              <dgm:constr type="primFontSz" for="des" forName="Child2" refType="primFontSz" refFor="des" refForName="Parent1" op="lte"/>
+              <dgm:constr type="primFontSz" for="des" forName="Child3" refType="primFontSz" refFor="des" refForName="Parent1" op="lte"/>
+              <dgm:constr type="primFontSz" for="des" forName="Child4" refType="primFontSz" refFor="des" refForName="Parent1" op="lte"/>
+              <dgm:constr type="primFontSz" for="des" forName="Child5" refType="primFontSz" refFor="des" refForName="Parent1" op="lte"/>
+              <dgm:constr type="primFontSz" for="des" forName="Child6" refType="primFontSz" refFor="des" refForName="Parent1" op="lte"/>
+              <dgm:constr type="primFontSz" for="des" forName="Child7" refType="primFontSz" refFor="des" refForName="Parent1" op="lte"/>
+              <dgm:constr type="primFontSz" for="des" forName="Child8" refType="primFontSz" refFor="des" refForName="Parent1" op="lte"/>
+              <dgm:constr type="primFontSz" for="des" forName="Child9" refType="primFontSz" refFor="des" refForName="Parent1" op="lte"/>
+              <dgm:constr type="primFontSz" for="des" forName="Child1" refType="primFontSz" refFor="des" refForName="Parent2" op="lte"/>
+              <dgm:constr type="primFontSz" for="des" forName="Child2" refType="primFontSz" refFor="des" refForName="Parent2" op="lte"/>
+              <dgm:constr type="primFontSz" for="des" forName="Child3" refType="primFontSz" refFor="des" refForName="Parent2" op="lte"/>
+              <dgm:constr type="primFontSz" for="des" forName="Child4" refType="primFontSz" refFor="des" refForName="Parent2" op="lte"/>
+              <dgm:constr type="primFontSz" for="des" forName="Child5" refType="primFontSz" refFor="des" refForName="Parent2" op="lte"/>
+              <dgm:constr type="primFontSz" for="des" forName="Child6" refType="primFontSz" refFor="des" refForName="Parent2" op="lte"/>
+              <dgm:constr type="primFontSz" for="des" forName="Child7" refType="primFontSz" refFor="des" refForName="Parent2" op="lte"/>
+              <dgm:constr type="primFontSz" for="des" forName="Child8" refType="primFontSz" refFor="des" refForName="Parent2" op="lte"/>
+              <dgm:constr type="primFontSz" for="des" forName="Child9" refType="primFontSz" refFor="des" refForName="Parent2" op="lte"/>
+              <dgm:constr type="primFontSz" for="des" forName="Child1" refType="primFontSz" refFor="des" refForName="Parent3" op="lte"/>
+              <dgm:constr type="primFontSz" for="des" forName="Child2" refType="primFontSz" refFor="des" refForName="Parent3" op="lte"/>
+              <dgm:constr type="primFontSz" for="des" forName="Child3" refType="primFontSz" refFor="des" refForName="Parent3" op="lte"/>
+              <dgm:constr type="primFontSz" for="des" forName="Child4" refType="primFontSz" refFor="des" refForName="Parent3" op="lte"/>
+              <dgm:constr type="primFontSz" for="des" forName="Child5" refType="primFontSz" refFor="des" refForName="Parent3" op="lte"/>
+              <dgm:constr type="primFontSz" for="des" forName="Child6" refType="primFontSz" refFor="des" refForName="Parent3" op="lte"/>
+              <dgm:constr type="primFontSz" for="des" forName="Child7" refType="primFontSz" refFor="des" refForName="Parent3" op="lte"/>
+              <dgm:constr type="primFontSz" for="des" forName="Child8" refType="primFontSz" refFor="des" refForName="Parent3" op="lte"/>
+              <dgm:constr type="primFontSz" for="des" forName="Child9" refType="primFontSz" refFor="des" refForName="Parent3" op="lte"/>
+              <dgm:constr type="primFontSz" for="des" forName="Child1" refType="primFontSz" refFor="des" refForName="Parent4" op="lte"/>
+              <dgm:constr type="primFontSz" for="des" forName="Child2" refType="primFontSz" refFor="des" refForName="Parent4" op="lte"/>
+              <dgm:constr type="primFontSz" for="des" forName="Child3" refType="primFontSz" refFor="des" refForName="Parent4" op="lte"/>
+              <dgm:constr type="primFontSz" for="des" forName="Child4" refType="primFontSz" refFor="des" refForName="Parent4" op="lte"/>
+              <dgm:constr type="primFontSz" for="des" forName="Child5" refType="primFontSz" refFor="des" refForName="Parent4" op="lte"/>
+              <dgm:constr type="primFontSz" for="des" forName="Child6" refType="primFontSz" refFor="des" refForName="Parent4" op="lte"/>
+              <dgm:constr type="primFontSz" for="des" forName="Child7" refType="primFontSz" refFor="des" refForName="Parent4" op="lte"/>
+              <dgm:constr type="primFontSz" for="des" forName="Child8" refType="primFontSz" refFor="des" refForName="Parent4" op="lte"/>
+              <dgm:constr type="primFontSz" for="des" forName="Child9" refType="primFontSz" refFor="des" refForName="Parent4" op="lte"/>
+              <dgm:constr type="primFontSz" for="des" forName="Child1" refType="primFontSz" refFor="des" refForName="Parent5" op="lte"/>
+              <dgm:constr type="primFontSz" for="des" forName="Child2" refType="primFontSz" refFor="des" refForName="Parent5" op="lte"/>
+              <dgm:constr type="primFontSz" for="des" forName="Child3" refType="primFontSz" refFor="des" refForName="Parent5" op="lte"/>
+              <dgm:constr type="primFontSz" for="des" forName="Child4" refType="primFontSz" refFor="des" refForName="Parent5" op="lte"/>
+              <dgm:constr type="primFontSz" for="des" forName="Child5" refType="primFontSz" refFor="des" refForName="Parent5" op="lte"/>
+              <dgm:constr type="primFontSz" for="des" forName="Child6" refType="primFontSz" refFor="des" refForName="Parent5" op="lte"/>
+              <dgm:constr type="primFontSz" for="des" forName="Child7" refType="primFontSz" refFor="des" refForName="Parent5" op="lte"/>
+              <dgm:constr type="primFontSz" for="des" forName="Child8" refType="primFontSz" refFor="des" refForName="Parent5" op="lte"/>
+              <dgm:constr type="primFontSz" for="des" forName="Child9" refType="primFontSz" refFor="des" refForName="Parent5" op="lte"/>
+              <dgm:constr type="primFontSz" for="des" forName="Child1" refType="primFontSz" refFor="des" refForName="Parent6" op="lte"/>
+              <dgm:constr type="primFontSz" for="des" forName="Child2" refType="primFontSz" refFor="des" refForName="Parent6" op="lte"/>
+              <dgm:constr type="primFontSz" for="des" forName="Child3" refType="primFontSz" refFor="des" refForName="Parent6" op="lte"/>
+              <dgm:constr type="primFontSz" for="des" forName="Child4" refType="primFontSz" refFor="des" refForName="Parent6" op="lte"/>
+              <dgm:constr type="primFontSz" for="des" forName="Child5" refType="primFontSz" refFor="des" refForName="Parent6" op="lte"/>
+              <dgm:constr type="primFontSz" for="des" forName="Child6" refType="primFontSz" refFor="des" refForName="Parent6" op="lte"/>
+              <dgm:constr type="primFontSz" for="des" forName="Child7" refType="primFontSz" refFor="des" refForName="Parent6" op="lte"/>
+              <dgm:constr type="primFontSz" for="des" forName="Child8" refType="primFontSz" refFor="des" refForName="Parent6" op="lte"/>
+              <dgm:constr type="primFontSz" for="des" forName="Child9" refType="primFontSz" refFor="des" refForName="Parent6" op="lte"/>
+              <dgm:constr type="primFontSz" for="des" forName="Child1" refType="primFontSz" refFor="des" refForName="Parent7" op="lte"/>
+              <dgm:constr type="primFontSz" for="des" forName="Child2" refType="primFontSz" refFor="des" refForName="Parent7" op="lte"/>
+              <dgm:constr type="primFontSz" for="des" forName="Child3" refType="primFontSz" refFor="des" refForName="Parent7" op="lte"/>
+              <dgm:constr type="primFontSz" for="des" forName="Child4" refType="primFontSz" refFor="des" refForName="Parent7" op="lte"/>
+              <dgm:constr type="primFontSz" for="des" forName="Child5" refType="primFontSz" refFor="des" refForName="Parent7" op="lte"/>
+              <dgm:constr type="primFontSz" for="des" forName="Child6" refType="primFontSz" refFor="des" refForName="Parent7" op="lte"/>
+              <dgm:constr type="primFontSz" for="des" forName="Child7" refType="primFontSz" refFor="des" refForName="Parent7" op="lte"/>
+              <dgm:constr type="primFontSz" for="des" forName="Child8" refType="primFontSz" refFor="des" refForName="Parent7" op="lte"/>
+              <dgm:constr type="primFontSz" for="des" forName="Child9" refType="primFontSz" refFor="des" refForName="Parent7" op="lte"/>
+              <dgm:constr type="primFontSz" for="des" forName="Child1" refType="primFontSz" refFor="des" refForName="Parent8" op="lte"/>
+              <dgm:constr type="primFontSz" for="des" forName="Child2" refType="primFontSz" refFor="des" refForName="Parent8" op="lte"/>
+              <dgm:constr type="primFontSz" for="des" forName="Child3" refType="primFontSz" refFor="des" refForName="Parent8" op="lte"/>
+              <dgm:constr type="primFontSz" for="des" forName="Child4" refType="primFontSz" refFor="des" refForName="Parent8" op="lte"/>
+              <dgm:constr type="primFontSz" for="des" forName="Child5" refType="primFontSz" refFor="des" refForName="Parent8" op="lte"/>
+              <dgm:constr type="primFontSz" for="des" forName="Child6" refType="primFontSz" refFor="des" refForName="Parent8" op="lte"/>
+              <dgm:constr type="primFontSz" for="des" forName="Child7" refType="primFontSz" refFor="des" refForName="Parent8" op="lte"/>
+              <dgm:constr type="primFontSz" for="des" forName="Child8" refType="primFontSz" refFor="des" refForName="Parent8" op="lte"/>
+              <dgm:constr type="primFontSz" for="des" forName="Child9" refType="primFontSz" refFor="des" refForName="Parent8" op="lte"/>
+              <dgm:constr type="primFontSz" for="des" forName="Child1" refType="primFontSz" refFor="des" refForName="Parent9" op="lte"/>
+              <dgm:constr type="primFontSz" for="des" forName="Child2" refType="primFontSz" refFor="des" refForName="Parent9" op="lte"/>
+              <dgm:constr type="primFontSz" for="des" forName="Child3" refType="primFontSz" refFor="des" refForName="Parent9" op="lte"/>
+              <dgm:constr type="primFontSz" for="des" forName="Child4" refType="primFontSz" refFor="des" refForName="Parent9" op="lte"/>
+              <dgm:constr type="primFontSz" for="des" forName="Child5" refType="primFontSz" refFor="des" refForName="Parent9" op="lte"/>
+              <dgm:constr type="primFontSz" for="des" forName="Child6" refType="primFontSz" refFor="des" refForName="Parent9" op="lte"/>
+              <dgm:constr type="primFontSz" for="des" forName="Child7" refType="primFontSz" refFor="des" refForName="Parent9" op="lte"/>
+              <dgm:constr type="primFontSz" for="des" forName="Child8" refType="primFontSz" refFor="des" refForName="Parent9" op="lte"/>
+              <dgm:constr type="primFontSz" for="des" forName="Child9" refType="primFontSz" refFor="des" refForName="Parent9" op="lte"/>
+              <dgm:constr type="primFontSz" for="des" forName="Parent2" refType="primFontSz" refFor="des" refForName="Parent1" op="equ"/>
+              <dgm:constr type="primFontSz" for="des" forName="Parent3" refType="primFontSz" refFor="des" refForName="Parent1" op="equ"/>
+              <dgm:constr type="primFontSz" for="des" forName="Parent4" refType="primFontSz" refFor="des" refForName="Parent1" op="equ"/>
+              <dgm:constr type="primFontSz" for="des" forName="Parent5" refType="primFontSz" refFor="des" refForName="Parent1" op="equ"/>
+              <dgm:constr type="primFontSz" for="des" forName="Parent6" refType="primFontSz" refFor="des" refForName="Parent1" op="equ"/>
+              <dgm:constr type="primFontSz" for="des" forName="Parent7" refType="primFontSz" refFor="des" refForName="Parent1" op="equ"/>
+              <dgm:constr type="primFontSz" for="des" forName="Parent8" refType="primFontSz" refFor="des" refForName="Parent1" op="equ"/>
+              <dgm:constr type="primFontSz" for="des" forName="Parent9" refType="primFontSz" refFor="des" refForName="Parent1" op="equ"/>
+              <dgm:constr type="primFontSz" for="des" forName="Child2" refType="primFontSz" refFor="des" refForName="Child1" op="equ"/>
+              <dgm:constr type="primFontSz" for="des" forName="Child3" refType="primFontSz" refFor="des" refForName="Child1" op="equ"/>
+              <dgm:constr type="primFontSz" for="des" forName="Child4" refType="primFontSz" refFor="des" refForName="Child1" op="equ"/>
+              <dgm:constr type="primFontSz" for="des" forName="Child5" refType="primFontSz" refFor="des" refForName="Child1" op="equ"/>
+              <dgm:constr type="primFontSz" for="des" forName="Child6" refType="primFontSz" refFor="des" refForName="Child1" op="equ"/>
+              <dgm:constr type="primFontSz" for="des" forName="Child7" refType="primFontSz" refFor="des" refForName="Child1" op="equ"/>
+              <dgm:constr type="primFontSz" for="des" forName="Child8" refType="primFontSz" refFor="des" refForName="Child1" op="equ"/>
+              <dgm:constr type="primFontSz" for="des" forName="Child9" refType="primFontSz" refFor="des" refForName="Child1" op="equ"/>
+              <dgm:constr type="l" for="ch" forName="Parent9" refType="w" fact="0.9119"/>
+              <dgm:constr type="t" for="ch" forName="Parent9" refType="h" fact="0.2022"/>
+              <dgm:constr type="w" for="ch" forName="Parent9" refType="w" fact="0.0705"/>
+              <dgm:constr type="h" for="ch" forName="Parent9" refType="h" fact="0.3799"/>
+              <dgm:constr type="l" for="ch" forName="Parent8" refType="w" fact="0.8026"/>
+              <dgm:constr type="t" for="ch" forName="Parent8" refType="h" fact="0.2022"/>
+              <dgm:constr type="w" for="ch" forName="Parent8" refType="w" fact="0.0705"/>
+              <dgm:constr type="h" for="ch" forName="Parent8" refType="h" fact="0.3799"/>
+              <dgm:constr type="l" for="ch" forName="Parent7" refType="w" fact="0.6933"/>
+              <dgm:constr type="t" for="ch" forName="Parent7" refType="h" fact="0.2022"/>
+              <dgm:constr type="w" for="ch" forName="Parent7" refType="w" fact="0.0705"/>
+              <dgm:constr type="h" for="ch" forName="Parent7" refType="h" fact="0.3799"/>
+              <dgm:constr type="l" for="ch" forName="Parent6" refType="w" fact="0.584"/>
+              <dgm:constr type="t" for="ch" forName="Parent6" refType="h" fact="0.2022"/>
+              <dgm:constr type="w" for="ch" forName="Parent6" refType="w" fact="0.0705"/>
+              <dgm:constr type="h" for="ch" forName="Parent6" refType="h" fact="0.3799"/>
+              <dgm:constr type="l" for="ch" forName="Parent5" refType="w" fact="0.4747"/>
+              <dgm:constr type="t" for="ch" forName="Parent5" refType="h" fact="0.2022"/>
+              <dgm:constr type="w" for="ch" forName="Parent5" refType="w" fact="0.0705"/>
+              <dgm:constr type="h" for="ch" forName="Parent5" refType="h" fact="0.3799"/>
+              <dgm:constr type="l" for="ch" forName="Parent4" refType="w" fact="0.3654"/>
+              <dgm:constr type="t" for="ch" forName="Parent4" refType="h" fact="0.2022"/>
+              <dgm:constr type="w" for="ch" forName="Parent4" refType="w" fact="0.0705"/>
+              <dgm:constr type="h" for="ch" forName="Parent4" refType="h" fact="0.3799"/>
+              <dgm:constr type="l" for="ch" forName="Parent3" refType="w" fact="0.2561"/>
+              <dgm:constr type="t" for="ch" forName="Parent3" refType="h" fact="0.2022"/>
+              <dgm:constr type="w" for="ch" forName="Parent3" refType="w" fact="0.0705"/>
+              <dgm:constr type="h" for="ch" forName="Parent3" refType="h" fact="0.3799"/>
+              <dgm:constr type="l" for="ch" forName="Parent2" refType="w" fact="0.1468"/>
+              <dgm:constr type="t" for="ch" forName="Parent2" refType="h" fact="0.2022"/>
+              <dgm:constr type="w" for="ch" forName="Parent2" refType="w" fact="0.0705"/>
+              <dgm:constr type="h" for="ch" forName="Parent2" refType="h" fact="0.3799"/>
+              <dgm:constr type="l" for="ch" forName="Parent1" refType="w" fact="0.0375"/>
+              <dgm:constr type="t" for="ch" forName="Parent1" refType="h" fact="0.2022"/>
+              <dgm:constr type="w" for="ch" forName="Parent1" refType="w" fact="0.0705"/>
+              <dgm:constr type="h" for="ch" forName="Parent1" refType="h" fact="0.3799"/>
+              <dgm:constr type="l" for="ch" forName="Accent9" refType="w" fact="0.8942"/>
+              <dgm:constr type="t" for="ch" forName="Accent9" refType="h" fact="0.1072"/>
+              <dgm:constr type="w" for="ch" forName="Accent9" refType="w" fact="0.1058"/>
+              <dgm:constr type="h" for="ch" forName="Accent9" refType="h" fact="0.5699"/>
+              <dgm:constr type="l" for="ch" forName="ParentBackground9" refType="w" fact="0.8978"/>
+              <dgm:constr type="t" for="ch" forName="ParentBackground9" refType="h" fact="0.1262"/>
+              <dgm:constr type="w" for="ch" forName="ParentBackground9" refType="w" fact="0.0987"/>
+              <dgm:constr type="h" for="ch" forName="ParentBackground9" refType="h" fact="0.5319"/>
+              <dgm:constr type="l" for="ch" forName="Child9" refType="w" fact="0.8978"/>
+              <dgm:constr type="t" for="ch" forName="Child9" refType="h" fact="0.6876"/>
+              <dgm:constr type="w" for="ch" forName="Child9" refType="w" fact="0.0987"/>
+              <dgm:constr type="h" for="ch" forName="Child9" refType="h" fact="0.3124"/>
+              <dgm:constr type="l" for="ch" forName="Accent8" refType="w" fact="0.763"/>
+              <dgm:constr type="t" for="ch" forName="Accent8" refType="h" fact="-0.0109"/>
+              <dgm:constr type="w" for="ch" forName="Accent8" refType="w" fact="0.1496"/>
+              <dgm:constr type="h" for="ch" forName="Accent8" refType="h" fact="0.806"/>
+              <dgm:constr type="l" for="ch" forName="ParentBackground8" refType="w" fact="0.7885"/>
+              <dgm:constr type="t" for="ch" forName="ParentBackground8" refType="h" fact="0.1262"/>
+              <dgm:constr type="w" for="ch" forName="ParentBackground8" refType="w" fact="0.0987"/>
+              <dgm:constr type="h" for="ch" forName="ParentBackground8" refType="h" fact="0.5319"/>
+              <dgm:constr type="l" for="ch" forName="Child8" refType="w" fact="0.7885"/>
+              <dgm:constr type="t" for="ch" forName="Child8" refType="h" fact="0.6876"/>
+              <dgm:constr type="w" for="ch" forName="Child8" refType="w" fact="0.0987"/>
+              <dgm:constr type="h" for="ch" forName="Child8" refType="h" fact="0.3124"/>
+              <dgm:constr type="l" for="ch" forName="Accent7" refType="w" fact="0.6538"/>
+              <dgm:constr type="t" for="ch" forName="Accent7" refType="h" fact="-0.0109"/>
+              <dgm:constr type="w" for="ch" forName="Accent7" refType="w" fact="0.1496"/>
+              <dgm:constr type="h" for="ch" forName="Accent7" refType="h" fact="0.806"/>
+              <dgm:constr type="l" for="ch" forName="ParentBackground7" refType="w" fact="0.6792"/>
+              <dgm:constr type="t" for="ch" forName="ParentBackground7" refType="h" fact="0.1262"/>
+              <dgm:constr type="w" for="ch" forName="ParentBackground7" refType="w" fact="0.0987"/>
+              <dgm:constr type="h" for="ch" forName="ParentBackground7" refType="h" fact="0.5319"/>
+              <dgm:constr type="l" for="ch" forName="Child7" refType="w" fact="0.6792"/>
+              <dgm:constr type="t" for="ch" forName="Child7" refType="h" fact="0.6876"/>
+              <dgm:constr type="w" for="ch" forName="Child7" refType="w" fact="0.0987"/>
+              <dgm:constr type="h" for="ch" forName="Child7" refType="h" fact="0.3124"/>
+              <dgm:constr type="l" for="ch" forName="Accent6" refType="w" fact="0.5445"/>
+              <dgm:constr type="t" for="ch" forName="Accent6" refType="h" fact="-0.0109"/>
+              <dgm:constr type="w" for="ch" forName="Accent6" refType="w" fact="0.1496"/>
+              <dgm:constr type="h" for="ch" forName="Accent6" refType="h" fact="0.806"/>
+              <dgm:constr type="l" for="ch" forName="ParentBackground6" refType="w" fact="0.5699"/>
+              <dgm:constr type="t" for="ch" forName="ParentBackground6" refType="h" fact="0.1262"/>
+              <dgm:constr type="w" for="ch" forName="ParentBackground6" refType="w" fact="0.0987"/>
+              <dgm:constr type="h" for="ch" forName="ParentBackground6" refType="h" fact="0.5319"/>
+              <dgm:constr type="l" for="ch" forName="Child6" refType="w" fact="0.5699"/>
+              <dgm:constr type="t" for="ch" forName="Child6" refType="h" fact="0.6876"/>
+              <dgm:constr type="w" for="ch" forName="Child6" refType="w" fact="0.0987"/>
+              <dgm:constr type="h" for="ch" forName="Child6" refType="h" fact="0.3124"/>
+              <dgm:constr type="l" for="ch" forName="Accent5" refType="w" fact="0.4352"/>
+              <dgm:constr type="t" for="ch" forName="Accent5" refType="h" fact="-0.0109"/>
+              <dgm:constr type="w" for="ch" forName="Accent5" refType="w" fact="0.1496"/>
+              <dgm:constr type="h" for="ch" forName="Accent5" refType="h" fact="0.806"/>
+              <dgm:constr type="l" for="ch" forName="ParentBackground5" refType="w" fact="0.4606"/>
+              <dgm:constr type="t" for="ch" forName="ParentBackground5" refType="h" fact="0.1262"/>
+              <dgm:constr type="w" for="ch" forName="ParentBackground5" refType="w" fact="0.0987"/>
+              <dgm:constr type="h" for="ch" forName="ParentBackground5" refType="h" fact="0.5319"/>
+              <dgm:constr type="l" for="ch" forName="Child5" refType="w" fact="0.4606"/>
+              <dgm:constr type="t" for="ch" forName="Child5" refType="h" fact="0.6876"/>
+              <dgm:constr type="w" for="ch" forName="Child5" refType="w" fact="0.0987"/>
+              <dgm:constr type="h" for="ch" forName="Child5" refType="h" fact="0.3124"/>
+              <dgm:constr type="l" for="ch" forName="Accent4" refType="w" fact="0.3259"/>
+              <dgm:constr type="t" for="ch" forName="Accent4" refType="h" fact="-0.0109"/>
+              <dgm:constr type="w" for="ch" forName="Accent4" refType="w" fact="0.1496"/>
+              <dgm:constr type="h" for="ch" forName="Accent4" refType="h" fact="0.806"/>
+              <dgm:constr type="l" for="ch" forName="ParentBackground4" refType="w" fact="0.3513"/>
+              <dgm:constr type="t" for="ch" forName="ParentBackground4" refType="h" fact="0.1262"/>
+              <dgm:constr type="w" for="ch" forName="ParentBackground4" refType="w" fact="0.0987"/>
+              <dgm:constr type="h" for="ch" forName="ParentBackground4" refType="h" fact="0.5319"/>
+              <dgm:constr type="l" for="ch" forName="Child4" refType="w" fact="0.3513"/>
+              <dgm:constr type="t" for="ch" forName="Child4" refType="h" fact="0.6876"/>
+              <dgm:constr type="w" for="ch" forName="Child4" refType="w" fact="0.0987"/>
+              <dgm:constr type="h" for="ch" forName="Child4" refType="h" fact="0.3124"/>
+              <dgm:constr type="l" for="ch" forName="Accent3" refType="w" fact="0.2166"/>
+              <dgm:constr type="t" for="ch" forName="Accent3" refType="h" fact="-0.0109"/>
+              <dgm:constr type="w" for="ch" forName="Accent3" refType="w" fact="0.1496"/>
+              <dgm:constr type="h" for="ch" forName="Accent3" refType="h" fact="0.806"/>
+              <dgm:constr type="l" for="ch" forName="ParentBackground3" refType="w" fact="0.242"/>
+              <dgm:constr type="t" for="ch" forName="ParentBackground3" refType="h" fact="0.1262"/>
+              <dgm:constr type="w" for="ch" forName="ParentBackground3" refType="w" fact="0.0987"/>
+              <dgm:constr type="h" for="ch" forName="ParentBackground3" refType="h" fact="0.5319"/>
+              <dgm:constr type="l" for="ch" forName="Child3" refType="w" fact="0.242"/>
+              <dgm:constr type="t" for="ch" forName="Child3" refType="h" fact="0.6876"/>
+              <dgm:constr type="w" for="ch" forName="Child3" refType="w" fact="0.0987"/>
+              <dgm:constr type="h" for="ch" forName="Child3" refType="h" fact="0.3124"/>
+              <dgm:constr type="l" for="ch" forName="Accent2" refType="w" fact="0.1073"/>
+              <dgm:constr type="t" for="ch" forName="Accent2" refType="h" fact="-0.0109"/>
+              <dgm:constr type="w" for="ch" forName="Accent2" refType="w" fact="0.1496"/>
+              <dgm:constr type="h" for="ch" forName="Accent2" refType="h" fact="0.806"/>
+              <dgm:constr type="l" for="ch" forName="ParentBackground2" refType="w" fact="0.1327"/>
+              <dgm:constr type="t" for="ch" forName="ParentBackground2" refType="h" fact="0.1262"/>
+              <dgm:constr type="w" for="ch" forName="ParentBackground2" refType="w" fact="0.0987"/>
+              <dgm:constr type="h" for="ch" forName="ParentBackground2" refType="h" fact="0.5319"/>
+              <dgm:constr type="l" for="ch" forName="Child2" refType="w" fact="0.1327"/>
+              <dgm:constr type="t" for="ch" forName="Child2" refType="h" fact="0.6876"/>
+              <dgm:constr type="w" for="ch" forName="Child2" refType="w" fact="0.0987"/>
+              <dgm:constr type="h" for="ch" forName="Child2" refType="h" fact="0.3124"/>
+              <dgm:constr type="l" for="ch" forName="Accent1" refType="w" fact="-0.002"/>
+              <dgm:constr type="t" for="ch" forName="Accent1" refType="h" fact="-0.0109"/>
+              <dgm:constr type="w" for="ch" forName="Accent1" refType="w" fact="0.1496"/>
+              <dgm:constr type="h" for="ch" forName="Accent1" refType="h" fact="0.806"/>
+              <dgm:constr type="l" for="ch" forName="ParentBackground1" refType="w" fact="0.0234"/>
+              <dgm:constr type="t" for="ch" forName="ParentBackground1" refType="h" fact="0.1262"/>
+              <dgm:constr type="w" for="ch" forName="ParentBackground1" refType="w" fact="0.0987"/>
+              <dgm:constr type="h" for="ch" forName="ParentBackground1" refType="h" fact="0.5319"/>
+              <dgm:constr type="l" for="ch" forName="Child1" refType="w" fact="0.0234"/>
+              <dgm:constr type="t" for="ch" forName="Child1" refType="h" fact="0.6876"/>
+              <dgm:constr type="w" for="ch" forName="Child1" refType="w" fact="0.0987"/>
+              <dgm:constr type="h" for="ch" forName="Child1" refType="h" fact="0.3124"/>
+            </dgm:constrLst>
+          </dgm:if>
+          <dgm:if name="Name13" axis="ch" ptType="node" func="cnt" op="equ" val="10">
+            <dgm:alg type="composite">
+              <dgm:param type="ar" val="5.9769"/>
+            </dgm:alg>
+            <dgm:constrLst>
+              <dgm:constr type="primFontSz" for="des" forName="Child1" val="65"/>
+              <dgm:constr type="primFontSz" for="des" forName="Parent1" val="65"/>
+              <dgm:constr type="primFontSz" for="des" forName="Child1" refType="primFontSz" refFor="des" refForName="Parent1" op="lte"/>
+              <dgm:constr type="primFontSz" for="des" forName="Child2" refType="primFontSz" refFor="des" refForName="Parent1" op="lte"/>
+              <dgm:constr type="primFontSz" for="des" forName="Child3" refType="primFontSz" refFor="des" refForName="Parent1" op="lte"/>
+              <dgm:constr type="primFontSz" for="des" forName="Child4" refType="primFontSz" refFor="des" refForName="Parent1" op="lte"/>
+              <dgm:constr type="primFontSz" for="des" forName="Child5" refType="primFontSz" refFor="des" refForName="Parent1" op="lte"/>
+              <dgm:constr type="primFontSz" for="des" forName="Child6" refType="primFontSz" refFor="des" refForName="Parent1" op="lte"/>
+              <dgm:constr type="primFontSz" for="des" forName="Child7" refType="primFontSz" refFor="des" refForName="Parent1" op="lte"/>
+              <dgm:constr type="primFontSz" for="des" forName="Child8" refType="primFontSz" refFor="des" refForName="Parent1" op="lte"/>
+              <dgm:constr type="primFontSz" for="des" forName="Child9" refType="primFontSz" refFor="des" refForName="Parent1" op="lte"/>
+              <dgm:constr type="primFontSz" for="des" forName="Child10" refType="primFontSz" refFor="des" refForName="Parent1" op="lte"/>
+              <dgm:constr type="primFontSz" for="des" forName="Child1" refType="primFontSz" refFor="des" refForName="Parent2" op="lte"/>
+              <dgm:constr type="primFontSz" for="des" forName="Child2" refType="primFontSz" refFor="des" refForName="Parent2" op="lte"/>
+              <dgm:constr type="primFontSz" for="des" forName="Child3" refType="primFontSz" refFor="des" refForName="Parent2" op="lte"/>
+              <dgm:constr type="primFontSz" for="des" forName="Child4" refType="primFontSz" refFor="des" refForName="Parent2" op="lte"/>
+              <dgm:constr type="primFontSz" for="des" forName="Child5" refType="primFontSz" refFor="des" refForName="Parent2" op="lte"/>
+              <dgm:constr type="primFontSz" for="des" forName="Child6" refType="primFontSz" refFor="des" refForName="Parent2" op="lte"/>
+              <dgm:constr type="primFontSz" for="des" forName="Child7" refType="primFontSz" refFor="des" refForName="Parent2" op="lte"/>
+              <dgm:constr type="primFontSz" for="des" forName="Child8" refType="primFontSz" refFor="des" refForName="Parent2" op="lte"/>
+              <dgm:constr type="primFontSz" for="des" forName="Child9" refType="primFontSz" refFor="des" refForName="Parent2" op="lte"/>
+              <dgm:constr type="primFontSz" for="des" forName="Child10" refType="primFontSz" refFor="des" refForName="Parent2" op="lte"/>
+              <dgm:constr type="primFontSz" for="des" forName="Child1" refType="primFontSz" refFor="des" refForName="Parent3" op="lte"/>
+              <dgm:constr type="primFontSz" for="des" forName="Child2" refType="primFontSz" refFor="des" refForName="Parent3" op="lte"/>
+              <dgm:constr type="primFontSz" for="des" forName="Child3" refType="primFontSz" refFor="des" refForName="Parent3" op="lte"/>
+              <dgm:constr type="primFontSz" for="des" forName="Child4" refType="primFontSz" refFor="des" refForName="Parent3" op="lte"/>
+              <dgm:constr type="primFontSz" for="des" forName="Child5" refType="primFontSz" refFor="des" refForName="Parent3" op="lte"/>
+              <dgm:constr type="primFontSz" for="des" forName="Child6" refType="primFontSz" refFor="des" refForName="Parent3" op="lte"/>
+              <dgm:constr type="primFontSz" for="des" forName="Child7" refType="primFontSz" refFor="des" refForName="Parent3" op="lte"/>
+              <dgm:constr type="primFontSz" for="des" forName="Child8" refType="primFontSz" refFor="des" refForName="Parent3" op="lte"/>
+              <dgm:constr type="primFontSz" for="des" forName="Child9" refType="primFontSz" refFor="des" refForName="Parent3" op="lte"/>
+              <dgm:constr type="primFontSz" for="des" forName="Child10" refType="primFontSz" refFor="des" refForName="Parent3" op="lte"/>
+              <dgm:constr type="primFontSz" for="des" forName="Child1" refType="primFontSz" refFor="des" refForName="Parent4" op="lte"/>
+              <dgm:constr type="primFontSz" for="des" forName="Child2" refType="primFontSz" refFor="des" refForName="Parent4" op="lte"/>
+              <dgm:constr type="primFontSz" for="des" forName="Child3" refType="primFontSz" refFor="des" refForName="Parent4" op="lte"/>
+              <dgm:constr type="primFontSz" for="des" forName="Child4" refType="primFontSz" refFor="des" refForName="Parent4" op="lte"/>
+              <dgm:constr type="primFontSz" for="des" forName="Child5" refType="primFontSz" refFor="des" refForName="Parent4" op="lte"/>
+              <dgm:constr type="primFontSz" for="des" forName="Child6" refType="primFontSz" refFor="des" refForName="Parent4" op="lte"/>
+              <dgm:constr type="primFontSz" for="des" forName="Child7" refType="primFontSz" refFor="des" refForName="Parent4" op="lte"/>
+              <dgm:constr type="primFontSz" for="des" forName="Child8" refType="primFontSz" refFor="des" refForName="Parent4" op="lte"/>
+              <dgm:constr type="primFontSz" for="des" forName="Child9" refType="primFontSz" refFor="des" refForName="Parent4" op="lte"/>
+              <dgm:constr type="primFontSz" for="des" forName="Child10" refType="primFontSz" refFor="des" refForName="Parent4" op="lte"/>
+              <dgm:constr type="primFontSz" for="des" forName="Child1" refType="primFontSz" refFor="des" refForName="Parent5" op="lte"/>
+              <dgm:constr type="primFontSz" for="des" forName="Child2" refType="primFontSz" refFor="des" refForName="Parent5" op="lte"/>
+              <dgm:constr type="primFontSz" for="des" forName="Child3" refType="primFontSz" refFor="des" refForName="Parent5" op="lte"/>
+              <dgm:constr type="primFontSz" for="des" forName="Child4" refType="primFontSz" refFor="des" refForName="Parent5" op="lte"/>
+              <dgm:constr type="primFontSz" for="des" forName="Child5" refType="primFontSz" refFor="des" refForName="Parent5" op="lte"/>
+              <dgm:constr type="primFontSz" for="des" forName="Child6" refType="primFontSz" refFor="des" refForName="Parent5" op="lte"/>
+              <dgm:constr type="primFontSz" for="des" forName="Child7" refType="primFontSz" refFor="des" refForName="Parent5" op="lte"/>
+              <dgm:constr type="primFontSz" for="des" forName="Child8" refType="primFontSz" refFor="des" refForName="Parent5" op="lte"/>
+              <dgm:constr type="primFontSz" for="des" forName="Child9" refType="primFontSz" refFor="des" refForName="Parent5" op="lte"/>
+              <dgm:constr type="primFontSz" for="des" forName="Child10" refType="primFontSz" refFor="des" refForName="Parent5" op="lte"/>
+              <dgm:constr type="primFontSz" for="des" forName="Child1" refType="primFontSz" refFor="des" refForName="Parent6" op="lte"/>
+              <dgm:constr type="primFontSz" for="des" forName="Child2" refType="primFontSz" refFor="des" refForName="Parent6" op="lte"/>
+              <dgm:constr type="primFontSz" for="des" forName="Child3" refType="primFontSz" refFor="des" refForName="Parent6" op="lte"/>
+              <dgm:constr type="primFontSz" for="des" forName="Child4" refType="primFontSz" refFor="des" refForName="Parent6" op="lte"/>
+              <dgm:constr type="primFontSz" for="des" forName="Child5" refType="primFontSz" refFor="des" refForName="Parent6" op="lte"/>
+              <dgm:constr type="primFontSz" for="des" forName="Child6" refType="primFontSz" refFor="des" refForName="Parent6" op="lte"/>
+              <dgm:constr type="primFontSz" for="des" forName="Child7" refType="primFontSz" refFor="des" refForName="Parent6" op="lte"/>
+              <dgm:constr type="primFontSz" for="des" forName="Child8" refType="primFontSz" refFor="des" refForName="Parent6" op="lte"/>
+              <dgm:constr type="primFontSz" for="des" forName="Child9" refType="primFontSz" refFor="des" refForName="Parent6" op="lte"/>
+              <dgm:constr type="primFontSz" for="des" forName="Child10" refType="primFontSz" refFor="des" refForName="Parent7" op="lte"/>
+              <dgm:constr type="primFontSz" for="des" forName="Child1" refType="primFontSz" refFor="des" refForName="Parent7" op="lte"/>
+              <dgm:constr type="primFontSz" for="des" forName="Child2" refType="primFontSz" refFor="des" refForName="Parent7" op="lte"/>
+              <dgm:constr type="primFontSz" for="des" forName="Child3" refType="primFontSz" refFor="des" refForName="Parent7" op="lte"/>
+              <dgm:constr type="primFontSz" for="des" forName="Child4" refType="primFontSz" refFor="des" refForName="Parent7" op="lte"/>
+              <dgm:constr type="primFontSz" for="des" forName="Child5" refType="primFontSz" refFor="des" refForName="Parent7" op="lte"/>
+              <dgm:constr type="primFontSz" for="des" forName="Child6" refType="primFontSz" refFor="des" refForName="Parent7" op="lte"/>
+              <dgm:constr type="primFontSz" for="des" forName="Child7" refType="primFontSz" refFor="des" refForName="Parent7" op="lte"/>
+              <dgm:constr type="primFontSz" for="des" forName="Child8" refType="primFontSz" refFor="des" refForName="Parent7" op="lte"/>
+              <dgm:constr type="primFontSz" for="des" forName="Child9" refType="primFontSz" refFor="des" refForName="Parent7" op="lte"/>
+              <dgm:constr type="primFontSz" for="des" forName="Child10" refType="primFontSz" refFor="des" refForName="Parent7" op="lte"/>
+              <dgm:constr type="primFontSz" for="des" forName="Child1" refType="primFontSz" refFor="des" refForName="Parent8" op="lte"/>
+              <dgm:constr type="primFontSz" for="des" forName="Child2" refType="primFontSz" refFor="des" refForName="Parent8" op="lte"/>
+              <dgm:constr type="primFontSz" for="des" forName="Child3" refType="primFontSz" refFor="des" refForName="Parent8" op="lte"/>
+              <dgm:constr type="primFontSz" for="des" forName="Child4" refType="primFontSz" refFor="des" refForName="Parent8" op="lte"/>
+              <dgm:constr type="primFontSz" for="des" forName="Child5" refType="primFontSz" refFor="des" refForName="Parent8" op="lte"/>
+              <dgm:constr type="primFontSz" for="des" forName="Child6" refType="primFontSz" refFor="des" refForName="Parent8" op="lte"/>
+              <dgm:constr type="primFontSz" for="des" forName="Child7" refType="primFontSz" refFor="des" refForName="Parent8" op="lte"/>
+              <dgm:constr type="primFontSz" for="des" forName="Child8" refType="primFontSz" refFor="des" refForName="Parent8" op="lte"/>
+              <dgm:constr type="primFontSz" for="des" forName="Child9" refType="primFontSz" refFor="des" refForName="Parent8" op="lte"/>
+              <dgm:constr type="primFontSz" for="des" forName="Child10" refType="primFontSz" refFor="des" refForName="Parent8" op="lte"/>
+              <dgm:constr type="primFontSz" for="des" forName="Child1" refType="primFontSz" refFor="des" refForName="Parent9" op="lte"/>
+              <dgm:constr type="primFontSz" for="des" forName="Child2" refType="primFontSz" refFor="des" refForName="Parent9" op="lte"/>
+              <dgm:constr type="primFontSz" for="des" forName="Child3" refType="primFontSz" refFor="des" refForName="Parent9" op="lte"/>
+              <dgm:constr type="primFontSz" for="des" forName="Child4" refType="primFontSz" refFor="des" refForName="Parent9" op="lte"/>
+              <dgm:constr type="primFontSz" for="des" forName="Child5" refType="primFontSz" refFor="des" refForName="Parent9" op="lte"/>
+              <dgm:constr type="primFontSz" for="des" forName="Child6" refType="primFontSz" refFor="des" refForName="Parent9" op="lte"/>
+              <dgm:constr type="primFontSz" for="des" forName="Child7" refType="primFontSz" refFor="des" refForName="Parent9" op="lte"/>
+              <dgm:constr type="primFontSz" for="des" forName="Child8" refType="primFontSz" refFor="des" refForName="Parent9" op="lte"/>
+              <dgm:constr type="primFontSz" for="des" forName="Child9" refType="primFontSz" refFor="des" refForName="Parent9" op="lte"/>
+              <dgm:constr type="primFontSz" for="des" forName="Child10" refType="primFontSz" refFor="des" refForName="Parent9" op="lte"/>
+              <dgm:constr type="primFontSz" for="des" forName="Child1" refType="primFontSz" refFor="des" refForName="Parent10" op="lte"/>
+              <dgm:constr type="primFontSz" for="des" forName="Child2" refType="primFontSz" refFor="des" refForName="Parent10" op="lte"/>
+              <dgm:constr type="primFontSz" for="des" forName="Child3" refType="primFontSz" refFor="des" refForName="Parent10" op="lte"/>
+              <dgm:constr type="primFontSz" for="des" forName="Child4" refType="primFontSz" refFor="des" refForName="Parent10" op="lte"/>
+              <dgm:constr type="primFontSz" for="des" forName="Child5" refType="primFontSz" refFor="des" refForName="Parent10" op="lte"/>
+              <dgm:constr type="primFontSz" for="des" forName="Child6" refType="primFontSz" refFor="des" refForName="Parent10" op="lte"/>
+              <dgm:constr type="primFontSz" for="des" forName="Child7" refType="primFontSz" refFor="des" refForName="Parent10" op="lte"/>
+              <dgm:constr type="primFontSz" for="des" forName="Child8" refType="primFontSz" refFor="des" refForName="Parent10" op="lte"/>
+              <dgm:constr type="primFontSz" for="des" forName="Child9" refType="primFontSz" refFor="des" refForName="Parent10" op="lte"/>
+              <dgm:constr type="primFontSz" for="des" forName="Child10" refType="primFontSz" refFor="des" refForName="Parent10" op="lte"/>
+              <dgm:constr type="primFontSz" for="des" forName="Parent2" refType="primFontSz" refFor="des" refForName="Parent1" op="equ"/>
+              <dgm:constr type="primFontSz" for="des" forName="Parent3" refType="primFontSz" refFor="des" refForName="Parent1" op="equ"/>
+              <dgm:constr type="primFontSz" for="des" forName="Parent4" refType="primFontSz" refFor="des" refForName="Parent1" op="equ"/>
+              <dgm:constr type="primFontSz" for="des" forName="Parent5" refType="primFontSz" refFor="des" refForName="Parent1" op="equ"/>
+              <dgm:constr type="primFontSz" for="des" forName="Parent6" refType="primFontSz" refFor="des" refForName="Parent1" op="equ"/>
+              <dgm:constr type="primFontSz" for="des" forName="Parent7" refType="primFontSz" refFor="des" refForName="Parent1" op="equ"/>
+              <dgm:constr type="primFontSz" for="des" forName="Parent8" refType="primFontSz" refFor="des" refForName="Parent1" op="equ"/>
+              <dgm:constr type="primFontSz" for="des" forName="Parent9" refType="primFontSz" refFor="des" refForName="Parent1" op="equ"/>
+              <dgm:constr type="primFontSz" for="des" forName="Parent10" refType="primFontSz" refFor="des" refForName="Parent1" op="equ"/>
+              <dgm:constr type="primFontSz" for="des" forName="Child2" refType="primFontSz" refFor="des" refForName="Child1" op="equ"/>
+              <dgm:constr type="primFontSz" for="des" forName="Child3" refType="primFontSz" refFor="des" refForName="Child1" op="equ"/>
+              <dgm:constr type="primFontSz" for="des" forName="Child4" refType="primFontSz" refFor="des" refForName="Child1" op="equ"/>
+              <dgm:constr type="primFontSz" for="des" forName="Child5" refType="primFontSz" refFor="des" refForName="Child1" op="equ"/>
+              <dgm:constr type="primFontSz" for="des" forName="Child6" refType="primFontSz" refFor="des" refForName="Child1" op="equ"/>
+              <dgm:constr type="primFontSz" for="des" forName="Child7" refType="primFontSz" refFor="des" refForName="Child1" op="equ"/>
+              <dgm:constr type="primFontSz" for="des" forName="Child8" refType="primFontSz" refFor="des" refForName="Child1" op="equ"/>
+              <dgm:constr type="primFontSz" for="des" forName="Child9" refType="primFontSz" refFor="des" refForName="Child1" op="equ"/>
+              <dgm:constr type="primFontSz" for="des" forName="Child10" refType="primFontSz" refFor="des" refForName="Child1" op="equ"/>
+              <dgm:constr type="l" for="ch" forName="Parent10" refType="w" fact="0.9205"/>
+              <dgm:constr type="t" for="ch" forName="Parent10" refType="h" fact="0.2022"/>
+              <dgm:constr type="w" for="ch" forName="Parent10" refType="w" fact="0.0636"/>
+              <dgm:constr type="h" for="ch" forName="Parent10" refType="h" fact="0.3799"/>
+              <dgm:constr type="l" for="ch" forName="Parent9" refType="w" fact="0.822"/>
+              <dgm:constr type="t" for="ch" forName="Parent9" refType="h" fact="0.2022"/>
+              <dgm:constr type="w" for="ch" forName="Parent9" refType="w" fact="0.0636"/>
+              <dgm:constr type="h" for="ch" forName="Parent9" refType="h" fact="0.3799"/>
+              <dgm:constr type="l" for="ch" forName="Parent8" refType="w" fact="0.7235"/>
+              <dgm:constr type="t" for="ch" forName="Parent8" refType="h" fact="0.2022"/>
+              <dgm:constr type="w" for="ch" forName="Parent8" refType="w" fact="0.0636"/>
+              <dgm:constr type="h" for="ch" forName="Parent8" refType="h" fact="0.3799"/>
+              <dgm:constr type="l" for="ch" forName="Parent7" refType="w" fact="0.625"/>
+              <dgm:constr type="t" for="ch" forName="Parent7" refType="h" fact="0.2022"/>
+              <dgm:constr type="w" for="ch" forName="Parent7" refType="w" fact="0.0636"/>
+              <dgm:constr type="h" for="ch" forName="Parent7" refType="h" fact="0.3799"/>
+              <dgm:constr type="l" for="ch" forName="Parent6" refType="w" fact="0.5264"/>
+              <dgm:constr type="t" for="ch" forName="Parent6" refType="h" fact="0.2022"/>
+              <dgm:constr type="w" for="ch" forName="Parent6" refType="w" fact="0.0636"/>
+              <dgm:constr type="h" for="ch" forName="Parent6" refType="h" fact="0.3799"/>
+              <dgm:constr type="l" for="ch" forName="Parent5" refType="w" fact="0.4279"/>
+              <dgm:constr type="t" for="ch" forName="Parent5" refType="h" fact="0.2022"/>
+              <dgm:constr type="w" for="ch" forName="Parent5" refType="w" fact="0.0636"/>
+              <dgm:constr type="h" for="ch" forName="Parent5" refType="h" fact="0.3799"/>
+              <dgm:constr type="l" for="ch" forName="Parent4" refType="w" fact="0.3294"/>
+              <dgm:constr type="t" for="ch" forName="Parent4" refType="h" fact="0.2022"/>
+              <dgm:constr type="w" for="ch" forName="Parent4" refType="w" fact="0.0636"/>
+              <dgm:constr type="h" for="ch" forName="Parent4" refType="h" fact="0.3799"/>
+              <dgm:constr type="l" for="ch" forName="Parent3" refType="w" fact="0.2309"/>
+              <dgm:constr type="t" for="ch" forName="Parent3" refType="h" fact="0.2022"/>
+              <dgm:constr type="w" for="ch" forName="Parent3" refType="w" fact="0.0636"/>
+              <dgm:constr type="h" for="ch" forName="Parent3" refType="h" fact="0.3799"/>
+              <dgm:constr type="l" for="ch" forName="Parent2" refType="w" fact="0.1324"/>
+              <dgm:constr type="t" for="ch" forName="Parent2" refType="h" fact="0.2022"/>
+              <dgm:constr type="w" for="ch" forName="Parent2" refType="w" fact="0.0636"/>
+              <dgm:constr type="h" for="ch" forName="Parent2" refType="h" fact="0.3799"/>
+              <dgm:constr type="l" for="ch" forName="Parent1" refType="w" fact="0.0338"/>
+              <dgm:constr type="t" for="ch" forName="Parent1" refType="h" fact="0.2022"/>
+              <dgm:constr type="w" for="ch" forName="Parent1" refType="w" fact="0.0636"/>
+              <dgm:constr type="h" for="ch" forName="Parent1" refType="h" fact="0.3799"/>
+              <dgm:constr type="l" for="ch" forName="Accent10" refType="w" fact="0.9047"/>
+              <dgm:constr type="t" for="ch" forName="Accent10" refType="h" fact="0.1072"/>
+              <dgm:constr type="w" for="ch" forName="Accent10" refType="w" fact="0.0953"/>
+              <dgm:constr type="h" for="ch" forName="Accent10" refType="h" fact="0.5699"/>
+              <dgm:constr type="l" for="ch" forName="ParentBackground10" refType="w" fact="0.9078"/>
+              <dgm:constr type="t" for="ch" forName="ParentBackground10" refType="h" fact="0.1262"/>
+              <dgm:constr type="w" for="ch" forName="ParentBackground10" refType="w" fact="0.089"/>
+              <dgm:constr type="h" for="ch" forName="ParentBackground10" refType="h" fact="0.5319"/>
+              <dgm:constr type="l" for="ch" forName="Child10" refType="w" fact="0.9078"/>
+              <dgm:constr type="t" for="ch" forName="Child10" refType="h" fact="0.6876"/>
+              <dgm:constr type="w" for="ch" forName="Child10" refType="w" fact="0.089"/>
+              <dgm:constr type="h" for="ch" forName="Child10" refType="h" fact="0.3124"/>
+              <dgm:constr type="l" for="ch" forName="Accent9" refType="w" fact="0.7864"/>
+              <dgm:constr type="t" for="ch" forName="Accent9" refType="h" fact="-0.0109"/>
+              <dgm:constr type="w" for="ch" forName="Accent9" refType="w" fact="0.1348"/>
+              <dgm:constr type="h" for="ch" forName="Accent9" refType="h" fact="0.806"/>
+              <dgm:constr type="l" for="ch" forName="ParentBackground9" refType="w" fact="0.8093"/>
+              <dgm:constr type="t" for="ch" forName="ParentBackground9" refType="h" fact="0.1262"/>
+              <dgm:constr type="w" for="ch" forName="ParentBackground9" refType="w" fact="0.089"/>
+              <dgm:constr type="h" for="ch" forName="ParentBackground9" refType="h" fact="0.5319"/>
+              <dgm:constr type="l" for="ch" forName="Child9" refType="w" fact="0.8093"/>
+              <dgm:constr type="t" for="ch" forName="Child9" refType="h" fact="0.6876"/>
+              <dgm:constr type="w" for="ch" forName="Child9" refType="w" fact="0.089"/>
+              <dgm:constr type="h" for="ch" forName="Child9" refType="h" fact="0.3124"/>
+              <dgm:constr type="l" for="ch" forName="Accent8" refType="w" fact="0.6879"/>
+              <dgm:constr type="t" for="ch" forName="Accent8" refType="h" fact="-0.0109"/>
+              <dgm:constr type="w" for="ch" forName="Accent8" refType="w" fact="0.1348"/>
+              <dgm:constr type="h" for="ch" forName="Accent8" refType="h" fact="0.806"/>
+              <dgm:constr type="l" for="ch" forName="ParentBackground8" refType="w" fact="0.7108"/>
+              <dgm:constr type="t" for="ch" forName="ParentBackground8" refType="h" fact="0.1262"/>
+              <dgm:constr type="w" for="ch" forName="ParentBackground8" refType="w" fact="0.089"/>
+              <dgm:constr type="h" for="ch" forName="ParentBackground8" refType="h" fact="0.5319"/>
+              <dgm:constr type="l" for="ch" forName="Child8" refType="w" fact="0.7108"/>
+              <dgm:constr type="t" for="ch" forName="Child8" refType="h" fact="0.6876"/>
+              <dgm:constr type="w" for="ch" forName="Child8" refType="w" fact="0.089"/>
+              <dgm:constr type="h" for="ch" forName="Child8" refType="h" fact="0.3124"/>
+              <dgm:constr type="l" for="ch" forName="Accent7" refType="w" fact="0.5893"/>
+              <dgm:constr type="t" for="ch" forName="Accent7" refType="h" fact="-0.0109"/>
+              <dgm:constr type="w" for="ch" forName="Accent7" refType="w" fact="0.1348"/>
+              <dgm:constr type="h" for="ch" forName="Accent7" refType="h" fact="0.806"/>
+              <dgm:constr type="l" for="ch" forName="ParentBackground7" refType="w" fact="0.6123"/>
+              <dgm:constr type="t" for="ch" forName="ParentBackground7" refType="h" fact="0.1262"/>
+              <dgm:constr type="w" for="ch" forName="ParentBackground7" refType="w" fact="0.089"/>
+              <dgm:constr type="h" for="ch" forName="ParentBackground7" refType="h" fact="0.5319"/>
+              <dgm:constr type="l" for="ch" forName="Child7" refType="w" fact="0.6123"/>
+              <dgm:constr type="t" for="ch" forName="Child7" refType="h" fact="0.6876"/>
+              <dgm:constr type="w" for="ch" forName="Child7" refType="w" fact="0.089"/>
+              <dgm:constr type="h" for="ch" forName="Child7" refType="h" fact="0.3124"/>
+              <dgm:constr type="l" for="ch" forName="Accent6" refType="w" fact="0.4908"/>
+              <dgm:constr type="t" for="ch" forName="Accent6" refType="h" fact="-0.0109"/>
+              <dgm:constr type="w" for="ch" forName="Accent6" refType="w" fact="0.1348"/>
+              <dgm:constr type="h" for="ch" forName="Accent6" refType="h" fact="0.806"/>
+              <dgm:constr type="l" for="ch" forName="ParentBackground6" refType="w" fact="0.5137"/>
+              <dgm:constr type="t" for="ch" forName="ParentBackground6" refType="h" fact="0.1262"/>
+              <dgm:constr type="w" for="ch" forName="ParentBackground6" refType="w" fact="0.089"/>
+              <dgm:constr type="h" for="ch" forName="ParentBackground6" refType="h" fact="0.5319"/>
+              <dgm:constr type="l" for="ch" forName="Child6" refType="w" fact="0.5137"/>
+              <dgm:constr type="t" for="ch" forName="Child6" refType="h" fact="0.6876"/>
+              <dgm:constr type="w" for="ch" forName="Child6" refType="w" fact="0.089"/>
+              <dgm:constr type="h" for="ch" forName="Child6" refType="h" fact="0.3124"/>
+              <dgm:constr type="l" for="ch" forName="Accent5" refType="w" fact="0.3923"/>
+              <dgm:constr type="t" for="ch" forName="Accent5" refType="h" fact="-0.0109"/>
+              <dgm:constr type="w" for="ch" forName="Accent5" refType="w" fact="0.1348"/>
+              <dgm:constr type="h" for="ch" forName="Accent5" refType="h" fact="0.806"/>
+              <dgm:constr type="l" for="ch" forName="ParentBackground5" refType="w" fact="0.4152"/>
+              <dgm:constr type="t" for="ch" forName="ParentBackground5" refType="h" fact="0.1262"/>
+              <dgm:constr type="w" for="ch" forName="ParentBackground5" refType="w" fact="0.089"/>
+              <dgm:constr type="h" for="ch" forName="ParentBackground5" refType="h" fact="0.5319"/>
+              <dgm:constr type="l" for="ch" forName="Child5" refType="w" fact="0.4152"/>
+              <dgm:constr type="t" for="ch" forName="Child5" refType="h" fact="0.6876"/>
+              <dgm:constr type="w" for="ch" forName="Child5" refType="w" fact="0.089"/>
+              <dgm:constr type="h" for="ch" forName="Child5" refType="h" fact="0.3124"/>
+              <dgm:constr type="l" for="ch" forName="Accent4" refType="w" fact="0.2938"/>
+              <dgm:constr type="t" for="ch" forName="Accent4" refType="h" fact="-0.0109"/>
+              <dgm:constr type="w" for="ch" forName="Accent4" refType="w" fact="0.1348"/>
+              <dgm:constr type="h" for="ch" forName="Accent4" refType="h" fact="0.806"/>
+              <dgm:constr type="l" for="ch" forName="ParentBackground4" refType="w" fact="0.3167"/>
+              <dgm:constr type="t" for="ch" forName="ParentBackground4" refType="h" fact="0.1262"/>
+              <dgm:constr type="w" for="ch" forName="ParentBackground4" refType="w" fact="0.089"/>
+              <dgm:constr type="h" for="ch" forName="ParentBackground4" refType="h" fact="0.5319"/>
+              <dgm:constr type="l" for="ch" forName="Child4" refType="w" fact="0.3167"/>
+              <dgm:constr type="t" for="ch" forName="Child4" refType="h" fact="0.6876"/>
+              <dgm:constr type="w" for="ch" forName="Child4" refType="w" fact="0.089"/>
+              <dgm:constr type="h" for="ch" forName="Child4" refType="h" fact="0.3124"/>
+              <dgm:constr type="l" for="ch" forName="Accent3" refType="w" fact="0.1952"/>
+              <dgm:constr type="t" for="ch" forName="Accent3" refType="h" fact="-0.0109"/>
+              <dgm:constr type="w" for="ch" forName="Accent3" refType="w" fact="0.1348"/>
+              <dgm:constr type="h" for="ch" forName="Accent3" refType="h" fact="0.806"/>
+              <dgm:constr type="l" for="ch" forName="ParentBackground3" refType="w" fact="0.2182"/>
+              <dgm:constr type="t" for="ch" forName="ParentBackground3" refType="h" fact="0.1262"/>
+              <dgm:constr type="w" for="ch" forName="ParentBackground3" refType="w" fact="0.089"/>
+              <dgm:constr type="h" for="ch" forName="ParentBackground3" refType="h" fact="0.5319"/>
+              <dgm:constr type="l" for="ch" forName="Child3" refType="w" fact="0.2182"/>
+              <dgm:constr type="t" for="ch" forName="Child3" refType="h" fact="0.6876"/>
+              <dgm:constr type="w" for="ch" forName="Child3" refType="w" fact="0.089"/>
+              <dgm:constr type="h" for="ch" forName="Child3" refType="h" fact="0.3124"/>
+              <dgm:constr type="l" for="ch" forName="Accent2" refType="w" fact="0.0967"/>
+              <dgm:constr type="t" for="ch" forName="Accent2" refType="h" fact="-0.0109"/>
+              <dgm:constr type="w" for="ch" forName="Accent2" refType="w" fact="0.1348"/>
+              <dgm:constr type="h" for="ch" forName="Accent2" refType="h" fact="0.806"/>
+              <dgm:constr type="l" for="ch" forName="ParentBackground2" refType="w" fact="0.1196"/>
+              <dgm:constr type="t" for="ch" forName="ParentBackground2" refType="h" fact="0.1262"/>
+              <dgm:constr type="w" for="ch" forName="ParentBackground2" refType="w" fact="0.089"/>
+              <dgm:constr type="h" for="ch" forName="ParentBackground2" refType="h" fact="0.5319"/>
+              <dgm:constr type="l" for="ch" forName="Child2" refType="w" fact="0.1196"/>
+              <dgm:constr type="t" for="ch" forName="Child2" refType="h" fact="0.6876"/>
+              <dgm:constr type="w" for="ch" forName="Child2" refType="w" fact="0.089"/>
+              <dgm:constr type="h" for="ch" forName="Child2" refType="h" fact="0.3124"/>
+              <dgm:constr type="l" for="ch" forName="Accent1" refType="w" fact="-0.0018"/>
+              <dgm:constr type="t" for="ch" forName="Accent1" refType="h" fact="-0.0109"/>
+              <dgm:constr type="w" for="ch" forName="Accent1" refType="w" fact="0.1348"/>
+              <dgm:constr type="h" for="ch" forName="Accent1" refType="h" fact="0.806"/>
+              <dgm:constr type="l" for="ch" forName="ParentBackground1" refType="w" fact="0.0211"/>
+              <dgm:constr type="t" for="ch" forName="ParentBackground1" refType="h" fact="0.1262"/>
+              <dgm:constr type="w" for="ch" forName="ParentBackground1" refType="w" fact="0.089"/>
+              <dgm:constr type="h" for="ch" forName="ParentBackground1" refType="h" fact="0.5319"/>
+              <dgm:constr type="l" for="ch" forName="Child1" refType="w" fact="0.0211"/>
+              <dgm:constr type="t" for="ch" forName="Child1" refType="h" fact="0.6876"/>
+              <dgm:constr type="w" for="ch" forName="Child1" refType="w" fact="0.089"/>
+              <dgm:constr type="h" for="ch" forName="Child1" refType="h" fact="0.3124"/>
+            </dgm:constrLst>
+          </dgm:if>
+          <dgm:else name="Name14">
+            <dgm:alg type="composite">
+              <dgm:param type="ar" val="6.5658"/>
+            </dgm:alg>
+            <dgm:constrLst>
+              <dgm:constr type="primFontSz" for="des" forName="Child1" val="65"/>
+              <dgm:constr type="primFontSz" for="des" forName="Parent1" val="65"/>
+              <dgm:constr type="primFontSz" for="des" forName="Child1" refType="primFontSz" refFor="des" refForName="Parent1" op="lte"/>
+              <dgm:constr type="primFontSz" for="des" forName="Child2" refType="primFontSz" refFor="des" refForName="Parent1" op="lte"/>
+              <dgm:constr type="primFontSz" for="des" forName="Child3" refType="primFontSz" refFor="des" refForName="Parent1" op="lte"/>
+              <dgm:constr type="primFontSz" for="des" forName="Child4" refType="primFontSz" refFor="des" refForName="Parent1" op="lte"/>
+              <dgm:constr type="primFontSz" for="des" forName="Child5" refType="primFontSz" refFor="des" refForName="Parent1" op="lte"/>
+              <dgm:constr type="primFontSz" for="des" forName="Child6" refType="primFontSz" refFor="des" refForName="Parent1" op="lte"/>
+              <dgm:constr type="primFontSz" for="des" forName="Child7" refType="primFontSz" refFor="des" refForName="Parent1" op="lte"/>
+              <dgm:constr type="primFontSz" for="des" forName="Child8" refType="primFontSz" refFor="des" refForName="Parent1" op="lte"/>
+              <dgm:constr type="primFontSz" for="des" forName="Child9" refType="primFontSz" refFor="des" refForName="Parent1" op="lte"/>
+              <dgm:constr type="primFontSz" for="des" forName="Child10" refType="primFontSz" refFor="des" refForName="Parent1" op="lte"/>
+              <dgm:constr type="primFontSz" for="des" forName="Child11" refType="primFontSz" refFor="des" refForName="Parent1" op="lte"/>
+              <dgm:constr type="primFontSz" for="des" forName="Child1" refType="primFontSz" refFor="des" refForName="Parent2" op="lte"/>
+              <dgm:constr type="primFontSz" for="des" forName="Child2" refType="primFontSz" refFor="des" refForName="Parent2" op="lte"/>
+              <dgm:constr type="primFontSz" for="des" forName="Child3" refType="primFontSz" refFor="des" refForName="Parent2" op="lte"/>
+              <dgm:constr type="primFontSz" for="des" forName="Child4" refType="primFontSz" refFor="des" refForName="Parent2" op="lte"/>
+              <dgm:constr type="primFontSz" for="des" forName="Child5" refType="primFontSz" refFor="des" refForName="Parent2" op="lte"/>
+              <dgm:constr type="primFontSz" for="des" forName="Child6" refType="primFontSz" refFor="des" refForName="Parent2" op="lte"/>
+              <dgm:constr type="primFontSz" for="des" forName="Child7" refType="primFontSz" refFor="des" refForName="Parent2" op="lte"/>
+              <dgm:constr type="primFontSz" for="des" forName="Child8" refType="primFontSz" refFor="des" refForName="Parent2" op="lte"/>
+              <dgm:constr type="primFontSz" for="des" forName="Child9" refType="primFontSz" refFor="des" refForName="Parent2" op="lte"/>
+              <dgm:constr type="primFontSz" for="des" forName="Child10" refType="primFontSz" refFor="des" refForName="Parent2" op="lte"/>
+              <dgm:constr type="primFontSz" for="des" forName="Child11" refType="primFontSz" refFor="des" refForName="Parent2" op="lte"/>
+              <dgm:constr type="primFontSz" for="des" forName="Child1" refType="primFontSz" refFor="des" refForName="Parent3" op="lte"/>
+              <dgm:constr type="primFontSz" for="des" forName="Child2" refType="primFontSz" refFor="des" refForName="Parent3" op="lte"/>
+              <dgm:constr type="primFontSz" for="des" forName="Child3" refType="primFontSz" refFor="des" refForName="Parent3" op="lte"/>
+              <dgm:constr type="primFontSz" for="des" forName="Child4" refType="primFontSz" refFor="des" refForName="Parent3" op="lte"/>
+              <dgm:constr type="primFontSz" for="des" forName="Child5" refType="primFontSz" refFor="des" refForName="Parent3" op="lte"/>
+              <dgm:constr type="primFontSz" for="des" forName="Child6" refType="primFontSz" refFor="des" refForName="Parent3" op="lte"/>
+              <dgm:constr type="primFontSz" for="des" forName="Child7" refType="primFontSz" refFor="des" refForName="Parent3" op="lte"/>
+              <dgm:constr type="primFontSz" for="des" forName="Child8" refType="primFontSz" refFor="des" refForName="Parent3" op="lte"/>
+              <dgm:constr type="primFontSz" for="des" forName="Child9" refType="primFontSz" refFor="des" refForName="Parent3" op="lte"/>
+              <dgm:constr type="primFontSz" for="des" forName="Child10" refType="primFontSz" refFor="des" refForName="Parent3" op="lte"/>
+              <dgm:constr type="primFontSz" for="des" forName="Child11" refType="primFontSz" refFor="des" refForName="Parent3" op="lte"/>
+              <dgm:constr type="primFontSz" for="des" forName="Child1" refType="primFontSz" refFor="des" refForName="Parent4" op="lte"/>
+              <dgm:constr type="primFontSz" for="des" forName="Child2" refType="primFontSz" refFor="des" refForName="Parent4" op="lte"/>
+              <dgm:constr type="primFontSz" for="des" forName="Child3" refType="primFontSz" refFor="des" refForName="Parent4" op="lte"/>
+              <dgm:constr type="primFontSz" for="des" forName="Child4" refType="primFontSz" refFor="des" refForName="Parent4" op="lte"/>
+              <dgm:constr type="primFontSz" for="des" forName="Child5" refType="primFontSz" refFor="des" refForName="Parent4" op="lte"/>
+              <dgm:constr type="primFontSz" for="des" forName="Child6" refType="primFontSz" refFor="des" refForName="Parent4" op="lte"/>
+              <dgm:constr type="primFontSz" for="des" forName="Child7" refType="primFontSz" refFor="des" refForName="Parent4" op="lte"/>
+              <dgm:constr type="primFontSz" for="des" forName="Child8" refType="primFontSz" refFor="des" refForName="Parent4" op="lte"/>
+              <dgm:constr type="primFontSz" for="des" forName="Child9" refType="primFontSz" refFor="des" refForName="Parent4" op="lte"/>
+              <dgm:constr type="primFontSz" for="des" forName="Child10" refType="primFontSz" refFor="des" refForName="Parent4" op="lte"/>
+              <dgm:constr type="primFontSz" for="des" forName="Child11" refType="primFontSz" refFor="des" refForName="Parent4" op="lte"/>
+              <dgm:constr type="primFontSz" for="des" forName="Child1" refType="primFontSz" refFor="des" refForName="Parent5" op="lte"/>
+              <dgm:constr type="primFontSz" for="des" forName="Child2" refType="primFontSz" refFor="des" refForName="Parent5" op="lte"/>
+              <dgm:constr type="primFontSz" for="des" forName="Child3" refType="primFontSz" refFor="des" refForName="Parent5" op="lte"/>
+              <dgm:constr type="primFontSz" for="des" forName="Child4" refType="primFontSz" refFor="des" refForName="Parent5" op="lte"/>
+              <dgm:constr type="primFontSz" for="des" forName="Child5" refType="primFontSz" refFor="des" refForName="Parent5" op="lte"/>
+              <dgm:constr type="primFontSz" for="des" forName="Child6" refType="primFontSz" refFor="des" refForName="Parent5" op="lte"/>
+              <dgm:constr type="primFontSz" for="des" forName="Child7" refType="primFontSz" refFor="des" refForName="Parent5" op="lte"/>
+              <dgm:constr type="primFontSz" for="des" forName="Child8" refType="primFontSz" refFor="des" refForName="Parent5" op="lte"/>
+              <dgm:constr type="primFontSz" for="des" forName="Child9" refType="primFontSz" refFor="des" refForName="Parent5" op="lte"/>
+              <dgm:constr type="primFontSz" for="des" forName="Child10" refType="primFontSz" refFor="des" refForName="Parent5" op="lte"/>
+              <dgm:constr type="primFontSz" for="des" forName="Child11" refType="primFontSz" refFor="des" refForName="Parent5" op="lte"/>
+              <dgm:constr type="primFontSz" for="des" forName="Child1" refType="primFontSz" refFor="des" refForName="Parent6" op="lte"/>
+              <dgm:constr type="primFontSz" for="des" forName="Child2" refType="primFontSz" refFor="des" refForName="Parent6" op="lte"/>
+              <dgm:constr type="primFontSz" for="des" forName="Child3" refType="primFontSz" refFor="des" refForName="Parent6" op="lte"/>
+              <dgm:constr type="primFontSz" for="des" forName="Child4" refType="primFontSz" refFor="des" refForName="Parent6" op="lte"/>
+              <dgm:constr type="primFontSz" for="des" forName="Child5" refType="primFontSz" refFor="des" refForName="Parent6" op="lte"/>
+              <dgm:constr type="primFontSz" for="des" forName="Child6" refType="primFontSz" refFor="des" refForName="Parent6" op="lte"/>
+              <dgm:constr type="primFontSz" for="des" forName="Child7" refType="primFontSz" refFor="des" refForName="Parent6" op="lte"/>
+              <dgm:constr type="primFontSz" for="des" forName="Child8" refType="primFontSz" refFor="des" refForName="Parent6" op="lte"/>
+              <dgm:constr type="primFontSz" for="des" forName="Child9" refType="primFontSz" refFor="des" refForName="Parent6" op="lte"/>
+              <dgm:constr type="primFontSz" for="des" forName="Child10" refType="primFontSz" refFor="des" refForName="Parent6" op="lte"/>
+              <dgm:constr type="primFontSz" for="des" forName="Child11" refType="primFontSz" refFor="des" refForName="Parent6" op="lte"/>
+              <dgm:constr type="primFontSz" for="des" forName="Child1" refType="primFontSz" refFor="des" refForName="Parent7" op="lte"/>
+              <dgm:constr type="primFontSz" for="des" forName="Child2" refType="primFontSz" refFor="des" refForName="Parent7" op="lte"/>
+              <dgm:constr type="primFontSz" for="des" forName="Child3" refType="primFontSz" refFor="des" refForName="Parent7" op="lte"/>
+              <dgm:constr type="primFontSz" for="des" forName="Child4" refType="primFontSz" refFor="des" refForName="Parent7" op="lte"/>
+              <dgm:constr type="primFontSz" for="des" forName="Child5" refType="primFontSz" refFor="des" refForName="Parent7" op="lte"/>
+              <dgm:constr type="primFontSz" for="des" forName="Child6" refType="primFontSz" refFor="des" refForName="Parent7" op="lte"/>
+              <dgm:constr type="primFontSz" for="des" forName="Child7" refType="primFontSz" refFor="des" refForName="Parent7" op="lte"/>
+              <dgm:constr type="primFontSz" for="des" forName="Child8" refType="primFontSz" refFor="des" refForName="Parent7" op="lte"/>
+              <dgm:constr type="primFontSz" for="des" forName="Child9" refType="primFontSz" refFor="des" refForName="Parent7" op="lte"/>
+              <dgm:constr type="primFontSz" for="des" forName="Child10" refType="primFontSz" refFor="des" refForName="Parent7" op="lte"/>
+              <dgm:constr type="primFontSz" for="des" forName="Child11" refType="primFontSz" refFor="des" refForName="Parent7" op="lte"/>
+              <dgm:constr type="primFontSz" for="des" forName="Child1" refType="primFontSz" refFor="des" refForName="Parent8" op="lte"/>
+              <dgm:constr type="primFontSz" for="des" forName="Child2" refType="primFontSz" refFor="des" refForName="Parent8" op="lte"/>
+              <dgm:constr type="primFontSz" for="des" forName="Child3" refType="primFontSz" refFor="des" refForName="Parent8" op="lte"/>
+              <dgm:constr type="primFontSz" for="des" forName="Child4" refType="primFontSz" refFor="des" refForName="Parent8" op="lte"/>
+              <dgm:constr type="primFontSz" for="des" forName="Child5" refType="primFontSz" refFor="des" refForName="Parent8" op="lte"/>
+              <dgm:constr type="primFontSz" for="des" forName="Child6" refType="primFontSz" refFor="des" refForName="Parent8" op="lte"/>
+              <dgm:constr type="primFontSz" for="des" forName="Child7" refType="primFontSz" refFor="des" refForName="Parent8" op="lte"/>
+              <dgm:constr type="primFontSz" for="des" forName="Child8" refType="primFontSz" refFor="des" refForName="Parent8" op="lte"/>
+              <dgm:constr type="primFontSz" for="des" forName="Child9" refType="primFontSz" refFor="des" refForName="Parent8" op="lte"/>
+              <dgm:constr type="primFontSz" for="des" forName="Child10" refType="primFontSz" refFor="des" refForName="Parent8" op="lte"/>
+              <dgm:constr type="primFontSz" for="des" forName="Child11" refType="primFontSz" refFor="des" refForName="Parent8" op="lte"/>
+              <dgm:constr type="primFontSz" for="des" forName="Child1" refType="primFontSz" refFor="des" refForName="Parent9" op="lte"/>
+              <dgm:constr type="primFontSz" for="des" forName="Child2" refType="primFontSz" refFor="des" refForName="Parent9" op="lte"/>
+              <dgm:constr type="primFontSz" for="des" forName="Child3" refType="primFontSz" refFor="des" refForName="Parent9" op="lte"/>
+              <dgm:constr type="primFontSz" for="des" forName="Child4" refType="primFontSz" refFor="des" refForName="Parent9" op="lte"/>
+              <dgm:constr type="primFontSz" for="des" forName="Child5" refType="primFontSz" refFor="des" refForName="Parent9" op="lte"/>
+              <dgm:constr type="primFontSz" for="des" forName="Child6" refType="primFontSz" refFor="des" refForName="Parent9" op="lte"/>
+              <dgm:constr type="primFontSz" for="des" forName="Child7" refType="primFontSz" refFor="des" refForName="Parent9" op="lte"/>
+              <dgm:constr type="primFontSz" for="des" forName="Child8" refType="primFontSz" refFor="des" refForName="Parent9" op="lte"/>
+              <dgm:constr type="primFontSz" for="des" forName="Child9" refType="primFontSz" refFor="des" refForName="Parent9" op="lte"/>
+              <dgm:constr type="primFontSz" for="des" forName="Child10" refType="primFontSz" refFor="des" refForName="Parent9" op="lte"/>
+              <dgm:constr type="primFontSz" for="des" forName="Child11" refType="primFontSz" refFor="des" refForName="Parent9" op="lte"/>
+              <dgm:constr type="primFontSz" for="des" forName="Child1" refType="primFontSz" refFor="des" refForName="Parent10" op="lte"/>
+              <dgm:constr type="primFontSz" for="des" forName="Child2" refType="primFontSz" refFor="des" refForName="Parent10" op="lte"/>
+              <dgm:constr type="primFontSz" for="des" forName="Child3" refType="primFontSz" refFor="des" refForName="Parent10" op="lte"/>
+              <dgm:constr type="primFontSz" for="des" forName="Child4" refType="primFontSz" refFor="des" refForName="Parent10" op="lte"/>
+              <dgm:constr type="primFontSz" for="des" forName="Child5" refType="primFontSz" refFor="des" refForName="Parent10" op="lte"/>
+              <dgm:constr type="primFontSz" for="des" forName="Child6" refType="primFontSz" refFor="des" refForName="Parent10" op="lte"/>
+              <dgm:constr type="primFontSz" for="des" forName="Child7" refType="primFontSz" refFor="des" refForName="Parent10" op="lte"/>
+              <dgm:constr type="primFontSz" for="des" forName="Child8" refType="primFontSz" refFor="des" refForName="Parent10" op="lte"/>
+              <dgm:constr type="primFontSz" for="des" forName="Child9" refType="primFontSz" refFor="des" refForName="Parent10" op="lte"/>
+              <dgm:constr type="primFontSz" for="des" forName="Child10" refType="primFontSz" refFor="des" refForName="Parent10" op="lte"/>
+              <dgm:constr type="primFontSz" for="des" forName="Child11" refType="primFontSz" refFor="des" refForName="Parent10" op="lte"/>
+              <dgm:constr type="primFontSz" for="des" forName="Child1" refType="primFontSz" refFor="des" refForName="Parent11" op="lte"/>
+              <dgm:constr type="primFontSz" for="des" forName="Child2" refType="primFontSz" refFor="des" refForName="Parent11" op="lte"/>
+              <dgm:constr type="primFontSz" for="des" forName="Child3" refType="primFontSz" refFor="des" refForName="Parent11" op="lte"/>
+              <dgm:constr type="primFontSz" for="des" forName="Child4" refType="primFontSz" refFor="des" refForName="Parent11" op="lte"/>
+              <dgm:constr type="primFontSz" for="des" forName="Child5" refType="primFontSz" refFor="des" refForName="Parent11" op="lte"/>
+              <dgm:constr type="primFontSz" for="des" forName="Child6" refType="primFontSz" refFor="des" refForName="Parent11" op="lte"/>
+              <dgm:constr type="primFontSz" for="des" forName="Child7" refType="primFontSz" refFor="des" refForName="Parent11" op="lte"/>
+              <dgm:constr type="primFontSz" for="des" forName="Child8" refType="primFontSz" refFor="des" refForName="Parent11" op="lte"/>
+              <dgm:constr type="primFontSz" for="des" forName="Child9" refType="primFontSz" refFor="des" refForName="Parent11" op="lte"/>
+              <dgm:constr type="primFontSz" for="des" forName="Child10" refType="primFontSz" refFor="des" refForName="Parent11" op="lte"/>
+              <dgm:constr type="primFontSz" for="des" forName="Child11" refType="primFontSz" refFor="des" refForName="Parent11" op="lte"/>
+              <dgm:constr type="primFontSz" for="des" forName="Parent2" refType="primFontSz" refFor="des" refForName="Parent1" op="equ"/>
+              <dgm:constr type="primFontSz" for="des" forName="Parent3" refType="primFontSz" refFor="des" refForName="Parent1" op="equ"/>
+              <dgm:constr type="primFontSz" for="des" forName="Parent4" refType="primFontSz" refFor="des" refForName="Parent1" op="equ"/>
+              <dgm:constr type="primFontSz" for="des" forName="Parent5" refType="primFontSz" refFor="des" refForName="Parent1" op="equ"/>
+              <dgm:constr type="primFontSz" for="des" forName="Parent6" refType="primFontSz" refFor="des" refForName="Parent1" op="equ"/>
+              <dgm:constr type="primFontSz" for="des" forName="Parent7" refType="primFontSz" refFor="des" refForName="Parent1" op="equ"/>
+              <dgm:constr type="primFontSz" for="des" forName="Parent8" refType="primFontSz" refFor="des" refForName="Parent1" op="equ"/>
+              <dgm:constr type="primFontSz" for="des" forName="Parent9" refType="primFontSz" refFor="des" refForName="Parent1" op="equ"/>
+              <dgm:constr type="primFontSz" for="des" forName="Parent10" refType="primFontSz" refFor="des" refForName="Parent1" op="equ"/>
+              <dgm:constr type="primFontSz" for="des" forName="Parent11" refType="primFontSz" refFor="des" refForName="Parent1" op="equ"/>
+              <dgm:constr type="primFontSz" for="des" forName="Child2" refType="primFontSz" refFor="des" refForName="Child1" op="equ"/>
+              <dgm:constr type="primFontSz" for="des" forName="Child3" refType="primFontSz" refFor="des" refForName="Child1" op="equ"/>
+              <dgm:constr type="primFontSz" for="des" forName="Child4" refType="primFontSz" refFor="des" refForName="Child1" op="equ"/>
+              <dgm:constr type="primFontSz" for="des" forName="Child5" refType="primFontSz" refFor="des" refForName="Child1" op="equ"/>
+              <dgm:constr type="primFontSz" for="des" forName="Child6" refType="primFontSz" refFor="des" refForName="Child1" op="equ"/>
+              <dgm:constr type="primFontSz" for="des" forName="Child7" refType="primFontSz" refFor="des" refForName="Child1" op="equ"/>
+              <dgm:constr type="primFontSz" for="des" forName="Child8" refType="primFontSz" refFor="des" refForName="Child1" op="equ"/>
+              <dgm:constr type="primFontSz" for="des" forName="Child9" refType="primFontSz" refFor="des" refForName="Child1" op="equ"/>
+              <dgm:constr type="primFontSz" for="des" forName="Child10" refType="primFontSz" refFor="des" refForName="Child1" op="equ"/>
+              <dgm:constr type="primFontSz" for="des" forName="Child11" refType="primFontSz" refFor="des" refForName="Child1" op="equ"/>
+              <dgm:constr type="l" for="ch" forName="Parent11" refType="w" fact="0.9277"/>
+              <dgm:constr type="t" for="ch" forName="Parent11" refType="h" fact="0.2022"/>
+              <dgm:constr type="w" for="ch" forName="Parent11" refType="w" fact="0.0579"/>
+              <dgm:constr type="h" for="ch" forName="Parent11" refType="h" fact="0.3799"/>
+              <dgm:constr type="l" for="ch" forName="Parent10" refType="w" fact="0.838"/>
+              <dgm:constr type="t" for="ch" forName="Parent10" refType="h" fact="0.2022"/>
+              <dgm:constr type="w" for="ch" forName="Parent10" refType="w" fact="0.0579"/>
+              <dgm:constr type="h" for="ch" forName="Parent10" refType="h" fact="0.3799"/>
+              <dgm:constr type="l" for="ch" forName="Parent9" refType="w" fact="0.7483"/>
+              <dgm:constr type="t" for="ch" forName="Parent9" refType="h" fact="0.2022"/>
+              <dgm:constr type="w" for="ch" forName="Parent9" refType="w" fact="0.0579"/>
+              <dgm:constr type="h" for="ch" forName="Parent9" refType="h" fact="0.3799"/>
+              <dgm:constr type="l" for="ch" forName="Parent8" refType="w" fact="0.6586"/>
+              <dgm:constr type="t" for="ch" forName="Parent8" refType="h" fact="0.2022"/>
+              <dgm:constr type="w" for="ch" forName="Parent8" refType="w" fact="0.0579"/>
+              <dgm:constr type="h" for="ch" forName="Parent8" refType="h" fact="0.3799"/>
+              <dgm:constr type="l" for="ch" forName="Parent7" refType="w" fact="0.5689"/>
+              <dgm:constr type="t" for="ch" forName="Parent7" refType="h" fact="0.2022"/>
+              <dgm:constr type="w" for="ch" forName="Parent7" refType="w" fact="0.0579"/>
+              <dgm:constr type="h" for="ch" forName="Parent7" refType="h" fact="0.3799"/>
+              <dgm:constr type="l" for="ch" forName="Parent6" refType="w" fact="0.4792"/>
+              <dgm:constr type="t" for="ch" forName="Parent6" refType="h" fact="0.2022"/>
+              <dgm:constr type="w" for="ch" forName="Parent6" refType="w" fact="0.0579"/>
+              <dgm:constr type="h" for="ch" forName="Parent6" refType="h" fact="0.3799"/>
+              <dgm:constr type="l" for="ch" forName="Parent5" refType="w" fact="0.3895"/>
+              <dgm:constr type="t" for="ch" forName="Parent5" refType="h" fact="0.2022"/>
+              <dgm:constr type="w" for="ch" forName="Parent5" refType="w" fact="0.0579"/>
+              <dgm:constr type="h" for="ch" forName="Parent5" refType="h" fact="0.3799"/>
+              <dgm:constr type="l" for="ch" forName="Parent4" refType="w" fact="0.2999"/>
+              <dgm:constr type="t" for="ch" forName="Parent4" refType="h" fact="0.2022"/>
+              <dgm:constr type="w" for="ch" forName="Parent4" refType="w" fact="0.0579"/>
+              <dgm:constr type="h" for="ch" forName="Parent4" refType="h" fact="0.3799"/>
+              <dgm:constr type="l" for="ch" forName="Parent3" refType="w" fact="0.2102"/>
+              <dgm:constr type="t" for="ch" forName="Parent3" refType="h" fact="0.2022"/>
+              <dgm:constr type="w" for="ch" forName="Parent3" refType="w" fact="0.0579"/>
+              <dgm:constr type="h" for="ch" forName="Parent3" refType="h" fact="0.3799"/>
+              <dgm:constr type="l" for="ch" forName="Parent2" refType="w" fact="0.1205"/>
+              <dgm:constr type="t" for="ch" forName="Parent2" refType="h" fact="0.2022"/>
+              <dgm:constr type="w" for="ch" forName="Parent2" refType="w" fact="0.0579"/>
+              <dgm:constr type="h" for="ch" forName="Parent2" refType="h" fact="0.3799"/>
+              <dgm:constr type="l" for="ch" forName="Parent1" refType="w" fact="0.0308"/>
+              <dgm:constr type="t" for="ch" forName="Parent1" refType="h" fact="0.2022"/>
+              <dgm:constr type="w" for="ch" forName="Parent1" refType="w" fact="0.0579"/>
+              <dgm:constr type="h" for="ch" forName="Parent1" refType="h" fact="0.3799"/>
+              <dgm:constr type="l" for="ch" forName="Accent11" refType="w" fact="0.9132"/>
+              <dgm:constr type="t" for="ch" forName="Accent11" refType="h" fact="0.1072"/>
+              <dgm:constr type="w" for="ch" forName="Accent11" refType="w" fact="0.0868"/>
+              <dgm:constr type="h" for="ch" forName="Accent11" refType="h" fact="0.5699"/>
+              <dgm:constr type="l" for="ch" forName="ParentBackground11" refType="w" fact="0.9161"/>
+              <dgm:constr type="t" for="ch" forName="ParentBackground11" refType="h" fact="0.1262"/>
+              <dgm:constr type="w" for="ch" forName="ParentBackground11" refType="w" fact="0.081"/>
+              <dgm:constr type="h" for="ch" forName="ParentBackground11" refType="h" fact="0.5319"/>
+              <dgm:constr type="l" for="ch" forName="Child11" refType="w" fact="0.9161"/>
+              <dgm:constr type="t" for="ch" forName="Child11" refType="h" fact="0.6876"/>
+              <dgm:constr type="w" for="ch" forName="Child11" refType="w" fact="0.081"/>
+              <dgm:constr type="h" for="ch" forName="Child11" refType="h" fact="0.3124"/>
+              <dgm:constr type="l" for="ch" forName="Accent10" refType="w" fact="0.8055"/>
+              <dgm:constr type="t" for="ch" forName="Accent10" refType="h" fact="-0.0109"/>
+              <dgm:constr type="w" for="ch" forName="Accent10" refType="w" fact="0.1228"/>
+              <dgm:constr type="h" for="ch" forName="Accent10" refType="h" fact="0.806"/>
+              <dgm:constr type="l" for="ch" forName="ParentBackground10" refType="w" fact="0.8264"/>
+              <dgm:constr type="t" for="ch" forName="ParentBackground10" refType="h" fact="0.1262"/>
+              <dgm:constr type="w" for="ch" forName="ParentBackground10" refType="w" fact="0.081"/>
+              <dgm:constr type="h" for="ch" forName="ParentBackground10" refType="h" fact="0.5319"/>
+              <dgm:constr type="l" for="ch" forName="Child10" refType="w" fact="0.8264"/>
+              <dgm:constr type="t" for="ch" forName="Child10" refType="h" fact="0.6876"/>
+              <dgm:constr type="w" for="ch" forName="Child10" refType="w" fact="0.081"/>
+              <dgm:constr type="h" for="ch" forName="Child10" refType="h" fact="0.3124"/>
+              <dgm:constr type="l" for="ch" forName="Accent9" refType="w" fact="0.7158"/>
+              <dgm:constr type="t" for="ch" forName="Accent9" refType="h" fact="-0.0109"/>
+              <dgm:constr type="w" for="ch" forName="Accent9" refType="w" fact="0.1228"/>
+              <dgm:constr type="h" for="ch" forName="Accent9" refType="h" fact="0.806"/>
+              <dgm:constr type="l" for="ch" forName="ParentBackground9" refType="w" fact="0.7367"/>
+              <dgm:constr type="t" for="ch" forName="ParentBackground9" refType="h" fact="0.1262"/>
+              <dgm:constr type="w" for="ch" forName="ParentBackground9" refType="w" fact="0.081"/>
+              <dgm:constr type="h" for="ch" forName="ParentBackground9" refType="h" fact="0.5319"/>
+              <dgm:constr type="l" for="ch" forName="Child9" refType="w" fact="0.7367"/>
+              <dgm:constr type="t" for="ch" forName="Child9" refType="h" fact="0.6876"/>
+              <dgm:constr type="w" for="ch" forName="Child9" refType="w" fact="0.081"/>
+              <dgm:constr type="h" for="ch" forName="Child9" refType="h" fact="0.3124"/>
+              <dgm:constr type="l" for="ch" forName="Accent8" refType="w" fact="0.6261"/>
+              <dgm:constr type="t" for="ch" forName="Accent8" refType="h" fact="-0.0109"/>
+              <dgm:constr type="w" for="ch" forName="Accent8" refType="w" fact="0.1228"/>
+              <dgm:constr type="h" for="ch" forName="Accent8" refType="h" fact="0.806"/>
+              <dgm:constr type="l" for="ch" forName="ParentBackground8" refType="w" fact="0.647"/>
+              <dgm:constr type="t" for="ch" forName="ParentBackground8" refType="h" fact="0.1262"/>
+              <dgm:constr type="w" for="ch" forName="ParentBackground8" refType="w" fact="0.081"/>
+              <dgm:constr type="h" for="ch" forName="ParentBackground8" refType="h" fact="0.5319"/>
+              <dgm:constr type="l" for="ch" forName="Child8" refType="w" fact="0.647"/>
+              <dgm:constr type="t" for="ch" forName="Child8" refType="h" fact="0.6876"/>
+              <dgm:constr type="w" for="ch" forName="Child8" refType="w" fact="0.081"/>
+              <dgm:constr type="h" for="ch" forName="Child8" refType="h" fact="0.3124"/>
+              <dgm:constr type="l" for="ch" forName="Accent7" refType="w" fact="0.5364"/>
+              <dgm:constr type="t" for="ch" forName="Accent7" refType="h" fact="-0.0109"/>
+              <dgm:constr type="w" for="ch" forName="Accent7" refType="w" fact="0.1228"/>
+              <dgm:constr type="h" for="ch" forName="Accent7" refType="h" fact="0.806"/>
+              <dgm:constr type="l" for="ch" forName="ParentBackground7" refType="w" fact="0.5573"/>
+              <dgm:constr type="t" for="ch" forName="ParentBackground7" refType="h" fact="0.1262"/>
+              <dgm:constr type="w" for="ch" forName="ParentBackground7" refType="w" fact="0.081"/>
+              <dgm:constr type="h" for="ch" forName="ParentBackground7" refType="h" fact="0.5319"/>
+              <dgm:constr type="l" for="ch" forName="Child7" refType="w" fact="0.5573"/>
+              <dgm:constr type="t" for="ch" forName="Child7" refType="h" fact="0.6876"/>
+              <dgm:constr type="w" for="ch" forName="Child7" refType="w" fact="0.081"/>
+              <dgm:constr type="h" for="ch" forName="Child7" refType="h" fact="0.3124"/>
+              <dgm:constr type="l" for="ch" forName="Accent6" refType="w" fact="0.4467"/>
+              <dgm:constr type="t" for="ch" forName="Accent6" refType="h" fact="-0.0109"/>
+              <dgm:constr type="w" for="ch" forName="Accent6" refType="w" fact="0.1228"/>
+              <dgm:constr type="h" for="ch" forName="Accent6" refType="h" fact="0.806"/>
+              <dgm:constr type="l" for="ch" forName="ParentBackground6" refType="w" fact="0.4677"/>
+              <dgm:constr type="t" for="ch" forName="ParentBackground6" refType="h" fact="0.1262"/>
+              <dgm:constr type="w" for="ch" forName="ParentBackground6" refType="w" fact="0.081"/>
+              <dgm:constr type="h" for="ch" forName="ParentBackground6" refType="h" fact="0.5319"/>
+              <dgm:constr type="l" for="ch" forName="Child6" refType="w" fact="0.4677"/>
+              <dgm:constr type="t" for="ch" forName="Child6" refType="h" fact="0.6876"/>
+              <dgm:constr type="w" for="ch" forName="Child6" refType="w" fact="0.081"/>
+              <dgm:constr type="h" for="ch" forName="Child6" refType="h" fact="0.3124"/>
+              <dgm:constr type="l" for="ch" forName="Accent5" refType="w" fact="0.3571"/>
+              <dgm:constr type="t" for="ch" forName="Accent5" refType="h" fact="-0.0109"/>
+              <dgm:constr type="w" for="ch" forName="Accent5" refType="w" fact="0.1228"/>
+              <dgm:constr type="h" for="ch" forName="Accent5" refType="h" fact="0.806"/>
+              <dgm:constr type="l" for="ch" forName="ParentBackground5" refType="w" fact="0.378"/>
+              <dgm:constr type="t" for="ch" forName="ParentBackground5" refType="h" fact="0.1262"/>
+              <dgm:constr type="w" for="ch" forName="ParentBackground5" refType="w" fact="0.081"/>
+              <dgm:constr type="h" for="ch" forName="ParentBackground5" refType="h" fact="0.5319"/>
+              <dgm:constr type="l" for="ch" forName="Child5" refType="w" fact="0.378"/>
+              <dgm:constr type="t" for="ch" forName="Child5" refType="h" fact="0.6876"/>
+              <dgm:constr type="w" for="ch" forName="Child5" refType="w" fact="0.081"/>
+              <dgm:constr type="h" for="ch" forName="Child5" refType="h" fact="0.3124"/>
+              <dgm:constr type="l" for="ch" forName="Accent4" refType="w" fact="0.2674"/>
+              <dgm:constr type="t" for="ch" forName="Accent4" refType="h" fact="-0.0109"/>
+              <dgm:constr type="w" for="ch" forName="Accent4" refType="w" fact="0.1228"/>
+              <dgm:constr type="h" for="ch" forName="Accent4" refType="h" fact="0.806"/>
+              <dgm:constr type="l" for="ch" forName="ParentBackground4" refType="w" fact="0.2883"/>
+              <dgm:constr type="t" for="ch" forName="ParentBackground4" refType="h" fact="0.1262"/>
+              <dgm:constr type="w" for="ch" forName="ParentBackground4" refType="w" fact="0.081"/>
+              <dgm:constr type="h" for="ch" forName="ParentBackground4" refType="h" fact="0.5319"/>
+              <dgm:constr type="l" for="ch" forName="Child4" refType="w" fact="0.2883"/>
+              <dgm:constr type="t" for="ch" forName="Child4" refType="h" fact="0.6876"/>
+              <dgm:constr type="w" for="ch" forName="Child4" refType="w" fact="0.081"/>
+              <dgm:constr type="h" for="ch" forName="Child4" refType="h" fact="0.3124"/>
+              <dgm:constr type="l" for="ch" forName="Accent3" refType="w" fact="0.1777"/>
+              <dgm:constr type="t" for="ch" forName="Accent3" refType="h" fact="-0.0109"/>
+              <dgm:constr type="w" for="ch" forName="Accent3" refType="w" fact="0.1228"/>
+              <dgm:constr type="h" for="ch" forName="Accent3" refType="h" fact="0.806"/>
+              <dgm:constr type="l" for="ch" forName="ParentBackground3" refType="w" fact="0.1986"/>
+              <dgm:constr type="t" for="ch" forName="ParentBackground3" refType="h" fact="0.1262"/>
+              <dgm:constr type="w" for="ch" forName="ParentBackground3" refType="w" fact="0.081"/>
+              <dgm:constr type="h" for="ch" forName="ParentBackground3" refType="h" fact="0.5319"/>
+              <dgm:constr type="l" for="ch" forName="Child3" refType="w" fact="0.1986"/>
+              <dgm:constr type="t" for="ch" forName="Child3" refType="h" fact="0.6876"/>
+              <dgm:constr type="w" for="ch" forName="Child3" refType="w" fact="0.081"/>
+              <dgm:constr type="h" for="ch" forName="Child3" refType="h" fact="0.3124"/>
+              <dgm:constr type="l" for="ch" forName="Accent2" refType="w" fact="0.088"/>
+              <dgm:constr type="t" for="ch" forName="Accent2" refType="h" fact="-0.0109"/>
+              <dgm:constr type="w" for="ch" forName="Accent2" refType="w" fact="0.1228"/>
+              <dgm:constr type="h" for="ch" forName="Accent2" refType="h" fact="0.806"/>
+              <dgm:constr type="l" for="ch" forName="ParentBackground2" refType="w" fact="0.1089"/>
+              <dgm:constr type="t" for="ch" forName="ParentBackground2" refType="h" fact="0.1262"/>
+              <dgm:constr type="w" for="ch" forName="ParentBackground2" refType="w" fact="0.081"/>
+              <dgm:constr type="h" for="ch" forName="ParentBackground2" refType="h" fact="0.5319"/>
+              <dgm:constr type="l" for="ch" forName="Child2" refType="w" fact="0.1089"/>
+              <dgm:constr type="t" for="ch" forName="Child2" refType="h" fact="0.6876"/>
+              <dgm:constr type="w" for="ch" forName="Child2" refType="w" fact="0.081"/>
+              <dgm:constr type="h" for="ch" forName="Child2" refType="h" fact="0.3124"/>
+              <dgm:constr type="l" for="ch" forName="Accent1" refType="w" fact="-0.0017"/>
+              <dgm:constr type="t" for="ch" forName="Accent1" refType="h" fact="-0.0109"/>
+              <dgm:constr type="w" for="ch" forName="Accent1" refType="w" fact="0.1228"/>
+              <dgm:constr type="h" for="ch" forName="Accent1" refType="h" fact="0.806"/>
+              <dgm:constr type="l" for="ch" forName="ParentBackground1" refType="w" fact="0.0192"/>
+              <dgm:constr type="t" for="ch" forName="ParentBackground1" refType="h" fact="0.1262"/>
+              <dgm:constr type="w" for="ch" forName="ParentBackground1" refType="w" fact="0.081"/>
+              <dgm:constr type="h" for="ch" forName="ParentBackground1" refType="h" fact="0.5319"/>
+              <dgm:constr type="l" for="ch" forName="Child1" refType="w" fact="0.0192"/>
+              <dgm:constr type="t" for="ch" forName="Child1" refType="h" fact="0.6876"/>
+              <dgm:constr type="w" for="ch" forName="Child1" refType="w" fact="0.081"/>
+              <dgm:constr type="h" for="ch" forName="Child1" refType="h" fact="0.3124"/>
+            </dgm:constrLst>
+          </dgm:else>
+        </dgm:choose>
+      </dgm:if>
+      <dgm:else name="Name15">
+        <dgm:choose name="Name16">
+          <dgm:if name="Name17" axis="ch" ptType="node" func="cnt" op="equ" val="1">
+            <dgm:alg type="composite">
+              <dgm:param type="ar" val="0.6383"/>
+            </dgm:alg>
+            <dgm:constrLst>
+              <dgm:constr type="primFontSz" for="des" forName="Child1" val="65"/>
+              <dgm:constr type="primFontSz" for="des" forName="Parent1" val="65"/>
+              <dgm:constr type="primFontSz" for="des" forName="Child1" refType="primFontSz" refFor="des" refForName="Parent1" op="lte"/>
+              <dgm:constr type="l" for="ch" forName="Parent1" refType="w" fact="0.1667"/>
+              <dgm:constr type="t" for="ch" forName="Parent1" refType="h" fact="0.1064"/>
+              <dgm:constr type="w" for="ch" forName="Parent1" refType="w" fact="0.6667"/>
+              <dgm:constr type="h" for="ch" forName="Parent1" refType="h" fact="0.4255"/>
+              <dgm:constr type="l" for="ch" forName="Accent1" refType="w" fact="0"/>
+              <dgm:constr type="t" for="ch" forName="Accent1" refType="h" fact="0"/>
+              <dgm:constr type="w" for="ch" forName="Accent1" refType="w"/>
+              <dgm:constr type="h" for="ch" forName="Accent1" refType="h" fact="0.6383"/>
+              <dgm:constr type="l" for="ch" forName="ParentBackground1" refType="w" fact="0.0333"/>
+              <dgm:constr type="t" for="ch" forName="ParentBackground1" refType="h" fact="0.0213"/>
+              <dgm:constr type="w" for="ch" forName="ParentBackground1" refType="w" fact="0.9333"/>
+              <dgm:constr type="h" for="ch" forName="ParentBackground1" refType="h" fact="0.5957"/>
+              <dgm:constr type="l" for="ch" forName="Child1" refType="w" fact="0.0333"/>
+              <dgm:constr type="t" for="ch" forName="Child1" refType="h" fact="0.6574"/>
+              <dgm:constr type="w" for="ch" forName="Child1" refType="w" fact="0.9333"/>
+              <dgm:constr type="h" for="ch" forName="Child1" refType="h" fact="0.3426"/>
+            </dgm:constrLst>
+          </dgm:if>
+          <dgm:if name="Name18" axis="ch" ptType="node" func="cnt" op="equ" val="2">
+            <dgm:alg type="composite">
+              <dgm:param type="ar" val="1.2659"/>
+            </dgm:alg>
+            <dgm:constrLst>
+              <dgm:constr type="primFontSz" for="des" forName="Child1" val="65"/>
+              <dgm:constr type="primFontSz" for="des" forName="Parent1" val="65"/>
+              <dgm:constr type="primFontSz" for="des" forName="Child1" refType="primFontSz" refFor="des" refForName="Parent1" op="lte"/>
+              <dgm:constr type="primFontSz" for="des" forName="Child2" refType="primFontSz" refFor="des" refForName="Parent1" op="lte"/>
+              <dgm:constr type="primFontSz" for="des" forName="Child1" refType="primFontSz" refFor="des" refForName="Parent2" op="lte"/>
+              <dgm:constr type="primFontSz" for="des" forName="Child2" refType="primFontSz" refFor="des" refForName="Parent2" op="lte"/>
+              <dgm:constr type="primFontSz" for="des" forName="Parent2" refType="primFontSz" refFor="des" refForName="Parent1" op="equ"/>
+              <dgm:constr type="primFontSz" for="des" forName="Child2" refType="primFontSz" refFor="des" refForName="Child1" op="equ"/>
+              <dgm:constr type="r" for="ch" forName="Parent2" refType="w" fact="0.3751"/>
+              <dgm:constr type="t" for="ch" forName="Parent2" refType="h" fact="0.2022"/>
+              <dgm:constr type="w" for="ch" forName="Parent2" refType="w" fact="0.3001"/>
+              <dgm:constr type="h" for="ch" forName="Parent2" refType="h" fact="0.3799"/>
+              <dgm:constr type="r" for="ch" forName="Parent1" refType="w" fact="0.8403"/>
+              <dgm:constr type="t" for="ch" forName="Parent1" refType="h" fact="0.2022"/>
+              <dgm:constr type="w" for="ch" forName="Parent1" refType="w" fact="0.3001"/>
+              <dgm:constr type="h" for="ch" forName="Parent1" refType="h" fact="0.3799"/>
+              <dgm:constr type="r" for="ch" forName="Accent2" refType="w" fact="0.4502"/>
+              <dgm:constr type="t" for="ch" forName="Accent2" refType="h" fact="0.1072"/>
+              <dgm:constr type="w" for="ch" forName="Accent2" refType="w" fact="0.4502"/>
+              <dgm:constr type="h" for="ch" forName="Accent2" refType="h" fact="0.5699"/>
+              <dgm:constr type="r" for="ch" forName="ParentBackground2" refType="w" fact="0.4352"/>
+              <dgm:constr type="t" for="ch" forName="ParentBackground2" refType="h" fact="0.1262"/>
+              <dgm:constr type="w" for="ch" forName="ParentBackground2" refType="w" fact="0.4201"/>
+              <dgm:constr type="h" for="ch" forName="ParentBackground2" refType="h" fact="0.5319"/>
+              <dgm:constr type="r" for="ch" forName="Child2" refType="w" fact="0.4352"/>
+              <dgm:constr type="t" for="ch" forName="Child2" refType="h" fact="0.6876"/>
+              <dgm:constr type="w" for="ch" forName="Child2" refType="w" fact="0.4201"/>
+              <dgm:constr type="h" for="ch" forName="Child2" refType="h" fact="0.3124"/>
+              <dgm:constr type="r" for="ch" forName="Accent1" refType="w" fact="1.0086"/>
+              <dgm:constr type="t" for="ch" forName="Accent1" refType="h" fact="-0.0109"/>
+              <dgm:constr type="w" for="ch" forName="Accent1" refType="w" fact="0.6367"/>
+              <dgm:constr type="h" for="ch" forName="Accent1" refType="h" fact="0.806"/>
+              <dgm:constr type="r" for="ch" forName="ParentBackground1" refType="w" fact="0.9003"/>
+              <dgm:constr type="t" for="ch" forName="ParentBackground1" refType="h" fact="0.1262"/>
+              <dgm:constr type="w" for="ch" forName="ParentBackground1" refType="w" fact="0.4201"/>
+              <dgm:constr type="h" for="ch" forName="ParentBackground1" refType="h" fact="0.5319"/>
+              <dgm:constr type="r" for="ch" forName="Child1" refType="w" fact="0.9003"/>
+              <dgm:constr type="t" for="ch" forName="Child1" refType="h" fact="0.6876"/>
+              <dgm:constr type="w" for="ch" forName="Child1" refType="w" fact="0.4201"/>
+              <dgm:constr type="h" for="ch" forName="Child1" refType="h" fact="0.3124"/>
+            </dgm:constrLst>
+          </dgm:if>
+          <dgm:if name="Name19" axis="ch" ptType="node" func="cnt" op="equ" val="3">
+            <dgm:alg type="composite">
+              <dgm:param type="ar" val="1.8548"/>
+            </dgm:alg>
+            <dgm:constrLst>
+              <dgm:constr type="primFontSz" for="des" forName="Child1" val="65"/>
+              <dgm:constr type="primFontSz" for="des" forName="Parent1" val="65"/>
+              <dgm:constr type="primFontSz" for="des" forName="Child1" refType="primFontSz" refFor="des" refForName="Parent1" op="lte"/>
+              <dgm:constr type="primFontSz" for="des" forName="Child2" refType="primFontSz" refFor="des" refForName="Parent1" op="lte"/>
+              <dgm:constr type="primFontSz" for="des" forName="Child3" refType="primFontSz" refFor="des" refForName="Parent1" op="lte"/>
+              <dgm:constr type="primFontSz" for="des" forName="Child1" refType="primFontSz" refFor="des" refForName="Parent2" op="lte"/>
+              <dgm:constr type="primFontSz" for="des" forName="Child2" refType="primFontSz" refFor="des" refForName="Parent2" op="lte"/>
+              <dgm:constr type="primFontSz" for="des" forName="Child3" refType="primFontSz" refFor="des" refForName="Parent2" op="lte"/>
+              <dgm:constr type="primFontSz" for="des" forName="Child1" refType="primFontSz" refFor="des" refForName="Parent3" op="lte"/>
+              <dgm:constr type="primFontSz" for="des" forName="Child2" refType="primFontSz" refFor="des" refForName="Parent3" op="lte"/>
+              <dgm:constr type="primFontSz" for="des" forName="Child3" refType="primFontSz" refFor="des" refForName="Parent3" op="lte"/>
+              <dgm:constr type="primFontSz" for="des" forName="Parent2" refType="primFontSz" refFor="des" refForName="Parent1" op="equ"/>
+              <dgm:constr type="primFontSz" for="des" forName="Parent3" refType="primFontSz" refFor="des" refForName="Parent1" op="equ"/>
+              <dgm:constr type="primFontSz" for="des" forName="Child2" refType="primFontSz" refFor="des" refForName="Child1" op="equ"/>
+              <dgm:constr type="primFontSz" for="des" forName="Child3" refType="primFontSz" refFor="des" refForName="Child1" op="equ"/>
+              <dgm:constr type="r" for="ch" forName="Parent3" refType="w" fact="0.256"/>
+              <dgm:constr type="t" for="ch" forName="Parent3" refType="h" fact="0.2022"/>
+              <dgm:constr type="w" for="ch" forName="Parent3" refType="w" fact="0.2048"/>
+              <dgm:constr type="h" for="ch" forName="Parent3" refType="h" fact="0.3799"/>
+              <dgm:constr type="r" for="ch" forName="Parent2" refType="w" fact="0.5735"/>
+              <dgm:constr type="t" for="ch" forName="Parent2" refType="h" fact="0.2022"/>
+              <dgm:constr type="w" for="ch" forName="Parent2" refType="w" fact="0.2048"/>
+              <dgm:constr type="h" for="ch" forName="Parent2" refType="h" fact="0.3799"/>
+              <dgm:constr type="r" for="ch" forName="Parent1" refType="w" fact="0.891"/>
+              <dgm:constr type="t" for="ch" forName="Parent1" refType="h" fact="0.2022"/>
+              <dgm:constr type="w" for="ch" forName="Parent1" refType="w" fact="0.2048"/>
+              <dgm:constr type="h" for="ch" forName="Parent1" refType="h" fact="0.3799"/>
+              <dgm:constr type="r" for="ch" forName="Accent3" refType="w" fact="0.3072"/>
+              <dgm:constr type="t" for="ch" forName="Accent3" refType="h" fact="0.1072"/>
+              <dgm:constr type="w" for="ch" forName="Accent3" refType="w" fact="0.3072"/>
+              <dgm:constr type="h" for="ch" forName="Accent3" refType="h" fact="0.5699"/>
+              <dgm:constr type="r" for="ch" forName="ParentBackground3" refType="w" fact="0.297"/>
+              <dgm:constr type="t" for="ch" forName="ParentBackground3" refType="h" fact="0.1262"/>
+              <dgm:constr type="w" for="ch" forName="ParentBackground3" refType="w" fact="0.2868"/>
+              <dgm:constr type="h" for="ch" forName="ParentBackground3" refType="h" fact="0.5319"/>
+              <dgm:constr type="r" for="ch" forName="Child3" refType="w" fact="0.297"/>
+              <dgm:constr type="t" for="ch" forName="Child3" refType="h" fact="0.6876"/>
+              <dgm:constr type="w" for="ch" forName="Child3" refType="w" fact="0.2868"/>
+              <dgm:constr type="h" for="ch" forName="Child3" refType="h" fact="0.3124"/>
+              <dgm:constr type="r" for="ch" forName="Accent2" refType="w" fact="0.6878"/>
+              <dgm:constr type="t" for="ch" forName="Accent2" refType="h" fact="-0.0109"/>
+              <dgm:constr type="w" for="ch" forName="Accent2" refType="w" fact="0.4334"/>
+              <dgm:constr type="h" for="ch" forName="Accent2" refType="h" fact="0.806"/>
+              <dgm:constr type="r" for="ch" forName="ParentBackground2" refType="w" fact="0.6145"/>
+              <dgm:constr type="t" for="ch" forName="ParentBackground2" refType="h" fact="0.1262"/>
+              <dgm:constr type="w" for="ch" forName="ParentBackground2" refType="w" fact="0.2868"/>
+              <dgm:constr type="h" for="ch" forName="ParentBackground2" refType="h" fact="0.5319"/>
+              <dgm:constr type="r" for="ch" forName="Child2" refType="w" fact="0.6145"/>
+              <dgm:constr type="t" for="ch" forName="Child2" refType="h" fact="0.6876"/>
+              <dgm:constr type="w" for="ch" forName="Child2" refType="w" fact="0.2868"/>
+              <dgm:constr type="h" for="ch" forName="Child2" refType="h" fact="0.3124"/>
+              <dgm:constr type="r" for="ch" forName="Accent1" refType="w" fact="1.0053"/>
+              <dgm:constr type="t" for="ch" forName="Accent1" refType="h" fact="-0.0109"/>
+              <dgm:constr type="w" for="ch" forName="Accent1" refType="w" fact="0.4334"/>
+              <dgm:constr type="h" for="ch" forName="Accent1" refType="h" fact="0.806"/>
+              <dgm:constr type="r" for="ch" forName="ParentBackground1" refType="w" fact="0.932"/>
+              <dgm:constr type="t" for="ch" forName="ParentBackground1" refType="h" fact="0.1262"/>
+              <dgm:constr type="w" for="ch" forName="ParentBackground1" refType="w" fact="0.2868"/>
+              <dgm:constr type="h" for="ch" forName="ParentBackground1" refType="h" fact="0.5319"/>
+              <dgm:constr type="r" for="ch" forName="Child1" refType="w" fact="0.932"/>
+              <dgm:constr type="t" for="ch" forName="Child1" refType="h" fact="0.6876"/>
+              <dgm:constr type="w" for="ch" forName="Child1" refType="w" fact="0.2868"/>
+              <dgm:constr type="h" for="ch" forName="Child1" refType="h" fact="0.3124"/>
+            </dgm:constrLst>
+          </dgm:if>
+          <dgm:if name="Name20" axis="ch" ptType="node" func="cnt" op="equ" val="4">
+            <dgm:alg type="composite">
+              <dgm:param type="ar" val="2.4437"/>
+            </dgm:alg>
+            <dgm:constrLst>
+              <dgm:constr type="primFontSz" for="des" forName="Child1" val="65"/>
+              <dgm:constr type="primFontSz" for="des" forName="Parent1" val="65"/>
+              <dgm:constr type="primFontSz" for="des" forName="Child1" refType="primFontSz" refFor="des" refForName="Parent1" op="lte"/>
+              <dgm:constr type="primFontSz" for="des" forName="Child2" refType="primFontSz" refFor="des" refForName="Parent1" op="lte"/>
+              <dgm:constr type="primFontSz" for="des" forName="Child3" refType="primFontSz" refFor="des" refForName="Parent1" op="lte"/>
+              <dgm:constr type="primFontSz" for="des" forName="Child4" refType="primFontSz" refFor="des" refForName="Parent1" op="lte"/>
+              <dgm:constr type="primFontSz" for="des" forName="Child1" refType="primFontSz" refFor="des" refForName="Parent2" op="lte"/>
+              <dgm:constr type="primFontSz" for="des" forName="Child2" refType="primFontSz" refFor="des" refForName="Parent2" op="lte"/>
+              <dgm:constr type="primFontSz" for="des" forName="Child3" refType="primFontSz" refFor="des" refForName="Parent2" op="lte"/>
+              <dgm:constr type="primFontSz" for="des" forName="Child4" refType="primFontSz" refFor="des" refForName="Parent2" op="lte"/>
+              <dgm:constr type="primFontSz" for="des" forName="Child1" refType="primFontSz" refFor="des" refForName="Parent3" op="lte"/>
+              <dgm:constr type="primFontSz" for="des" forName="Child2" refType="primFontSz" refFor="des" refForName="Parent3" op="lte"/>
+              <dgm:constr type="primFontSz" for="des" forName="Child3" refType="primFontSz" refFor="des" refForName="Parent3" op="lte"/>
+              <dgm:constr type="primFontSz" for="des" forName="Child4" refType="primFontSz" refFor="des" refForName="Parent3" op="lte"/>
+              <dgm:constr type="primFontSz" for="des" forName="Child1" refType="primFontSz" refFor="des" refForName="Parent4" op="lte"/>
+              <dgm:constr type="primFontSz" for="des" forName="Child2" refType="primFontSz" refFor="des" refForName="Parent4" op="lte"/>
+              <dgm:constr type="primFontSz" for="des" forName="Child3" refType="primFontSz" refFor="des" refForName="Parent4" op="lte"/>
+              <dgm:constr type="primFontSz" for="des" forName="Child4" refType="primFontSz" refFor="des" refForName="Parent4" op="lte"/>
+              <dgm:constr type="primFontSz" for="des" forName="Parent2" refType="primFontSz" refFor="des" refForName="Parent1" op="equ"/>
+              <dgm:constr type="primFontSz" for="des" forName="Parent3" refType="primFontSz" refFor="des" refForName="Parent1" op="equ"/>
+              <dgm:constr type="primFontSz" for="des" forName="Parent4" refType="primFontSz" refFor="des" refForName="Parent1" op="equ"/>
+              <dgm:constr type="primFontSz" for="des" forName="Child2" refType="primFontSz" refFor="des" refForName="Child1" op="equ"/>
+              <dgm:constr type="primFontSz" for="des" forName="Child3" refType="primFontSz" refFor="des" refForName="Child1" op="equ"/>
+              <dgm:constr type="primFontSz" for="des" forName="Child4" refType="primFontSz" refFor="des" refForName="Child1" op="equ"/>
+              <dgm:constr type="r" for="ch" forName="Parent4" refType="w" fact="0.1943"/>
+              <dgm:constr type="t" for="ch" forName="Parent4" refType="h" fact="0.2022"/>
+              <dgm:constr type="w" for="ch" forName="Parent4" refType="w" fact="0.1555"/>
+              <dgm:constr type="h" for="ch" forName="Parent4" refType="h" fact="0.3799"/>
+              <dgm:constr type="r" for="ch" forName="Parent3" refType="w" fact="0.4353"/>
+              <dgm:constr type="t" for="ch" forName="Parent3" refType="h" fact="0.2022"/>
+              <dgm:constr type="w" for="ch" forName="Parent3" refType="w" fact="0.1555"/>
+              <dgm:constr type="h" for="ch" forName="Parent3" refType="h" fact="0.3799"/>
+              <dgm:constr type="r" for="ch" forName="Parent2" refType="w" fact="0.6763"/>
+              <dgm:constr type="t" for="ch" forName="Parent2" refType="h" fact="0.2022"/>
+              <dgm:constr type="w" for="ch" forName="Parent2" refType="w" fact="0.1555"/>
+              <dgm:constr type="h" for="ch" forName="Parent2" refType="h" fact="0.3799"/>
+              <dgm:constr type="r" for="ch" forName="Parent1" refType="w" fact="0.9173"/>
+              <dgm:constr type="t" for="ch" forName="Parent1" refType="h" fact="0.2022"/>
+              <dgm:constr type="w" for="ch" forName="Parent1" refType="w" fact="0.1555"/>
+              <dgm:constr type="h" for="ch" forName="Parent1" refType="h" fact="0.3799"/>
+              <dgm:constr type="r" for="ch" forName="Accent4" refType="w" fact="0.2332"/>
+              <dgm:constr type="t" for="ch" forName="Accent4" refType="h" fact="0.1072"/>
+              <dgm:constr type="w" for="ch" forName="Accent4" refType="w" fact="0.2332"/>
+              <dgm:constr type="h" for="ch" forName="Accent4" refType="h" fact="0.5699"/>
+              <dgm:constr type="r" for="ch" forName="ParentBackground4" refType="w" fact="0.2254"/>
+              <dgm:constr type="t" for="ch" forName="ParentBackground4" refType="h" fact="0.1262"/>
+              <dgm:constr type="w" for="ch" forName="ParentBackground4" refType="w" fact="0.2177"/>
+              <dgm:constr type="h" for="ch" forName="ParentBackground4" refType="h" fact="0.5319"/>
+              <dgm:constr type="r" for="ch" forName="Child4" refType="w" fact="0.2254"/>
+              <dgm:constr type="t" for="ch" forName="Child4" refType="h" fact="0.6876"/>
+              <dgm:constr type="w" for="ch" forName="Child4" refType="w" fact="0.2177"/>
+              <dgm:constr type="h" for="ch" forName="Child4" refType="h" fact="0.3124"/>
+              <dgm:constr type="r" for="ch" forName="Accent3" refType="w" fact="0.5235"/>
+              <dgm:constr type="t" for="ch" forName="Accent3" refType="h" fact="-0.0109"/>
+              <dgm:constr type="w" for="ch" forName="Accent3" refType="w" fact="0.3298"/>
+              <dgm:constr type="h" for="ch" forName="Accent3" refType="h" fact="0.806"/>
+              <dgm:constr type="r" for="ch" forName="ParentBackground3" refType="w" fact="0.4664"/>
+              <dgm:constr type="t" for="ch" forName="ParentBackground3" refType="h" fact="0.1262"/>
+              <dgm:constr type="w" for="ch" forName="ParentBackground3" refType="w" fact="0.2177"/>
+              <dgm:constr type="h" for="ch" forName="ParentBackground3" refType="h" fact="0.5319"/>
+              <dgm:constr type="r" for="ch" forName="Child3" refType="w" fact="0.4664"/>
+              <dgm:constr type="t" for="ch" forName="Child3" refType="h" fact="0.6876"/>
+              <dgm:constr type="w" for="ch" forName="Child3" refType="w" fact="0.2177"/>
+              <dgm:constr type="h" for="ch" forName="Child3" refType="h" fact="0.3124"/>
+              <dgm:constr type="r" for="ch" forName="Accent2" refType="w" fact="0.7635"/>
+              <dgm:constr type="t" for="ch" forName="Accent2" refType="h" fact="-0.0109"/>
+              <dgm:constr type="w" for="ch" forName="Accent2" refType="w" fact="0.3298"/>
+              <dgm:constr type="h" for="ch" forName="Accent2" refType="h" fact="0.806"/>
+              <dgm:constr type="r" for="ch" forName="ParentBackground2" refType="w" fact="0.7074"/>
+              <dgm:constr type="t" for="ch" forName="ParentBackground2" refType="h" fact="0.1262"/>
+              <dgm:constr type="w" for="ch" forName="ParentBackground2" refType="w" fact="0.2177"/>
+              <dgm:constr type="h" for="ch" forName="ParentBackground2" refType="h" fact="0.5319"/>
+              <dgm:constr type="r" for="ch" forName="Child2" refType="w" fact="0.7074"/>
+              <dgm:constr type="t" for="ch" forName="Child2" refType="h" fact="0.6876"/>
+              <dgm:constr type="w" for="ch" forName="Child2" refType="w" fact="0.2177"/>
+              <dgm:constr type="h" for="ch" forName="Child2" refType="h" fact="0.3124"/>
+              <dgm:constr type="r" for="ch" forName="Accent1" refType="w" fact="1.0045"/>
+              <dgm:constr type="t" for="ch" forName="Accent1" refType="h" fact="-0.0109"/>
+              <dgm:constr type="w" for="ch" forName="Accent1" refType="w" fact="0.3298"/>
+              <dgm:constr type="h" for="ch" forName="Accent1" refType="h" fact="0.806"/>
+              <dgm:constr type="r" for="ch" forName="ParentBackground1" refType="w" fact="0.9484"/>
+              <dgm:constr type="t" for="ch" forName="ParentBackground1" refType="h" fact="0.1262"/>
+              <dgm:constr type="w" for="ch" forName="ParentBackground1" refType="w" fact="0.2177"/>
+              <dgm:constr type="h" for="ch" forName="ParentBackground1" refType="h" fact="0.5319"/>
+              <dgm:constr type="r" for="ch" forName="Child1" refType="w" fact="0.9484"/>
+              <dgm:constr type="t" for="ch" forName="Child1" refType="h" fact="0.6876"/>
+              <dgm:constr type="w" for="ch" forName="Child1" refType="w" fact="0.2177"/>
+              <dgm:constr type="h" for="ch" forName="Child1" refType="h" fact="0.3124"/>
+            </dgm:constrLst>
+          </dgm:if>
+          <dgm:if name="Name21" axis="ch" ptType="node" func="cnt" op="equ" val="5">
+            <dgm:alg type="composite">
+              <dgm:param type="ar" val="3.0325"/>
+            </dgm:alg>
+            <dgm:constrLst>
+              <dgm:constr type="primFontSz" for="des" forName="Child1" val="65"/>
+              <dgm:constr type="primFontSz" for="des" forName="Parent1" val="65"/>
+              <dgm:constr type="primFontSz" for="des" forName="Child1" refType="primFontSz" refFor="des" refForName="Parent1" op="lte"/>
+              <dgm:constr type="primFontSz" for="des" forName="Child2" refType="primFontSz" refFor="des" refForName="Parent1" op="lte"/>
+              <dgm:constr type="primFontSz" for="des" forName="Child3" refType="primFontSz" refFor="des" refForName="Parent1" op="lte"/>
+              <dgm:constr type="primFontSz" for="des" forName="Child4" refType="primFontSz" refFor="des" refForName="Parent1" op="lte"/>
+              <dgm:constr type="primFontSz" for="des" forName="Child5" refType="primFontSz" refFor="des" refForName="Parent1" op="lte"/>
+              <dgm:constr type="primFontSz" for="des" forName="Child1" refType="primFontSz" refFor="des" refForName="Parent2" op="lte"/>
+              <dgm:constr type="primFontSz" for="des" forName="Child2" refType="primFontSz" refFor="des" refForName="Parent2" op="lte"/>
+              <dgm:constr type="primFontSz" for="des" forName="Child3" refType="primFontSz" refFor="des" refForName="Parent2" op="lte"/>
+              <dgm:constr type="primFontSz" for="des" forName="Child4" refType="primFontSz" refFor="des" refForName="Parent2" op="lte"/>
+              <dgm:constr type="primFontSz" for="des" forName="Child5" refType="primFontSz" refFor="des" refForName="Parent2" op="lte"/>
+              <dgm:constr type="primFontSz" for="des" forName="Child1" refType="primFontSz" refFor="des" refForName="Parent3" op="lte"/>
+              <dgm:constr type="primFontSz" for="des" forName="Child2" refType="primFontSz" refFor="des" refForName="Parent3" op="lte"/>
+              <dgm:constr type="primFontSz" for="des" forName="Child3" refType="primFontSz" refFor="des" refForName="Parent3" op="lte"/>
+              <dgm:constr type="primFontSz" for="des" forName="Child4" refType="primFontSz" refFor="des" refForName="Parent3" op="lte"/>
+              <dgm:constr type="primFontSz" for="des" forName="Child5" refType="primFontSz" refFor="des" refForName="Parent3" op="lte"/>
+              <dgm:constr type="primFontSz" for="des" forName="Child1" refType="primFontSz" refFor="des" refForName="Parent4" op="lte"/>
+              <dgm:constr type="primFontSz" for="des" forName="Child2" refType="primFontSz" refFor="des" refForName="Parent4" op="lte"/>
+              <dgm:constr type="primFontSz" for="des" forName="Child3" refType="primFontSz" refFor="des" refForName="Parent4" op="lte"/>
+              <dgm:constr type="primFontSz" for="des" forName="Child4" refType="primFontSz" refFor="des" refForName="Parent4" op="lte"/>
+              <dgm:constr type="primFontSz" for="des" forName="Child5" refType="primFontSz" refFor="des" refForName="Parent4" op="lte"/>
+              <dgm:constr type="primFontSz" for="des" forName="Child1" refType="primFontSz" refFor="des" refForName="Parent5" op="lte"/>
+              <dgm:constr type="primFontSz" for="des" forName="Child2" refType="primFontSz" refFor="des" refForName="Parent5" op="lte"/>
+              <dgm:constr type="primFontSz" for="des" forName="Child3" refType="primFontSz" refFor="des" refForName="Parent5" op="lte"/>
+              <dgm:constr type="primFontSz" for="des" forName="Child4" refType="primFontSz" refFor="des" refForName="Parent5" op="lte"/>
+              <dgm:constr type="primFontSz" for="des" forName="Child5" refType="primFontSz" refFor="des" refForName="Parent5" op="lte"/>
+              <dgm:constr type="primFontSz" for="des" forName="Parent2" refType="primFontSz" refFor="des" refForName="Parent1" op="equ"/>
+              <dgm:constr type="primFontSz" for="des" forName="Parent3" refType="primFontSz" refFor="des" refForName="Parent1" op="equ"/>
+              <dgm:constr type="primFontSz" for="des" forName="Parent4" refType="primFontSz" refFor="des" refForName="Parent1" op="equ"/>
+              <dgm:constr type="primFontSz" for="des" forName="Parent5" refType="primFontSz" refFor="des" refForName="Parent1" op="equ"/>
+              <dgm:constr type="primFontSz" for="des" forName="Child2" refType="primFontSz" refFor="des" refForName="Child1" op="equ"/>
+              <dgm:constr type="primFontSz" for="des" forName="Child3" refType="primFontSz" refFor="des" refForName="Child1" op="equ"/>
+              <dgm:constr type="primFontSz" for="des" forName="Child4" refType="primFontSz" refFor="des" refForName="Child1" op="equ"/>
+              <dgm:constr type="primFontSz" for="des" forName="Child5" refType="primFontSz" refFor="des" refForName="Child1" op="equ"/>
+              <dgm:constr type="r" for="ch" forName="Parent5" refType="w" fact="0.1566"/>
+              <dgm:constr type="t" for="ch" forName="Parent5" refType="h" fact="0.2022"/>
+              <dgm:constr type="w" for="ch" forName="Parent5" refType="w" fact="0.1253"/>
+              <dgm:constr type="h" for="ch" forName="Parent5" refType="h" fact="0.3799"/>
+              <dgm:constr type="r" for="ch" forName="Parent4" refType="w" fact="0.3508"/>
+              <dgm:constr type="t" for="ch" forName="Parent4" refType="h" fact="0.2022"/>
+              <dgm:constr type="w" for="ch" forName="Parent4" refType="w" fact="0.1253"/>
+              <dgm:constr type="h" for="ch" forName="Parent4" refType="h" fact="0.3799"/>
+              <dgm:constr type="r" for="ch" forName="Parent3" refType="w" fact="0.545"/>
+              <dgm:constr type="t" for="ch" forName="Parent3" refType="h" fact="0.2022"/>
+              <dgm:constr type="w" for="ch" forName="Parent3" refType="w" fact="0.1253"/>
+              <dgm:constr type="h" for="ch" forName="Parent3" refType="h" fact="0.3799"/>
+              <dgm:constr type="r" for="ch" forName="Parent2" refType="w" fact="0.7391"/>
+              <dgm:constr type="t" for="ch" forName="Parent2" refType="h" fact="0.2022"/>
+              <dgm:constr type="w" for="ch" forName="Parent2" refType="w" fact="0.1253"/>
+              <dgm:constr type="h" for="ch" forName="Parent2" refType="h" fact="0.3799"/>
+              <dgm:constr type="r" for="ch" forName="Parent1" refType="w" fact="0.9333"/>
+              <dgm:constr type="t" for="ch" forName="Parent1" refType="h" fact="0.2022"/>
+              <dgm:constr type="w" for="ch" forName="Parent1" refType="w" fact="0.1253"/>
+              <dgm:constr type="h" for="ch" forName="Parent1" refType="h" fact="0.3799"/>
+              <dgm:constr type="r" for="ch" forName="Accent5" refType="w" fact="0.1879"/>
+              <dgm:constr type="t" for="ch" forName="Accent5" refType="h" fact="0.1072"/>
+              <dgm:constr type="w" for="ch" forName="Accent5" refType="w" fact="0.1879"/>
+              <dgm:constr type="h" for="ch" forName="Accent5" refType="h" fact="0.5699"/>
+              <dgm:constr type="r" for="ch" forName="ParentBackground5" refType="w" fact="0.1817"/>
+              <dgm:constr type="t" for="ch" forName="ParentBackground5" refType="h" fact="0.1262"/>
+              <dgm:constr type="w" for="ch" forName="ParentBackground5" refType="w" fact="0.1754"/>
+              <dgm:constr type="h" for="ch" forName="ParentBackground5" refType="h" fact="0.5319"/>
+              <dgm:constr type="r" for="ch" forName="Child5" refType="w" fact="0.1817"/>
+              <dgm:constr type="t" for="ch" forName="Child5" refType="h" fact="0.6876"/>
+              <dgm:constr type="w" for="ch" forName="Child5" refType="w" fact="0.1754"/>
+              <dgm:constr type="h" for="ch" forName="Child5" refType="h" fact="0.3124"/>
+              <dgm:constr type="r" for="ch" forName="Accent4" refType="w" fact="0.4211"/>
+              <dgm:constr type="t" for="ch" forName="Accent4" refType="h" fact="-0.0109"/>
+              <dgm:constr type="w" for="ch" forName="Accent4" refType="w" fact="0.2657"/>
+              <dgm:constr type="h" for="ch" forName="Accent4" refType="h" fact="0.806"/>
+              <dgm:constr type="r" for="ch" forName="ParentBackground4" refType="w" fact="0.3758"/>
+              <dgm:constr type="t" for="ch" forName="ParentBackground4" refType="h" fact="0.1262"/>
+              <dgm:constr type="w" for="ch" forName="ParentBackground4" refType="w" fact="0.1754"/>
+              <dgm:constr type="h" for="ch" forName="ParentBackground4" refType="h" fact="0.5319"/>
+              <dgm:constr type="r" for="ch" forName="Child4" refType="w" fact="0.3758"/>
+              <dgm:constr type="t" for="ch" forName="Child4" refType="h" fact="0.6876"/>
+              <dgm:constr type="w" for="ch" forName="Child4" refType="w" fact="0.1754"/>
+              <dgm:constr type="h" for="ch" forName="Child4" refType="h" fact="0.3124"/>
+              <dgm:constr type="r" for="ch" forName="Accent3" refType="w" fact="0.6152"/>
+              <dgm:constr type="t" for="ch" forName="Accent3" refType="h" fact="-0.0109"/>
+              <dgm:constr type="w" for="ch" forName="Accent3" refType="w" fact="0.2657"/>
+              <dgm:constr type="h" for="ch" forName="Accent3" refType="h" fact="0.806"/>
+              <dgm:constr type="r" for="ch" forName="ParentBackground3" refType="w" fact="0.57"/>
+              <dgm:constr type="t" for="ch" forName="ParentBackground3" refType="h" fact="0.1262"/>
+              <dgm:constr type="w" for="ch" forName="ParentBackground3" refType="w" fact="0.1754"/>
+              <dgm:constr type="h" for="ch" forName="ParentBackground3" refType="h" fact="0.5319"/>
+              <dgm:constr type="r" for="ch" forName="Child3" refType="w" fact="0.57"/>
+              <dgm:constr type="t" for="ch" forName="Child3" refType="h" fact="0.6876"/>
+              <dgm:constr type="w" for="ch" forName="Child3" refType="w" fact="0.1754"/>
+              <dgm:constr type="h" for="ch" forName="Child3" refType="h" fact="0.3124"/>
+              <dgm:constr type="r" for="ch" forName="Accent2" refType="w" fact="0.8094"/>
+              <dgm:constr type="t" for="ch" forName="Accent2" refType="h" fact="-0.0109"/>
+              <dgm:constr type="w" for="ch" forName="Accent2" refType="w" fact="0.2657"/>
+              <dgm:constr type="h" for="ch" forName="Accent2" refType="h" fact="0.806"/>
+              <dgm:constr type="r" for="ch" forName="ParentBackground2" refType="w" fact="0.7642"/>
+              <dgm:constr type="t" for="ch" forName="ParentBackground2" refType="h" fact="0.1262"/>
+              <dgm:constr type="w" for="ch" forName="ParentBackground2" refType="w" fact="0.1754"/>
+              <dgm:constr type="h" for="ch" forName="ParentBackground2" refType="h" fact="0.5319"/>
+              <dgm:constr type="r" for="ch" forName="Child2" refType="w" fact="0.7642"/>
+              <dgm:constr type="t" for="ch" forName="Child2" refType="h" fact="0.6876"/>
+              <dgm:constr type="w" for="ch" forName="Child2" refType="w" fact="0.1754"/>
+              <dgm:constr type="h" for="ch" forName="Child2" refType="h" fact="0.3124"/>
+              <dgm:constr type="r" for="ch" forName="Accent1" refType="w" fact="1.0036"/>
+              <dgm:constr type="t" for="ch" forName="Accent1" refType="h" fact="-0.0109"/>
+              <dgm:constr type="w" for="ch" forName="Accent1" refType="w" fact="0.2657"/>
+              <dgm:constr type="h" for="ch" forName="Accent1" refType="h" fact="0.806"/>
+              <dgm:constr type="r" for="ch" forName="ParentBackground1" refType="w" fact="0.9584"/>
+              <dgm:constr type="t" for="ch" forName="ParentBackground1" refType="h" fact="0.1262"/>
+              <dgm:constr type="w" for="ch" forName="ParentBackground1" refType="w" fact="0.1754"/>
+              <dgm:constr type="h" for="ch" forName="ParentBackground1" refType="h" fact="0.5319"/>
+              <dgm:constr type="r" for="ch" forName="Child1" refType="w" fact="0.9584"/>
+              <dgm:constr type="t" for="ch" forName="Child1" refType="h" fact="0.6876"/>
+              <dgm:constr type="w" for="ch" forName="Child1" refType="w" fact="0.1754"/>
+              <dgm:constr type="h" for="ch" forName="Child1" refType="h" fact="0.3124"/>
+            </dgm:constrLst>
+          </dgm:if>
+          <dgm:if name="Name22" axis="ch" ptType="node" func="cnt" op="equ" val="6">
+            <dgm:alg type="composite">
+              <dgm:param type="ar" val="3.6214"/>
+            </dgm:alg>
+            <dgm:constrLst>
+              <dgm:constr type="primFontSz" for="des" forName="Child1" val="65"/>
+              <dgm:constr type="primFontSz" for="des" forName="Parent1" val="65"/>
+              <dgm:constr type="primFontSz" for="des" forName="Child1" refType="primFontSz" refFor="des" refForName="Parent1" op="lte"/>
+              <dgm:constr type="primFontSz" for="des" forName="Child2" refType="primFontSz" refFor="des" refForName="Parent1" op="lte"/>
+              <dgm:constr type="primFontSz" for="des" forName="Child3" refType="primFontSz" refFor="des" refForName="Parent1" op="lte"/>
+              <dgm:constr type="primFontSz" for="des" forName="Child4" refType="primFontSz" refFor="des" refForName="Parent1" op="lte"/>
+              <dgm:constr type="primFontSz" for="des" forName="Child5" refType="primFontSz" refFor="des" refForName="Parent1" op="lte"/>
+              <dgm:constr type="primFontSz" for="des" forName="Child6" refType="primFontSz" refFor="des" refForName="Parent1" op="lte"/>
+              <dgm:constr type="primFontSz" for="des" forName="Child1" refType="primFontSz" refFor="des" refForName="Parent2" op="lte"/>
+              <dgm:constr type="primFontSz" for="des" forName="Child2" refType="primFontSz" refFor="des" refForName="Parent2" op="lte"/>
+              <dgm:constr type="primFontSz" for="des" forName="Child3" refType="primFontSz" refFor="des" refForName="Parent2" op="lte"/>
+              <dgm:constr type="primFontSz" for="des" forName="Child4" refType="primFontSz" refFor="des" refForName="Parent2" op="lte"/>
+              <dgm:constr type="primFontSz" for="des" forName="Child5" refType="primFontSz" refFor="des" refForName="Parent2" op="lte"/>
+              <dgm:constr type="primFontSz" for="des" forName="Child6" refType="primFontSz" refFor="des" refForName="Parent2" op="lte"/>
+              <dgm:constr type="primFontSz" for="des" forName="Child1" refType="primFontSz" refFor="des" refForName="Parent3" op="lte"/>
+              <dgm:constr type="primFontSz" for="des" forName="Child2" refType="primFontSz" refFor="des" refForName="Parent3" op="lte"/>
+              <dgm:constr type="primFontSz" for="des" forName="Child3" refType="primFontSz" refFor="des" refForName="Parent3" op="lte"/>
+              <dgm:constr type="primFontSz" for="des" forName="Child4" refType="primFontSz" refFor="des" refForName="Parent3" op="lte"/>
+              <dgm:constr type="primFontSz" for="des" forName="Child5" refType="primFontSz" refFor="des" refForName="Parent3" op="lte"/>
+              <dgm:constr type="primFontSz" for="des" forName="Child6" refType="primFontSz" refFor="des" refForName="Parent3" op="lte"/>
+              <dgm:constr type="primFontSz" for="des" forName="Child1" refType="primFontSz" refFor="des" refForName="Parent4" op="lte"/>
+              <dgm:constr type="primFontSz" for="des" forName="Child2" refType="primFontSz" refFor="des" refForName="Parent4" op="lte"/>
+              <dgm:constr type="primFontSz" for="des" forName="Child3" refType="primFontSz" refFor="des" refForName="Parent4" op="lte"/>
+              <dgm:constr type="primFontSz" for="des" forName="Child4" refType="primFontSz" refFor="des" refForName="Parent4" op="lte"/>
+              <dgm:constr type="primFontSz" for="des" forName="Child5" refType="primFontSz" refFor="des" refForName="Parent4" op="lte"/>
+              <dgm:constr type="primFontSz" for="des" forName="Child6" refType="primFontSz" refFor="des" refForName="Parent4" op="lte"/>
+              <dgm:constr type="primFontSz" for="des" forName="Child1" refType="primFontSz" refFor="des" refForName="Parent5" op="lte"/>
+              <dgm:constr type="primFontSz" for="des" forName="Child2" refType="primFontSz" refFor="des" refForName="Parent5" op="lte"/>
+              <dgm:constr type="primFontSz" for="des" forName="Child3" refType="primFontSz" refFor="des" refForName="Parent5" op="lte"/>
+              <dgm:constr type="primFontSz" for="des" forName="Child4" refType="primFontSz" refFor="des" refForName="Parent5" op="lte"/>
+              <dgm:constr type="primFontSz" for="des" forName="Child5" refType="primFontSz" refFor="des" refForName="Parent5" op="lte"/>
+              <dgm:constr type="primFontSz" for="des" forName="Child6" refType="primFontSz" refFor="des" refForName="Parent5" op="lte"/>
+              <dgm:constr type="primFontSz" for="des" forName="Child1" refType="primFontSz" refFor="des" refForName="Parent6" op="lte"/>
+              <dgm:constr type="primFontSz" for="des" forName="Child2" refType="primFontSz" refFor="des" refForName="Parent6" op="lte"/>
+              <dgm:constr type="primFontSz" for="des" forName="Child3" refType="primFontSz" refFor="des" refForName="Parent6" op="lte"/>
+              <dgm:constr type="primFontSz" for="des" forName="Child4" refType="primFontSz" refFor="des" refForName="Parent6" op="lte"/>
+              <dgm:constr type="primFontSz" for="des" forName="Child5" refType="primFontSz" refFor="des" refForName="Parent6" op="lte"/>
+              <dgm:constr type="primFontSz" for="des" forName="Child6" refType="primFontSz" refFor="des" refForName="Parent6" op="lte"/>
+              <dgm:constr type="primFontSz" for="des" forName="Parent2" refType="primFontSz" refFor="des" refForName="Parent1" op="equ"/>
+              <dgm:constr type="primFontSz" for="des" forName="Parent3" refType="primFontSz" refFor="des" refForName="Parent1" op="equ"/>
+              <dgm:constr type="primFontSz" for="des" forName="Parent4" refType="primFontSz" refFor="des" refForName="Parent1" op="equ"/>
+              <dgm:constr type="primFontSz" for="des" forName="Parent5" refType="primFontSz" refFor="des" refForName="Parent1" op="equ"/>
+              <dgm:constr type="primFontSz" for="des" forName="Parent6" refType="primFontSz" refFor="des" refForName="Parent1" op="equ"/>
+              <dgm:constr type="primFontSz" for="des" forName="Child2" refType="primFontSz" refFor="des" refForName="Child1" op="equ"/>
+              <dgm:constr type="primFontSz" for="des" forName="Child3" refType="primFontSz" refFor="des" refForName="Child1" op="equ"/>
+              <dgm:constr type="primFontSz" for="des" forName="Child4" refType="primFontSz" refFor="des" refForName="Child1" op="equ"/>
+              <dgm:constr type="primFontSz" for="des" forName="Child5" refType="primFontSz" refFor="des" refForName="Child1" op="equ"/>
+              <dgm:constr type="primFontSz" for="des" forName="Child6" refType="primFontSz" refFor="des" refForName="Child1" op="equ"/>
+              <dgm:constr type="r" for="ch" forName="Parent6" refType="w" fact="0.1311"/>
+              <dgm:constr type="t" for="ch" forName="Parent6" refType="h" fact="0.2022"/>
+              <dgm:constr type="w" for="ch" forName="Parent6" refType="w" fact="0.1049"/>
+              <dgm:constr type="h" for="ch" forName="Parent6" refType="h" fact="0.3799"/>
+              <dgm:constr type="r" for="ch" forName="Parent5" refType="w" fact="0.2937"/>
+              <dgm:constr type="t" for="ch" forName="Parent5" refType="h" fact="0.2022"/>
+              <dgm:constr type="w" for="ch" forName="Parent5" refType="w" fact="0.1049"/>
+              <dgm:constr type="h" for="ch" forName="Parent5" refType="h" fact="0.3799"/>
+              <dgm:constr type="r" for="ch" forName="Parent4" refType="w" fact="0.4563"/>
+              <dgm:constr type="t" for="ch" forName="Parent4" refType="h" fact="0.2022"/>
+              <dgm:constr type="w" for="ch" forName="Parent4" refType="w" fact="0.1049"/>
+              <dgm:constr type="h" for="ch" forName="Parent4" refType="h" fact="0.3799"/>
+              <dgm:constr type="r" for="ch" forName="Parent3" refType="w" fact="0.619"/>
+              <dgm:constr type="t" for="ch" forName="Parent3" refType="h" fact="0.2022"/>
+              <dgm:constr type="w" for="ch" forName="Parent3" refType="w" fact="0.1049"/>
+              <dgm:constr type="h" for="ch" forName="Parent3" refType="h" fact="0.3799"/>
+              <dgm:constr type="r" for="ch" forName="Parent2" refType="w" fact="0.7816"/>
+              <dgm:constr type="t" for="ch" forName="Parent2" refType="h" fact="0.2022"/>
+              <dgm:constr type="w" for="ch" forName="Parent2" refType="w" fact="0.1049"/>
+              <dgm:constr type="h" for="ch" forName="Parent2" refType="h" fact="0.3799"/>
+              <dgm:constr type="r" for="ch" forName="Parent1" refType="w" fact="0.9442"/>
+              <dgm:constr type="t" for="ch" forName="Parent1" refType="h" fact="0.2022"/>
+              <dgm:constr type="w" for="ch" forName="Parent1" refType="w" fact="0.1049"/>
+              <dgm:constr type="h" for="ch" forName="Parent1" refType="h" fact="0.3799"/>
+              <dgm:constr type="r" for="ch" forName="Accent6" refType="w" fact="0.1574"/>
+              <dgm:constr type="t" for="ch" forName="Accent6" refType="h" fact="0.1072"/>
+              <dgm:constr type="w" for="ch" forName="Accent6" refType="w" fact="0.1574"/>
+              <dgm:constr type="h" for="ch" forName="Accent6" refType="h" fact="0.5699"/>
+              <dgm:constr type="r" for="ch" forName="ParentBackground6" refType="w" fact="0.1521"/>
+              <dgm:constr type="t" for="ch" forName="ParentBackground6" refType="h" fact="0.1262"/>
+              <dgm:constr type="w" for="ch" forName="ParentBackground6" refType="w" fact="0.1469"/>
+              <dgm:constr type="h" for="ch" forName="ParentBackground6" refType="h" fact="0.5319"/>
+              <dgm:constr type="r" for="ch" forName="Child6" refType="w" fact="0.1521"/>
+              <dgm:constr type="t" for="ch" forName="Child6" refType="h" fact="0.6876"/>
+              <dgm:constr type="w" for="ch" forName="Child6" refType="w" fact="0.1469"/>
+              <dgm:constr type="h" for="ch" forName="Child6" refType="h" fact="0.3124"/>
+              <dgm:constr type="r" for="ch" forName="Accent5" refType="w" fact="0.3526"/>
+              <dgm:constr type="t" for="ch" forName="Accent5" refType="h" fact="-0.0109"/>
+              <dgm:constr type="w" for="ch" forName="Accent5" refType="w" fact="0.2226"/>
+              <dgm:constr type="h" for="ch" forName="Accent5" refType="h" fact="0.806"/>
+              <dgm:constr type="r" for="ch" forName="ParentBackground5" refType="w" fact="0.3147"/>
+              <dgm:constr type="t" for="ch" forName="ParentBackground5" refType="h" fact="0.1262"/>
+              <dgm:constr type="w" for="ch" forName="ParentBackground5" refType="w" fact="0.1469"/>
+              <dgm:constr type="h" for="ch" forName="ParentBackground5" refType="h" fact="0.5319"/>
+              <dgm:constr type="r" for="ch" forName="Child5" refType="w" fact="0.3147"/>
+              <dgm:constr type="t" for="ch" forName="Child5" refType="h" fact="0.6876"/>
+              <dgm:constr type="w" for="ch" forName="Child5" refType="w" fact="0.1469"/>
+              <dgm:constr type="h" for="ch" forName="Child5" refType="h" fact="0.3124"/>
+              <dgm:constr type="r" for="ch" forName="Accent4" refType="w" fact="0.5152"/>
+              <dgm:constr type="t" for="ch" forName="Accent4" refType="h" fact="-0.0109"/>
+              <dgm:constr type="w" for="ch" forName="Accent4" refType="w" fact="0.2226"/>
+              <dgm:constr type="h" for="ch" forName="Accent4" refType="h" fact="0.806"/>
+              <dgm:constr type="r" for="ch" forName="ParentBackground4" refType="w" fact="0.4773"/>
+              <dgm:constr type="t" for="ch" forName="ParentBackground4" refType="h" fact="0.1262"/>
+              <dgm:constr type="w" for="ch" forName="ParentBackground4" refType="w" fact="0.1469"/>
+              <dgm:constr type="h" for="ch" forName="ParentBackground4" refType="h" fact="0.5319"/>
+              <dgm:constr type="r" for="ch" forName="Child4" refType="w" fact="0.4773"/>
+              <dgm:constr type="t" for="ch" forName="Child4" refType="h" fact="0.6876"/>
+              <dgm:constr type="w" for="ch" forName="Child4" refType="w" fact="0.1469"/>
+              <dgm:constr type="h" for="ch" forName="Child4" refType="h" fact="0.3124"/>
+              <dgm:constr type="r" for="ch" forName="Accent3" refType="w" fact="0.6778"/>
+              <dgm:constr type="t" for="ch" forName="Accent3" refType="h" fact="-0.0109"/>
+              <dgm:constr type="w" for="ch" forName="Accent3" refType="w" fact="0.2226"/>
+              <dgm:constr type="h" for="ch" forName="Accent3" refType="h" fact="0.806"/>
+              <dgm:constr type="r" for="ch" forName="ParentBackground3" refType="w" fact="0.6399"/>
+              <dgm:constr type="t" for="ch" forName="ParentBackground3" refType="h" fact="0.1262"/>
+              <dgm:constr type="w" for="ch" forName="ParentBackground3" refType="w" fact="0.1469"/>
+              <dgm:constr type="h" for="ch" forName="ParentBackground3" refType="h" fact="0.5319"/>
+              <dgm:constr type="r" for="ch" forName="Child3" refType="w" fact="0.6399"/>
+              <dgm:constr type="t" for="ch" forName="Child3" refType="h" fact="0.6876"/>
+              <dgm:constr type="w" for="ch" forName="Child3" refType="w" fact="0.1469"/>
+              <dgm:constr type="h" for="ch" forName="Child3" refType="h" fact="0.3124"/>
+              <dgm:constr type="r" for="ch" forName="Accent2" refType="w" fact="0.8404"/>
+              <dgm:constr type="t" for="ch" forName="Accent2" refType="h" fact="-0.0109"/>
+              <dgm:constr type="w" for="ch" forName="Accent2" refType="w" fact="0.2226"/>
+              <dgm:constr type="h" for="ch" forName="Accent2" refType="h" fact="0.806"/>
+              <dgm:constr type="r" for="ch" forName="ParentBackground2" refType="w" fact="0.8025"/>
+              <dgm:constr type="t" for="ch" forName="ParentBackground2" refType="h" fact="0.1262"/>
+              <dgm:constr type="w" for="ch" forName="ParentBackground2" refType="w" fact="0.1469"/>
+              <dgm:constr type="h" for="ch" forName="ParentBackground2" refType="h" fact="0.5319"/>
+              <dgm:constr type="r" for="ch" forName="Child2" refType="w" fact="0.8025"/>
+              <dgm:constr type="t" for="ch" forName="Child2" refType="h" fact="0.6876"/>
+              <dgm:constr type="w" for="ch" forName="Child2" refType="w" fact="0.1469"/>
+              <dgm:constr type="h" for="ch" forName="Child2" refType="h" fact="0.3124"/>
+              <dgm:constr type="r" for="ch" forName="Accent1" refType="w" fact="1.003"/>
+              <dgm:constr type="t" for="ch" forName="Accent1" refType="h" fact="-0.0109"/>
+              <dgm:constr type="w" for="ch" forName="Accent1" refType="w" fact="0.2226"/>
+              <dgm:constr type="h" for="ch" forName="Accent1" refType="h" fact="0.806"/>
+              <dgm:constr type="r" for="ch" forName="ParentBackground1" refType="w" fact="0.9652"/>
+              <dgm:constr type="t" for="ch" forName="ParentBackground1" refType="h" fact="0.1262"/>
+              <dgm:constr type="w" for="ch" forName="ParentBackground1" refType="w" fact="0.1469"/>
+              <dgm:constr type="h" for="ch" forName="ParentBackground1" refType="h" fact="0.5319"/>
+              <dgm:constr type="r" for="ch" forName="Child1" refType="w" fact="0.9652"/>
+              <dgm:constr type="t" for="ch" forName="Child1" refType="h" fact="0.6876"/>
+              <dgm:constr type="w" for="ch" forName="Child1" refType="w" fact="0.1469"/>
+              <dgm:constr type="h" for="ch" forName="Child1" refType="h" fact="0.3124"/>
+            </dgm:constrLst>
+          </dgm:if>
+          <dgm:if name="Name23" axis="ch" ptType="node" func="cnt" op="equ" val="7">
+            <dgm:alg type="composite">
+              <dgm:param type="ar" val="4.2103"/>
+            </dgm:alg>
+            <dgm:constrLst>
+              <dgm:constr type="primFontSz" for="des" forName="Child1" val="65"/>
+              <dgm:constr type="primFontSz" for="des" forName="Parent1" val="65"/>
+              <dgm:constr type="primFontSz" for="des" forName="Child1" refType="primFontSz" refFor="des" refForName="Parent1" op="lte"/>
+              <dgm:constr type="primFontSz" for="des" forName="Child2" refType="primFontSz" refFor="des" refForName="Parent1" op="lte"/>
+              <dgm:constr type="primFontSz" for="des" forName="Child3" refType="primFontSz" refFor="des" refForName="Parent1" op="lte"/>
+              <dgm:constr type="primFontSz" for="des" forName="Child4" refType="primFontSz" refFor="des" refForName="Parent1" op="lte"/>
+              <dgm:constr type="primFontSz" for="des" forName="Child5" refType="primFontSz" refFor="des" refForName="Parent1" op="lte"/>
+              <dgm:constr type="primFontSz" for="des" forName="Child6" refType="primFontSz" refFor="des" refForName="Parent1" op="lte"/>
+              <dgm:constr type="primFontSz" for="des" forName="Child7" refType="primFontSz" refFor="des" refForName="Parent1" op="lte"/>
+              <dgm:constr type="primFontSz" for="des" forName="Child1" refType="primFontSz" refFor="des" refForName="Parent2" op="lte"/>
+              <dgm:constr type="primFontSz" for="des" forName="Child2" refType="primFontSz" refFor="des" refForName="Parent2" op="lte"/>
+              <dgm:constr type="primFontSz" for="des" forName="Child3" refType="primFontSz" refFor="des" refForName="Parent2" op="lte"/>
+              <dgm:constr type="primFontSz" for="des" forName="Child4" refType="primFontSz" refFor="des" refForName="Parent2" op="lte"/>
+              <dgm:constr type="primFontSz" for="des" forName="Child5" refType="primFontSz" refFor="des" refForName="Parent2" op="lte"/>
+              <dgm:constr type="primFontSz" for="des" forName="Child6" refType="primFontSz" refFor="des" refForName="Parent2" op="lte"/>
+              <dgm:constr type="primFontSz" for="des" forName="Child7" refType="primFontSz" refFor="des" refForName="Parent2" op="lte"/>
+              <dgm:constr type="primFontSz" for="des" forName="Child1" refType="primFontSz" refFor="des" refForName="Parent3" op="lte"/>
+              <dgm:constr type="primFontSz" for="des" forName="Child2" refType="primFontSz" refFor="des" refForName="Parent3" op="lte"/>
+              <dgm:constr type="primFontSz" for="des" forName="Child3" refType="primFontSz" refFor="des" refForName="Parent3" op="lte"/>
+              <dgm:constr type="primFontSz" for="des" forName="Child4" refType="primFontSz" refFor="des" refForName="Parent3" op="lte"/>
+              <dgm:constr type="primFontSz" for="des" forName="Child5" refType="primFontSz" refFor="des" refForName="Parent3" op="lte"/>
+              <dgm:constr type="primFontSz" for="des" forName="Child6" refType="primFontSz" refFor="des" refForName="Parent3" op="lte"/>
+              <dgm:constr type="primFontSz" for="des" forName="Child7" refType="primFontSz" refFor="des" refForName="Parent3" op="lte"/>
+              <dgm:constr type="primFontSz" for="des" forName="Child1" refType="primFontSz" refFor="des" refForName="Parent4" op="lte"/>
+              <dgm:constr type="primFontSz" for="des" forName="Child2" refType="primFontSz" refFor="des" refForName="Parent4" op="lte"/>
+              <dgm:constr type="primFontSz" for="des" forName="Child3" refType="primFontSz" refFor="des" refForName="Parent4" op="lte"/>
+              <dgm:constr type="primFontSz" for="des" forName="Child4" refType="primFontSz" refFor="des" refForName="Parent4" op="lte"/>
+              <dgm:constr type="primFontSz" for="des" forName="Child5" refType="primFontSz" refFor="des" refForName="Parent4" op="lte"/>
+              <dgm:constr type="primFontSz" for="des" forName="Child6" refType="primFontSz" refFor="des" refForName="Parent4" op="lte"/>
+              <dgm:constr type="primFontSz" for="des" forName="Child7" refType="primFontSz" refFor="des" refForName="Parent4" op="lte"/>
+              <dgm:constr type="primFontSz" for="des" forName="Child1" refType="primFontSz" refFor="des" refForName="Parent5" op="lte"/>
+              <dgm:constr type="primFontSz" for="des" forName="Child2" refType="primFontSz" refFor="des" refForName="Parent5" op="lte"/>
+              <dgm:constr type="primFontSz" for="des" forName="Child3" refType="primFontSz" refFor="des" refForName="Parent5" op="lte"/>
+              <dgm:constr type="primFontSz" for="des" forName="Child4" refType="primFontSz" refFor="des" refForName="Parent5" op="lte"/>
+              <dgm:constr type="primFontSz" for="des" forName="Child5" refType="primFontSz" refFor="des" refForName="Parent5" op="lte"/>
+              <dgm:constr type="primFontSz" for="des" forName="Child6" refType="primFontSz" refFor="des" refForName="Parent5" op="lte"/>
+              <dgm:constr type="primFontSz" for="des" forName="Child7" refType="primFontSz" refFor="des" refForName="Parent5" op="lte"/>
+              <dgm:constr type="primFontSz" for="des" forName="Child1" refType="primFontSz" refFor="des" refForName="Parent6" op="lte"/>
+              <dgm:constr type="primFontSz" for="des" forName="Child2" refType="primFontSz" refFor="des" refForName="Parent6" op="lte"/>
+              <dgm:constr type="primFontSz" for="des" forName="Child3" refType="primFontSz" refFor="des" refForName="Parent6" op="lte"/>
+              <dgm:constr type="primFontSz" for="des" forName="Child4" refType="primFontSz" refFor="des" refForName="Parent6" op="lte"/>
+              <dgm:constr type="primFontSz" for="des" forName="Child5" refType="primFontSz" refFor="des" refForName="Parent6" op="lte"/>
+              <dgm:constr type="primFontSz" for="des" forName="Child6" refType="primFontSz" refFor="des" refForName="Parent6" op="lte"/>
+              <dgm:constr type="primFontSz" for="des" forName="Child7" refType="primFontSz" refFor="des" refForName="Parent6" op="lte"/>
+              <dgm:constr type="primFontSz" for="des" forName="Child1" refType="primFontSz" refFor="des" refForName="Parent7" op="lte"/>
+              <dgm:constr type="primFontSz" for="des" forName="Child2" refType="primFontSz" refFor="des" refForName="Parent7" op="lte"/>
+              <dgm:constr type="primFontSz" for="des" forName="Child3" refType="primFontSz" refFor="des" refForName="Parent7" op="lte"/>
+              <dgm:constr type="primFontSz" for="des" forName="Child4" refType="primFontSz" refFor="des" refForName="Parent7" op="lte"/>
+              <dgm:constr type="primFontSz" for="des" forName="Child5" refType="primFontSz" refFor="des" refForName="Parent7" op="lte"/>
+              <dgm:constr type="primFontSz" for="des" forName="Child6" refType="primFontSz" refFor="des" refForName="Parent7" op="lte"/>
+              <dgm:constr type="primFontSz" for="des" forName="Child7" refType="primFontSz" refFor="des" refForName="Parent7" op="lte"/>
+              <dgm:constr type="primFontSz" for="des" forName="Parent2" refType="primFontSz" refFor="des" refForName="Parent1" op="equ"/>
+              <dgm:constr type="primFontSz" for="des" forName="Parent3" refType="primFontSz" refFor="des" refForName="Parent1" op="equ"/>
+              <dgm:constr type="primFontSz" for="des" forName="Parent4" refType="primFontSz" refFor="des" refForName="Parent1" op="equ"/>
+              <dgm:constr type="primFontSz" for="des" forName="Parent5" refType="primFontSz" refFor="des" refForName="Parent1" op="equ"/>
+              <dgm:constr type="primFontSz" for="des" forName="Parent6" refType="primFontSz" refFor="des" refForName="Parent1" op="equ"/>
+              <dgm:constr type="primFontSz" for="des" forName="Parent7" refType="primFontSz" refFor="des" refForName="Parent1" op="equ"/>
+              <dgm:constr type="primFontSz" for="des" forName="Child2" refType="primFontSz" refFor="des" refForName="Child1" op="equ"/>
+              <dgm:constr type="primFontSz" for="des" forName="Child3" refType="primFontSz" refFor="des" refForName="Child1" op="equ"/>
+              <dgm:constr type="primFontSz" for="des" forName="Child4" refType="primFontSz" refFor="des" refForName="Child1" op="equ"/>
+              <dgm:constr type="primFontSz" for="des" forName="Child5" refType="primFontSz" refFor="des" refForName="Child1" op="equ"/>
+              <dgm:constr type="primFontSz" for="des" forName="Child6" refType="primFontSz" refFor="des" refForName="Child1" op="equ"/>
+              <dgm:constr type="primFontSz" for="des" forName="Child7" refType="primFontSz" refFor="des" refForName="Child1" op="equ"/>
+              <dgm:constr type="r" for="ch" forName="Parent7" refType="w" fact="0.1128"/>
+              <dgm:constr type="t" for="ch" forName="Parent7" refType="h" fact="0.2022"/>
+              <dgm:constr type="w" for="ch" forName="Parent7" refType="w" fact="0.0902"/>
+              <dgm:constr type="h" for="ch" forName="Parent7" refType="h" fact="0.3799"/>
+              <dgm:constr type="r" for="ch" forName="Parent6" refType="w" fact="0.2527"/>
+              <dgm:constr type="t" for="ch" forName="Parent6" refType="h" fact="0.2022"/>
+              <dgm:constr type="w" for="ch" forName="Parent6" refType="w" fact="0.0902"/>
+              <dgm:constr type="h" for="ch" forName="Parent6" refType="h" fact="0.3799"/>
+              <dgm:constr type="r" for="ch" forName="Parent5" refType="w" fact="0.3925"/>
+              <dgm:constr type="t" for="ch" forName="Parent5" refType="h" fact="0.2022"/>
+              <dgm:constr type="w" for="ch" forName="Parent5" refType="w" fact="0.0902"/>
+              <dgm:constr type="h" for="ch" forName="Parent5" refType="h" fact="0.3799"/>
+              <dgm:constr type="r" for="ch" forName="Parent4" refType="w" fact="0.5324"/>
+              <dgm:constr type="t" for="ch" forName="Parent4" refType="h" fact="0.2022"/>
+              <dgm:constr type="w" for="ch" forName="Parent4" refType="w" fact="0.0902"/>
+              <dgm:constr type="h" for="ch" forName="Parent4" refType="h" fact="0.3799"/>
+              <dgm:constr type="r" for="ch" forName="Parent3" refType="w" fact="0.6723"/>
+              <dgm:constr type="t" for="ch" forName="Parent3" refType="h" fact="0.2022"/>
+              <dgm:constr type="w" for="ch" forName="Parent3" refType="w" fact="0.0902"/>
+              <dgm:constr type="h" for="ch" forName="Parent3" refType="h" fact="0.3799"/>
+              <dgm:constr type="r" for="ch" forName="Parent2" refType="w" fact="0.8121"/>
+              <dgm:constr type="t" for="ch" forName="Parent2" refType="h" fact="0.2022"/>
+              <dgm:constr type="w" for="ch" forName="Parent2" refType="w" fact="0.0902"/>
+              <dgm:constr type="h" for="ch" forName="Parent2" refType="h" fact="0.3799"/>
+              <dgm:constr type="r" for="ch" forName="Parent1" refType="w" fact="0.952"/>
+              <dgm:constr type="t" for="ch" forName="Parent1" refType="h" fact="0.2022"/>
+              <dgm:constr type="w" for="ch" forName="Parent1" refType="w" fact="0.0902"/>
+              <dgm:constr type="h" for="ch" forName="Parent1" refType="h" fact="0.3799"/>
+              <dgm:constr type="r" for="ch" forName="Accent7" refType="w" fact="0.1354"/>
+              <dgm:constr type="t" for="ch" forName="Accent7" refType="h" fact="0.1072"/>
+              <dgm:constr type="w" for="ch" forName="Accent7" refType="w" fact="0.1354"/>
+              <dgm:constr type="h" for="ch" forName="Accent7" refType="h" fact="0.5699"/>
+              <dgm:constr type="r" for="ch" forName="ParentBackground7" refType="w" fact="0.1308"/>
+              <dgm:constr type="t" for="ch" forName="ParentBackground7" refType="h" fact="0.1262"/>
+              <dgm:constr type="w" for="ch" forName="ParentBackground7" refType="w" fact="0.1263"/>
+              <dgm:constr type="h" for="ch" forName="ParentBackground7" refType="h" fact="0.5319"/>
+              <dgm:constr type="r" for="ch" forName="Child7" refType="w" fact="0.1308"/>
+              <dgm:constr type="t" for="ch" forName="Child7" refType="h" fact="0.6876"/>
+              <dgm:constr type="w" for="ch" forName="Child7" refType="w" fact="0.1263"/>
+              <dgm:constr type="h" for="ch" forName="Child7" refType="h" fact="0.3124"/>
+              <dgm:constr type="r" for="ch" forName="Accent6" refType="w" fact="0.3033"/>
+              <dgm:constr type="t" for="ch" forName="Accent6" refType="h" fact="-0.0109"/>
+              <dgm:constr type="w" for="ch" forName="Accent6" refType="w" fact="0.1915"/>
+              <dgm:constr type="h" for="ch" forName="Accent6" refType="h" fact="0.806"/>
+              <dgm:constr type="r" for="ch" forName="ParentBackground6" refType="w" fact="0.2707"/>
+              <dgm:constr type="t" for="ch" forName="ParentBackground6" refType="h" fact="0.1262"/>
+              <dgm:constr type="w" for="ch" forName="ParentBackground6" refType="w" fact="0.1263"/>
+              <dgm:constr type="h" for="ch" forName="ParentBackground6" refType="h" fact="0.5319"/>
+              <dgm:constr type="r" for="ch" forName="Child6" refType="w" fact="0.2707"/>
+              <dgm:constr type="t" for="ch" forName="Child6" refType="h" fact="0.6876"/>
+              <dgm:constr type="w" for="ch" forName="Child6" refType="w" fact="0.1263"/>
+              <dgm:constr type="h" for="ch" forName="Child6" refType="h" fact="0.3124"/>
+              <dgm:constr type="r" for="ch" forName="Accent5" refType="w" fact="0.4431"/>
+              <dgm:constr type="t" for="ch" forName="Accent5" refType="h" fact="-0.0109"/>
+              <dgm:constr type="w" for="ch" forName="Accent5" refType="w" fact="0.1915"/>
+              <dgm:constr type="h" for="ch" forName="Accent5" refType="h" fact="0.806"/>
+              <dgm:constr type="r" for="ch" forName="ParentBackground5" refType="w" fact="0.4106"/>
+              <dgm:constr type="t" for="ch" forName="ParentBackground5" refType="h" fact="0.1262"/>
+              <dgm:constr type="w" for="ch" forName="ParentBackground5" refType="w" fact="0.1263"/>
+              <dgm:constr type="h" for="ch" forName="ParentBackground5" refType="h" fact="0.5319"/>
+              <dgm:constr type="r" for="ch" forName="Child5" refType="w" fact="0.4106"/>
+              <dgm:constr type="t" for="ch" forName="Child5" refType="h" fact="0.6876"/>
+              <dgm:constr type="w" for="ch" forName="Child5" refType="w" fact="0.1263"/>
+              <dgm:constr type="h" for="ch" forName="Child5" refType="h" fact="0.3124"/>
+              <dgm:constr type="r" for="ch" forName="Accent4" refType="w" fact="0.583"/>
+              <dgm:constr type="t" for="ch" forName="Accent4" refType="h" fact="-0.0109"/>
+              <dgm:constr type="w" for="ch" forName="Accent4" refType="w" fact="0.1915"/>
+              <dgm:constr type="h" for="ch" forName="Accent4" refType="h" fact="0.806"/>
+              <dgm:constr type="r" for="ch" forName="ParentBackground4" refType="w" fact="0.5504"/>
+              <dgm:constr type="t" for="ch" forName="ParentBackground4" refType="h" fact="0.1262"/>
+              <dgm:constr type="w" for="ch" forName="ParentBackground4" refType="w" fact="0.1263"/>
+              <dgm:constr type="h" for="ch" forName="ParentBackground4" refType="h" fact="0.5319"/>
+              <dgm:constr type="r" for="ch" forName="Child4" refType="w" fact="0.5504"/>
+              <dgm:constr type="t" for="ch" forName="Child4" refType="h" fact="0.6876"/>
+              <dgm:constr type="w" for="ch" forName="Child4" refType="w" fact="0.1263"/>
+              <dgm:constr type="h" for="ch" forName="Child4" refType="h" fact="0.3124"/>
+              <dgm:constr type="r" for="ch" forName="Accent3" refType="w" fact="0.7229"/>
+              <dgm:constr type="t" for="ch" forName="Accent3" refType="h" fact="-0.0109"/>
+              <dgm:constr type="w" for="ch" forName="Accent3" refType="w" fact="0.1915"/>
+              <dgm:constr type="h" for="ch" forName="Accent3" refType="h" fact="0.806"/>
+              <dgm:constr type="r" for="ch" forName="ParentBackground3" refType="w" fact="0.6903"/>
+              <dgm:constr type="t" for="ch" forName="ParentBackground3" refType="h" fact="0.1262"/>
+              <dgm:constr type="w" for="ch" forName="ParentBackground3" refType="w" fact="0.1263"/>
+              <dgm:constr type="h" for="ch" forName="ParentBackground3" refType="h" fact="0.5319"/>
+              <dgm:constr type="r" for="ch" forName="Child3" refType="w" fact="0.6903"/>
+              <dgm:constr type="t" for="ch" forName="Child3" refType="h" fact="0.6876"/>
+              <dgm:constr type="w" for="ch" forName="Child3" refType="w" fact="0.1263"/>
+              <dgm:constr type="h" for="ch" forName="Child3" refType="h" fact="0.3124"/>
+              <dgm:constr type="r" for="ch" forName="Accent2" refType="w" fact="0.8627"/>
+              <dgm:constr type="t" for="ch" forName="Accent2" refType="h" fact="-0.0109"/>
+              <dgm:constr type="w" for="ch" forName="Accent2" refType="w" fact="0.1915"/>
+              <dgm:constr type="h" for="ch" forName="Accent2" refType="h" fact="0.806"/>
+              <dgm:constr type="r" for="ch" forName="ParentBackground2" refType="w" fact="0.8302"/>
+              <dgm:constr type="t" for="ch" forName="ParentBackground2" refType="h" fact="0.1262"/>
+              <dgm:constr type="w" for="ch" forName="ParentBackground2" refType="w" fact="0.1263"/>
+              <dgm:constr type="h" for="ch" forName="ParentBackground2" refType="h" fact="0.5319"/>
+              <dgm:constr type="r" for="ch" forName="Child2" refType="w" fact="0.8302"/>
+              <dgm:constr type="t" for="ch" forName="Child2" refType="h" fact="0.6876"/>
+              <dgm:constr type="w" for="ch" forName="Child2" refType="w" fact="0.1263"/>
+              <dgm:constr type="h" for="ch" forName="Child2" refType="h" fact="0.3124"/>
+              <dgm:constr type="r" for="ch" forName="Accent1" refType="w" fact="1.0026"/>
+              <dgm:constr type="t" for="ch" forName="Accent1" refType="h" fact="-0.0109"/>
+              <dgm:constr type="w" for="ch" forName="Accent1" refType="w" fact="0.1915"/>
+              <dgm:constr type="h" for="ch" forName="Accent1" refType="h" fact="0.806"/>
+              <dgm:constr type="r" for="ch" forName="ParentBackground1" refType="w" fact="0.97"/>
+              <dgm:constr type="t" for="ch" forName="ParentBackground1" refType="h" fact="0.1262"/>
+              <dgm:constr type="w" for="ch" forName="ParentBackground1" refType="w" fact="0.1263"/>
+              <dgm:constr type="h" for="ch" forName="ParentBackground1" refType="h" fact="0.5319"/>
+              <dgm:constr type="r" for="ch" forName="Child1" refType="w" fact="0.97"/>
+              <dgm:constr type="t" for="ch" forName="Child1" refType="h" fact="0.6876"/>
+              <dgm:constr type="w" for="ch" forName="Child1" refType="w" fact="0.1263"/>
+              <dgm:constr type="h" for="ch" forName="Child1" refType="h" fact="0.3124"/>
+            </dgm:constrLst>
+          </dgm:if>
+          <dgm:if name="Name24" axis="ch" ptType="node" func="cnt" op="equ" val="8">
+            <dgm:alg type="composite">
+              <dgm:param type="ar" val="4.7991"/>
+            </dgm:alg>
+            <dgm:constrLst>
+              <dgm:constr type="primFontSz" for="des" forName="Child1" val="65"/>
+              <dgm:constr type="primFontSz" for="des" forName="Parent1" val="65"/>
+              <dgm:constr type="primFontSz" for="des" forName="Child1" refType="primFontSz" refFor="des" refForName="Parent1" op="lte"/>
+              <dgm:constr type="primFontSz" for="des" forName="Child2" refType="primFontSz" refFor="des" refForName="Parent1" op="lte"/>
+              <dgm:constr type="primFontSz" for="des" forName="Child3" refType="primFontSz" refFor="des" refForName="Parent1" op="lte"/>
+              <dgm:constr type="primFontSz" for="des" forName="Child4" refType="primFontSz" refFor="des" refForName="Parent1" op="lte"/>
+              <dgm:constr type="primFontSz" for="des" forName="Child5" refType="primFontSz" refFor="des" refForName="Parent1" op="lte"/>
+              <dgm:constr type="primFontSz" for="des" forName="Child6" refType="primFontSz" refFor="des" refForName="Parent1" op="lte"/>
+              <dgm:constr type="primFontSz" for="des" forName="Child7" refType="primFontSz" refFor="des" refForName="Parent1" op="lte"/>
+              <dgm:constr type="primFontSz" for="des" forName="Child8" refType="primFontSz" refFor="des" refForName="Parent1" op="lte"/>
+              <dgm:constr type="primFontSz" for="des" forName="Child1" refType="primFontSz" refFor="des" refForName="Parent2" op="lte"/>
+              <dgm:constr type="primFontSz" for="des" forName="Child2" refType="primFontSz" refFor="des" refForName="Parent2" op="lte"/>
+              <dgm:constr type="primFontSz" for="des" forName="Child3" refType="primFontSz" refFor="des" refForName="Parent2" op="lte"/>
+              <dgm:constr type="primFontSz" for="des" forName="Child4" refType="primFontSz" refFor="des" refForName="Parent2" op="lte"/>
+              <dgm:constr type="primFontSz" for="des" forName="Child5" refType="primFontSz" refFor="des" refForName="Parent2" op="lte"/>
+              <dgm:constr type="primFontSz" for="des" forName="Child6" refType="primFontSz" refFor="des" refForName="Parent2" op="lte"/>
+              <dgm:constr type="primFontSz" for="des" forName="Child7" refType="primFontSz" refFor="des" refForName="Parent2" op="lte"/>
+              <dgm:constr type="primFontSz" for="des" forName="Child8" refType="primFontSz" refFor="des" refForName="Parent2" op="lte"/>
+              <dgm:constr type="primFontSz" for="des" forName="Child1" refType="primFontSz" refFor="des" refForName="Parent3" op="lte"/>
+              <dgm:constr type="primFontSz" for="des" forName="Child2" refType="primFontSz" refFor="des" refForName="Parent3" op="lte"/>
+              <dgm:constr type="primFontSz" for="des" forName="Child3" refType="primFontSz" refFor="des" refForName="Parent3" op="lte"/>
+              <dgm:constr type="primFontSz" for="des" forName="Child4" refType="primFontSz" refFor="des" refForName="Parent3" op="lte"/>
+              <dgm:constr type="primFontSz" for="des" forName="Child5" refType="primFontSz" refFor="des" refForName="Parent3" op="lte"/>
+              <dgm:constr type="primFontSz" for="des" forName="Child6" refType="primFontSz" refFor="des" refForName="Parent3" op="lte"/>
+              <dgm:constr type="primFontSz" for="des" forName="Child7" refType="primFontSz" refFor="des" refForName="Parent3" op="lte"/>
+              <dgm:constr type="primFontSz" for="des" forName="Child8" refType="primFontSz" refFor="des" refForName="Parent3" op="lte"/>
+              <dgm:constr type="primFontSz" for="des" forName="Child1" refType="primFontSz" refFor="des" refForName="Parent4" op="lte"/>
+              <dgm:constr type="primFontSz" for="des" forName="Child2" refType="primFontSz" refFor="des" refForName="Parent4" op="lte"/>
+              <dgm:constr type="primFontSz" for="des" forName="Child3" refType="primFontSz" refFor="des" refForName="Parent4" op="lte"/>
+              <dgm:constr type="primFontSz" for="des" forName="Child4" refType="primFontSz" refFor="des" refForName="Parent4" op="lte"/>
+              <dgm:constr type="primFontSz" for="des" forName="Child5" refType="primFontSz" refFor="des" refForName="Parent4" op="lte"/>
+              <dgm:constr type="primFontSz" for="des" forName="Child6" refType="primFontSz" refFor="des" refForName="Parent4" op="lte"/>
+              <dgm:constr type="primFontSz" for="des" forName="Child7" refType="primFontSz" refFor="des" refForName="Parent4" op="lte"/>
+              <dgm:constr type="primFontSz" for="des" forName="Child8" refType="primFontSz" refFor="des" refForName="Parent4" op="lte"/>
+              <dgm:constr type="primFontSz" for="des" forName="Child1" refType="primFontSz" refFor="des" refForName="Parent5" op="lte"/>
+              <dgm:constr type="primFontSz" for="des" forName="Child2" refType="primFontSz" refFor="des" refForName="Parent5" op="lte"/>
+              <dgm:constr type="primFontSz" for="des" forName="Child3" refType="primFontSz" refFor="des" refForName="Parent5" op="lte"/>
+              <dgm:constr type="primFontSz" for="des" forName="Child4" refType="primFontSz" refFor="des" refForName="Parent5" op="lte"/>
+              <dgm:constr type="primFontSz" for="des" forName="Child5" refType="primFontSz" refFor="des" refForName="Parent5" op="lte"/>
+              <dgm:constr type="primFontSz" for="des" forName="Child6" refType="primFontSz" refFor="des" refForName="Parent5" op="lte"/>
+              <dgm:constr type="primFontSz" for="des" forName="Child7" refType="primFontSz" refFor="des" refForName="Parent5" op="lte"/>
+              <dgm:constr type="primFontSz" for="des" forName="Child8" refType="primFontSz" refFor="des" refForName="Parent5" op="lte"/>
+              <dgm:constr type="primFontSz" for="des" forName="Child1" refType="primFontSz" refFor="des" refForName="Parent6" op="lte"/>
+              <dgm:constr type="primFontSz" for="des" forName="Child2" refType="primFontSz" refFor="des" refForName="Parent6" op="lte"/>
+              <dgm:constr type="primFontSz" for="des" forName="Child3" refType="primFontSz" refFor="des" refForName="Parent6" op="lte"/>
+              <dgm:constr type="primFontSz" for="des" forName="Child4" refType="primFontSz" refFor="des" refForName="Parent6" op="lte"/>
+              <dgm:constr type="primFontSz" for="des" forName="Child5" refType="primFontSz" refFor="des" refForName="Parent6" op="lte"/>
+              <dgm:constr type="primFontSz" for="des" forName="Child6" refType="primFontSz" refFor="des" refForName="Parent6" op="lte"/>
+              <dgm:constr type="primFontSz" for="des" forName="Child7" refType="primFontSz" refFor="des" refForName="Parent6" op="lte"/>
+              <dgm:constr type="primFontSz" for="des" forName="Child8" refType="primFontSz" refFor="des" refForName="Parent6" op="lte"/>
+              <dgm:constr type="primFontSz" for="des" forName="Child1" refType="primFontSz" refFor="des" refForName="Parent7" op="lte"/>
+              <dgm:constr type="primFontSz" for="des" forName="Child2" refType="primFontSz" refFor="des" refForName="Parent7" op="lte"/>
+              <dgm:constr type="primFontSz" for="des" forName="Child3" refType="primFontSz" refFor="des" refForName="Parent7" op="lte"/>
+              <dgm:constr type="primFontSz" for="des" forName="Child4" refType="primFontSz" refFor="des" refForName="Parent7" op="lte"/>
+              <dgm:constr type="primFontSz" for="des" forName="Child5" refType="primFontSz" refFor="des" refForName="Parent7" op="lte"/>
+              <dgm:constr type="primFontSz" for="des" forName="Child6" refType="primFontSz" refFor="des" refForName="Parent7" op="lte"/>
+              <dgm:constr type="primFontSz" for="des" forName="Child7" refType="primFontSz" refFor="des" refForName="Parent7" op="lte"/>
+              <dgm:constr type="primFontSz" for="des" forName="Child8" refType="primFontSz" refFor="des" refForName="Parent7" op="lte"/>
+              <dgm:constr type="primFontSz" for="des" forName="Child1" refType="primFontSz" refFor="des" refForName="Parent8" op="lte"/>
+              <dgm:constr type="primFontSz" for="des" forName="Child2" refType="primFontSz" refFor="des" refForName="Parent8" op="lte"/>
+              <dgm:constr type="primFontSz" for="des" forName="Child3" refType="primFontSz" refFor="des" refForName="Parent8" op="lte"/>
+              <dgm:constr type="primFontSz" for="des" forName="Child4" refType="primFontSz" refFor="des" refForName="Parent8" op="lte"/>
+              <dgm:constr type="primFontSz" for="des" forName="Child5" refType="primFontSz" refFor="des" refForName="Parent8" op="lte"/>
+              <dgm:constr type="primFontSz" for="des" forName="Child6" refType="primFontSz" refFor="des" refForName="Parent8" op="lte"/>
+              <dgm:constr type="primFontSz" for="des" forName="Child7" refType="primFontSz" refFor="des" refForName="Parent8" op="lte"/>
+              <dgm:constr type="primFontSz" for="des" forName="Child8" refType="primFontSz" refFor="des" refForName="Parent8" op="lte"/>
+              <dgm:constr type="primFontSz" for="des" forName="Parent2" refType="primFontSz" refFor="des" refForName="Parent1" op="equ"/>
+              <dgm:constr type="primFontSz" for="des" forName="Parent3" refType="primFontSz" refFor="des" refForName="Parent1" op="equ"/>
+              <dgm:constr type="primFontSz" for="des" forName="Parent4" refType="primFontSz" refFor="des" refForName="Parent1" op="equ"/>
+              <dgm:constr type="primFontSz" for="des" forName="Parent5" refType="primFontSz" refFor="des" refForName="Parent1" op="equ"/>
+              <dgm:constr type="primFontSz" for="des" forName="Parent6" refType="primFontSz" refFor="des" refForName="Parent1" op="equ"/>
+              <dgm:constr type="primFontSz" for="des" forName="Parent7" refType="primFontSz" refFor="des" refForName="Parent1" op="equ"/>
+              <dgm:constr type="primFontSz" for="des" forName="Parent8" refType="primFontSz" refFor="des" refForName="Parent1" op="equ"/>
+              <dgm:constr type="primFontSz" for="des" forName="Child2" refType="primFontSz" refFor="des" refForName="Child1" op="equ"/>
+              <dgm:constr type="primFontSz" for="des" forName="Child3" refType="primFontSz" refFor="des" refForName="Child1" op="equ"/>
+              <dgm:constr type="primFontSz" for="des" forName="Child4" refType="primFontSz" refFor="des" refForName="Child1" op="equ"/>
+              <dgm:constr type="primFontSz" for="des" forName="Child5" refType="primFontSz" refFor="des" refForName="Child1" op="equ"/>
+              <dgm:constr type="primFontSz" for="des" forName="Child6" refType="primFontSz" refFor="des" refForName="Child1" op="equ"/>
+              <dgm:constr type="primFontSz" for="des" forName="Child7" refType="primFontSz" refFor="des" refForName="Child1" op="equ"/>
+              <dgm:constr type="primFontSz" for="des" forName="Child8" refType="primFontSz" refFor="des" refForName="Child1" op="equ"/>
+              <dgm:constr type="r" for="ch" forName="Parent8" refType="w" fact="0.099"/>
+              <dgm:constr type="t" for="ch" forName="Parent8" refType="h" fact="0.2022"/>
+              <dgm:constr type="w" for="ch" forName="Parent8" refType="w" fact="0.0792"/>
+              <dgm:constr type="h" for="ch" forName="Parent8" refType="h" fact="0.3799"/>
+              <dgm:constr type="r" for="ch" forName="Parent7" refType="w" fact="0.2217"/>
+              <dgm:constr type="t" for="ch" forName="Parent7" refType="h" fact="0.2022"/>
+              <dgm:constr type="w" for="ch" forName="Parent7" refType="w" fact="0.0792"/>
+              <dgm:constr type="h" for="ch" forName="Parent7" refType="h" fact="0.3799"/>
+              <dgm:constr type="r" for="ch" forName="Parent6" refType="w" fact="0.3444"/>
+              <dgm:constr type="t" for="ch" forName="Parent6" refType="h" fact="0.2022"/>
+              <dgm:constr type="w" for="ch" forName="Parent6" refType="w" fact="0.0792"/>
+              <dgm:constr type="h" for="ch" forName="Parent6" refType="h" fact="0.3799"/>
+              <dgm:constr type="r" for="ch" forName="Parent5" refType="w" fact="0.4671"/>
+              <dgm:constr type="t" for="ch" forName="Parent5" refType="h" fact="0.2022"/>
+              <dgm:constr type="w" for="ch" forName="Parent5" refType="w" fact="0.0792"/>
+              <dgm:constr type="h" for="ch" forName="Parent5" refType="h" fact="0.3799"/>
+              <dgm:constr type="r" for="ch" forName="Parent4" refType="w" fact="0.5898"/>
+              <dgm:constr type="t" for="ch" forName="Parent4" refType="h" fact="0.2022"/>
+              <dgm:constr type="w" for="ch" forName="Parent4" refType="w" fact="0.0792"/>
+              <dgm:constr type="h" for="ch" forName="Parent4" refType="h" fact="0.3799"/>
+              <dgm:constr type="r" for="ch" forName="Parent3" refType="w" fact="0.7125"/>
+              <dgm:constr type="t" for="ch" forName="Parent3" refType="h" fact="0.2022"/>
+              <dgm:constr type="w" for="ch" forName="Parent3" refType="w" fact="0.0792"/>
+              <dgm:constr type="h" for="ch" forName="Parent3" refType="h" fact="0.3799"/>
+              <dgm:constr type="r" for="ch" forName="Parent2" refType="w" fact="0.8352"/>
+              <dgm:constr type="t" for="ch" forName="Parent2" refType="h" fact="0.2022"/>
+              <dgm:constr type="w" for="ch" forName="Parent2" refType="w" fact="0.0792"/>
+              <dgm:constr type="h" for="ch" forName="Parent2" refType="h" fact="0.3799"/>
+              <dgm:constr type="r" for="ch" forName="Parent1" refType="w" fact="0.9579"/>
+              <dgm:constr type="t" for="ch" forName="Parent1" refType="h" fact="0.2022"/>
+              <dgm:constr type="w" for="ch" forName="Parent1" refType="w" fact="0.0792"/>
+              <dgm:constr type="h" for="ch" forName="Parent1" refType="h" fact="0.3799"/>
+              <dgm:constr type="r" for="ch" forName="Accent8" refType="w" fact="0.1187"/>
+              <dgm:constr type="t" for="ch" forName="Accent8" refType="h" fact="0.1072"/>
+              <dgm:constr type="w" for="ch" forName="Accent8" refType="w" fact="0.1187"/>
+              <dgm:constr type="h" for="ch" forName="Accent8" refType="h" fact="0.5699"/>
+              <dgm:constr type="r" for="ch" forName="ParentBackground8" refType="w" fact="0.1148"/>
+              <dgm:constr type="t" for="ch" forName="ParentBackground8" refType="h" fact="0.1262"/>
+              <dgm:constr type="w" for="ch" forName="ParentBackground8" refType="w" fact="0.1108"/>
+              <dgm:constr type="h" for="ch" forName="ParentBackground8" refType="h" fact="0.5319"/>
+              <dgm:constr type="r" for="ch" forName="Child8" refType="w" fact="0.1148"/>
+              <dgm:constr type="t" for="ch" forName="Child8" refType="h" fact="0.6876"/>
+              <dgm:constr type="w" for="ch" forName="Child8" refType="w" fact="0.1108"/>
+              <dgm:constr type="h" for="ch" forName="Child8" refType="h" fact="0.3124"/>
+              <dgm:constr type="r" for="ch" forName="Accent7" refType="w" fact="0.2661"/>
+              <dgm:constr type="t" for="ch" forName="Accent7" refType="h" fact="-0.0109"/>
+              <dgm:constr type="w" for="ch" forName="Accent7" refType="w" fact="0.1679"/>
+              <dgm:constr type="h" for="ch" forName="Accent7" refType="h" fact="0.806"/>
+              <dgm:constr type="r" for="ch" forName="ParentBackground7" refType="w" fact="0.2375"/>
+              <dgm:constr type="t" for="ch" forName="ParentBackground7" refType="h" fact="0.1262"/>
+              <dgm:constr type="w" for="ch" forName="ParentBackground7" refType="w" fact="0.1108"/>
+              <dgm:constr type="h" for="ch" forName="ParentBackground7" refType="h" fact="0.5319"/>
+              <dgm:constr type="r" for="ch" forName="Child7" refType="w" fact="0.2375"/>
+              <dgm:constr type="t" for="ch" forName="Child7" refType="h" fact="0.6876"/>
+              <dgm:constr type="w" for="ch" forName="Child7" refType="w" fact="0.1108"/>
+              <dgm:constr type="h" for="ch" forName="Child7" refType="h" fact="0.3124"/>
+              <dgm:constr type="r" for="ch" forName="Accent6" refType="w" fact="0.3888"/>
+              <dgm:constr type="t" for="ch" forName="Accent6" refType="h" fact="-0.0109"/>
+              <dgm:constr type="w" for="ch" forName="Accent6" refType="w" fact="0.1679"/>
+              <dgm:constr type="h" for="ch" forName="Accent6" refType="h" fact="0.806"/>
+              <dgm:constr type="r" for="ch" forName="ParentBackground6" refType="w" fact="0.3602"/>
+              <dgm:constr type="t" for="ch" forName="ParentBackground6" refType="h" fact="0.1262"/>
+              <dgm:constr type="w" for="ch" forName="ParentBackground6" refType="w" fact="0.1108"/>
+              <dgm:constr type="h" for="ch" forName="ParentBackground6" refType="h" fact="0.5319"/>
+              <dgm:constr type="r" for="ch" forName="Child6" refType="w" fact="0.3602"/>
+              <dgm:constr type="t" for="ch" forName="Child6" refType="h" fact="0.6876"/>
+              <dgm:constr type="w" for="ch" forName="Child6" refType="w" fact="0.1108"/>
+              <dgm:constr type="h" for="ch" forName="Child6" refType="h" fact="0.3124"/>
+              <dgm:constr type="r" for="ch" forName="Accent5" refType="w" fact="0.5115"/>
+              <dgm:constr type="t" for="ch" forName="Accent5" refType="h" fact="-0.0109"/>
+              <dgm:constr type="w" for="ch" forName="Accent5" refType="w" fact="0.1679"/>
+              <dgm:constr type="h" for="ch" forName="Accent5" refType="h" fact="0.806"/>
+              <dgm:constr type="r" for="ch" forName="ParentBackground5" refType="w" fact="0.4829"/>
+              <dgm:constr type="t" for="ch" forName="ParentBackground5" refType="h" fact="0.1262"/>
+              <dgm:constr type="w" for="ch" forName="ParentBackground5" refType="w" fact="0.1108"/>
+              <dgm:constr type="h" for="ch" forName="ParentBackground5" refType="h" fact="0.5319"/>
+              <dgm:constr type="r" for="ch" forName="Child5" refType="w" fact="0.4829"/>
+              <dgm:constr type="t" for="ch" forName="Child5" refType="h" fact="0.6876"/>
+              <dgm:constr type="w" for="ch" forName="Child5" refType="w" fact="0.1108"/>
+              <dgm:constr type="h" for="ch" forName="Child5" refType="h" fact="0.3124"/>
+              <dgm:constr type="r" for="ch" forName="Accent4" refType="w" fact="0.6342"/>
+              <dgm:constr type="t" for="ch" forName="Accent4" refType="h" fact="-0.0109"/>
+              <dgm:constr type="w" for="ch" forName="Accent4" refType="w" fact="0.1679"/>
+              <dgm:constr type="h" for="ch" forName="Accent4" refType="h" fact="0.806"/>
+              <dgm:constr type="r" for="ch" forName="ParentBackground4" refType="w" fact="0.6056"/>
+              <dgm:constr type="t" for="ch" forName="ParentBackground4" refType="h" fact="0.1262"/>
+              <dgm:constr type="w" for="ch" forName="ParentBackground4" refType="w" fact="0.1108"/>
+              <dgm:constr type="h" for="ch" forName="ParentBackground4" refType="h" fact="0.5319"/>
+              <dgm:constr type="r" for="ch" forName="Child4" refType="w" fact="0.6056"/>
+              <dgm:constr type="t" for="ch" forName="Child4" refType="h" fact="0.6876"/>
+              <dgm:constr type="w" for="ch" forName="Child4" refType="w" fact="0.1108"/>
+              <dgm:constr type="h" for="ch" forName="Child4" refType="h" fact="0.3124"/>
+              <dgm:constr type="r" for="ch" forName="Accent3" refType="w" fact="0.7569"/>
+              <dgm:constr type="t" for="ch" forName="Accent3" refType="h" fact="-0.0109"/>
+              <dgm:constr type="w" for="ch" forName="Accent3" refType="w" fact="0.1679"/>
+              <dgm:constr type="h" for="ch" forName="Accent3" refType="h" fact="0.806"/>
+              <dgm:constr type="r" for="ch" forName="ParentBackground3" refType="w" fact="0.7283"/>
+              <dgm:constr type="t" for="ch" forName="ParentBackground3" refType="h" fact="0.1262"/>
+              <dgm:constr type="w" for="ch" forName="ParentBackground3" refType="w" fact="0.1108"/>
+              <dgm:constr type="h" for="ch" forName="ParentBackground3" refType="h" fact="0.5319"/>
+              <dgm:constr type="r" for="ch" forName="Child3" refType="w" fact="0.7283"/>
+              <dgm:constr type="t" for="ch" forName="Child3" refType="h" fact="0.6876"/>
+              <dgm:constr type="w" for="ch" forName="Child3" refType="w" fact="0.1108"/>
+              <dgm:constr type="h" for="ch" forName="Child3" refType="h" fact="0.3124"/>
+              <dgm:constr type="r" for="ch" forName="Accent2" refType="w" fact="0.8796"/>
+              <dgm:constr type="t" for="ch" forName="Accent2" refType="h" fact="-0.0109"/>
+              <dgm:constr type="w" for="ch" forName="Accent2" refType="w" fact="0.1679"/>
+              <dgm:constr type="h" for="ch" forName="Accent2" refType="h" fact="0.806"/>
+              <dgm:constr type="r" for="ch" forName="ParentBackground2" refType="w" fact="0.851"/>
+              <dgm:constr type="t" for="ch" forName="ParentBackground2" refType="h" fact="0.1262"/>
+              <dgm:constr type="w" for="ch" forName="ParentBackground2" refType="w" fact="0.1108"/>
+              <dgm:constr type="h" for="ch" forName="ParentBackground2" refType="h" fact="0.5319"/>
+              <dgm:constr type="r" for="ch" forName="Child2" refType="w" fact="0.851"/>
+              <dgm:constr type="t" for="ch" forName="Child2" refType="h" fact="0.6876"/>
+              <dgm:constr type="w" for="ch" forName="Child2" refType="w" fact="0.1108"/>
+              <dgm:constr type="h" for="ch" forName="Child2" refType="h" fact="0.3124"/>
+              <dgm:constr type="r" for="ch" forName="Accent1" refType="w" fact="1.0023"/>
+              <dgm:constr type="t" for="ch" forName="Accent1" refType="h" fact="-0.0109"/>
+              <dgm:constr type="w" for="ch" forName="Accent1" refType="w" fact="0.1679"/>
+              <dgm:constr type="h" for="ch" forName="Accent1" refType="h" fact="0.806"/>
+              <dgm:constr type="r" for="ch" forName="ParentBackground1" refType="w" fact="0.9737"/>
+              <dgm:constr type="t" for="ch" forName="ParentBackground1" refType="h" fact="0.1262"/>
+              <dgm:constr type="w" for="ch" forName="ParentBackground1" refType="w" fact="0.1108"/>
+              <dgm:constr type="h" for="ch" forName="ParentBackground1" refType="h" fact="0.5319"/>
+              <dgm:constr type="r" for="ch" forName="Child1" refType="w" fact="0.9737"/>
+              <dgm:constr type="t" for="ch" forName="Child1" refType="h" fact="0.6876"/>
+              <dgm:constr type="w" for="ch" forName="Child1" refType="w" fact="0.1108"/>
+              <dgm:constr type="h" for="ch" forName="Child1" refType="h" fact="0.3124"/>
+            </dgm:constrLst>
+          </dgm:if>
+          <dgm:if name="Name25" axis="ch" ptType="node" func="cnt" op="equ" val="9">
+            <dgm:alg type="composite">
+              <dgm:param type="ar" val="5.388"/>
+            </dgm:alg>
+            <dgm:constrLst>
+              <dgm:constr type="primFontSz" for="des" forName="Child1" val="65"/>
+              <dgm:constr type="primFontSz" for="des" forName="Parent1" val="65"/>
+              <dgm:constr type="primFontSz" for="des" forName="Child1" refType="primFontSz" refFor="des" refForName="Parent1" op="lte"/>
+              <dgm:constr type="primFontSz" for="des" forName="Child2" refType="primFontSz" refFor="des" refForName="Parent1" op="lte"/>
+              <dgm:constr type="primFontSz" for="des" forName="Child3" refType="primFontSz" refFor="des" refForName="Parent1" op="lte"/>
+              <dgm:constr type="primFontSz" for="des" forName="Child4" refType="primFontSz" refFor="des" refForName="Parent1" op="lte"/>
+              <dgm:constr type="primFontSz" for="des" forName="Child5" refType="primFontSz" refFor="des" refForName="Parent1" op="lte"/>
+              <dgm:constr type="primFontSz" for="des" forName="Child6" refType="primFontSz" refFor="des" refForName="Parent1" op="lte"/>
+              <dgm:constr type="primFontSz" for="des" forName="Child7" refType="primFontSz" refFor="des" refForName="Parent1" op="lte"/>
+              <dgm:constr type="primFontSz" for="des" forName="Child8" refType="primFontSz" refFor="des" refForName="Parent1" op="lte"/>
+              <dgm:constr type="primFontSz" for="des" forName="Child9" refType="primFontSz" refFor="des" refForName="Parent1" op="lte"/>
+              <dgm:constr type="primFontSz" for="des" forName="Child1" refType="primFontSz" refFor="des" refForName="Parent2" op="lte"/>
+              <dgm:constr type="primFontSz" for="des" forName="Child2" refType="primFontSz" refFor="des" refForName="Parent2" op="lte"/>
+              <dgm:constr type="primFontSz" for="des" forName="Child3" refType="primFontSz" refFor="des" refForName="Parent2" op="lte"/>
+              <dgm:constr type="primFontSz" for="des" forName="Child4" refType="primFontSz" refFor="des" refForName="Parent2" op="lte"/>
+              <dgm:constr type="primFontSz" for="des" forName="Child5" refType="primFontSz" refFor="des" refForName="Parent2" op="lte"/>
+              <dgm:constr type="primFontSz" for="des" forName="Child6" refType="primFontSz" refFor="des" refForName="Parent2" op="lte"/>
+              <dgm:constr type="primFontSz" for="des" forName="Child7" refType="primFontSz" refFor="des" refForName="Parent2" op="lte"/>
+              <dgm:constr type="primFontSz" for="des" forName="Child8" refType="primFontSz" refFor="des" refForName="Parent2" op="lte"/>
+              <dgm:constr type="primFontSz" for="des" forName="Child9" refType="primFontSz" refFor="des" refForName="Parent2" op="lte"/>
+              <dgm:constr type="primFontSz" for="des" forName="Child1" refType="primFontSz" refFor="des" refForName="Parent3" op="lte"/>
+              <dgm:constr type="primFontSz" for="des" forName="Child2" refType="primFontSz" refFor="des" refForName="Parent3" op="lte"/>
+              <dgm:constr type="primFontSz" for="des" forName="Child3" refType="primFontSz" refFor="des" refForName="Parent3" op="lte"/>
+              <dgm:constr type="primFontSz" for="des" forName="Child4" refType="primFontSz" refFor="des" refForName="Parent3" op="lte"/>
+              <dgm:constr type="primFontSz" for="des" forName="Child5" refType="primFontSz" refFor="des" refForName="Parent3" op="lte"/>
+              <dgm:constr type="primFontSz" for="des" forName="Child6" refType="primFontSz" refFor="des" refForName="Parent3" op="lte"/>
+              <dgm:constr type="primFontSz" for="des" forName="Child7" refType="primFontSz" refFor="des" refForName="Parent3" op="lte"/>
+              <dgm:constr type="primFontSz" for="des" forName="Child8" refType="primFontSz" refFor="des" refForName="Parent3" op="lte"/>
+              <dgm:constr type="primFontSz" for="des" forName="Child9" refType="primFontSz" refFor="des" refForName="Parent3" op="lte"/>
+              <dgm:constr type="primFontSz" for="des" forName="Child1" refType="primFontSz" refFor="des" refForName="Parent4" op="lte"/>
+              <dgm:constr type="primFontSz" for="des" forName="Child2" refType="primFontSz" refFor="des" refForName="Parent4" op="lte"/>
+              <dgm:constr type="primFontSz" for="des" forName="Child3" refType="primFontSz" refFor="des" refForName="Parent4" op="lte"/>
+              <dgm:constr type="primFontSz" for="des" forName="Child4" refType="primFontSz" refFor="des" refForName="Parent4" op="lte"/>
+              <dgm:constr type="primFontSz" for="des" forName="Child5" refType="primFontSz" refFor="des" refForName="Parent4" op="lte"/>
+              <dgm:constr type="primFontSz" for="des" forName="Child6" refType="primFontSz" refFor="des" refForName="Parent4" op="lte"/>
+              <dgm:constr type="primFontSz" for="des" forName="Child7" refType="primFontSz" refFor="des" refForName="Parent4" op="lte"/>
+              <dgm:constr type="primFontSz" for="des" forName="Child8" refType="primFontSz" refFor="des" refForName="Parent4" op="lte"/>
+              <dgm:constr type="primFontSz" for="des" forName="Child9" refType="primFontSz" refFor="des" refForName="Parent4" op="lte"/>
+              <dgm:constr type="primFontSz" for="des" forName="Child1" refType="primFontSz" refFor="des" refForName="Parent5" op="lte"/>
+              <dgm:constr type="primFontSz" for="des" forName="Child2" refType="primFontSz" refFor="des" refForName="Parent5" op="lte"/>
+              <dgm:constr type="primFontSz" for="des" forName="Child3" refType="primFontSz" refFor="des" refForName="Parent5" op="lte"/>
+              <dgm:constr type="primFontSz" for="des" forName="Child4" refType="primFontSz" refFor="des" refForName="Parent5" op="lte"/>
+              <dgm:constr type="primFontSz" for="des" forName="Child5" refType="primFontSz" refFor="des" refForName="Parent5" op="lte"/>
+              <dgm:constr type="primFontSz" for="des" forName="Child6" refType="primFontSz" refFor="des" refForName="Parent5" op="lte"/>
+              <dgm:constr type="primFontSz" for="des" forName="Child7" refType="primFontSz" refFor="des" refForName="Parent5" op="lte"/>
+              <dgm:constr type="primFontSz" for="des" forName="Child8" refType="primFontSz" refFor="des" refForName="Parent5" op="lte"/>
+              <dgm:constr type="primFontSz" for="des" forName="Child9" refType="primFontSz" refFor="des" refForName="Parent5" op="lte"/>
+              <dgm:constr type="primFontSz" for="des" forName="Child1" refType="primFontSz" refFor="des" refForName="Parent6" op="lte"/>
+              <dgm:constr type="primFontSz" for="des" forName="Child2" refType="primFontSz" refFor="des" refForName="Parent6" op="lte"/>
+              <dgm:constr type="primFontSz" for="des" forName="Child3" refType="primFontSz" refFor="des" refForName="Parent6" op="lte"/>
+              <dgm:constr type="primFontSz" for="des" forName="Child4" refType="primFontSz" refFor="des" refForName="Parent6" op="lte"/>
+              <dgm:constr type="primFontSz" for="des" forName="Child5" refType="primFontSz" refFor="des" refForName="Parent6" op="lte"/>
+              <dgm:constr type="primFontSz" for="des" forName="Child6" refType="primFontSz" refFor="des" refForName="Parent6" op="lte"/>
+              <dgm:constr type="primFontSz" for="des" forName="Child7" refType="primFontSz" refFor="des" refForName="Parent6" op="lte"/>
+              <dgm:constr type="primFontSz" for="des" forName="Child8" refType="primFontSz" refFor="des" refForName="Parent6" op="lte"/>
+              <dgm:constr type="primFontSz" for="des" forName="Child9" refType="primFontSz" refFor="des" refForName="Parent6" op="lte"/>
+              <dgm:constr type="primFontSz" for="des" forName="Child1" refType="primFontSz" refFor="des" refForName="Parent7" op="lte"/>
+              <dgm:constr type="primFontSz" for="des" forName="Child2" refType="primFontSz" refFor="des" refForName="Parent7" op="lte"/>
+              <dgm:constr type="primFontSz" for="des" forName="Child3" refType="primFontSz" refFor="des" refForName="Parent7" op="lte"/>
+              <dgm:constr type="primFontSz" for="des" forName="Child4" refType="primFontSz" refFor="des" refForName="Parent7" op="lte"/>
+              <dgm:constr type="primFontSz" for="des" forName="Child5" refType="primFontSz" refFor="des" refForName="Parent7" op="lte"/>
+              <dgm:constr type="primFontSz" for="des" forName="Child6" refType="primFontSz" refFor="des" refForName="Parent7" op="lte"/>
+              <dgm:constr type="primFontSz" for="des" forName="Child7" refType="primFontSz" refFor="des" refForName="Parent7" op="lte"/>
+              <dgm:constr type="primFontSz" for="des" forName="Child8" refType="primFontSz" refFor="des" refForName="Parent7" op="lte"/>
+              <dgm:constr type="primFontSz" for="des" forName="Child9" refType="primFontSz" refFor="des" refForName="Parent7" op="lte"/>
+              <dgm:constr type="primFontSz" for="des" forName="Child1" refType="primFontSz" refFor="des" refForName="Parent8" op="lte"/>
+              <dgm:constr type="primFontSz" for="des" forName="Child2" refType="primFontSz" refFor="des" refForName="Parent8" op="lte"/>
+              <dgm:constr type="primFontSz" for="des" forName="Child3" refType="primFontSz" refFor="des" refForName="Parent8" op="lte"/>
+              <dgm:constr type="primFontSz" for="des" forName="Child4" refType="primFontSz" refFor="des" refForName="Parent8" op="lte"/>
+              <dgm:constr type="primFontSz" for="des" forName="Child5" refType="primFontSz" refFor="des" refForName="Parent8" op="lte"/>
+              <dgm:constr type="primFontSz" for="des" forName="Child6" refType="primFontSz" refFor="des" refForName="Parent8" op="lte"/>
+              <dgm:constr type="primFontSz" for="des" forName="Child7" refType="primFontSz" refFor="des" refForName="Parent8" op="lte"/>
+              <dgm:constr type="primFontSz" for="des" forName="Child8" refType="primFontSz" refFor="des" refForName="Parent8" op="lte"/>
+              <dgm:constr type="primFontSz" for="des" forName="Child9" refType="primFontSz" refFor="des" refForName="Parent8" op="lte"/>
+              <dgm:constr type="primFontSz" for="des" forName="Child1" refType="primFontSz" refFor="des" refForName="Parent9" op="lte"/>
+              <dgm:constr type="primFontSz" for="des" forName="Child2" refType="primFontSz" refFor="des" refForName="Parent9" op="lte"/>
+              <dgm:constr type="primFontSz" for="des" forName="Child3" refType="primFontSz" refFor="des" refForName="Parent9" op="lte"/>
+              <dgm:constr type="primFontSz" for="des" forName="Child4" refType="primFontSz" refFor="des" refForName="Parent9" op="lte"/>
+              <dgm:constr type="primFontSz" for="des" forName="Child5" refType="primFontSz" refFor="des" refForName="Parent9" op="lte"/>
+              <dgm:constr type="primFontSz" for="des" forName="Child6" refType="primFontSz" refFor="des" refForName="Parent9" op="lte"/>
+              <dgm:constr type="primFontSz" for="des" forName="Child7" refType="primFontSz" refFor="des" refForName="Parent9" op="lte"/>
+              <dgm:constr type="primFontSz" for="des" forName="Child8" refType="primFontSz" refFor="des" refForName="Parent9" op="lte"/>
+              <dgm:constr type="primFontSz" for="des" forName="Child9" refType="primFontSz" refFor="des" refForName="Parent9" op="lte"/>
+              <dgm:constr type="primFontSz" for="des" forName="Parent2" refType="primFontSz" refFor="des" refForName="Parent1" op="equ"/>
+              <dgm:constr type="primFontSz" for="des" forName="Parent3" refType="primFontSz" refFor="des" refForName="Parent1" op="equ"/>
+              <dgm:constr type="primFontSz" for="des" forName="Parent4" refType="primFontSz" refFor="des" refForName="Parent1" op="equ"/>
+              <dgm:constr type="primFontSz" for="des" forName="Parent5" refType="primFontSz" refFor="des" refForName="Parent1" op="equ"/>
+              <dgm:constr type="primFontSz" for="des" forName="Parent6" refType="primFontSz" refFor="des" refForName="Parent1" op="equ"/>
+              <dgm:constr type="primFontSz" for="des" forName="Parent7" refType="primFontSz" refFor="des" refForName="Parent1" op="equ"/>
+              <dgm:constr type="primFontSz" for="des" forName="Parent8" refType="primFontSz" refFor="des" refForName="Parent1" op="equ"/>
+              <dgm:constr type="primFontSz" for="des" forName="Parent9" refType="primFontSz" refFor="des" refForName="Parent1" op="equ"/>
+              <dgm:constr type="primFontSz" for="des" forName="Child2" refType="primFontSz" refFor="des" refForName="Child1" op="equ"/>
+              <dgm:constr type="primFontSz" for="des" forName="Child3" refType="primFontSz" refFor="des" refForName="Child1" op="equ"/>
+              <dgm:constr type="primFontSz" for="des" forName="Child4" refType="primFontSz" refFor="des" refForName="Child1" op="equ"/>
+              <dgm:constr type="primFontSz" for="des" forName="Child5" refType="primFontSz" refFor="des" refForName="Child1" op="equ"/>
+              <dgm:constr type="primFontSz" for="des" forName="Child6" refType="primFontSz" refFor="des" refForName="Child1" op="equ"/>
+              <dgm:constr type="primFontSz" for="des" forName="Child7" refType="primFontSz" refFor="des" refForName="Child1" op="equ"/>
+              <dgm:constr type="primFontSz" for="des" forName="Child8" refType="primFontSz" refFor="des" refForName="Child1" op="equ"/>
+              <dgm:constr type="primFontSz" for="des" forName="Child9" refType="primFontSz" refFor="des" refForName="Child1" op="equ"/>
+              <dgm:constr type="r" for="ch" forName="Parent9" refType="w" fact="0.0881"/>
+              <dgm:constr type="t" for="ch" forName="Parent9" refType="h" fact="0.2022"/>
+              <dgm:constr type="w" for="ch" forName="Parent9" refType="w" fact="0.0705"/>
+              <dgm:constr type="h" for="ch" forName="Parent9" refType="h" fact="0.3799"/>
+              <dgm:constr type="r" for="ch" forName="Parent8" refType="w" fact="0.1974"/>
+              <dgm:constr type="t" for="ch" forName="Parent8" refType="h" fact="0.2022"/>
+              <dgm:constr type="w" for="ch" forName="Parent8" refType="w" fact="0.0705"/>
+              <dgm:constr type="h" for="ch" forName="Parent8" refType="h" fact="0.3799"/>
+              <dgm:constr type="r" for="ch" forName="Parent7" refType="w" fact="0.3067"/>
+              <dgm:constr type="t" for="ch" forName="Parent7" refType="h" fact="0.2022"/>
+              <dgm:constr type="w" for="ch" forName="Parent7" refType="w" fact="0.0705"/>
+              <dgm:constr type="h" for="ch" forName="Parent7" refType="h" fact="0.3799"/>
+              <dgm:constr type="r" for="ch" forName="Parent6" refType="w" fact="0.416"/>
+              <dgm:constr type="t" for="ch" forName="Parent6" refType="h" fact="0.2022"/>
+              <dgm:constr type="w" for="ch" forName="Parent6" refType="w" fact="0.0705"/>
+              <dgm:constr type="h" for="ch" forName="Parent6" refType="h" fact="0.3799"/>
+              <dgm:constr type="r" for="ch" forName="Parent5" refType="w" fact="0.5253"/>
+              <dgm:constr type="t" for="ch" forName="Parent5" refType="h" fact="0.2022"/>
+              <dgm:constr type="w" for="ch" forName="Parent5" refType="w" fact="0.0705"/>
+              <dgm:constr type="h" for="ch" forName="Parent5" refType="h" fact="0.3799"/>
+              <dgm:constr type="r" for="ch" forName="Parent4" refType="w" fact="0.6346"/>
+              <dgm:constr type="t" for="ch" forName="Parent4" refType="h" fact="0.2022"/>
+              <dgm:constr type="w" for="ch" forName="Parent4" refType="w" fact="0.0705"/>
+              <dgm:constr type="h" for="ch" forName="Parent4" refType="h" fact="0.3799"/>
+              <dgm:constr type="r" for="ch" forName="Parent3" refType="w" fact="0.7439"/>
+              <dgm:constr type="t" for="ch" forName="Parent3" refType="h" fact="0.2022"/>
+              <dgm:constr type="w" for="ch" forName="Parent3" refType="w" fact="0.0705"/>
+              <dgm:constr type="h" for="ch" forName="Parent3" refType="h" fact="0.3799"/>
+              <dgm:constr type="r" for="ch" forName="Parent2" refType="w" fact="0.8532"/>
+              <dgm:constr type="t" for="ch" forName="Parent2" refType="h" fact="0.2022"/>
+              <dgm:constr type="w" for="ch" forName="Parent2" refType="w" fact="0.0705"/>
+              <dgm:constr type="h" for="ch" forName="Parent2" refType="h" fact="0.3799"/>
+              <dgm:constr type="r" for="ch" forName="Parent1" refType="w" fact="0.9625"/>
+              <dgm:constr type="t" for="ch" forName="Parent1" refType="h" fact="0.2022"/>
+              <dgm:constr type="w" for="ch" forName="Parent1" refType="w" fact="0.0705"/>
+              <dgm:constr type="h" for="ch" forName="Parent1" refType="h" fact="0.3799"/>
+              <dgm:constr type="r" for="ch" forName="Accent9" refType="w" fact="0.1058"/>
+              <dgm:constr type="t" for="ch" forName="Accent9" refType="h" fact="0.1072"/>
+              <dgm:constr type="w" for="ch" forName="Accent9" refType="w" fact="0.1058"/>
+              <dgm:constr type="h" for="ch" forName="Accent9" refType="h" fact="0.5699"/>
+              <dgm:constr type="r" for="ch" forName="ParentBackground9" refType="w" fact="0.1022"/>
+              <dgm:constr type="t" for="ch" forName="ParentBackground9" refType="h" fact="0.1262"/>
+              <dgm:constr type="w" for="ch" forName="ParentBackground9" refType="w" fact="0.0987"/>
+              <dgm:constr type="h" for="ch" forName="ParentBackground9" refType="h" fact="0.5319"/>
+              <dgm:constr type="r" for="ch" forName="Child9" refType="w" fact="0.1022"/>
+              <dgm:constr type="t" for="ch" forName="Child9" refType="h" fact="0.6876"/>
+              <dgm:constr type="w" for="ch" forName="Child9" refType="w" fact="0.0987"/>
+              <dgm:constr type="h" for="ch" forName="Child9" refType="h" fact="0.3124"/>
+              <dgm:constr type="r" for="ch" forName="Accent8" refType="w" fact="0.237"/>
+              <dgm:constr type="t" for="ch" forName="Accent8" refType="h" fact="-0.0109"/>
+              <dgm:constr type="w" for="ch" forName="Accent8" refType="w" fact="0.1496"/>
+              <dgm:constr type="h" for="ch" forName="Accent8" refType="h" fact="0.806"/>
+              <dgm:constr type="r" for="ch" forName="ParentBackground8" refType="w" fact="0.2115"/>
+              <dgm:constr type="t" for="ch" forName="ParentBackground8" refType="h" fact="0.1262"/>
+              <dgm:constr type="w" for="ch" forName="ParentBackground8" refType="w" fact="0.0987"/>
+              <dgm:constr type="h" for="ch" forName="ParentBackground8" refType="h" fact="0.5319"/>
+              <dgm:constr type="r" for="ch" forName="Child8" refType="w" fact="0.2115"/>
+              <dgm:constr type="t" for="ch" forName="Child8" refType="h" fact="0.6876"/>
+              <dgm:constr type="w" for="ch" forName="Child8" refType="w" fact="0.0987"/>
+              <dgm:constr type="h" for="ch" forName="Child8" refType="h" fact="0.3124"/>
+              <dgm:constr type="r" for="ch" forName="Accent7" refType="w" fact="0.3462"/>
+              <dgm:constr type="t" for="ch" forName="Accent7" refType="h" fact="-0.0109"/>
+              <dgm:constr type="w" for="ch" forName="Accent7" refType="w" fact="0.1496"/>
+              <dgm:constr type="h" for="ch" forName="Accent7" refType="h" fact="0.806"/>
+              <dgm:constr type="r" for="ch" forName="ParentBackground7" refType="w" fact="0.3208"/>
+              <dgm:constr type="t" for="ch" forName="ParentBackground7" refType="h" fact="0.1262"/>
+              <dgm:constr type="w" for="ch" forName="ParentBackground7" refType="w" fact="0.0987"/>
+              <dgm:constr type="h" for="ch" forName="ParentBackground7" refType="h" fact="0.5319"/>
+              <dgm:constr type="r" for="ch" forName="Child7" refType="w" fact="0.3208"/>
+              <dgm:constr type="t" for="ch" forName="Child7" refType="h" fact="0.6876"/>
+              <dgm:constr type="w" for="ch" forName="Child7" refType="w" fact="0.0987"/>
+              <dgm:constr type="h" for="ch" forName="Child7" refType="h" fact="0.3124"/>
+              <dgm:constr type="r" for="ch" forName="Accent6" refType="w" fact="0.4555"/>
+              <dgm:constr type="t" for="ch" forName="Accent6" refType="h" fact="-0.0109"/>
+              <dgm:constr type="w" for="ch" forName="Accent6" refType="w" fact="0.1496"/>
+              <dgm:constr type="h" for="ch" forName="Accent6" refType="h" fact="0.806"/>
+              <dgm:constr type="r" for="ch" forName="ParentBackground6" refType="w" fact="0.4301"/>
+              <dgm:constr type="t" for="ch" forName="ParentBackground6" refType="h" fact="0.1262"/>
+              <dgm:constr type="w" for="ch" forName="ParentBackground6" refType="w" fact="0.0987"/>
+              <dgm:constr type="h" for="ch" forName="ParentBackground6" refType="h" fact="0.5319"/>
+              <dgm:constr type="r" for="ch" forName="Child6" refType="w" fact="0.4301"/>
+              <dgm:constr type="t" for="ch" forName="Child6" refType="h" fact="0.6876"/>
+              <dgm:constr type="w" for="ch" forName="Child6" refType="w" fact="0.0987"/>
+              <dgm:constr type="h" for="ch" forName="Child6" refType="h" fact="0.3124"/>
+              <dgm:constr type="r" for="ch" forName="Accent5" refType="w" fact="0.5648"/>
+              <dgm:constr type="t" for="ch" forName="Accent5" refType="h" fact="-0.0109"/>
+              <dgm:constr type="w" for="ch" forName="Accent5" refType="w" fact="0.1496"/>
+              <dgm:constr type="h" for="ch" forName="Accent5" refType="h" fact="0.806"/>
+              <dgm:constr type="r" for="ch" forName="ParentBackground5" refType="w" fact="0.5394"/>
+              <dgm:constr type="t" for="ch" forName="ParentBackground5" refType="h" fact="0.1262"/>
+              <dgm:constr type="w" for="ch" forName="ParentBackground5" refType="w" fact="0.0987"/>
+              <dgm:constr type="h" for="ch" forName="ParentBackground5" refType="h" fact="0.5319"/>
+              <dgm:constr type="r" for="ch" forName="Child5" refType="w" fact="0.5394"/>
+              <dgm:constr type="t" for="ch" forName="Child5" refType="h" fact="0.6876"/>
+              <dgm:constr type="w" for="ch" forName="Child5" refType="w" fact="0.0987"/>
+              <dgm:constr type="h" for="ch" forName="Child5" refType="h" fact="0.3124"/>
+              <dgm:constr type="r" for="ch" forName="Accent4" refType="w" fact="0.6741"/>
+              <dgm:constr type="t" for="ch" forName="Accent4" refType="h" fact="-0.0109"/>
+              <dgm:constr type="w" for="ch" forName="Accent4" refType="w" fact="0.1496"/>
+              <dgm:constr type="h" for="ch" forName="Accent4" refType="h" fact="0.806"/>
+              <dgm:constr type="r" for="ch" forName="ParentBackground4" refType="w" fact="0.6487"/>
+              <dgm:constr type="t" for="ch" forName="ParentBackground4" refType="h" fact="0.1262"/>
+              <dgm:constr type="w" for="ch" forName="ParentBackground4" refType="w" fact="0.0987"/>
+              <dgm:constr type="h" for="ch" forName="ParentBackground4" refType="h" fact="0.5319"/>
+              <dgm:constr type="r" for="ch" forName="Child4" refType="w" fact="0.6487"/>
+              <dgm:constr type="t" for="ch" forName="Child4" refType="h" fact="0.6876"/>
+              <dgm:constr type="w" for="ch" forName="Child4" refType="w" fact="0.0987"/>
+              <dgm:constr type="h" for="ch" forName="Child4" refType="h" fact="0.3124"/>
+              <dgm:constr type="r" for="ch" forName="Accent3" refType="w" fact="0.7834"/>
+              <dgm:constr type="t" for="ch" forName="Accent3" refType="h" fact="-0.0109"/>
+              <dgm:constr type="w" for="ch" forName="Accent3" refType="w" fact="0.1496"/>
+              <dgm:constr type="h" for="ch" forName="Accent3" refType="h" fact="0.806"/>
+              <dgm:constr type="r" for="ch" forName="ParentBackground3" refType="w" fact="0.758"/>
+              <dgm:constr type="t" for="ch" forName="ParentBackground3" refType="h" fact="0.1262"/>
+              <dgm:constr type="w" for="ch" forName="ParentBackground3" refType="w" fact="0.0987"/>
+              <dgm:constr type="h" for="ch" forName="ParentBackground3" refType="h" fact="0.5319"/>
+              <dgm:constr type="r" for="ch" forName="Child3" refType="w" fact="0.758"/>
+              <dgm:constr type="t" for="ch" forName="Child3" refType="h" fact="0.6876"/>
+              <dgm:constr type="w" for="ch" forName="Child3" refType="w" fact="0.0987"/>
+              <dgm:constr type="h" for="ch" forName="Child3" refType="h" fact="0.3124"/>
+              <dgm:constr type="r" for="ch" forName="Accent2" refType="w" fact="0.8927"/>
+              <dgm:constr type="t" for="ch" forName="Accent2" refType="h" fact="-0.0109"/>
+              <dgm:constr type="w" for="ch" forName="Accent2" refType="w" fact="0.1496"/>
+              <dgm:constr type="h" for="ch" forName="Accent2" refType="h" fact="0.806"/>
+              <dgm:constr type="r" for="ch" forName="ParentBackground2" refType="w" fact="0.8673"/>
+              <dgm:constr type="t" for="ch" forName="ParentBackground2" refType="h" fact="0.1262"/>
+              <dgm:constr type="w" for="ch" forName="ParentBackground2" refType="w" fact="0.0987"/>
+              <dgm:constr type="h" for="ch" forName="ParentBackground2" refType="h" fact="0.5319"/>
+              <dgm:constr type="r" for="ch" forName="Child2" refType="w" fact="0.8673"/>
+              <dgm:constr type="t" for="ch" forName="Child2" refType="h" fact="0.6876"/>
+              <dgm:constr type="w" for="ch" forName="Child2" refType="w" fact="0.0987"/>
+              <dgm:constr type="h" for="ch" forName="Child2" refType="h" fact="0.3124"/>
+              <dgm:constr type="r" for="ch" forName="Accent1" refType="w" fact="1.002"/>
+              <dgm:constr type="t" for="ch" forName="Accent1" refType="h" fact="-0.0109"/>
+              <dgm:constr type="w" for="ch" forName="Accent1" refType="w" fact="0.1496"/>
+              <dgm:constr type="h" for="ch" forName="Accent1" refType="h" fact="0.806"/>
+              <dgm:constr type="r" for="ch" forName="ParentBackground1" refType="w" fact="0.9765"/>
+              <dgm:constr type="t" for="ch" forName="ParentBackground1" refType="h" fact="0.1262"/>
+              <dgm:constr type="w" for="ch" forName="ParentBackground1" refType="w" fact="0.0987"/>
+              <dgm:constr type="h" for="ch" forName="ParentBackground1" refType="h" fact="0.5319"/>
+              <dgm:constr type="r" for="ch" forName="Child1" refType="w" fact="0.9765"/>
+              <dgm:constr type="t" for="ch" forName="Child1" refType="h" fact="0.6876"/>
+              <dgm:constr type="w" for="ch" forName="Child1" refType="w" fact="0.0987"/>
+              <dgm:constr type="h" for="ch" forName="Child1" refType="h" fact="0.3124"/>
+            </dgm:constrLst>
+          </dgm:if>
+          <dgm:if name="Name26" axis="ch" ptType="node" func="cnt" op="equ" val="10">
+            <dgm:alg type="composite">
+              <dgm:param type="ar" val="5.9769"/>
+            </dgm:alg>
+            <dgm:constrLst>
+              <dgm:constr type="primFontSz" for="des" forName="Child1" val="65"/>
+              <dgm:constr type="primFontSz" for="des" forName="Parent1" val="65"/>
+              <dgm:constr type="primFontSz" for="des" forName="Child1" refType="primFontSz" refFor="des" refForName="Parent1" op="lte"/>
+              <dgm:constr type="primFontSz" for="des" forName="Child2" refType="primFontSz" refFor="des" refForName="Parent1" op="lte"/>
+              <dgm:constr type="primFontSz" for="des" forName="Child3" refType="primFontSz" refFor="des" refForName="Parent1" op="lte"/>
+              <dgm:constr type="primFontSz" for="des" forName="Child4" refType="primFontSz" refFor="des" refForName="Parent1" op="lte"/>
+              <dgm:constr type="primFontSz" for="des" forName="Child5" refType="primFontSz" refFor="des" refForName="Parent1" op="lte"/>
+              <dgm:constr type="primFontSz" for="des" forName="Child6" refType="primFontSz" refFor="des" refForName="Parent1" op="lte"/>
+              <dgm:constr type="primFontSz" for="des" forName="Child7" refType="primFontSz" refFor="des" refForName="Parent1" op="lte"/>
+              <dgm:constr type="primFontSz" for="des" forName="Child8" refType="primFontSz" refFor="des" refForName="Parent1" op="lte"/>
+              <dgm:constr type="primFontSz" for="des" forName="Child9" refType="primFontSz" refFor="des" refForName="Parent1" op="lte"/>
+              <dgm:constr type="primFontSz" for="des" forName="Child10" refType="primFontSz" refFor="des" refForName="Parent1" op="lte"/>
+              <dgm:constr type="primFontSz" for="des" forName="Child1" refType="primFontSz" refFor="des" refForName="Parent2" op="lte"/>
+              <dgm:constr type="primFontSz" for="des" forName="Child2" refType="primFontSz" refFor="des" refForName="Parent2" op="lte"/>
+              <dgm:constr type="primFontSz" for="des" forName="Child3" refType="primFontSz" refFor="des" refForName="Parent2" op="lte"/>
+              <dgm:constr type="primFontSz" for="des" forName="Child4" refType="primFontSz" refFor="des" refForName="Parent2" op="lte"/>
+              <dgm:constr type="primFontSz" for="des" forName="Child5" refType="primFontSz" refFor="des" refForName="Parent2" op="lte"/>
+              <dgm:constr type="primFontSz" for="des" forName="Child6" refType="primFontSz" refFor="des" refForName="Parent2" op="lte"/>
+              <dgm:constr type="primFontSz" for="des" forName="Child7" refType="primFontSz" refFor="des" refForName="Parent2" op="lte"/>
+              <dgm:constr type="primFontSz" for="des" forName="Child8" refType="primFontSz" refFor="des" refForName="Parent2" op="lte"/>
+              <dgm:constr type="primFontSz" for="des" forName="Child9" refType="primFontSz" refFor="des" refForName="Parent2" op="lte"/>
+              <dgm:constr type="primFontSz" for="des" forName="Child10" refType="primFontSz" refFor="des" refForName="Parent2" op="lte"/>
+              <dgm:constr type="primFontSz" for="des" forName="Child1" refType="primFontSz" refFor="des" refForName="Parent3" op="lte"/>
+              <dgm:constr type="primFontSz" for="des" forName="Child2" refType="primFontSz" refFor="des" refForName="Parent3" op="lte"/>
+              <dgm:constr type="primFontSz" for="des" forName="Child3" refType="primFontSz" refFor="des" refForName="Parent3" op="lte"/>
+              <dgm:constr type="primFontSz" for="des" forName="Child4" refType="primFontSz" refFor="des" refForName="Parent3" op="lte"/>
+              <dgm:constr type="primFontSz" for="des" forName="Child5" refType="primFontSz" refFor="des" refForName="Parent3" op="lte"/>
+              <dgm:constr type="primFontSz" for="des" forName="Child6" refType="primFontSz" refFor="des" refForName="Parent3" op="lte"/>
+              <dgm:constr type="primFontSz" for="des" forName="Child7" refType="primFontSz" refFor="des" refForName="Parent3" op="lte"/>
+              <dgm:constr type="primFontSz" for="des" forName="Child8" refType="primFontSz" refFor="des" refForName="Parent3" op="lte"/>
+              <dgm:constr type="primFontSz" for="des" forName="Child9" refType="primFontSz" refFor="des" refForName="Parent3" op="lte"/>
+              <dgm:constr type="primFontSz" for="des" forName="Child10" refType="primFontSz" refFor="des" refForName="Parent3" op="lte"/>
+              <dgm:constr type="primFontSz" for="des" forName="Child1" refType="primFontSz" refFor="des" refForName="Parent4" op="lte"/>
+              <dgm:constr type="primFontSz" for="des" forName="Child2" refType="primFontSz" refFor="des" refForName="Parent4" op="lte"/>
+              <dgm:constr type="primFontSz" for="des" forName="Child3" refType="primFontSz" refFor="des" refForName="Parent4" op="lte"/>
+              <dgm:constr type="primFontSz" for="des" forName="Child4" refType="primFontSz" refFor="des" refForName="Parent4" op="lte"/>
+              <dgm:constr type="primFontSz" for="des" forName="Child5" refType="primFontSz" refFor="des" refForName="Parent4" op="lte"/>
+              <dgm:constr type="primFontSz" for="des" forName="Child6" refType="primFontSz" refFor="des" refForName="Parent4" op="lte"/>
+              <dgm:constr type="primFontSz" for="des" forName="Child7" refType="primFontSz" refFor="des" refForName="Parent4" op="lte"/>
+              <dgm:constr type="primFontSz" for="des" forName="Child8" refType="primFontSz" refFor="des" refForName="Parent4" op="lte"/>
+              <dgm:constr type="primFontSz" for="des" forName="Child9" refType="primFontSz" refFor="des" refForName="Parent4" op="lte"/>
+              <dgm:constr type="primFontSz" for="des" forName="Child10" refType="primFontSz" refFor="des" refForName="Parent4" op="lte"/>
+              <dgm:constr type="primFontSz" for="des" forName="Child1" refType="primFontSz" refFor="des" refForName="Parent5" op="lte"/>
+              <dgm:constr type="primFontSz" for="des" forName="Child2" refType="primFontSz" refFor="des" refForName="Parent5" op="lte"/>
+              <dgm:constr type="primFontSz" for="des" forName="Child3" refType="primFontSz" refFor="des" refForName="Parent5" op="lte"/>
+              <dgm:constr type="primFontSz" for="des" forName="Child4" refType="primFontSz" refFor="des" refForName="Parent5" op="lte"/>
+              <dgm:constr type="primFontSz" for="des" forName="Child5" refType="primFontSz" refFor="des" refForName="Parent5" op="lte"/>
+              <dgm:constr type="primFontSz" for="des" forName="Child6" refType="primFontSz" refFor="des" refForName="Parent5" op="lte"/>
+              <dgm:constr type="primFontSz" for="des" forName="Child7" refType="primFontSz" refFor="des" refForName="Parent5" op="lte"/>
+              <dgm:constr type="primFontSz" for="des" forName="Child8" refType="primFontSz" refFor="des" refForName="Parent5" op="lte"/>
+              <dgm:constr type="primFontSz" for="des" forName="Child9" refType="primFontSz" refFor="des" refForName="Parent5" op="lte"/>
+              <dgm:constr type="primFontSz" for="des" forName="Child10" refType="primFontSz" refFor="des" refForName="Parent5" op="lte"/>
+              <dgm:constr type="primFontSz" for="des" forName="Child1" refType="primFontSz" refFor="des" refForName="Parent6" op="lte"/>
+              <dgm:constr type="primFontSz" for="des" forName="Child2" refType="primFontSz" refFor="des" refForName="Parent6" op="lte"/>
+              <dgm:constr type="primFontSz" for="des" forName="Child3" refType="primFontSz" refFor="des" refForName="Parent6" op="lte"/>
+              <dgm:constr type="primFontSz" for="des" forName="Child4" refType="primFontSz" refFor="des" refForName="Parent6" op="lte"/>
+              <dgm:constr type="primFontSz" for="des" forName="Child5" refType="primFontSz" refFor="des" refForName="Parent6" op="lte"/>
+              <dgm:constr type="primFontSz" for="des" forName="Child6" refType="primFontSz" refFor="des" refForName="Parent6" op="lte"/>
+              <dgm:constr type="primFontSz" for="des" forName="Child7" refType="primFontSz" refFor="des" refForName="Parent6" op="lte"/>
+              <dgm:constr type="primFontSz" for="des" forName="Child8" refType="primFontSz" refFor="des" refForName="Parent6" op="lte"/>
+              <dgm:constr type="primFontSz" for="des" forName="Child9" refType="primFontSz" refFor="des" refForName="Parent6" op="lte"/>
+              <dgm:constr type="primFontSz" for="des" forName="Child10" refType="primFontSz" refFor="des" refForName="Parent7" op="lte"/>
+              <dgm:constr type="primFontSz" for="des" forName="Child1" refType="primFontSz" refFor="des" refForName="Parent7" op="lte"/>
+              <dgm:constr type="primFontSz" for="des" forName="Child2" refType="primFontSz" refFor="des" refForName="Parent7" op="lte"/>
+              <dgm:constr type="primFontSz" for="des" forName="Child3" refType="primFontSz" refFor="des" refForName="Parent7" op="lte"/>
+              <dgm:constr type="primFontSz" for="des" forName="Child4" refType="primFontSz" refFor="des" refForName="Parent7" op="lte"/>
+              <dgm:constr type="primFontSz" for="des" forName="Child5" refType="primFontSz" refFor="des" refForName="Parent7" op="lte"/>
+              <dgm:constr type="primFontSz" for="des" forName="Child6" refType="primFontSz" refFor="des" refForName="Parent7" op="lte"/>
+              <dgm:constr type="primFontSz" for="des" forName="Child7" refType="primFontSz" refFor="des" refForName="Parent7" op="lte"/>
+              <dgm:constr type="primFontSz" for="des" forName="Child8" refType="primFontSz" refFor="des" refForName="Parent7" op="lte"/>
+              <dgm:constr type="primFontSz" for="des" forName="Child9" refType="primFontSz" refFor="des" refForName="Parent7" op="lte"/>
+              <dgm:constr type="primFontSz" for="des" forName="Child10" refType="primFontSz" refFor="des" refForName="Parent7" op="lte"/>
+              <dgm:constr type="primFontSz" for="des" forName="Child1" refType="primFontSz" refFor="des" refForName="Parent8" op="lte"/>
+              <dgm:constr type="primFontSz" for="des" forName="Child2" refType="primFontSz" refFor="des" refForName="Parent8" op="lte"/>
+              <dgm:constr type="primFontSz" for="des" forName="Child3" refType="primFontSz" refFor="des" refForName="Parent8" op="lte"/>
+              <dgm:constr type="primFontSz" for="des" forName="Child4" refType="primFontSz" refFor="des" refForName="Parent8" op="lte"/>
+              <dgm:constr type="primFontSz" for="des" forName="Child5" refType="primFontSz" refFor="des" refForName="Parent8" op="lte"/>
+              <dgm:constr type="primFontSz" for="des" forName="Child6" refType="primFontSz" refFor="des" refForName="Parent8" op="lte"/>
+              <dgm:constr type="primFontSz" for="des" forName="Child7" refType="primFontSz" refFor="des" refForName="Parent8" op="lte"/>
+              <dgm:constr type="primFontSz" for="des" forName="Child8" refType="primFontSz" refFor="des" refForName="Parent8" op="lte"/>
+              <dgm:constr type="primFontSz" for="des" forName="Child9" refType="primFontSz" refFor="des" refForName="Parent8" op="lte"/>
+              <dgm:constr type="primFontSz" for="des" forName="Child10" refType="primFontSz" refFor="des" refForName="Parent8" op="lte"/>
+              <dgm:constr type="primFontSz" for="des" forName="Child1" refType="primFontSz" refFor="des" refForName="Parent9" op="lte"/>
+              <dgm:constr type="primFontSz" for="des" forName="Child2" refType="primFontSz" refFor="des" refForName="Parent9" op="lte"/>
+              <dgm:constr type="primFontSz" for="des" forName="Child3" refType="primFontSz" refFor="des" refForName="Parent9" op="lte"/>
+              <dgm:constr type="primFontSz" for="des" forName="Child4" refType="primFontSz" refFor="des" refForName="Parent9" op="lte"/>
+              <dgm:constr type="primFontSz" for="des" forName="Child5" refType="primFontSz" refFor="des" refForName="Parent9" op="lte"/>
+              <dgm:constr type="primFontSz" for="des" forName="Child6" refType="primFontSz" refFor="des" refForName="Parent9" op="lte"/>
+              <dgm:constr type="primFontSz" for="des" forName="Child7" refType="primFontSz" refFor="des" refForName="Parent9" op="lte"/>
+              <dgm:constr type="primFontSz" for="des" forName="Child8" refType="primFontSz" refFor="des" refForName="Parent9" op="lte"/>
+              <dgm:constr type="primFontSz" for="des" forName="Child9" refType="primFontSz" refFor="des" refForName="Parent9" op="lte"/>
+              <dgm:constr type="primFontSz" for="des" forName="Child10" refType="primFontSz" refFor="des" refForName="Parent9" op="lte"/>
+              <dgm:constr type="primFontSz" for="des" forName="Child1" refType="primFontSz" refFor="des" refForName="Parent10" op="lte"/>
+              <dgm:constr type="primFontSz" for="des" forName="Child2" refType="primFontSz" refFor="des" refForName="Parent10" op="lte"/>
+              <dgm:constr type="primFontSz" for="des" forName="Child3" refType="primFontSz" refFor="des" refForName="Parent10" op="lte"/>
+              <dgm:constr type="primFontSz" for="des" forName="Child4" refType="primFontSz" refFor="des" refForName="Parent10" op="lte"/>
+              <dgm:constr type="primFontSz" for="des" forName="Child5" refType="primFontSz" refFor="des" refForName="Parent10" op="lte"/>
+              <dgm:constr type="primFontSz" for="des" forName="Child6" refType="primFontSz" refFor="des" refForName="Parent10" op="lte"/>
+              <dgm:constr type="primFontSz" for="des" forName="Child7" refType="primFontSz" refFor="des" refForName="Parent10" op="lte"/>
+              <dgm:constr type="primFontSz" for="des" forName="Child8" refType="primFontSz" refFor="des" refForName="Parent10" op="lte"/>
+              <dgm:constr type="primFontSz" for="des" forName="Child9" refType="primFontSz" refFor="des" refForName="Parent10" op="lte"/>
+              <dgm:constr type="primFontSz" for="des" forName="Child10" refType="primFontSz" refFor="des" refForName="Parent10" op="lte"/>
+              <dgm:constr type="primFontSz" for="des" forName="Parent2" refType="primFontSz" refFor="des" refForName="Parent1" op="equ"/>
+              <dgm:constr type="primFontSz" for="des" forName="Parent3" refType="primFontSz" refFor="des" refForName="Parent1" op="equ"/>
+              <dgm:constr type="primFontSz" for="des" forName="Parent4" refType="primFontSz" refFor="des" refForName="Parent1" op="equ"/>
+              <dgm:constr type="primFontSz" for="des" forName="Parent5" refType="primFontSz" refFor="des" refForName="Parent1" op="equ"/>
+              <dgm:constr type="primFontSz" for="des" forName="Parent6" refType="primFontSz" refFor="des" refForName="Parent1" op="equ"/>
+              <dgm:constr type="primFontSz" for="des" forName="Parent7" refType="primFontSz" refFor="des" refForName="Parent1" op="equ"/>
+              <dgm:constr type="primFontSz" for="des" forName="Parent8" refType="primFontSz" refFor="des" refForName="Parent1" op="equ"/>
+              <dgm:constr type="primFontSz" for="des" forName="Parent9" refType="primFontSz" refFor="des" refForName="Parent1" op="equ"/>
+              <dgm:constr type="primFontSz" for="des" forName="Parent10" refType="primFontSz" refFor="des" refForName="Parent1" op="equ"/>
+              <dgm:constr type="primFontSz" for="des" forName="Child2" refType="primFontSz" refFor="des" refForName="Child1" op="equ"/>
+              <dgm:constr type="primFontSz" for="des" forName="Child3" refType="primFontSz" refFor="des" refForName="Child1" op="equ"/>
+              <dgm:constr type="primFontSz" for="des" forName="Child4" refType="primFontSz" refFor="des" refForName="Child1" op="equ"/>
+              <dgm:constr type="primFontSz" for="des" forName="Child5" refType="primFontSz" refFor="des" refForName="Child1" op="equ"/>
+              <dgm:constr type="primFontSz" for="des" forName="Child6" refType="primFontSz" refFor="des" refForName="Child1" op="equ"/>
+              <dgm:constr type="primFontSz" for="des" forName="Child7" refType="primFontSz" refFor="des" refForName="Child1" op="equ"/>
+              <dgm:constr type="primFontSz" for="des" forName="Child8" refType="primFontSz" refFor="des" refForName="Child1" op="equ"/>
+              <dgm:constr type="primFontSz" for="des" forName="Child9" refType="primFontSz" refFor="des" refForName="Child1" op="equ"/>
+              <dgm:constr type="primFontSz" for="des" forName="Child10" refType="primFontSz" refFor="des" refForName="Child1" op="equ"/>
+              <dgm:constr type="r" for="ch" forName="Parent10" refType="w" fact="0.0795"/>
+              <dgm:constr type="t" for="ch" forName="Parent10" refType="h" fact="0.2022"/>
+              <dgm:constr type="w" for="ch" forName="Parent10" refType="w" fact="0.0636"/>
+              <dgm:constr type="h" for="ch" forName="Parent10" refType="h" fact="0.3799"/>
+              <dgm:constr type="r" for="ch" forName="Parent9" refType="w" fact="0.178"/>
+              <dgm:constr type="t" for="ch" forName="Parent9" refType="h" fact="0.2022"/>
+              <dgm:constr type="w" for="ch" forName="Parent9" refType="w" fact="0.0636"/>
+              <dgm:constr type="h" for="ch" forName="Parent9" refType="h" fact="0.3799"/>
+              <dgm:constr type="r" for="ch" forName="Parent8" refType="w" fact="0.2765"/>
+              <dgm:constr type="t" for="ch" forName="Parent8" refType="h" fact="0.2022"/>
+              <dgm:constr type="w" for="ch" forName="Parent8" refType="w" fact="0.0636"/>
+              <dgm:constr type="h" for="ch" forName="Parent8" refType="h" fact="0.3799"/>
+              <dgm:constr type="r" for="ch" forName="Parent7" refType="w" fact="0.375"/>
+              <dgm:constr type="t" for="ch" forName="Parent7" refType="h" fact="0.2022"/>
+              <dgm:constr type="w" for="ch" forName="Parent7" refType="w" fact="0.0636"/>
+              <dgm:constr type="h" for="ch" forName="Parent7" refType="h" fact="0.3799"/>
+              <dgm:constr type="r" for="ch" forName="Parent6" refType="w" fact="0.4736"/>
+              <dgm:constr type="t" for="ch" forName="Parent6" refType="h" fact="0.2022"/>
+              <dgm:constr type="w" for="ch" forName="Parent6" refType="w" fact="0.0636"/>
+              <dgm:constr type="h" for="ch" forName="Parent6" refType="h" fact="0.3799"/>
+              <dgm:constr type="r" for="ch" forName="Parent5" refType="w" fact="0.5721"/>
+              <dgm:constr type="t" for="ch" forName="Parent5" refType="h" fact="0.2022"/>
+              <dgm:constr type="w" for="ch" forName="Parent5" refType="w" fact="0.0636"/>
+              <dgm:constr type="h" for="ch" forName="Parent5" refType="h" fact="0.3799"/>
+              <dgm:constr type="r" for="ch" forName="Parent4" refType="w" fact="0.6706"/>
+              <dgm:constr type="t" for="ch" forName="Parent4" refType="h" fact="0.2022"/>
+              <dgm:constr type="w" for="ch" forName="Parent4" refType="w" fact="0.0636"/>
+              <dgm:constr type="h" for="ch" forName="Parent4" refType="h" fact="0.3799"/>
+              <dgm:constr type="r" for="ch" forName="Parent3" refType="w" fact="0.7691"/>
+              <dgm:constr type="t" for="ch" forName="Parent3" refType="h" fact="0.2022"/>
+              <dgm:constr type="w" for="ch" forName="Parent3" refType="w" fact="0.0636"/>
+              <dgm:constr type="h" for="ch" forName="Parent3" refType="h" fact="0.3799"/>
+              <dgm:constr type="r" for="ch" forName="Parent2" refType="w" fact="0.8676"/>
+              <dgm:constr type="t" for="ch" forName="Parent2" refType="h" fact="0.2022"/>
+              <dgm:constr type="w" for="ch" forName="Parent2" refType="w" fact="0.0636"/>
+              <dgm:constr type="h" for="ch" forName="Parent2" refType="h" fact="0.3799"/>
+              <dgm:constr type="r" for="ch" forName="Parent1" refType="w" fact="0.9662"/>
+              <dgm:constr type="t" for="ch" forName="Parent1" refType="h" fact="0.2022"/>
+              <dgm:constr type="w" for="ch" forName="Parent1" refType="w" fact="0.0636"/>
+              <dgm:constr type="h" for="ch" forName="Parent1" refType="h" fact="0.3799"/>
+              <dgm:constr type="r" for="ch" forName="Accent10" refType="w" fact="0.0953"/>
+              <dgm:constr type="t" for="ch" forName="Accent10" refType="h" fact="0.1072"/>
+              <dgm:constr type="w" for="ch" forName="Accent10" refType="w" fact="0.0953"/>
+              <dgm:constr type="h" for="ch" forName="Accent10" refType="h" fact="0.5699"/>
+              <dgm:constr type="r" for="ch" forName="ParentBackground10" refType="w" fact="0.0922"/>
+              <dgm:constr type="t" for="ch" forName="ParentBackground10" refType="h" fact="0.1262"/>
+              <dgm:constr type="w" for="ch" forName="ParentBackground10" refType="w" fact="0.089"/>
+              <dgm:constr type="h" for="ch" forName="ParentBackground10" refType="h" fact="0.5319"/>
+              <dgm:constr type="r" for="ch" forName="Child10" refType="w" fact="0.0922"/>
+              <dgm:constr type="t" for="ch" forName="Child10" refType="h" fact="0.6876"/>
+              <dgm:constr type="w" for="ch" forName="Child10" refType="w" fact="0.089"/>
+              <dgm:constr type="h" for="ch" forName="Child10" refType="h" fact="0.3124"/>
+              <dgm:constr type="r" for="ch" forName="Accent9" refType="w" fact="0.2136"/>
+              <dgm:constr type="t" for="ch" forName="Accent9" refType="h" fact="-0.0109"/>
+              <dgm:constr type="w" for="ch" forName="Accent9" refType="w" fact="0.1348"/>
+              <dgm:constr type="h" for="ch" forName="Accent9" refType="h" fact="0.806"/>
+              <dgm:constr type="r" for="ch" forName="ParentBackground9" refType="w" fact="0.1907"/>
+              <dgm:constr type="t" for="ch" forName="ParentBackground9" refType="h" fact="0.1262"/>
+              <dgm:constr type="w" for="ch" forName="ParentBackground9" refType="w" fact="0.089"/>
+              <dgm:constr type="h" for="ch" forName="ParentBackground9" refType="h" fact="0.5319"/>
+              <dgm:constr type="r" for="ch" forName="Child9" refType="w" fact="0.1907"/>
+              <dgm:constr type="t" for="ch" forName="Child9" refType="h" fact="0.6876"/>
+              <dgm:constr type="w" for="ch" forName="Child9" refType="w" fact="0.089"/>
+              <dgm:constr type="h" for="ch" forName="Child9" refType="h" fact="0.3124"/>
+              <dgm:constr type="r" for="ch" forName="Accent8" refType="w" fact="0.3121"/>
+              <dgm:constr type="t" for="ch" forName="Accent8" refType="h" fact="-0.0109"/>
+              <dgm:constr type="w" for="ch" forName="Accent8" refType="w" fact="0.1348"/>
+              <dgm:constr type="h" for="ch" forName="Accent8" refType="h" fact="0.806"/>
+              <dgm:constr type="r" for="ch" forName="ParentBackground8" refType="w" fact="0.2892"/>
+              <dgm:constr type="t" for="ch" forName="ParentBackground8" refType="h" fact="0.1262"/>
+              <dgm:constr type="w" for="ch" forName="ParentBackground8" refType="w" fact="0.089"/>
+              <dgm:constr type="h" for="ch" forName="ParentBackground8" refType="h" fact="0.5319"/>
+              <dgm:constr type="r" for="ch" forName="Child8" refType="w" fact="0.2892"/>
+              <dgm:constr type="t" for="ch" forName="Child8" refType="h" fact="0.6876"/>
+              <dgm:constr type="w" for="ch" forName="Child8" refType="w" fact="0.089"/>
+              <dgm:constr type="h" for="ch" forName="Child8" refType="h" fact="0.3124"/>
+              <dgm:constr type="r" for="ch" forName="Accent7" refType="w" fact="0.4107"/>
+              <dgm:constr type="t" for="ch" forName="Accent7" refType="h" fact="-0.0109"/>
+              <dgm:constr type="w" for="ch" forName="Accent7" refType="w" fact="0.1348"/>
+              <dgm:constr type="h" for="ch" forName="Accent7" refType="h" fact="0.806"/>
+              <dgm:constr type="r" for="ch" forName="ParentBackground7" refType="w" fact="0.3877"/>
+              <dgm:constr type="t" for="ch" forName="ParentBackground7" refType="h" fact="0.1262"/>
+              <dgm:constr type="w" for="ch" forName="ParentBackground7" refType="w" fact="0.089"/>
+              <dgm:constr type="h" for="ch" forName="ParentBackground7" refType="h" fact="0.5319"/>
+              <dgm:constr type="r" for="ch" forName="Child7" refType="w" fact="0.3877"/>
+              <dgm:constr type="t" for="ch" forName="Child7" refType="h" fact="0.6876"/>
+              <dgm:constr type="w" for="ch" forName="Child7" refType="w" fact="0.089"/>
+              <dgm:constr type="h" for="ch" forName="Child7" refType="h" fact="0.3124"/>
+              <dgm:constr type="r" for="ch" forName="Accent6" refType="w" fact="0.5092"/>
+              <dgm:constr type="t" for="ch" forName="Accent6" refType="h" fact="-0.0109"/>
+              <dgm:constr type="w" for="ch" forName="Accent6" refType="w" fact="0.1348"/>
+              <dgm:constr type="h" for="ch" forName="Accent6" refType="h" fact="0.806"/>
+              <dgm:constr type="r" for="ch" forName="ParentBackground6" refType="w" fact="0.4863"/>
+              <dgm:constr type="t" for="ch" forName="ParentBackground6" refType="h" fact="0.1262"/>
+              <dgm:constr type="w" for="ch" forName="ParentBackground6" refType="w" fact="0.089"/>
+              <dgm:constr type="h" for="ch" forName="ParentBackground6" refType="h" fact="0.5319"/>
+              <dgm:constr type="r" for="ch" forName="Child6" refType="w" fact="0.4863"/>
+              <dgm:constr type="t" for="ch" forName="Child6" refType="h" fact="0.6876"/>
+              <dgm:constr type="w" for="ch" forName="Child6" refType="w" fact="0.089"/>
+              <dgm:constr type="h" for="ch" forName="Child6" refType="h" fact="0.3124"/>
+              <dgm:constr type="r" for="ch" forName="Accent5" refType="w" fact="0.6077"/>
+              <dgm:constr type="t" for="ch" forName="Accent5" refType="h" fact="-0.0109"/>
+              <dgm:constr type="w" for="ch" forName="Accent5" refType="w" fact="0.1348"/>
+              <dgm:constr type="h" for="ch" forName="Accent5" refType="h" fact="0.806"/>
+              <dgm:constr type="r" for="ch" forName="ParentBackground5" refType="w" fact="0.5848"/>
+              <dgm:constr type="t" for="ch" forName="ParentBackground5" refType="h" fact="0.1262"/>
+              <dgm:constr type="w" for="ch" forName="ParentBackground5" refType="w" fact="0.089"/>
+              <dgm:constr type="h" for="ch" forName="ParentBackground5" refType="h" fact="0.5319"/>
+              <dgm:constr type="r" for="ch" forName="Child5" refType="w" fact="0.5848"/>
+              <dgm:constr type="t" for="ch" forName="Child5" refType="h" fact="0.6876"/>
+              <dgm:constr type="w" for="ch" forName="Child5" refType="w" fact="0.089"/>
+              <dgm:constr type="h" for="ch" forName="Child5" refType="h" fact="0.3124"/>
+              <dgm:constr type="r" for="ch" forName="Accent4" refType="w" fact="0.7062"/>
+              <dgm:constr type="t" for="ch" forName="Accent4" refType="h" fact="-0.0109"/>
+              <dgm:constr type="w" for="ch" forName="Accent4" refType="w" fact="0.1348"/>
+              <dgm:constr type="h" for="ch" forName="Accent4" refType="h" fact="0.806"/>
+              <dgm:constr type="r" for="ch" forName="ParentBackground4" refType="w" fact="0.6833"/>
+              <dgm:constr type="t" for="ch" forName="ParentBackground4" refType="h" fact="0.1262"/>
+              <dgm:constr type="w" for="ch" forName="ParentBackground4" refType="w" fact="0.089"/>
+              <dgm:constr type="h" for="ch" forName="ParentBackground4" refType="h" fact="0.5319"/>
+              <dgm:constr type="r" for="ch" forName="Child4" refType="w" fact="0.6833"/>
+              <dgm:constr type="t" for="ch" forName="Child4" refType="h" fact="0.6876"/>
+              <dgm:constr type="w" for="ch" forName="Child4" refType="w" fact="0.089"/>
+              <dgm:constr type="h" for="ch" forName="Child4" refType="h" fact="0.3124"/>
+              <dgm:constr type="r" for="ch" forName="Accent3" refType="w" fact="0.8048"/>
+              <dgm:constr type="t" for="ch" forName="Accent3" refType="h" fact="-0.0109"/>
+              <dgm:constr type="w" for="ch" forName="Accent3" refType="w" fact="0.1348"/>
+              <dgm:constr type="h" for="ch" forName="Accent3" refType="h" fact="0.806"/>
+              <dgm:constr type="r" for="ch" forName="ParentBackground3" refType="w" fact="0.7818"/>
+              <dgm:constr type="t" for="ch" forName="ParentBackground3" refType="h" fact="0.1262"/>
+              <dgm:constr type="w" for="ch" forName="ParentBackground3" refType="w" fact="0.089"/>
+              <dgm:constr type="h" for="ch" forName="ParentBackground3" refType="h" fact="0.5319"/>
+              <dgm:constr type="r" for="ch" forName="Child3" refType="w" fact="0.7818"/>
+              <dgm:constr type="t" for="ch" forName="Child3" refType="h" fact="0.6876"/>
+              <dgm:constr type="w" for="ch" forName="Child3" refType="w" fact="0.089"/>
+              <dgm:constr type="h" for="ch" forName="Child3" refType="h" fact="0.3124"/>
+              <dgm:constr type="r" for="ch" forName="Accent2" refType="w" fact="0.9033"/>
+              <dgm:constr type="t" for="ch" forName="Accent2" refType="h" fact="-0.0109"/>
+              <dgm:constr type="w" for="ch" forName="Accent2" refType="w" fact="0.1348"/>
+              <dgm:constr type="h" for="ch" forName="Accent2" refType="h" fact="0.806"/>
+              <dgm:constr type="r" for="ch" forName="ParentBackground2" refType="w" fact="0.8804"/>
+              <dgm:constr type="t" for="ch" forName="ParentBackground2" refType="h" fact="0.1262"/>
+              <dgm:constr type="w" for="ch" forName="ParentBackground2" refType="w" fact="0.089"/>
+              <dgm:constr type="h" for="ch" forName="ParentBackground2" refType="h" fact="0.5319"/>
+              <dgm:constr type="r" for="ch" forName="Child2" refType="w" fact="0.8804"/>
+              <dgm:constr type="t" for="ch" forName="Child2" refType="h" fact="0.6876"/>
+              <dgm:constr type="w" for="ch" forName="Child2" refType="w" fact="0.089"/>
+              <dgm:constr type="h" for="ch" forName="Child2" refType="h" fact="0.3124"/>
+              <dgm:constr type="r" for="ch" forName="Accent1" refType="w" fact="1.0018"/>
+              <dgm:constr type="t" for="ch" forName="Accent1" refType="h" fact="-0.0109"/>
+              <dgm:constr type="w" for="ch" forName="Accent1" refType="w" fact="0.1348"/>
+              <dgm:constr type="h" for="ch" forName="Accent1" refType="h" fact="0.806"/>
+              <dgm:constr type="r" for="ch" forName="ParentBackground1" refType="w" fact="0.9789"/>
+              <dgm:constr type="t" for="ch" forName="ParentBackground1" refType="h" fact="0.1262"/>
+              <dgm:constr type="w" for="ch" forName="ParentBackground1" refType="w" fact="0.089"/>
+              <dgm:constr type="h" for="ch" forName="ParentBackground1" refType="h" fact="0.5319"/>
+              <dgm:constr type="r" for="ch" forName="Child1" refType="w" fact="0.9789"/>
+              <dgm:constr type="t" for="ch" forName="Child1" refType="h" fact="0.6876"/>
+              <dgm:constr type="w" for="ch" forName="Child1" refType="w" fact="0.089"/>
+              <dgm:constr type="h" for="ch" forName="Child1" refType="h" fact="0.3124"/>
+            </dgm:constrLst>
+          </dgm:if>
+          <dgm:else name="Name27">
+            <dgm:alg type="composite">
+              <dgm:param type="ar" val="6.5658"/>
+            </dgm:alg>
+            <dgm:constrLst>
+              <dgm:constr type="primFontSz" for="des" forName="Child1" val="65"/>
+              <dgm:constr type="primFontSz" for="des" forName="Parent1" val="65"/>
+              <dgm:constr type="primFontSz" for="des" forName="Child1" refType="primFontSz" refFor="des" refForName="Parent1" op="lte"/>
+              <dgm:constr type="primFontSz" for="des" forName="Child2" refType="primFontSz" refFor="des" refForName="Parent1" op="lte"/>
+              <dgm:constr type="primFontSz" for="des" forName="Child3" refType="primFontSz" refFor="des" refForName="Parent1" op="lte"/>
+              <dgm:constr type="primFontSz" for="des" forName="Child4" refType="primFontSz" refFor="des" refForName="Parent1" op="lte"/>
+              <dgm:constr type="primFontSz" for="des" forName="Child5" refType="primFontSz" refFor="des" refForName="Parent1" op="lte"/>
+              <dgm:constr type="primFontSz" for="des" forName="Child6" refType="primFontSz" refFor="des" refForName="Parent1" op="lte"/>
+              <dgm:constr type="primFontSz" for="des" forName="Child7" refType="primFontSz" refFor="des" refForName="Parent1" op="lte"/>
+              <dgm:constr type="primFontSz" for="des" forName="Child8" refType="primFontSz" refFor="des" refForName="Parent1" op="lte"/>
+              <dgm:constr type="primFontSz" for="des" forName="Child9" refType="primFontSz" refFor="des" refForName="Parent1" op="lte"/>
+              <dgm:constr type="primFontSz" for="des" forName="Child10" refType="primFontSz" refFor="des" refForName="Parent1" op="lte"/>
+              <dgm:constr type="primFontSz" for="des" forName="Child11" refType="primFontSz" refFor="des" refForName="Parent1" op="lte"/>
+              <dgm:constr type="primFontSz" for="des" forName="Child1" refType="primFontSz" refFor="des" refForName="Parent2" op="lte"/>
+              <dgm:constr type="primFontSz" for="des" forName="Child2" refType="primFontSz" refFor="des" refForName="Parent2" op="lte"/>
+              <dgm:constr type="primFontSz" for="des" forName="Child3" refType="primFontSz" refFor="des" refForName="Parent2" op="lte"/>
+              <dgm:constr type="primFontSz" for="des" forName="Child4" refType="primFontSz" refFor="des" refForName="Parent2" op="lte"/>
+              <dgm:constr type="primFontSz" for="des" forName="Child5" refType="primFontSz" refFor="des" refForName="Parent2" op="lte"/>
+              <dgm:constr type="primFontSz" for="des" forName="Child6" refType="primFontSz" refFor="des" refForName="Parent2" op="lte"/>
+              <dgm:constr type="primFontSz" for="des" forName="Child7" refType="primFontSz" refFor="des" refForName="Parent2" op="lte"/>
+              <dgm:constr type="primFontSz" for="des" forName="Child8" refType="primFontSz" refFor="des" refForName="Parent2" op="lte"/>
+              <dgm:constr type="primFontSz" for="des" forName="Child9" refType="primFontSz" refFor="des" refForName="Parent2" op="lte"/>
+              <dgm:constr type="primFontSz" for="des" forName="Child10" refType="primFontSz" refFor="des" refForName="Parent2" op="lte"/>
+              <dgm:constr type="primFontSz" for="des" forName="Child11" refType="primFontSz" refFor="des" refForName="Parent2" op="lte"/>
+              <dgm:constr type="primFontSz" for="des" forName="Child1" refType="primFontSz" refFor="des" refForName="Parent3" op="lte"/>
+              <dgm:constr type="primFontSz" for="des" forName="Child2" refType="primFontSz" refFor="des" refForName="Parent3" op="lte"/>
+              <dgm:constr type="primFontSz" for="des" forName="Child3" refType="primFontSz" refFor="des" refForName="Parent3" op="lte"/>
+              <dgm:constr type="primFontSz" for="des" forName="Child4" refType="primFontSz" refFor="des" refForName="Parent3" op="lte"/>
+              <dgm:constr type="primFontSz" for="des" forName="Child5" refType="primFontSz" refFor="des" refForName="Parent3" op="lte"/>
+              <dgm:constr type="primFontSz" for="des" forName="Child6" refType="primFontSz" refFor="des" refForName="Parent3" op="lte"/>
+              <dgm:constr type="primFontSz" for="des" forName="Child7" refType="primFontSz" refFor="des" refForName="Parent3" op="lte"/>
+              <dgm:constr type="primFontSz" for="des" forName="Child8" refType="primFontSz" refFor="des" refForName="Parent3" op="lte"/>
+              <dgm:constr type="primFontSz" for="des" forName="Child9" refType="primFontSz" refFor="des" refForName="Parent3" op="lte"/>
+              <dgm:constr type="primFontSz" for="des" forName="Child10" refType="primFontSz" refFor="des" refForName="Parent3" op="lte"/>
+              <dgm:constr type="primFontSz" for="des" forName="Child11" refType="primFontSz" refFor="des" refForName="Parent3" op="lte"/>
+              <dgm:constr type="primFontSz" for="des" forName="Child1" refType="primFontSz" refFor="des" refForName="Parent4" op="lte"/>
+              <dgm:constr type="primFontSz" for="des" forName="Child2" refType="primFontSz" refFor="des" refForName="Parent4" op="lte"/>
+              <dgm:constr type="primFontSz" for="des" forName="Child3" refType="primFontSz" refFor="des" refForName="Parent4" op="lte"/>
+              <dgm:constr type="primFontSz" for="des" forName="Child4" refType="primFontSz" refFor="des" refForName="Parent4" op="lte"/>
+              <dgm:constr type="primFontSz" for="des" forName="Child5" refType="primFontSz" refFor="des" refForName="Parent4" op="lte"/>
+              <dgm:constr type="primFontSz" for="des" forName="Child6" refType="primFontSz" refFor="des" refForName="Parent4" op="lte"/>
+              <dgm:constr type="primFontSz" for="des" forName="Child7" refType="primFontSz" refFor="des" refForName="Parent4" op="lte"/>
+              <dgm:constr type="primFontSz" for="des" forName="Child8" refType="primFontSz" refFor="des" refForName="Parent4" op="lte"/>
+              <dgm:constr type="primFontSz" for="des" forName="Child9" refType="primFontSz" refFor="des" refForName="Parent4" op="lte"/>
+              <dgm:constr type="primFontSz" for="des" forName="Child10" refType="primFontSz" refFor="des" refForName="Parent4" op="lte"/>
+              <dgm:constr type="primFontSz" for="des" forName="Child11" refType="primFontSz" refFor="des" refForName="Parent4" op="lte"/>
+              <dgm:constr type="primFontSz" for="des" forName="Child1" refType="primFontSz" refFor="des" refForName="Parent5" op="lte"/>
+              <dgm:constr type="primFontSz" for="des" forName="Child2" refType="primFontSz" refFor="des" refForName="Parent5" op="lte"/>
+              <dgm:constr type="primFontSz" for="des" forName="Child3" refType="primFontSz" refFor="des" refForName="Parent5" op="lte"/>
+              <dgm:constr type="primFontSz" for="des" forName="Child4" refType="primFontSz" refFor="des" refForName="Parent5" op="lte"/>
+              <dgm:constr type="primFontSz" for="des" forName="Child5" refType="primFontSz" refFor="des" refForName="Parent5" op="lte"/>
+              <dgm:constr type="primFontSz" for="des" forName="Child6" refType="primFontSz" refFor="des" refForName="Parent5" op="lte"/>
+              <dgm:constr type="primFontSz" for="des" forName="Child7" refType="primFontSz" refFor="des" refForName="Parent5" op="lte"/>
+              <dgm:constr type="primFontSz" for="des" forName="Child8" refType="primFontSz" refFor="des" refForName="Parent5" op="lte"/>
+              <dgm:constr type="primFontSz" for="des" forName="Child9" refType="primFontSz" refFor="des" refForName="Parent5" op="lte"/>
+              <dgm:constr type="primFontSz" for="des" forName="Child10" refType="primFontSz" refFor="des" refForName="Parent5" op="lte"/>
+              <dgm:constr type="primFontSz" for="des" forName="Child11" refType="primFontSz" refFor="des" refForName="Parent5" op="lte"/>
+              <dgm:constr type="primFontSz" for="des" forName="Child1" refType="primFontSz" refFor="des" refForName="Parent6" op="lte"/>
+              <dgm:constr type="primFontSz" for="des" forName="Child2" refType="primFontSz" refFor="des" refForName="Parent6" op="lte"/>
+              <dgm:constr type="primFontSz" for="des" forName="Child3" refType="primFontSz" refFor="des" refForName="Parent6" op="lte"/>
+              <dgm:constr type="primFontSz" for="des" forName="Child4" refType="primFontSz" refFor="des" refForName="Parent6" op="lte"/>
+              <dgm:constr type="primFontSz" for="des" forName="Child5" refType="primFontSz" refFor="des" refForName="Parent6" op="lte"/>
+              <dgm:constr type="primFontSz" for="des" forName="Child6" refType="primFontSz" refFor="des" refForName="Parent6" op="lte"/>
+              <dgm:constr type="primFontSz" for="des" forName="Child7" refType="primFontSz" refFor="des" refForName="Parent6" op="lte"/>
+              <dgm:constr type="primFontSz" for="des" forName="Child8" refType="primFontSz" refFor="des" refForName="Parent6" op="lte"/>
+              <dgm:constr type="primFontSz" for="des" forName="Child9" refType="primFontSz" refFor="des" refForName="Parent6" op="lte"/>
+              <dgm:constr type="primFontSz" for="des" forName="Child10" refType="primFontSz" refFor="des" refForName="Parent6" op="lte"/>
+              <dgm:constr type="primFontSz" for="des" forName="Child11" refType="primFontSz" refFor="des" refForName="Parent6" op="lte"/>
+              <dgm:constr type="primFontSz" for="des" forName="Child1" refType="primFontSz" refFor="des" refForName="Parent7" op="lte"/>
+              <dgm:constr type="primFontSz" for="des" forName="Child2" refType="primFontSz" refFor="des" refForName="Parent7" op="lte"/>
+              <dgm:constr type="primFontSz" for="des" forName="Child3" refType="primFontSz" refFor="des" refForName="Parent7" op="lte"/>
+              <dgm:constr type="primFontSz" for="des" forName="Child4" refType="primFontSz" refFor="des" refForName="Parent7" op="lte"/>
+              <dgm:constr type="primFontSz" for="des" forName="Child5" refType="primFontSz" refFor="des" refForName="Parent7" op="lte"/>
+              <dgm:constr type="primFontSz" for="des" forName="Child6" refType="primFontSz" refFor="des" refForName="Parent7" op="lte"/>
+              <dgm:constr type="primFontSz" for="des" forName="Child7" refType="primFontSz" refFor="des" refForName="Parent7" op="lte"/>
+              <dgm:constr type="primFontSz" for="des" forName="Child8" refType="primFontSz" refFor="des" refForName="Parent7" op="lte"/>
+              <dgm:constr type="primFontSz" for="des" forName="Child9" refType="primFontSz" refFor="des" refForName="Parent7" op="lte"/>
+              <dgm:constr type="primFontSz" for="des" forName="Child10" refType="primFontSz" refFor="des" refForName="Parent7" op="lte"/>
+              <dgm:constr type="primFontSz" for="des" forName="Child11" refType="primFontSz" refFor="des" refForName="Parent7" op="lte"/>
+              <dgm:constr type="primFontSz" for="des" forName="Child1" refType="primFontSz" refFor="des" refForName="Parent8" op="lte"/>
+              <dgm:constr type="primFontSz" for="des" forName="Child2" refType="primFontSz" refFor="des" refForName="Parent8" op="lte"/>
+              <dgm:constr type="primFontSz" for="des" forName="Child3" refType="primFontSz" refFor="des" refForName="Parent8" op="lte"/>
+              <dgm:constr type="primFontSz" for="des" forName="Child4" refType="primFontSz" refFor="des" refForName="Parent8" op="lte"/>
+              <dgm:constr type="primFontSz" for="des" forName="Child5" refType="primFontSz" refFor="des" refForName="Parent8" op="lte"/>
+              <dgm:constr type="primFontSz" for="des" forName="Child6" refType="primFontSz" refFor="des" refForName="Parent8" op="lte"/>
+              <dgm:constr type="primFontSz" for="des" forName="Child7" refType="primFontSz" refFor="des" refForName="Parent8" op="lte"/>
+              <dgm:constr type="primFontSz" for="des" forName="Child8" refType="primFontSz" refFor="des" refForName="Parent8" op="lte"/>
+              <dgm:constr type="primFontSz" for="des" forName="Child9" refType="primFontSz" refFor="des" refForName="Parent8" op="lte"/>
+              <dgm:constr type="primFontSz" for="des" forName="Child10" refType="primFontSz" refFor="des" refForName="Parent8" op="lte"/>
+              <dgm:constr type="primFontSz" for="des" forName="Child11" refType="primFontSz" refFor="des" refForName="Parent8" op="lte"/>
+              <dgm:constr type="primFontSz" for="des" forName="Child1" refType="primFontSz" refFor="des" refForName="Parent9" op="lte"/>
+              <dgm:constr type="primFontSz" for="des" forName="Child2" refType="primFontSz" refFor="des" refForName="Parent9" op="lte"/>
+              <dgm:constr type="primFontSz" for="des" forName="Child3" refType="primFontSz" refFor="des" refForName="Parent9" op="lte"/>
+              <dgm:constr type="primFontSz" for="des" forName="Child4" refType="primFontSz" refFor="des" refForName="Parent9" op="lte"/>
+              <dgm:constr type="primFontSz" for="des" forName="Child5" refType="primFontSz" refFor="des" refForName="Parent9" op="lte"/>
+              <dgm:constr type="primFontSz" for="des" forName="Child6" refType="primFontSz" refFor="des" refForName="Parent9" op="lte"/>
+              <dgm:constr type="primFontSz" for="des" forName="Child7" refType="primFontSz" refFor="des" refForName="Parent9" op="lte"/>
+              <dgm:constr type="primFontSz" for="des" forName="Child8" refType="primFontSz" refFor="des" refForName="Parent9" op="lte"/>
+              <dgm:constr type="primFontSz" for="des" forName="Child9" refType="primFontSz" refFor="des" refForName="Parent9" op="lte"/>
+              <dgm:constr type="primFontSz" for="des" forName="Child10" refType="primFontSz" refFor="des" refForName="Parent9" op="lte"/>
+              <dgm:constr type="primFontSz" for="des" forName="Child11" refType="primFontSz" refFor="des" refForName="Parent9" op="lte"/>
+              <dgm:constr type="primFontSz" for="des" forName="Child1" refType="primFontSz" refFor="des" refForName="Parent10" op="lte"/>
+              <dgm:constr type="primFontSz" for="des" forName="Child2" refType="primFontSz" refFor="des" refForName="Parent10" op="lte"/>
+              <dgm:constr type="primFontSz" for="des" forName="Child3" refType="primFontSz" refFor="des" refForName="Parent10" op="lte"/>
+              <dgm:constr type="primFontSz" for="des" forName="Child4" refType="primFontSz" refFor="des" refForName="Parent10" op="lte"/>
+              <dgm:constr type="primFontSz" for="des" forName="Child5" refType="primFontSz" refFor="des" refForName="Parent10" op="lte"/>
+              <dgm:constr type="primFontSz" for="des" forName="Child6" refType="primFontSz" refFor="des" refForName="Parent10" op="lte"/>
+              <dgm:constr type="primFontSz" for="des" forName="Child7" refType="primFontSz" refFor="des" refForName="Parent10" op="lte"/>
+              <dgm:constr type="primFontSz" for="des" forName="Child8" refType="primFontSz" refFor="des" refForName="Parent10" op="lte"/>
+              <dgm:constr type="primFontSz" for="des" forName="Child9" refType="primFontSz" refFor="des" refForName="Parent10" op="lte"/>
+              <dgm:constr type="primFontSz" for="des" forName="Child10" refType="primFontSz" refFor="des" refForName="Parent10" op="lte"/>
+              <dgm:constr type="primFontSz" for="des" forName="Child11" refType="primFontSz" refFor="des" refForName="Parent10" op="lte"/>
+              <dgm:constr type="primFontSz" for="des" forName="Child1" refType="primFontSz" refFor="des" refForName="Parent11" op="lte"/>
+              <dgm:constr type="primFontSz" for="des" forName="Child2" refType="primFontSz" refFor="des" refForName="Parent11" op="lte"/>
+              <dgm:constr type="primFontSz" for="des" forName="Child3" refType="primFontSz" refFor="des" refForName="Parent11" op="lte"/>
+              <dgm:constr type="primFontSz" for="des" forName="Child4" refType="primFontSz" refFor="des" refForName="Parent11" op="lte"/>
+              <dgm:constr type="primFontSz" for="des" forName="Child5" refType="primFontSz" refFor="des" refForName="Parent11" op="lte"/>
+              <dgm:constr type="primFontSz" for="des" forName="Child6" refType="primFontSz" refFor="des" refForName="Parent11" op="lte"/>
+              <dgm:constr type="primFontSz" for="des" forName="Child7" refType="primFontSz" refFor="des" refForName="Parent11" op="lte"/>
+              <dgm:constr type="primFontSz" for="des" forName="Child8" refType="primFontSz" refFor="des" refForName="Parent11" op="lte"/>
+              <dgm:constr type="primFontSz" for="des" forName="Child9" refType="primFontSz" refFor="des" refForName="Parent11" op="lte"/>
+              <dgm:constr type="primFontSz" for="des" forName="Child10" refType="primFontSz" refFor="des" refForName="Parent11" op="lte"/>
+              <dgm:constr type="primFontSz" for="des" forName="Child11" refType="primFontSz" refFor="des" refForName="Parent11" op="lte"/>
+              <dgm:constr type="primFontSz" for="des" forName="Parent2" refType="primFontSz" refFor="des" refForName="Parent1" op="equ"/>
+              <dgm:constr type="primFontSz" for="des" forName="Parent3" refType="primFontSz" refFor="des" refForName="Parent1" op="equ"/>
+              <dgm:constr type="primFontSz" for="des" forName="Parent4" refType="primFontSz" refFor="des" refForName="Parent1" op="equ"/>
+              <dgm:constr type="primFontSz" for="des" forName="Parent5" refType="primFontSz" refFor="des" refForName="Parent1" op="equ"/>
+              <dgm:constr type="primFontSz" for="des" forName="Parent6" refType="primFontSz" refFor="des" refForName="Parent1" op="equ"/>
+              <dgm:constr type="primFontSz" for="des" forName="Parent7" refType="primFontSz" refFor="des" refForName="Parent1" op="equ"/>
+              <dgm:constr type="primFontSz" for="des" forName="Parent8" refType="primFontSz" refFor="des" refForName="Parent1" op="equ"/>
+              <dgm:constr type="primFontSz" for="des" forName="Parent9" refType="primFontSz" refFor="des" refForName="Parent1" op="equ"/>
+              <dgm:constr type="primFontSz" for="des" forName="Parent10" refType="primFontSz" refFor="des" refForName="Parent1" op="equ"/>
+              <dgm:constr type="primFontSz" for="des" forName="Parent11" refType="primFontSz" refFor="des" refForName="Parent1" op="equ"/>
+              <dgm:constr type="primFontSz" for="des" forName="Child2" refType="primFontSz" refFor="des" refForName="Child1" op="equ"/>
+              <dgm:constr type="primFontSz" for="des" forName="Child3" refType="primFontSz" refFor="des" refForName="Child1" op="equ"/>
+              <dgm:constr type="primFontSz" for="des" forName="Child4" refType="primFontSz" refFor="des" refForName="Child1" op="equ"/>
+              <dgm:constr type="primFontSz" for="des" forName="Child5" refType="primFontSz" refFor="des" refForName="Child1" op="equ"/>
+              <dgm:constr type="primFontSz" for="des" forName="Child6" refType="primFontSz" refFor="des" refForName="Child1" op="equ"/>
+              <dgm:constr type="primFontSz" for="des" forName="Child7" refType="primFontSz" refFor="des" refForName="Child1" op="equ"/>
+              <dgm:constr type="primFontSz" for="des" forName="Child8" refType="primFontSz" refFor="des" refForName="Child1" op="equ"/>
+              <dgm:constr type="primFontSz" for="des" forName="Child9" refType="primFontSz" refFor="des" refForName="Child1" op="equ"/>
+              <dgm:constr type="primFontSz" for="des" forName="Child10" refType="primFontSz" refFor="des" refForName="Child1" op="equ"/>
+              <dgm:constr type="primFontSz" for="des" forName="Child11" refType="primFontSz" refFor="des" refForName="Child1" op="equ"/>
+              <dgm:constr type="r" for="ch" forName="Parent11" refType="w" fact="0.0723"/>
+              <dgm:constr type="t" for="ch" forName="Parent11" refType="h" fact="0.2022"/>
+              <dgm:constr type="w" for="ch" forName="Parent11" refType="w" fact="0.0579"/>
+              <dgm:constr type="h" for="ch" forName="Parent11" refType="h" fact="0.3799"/>
+              <dgm:constr type="r" for="ch" forName="Parent10" refType="w" fact="0.162"/>
+              <dgm:constr type="t" for="ch" forName="Parent10" refType="h" fact="0.2022"/>
+              <dgm:constr type="w" for="ch" forName="Parent10" refType="w" fact="0.0579"/>
+              <dgm:constr type="h" for="ch" forName="Parent10" refType="h" fact="0.3799"/>
+              <dgm:constr type="r" for="ch" forName="Parent9" refType="w" fact="0.2517"/>
+              <dgm:constr type="t" for="ch" forName="Parent9" refType="h" fact="0.2022"/>
+              <dgm:constr type="w" for="ch" forName="Parent9" refType="w" fact="0.0579"/>
+              <dgm:constr type="h" for="ch" forName="Parent9" refType="h" fact="0.3799"/>
+              <dgm:constr type="r" for="ch" forName="Parent8" refType="w" fact="0.3414"/>
+              <dgm:constr type="t" for="ch" forName="Parent8" refType="h" fact="0.2022"/>
+              <dgm:constr type="w" for="ch" forName="Parent8" refType="w" fact="0.0579"/>
+              <dgm:constr type="h" for="ch" forName="Parent8" refType="h" fact="0.3799"/>
+              <dgm:constr type="r" for="ch" forName="Parent7" refType="w" fact="0.4311"/>
+              <dgm:constr type="t" for="ch" forName="Parent7" refType="h" fact="0.2022"/>
+              <dgm:constr type="w" for="ch" forName="Parent7" refType="w" fact="0.0579"/>
+              <dgm:constr type="h" for="ch" forName="Parent7" refType="h" fact="0.3799"/>
+              <dgm:constr type="r" for="ch" forName="Parent6" refType="w" fact="0.5208"/>
+              <dgm:constr type="t" for="ch" forName="Parent6" refType="h" fact="0.2022"/>
+              <dgm:constr type="w" for="ch" forName="Parent6" refType="w" fact="0.0579"/>
+              <dgm:constr type="h" for="ch" forName="Parent6" refType="h" fact="0.3799"/>
+              <dgm:constr type="r" for="ch" forName="Parent5" refType="w" fact="0.6105"/>
+              <dgm:constr type="t" for="ch" forName="Parent5" refType="h" fact="0.2022"/>
+              <dgm:constr type="w" for="ch" forName="Parent5" refType="w" fact="0.0579"/>
+              <dgm:constr type="h" for="ch" forName="Parent5" refType="h" fact="0.3799"/>
+              <dgm:constr type="r" for="ch" forName="Parent4" refType="w" fact="0.7001"/>
+              <dgm:constr type="t" for="ch" forName="Parent4" refType="h" fact="0.2022"/>
+              <dgm:constr type="w" for="ch" forName="Parent4" refType="w" fact="0.0579"/>
+              <dgm:constr type="h" for="ch" forName="Parent4" refType="h" fact="0.3799"/>
+              <dgm:constr type="r" for="ch" forName="Parent3" refType="w" fact="0.7898"/>
+              <dgm:constr type="t" for="ch" forName="Parent3" refType="h" fact="0.2022"/>
+              <dgm:constr type="w" for="ch" forName="Parent3" refType="w" fact="0.0579"/>
+              <dgm:constr type="h" for="ch" forName="Parent3" refType="h" fact="0.3799"/>
+              <dgm:constr type="r" for="ch" forName="Parent2" refType="w" fact="0.8795"/>
+              <dgm:constr type="t" for="ch" forName="Parent2" refType="h" fact="0.2022"/>
+              <dgm:constr type="w" for="ch" forName="Parent2" refType="w" fact="0.0579"/>
+              <dgm:constr type="h" for="ch" forName="Parent2" refType="h" fact="0.3799"/>
+              <dgm:constr type="r" for="ch" forName="Parent1" refType="w" fact="0.9692"/>
+              <dgm:constr type="t" for="ch" forName="Parent1" refType="h" fact="0.2022"/>
+              <dgm:constr type="w" for="ch" forName="Parent1" refType="w" fact="0.0579"/>
+              <dgm:constr type="h" for="ch" forName="Parent1" refType="h" fact="0.3799"/>
+              <dgm:constr type="r" for="ch" forName="Accent11" refType="w" fact="0.0868"/>
+              <dgm:constr type="t" for="ch" forName="Accent11" refType="h" fact="0.1072"/>
+              <dgm:constr type="w" for="ch" forName="Accent11" refType="w" fact="0.0868"/>
+              <dgm:constr type="h" for="ch" forName="Accent11" refType="h" fact="0.5699"/>
+              <dgm:constr type="r" for="ch" forName="ParentBackground11" refType="w" fact="0.0839"/>
+              <dgm:constr type="t" for="ch" forName="ParentBackground11" refType="h" fact="0.1262"/>
+              <dgm:constr type="w" for="ch" forName="ParentBackground11" refType="w" fact="0.081"/>
+              <dgm:constr type="h" for="ch" forName="ParentBackground11" refType="h" fact="0.5319"/>
+              <dgm:constr type="r" for="ch" forName="Child11" refType="w" fact="0.0839"/>
+              <dgm:constr type="t" for="ch" forName="Child11" refType="h" fact="0.6876"/>
+              <dgm:constr type="w" for="ch" forName="Child11" refType="w" fact="0.081"/>
+              <dgm:constr type="h" for="ch" forName="Child11" refType="h" fact="0.3124"/>
+              <dgm:constr type="r" for="ch" forName="Accent10" refType="w" fact="0.1945"/>
+              <dgm:constr type="t" for="ch" forName="Accent10" refType="h" fact="-0.0109"/>
+              <dgm:constr type="w" for="ch" forName="Accent10" refType="w" fact="0.1228"/>
+              <dgm:constr type="h" for="ch" forName="Accent10" refType="h" fact="0.806"/>
+              <dgm:constr type="r" for="ch" forName="ParentBackground10" refType="w" fact="0.1736"/>
+              <dgm:constr type="t" for="ch" forName="ParentBackground10" refType="h" fact="0.1262"/>
+              <dgm:constr type="w" for="ch" forName="ParentBackground10" refType="w" fact="0.081"/>
+              <dgm:constr type="h" for="ch" forName="ParentBackground10" refType="h" fact="0.5319"/>
+              <dgm:constr type="r" for="ch" forName="Child10" refType="w" fact="0.1736"/>
+              <dgm:constr type="t" for="ch" forName="Child10" refType="h" fact="0.6876"/>
+              <dgm:constr type="w" for="ch" forName="Child10" refType="w" fact="0.081"/>
+              <dgm:constr type="h" for="ch" forName="Child10" refType="h" fact="0.3124"/>
+              <dgm:constr type="r" for="ch" forName="Accent9" refType="w" fact="0.2842"/>
+              <dgm:constr type="t" for="ch" forName="Accent9" refType="h" fact="-0.0109"/>
+              <dgm:constr type="w" for="ch" forName="Accent9" refType="w" fact="0.1228"/>
+              <dgm:constr type="h" for="ch" forName="Accent9" refType="h" fact="0.806"/>
+              <dgm:constr type="r" for="ch" forName="ParentBackground9" refType="w" fact="0.2633"/>
+              <dgm:constr type="t" for="ch" forName="ParentBackground9" refType="h" fact="0.1262"/>
+              <dgm:constr type="w" for="ch" forName="ParentBackground9" refType="w" fact="0.081"/>
+              <dgm:constr type="h" for="ch" forName="ParentBackground9" refType="h" fact="0.5319"/>
+              <dgm:constr type="r" for="ch" forName="Child9" refType="w" fact="0.2633"/>
+              <dgm:constr type="t" for="ch" forName="Child9" refType="h" fact="0.6876"/>
+              <dgm:constr type="w" for="ch" forName="Child9" refType="w" fact="0.081"/>
+              <dgm:constr type="h" for="ch" forName="Child9" refType="h" fact="0.3124"/>
+              <dgm:constr type="r" for="ch" forName="Accent8" refType="w" fact="0.3739"/>
+              <dgm:constr type="t" for="ch" forName="Accent8" refType="h" fact="-0.0109"/>
+              <dgm:constr type="w" for="ch" forName="Accent8" refType="w" fact="0.1228"/>
+              <dgm:constr type="h" for="ch" forName="Accent8" refType="h" fact="0.806"/>
+              <dgm:constr type="r" for="ch" forName="ParentBackground8" refType="w" fact="0.353"/>
+              <dgm:constr type="t" for="ch" forName="ParentBackground8" refType="h" fact="0.1262"/>
+              <dgm:constr type="w" for="ch" forName="ParentBackground8" refType="w" fact="0.081"/>
+              <dgm:constr type="h" for="ch" forName="ParentBackground8" refType="h" fact="0.5319"/>
+              <dgm:constr type="r" for="ch" forName="Child8" refType="w" fact="0.353"/>
+              <dgm:constr type="t" for="ch" forName="Child8" refType="h" fact="0.6876"/>
+              <dgm:constr type="w" for="ch" forName="Child8" refType="w" fact="0.081"/>
+              <dgm:constr type="h" for="ch" forName="Child8" refType="h" fact="0.3124"/>
+              <dgm:constr type="r" for="ch" forName="Accent7" refType="w" fact="0.4636"/>
+              <dgm:constr type="t" for="ch" forName="Accent7" refType="h" fact="-0.0109"/>
+              <dgm:constr type="w" for="ch" forName="Accent7" refType="w" fact="0.1228"/>
+              <dgm:constr type="h" for="ch" forName="Accent7" refType="h" fact="0.806"/>
+              <dgm:constr type="r" for="ch" forName="ParentBackground7" refType="w" fact="0.4427"/>
+              <dgm:constr type="t" for="ch" forName="ParentBackground7" refType="h" fact="0.1262"/>
+              <dgm:constr type="w" for="ch" forName="ParentBackground7" refType="w" fact="0.081"/>
+              <dgm:constr type="h" for="ch" forName="ParentBackground7" refType="h" fact="0.5319"/>
+              <dgm:constr type="r" for="ch" forName="Child7" refType="w" fact="0.4427"/>
+              <dgm:constr type="t" for="ch" forName="Child7" refType="h" fact="0.6876"/>
+              <dgm:constr type="w" for="ch" forName="Child7" refType="w" fact="0.081"/>
+              <dgm:constr type="h" for="ch" forName="Child7" refType="h" fact="0.3124"/>
+              <dgm:constr type="r" for="ch" forName="Accent6" refType="w" fact="0.5533"/>
+              <dgm:constr type="t" for="ch" forName="Accent6" refType="h" fact="-0.0109"/>
+              <dgm:constr type="w" for="ch" forName="Accent6" refType="w" fact="0.1228"/>
+              <dgm:constr type="h" for="ch" forName="Accent6" refType="h" fact="0.806"/>
+              <dgm:constr type="r" for="ch" forName="ParentBackground6" refType="w" fact="0.5323"/>
+              <dgm:constr type="t" for="ch" forName="ParentBackground6" refType="h" fact="0.1262"/>
+              <dgm:constr type="w" for="ch" forName="ParentBackground6" refType="w" fact="0.081"/>
+              <dgm:constr type="h" for="ch" forName="ParentBackground6" refType="h" fact="0.5319"/>
+              <dgm:constr type="r" for="ch" forName="Child6" refType="w" fact="0.5323"/>
+              <dgm:constr type="t" for="ch" forName="Child6" refType="h" fact="0.6876"/>
+              <dgm:constr type="w" for="ch" forName="Child6" refType="w" fact="0.081"/>
+              <dgm:constr type="h" for="ch" forName="Child6" refType="h" fact="0.3124"/>
+              <dgm:constr type="r" for="ch" forName="Accent5" refType="w" fact="0.6429"/>
+              <dgm:constr type="t" for="ch" forName="Accent5" refType="h" fact="-0.0109"/>
+              <dgm:constr type="w" for="ch" forName="Accent5" refType="w" fact="0.1228"/>
+              <dgm:constr type="h" for="ch" forName="Accent5" refType="h" fact="0.806"/>
+              <dgm:constr type="r" for="ch" forName="ParentBackground5" refType="w" fact="0.622"/>
+              <dgm:constr type="t" for="ch" forName="ParentBackground5" refType="h" fact="0.1262"/>
+              <dgm:constr type="w" for="ch" forName="ParentBackground5" refType="w" fact="0.081"/>
+              <dgm:constr type="h" for="ch" forName="ParentBackground5" refType="h" fact="0.5319"/>
+              <dgm:constr type="r" for="ch" forName="Child5" refType="w" fact="0.622"/>
+              <dgm:constr type="t" for="ch" forName="Child5" refType="h" fact="0.6876"/>
+              <dgm:constr type="w" for="ch" forName="Child5" refType="w" fact="0.081"/>
+              <dgm:constr type="h" for="ch" forName="Child5" refType="h" fact="0.3124"/>
+              <dgm:constr type="r" for="ch" forName="Accent4" refType="w" fact="0.7326"/>
+              <dgm:constr type="t" for="ch" forName="Accent4" refType="h" fact="-0.0109"/>
+              <dgm:constr type="w" for="ch" forName="Accent4" refType="w" fact="0.1228"/>
+              <dgm:constr type="h" for="ch" forName="Accent4" refType="h" fact="0.806"/>
+              <dgm:constr type="r" for="ch" forName="ParentBackground4" refType="w" fact="0.7117"/>
+              <dgm:constr type="t" for="ch" forName="ParentBackground4" refType="h" fact="0.1262"/>
+              <dgm:constr type="w" for="ch" forName="ParentBackground4" refType="w" fact="0.081"/>
+              <dgm:constr type="h" for="ch" forName="ParentBackground4" refType="h" fact="0.5319"/>
+              <dgm:constr type="r" for="ch" forName="Child4" refType="w" fact="0.7117"/>
+              <dgm:constr type="t" for="ch" forName="Child4" refType="h" fact="0.6876"/>
+              <dgm:constr type="w" for="ch" forName="Child4" refType="w" fact="0.081"/>
+              <dgm:constr type="h" for="ch" forName="Child4" refType="h" fact="0.3124"/>
+              <dgm:constr type="r" for="ch" forName="Accent3" refType="w" fact="0.8223"/>
+              <dgm:constr type="t" for="ch" forName="Accent3" refType="h" fact="-0.0109"/>
+              <dgm:constr type="w" for="ch" forName="Accent3" refType="w" fact="0.1228"/>
+              <dgm:constr type="h" for="ch" forName="Accent3" refType="h" fact="0.806"/>
+              <dgm:constr type="r" for="ch" forName="ParentBackground3" refType="w" fact="0.8014"/>
+              <dgm:constr type="t" for="ch" forName="ParentBackground3" refType="h" fact="0.1262"/>
+              <dgm:constr type="w" for="ch" forName="ParentBackground3" refType="w" fact="0.081"/>
+              <dgm:constr type="h" for="ch" forName="ParentBackground3" refType="h" fact="0.5319"/>
+              <dgm:constr type="r" for="ch" forName="Child3" refType="w" fact="0.8014"/>
+              <dgm:constr type="t" for="ch" forName="Child3" refType="h" fact="0.6876"/>
+              <dgm:constr type="w" for="ch" forName="Child3" refType="w" fact="0.081"/>
+              <dgm:constr type="h" for="ch" forName="Child3" refType="h" fact="0.3124"/>
+              <dgm:constr type="r" for="ch" forName="Accent2" refType="w" fact="0.912"/>
+              <dgm:constr type="t" for="ch" forName="Accent2" refType="h" fact="-0.0109"/>
+              <dgm:constr type="w" for="ch" forName="Accent2" refType="w" fact="0.1228"/>
+              <dgm:constr type="h" for="ch" forName="Accent2" refType="h" fact="0.806"/>
+              <dgm:constr type="r" for="ch" forName="ParentBackground2" refType="w" fact="0.8911"/>
+              <dgm:constr type="t" for="ch" forName="ParentBackground2" refType="h" fact="0.1262"/>
+              <dgm:constr type="w" for="ch" forName="ParentBackground2" refType="w" fact="0.081"/>
+              <dgm:constr type="h" for="ch" forName="ParentBackground2" refType="h" fact="0.5319"/>
+              <dgm:constr type="r" for="ch" forName="Child2" refType="w" fact="0.8911"/>
+              <dgm:constr type="t" for="ch" forName="Child2" refType="h" fact="0.6876"/>
+              <dgm:constr type="w" for="ch" forName="Child2" refType="w" fact="0.081"/>
+              <dgm:constr type="h" for="ch" forName="Child2" refType="h" fact="0.3124"/>
+              <dgm:constr type="r" for="ch" forName="Accent1" refType="w" fact="1.0017"/>
+              <dgm:constr type="t" for="ch" forName="Accent1" refType="h" fact="-0.0109"/>
+              <dgm:constr type="w" for="ch" forName="Accent1" refType="w" fact="0.1228"/>
+              <dgm:constr type="h" for="ch" forName="Accent1" refType="h" fact="0.806"/>
+              <dgm:constr type="r" for="ch" forName="ParentBackground1" refType="w" fact="0.9808"/>
+              <dgm:constr type="t" for="ch" forName="ParentBackground1" refType="h" fact="0.1262"/>
+              <dgm:constr type="w" for="ch" forName="ParentBackground1" refType="w" fact="0.081"/>
+              <dgm:constr type="h" for="ch" forName="ParentBackground1" refType="h" fact="0.5319"/>
+              <dgm:constr type="r" for="ch" forName="Child1" refType="w" fact="0.9808"/>
+              <dgm:constr type="t" for="ch" forName="Child1" refType="h" fact="0.6876"/>
+              <dgm:constr type="w" for="ch" forName="Child1" refType="w" fact="0.081"/>
+              <dgm:constr type="h" for="ch" forName="Child1" refType="h" fact="0.3124"/>
+            </dgm:constrLst>
+          </dgm:else>
+        </dgm:choose>
+      </dgm:else>
+    </dgm:choose>
+    <dgm:forEach name="wrapper" axis="self" ptType="parTrans">
+      <dgm:forEach name="accentRepeat" axis="self">
+        <dgm:layoutNode name="Accent" styleLbl="node1">
+          <dgm:alg type="sp"/>
+          <dgm:choose name="Name28">
+            <dgm:if name="Name29" axis="followSib" ptType="node" func="cnt" op="equ" val="0">
+              <dgm:shape xmlns:r="http://schemas.openxmlformats.org/officeDocument/2006/relationships" type="ellipse" r:blip="">
+                <dgm:adjLst/>
+              </dgm:shape>
+            </dgm:if>
+            <dgm:else name="Name30">
+              <dgm:choose name="Name31">
+                <dgm:if name="Name32" axis="precedSib" ptType="node" func="cnt" op="equ" val="10">
+                  <dgm:shape xmlns:r="http://schemas.openxmlformats.org/officeDocument/2006/relationships" type="ellipse" r:blip="">
+                    <dgm:adjLst/>
+                  </dgm:shape>
+                </dgm:if>
+                <dgm:else name="Name33">
+                  <dgm:choose name="Name34">
+                    <dgm:if name="Name35" func="var" arg="dir" op="equ" val="norm">
+                      <dgm:shape xmlns:r="http://schemas.openxmlformats.org/officeDocument/2006/relationships" rot="45" type="teardrop" r:blip="">
+                        <dgm:adjLst>
+                          <dgm:adj idx="1" val="1"/>
+                        </dgm:adjLst>
+                      </dgm:shape>
+                    </dgm:if>
+                    <dgm:else name="Name36">
+                      <dgm:shape xmlns:r="http://schemas.openxmlformats.org/officeDocument/2006/relationships" rot="225" type="teardrop" r:blip="">
+                        <dgm:adjLst>
+                          <dgm:adj idx="1" val="1"/>
+                        </dgm:adjLst>
+                      </dgm:shape>
+                    </dgm:else>
+                  </dgm:choose>
+                </dgm:else>
+              </dgm:choose>
+            </dgm:else>
+          </dgm:choose>
+          <dgm:presOf/>
+        </dgm:layoutNode>
+      </dgm:forEach>
+      <dgm:forEach name="parentBackgroundRepeat" axis="self">
+        <dgm:layoutNode name="ParentBackground" styleLbl="fgAcc1">
+          <dgm:alg type="sp"/>
+          <dgm:shape xmlns:r="http://schemas.openxmlformats.org/officeDocument/2006/relationships" type="ellipse" r:blip="">
+            <dgm:adjLst/>
+          </dgm:shape>
+          <dgm:presOf axis="self" ptType="node"/>
+        </dgm:layoutNode>
+      </dgm:forEach>
+    </dgm:forEach>
+    <dgm:forEach name="Name37" axis="ch" ptType="node" st="11" cnt="1">
+      <dgm:layoutNode name="Accent11">
+        <dgm:alg type="sp"/>
+        <dgm:shape xmlns:r="http://schemas.openxmlformats.org/officeDocument/2006/relationships" r:blip="">
+          <dgm:adjLst/>
+        </dgm:shape>
+        <dgm:presOf/>
+        <dgm:constrLst/>
+        <dgm:forEach name="Name38" ref="accentRepeat"/>
+      </dgm:layoutNode>
+      <dgm:layoutNode name="ParentBackground11">
+        <dgm:alg type="sp"/>
+        <dgm:shape xmlns:r="http://schemas.openxmlformats.org/officeDocument/2006/relationships" r:blip="">
+          <dgm:adjLst/>
+        </dgm:shape>
+        <dgm:presOf/>
+        <dgm:forEach name="Name39" ref="parentBackgroundRepeat"/>
+      </dgm:layoutNode>
+      <dgm:choose name="Name40">
+        <dgm:if name="Name41" axis="ch" ptType="node" func="cnt" op="gte" val="1">
+          <dgm:layoutNode name="Child11" styleLbl="revTx">
+            <dgm:varLst>
+              <dgm:chMax val="0"/>
+              <dgm:chPref val="0"/>
+              <dgm:bulletEnabled val="1"/>
+            </dgm:varLst>
+            <dgm:alg type="tx">
+              <dgm:param type="stBulletLvl" val="1"/>
+              <dgm:param type="parTxLTRAlign" val="l"/>
+              <dgm:param type="txAnchorVert" val="t"/>
+            </dgm:alg>
+            <dgm:shape xmlns:r="http://schemas.openxmlformats.org/officeDocument/2006/relationships" type="rect" r:blip="">
+              <dgm:adjLst/>
+            </dgm:shape>
+            <dgm:presOf axis="des" ptType="node"/>
+            <dgm:constrLst>
+              <dgm:constr type="lMarg" refType="primFontSz" fact="0.3"/>
+              <dgm:constr type="rMarg" refType="primFontSz" fact="0.3"/>
+              <dgm:constr type="tMarg" refType="primFontSz" fact="0.3"/>
+              <dgm:constr type="bMarg" refType="primFontSz" fact="0.3"/>
+            </dgm:constrLst>
+            <dgm:ruleLst>
+              <dgm:rule type="primFontSz" val="5" fact="NaN" max="NaN"/>
+            </dgm:ruleLst>
+          </dgm:layoutNode>
+        </dgm:if>
+        <dgm:else name="Name42"/>
+      </dgm:choose>
+      <dgm:layoutNode name="Parent11" styleLbl="revTx">
+        <dgm:varLst>
+          <dgm:chMax val="1"/>
+          <dgm:chPref val="1"/>
+          <dgm:bulletEnabled val="1"/>
+        </dgm:varLst>
+        <dgm:alg type="tx">
+          <dgm:param type="shpTxLTRAlignCh" val="ctr"/>
+          <dgm:param type="txAnchorVertCh" val="mid"/>
+        </dgm:alg>
+        <dgm:shape xmlns:r="http://schemas.openxmlformats.org/officeDocument/2006/relationships" type="rect" r:blip="" hideGeom="1">
+          <dgm:adjLst/>
+        </dgm:shape>
+        <dgm:presOf axis="self" ptType="node"/>
+        <dgm:constrLst>
+          <dgm:constr type="lMarg" refType="primFontSz" fact="0.1"/>
+          <dgm:constr type="rMarg" refType="primFontSz" fact="0.1"/>
+          <dgm:constr type="tMarg" refType="primFontSz" fact="0.1"/>
+          <dgm:constr type="bMarg" refType="primFontSz" fact="0.1"/>
+        </dgm:constrLst>
+        <dgm:ruleLst>
+          <dgm:rule type="primFontSz" val="5" fact="NaN" max="NaN"/>
+        </dgm:ruleLst>
+      </dgm:layoutNode>
+    </dgm:forEach>
+    <dgm:forEach name="Name43" axis="ch" ptType="node" st="10" cnt="1">
+      <dgm:layoutNode name="Accent10">
+        <dgm:alg type="sp"/>
+        <dgm:shape xmlns:r="http://schemas.openxmlformats.org/officeDocument/2006/relationships" r:blip="">
+          <dgm:adjLst/>
+        </dgm:shape>
+        <dgm:presOf/>
+        <dgm:constrLst/>
+        <dgm:forEach name="Name44" ref="accentRepeat"/>
+      </dgm:layoutNode>
+      <dgm:layoutNode name="ParentBackground10">
+        <dgm:alg type="sp"/>
+        <dgm:shape xmlns:r="http://schemas.openxmlformats.org/officeDocument/2006/relationships" r:blip="">
+          <dgm:adjLst/>
+        </dgm:shape>
+        <dgm:presOf/>
+        <dgm:forEach name="Name45" ref="parentBackgroundRepeat"/>
+      </dgm:layoutNode>
+      <dgm:choose name="Name46">
+        <dgm:if name="Name47" axis="ch" ptType="node" func="cnt" op="gte" val="1">
+          <dgm:layoutNode name="Child10" styleLbl="revTx">
+            <dgm:varLst>
+              <dgm:chMax val="0"/>
+              <dgm:chPref val="0"/>
+              <dgm:bulletEnabled val="1"/>
+            </dgm:varLst>
+            <dgm:alg type="tx">
+              <dgm:param type="stBulletLvl" val="1"/>
+              <dgm:param type="parTxLTRAlign" val="l"/>
+              <dgm:param type="txAnchorVert" val="t"/>
+            </dgm:alg>
+            <dgm:shape xmlns:r="http://schemas.openxmlformats.org/officeDocument/2006/relationships" type="rect" r:blip="">
+              <dgm:adjLst/>
+            </dgm:shape>
+            <dgm:presOf axis="des" ptType="node"/>
+            <dgm:constrLst>
+              <dgm:constr type="lMarg" refType="primFontSz" fact="0.3"/>
+              <dgm:constr type="rMarg" refType="primFontSz" fact="0.3"/>
+              <dgm:constr type="tMarg" refType="primFontSz" fact="0.3"/>
+              <dgm:constr type="bMarg" refType="primFontSz" fact="0.3"/>
+            </dgm:constrLst>
+            <dgm:ruleLst>
+              <dgm:rule type="primFontSz" val="5" fact="NaN" max="NaN"/>
+            </dgm:ruleLst>
+          </dgm:layoutNode>
+        </dgm:if>
+        <dgm:else name="Name48"/>
+      </dgm:choose>
+      <dgm:layoutNode name="Parent10" styleLbl="revTx">
+        <dgm:varLst>
+          <dgm:chMax val="1"/>
+          <dgm:chPref val="1"/>
+          <dgm:bulletEnabled val="1"/>
+        </dgm:varLst>
+        <dgm:alg type="tx">
+          <dgm:param type="shpTxLTRAlignCh" val="ctr"/>
+          <dgm:param type="txAnchorVertCh" val="mid"/>
+        </dgm:alg>
+        <dgm:shape xmlns:r="http://schemas.openxmlformats.org/officeDocument/2006/relationships" type="rect" r:blip="" hideGeom="1">
+          <dgm:adjLst/>
+        </dgm:shape>
+        <dgm:presOf axis="self" ptType="node"/>
+        <dgm:constrLst>
+          <dgm:constr type="lMarg" refType="primFontSz" fact="0.1"/>
+          <dgm:constr type="rMarg" refType="primFontSz" fact="0.1"/>
+          <dgm:constr type="tMarg" refType="primFontSz" fact="0.1"/>
+          <dgm:constr type="bMarg" refType="primFontSz" fact="0.1"/>
+        </dgm:constrLst>
+        <dgm:ruleLst>
+          <dgm:rule type="primFontSz" val="5" fact="NaN" max="NaN"/>
+        </dgm:ruleLst>
+      </dgm:layoutNode>
+    </dgm:forEach>
+    <dgm:forEach name="Name49" axis="ch" ptType="node" st="9" cnt="1">
+      <dgm:layoutNode name="Accent9">
+        <dgm:alg type="sp"/>
+        <dgm:shape xmlns:r="http://schemas.openxmlformats.org/officeDocument/2006/relationships" r:blip="">
+          <dgm:adjLst/>
+        </dgm:shape>
+        <dgm:presOf/>
+        <dgm:constrLst/>
+        <dgm:forEach name="Name50" ref="accentRepeat"/>
+      </dgm:layoutNode>
+      <dgm:layoutNode name="ParentBackground9">
+        <dgm:alg type="sp"/>
+        <dgm:shape xmlns:r="http://schemas.openxmlformats.org/officeDocument/2006/relationships" r:blip="">
+          <dgm:adjLst/>
+        </dgm:shape>
+        <dgm:presOf/>
+        <dgm:forEach name="Name51" ref="parentBackgroundRepeat"/>
+      </dgm:layoutNode>
+      <dgm:choose name="Name52">
+        <dgm:if name="Name53" axis="ch" ptType="node" func="cnt" op="gte" val="1">
+          <dgm:layoutNode name="Child9" styleLbl="revTx">
+            <dgm:varLst>
+              <dgm:chMax val="0"/>
+              <dgm:chPref val="0"/>
+              <dgm:bulletEnabled val="1"/>
+            </dgm:varLst>
+            <dgm:alg type="tx">
+              <dgm:param type="stBulletLvl" val="1"/>
+              <dgm:param type="parTxLTRAlign" val="l"/>
+              <dgm:param type="txAnchorVert" val="t"/>
+            </dgm:alg>
+            <dgm:shape xmlns:r="http://schemas.openxmlformats.org/officeDocument/2006/relationships" type="rect" r:blip="">
+              <dgm:adjLst/>
+            </dgm:shape>
+            <dgm:presOf axis="des" ptType="node"/>
+            <dgm:constrLst>
+              <dgm:constr type="lMarg" refType="primFontSz" fact="0.3"/>
+              <dgm:constr type="rMarg" refType="primFontSz" fact="0.3"/>
+              <dgm:constr type="tMarg" refType="primFontSz" fact="0.3"/>
+              <dgm:constr type="bMarg" refType="primFontSz" fact="0.3"/>
+            </dgm:constrLst>
+            <dgm:ruleLst>
+              <dgm:rule type="primFontSz" val="5" fact="NaN" max="NaN"/>
+            </dgm:ruleLst>
+          </dgm:layoutNode>
+        </dgm:if>
+        <dgm:else name="Name54"/>
+      </dgm:choose>
+      <dgm:layoutNode name="Parent9" styleLbl="revTx">
+        <dgm:varLst>
+          <dgm:chMax val="1"/>
+          <dgm:chPref val="1"/>
+          <dgm:bulletEnabled val="1"/>
+        </dgm:varLst>
+        <dgm:alg type="tx">
+          <dgm:param type="shpTxLTRAlignCh" val="ctr"/>
+          <dgm:param type="txAnchorVertCh" val="mid"/>
+        </dgm:alg>
+        <dgm:shape xmlns:r="http://schemas.openxmlformats.org/officeDocument/2006/relationships" type="rect" r:blip="" hideGeom="1">
+          <dgm:adjLst/>
+        </dgm:shape>
+        <dgm:presOf axis="self" ptType="node"/>
+        <dgm:constrLst>
+          <dgm:constr type="lMarg" refType="primFontSz" fact="0.1"/>
+          <dgm:constr type="rMarg" refType="primFontSz" fact="0.1"/>
+          <dgm:constr type="tMarg" refType="primFontSz" fact="0.1"/>
+          <dgm:constr type="bMarg" refType="primFontSz" fact="0.1"/>
+        </dgm:constrLst>
+        <dgm:ruleLst>
+          <dgm:rule type="primFontSz" val="5" fact="NaN" max="NaN"/>
+        </dgm:ruleLst>
+      </dgm:layoutNode>
+    </dgm:forEach>
+    <dgm:forEach name="Name55" axis="ch" ptType="node" st="8" cnt="1">
+      <dgm:layoutNode name="Accent8">
+        <dgm:alg type="sp"/>
+        <dgm:shape xmlns:r="http://schemas.openxmlformats.org/officeDocument/2006/relationships" r:blip="">
+          <dgm:adjLst/>
+        </dgm:shape>
+        <dgm:presOf/>
+        <dgm:constrLst/>
+        <dgm:forEach name="Name56" ref="accentRepeat"/>
+      </dgm:layoutNode>
+      <dgm:layoutNode name="ParentBackground8">
+        <dgm:alg type="sp"/>
+        <dgm:shape xmlns:r="http://schemas.openxmlformats.org/officeDocument/2006/relationships" r:blip="">
+          <dgm:adjLst/>
+        </dgm:shape>
+        <dgm:presOf/>
+        <dgm:forEach name="Name57" ref="parentBackgroundRepeat"/>
+      </dgm:layoutNode>
+      <dgm:choose name="Name58">
+        <dgm:if name="Name59" axis="ch" ptType="node" func="cnt" op="gte" val="1">
+          <dgm:layoutNode name="Child8" styleLbl="revTx">
+            <dgm:varLst>
+              <dgm:chMax val="0"/>
+              <dgm:chPref val="0"/>
+              <dgm:bulletEnabled val="1"/>
+            </dgm:varLst>
+            <dgm:alg type="tx">
+              <dgm:param type="stBulletLvl" val="1"/>
+              <dgm:param type="parTxLTRAlign" val="l"/>
+              <dgm:param type="txAnchorVert" val="t"/>
+            </dgm:alg>
+            <dgm:shape xmlns:r="http://schemas.openxmlformats.org/officeDocument/2006/relationships" type="rect" r:blip="">
+              <dgm:adjLst/>
+            </dgm:shape>
+            <dgm:presOf axis="des" ptType="node"/>
+            <dgm:constrLst>
+              <dgm:constr type="lMarg" refType="primFontSz" fact="0.3"/>
+              <dgm:constr type="rMarg" refType="primFontSz" fact="0.3"/>
+              <dgm:constr type="tMarg" refType="primFontSz" fact="0.3"/>
+              <dgm:constr type="bMarg" refType="primFontSz" fact="0.3"/>
+            </dgm:constrLst>
+            <dgm:ruleLst>
+              <dgm:rule type="primFontSz" val="5" fact="NaN" max="NaN"/>
+            </dgm:ruleLst>
+          </dgm:layoutNode>
+        </dgm:if>
+        <dgm:else name="Name60"/>
+      </dgm:choose>
+      <dgm:layoutNode name="Parent8" styleLbl="revTx">
+        <dgm:varLst>
+          <dgm:chMax val="1"/>
+          <dgm:chPref val="1"/>
+          <dgm:bulletEnabled val="1"/>
+        </dgm:varLst>
+        <dgm:alg type="tx">
+          <dgm:param type="shpTxLTRAlignCh" val="ctr"/>
+          <dgm:param type="txAnchorVertCh" val="mid"/>
+        </dgm:alg>
+        <dgm:shape xmlns:r="http://schemas.openxmlformats.org/officeDocument/2006/relationships" type="rect" r:blip="" hideGeom="1">
+          <dgm:adjLst/>
+        </dgm:shape>
+        <dgm:presOf axis="self" ptType="node"/>
+        <dgm:constrLst>
+          <dgm:constr type="lMarg" refType="primFontSz" fact="0.1"/>
+          <dgm:constr type="rMarg" refType="primFontSz" fact="0.1"/>
+          <dgm:constr type="tMarg" refType="primFontSz" fact="0.1"/>
+          <dgm:constr type="bMarg" refType="primFontSz" fact="0.1"/>
+        </dgm:constrLst>
+        <dgm:ruleLst>
+          <dgm:rule type="primFontSz" val="5" fact="NaN" max="NaN"/>
+        </dgm:ruleLst>
+      </dgm:layoutNode>
+    </dgm:forEach>
+    <dgm:forEach name="Name61" axis="ch" ptType="node" st="7" cnt="1">
+      <dgm:layoutNode name="Accent7">
+        <dgm:alg type="sp"/>
+        <dgm:shape xmlns:r="http://schemas.openxmlformats.org/officeDocument/2006/relationships" r:blip="">
+          <dgm:adjLst/>
+        </dgm:shape>
+        <dgm:presOf/>
+        <dgm:constrLst/>
+        <dgm:forEach name="Name62" ref="accentRepeat"/>
+      </dgm:layoutNode>
+      <dgm:layoutNode name="ParentBackground7">
+        <dgm:alg type="sp"/>
+        <dgm:shape xmlns:r="http://schemas.openxmlformats.org/officeDocument/2006/relationships" r:blip="">
+          <dgm:adjLst/>
+        </dgm:shape>
+        <dgm:presOf/>
+        <dgm:forEach name="Name63" ref="parentBackgroundRepeat"/>
+      </dgm:layoutNode>
+      <dgm:choose name="Name64">
+        <dgm:if name="Name65" axis="ch" ptType="node" func="cnt" op="gte" val="1">
+          <dgm:layoutNode name="Child7" styleLbl="revTx">
+            <dgm:varLst>
+              <dgm:chMax val="0"/>
+              <dgm:chPref val="0"/>
+              <dgm:bulletEnabled val="1"/>
+            </dgm:varLst>
+            <dgm:alg type="tx">
+              <dgm:param type="stBulletLvl" val="1"/>
+              <dgm:param type="parTxLTRAlign" val="l"/>
+              <dgm:param type="txAnchorVert" val="t"/>
+            </dgm:alg>
+            <dgm:shape xmlns:r="http://schemas.openxmlformats.org/officeDocument/2006/relationships" type="rect" r:blip="">
+              <dgm:adjLst/>
+            </dgm:shape>
+            <dgm:presOf axis="des" ptType="node"/>
+            <dgm:constrLst>
+              <dgm:constr type="lMarg" refType="primFontSz" fact="0.3"/>
+              <dgm:constr type="rMarg" refType="primFontSz" fact="0.3"/>
+              <dgm:constr type="tMarg" refType="primFontSz" fact="0.3"/>
+              <dgm:constr type="bMarg" refType="primFontSz" fact="0.3"/>
+            </dgm:constrLst>
+            <dgm:ruleLst>
+              <dgm:rule type="primFontSz" val="5" fact="NaN" max="NaN"/>
+            </dgm:ruleLst>
+          </dgm:layoutNode>
+        </dgm:if>
+        <dgm:else name="Name66"/>
+      </dgm:choose>
+      <dgm:layoutNode name="Parent7" styleLbl="revTx">
+        <dgm:varLst>
+          <dgm:chMax val="1"/>
+          <dgm:chPref val="1"/>
+          <dgm:bulletEnabled val="1"/>
+        </dgm:varLst>
+        <dgm:alg type="tx">
+          <dgm:param type="shpTxLTRAlignCh" val="ctr"/>
+          <dgm:param type="txAnchorVertCh" val="mid"/>
+        </dgm:alg>
+        <dgm:shape xmlns:r="http://schemas.openxmlformats.org/officeDocument/2006/relationships" type="rect" r:blip="" hideGeom="1">
+          <dgm:adjLst/>
+        </dgm:shape>
+        <dgm:presOf axis="self" ptType="node"/>
+        <dgm:constrLst>
+          <dgm:constr type="lMarg" refType="primFontSz" fact="0.1"/>
+          <dgm:constr type="rMarg" refType="primFontSz" fact="0.1"/>
+          <dgm:constr type="tMarg" refType="primFontSz" fact="0.1"/>
+          <dgm:constr type="bMarg" refType="primFontSz" fact="0.1"/>
+        </dgm:constrLst>
+        <dgm:ruleLst>
+          <dgm:rule type="primFontSz" val="5" fact="NaN" max="NaN"/>
+        </dgm:ruleLst>
+      </dgm:layoutNode>
+    </dgm:forEach>
+    <dgm:forEach name="Name67" axis="ch" ptType="node" st="6" cnt="1">
+      <dgm:layoutNode name="Accent6">
+        <dgm:alg type="sp"/>
+        <dgm:shape xmlns:r="http://schemas.openxmlformats.org/officeDocument/2006/relationships" r:blip="">
+          <dgm:adjLst/>
+        </dgm:shape>
+        <dgm:presOf/>
+        <dgm:constrLst/>
+        <dgm:forEach name="Name68" ref="accentRepeat"/>
+      </dgm:layoutNode>
+      <dgm:layoutNode name="ParentBackground6">
+        <dgm:alg type="sp"/>
+        <dgm:shape xmlns:r="http://schemas.openxmlformats.org/officeDocument/2006/relationships" r:blip="">
+          <dgm:adjLst/>
+        </dgm:shape>
+        <dgm:presOf/>
+        <dgm:forEach name="Name69" ref="parentBackgroundRepeat"/>
+      </dgm:layoutNode>
+      <dgm:choose name="Name70">
+        <dgm:if name="Name71" axis="ch" ptType="node" func="cnt" op="gte" val="1">
+          <dgm:layoutNode name="Child6" styleLbl="revTx">
+            <dgm:varLst>
+              <dgm:chMax val="0"/>
+              <dgm:chPref val="0"/>
+              <dgm:bulletEnabled val="1"/>
+            </dgm:varLst>
+            <dgm:alg type="tx">
+              <dgm:param type="stBulletLvl" val="1"/>
+              <dgm:param type="parTxLTRAlign" val="l"/>
+              <dgm:param type="txAnchorVert" val="t"/>
+            </dgm:alg>
+            <dgm:shape xmlns:r="http://schemas.openxmlformats.org/officeDocument/2006/relationships" type="rect" r:blip="">
+              <dgm:adjLst/>
+            </dgm:shape>
+            <dgm:presOf axis="des" ptType="node"/>
+            <dgm:constrLst>
+              <dgm:constr type="lMarg" refType="primFontSz" fact="0.3"/>
+              <dgm:constr type="rMarg" refType="primFontSz" fact="0.3"/>
+              <dgm:constr type="tMarg" refType="primFontSz" fact="0.3"/>
+              <dgm:constr type="bMarg" refType="primFontSz" fact="0.3"/>
+            </dgm:constrLst>
+            <dgm:ruleLst>
+              <dgm:rule type="primFontSz" val="5" fact="NaN" max="NaN"/>
+            </dgm:ruleLst>
+          </dgm:layoutNode>
+        </dgm:if>
+        <dgm:else name="Name72"/>
+      </dgm:choose>
+      <dgm:layoutNode name="Parent6" styleLbl="revTx">
+        <dgm:varLst>
+          <dgm:chMax val="1"/>
+          <dgm:chPref val="1"/>
+          <dgm:bulletEnabled val="1"/>
+        </dgm:varLst>
+        <dgm:alg type="tx">
+          <dgm:param type="shpTxLTRAlignCh" val="ctr"/>
+          <dgm:param type="txAnchorVertCh" val="mid"/>
+        </dgm:alg>
+        <dgm:shape xmlns:r="http://schemas.openxmlformats.org/officeDocument/2006/relationships" type="rect" r:blip="" hideGeom="1">
+          <dgm:adjLst/>
+        </dgm:shape>
+        <dgm:presOf axis="self" ptType="node"/>
+        <dgm:constrLst>
+          <dgm:constr type="lMarg" refType="primFontSz" fact="0.1"/>
+          <dgm:constr type="rMarg" refType="primFontSz" fact="0.1"/>
+          <dgm:constr type="tMarg" refType="primFontSz" fact="0.1"/>
+          <dgm:constr type="bMarg" refType="primFontSz" fact="0.1"/>
+        </dgm:constrLst>
+        <dgm:ruleLst>
+          <dgm:rule type="primFontSz" val="5" fact="NaN" max="NaN"/>
+        </dgm:ruleLst>
+      </dgm:layoutNode>
+    </dgm:forEach>
+    <dgm:forEach name="Name73" axis="ch" ptType="node" st="5" cnt="1">
+      <dgm:layoutNode name="Accent5">
+        <dgm:alg type="sp"/>
+        <dgm:shape xmlns:r="http://schemas.openxmlformats.org/officeDocument/2006/relationships" r:blip="">
+          <dgm:adjLst/>
+        </dgm:shape>
+        <dgm:presOf/>
+        <dgm:constrLst/>
+        <dgm:forEach name="Name74" ref="accentRepeat"/>
+      </dgm:layoutNode>
+      <dgm:layoutNode name="ParentBackground5">
+        <dgm:alg type="sp"/>
+        <dgm:shape xmlns:r="http://schemas.openxmlformats.org/officeDocument/2006/relationships" r:blip="">
+          <dgm:adjLst/>
+        </dgm:shape>
+        <dgm:presOf/>
+        <dgm:forEach name="Name75" ref="parentBackgroundRepeat"/>
+      </dgm:layoutNode>
+      <dgm:choose name="Name76">
+        <dgm:if name="Name77" axis="ch" ptType="node" func="cnt" op="gte" val="1">
+          <dgm:layoutNode name="Child5" styleLbl="revTx">
+            <dgm:varLst>
+              <dgm:chMax val="0"/>
+              <dgm:chPref val="0"/>
+              <dgm:bulletEnabled val="1"/>
+            </dgm:varLst>
+            <dgm:alg type="tx">
+              <dgm:param type="stBulletLvl" val="1"/>
+              <dgm:param type="parTxLTRAlign" val="l"/>
+              <dgm:param type="txAnchorVert" val="t"/>
+            </dgm:alg>
+            <dgm:shape xmlns:r="http://schemas.openxmlformats.org/officeDocument/2006/relationships" type="rect" r:blip="">
+              <dgm:adjLst/>
+            </dgm:shape>
+            <dgm:presOf axis="des" ptType="node"/>
+            <dgm:constrLst>
+              <dgm:constr type="lMarg" refType="primFontSz" fact="0.3"/>
+              <dgm:constr type="rMarg" refType="primFontSz" fact="0.3"/>
+              <dgm:constr type="tMarg" refType="primFontSz" fact="0.3"/>
+              <dgm:constr type="bMarg" refType="primFontSz" fact="0.3"/>
+            </dgm:constrLst>
+            <dgm:ruleLst>
+              <dgm:rule type="primFontSz" val="5" fact="NaN" max="NaN"/>
+            </dgm:ruleLst>
+          </dgm:layoutNode>
+        </dgm:if>
+        <dgm:else name="Name78"/>
+      </dgm:choose>
+      <dgm:layoutNode name="Parent5" styleLbl="revTx">
+        <dgm:varLst>
+          <dgm:chMax val="1"/>
+          <dgm:chPref val="1"/>
+          <dgm:bulletEnabled val="1"/>
+        </dgm:varLst>
+        <dgm:alg type="tx">
+          <dgm:param type="shpTxLTRAlignCh" val="ctr"/>
+          <dgm:param type="txAnchorVertCh" val="mid"/>
+        </dgm:alg>
+        <dgm:shape xmlns:r="http://schemas.openxmlformats.org/officeDocument/2006/relationships" type="rect" r:blip="" hideGeom="1">
+          <dgm:adjLst/>
+        </dgm:shape>
+        <dgm:presOf axis="self" ptType="node"/>
+        <dgm:constrLst>
+          <dgm:constr type="lMarg" refType="primFontSz" fact="0.1"/>
+          <dgm:constr type="rMarg" refType="primFontSz" fact="0.1"/>
+          <dgm:constr type="tMarg" refType="primFontSz" fact="0.1"/>
+          <dgm:constr type="bMarg" refType="primFontSz" fact="0.1"/>
+        </dgm:constrLst>
+        <dgm:ruleLst>
+          <dgm:rule type="primFontSz" val="5" fact="NaN" max="NaN"/>
+        </dgm:ruleLst>
+      </dgm:layoutNode>
+    </dgm:forEach>
+    <dgm:forEach name="Name79" axis="ch" ptType="node" st="4" cnt="1">
+      <dgm:layoutNode name="Accent4">
+        <dgm:alg type="sp"/>
+        <dgm:shape xmlns:r="http://schemas.openxmlformats.org/officeDocument/2006/relationships" r:blip="">
+          <dgm:adjLst/>
+        </dgm:shape>
+        <dgm:presOf/>
+        <dgm:constrLst/>
+        <dgm:forEach name="Name80" ref="accentRepeat"/>
+      </dgm:layoutNode>
+      <dgm:layoutNode name="ParentBackground4">
+        <dgm:alg type="sp"/>
+        <dgm:shape xmlns:r="http://schemas.openxmlformats.org/officeDocument/2006/relationships" r:blip="">
+          <dgm:adjLst/>
+        </dgm:shape>
+        <dgm:presOf/>
+        <dgm:forEach name="Name81" ref="parentBackgroundRepeat"/>
+      </dgm:layoutNode>
+      <dgm:choose name="Name82">
+        <dgm:if name="Name83" axis="ch" ptType="node" func="cnt" op="gte" val="1">
+          <dgm:layoutNode name="Child4" styleLbl="revTx">
+            <dgm:varLst>
+              <dgm:chMax val="0"/>
+              <dgm:chPref val="0"/>
+              <dgm:bulletEnabled val="1"/>
+            </dgm:varLst>
+            <dgm:alg type="tx">
+              <dgm:param type="stBulletLvl" val="1"/>
+              <dgm:param type="parTxLTRAlign" val="l"/>
+              <dgm:param type="txAnchorVert" val="t"/>
+            </dgm:alg>
+            <dgm:shape xmlns:r="http://schemas.openxmlformats.org/officeDocument/2006/relationships" type="rect" r:blip="">
+              <dgm:adjLst/>
+            </dgm:shape>
+            <dgm:presOf axis="des" ptType="node"/>
+            <dgm:constrLst>
+              <dgm:constr type="lMarg" refType="primFontSz" fact="0.3"/>
+              <dgm:constr type="rMarg" refType="primFontSz" fact="0.3"/>
+              <dgm:constr type="tMarg" refType="primFontSz" fact="0.3"/>
+              <dgm:constr type="bMarg" refType="primFontSz" fact="0.3"/>
+            </dgm:constrLst>
+            <dgm:ruleLst>
+              <dgm:rule type="primFontSz" val="5" fact="NaN" max="NaN"/>
+            </dgm:ruleLst>
+          </dgm:layoutNode>
+        </dgm:if>
+        <dgm:else name="Name84"/>
+      </dgm:choose>
+      <dgm:layoutNode name="Parent4" styleLbl="revTx">
+        <dgm:varLst>
+          <dgm:chMax val="1"/>
+          <dgm:chPref val="1"/>
+          <dgm:bulletEnabled val="1"/>
+        </dgm:varLst>
+        <dgm:alg type="tx">
+          <dgm:param type="shpTxLTRAlignCh" val="ctr"/>
+          <dgm:param type="txAnchorVertCh" val="mid"/>
+        </dgm:alg>
+        <dgm:shape xmlns:r="http://schemas.openxmlformats.org/officeDocument/2006/relationships" type="rect" r:blip="" hideGeom="1">
+          <dgm:adjLst/>
+        </dgm:shape>
+        <dgm:presOf axis="self" ptType="node"/>
+        <dgm:constrLst>
+          <dgm:constr type="lMarg" refType="primFontSz" fact="0.1"/>
+          <dgm:constr type="rMarg" refType="primFontSz" fact="0.1"/>
+          <dgm:constr type="tMarg" refType="primFontSz" fact="0.1"/>
+          <dgm:constr type="bMarg" refType="primFontSz" fact="0.1"/>
+        </dgm:constrLst>
+        <dgm:ruleLst>
+          <dgm:rule type="primFontSz" val="5" fact="NaN" max="NaN"/>
+        </dgm:ruleLst>
+      </dgm:layoutNode>
+    </dgm:forEach>
+    <dgm:forEach name="Name85" axis="ch" ptType="node" st="3" cnt="1">
+      <dgm:layoutNode name="Accent3">
+        <dgm:alg type="sp"/>
+        <dgm:shape xmlns:r="http://schemas.openxmlformats.org/officeDocument/2006/relationships" r:blip="">
+          <dgm:adjLst/>
+        </dgm:shape>
+        <dgm:presOf/>
+        <dgm:constrLst/>
+        <dgm:forEach name="Name86" ref="accentRepeat"/>
+      </dgm:layoutNode>
+      <dgm:layoutNode name="ParentBackground3">
+        <dgm:alg type="sp"/>
+        <dgm:shape xmlns:r="http://schemas.openxmlformats.org/officeDocument/2006/relationships" r:blip="">
+          <dgm:adjLst/>
+        </dgm:shape>
+        <dgm:presOf/>
+        <dgm:forEach name="Name87" ref="parentBackgroundRepeat"/>
+      </dgm:layoutNode>
+      <dgm:choose name="Name88">
+        <dgm:if name="Name89" axis="ch" ptType="node" func="cnt" op="gte" val="1">
+          <dgm:layoutNode name="Child3" styleLbl="revTx">
+            <dgm:varLst>
+              <dgm:chMax val="0"/>
+              <dgm:chPref val="0"/>
+              <dgm:bulletEnabled val="1"/>
+            </dgm:varLst>
+            <dgm:alg type="tx">
+              <dgm:param type="stBulletLvl" val="1"/>
+              <dgm:param type="parTxLTRAlign" val="l"/>
+              <dgm:param type="txAnchorVert" val="t"/>
+            </dgm:alg>
+            <dgm:shape xmlns:r="http://schemas.openxmlformats.org/officeDocument/2006/relationships" type="rect" r:blip="">
+              <dgm:adjLst/>
+            </dgm:shape>
+            <dgm:presOf axis="des" ptType="node"/>
+            <dgm:constrLst>
+              <dgm:constr type="lMarg" refType="primFontSz" fact="0.3"/>
+              <dgm:constr type="rMarg" refType="primFontSz" fact="0.3"/>
+              <dgm:constr type="tMarg" refType="primFontSz" fact="0.3"/>
+              <dgm:constr type="bMarg" refType="primFontSz" fact="0.3"/>
+            </dgm:constrLst>
+            <dgm:ruleLst>
+              <dgm:rule type="primFontSz" val="5" fact="NaN" max="NaN"/>
+            </dgm:ruleLst>
+          </dgm:layoutNode>
+        </dgm:if>
+        <dgm:else name="Name90"/>
+      </dgm:choose>
+      <dgm:layoutNode name="Parent3" styleLbl="revTx">
+        <dgm:varLst>
+          <dgm:chMax val="1"/>
+          <dgm:chPref val="1"/>
+          <dgm:bulletEnabled val="1"/>
+        </dgm:varLst>
+        <dgm:alg type="tx">
+          <dgm:param type="shpTxLTRAlignCh" val="ctr"/>
+          <dgm:param type="txAnchorVertCh" val="mid"/>
+        </dgm:alg>
+        <dgm:shape xmlns:r="http://schemas.openxmlformats.org/officeDocument/2006/relationships" type="rect" r:blip="" hideGeom="1">
+          <dgm:adjLst/>
+        </dgm:shape>
+        <dgm:presOf axis="self" ptType="node"/>
+        <dgm:constrLst>
+          <dgm:constr type="lMarg" refType="primFontSz" fact="0.1"/>
+          <dgm:constr type="rMarg" refType="primFontSz" fact="0.1"/>
+          <dgm:constr type="tMarg" refType="primFontSz" fact="0.1"/>
+          <dgm:constr type="bMarg" refType="primFontSz" fact="0.1"/>
+        </dgm:constrLst>
+        <dgm:ruleLst>
+          <dgm:rule type="primFontSz" val="5" fact="NaN" max="NaN"/>
+        </dgm:ruleLst>
+      </dgm:layoutNode>
+    </dgm:forEach>
+    <dgm:forEach name="Name91" axis="ch" ptType="node" st="2" cnt="1">
+      <dgm:layoutNode name="Accent2">
+        <dgm:alg type="sp"/>
+        <dgm:shape xmlns:r="http://schemas.openxmlformats.org/officeDocument/2006/relationships" r:blip="">
+          <dgm:adjLst/>
+        </dgm:shape>
+        <dgm:presOf/>
+        <dgm:constrLst/>
+        <dgm:forEach name="Name92" ref="accentRepeat"/>
+      </dgm:layoutNode>
+      <dgm:layoutNode name="ParentBackground2" styleLbl="fgAcc1">
+        <dgm:alg type="sp"/>
+        <dgm:shape xmlns:r="http://schemas.openxmlformats.org/officeDocument/2006/relationships" r:blip="">
+          <dgm:adjLst/>
+        </dgm:shape>
+        <dgm:presOf/>
+        <dgm:forEach name="Name93" ref="parentBackgroundRepeat"/>
+      </dgm:layoutNode>
+      <dgm:choose name="Name94">
+        <dgm:if name="Name95" axis="ch" ptType="node" func="cnt" op="gte" val="1">
+          <dgm:layoutNode name="Child2" styleLbl="revTx">
+            <dgm:varLst>
+              <dgm:chMax val="0"/>
+              <dgm:chPref val="0"/>
+              <dgm:bulletEnabled val="1"/>
+            </dgm:varLst>
+            <dgm:alg type="tx">
+              <dgm:param type="stBulletLvl" val="1"/>
+              <dgm:param type="parTxLTRAlign" val="l"/>
+              <dgm:param type="txAnchorVert" val="t"/>
+            </dgm:alg>
+            <dgm:shape xmlns:r="http://schemas.openxmlformats.org/officeDocument/2006/relationships" type="rect" r:blip="">
+              <dgm:adjLst/>
+            </dgm:shape>
+            <dgm:presOf axis="des" ptType="node"/>
+            <dgm:constrLst>
+              <dgm:constr type="lMarg" refType="primFontSz" fact="0.3"/>
+              <dgm:constr type="rMarg" refType="primFontSz" fact="0.3"/>
+              <dgm:constr type="tMarg" refType="primFontSz" fact="0.3"/>
+              <dgm:constr type="bMarg" refType="primFontSz" fact="0.3"/>
+            </dgm:constrLst>
+            <dgm:ruleLst>
+              <dgm:rule type="primFontSz" val="5" fact="NaN" max="NaN"/>
+            </dgm:ruleLst>
+          </dgm:layoutNode>
+        </dgm:if>
+        <dgm:else name="Name96"/>
+      </dgm:choose>
+      <dgm:layoutNode name="Parent2" styleLbl="revTx">
+        <dgm:varLst>
+          <dgm:chMax val="1"/>
+          <dgm:chPref val="1"/>
+          <dgm:bulletEnabled val="1"/>
+        </dgm:varLst>
+        <dgm:alg type="tx">
+          <dgm:param type="shpTxLTRAlignCh" val="ctr"/>
+          <dgm:param type="txAnchorVertCh" val="mid"/>
+        </dgm:alg>
+        <dgm:shape xmlns:r="http://schemas.openxmlformats.org/officeDocument/2006/relationships" type="rect" r:blip="" hideGeom="1">
+          <dgm:adjLst/>
+        </dgm:shape>
+        <dgm:presOf axis="self" ptType="node"/>
+        <dgm:constrLst>
+          <dgm:constr type="lMarg" refType="primFontSz" fact="0.1"/>
+          <dgm:constr type="rMarg" refType="primFontSz" fact="0.1"/>
+          <dgm:constr type="tMarg" refType="primFontSz" fact="0.1"/>
+          <dgm:constr type="bMarg" refType="primFontSz" fact="0.1"/>
+        </dgm:constrLst>
+        <dgm:ruleLst>
+          <dgm:rule type="primFontSz" val="5" fact="NaN" max="NaN"/>
+        </dgm:ruleLst>
+      </dgm:layoutNode>
+    </dgm:forEach>
+    <dgm:forEach name="Name97" axis="ch" ptType="node" cnt="1">
+      <dgm:layoutNode name="Accent1">
+        <dgm:alg type="sp"/>
+        <dgm:shape xmlns:r="http://schemas.openxmlformats.org/officeDocument/2006/relationships" r:blip="">
+          <dgm:adjLst/>
+        </dgm:shape>
+        <dgm:presOf/>
+        <dgm:constrLst/>
+        <dgm:forEach name="Name98" ref="accentRepeat"/>
+      </dgm:layoutNode>
+      <dgm:layoutNode name="ParentBackground1">
+        <dgm:alg type="sp"/>
+        <dgm:shape xmlns:r="http://schemas.openxmlformats.org/officeDocument/2006/relationships" r:blip="">
+          <dgm:adjLst/>
+        </dgm:shape>
+        <dgm:presOf/>
+        <dgm:forEach name="Name99" ref="parentBackgroundRepeat"/>
+      </dgm:layoutNode>
+      <dgm:choose name="Name100">
+        <dgm:if name="Name101" axis="ch" ptType="node" func="cnt" op="gte" val="1">
+          <dgm:layoutNode name="Child1" styleLbl="revTx">
+            <dgm:varLst>
+              <dgm:chMax val="0"/>
+              <dgm:chPref val="0"/>
+              <dgm:bulletEnabled val="1"/>
+            </dgm:varLst>
+            <dgm:alg type="tx">
+              <dgm:param type="stBulletLvl" val="1"/>
+              <dgm:param type="parTxLTRAlign" val="l"/>
+              <dgm:param type="txAnchorVert" val="t"/>
+            </dgm:alg>
+            <dgm:shape xmlns:r="http://schemas.openxmlformats.org/officeDocument/2006/relationships" type="rect" r:blip="">
+              <dgm:adjLst/>
+            </dgm:shape>
+            <dgm:presOf axis="des" ptType="node"/>
+            <dgm:constrLst>
+              <dgm:constr type="lMarg" refType="primFontSz" fact="0.3"/>
+              <dgm:constr type="rMarg" refType="primFontSz" fact="0.3"/>
+              <dgm:constr type="tMarg" refType="primFontSz" fact="0.3"/>
+              <dgm:constr type="bMarg" refType="primFontSz" fact="0.3"/>
+            </dgm:constrLst>
+            <dgm:ruleLst>
+              <dgm:rule type="primFontSz" val="5" fact="NaN" max="NaN"/>
+            </dgm:ruleLst>
+          </dgm:layoutNode>
+        </dgm:if>
+        <dgm:else name="Name102"/>
+      </dgm:choose>
+      <dgm:layoutNode name="Parent1" styleLbl="revTx">
+        <dgm:varLst>
+          <dgm:chMax val="1"/>
+          <dgm:chPref val="1"/>
+          <dgm:bulletEnabled val="1"/>
+        </dgm:varLst>
+        <dgm:alg type="tx">
+          <dgm:param type="shpTxLTRAlignCh" val="ctr"/>
+          <dgm:param type="txAnchorVertCh" val="mid"/>
+        </dgm:alg>
+        <dgm:shape xmlns:r="http://schemas.openxmlformats.org/officeDocument/2006/relationships" type="rect" r:blip="" hideGeom="1">
+          <dgm:adjLst/>
+        </dgm:shape>
+        <dgm:presOf axis="self" ptType="node"/>
+        <dgm:constrLst>
+          <dgm:constr type="lMarg" refType="primFontSz" fact="0.1"/>
+          <dgm:constr type="rMarg" refType="primFontSz" fact="0.1"/>
+          <dgm:constr type="tMarg" refType="primFontSz" fact="0.1"/>
+          <dgm:constr type="bMarg" refType="primFontSz" fact="0.1"/>
+        </dgm:constrLst>
+        <dgm:ruleLst>
+          <dgm:rule type="primFontSz" val="5" fact="NaN" max="NaN"/>
+        </dgm:ruleLst>
+      </dgm:layoutNode>
+    </dgm:forEach>
+  </dgm:layoutNode>
+</dgm:layoutDef>
+</file>
+
+<file path=ppt/diagrams/quickStyle1.xml><?xml version="1.0" encoding="utf-8"?>
+<dgm:styleDef xmlns:dgm="http://schemas.openxmlformats.org/drawingml/2006/diagram" xmlns:a="http://schemas.openxmlformats.org/drawingml/2006/main" uniqueId="urn:microsoft.com/office/officeart/2005/8/quickstyle/simple1">
+  <dgm:title val=""/>
+  <dgm:desc val=""/>
+  <dgm:catLst>
+    <dgm:cat type="simple" pri="10100"/>
+  </dgm:catLst>
+  <dgm:scene3d>
+    <a:camera prst="orthographicFront"/>
+    <a:lightRig rig="threePt" dir="t"/>
+  </dgm:scene3d>
+  <dgm:styleLbl name="node0">
+    <dgm:scene3d>
+      <a:camera prst="orthographicFront"/>
+      <a:lightRig rig="threePt" dir="t"/>
+    </dgm:scene3d>
+    <dgm:sp3d/>
+    <dgm:txPr/>
+    <dgm:style>
+      <a:lnRef idx="2">
+        <a:scrgbClr r="0" g="0" b="0"/>
+      </a:lnRef>
+      <a:fillRef idx="1">
+        <a:scrgbClr r="0" g="0" b="0"/>
+      </a:fillRef>
+      <a:effectRef idx="0">
+        <a:scrgbClr r="0" g="0" b="0"/>
+      </a:effectRef>
+      <a:fontRef idx="minor">
+        <a:schemeClr val="lt1"/>
+      </a:fontRef>
+    </dgm:style>
+  </dgm:styleLbl>
+  <dgm:styleLbl name="lnNode1">
+    <dgm:scene3d>
+      <a:camera prst="orthographicFront"/>
+      <a:lightRig rig="threePt" dir="t"/>
+    </dgm:scene3d>
+    <dgm:sp3d/>
+    <dgm:txPr/>
+    <dgm:style>
+      <a:lnRef idx="2">
+        <a:scrgbClr r="0" g="0" b="0"/>
+      </a:lnRef>
+      <a:fillRef idx="1">
+        <a:scrgbClr r="0" g="0" b="0"/>
+      </a:fillRef>
+      <a:effectRef idx="0">
+        <a:scrgbClr r="0" g="0" b="0"/>
+      </a:effectRef>
+      <a:fontRef idx="minor">
+        <a:schemeClr val="lt1"/>
+      </a:fontRef>
+    </dgm:style>
+  </dgm:styleLbl>
+  <dgm:styleLbl name="vennNode1">
+    <dgm:scene3d>
+      <a:camera prst="orthographicFront"/>
+      <a:lightRig rig="threePt" dir="t"/>
+    </dgm:scene3d>
+    <dgm:sp3d/>
+    <dgm:txPr/>
+    <dgm:style>
+      <a:lnRef idx="2">
+        <a:scrgbClr r="0" g="0" b="0"/>
+      </a:lnRef>
+      <a:fillRef idx="1">
+        <a:scrgbClr r="0" g="0" b="0"/>
+      </a:fillRef>
+      <a:effectRef idx="0">
+        <a:scrgbClr r="0" g="0" b="0"/>
+      </a:effectRef>
+      <a:fontRef idx="minor">
+        <a:schemeClr val="tx1"/>
+      </a:fontRef>
+    </dgm:style>
+  </dgm:styleLbl>
+  <dgm:styleLbl name="alignNode1">
+    <dgm:scene3d>
+      <a:camera prst="orthographicFront"/>
+      <a:lightRig rig="threePt" dir="t"/>
+    </dgm:scene3d>
+    <dgm:sp3d/>
+    <dgm:txPr/>
+    <dgm:style>
+      <a:lnRef idx="2">
+        <a:scrgbClr r="0" g="0" b="0"/>
+      </a:lnRef>
+      <a:fillRef idx="1">
+        <a:scrgbClr r="0" g="0" b="0"/>
+      </a:fillRef>
+      <a:effectRef idx="0">
+        <a:scrgbClr r="0" g="0" b="0"/>
+      </a:effectRef>
+      <a:fontRef idx="minor">
+        <a:schemeClr val="lt1"/>
+      </a:fontRef>
+    </dgm:style>
+  </dgm:styleLbl>
+  <dgm:styleLbl name="node1">
+    <dgm:scene3d>
+      <a:camera prst="orthographicFront"/>
+      <a:lightRig rig="threePt" dir="t"/>
+    </dgm:scene3d>
+    <dgm:sp3d/>
+    <dgm:txPr/>
+    <dgm:style>
+      <a:lnRef idx="2">
+        <a:scrgbClr r="0" g="0" b="0"/>
+      </a:lnRef>
+      <a:fillRef idx="1">
+        <a:scrgbClr r="0" g="0" b="0"/>
+      </a:fillRef>
+      <a:effectRef idx="0">
+        <a:scrgbClr r="0" g="0" b="0"/>
+      </a:effectRef>
+      <a:fontRef idx="minor">
+        <a:schemeClr val="lt1"/>
+      </a:fontRef>
+    </dgm:style>
+  </dgm:styleLbl>
+  <dgm:styleLbl name="node2">
+    <dgm:scene3d>
+      <a:camera prst="orthographicFront"/>
+      <a:lightRig rig="threePt" dir="t"/>
+    </dgm:scene3d>
+    <dgm:sp3d/>
+    <dgm:txPr/>
+    <dgm:style>
+      <a:lnRef idx="2">
+        <a:scrgbClr r="0" g="0" b="0"/>
+      </a:lnRef>
+      <a:fillRef idx="1">
+        <a:scrgbClr r="0" g="0" b="0"/>
+      </a:fillRef>
+      <a:effectRef idx="0">
+        <a:scrgbClr r="0" g="0" b="0"/>
+      </a:effectRef>
+      <a:fontRef idx="minor">
+        <a:schemeClr val="lt1"/>
+      </a:fontRef>
+    </dgm:style>
+  </dgm:styleLbl>
+  <dgm:styleLbl name="node3">
+    <dgm:scene3d>
+      <a:camera prst="orthographicFront"/>
+      <a:lightRig rig="threePt" dir="t"/>
+    </dgm:scene3d>
+    <dgm:sp3d/>
+    <dgm:txPr/>
+    <dgm:style>
+      <a:lnRef idx="2">
+        <a:scrgbClr r="0" g="0" b="0"/>
+      </a:lnRef>
+      <a:fillRef idx="1">
+        <a:scrgbClr r="0" g="0" b="0"/>
+      </a:fillRef>
+      <a:effectRef idx="0">
+        <a:scrgbClr r="0" g="0" b="0"/>
+      </a:effectRef>
+      <a:fontRef idx="minor">
+        <a:schemeClr val="lt1"/>
+      </a:fontRef>
+    </dgm:style>
+  </dgm:styleLbl>
+  <dgm:styleLbl name="node4">
+    <dgm:scene3d>
+      <a:camera prst="orthographicFront"/>
+      <a:lightRig rig="threePt" dir="t"/>
+    </dgm:scene3d>
+    <dgm:sp3d/>
+    <dgm:txPr/>
+    <dgm:style>
+      <a:lnRef idx="2">
+        <a:scrgbClr r="0" g="0" b="0"/>
+      </a:lnRef>
+      <a:fillRef idx="1">
+        <a:scrgbClr r="0" g="0" b="0"/>
+      </a:fillRef>
+      <a:effectRef idx="0">
+        <a:scrgbClr r="0" g="0" b="0"/>
+      </a:effectRef>
+      <a:fontRef idx="minor">
+        <a:schemeClr val="lt1"/>
+      </a:fontRef>
+    </dgm:style>
+  </dgm:styleLbl>
+  <dgm:styleLbl name="fgImgPlace1">
+    <dgm:scene3d>
+      <a:camera prst="orthographicFront"/>
+      <a:lightRig rig="threePt" dir="t"/>
+    </dgm:scene3d>
+    <dgm:sp3d/>
+    <dgm:txPr/>
+    <dgm:style>
+      <a:lnRef idx="2">
+        <a:scrgbClr r="0" g="0" b="0"/>
+      </a:lnRef>
+      <a:fillRef idx="1">
+        <a:scrgbClr r="0" g="0" b="0"/>
+      </a:fillRef>
+      <a:effectRef idx="0">
+        <a:scrgbClr r="0" g="0" b="0"/>
+      </a:effectRef>
+      <a:fontRef idx="minor"/>
+    </dgm:style>
+  </dgm:styleLbl>
+  <dgm:styleLbl name="alignImgPlace1">
+    <dgm:scene3d>
+      <a:camera prst="orthographicFront"/>
+      <a:lightRig rig="threePt" dir="t"/>
+    </dgm:scene3d>
+    <dgm:sp3d/>
+    <dgm:txPr/>
+    <dgm:style>
+      <a:lnRef idx="2">
+        <a:scrgbClr r="0" g="0" b="0"/>
+      </a:lnRef>
+      <a:fillRef idx="1">
+        <a:scrgbClr r="0" g="0" b="0"/>
+      </a:fillRef>
+      <a:effectRef idx="0">
+        <a:scrgbClr r="0" g="0" b="0"/>
+      </a:effectRef>
+      <a:fontRef idx="minor"/>
+    </dgm:style>
+  </dgm:styleLbl>
+  <dgm:styleLbl name="bgImgPlace1">
+    <dgm:scene3d>
+      <a:camera prst="orthographicFront"/>
+      <a:lightRig rig="threePt" dir="t"/>
+    </dgm:scene3d>
+    <dgm:sp3d/>
+    <dgm:txPr/>
+    <dgm:style>
+      <a:lnRef idx="2">
+        <a:scrgbClr r="0" g="0" b="0"/>
+      </a:lnRef>
+      <a:fillRef idx="1">
+        <a:scrgbClr r="0" g="0" b="0"/>
+      </a:fillRef>
+      <a:effectRef idx="0">
+        <a:scrgbClr r="0" g="0" b="0"/>
+      </a:effectRef>
+      <a:fontRef idx="minor"/>
+    </dgm:style>
+  </dgm:styleLbl>
+  <dgm:styleLbl name="sibTrans2D1">
+    <dgm:scene3d>
+      <a:camera prst="orthographicFront"/>
+      <a:lightRig rig="threePt" dir="t"/>
+    </dgm:scene3d>
+    <dgm:sp3d/>
+    <dgm:txPr/>
+    <dgm:style>
+      <a:lnRef idx="0">
+        <a:scrgbClr r="0" g="0" b="0"/>
+      </a:lnRef>
+      <a:fillRef idx="1">
+        <a:scrgbClr r="0" g="0" b="0"/>
+      </a:fillRef>
+      <a:effectRef idx="0">
+        <a:scrgbClr r="0" g="0" b="0"/>
+      </a:effectRef>
+      <a:fontRef idx="minor">
+        <a:schemeClr val="lt1"/>
+      </a:fontRef>
+    </dgm:style>
+  </dgm:styleLbl>
+  <dgm:styleLbl name="fgSibTrans2D1">
+    <dgm:scene3d>
+      <a:camera prst="orthographicFront"/>
+      <a:lightRig rig="threePt" dir="t"/>
+    </dgm:scene3d>
+    <dgm:sp3d/>
+    <dgm:txPr/>
+    <dgm:style>
+      <a:lnRef idx="0">
+        <a:scrgbClr r="0" g="0" b="0"/>
+      </a:lnRef>
+      <a:fillRef idx="1">
+        <a:scrgbClr r="0" g="0" b="0"/>
+      </a:fillRef>
+      <a:effectRef idx="0">
+        <a:scrgbClr r="0" g="0" b="0"/>
+      </a:effectRef>
+      <a:fontRef idx="minor">
+        <a:schemeClr val="lt1"/>
+      </a:fontRef>
+    </dgm:style>
+  </dgm:styleLbl>
+  <dgm:styleLbl name="bgSibTrans2D1">
+    <dgm:scene3d>
+      <a:camera prst="orthographicFront"/>
+      <a:lightRig rig="threePt" dir="t"/>
+    </dgm:scene3d>
+    <dgm:sp3d/>
+    <dgm:txPr/>
+    <dgm:style>
+      <a:lnRef idx="0">
+        <a:scrgbClr r="0" g="0" b="0"/>
+      </a:lnRef>
+      <a:fillRef idx="1">
+        <a:scrgbClr r="0" g="0" b="0"/>
+      </a:fillRef>
+      <a:effectRef idx="0">
+        <a:scrgbClr r="0" g="0" b="0"/>
+      </a:effectRef>
+      <a:fontRef idx="minor">
+        <a:schemeClr val="lt1"/>
+      </a:fontRef>
+    </dgm:style>
+  </dgm:styleLbl>
+  <dgm:styleLbl name="sibTrans1D1">
+    <dgm:scene3d>
+      <a:camera prst="orthographicFront"/>
+      <a:lightRig rig="threePt" dir="t"/>
+    </dgm:scene3d>
+    <dgm:sp3d/>
+    <dgm:txPr/>
+    <dgm:style>
+      <a:lnRef idx="1">
+        <a:scrgbClr r="0" g="0" b="0"/>
+      </a:lnRef>
+      <a:fillRef idx="0">
+        <a:scrgbClr r="0" g="0" b="0"/>
+      </a:fillRef>
+      <a:effectRef idx="0">
+        <a:scrgbClr r="0" g="0" b="0"/>
+      </a:effectRef>
+      <a:fontRef idx="minor"/>
+    </dgm:style>
+  </dgm:styleLbl>
+  <dgm:styleLbl name="callout">
+    <dgm:scene3d>
+      <a:camera prst="orthographicFront"/>
+      <a:lightRig rig="threePt" dir="t"/>
+    </dgm:scene3d>
+    <dgm:sp3d/>
+    <dgm:txPr/>
+    <dgm:style>
+      <a:lnRef idx="2">
+        <a:scrgbClr r="0" g="0" b="0"/>
+      </a:lnRef>
+      <a:fillRef idx="1">
+        <a:scrgbClr r="0" g="0" b="0"/>
+      </a:fillRef>
+      <a:effectRef idx="0">
+        <a:scrgbClr r="0" g="0" b="0"/>
+      </a:effectRef>
+      <a:fontRef idx="minor"/>
+    </dgm:style>
+  </dgm:styleLbl>
+  <dgm:styleLbl name="asst0">
+    <dgm:scene3d>
+      <a:camera prst="orthographicFront"/>
+      <a:lightRig rig="threePt" dir="t"/>
+    </dgm:scene3d>
+    <dgm:sp3d/>
+    <dgm:txPr/>
+    <dgm:style>
+      <a:lnRef idx="2">
+        <a:scrgbClr r="0" g="0" b="0"/>
+      </a:lnRef>
+      <a:fillRef idx="1">
+        <a:scrgbClr r="0" g="0" b="0"/>
+      </a:fillRef>
+      <a:effectRef idx="0">
+        <a:scrgbClr r="0" g="0" b="0"/>
+      </a:effectRef>
+      <a:fontRef idx="minor">
+        <a:schemeClr val="lt1"/>
+      </a:fontRef>
+    </dgm:style>
+  </dgm:styleLbl>
+  <dgm:styleLbl name="asst1">
+    <dgm:scene3d>
+      <a:camera prst="orthographicFront"/>
+      <a:lightRig rig="threePt" dir="t"/>
+    </dgm:scene3d>
+    <dgm:sp3d/>
+    <dgm:txPr/>
+    <dgm:style>
+      <a:lnRef idx="2">
+        <a:scrgbClr r="0" g="0" b="0"/>
+      </a:lnRef>
+      <a:fillRef idx="1">
+        <a:scrgbClr r="0" g="0" b="0"/>
+      </a:fillRef>
+      <a:effectRef idx="0">
+        <a:scrgbClr r="0" g="0" b="0"/>
+      </a:effectRef>
+      <a:fontRef idx="minor">
+        <a:schemeClr val="lt1"/>
+      </a:fontRef>
+    </dgm:style>
+  </dgm:styleLbl>
+  <dgm:styleLbl name="asst2">
+    <dgm:scene3d>
+      <a:camera prst="orthographicFront"/>
+      <a:lightRig rig="threePt" dir="t"/>
+    </dgm:scene3d>
+    <dgm:sp3d/>
+    <dgm:txPr/>
+    <dgm:style>
+      <a:lnRef idx="2">
+        <a:scrgbClr r="0" g="0" b="0"/>
+      </a:lnRef>
+      <a:fillRef idx="1">
+        <a:scrgbClr r="0" g="0" b="0"/>
+      </a:fillRef>
+      <a:effectRef idx="0">
+        <a:scrgbClr r="0" g="0" b="0"/>
+      </a:effectRef>
+      <a:fontRef idx="minor">
+        <a:schemeClr val="lt1"/>
+      </a:fontRef>
+    </dgm:style>
+  </dgm:styleLbl>
+  <dgm:styleLbl name="asst3">
+    <dgm:scene3d>
+      <a:camera prst="orthographicFront"/>
+      <a:lightRig rig="threePt" dir="t"/>
+    </dgm:scene3d>
+    <dgm:sp3d/>
+    <dgm:txPr/>
+    <dgm:style>
+      <a:lnRef idx="2">
+        <a:scrgbClr r="0" g="0" b="0"/>
+      </a:lnRef>
+      <a:fillRef idx="1">
+        <a:scrgbClr r="0" g="0" b="0"/>
+      </a:fillRef>
+      <a:effectRef idx="0">
+        <a:scrgbClr r="0" g="0" b="0"/>
+      </a:effectRef>
+      <a:fontRef idx="minor">
+        <a:schemeClr val="lt1"/>
+      </a:fontRef>
+    </dgm:style>
+  </dgm:styleLbl>
+  <dgm:styleLbl name="asst4">
+    <dgm:scene3d>
+      <a:camera prst="orthographicFront"/>
+      <a:lightRig rig="threePt" dir="t"/>
+    </dgm:scene3d>
+    <dgm:sp3d/>
+    <dgm:txPr/>
+    <dgm:style>
+      <a:lnRef idx="2">
+        <a:scrgbClr r="0" g="0" b="0"/>
+      </a:lnRef>
+      <a:fillRef idx="1">
+        <a:scrgbClr r="0" g="0" b="0"/>
+      </a:fillRef>
+      <a:effectRef idx="0">
+        <a:scrgbClr r="0" g="0" b="0"/>
+      </a:effectRef>
+      <a:fontRef idx="minor">
+        <a:schemeClr val="lt1"/>
+      </a:fontRef>
+    </dgm:style>
+  </dgm:styleLbl>
+  <dgm:styleLbl name="parChTrans2D1">
+    <dgm:scene3d>
+      <a:camera prst="orthographicFront"/>
+      <a:lightRig rig="threePt" dir="t"/>
+    </dgm:scene3d>
+    <dgm:sp3d/>
+    <dgm:txPr/>
+    <dgm:style>
+      <a:lnRef idx="2">
+        <a:scrgbClr r="0" g="0" b="0"/>
+      </a:lnRef>
+      <a:fillRef idx="1">
+        <a:scrgbClr r="0" g="0" b="0"/>
+      </a:fillRef>
+      <a:effectRef idx="0">
+        <a:scrgbClr r="0" g="0" b="0"/>
+      </a:effectRef>
+      <a:fontRef idx="minor">
+        <a:schemeClr val="lt1"/>
+      </a:fontRef>
+    </dgm:style>
+  </dgm:styleLbl>
+  <dgm:styleLbl name="parChTrans2D2">
+    <dgm:scene3d>
+      <a:camera prst="orthographicFront"/>
+      <a:lightRig rig="threePt" dir="t"/>
+    </dgm:scene3d>
+    <dgm:sp3d/>
+    <dgm:txPr/>
+    <dgm:style>
+      <a:lnRef idx="2">
+        <a:scrgbClr r="0" g="0" b="0"/>
+      </a:lnRef>
+      <a:fillRef idx="1">
+        <a:scrgbClr r="0" g="0" b="0"/>
+      </a:fillRef>
+      <a:effectRef idx="0">
+        <a:scrgbClr r="0" g="0" b="0"/>
+      </a:effectRef>
+      <a:fontRef idx="minor">
+        <a:schemeClr val="lt1"/>
+      </a:fontRef>
+    </dgm:style>
+  </dgm:styleLbl>
+  <dgm:styleLbl name="parChTrans2D3">
+    <dgm:scene3d>
+      <a:camera prst="orthographicFront"/>
+      <a:lightRig rig="threePt" dir="t"/>
+    </dgm:scene3d>
+    <dgm:sp3d/>
+    <dgm:txPr/>
+    <dgm:style>
+      <a:lnRef idx="2">
+        <a:scrgbClr r="0" g="0" b="0"/>
+      </a:lnRef>
+      <a:fillRef idx="1">
+        <a:scrgbClr r="0" g="0" b="0"/>
+      </a:fillRef>
+      <a:effectRef idx="0">
+        <a:scrgbClr r="0" g="0" b="0"/>
+      </a:effectRef>
+      <a:fontRef idx="minor">
+        <a:schemeClr val="lt1"/>
+      </a:fontRef>
+    </dgm:style>
+  </dgm:styleLbl>
+  <dgm:styleLbl name="parChTrans2D4">
+    <dgm:scene3d>
+      <a:camera prst="orthographicFront"/>
+      <a:lightRig rig="threePt" dir="t"/>
+    </dgm:scene3d>
+    <dgm:sp3d/>
+    <dgm:txPr/>
+    <dgm:style>
+      <a:lnRef idx="2">
+        <a:scrgbClr r="0" g="0" b="0"/>
+      </a:lnRef>
+      <a:fillRef idx="1">
+        <a:scrgbClr r="0" g="0" b="0"/>
+      </a:fillRef>
+      <a:effectRef idx="0">
+        <a:scrgbClr r="0" g="0" b="0"/>
+      </a:effectRef>
+      <a:fontRef idx="minor">
+        <a:schemeClr val="lt1"/>
+      </a:fontRef>
+    </dgm:style>
+  </dgm:styleLbl>
+  <dgm:styleLbl name="parChTrans1D1">
+    <dgm:scene3d>
+      <a:camera prst="orthographicFront"/>
+      <a:lightRig rig="threePt" dir="t"/>
+    </dgm:scene3d>
+    <dgm:sp3d/>
+    <dgm:txPr/>
+    <dgm:style>
+      <a:lnRef idx="2">
+        <a:scrgbClr r="0" g="0" b="0"/>
+      </a:lnRef>
+      <a:fillRef idx="0">
+        <a:scrgbClr r="0" g="0" b="0"/>
+      </a:fillRef>
+      <a:effectRef idx="0">
+        <a:scrgbClr r="0" g="0" b="0"/>
+      </a:effectRef>
+      <a:fontRef idx="minor"/>
+    </dgm:style>
+  </dgm:styleLbl>
+  <dgm:styleLbl name="parChTrans1D2">
+    <dgm:scene3d>
+      <a:camera prst="orthographicFront"/>
+      <a:lightRig rig="threePt" dir="t"/>
+    </dgm:scene3d>
+    <dgm:sp3d/>
+    <dgm:txPr/>
+    <dgm:style>
+      <a:lnRef idx="2">
+        <a:scrgbClr r="0" g="0" b="0"/>
+      </a:lnRef>
+      <a:fillRef idx="0">
+        <a:scrgbClr r="0" g="0" b="0"/>
+      </a:fillRef>
+      <a:effectRef idx="0">
+        <a:scrgbClr r="0" g="0" b="0"/>
+      </a:effectRef>
+      <a:fontRef idx="minor"/>
+    </dgm:style>
+  </dgm:styleLbl>
+  <dgm:styleLbl name="parChTrans1D3">
+    <dgm:scene3d>
+      <a:camera prst="orthographicFront"/>
+      <a:lightRig rig="threePt" dir="t"/>
+    </dgm:scene3d>
+    <dgm:sp3d/>
+    <dgm:txPr/>
+    <dgm:style>
+      <a:lnRef idx="2">
+        <a:scrgbClr r="0" g="0" b="0"/>
+      </a:lnRef>
+      <a:fillRef idx="0">
+        <a:scrgbClr r="0" g="0" b="0"/>
+      </a:fillRef>
+      <a:effectRef idx="0">
+        <a:scrgbClr r="0" g="0" b="0"/>
+      </a:effectRef>
+      <a:fontRef idx="minor"/>
+    </dgm:style>
+  </dgm:styleLbl>
+  <dgm:styleLbl name="parChTrans1D4">
+    <dgm:scene3d>
+      <a:camera prst="orthographicFront"/>
+      <a:lightRig rig="threePt" dir="t"/>
+    </dgm:scene3d>
+    <dgm:sp3d/>
+    <dgm:txPr/>
+    <dgm:style>
+      <a:lnRef idx="2">
+        <a:scrgbClr r="0" g="0" b="0"/>
+      </a:lnRef>
+      <a:fillRef idx="0">
+        <a:scrgbClr r="0" g="0" b="0"/>
+      </a:fillRef>
+      <a:effectRef idx="0">
+        <a:scrgbClr r="0" g="0" b="0"/>
+      </a:effectRef>
+      <a:fontRef idx="minor"/>
+    </dgm:style>
+  </dgm:styleLbl>
+  <dgm:styleLbl name="fgAcc1">
+    <dgm:scene3d>
+      <a:camera prst="orthographicFront"/>
+      <a:lightRig rig="threePt" dir="t"/>
+    </dgm:scene3d>
+    <dgm:sp3d/>
+    <dgm:txPr/>
+    <dgm:style>
+      <a:lnRef idx="2">
+        <a:scrgbClr r="0" g="0" b="0"/>
+      </a:lnRef>
+      <a:fillRef idx="1">
+        <a:scrgbClr r="0" g="0" b="0"/>
+      </a:fillRef>
+      <a:effectRef idx="0">
+        <a:scrgbClr r="0" g="0" b="0"/>
+      </a:effectRef>
+      <a:fontRef idx="minor"/>
+    </dgm:style>
+  </dgm:styleLbl>
+  <dgm:styleLbl name="conFgAcc1">
+    <dgm:scene3d>
+      <a:camera prst="orthographicFront"/>
+      <a:lightRig rig="threePt" dir="t"/>
+    </dgm:scene3d>
+    <dgm:sp3d/>
+    <dgm:txPr/>
+    <dgm:style>
+      <a:lnRef idx="2">
+        <a:scrgbClr r="0" g="0" b="0"/>
+      </a:lnRef>
+      <a:fillRef idx="1">
+        <a:scrgbClr r="0" g="0" b="0"/>
+      </a:fillRef>
+      <a:effectRef idx="0">
+        <a:scrgbClr r="0" g="0" b="0"/>
+      </a:effectRef>
+      <a:fontRef idx="minor"/>
+    </dgm:style>
+  </dgm:styleLbl>
+  <dgm:styleLbl name="alignAcc1">
+    <dgm:scene3d>
+      <a:camera prst="orthographicFront"/>
+      <a:lightRig rig="threePt" dir="t"/>
+    </dgm:scene3d>
+    <dgm:sp3d/>
+    <dgm:txPr/>
+    <dgm:style>
+      <a:lnRef idx="2">
+        <a:scrgbClr r="0" g="0" b="0"/>
+      </a:lnRef>
+      <a:fillRef idx="1">
+        <a:scrgbClr r="0" g="0" b="0"/>
+      </a:fillRef>
+      <a:effectRef idx="0">
+        <a:scrgbClr r="0" g="0" b="0"/>
+      </a:effectRef>
+      <a:fontRef idx="minor"/>
+    </dgm:style>
+  </dgm:styleLbl>
+  <dgm:styleLbl name="trAlignAcc1">
+    <dgm:scene3d>
+      <a:camera prst="orthographicFront"/>
+      <a:lightRig rig="threePt" dir="t"/>
+    </dgm:scene3d>
+    <dgm:sp3d/>
+    <dgm:txPr/>
+    <dgm:style>
+      <a:lnRef idx="1">
+        <a:scrgbClr r="0" g="0" b="0"/>
+      </a:lnRef>
+      <a:fillRef idx="1">
+        <a:scrgbClr r="0" g="0" b="0"/>
+      </a:fillRef>
+      <a:effectRef idx="0">
+        <a:scrgbClr r="0" g="0" b="0"/>
+      </a:effectRef>
+      <a:fontRef idx="minor"/>
+    </dgm:style>
+  </dgm:styleLbl>
+  <dgm:styleLbl name="bgAcc1">
+    <dgm:scene3d>
+      <a:camera prst="orthographicFront"/>
+      <a:lightRig rig="threePt" dir="t"/>
+    </dgm:scene3d>
+    <dgm:sp3d/>
+    <dgm:txPr/>
+    <dgm:style>
+      <a:lnRef idx="2">
+        <a:scrgbClr r="0" g="0" b="0"/>
+      </a:lnRef>
+      <a:fillRef idx="1">
+        <a:scrgbClr r="0" g="0" b="0"/>
+      </a:fillRef>
+      <a:effectRef idx="0">
+        <a:scrgbClr r="0" g="0" b="0"/>
+      </a:effectRef>
+      <a:fontRef idx="minor"/>
+    </dgm:style>
+  </dgm:styleLbl>
+  <dgm:styleLbl name="solidFgAcc1">
+    <dgm:scene3d>
+      <a:camera prst="orthographicFront"/>
+      <a:lightRig rig="threePt" dir="t"/>
+    </dgm:scene3d>
+    <dgm:sp3d/>
+    <dgm:txPr/>
+    <dgm:style>
+      <a:lnRef idx="2">
+        <a:scrgbClr r="0" g="0" b="0"/>
+      </a:lnRef>
+      <a:fillRef idx="1">
+        <a:scrgbClr r="0" g="0" b="0"/>
+      </a:fillRef>
+      <a:effectRef idx="0">
+        <a:scrgbClr r="0" g="0" b="0"/>
+      </a:effectRef>
+      <a:fontRef idx="minor"/>
+    </dgm:style>
+  </dgm:styleLbl>
+  <dgm:styleLbl name="solidAlignAcc1">
+    <dgm:scene3d>
+      <a:camera prst="orthographicFront"/>
+      <a:lightRig rig="threePt" dir="t"/>
+    </dgm:scene3d>
+    <dgm:sp3d/>
+    <dgm:txPr/>
+    <dgm:style>
+      <a:lnRef idx="2">
+        <a:scrgbClr r="0" g="0" b="0"/>
+      </a:lnRef>
+      <a:fillRef idx="1">
+        <a:scrgbClr r="0" g="0" b="0"/>
+      </a:fillRef>
+      <a:effectRef idx="0">
+        <a:scrgbClr r="0" g="0" b="0"/>
+      </a:effectRef>
+      <a:fontRef idx="minor"/>
+    </dgm:style>
+  </dgm:styleLbl>
+  <dgm:styleLbl name="solidBgAcc1">
+    <dgm:scene3d>
+      <a:camera prst="orthographicFront"/>
+      <a:lightRig rig="threePt" dir="t"/>
+    </dgm:scene3d>
+    <dgm:sp3d/>
+    <dgm:txPr/>
+    <dgm:style>
+      <a:lnRef idx="2">
+        <a:scrgbClr r="0" g="0" b="0"/>
+      </a:lnRef>
+      <a:fillRef idx="1">
+        <a:scrgbClr r="0" g="0" b="0"/>
+      </a:fillRef>
+      <a:effectRef idx="0">
+        <a:scrgbClr r="0" g="0" b="0"/>
+      </a:effectRef>
+      <a:fontRef idx="minor"/>
+    </dgm:style>
+  </dgm:styleLbl>
+  <dgm:styleLbl name="fgAccFollowNode1">
+    <dgm:scene3d>
+      <a:camera prst="orthographicFront"/>
+      <a:lightRig rig="threePt" dir="t"/>
+    </dgm:scene3d>
+    <dgm:sp3d/>
+    <dgm:txPr/>
+    <dgm:style>
+      <a:lnRef idx="2">
+        <a:scrgbClr r="0" g="0" b="0"/>
+      </a:lnRef>
+      <a:fillRef idx="1">
+        <a:scrgbClr r="0" g="0" b="0"/>
+      </a:fillRef>
+      <a:effectRef idx="0">
+        <a:scrgbClr r="0" g="0" b="0"/>
+      </a:effectRef>
+      <a:fontRef idx="minor"/>
+    </dgm:style>
+  </dgm:styleLbl>
+  <dgm:styleLbl name="alignAccFollowNode1">
+    <dgm:scene3d>
+      <a:camera prst="orthographicFront"/>
+      <a:lightRig rig="threePt" dir="t"/>
+    </dgm:scene3d>
+    <dgm:sp3d/>
+    <dgm:txPr/>
+    <dgm:style>
+      <a:lnRef idx="2">
+        <a:scrgbClr r="0" g="0" b="0"/>
+      </a:lnRef>
+      <a:fillRef idx="1">
+        <a:scrgbClr r="0" g="0" b="0"/>
+      </a:fillRef>
+      <a:effectRef idx="0">
+        <a:scrgbClr r="0" g="0" b="0"/>
+      </a:effectRef>
+      <a:fontRef idx="minor"/>
+    </dgm:style>
+  </dgm:styleLbl>
+  <dgm:styleLbl name="bgAccFollowNode1">
+    <dgm:scene3d>
+      <a:camera prst="orthographicFront"/>
+      <a:lightRig rig="threePt" dir="t"/>
+    </dgm:scene3d>
+    <dgm:sp3d/>
+    <dgm:txPr/>
+    <dgm:style>
+      <a:lnRef idx="2">
+        <a:scrgbClr r="0" g="0" b="0"/>
+      </a:lnRef>
+      <a:fillRef idx="1">
+        <a:scrgbClr r="0" g="0" b="0"/>
+      </a:fillRef>
+      <a:effectRef idx="0">
+        <a:scrgbClr r="0" g="0" b="0"/>
+      </a:effectRef>
+      <a:fontRef idx="minor"/>
+    </dgm:style>
+  </dgm:styleLbl>
+  <dgm:styleLbl name="fgAcc0">
+    <dgm:scene3d>
+      <a:camera prst="orthographicFront"/>
+      <a:lightRig rig="threePt" dir="t"/>
+    </dgm:scene3d>
+    <dgm:sp3d/>
+    <dgm:txPr/>
+    <dgm:style>
+      <a:lnRef idx="2">
+        <a:scrgbClr r="0" g="0" b="0"/>
+      </a:lnRef>
+      <a:fillRef idx="1">
+        <a:scrgbClr r="0" g="0" b="0"/>
+      </a:fillRef>
+      <a:effectRef idx="0">
+        <a:scrgbClr r="0" g="0" b="0"/>
+      </a:effectRef>
+      <a:fontRef idx="minor"/>
+    </dgm:style>
+  </dgm:styleLbl>
+  <dgm:styleLbl name="fgAcc2">
+    <dgm:scene3d>
+      <a:camera prst="orthographicFront"/>
+      <a:lightRig rig="threePt" dir="t"/>
+    </dgm:scene3d>
+    <dgm:sp3d/>
+    <dgm:txPr/>
+    <dgm:style>
+      <a:lnRef idx="2">
+        <a:scrgbClr r="0" g="0" b="0"/>
+      </a:lnRef>
+      <a:fillRef idx="1">
+        <a:scrgbClr r="0" g="0" b="0"/>
+      </a:fillRef>
+      <a:effectRef idx="0">
+        <a:scrgbClr r="0" g="0" b="0"/>
+      </a:effectRef>
+      <a:fontRef idx="minor"/>
+    </dgm:style>
+  </dgm:styleLbl>
+  <dgm:styleLbl name="fgAcc3">
+    <dgm:scene3d>
+      <a:camera prst="orthographicFront"/>
+      <a:lightRig rig="threePt" dir="t"/>
+    </dgm:scene3d>
+    <dgm:sp3d/>
+    <dgm:txPr/>
+    <dgm:style>
+      <a:lnRef idx="2">
+        <a:scrgbClr r="0" g="0" b="0"/>
+      </a:lnRef>
+      <a:fillRef idx="1">
+        <a:scrgbClr r="0" g="0" b="0"/>
+      </a:fillRef>
+      <a:effectRef idx="0">
+        <a:scrgbClr r="0" g="0" b="0"/>
+      </a:effectRef>
+      <a:fontRef idx="minor"/>
+    </dgm:style>
+  </dgm:styleLbl>
+  <dgm:styleLbl name="fgAcc4">
+    <dgm:scene3d>
+      <a:camera prst="orthographicFront"/>
+      <a:lightRig rig="threePt" dir="t"/>
+    </dgm:scene3d>
+    <dgm:sp3d/>
+    <dgm:txPr/>
+    <dgm:style>
+      <a:lnRef idx="2">
+        <a:scrgbClr r="0" g="0" b="0"/>
+      </a:lnRef>
+      <a:fillRef idx="1">
+        <a:scrgbClr r="0" g="0" b="0"/>
+      </a:fillRef>
+      <a:effectRef idx="0">
+        <a:scrgbClr r="0" g="0" b="0"/>
+      </a:effectRef>
+      <a:fontRef idx="minor"/>
+    </dgm:style>
+  </dgm:styleLbl>
+  <dgm:styleLbl name="bgShp">
+    <dgm:scene3d>
+      <a:camera prst="orthographicFront"/>
+      <a:lightRig rig="threePt" dir="t"/>
+    </dgm:scene3d>
+    <dgm:sp3d/>
+    <dgm:txPr/>
+    <dgm:style>
+      <a:lnRef idx="0">
+        <a:scrgbClr r="0" g="0" b="0"/>
+      </a:lnRef>
+      <a:fillRef idx="1">
+        <a:scrgbClr r="0" g="0" b="0"/>
+      </a:fillRef>
+      <a:effectRef idx="0">
+        <a:scrgbClr r="0" g="0" b="0"/>
+      </a:effectRef>
+      <a:fontRef idx="minor"/>
+    </dgm:style>
+  </dgm:styleLbl>
+  <dgm:styleLbl name="dkBgShp">
+    <dgm:scene3d>
+      <a:camera prst="orthographicFront"/>
+      <a:lightRig rig="threePt" dir="t"/>
+    </dgm:scene3d>
+    <dgm:sp3d/>
+    <dgm:txPr/>
+    <dgm:style>
+      <a:lnRef idx="0">
+        <a:scrgbClr r="0" g="0" b="0"/>
+      </a:lnRef>
+      <a:fillRef idx="1">
+        <a:scrgbClr r="0" g="0" b="0"/>
+      </a:fillRef>
+      <a:effectRef idx="0">
+        <a:scrgbClr r="0" g="0" b="0"/>
+      </a:effectRef>
+      <a:fontRef idx="minor"/>
+    </dgm:style>
+  </dgm:styleLbl>
+  <dgm:styleLbl name="trBgShp">
+    <dgm:scene3d>
+      <a:camera prst="orthographicFront"/>
+      <a:lightRig rig="threePt" dir="t"/>
+    </dgm:scene3d>
+    <dgm:sp3d/>
+    <dgm:txPr/>
+    <dgm:style>
+      <a:lnRef idx="0">
+        <a:scrgbClr r="0" g="0" b="0"/>
+      </a:lnRef>
+      <a:fillRef idx="1">
+        <a:scrgbClr r="0" g="0" b="0"/>
+      </a:fillRef>
+      <a:effectRef idx="0">
+        <a:scrgbClr r="0" g="0" b="0"/>
+      </a:effectRef>
+      <a:fontRef idx="minor"/>
+    </dgm:style>
+  </dgm:styleLbl>
+  <dgm:styleLbl name="fgShp">
+    <dgm:scene3d>
+      <a:camera prst="orthographicFront"/>
+      <a:lightRig rig="threePt" dir="t"/>
+    </dgm:scene3d>
+    <dgm:sp3d/>
+    <dgm:txPr/>
+    <dgm:style>
+      <a:lnRef idx="2">
+        <a:scrgbClr r="0" g="0" b="0"/>
+      </a:lnRef>
+      <a:fillRef idx="1">
+        <a:scrgbClr r="0" g="0" b="0"/>
+      </a:fillRef>
+      <a:effectRef idx="0">
+        <a:scrgbClr r="0" g="0" b="0"/>
+      </a:effectRef>
+      <a:fontRef idx="minor"/>
+    </dgm:style>
+  </dgm:styleLbl>
+  <dgm:styleLbl name="revTx">
+    <dgm:scene3d>
+      <a:camera prst="orthographicFront"/>
+      <a:lightRig rig="threePt" dir="t"/>
+    </dgm:scene3d>
+    <dgm:sp3d/>
+    <dgm:txPr/>
+    <dgm:style>
+      <a:lnRef idx="0">
+        <a:scrgbClr r="0" g="0" b="0"/>
+      </a:lnRef>
+      <a:fillRef idx="0">
+        <a:scrgbClr r="0" g="0" b="0"/>
+      </a:fillRef>
+      <a:effectRef idx="0">
+        <a:scrgbClr r="0" g="0" b="0"/>
+      </a:effectRef>
+      <a:fontRef idx="minor"/>
+    </dgm:style>
+  </dgm:styleLbl>
+</dgm:styleDef>
+</file>
+
 <file path=ppt/notesMasters/notesMaster1.xml><?xml version="1.0" encoding="utf-8"?>
 <p:notesMaster xmlns:a="http://schemas.openxmlformats.org/drawingml/2006/main" xmlns:r="http://schemas.openxmlformats.org/officeDocument/2006/relationships" xmlns:p="http://schemas.openxmlformats.org/presentationml/2006/main">
   <p:cSld>
@@ -214,7 +8452,7 @@
           <a:p>
             <a:fld id="{7B126BB8-5932-4ACC-8CD5-328D9DA138C9}" type="datetimeFigureOut">
               <a:rPr lang="en-US" smtClean="0"/>
-              <a:t>1/22/2020</a:t>
+              <a:t>6/4/2020</a:t>
             </a:fld>
             <a:endParaRPr lang="en-US"/>
           </a:p>
@@ -660,7 +8898,7 @@
           <a:p>
             <a:fld id="{9E9AFD63-10BD-4598-9E1E-9FFECB76D2D7}" type="datetimeFigureOut">
               <a:rPr lang="en-US" smtClean="0"/>
-              <a:t>1/22/2020</a:t>
+              <a:t>6/4/2020</a:t>
             </a:fld>
             <a:endParaRPr lang="en-US"/>
           </a:p>
@@ -828,7 +9066,7 @@
           <a:p>
             <a:fld id="{9E9AFD63-10BD-4598-9E1E-9FFECB76D2D7}" type="datetimeFigureOut">
               <a:rPr lang="en-US" smtClean="0"/>
-              <a:t>1/22/2020</a:t>
+              <a:t>6/4/2020</a:t>
             </a:fld>
             <a:endParaRPr lang="en-US"/>
           </a:p>
@@ -1006,7 +9244,7 @@
           <a:p>
             <a:fld id="{9E9AFD63-10BD-4598-9E1E-9FFECB76D2D7}" type="datetimeFigureOut">
               <a:rPr lang="en-US" smtClean="0"/>
-              <a:t>1/22/2020</a:t>
+              <a:t>6/4/2020</a:t>
             </a:fld>
             <a:endParaRPr lang="en-US"/>
           </a:p>
@@ -2761,7 +10999,7 @@
           <a:p>
             <a:fld id="{9E9AFD63-10BD-4598-9E1E-9FFECB76D2D7}" type="datetimeFigureOut">
               <a:rPr lang="en-US" smtClean="0"/>
-              <a:t>1/22/2020</a:t>
+              <a:t>6/4/2020</a:t>
             </a:fld>
             <a:endParaRPr lang="en-US"/>
           </a:p>
@@ -3205,7 +11443,7 @@
           <a:p>
             <a:fld id="{9E9AFD63-10BD-4598-9E1E-9FFECB76D2D7}" type="datetimeFigureOut">
               <a:rPr lang="en-US" smtClean="0"/>
-              <a:t>1/22/2020</a:t>
+              <a:t>6/4/2020</a:t>
             </a:fld>
             <a:endParaRPr lang="en-US"/>
           </a:p>
@@ -3490,7 +11728,7 @@
           <a:p>
             <a:fld id="{9E9AFD63-10BD-4598-9E1E-9FFECB76D2D7}" type="datetimeFigureOut">
               <a:rPr lang="en-US" smtClean="0"/>
-              <a:t>1/22/2020</a:t>
+              <a:t>6/4/2020</a:t>
             </a:fld>
             <a:endParaRPr lang="en-US"/>
           </a:p>
@@ -3909,7 +12147,7 @@
           <a:p>
             <a:fld id="{9E9AFD63-10BD-4598-9E1E-9FFECB76D2D7}" type="datetimeFigureOut">
               <a:rPr lang="en-US" smtClean="0"/>
-              <a:t>1/22/2020</a:t>
+              <a:t>6/4/2020</a:t>
             </a:fld>
             <a:endParaRPr lang="en-US"/>
           </a:p>
@@ -4026,7 +12264,7 @@
           <a:p>
             <a:fld id="{9E9AFD63-10BD-4598-9E1E-9FFECB76D2D7}" type="datetimeFigureOut">
               <a:rPr lang="en-US" smtClean="0"/>
-              <a:t>1/22/2020</a:t>
+              <a:t>6/4/2020</a:t>
             </a:fld>
             <a:endParaRPr lang="en-US"/>
           </a:p>
@@ -4121,7 +12359,7 @@
           <a:p>
             <a:fld id="{9E9AFD63-10BD-4598-9E1E-9FFECB76D2D7}" type="datetimeFigureOut">
               <a:rPr lang="en-US" smtClean="0"/>
-              <a:t>1/22/2020</a:t>
+              <a:t>6/4/2020</a:t>
             </a:fld>
             <a:endParaRPr lang="en-US"/>
           </a:p>
@@ -4396,7 +12634,7 @@
           <a:p>
             <a:fld id="{9E9AFD63-10BD-4598-9E1E-9FFECB76D2D7}" type="datetimeFigureOut">
               <a:rPr lang="en-US" smtClean="0"/>
-              <a:t>1/22/2020</a:t>
+              <a:t>6/4/2020</a:t>
             </a:fld>
             <a:endParaRPr lang="en-US"/>
           </a:p>
@@ -4648,7 +12886,7 @@
           <a:p>
             <a:fld id="{9E9AFD63-10BD-4598-9E1E-9FFECB76D2D7}" type="datetimeFigureOut">
               <a:rPr lang="en-US" smtClean="0"/>
-              <a:t>1/22/2020</a:t>
+              <a:t>6/4/2020</a:t>
             </a:fld>
             <a:endParaRPr lang="en-US"/>
           </a:p>
@@ -4859,7 +13097,7 @@
           <a:p>
             <a:fld id="{9E9AFD63-10BD-4598-9E1E-9FFECB76D2D7}" type="datetimeFigureOut">
               <a:rPr lang="en-US" smtClean="0"/>
-              <a:t>1/22/2020</a:t>
+              <a:t>6/4/2020</a:t>
             </a:fld>
             <a:endParaRPr lang="en-US"/>
           </a:p>
@@ -13281,6 +21519,1254 @@
           <a:chExt cx="0" cy="0"/>
         </a:xfrm>
       </p:grpSpPr>
+      <p:graphicFrame>
+        <p:nvGraphicFramePr>
+          <p:cNvPr id="88" name="Diagram 87">
+            <a:extLst>
+              <a:ext uri="{FF2B5EF4-FFF2-40B4-BE49-F238E27FC236}">
+                <a16:creationId xmlns:a16="http://schemas.microsoft.com/office/drawing/2014/main" id="{22CBED1C-9876-4BDF-949B-9074C117E7CB}"/>
+              </a:ext>
+            </a:extLst>
+          </p:cNvPr>
+          <p:cNvGraphicFramePr/>
+          <p:nvPr>
+            <p:extLst>
+              <p:ext uri="{D42A27DB-BD31-4B8C-83A1-F6EECF244321}">
+                <p14:modId xmlns:p14="http://schemas.microsoft.com/office/powerpoint/2010/main" val="4007973831"/>
+              </p:ext>
+            </p:extLst>
+          </p:nvPr>
+        </p:nvGraphicFramePr>
+        <p:xfrm>
+          <a:off x="298262" y="2637770"/>
+          <a:ext cx="7918531" cy="1418655"/>
+        </p:xfrm>
+        <a:graphic>
+          <a:graphicData uri="http://schemas.openxmlformats.org/drawingml/2006/diagram">
+            <dgm:relIds xmlns:dgm="http://schemas.openxmlformats.org/drawingml/2006/diagram" xmlns:r="http://schemas.openxmlformats.org/officeDocument/2006/relationships" r:dm="rId2" r:lo="rId3" r:qs="rId4" r:cs="rId5"/>
+          </a:graphicData>
+        </a:graphic>
+      </p:graphicFrame>
+      <p:sp>
+        <p:nvSpPr>
+          <p:cNvPr id="6" name="TextBox 5"/>
+          <p:cNvSpPr txBox="1"/>
+          <p:nvPr/>
+        </p:nvSpPr>
+        <p:spPr>
+          <a:xfrm>
+            <a:off x="4896047" y="3702733"/>
+            <a:ext cx="1154522" cy="276999"/>
+          </a:xfrm>
+          <a:prstGeom prst="rect">
+            <a:avLst/>
+          </a:prstGeom>
+          <a:noFill/>
+          <a:ln>
+            <a:noFill/>
+          </a:ln>
+        </p:spPr>
+        <p:txBody>
+          <a:bodyPr wrap="square" rtlCol="0">
+            <a:spAutoFit/>
+          </a:bodyPr>
+          <a:lstStyle/>
+          <a:p>
+            <a:pPr algn="ctr"/>
+            <a:r>
+              <a:rPr lang="en-US" sz="1200" dirty="0">
+                <a:solidFill>
+                  <a:srgbClr val="216AAF"/>
+                </a:solidFill>
+              </a:rPr>
+              <a:t>Organism</a:t>
+            </a:r>
+          </a:p>
+        </p:txBody>
+      </p:sp>
+      <p:sp>
+        <p:nvSpPr>
+          <p:cNvPr id="7" name="TextBox 6"/>
+          <p:cNvSpPr txBox="1"/>
+          <p:nvPr/>
+        </p:nvSpPr>
+        <p:spPr>
+          <a:xfrm>
+            <a:off x="4151320" y="3702733"/>
+            <a:ext cx="1152030" cy="276999"/>
+          </a:xfrm>
+          <a:prstGeom prst="rect">
+            <a:avLst/>
+          </a:prstGeom>
+          <a:noFill/>
+          <a:ln>
+            <a:noFill/>
+          </a:ln>
+        </p:spPr>
+        <p:txBody>
+          <a:bodyPr wrap="square" rtlCol="0">
+            <a:spAutoFit/>
+          </a:bodyPr>
+          <a:lstStyle/>
+          <a:p>
+            <a:pPr algn="ctr"/>
+            <a:r>
+              <a:rPr lang="en-US" sz="1200" dirty="0">
+                <a:solidFill>
+                  <a:srgbClr val="216AAF"/>
+                </a:solidFill>
+              </a:rPr>
+              <a:t>Systems</a:t>
+            </a:r>
+          </a:p>
+        </p:txBody>
+      </p:sp>
+      <p:sp>
+        <p:nvSpPr>
+          <p:cNvPr id="8" name="TextBox 7"/>
+          <p:cNvSpPr txBox="1"/>
+          <p:nvPr/>
+        </p:nvSpPr>
+        <p:spPr>
+          <a:xfrm>
+            <a:off x="3369142" y="3702733"/>
+            <a:ext cx="1152030" cy="276999"/>
+          </a:xfrm>
+          <a:prstGeom prst="rect">
+            <a:avLst/>
+          </a:prstGeom>
+          <a:noFill/>
+          <a:ln>
+            <a:noFill/>
+          </a:ln>
+        </p:spPr>
+        <p:txBody>
+          <a:bodyPr wrap="square" rtlCol="0">
+            <a:spAutoFit/>
+          </a:bodyPr>
+          <a:lstStyle/>
+          <a:p>
+            <a:pPr algn="ctr"/>
+            <a:r>
+              <a:rPr lang="en-US" sz="1200" dirty="0">
+                <a:solidFill>
+                  <a:srgbClr val="216AAF"/>
+                </a:solidFill>
+              </a:rPr>
+              <a:t>Organs</a:t>
+            </a:r>
+          </a:p>
+        </p:txBody>
+      </p:sp>
+      <p:sp>
+        <p:nvSpPr>
+          <p:cNvPr id="9" name="TextBox 8"/>
+          <p:cNvSpPr txBox="1"/>
+          <p:nvPr/>
+        </p:nvSpPr>
+        <p:spPr>
+          <a:xfrm>
+            <a:off x="2613337" y="3702733"/>
+            <a:ext cx="1152030" cy="276999"/>
+          </a:xfrm>
+          <a:prstGeom prst="rect">
+            <a:avLst/>
+          </a:prstGeom>
+          <a:noFill/>
+          <a:ln>
+            <a:noFill/>
+          </a:ln>
+        </p:spPr>
+        <p:txBody>
+          <a:bodyPr wrap="square" rtlCol="0">
+            <a:spAutoFit/>
+          </a:bodyPr>
+          <a:lstStyle/>
+          <a:p>
+            <a:pPr algn="ctr"/>
+            <a:r>
+              <a:rPr lang="en-US" sz="1200" dirty="0">
+                <a:solidFill>
+                  <a:srgbClr val="216AAF"/>
+                </a:solidFill>
+              </a:rPr>
+              <a:t>Tissues</a:t>
+            </a:r>
+          </a:p>
+        </p:txBody>
+      </p:sp>
+      <p:sp>
+        <p:nvSpPr>
+          <p:cNvPr id="10" name="TextBox 9"/>
+          <p:cNvSpPr txBox="1"/>
+          <p:nvPr/>
+        </p:nvSpPr>
+        <p:spPr>
+          <a:xfrm>
+            <a:off x="1838221" y="3702733"/>
+            <a:ext cx="1152030" cy="276999"/>
+          </a:xfrm>
+          <a:prstGeom prst="rect">
+            <a:avLst/>
+          </a:prstGeom>
+          <a:noFill/>
+          <a:ln>
+            <a:noFill/>
+          </a:ln>
+        </p:spPr>
+        <p:txBody>
+          <a:bodyPr wrap="square" rtlCol="0">
+            <a:spAutoFit/>
+          </a:bodyPr>
+          <a:lstStyle/>
+          <a:p>
+            <a:pPr algn="ctr"/>
+            <a:r>
+              <a:rPr lang="en-US" sz="1200" dirty="0">
+                <a:solidFill>
+                  <a:srgbClr val="216AAF"/>
+                </a:solidFill>
+              </a:rPr>
+              <a:t>Cells</a:t>
+            </a:r>
+          </a:p>
+        </p:txBody>
+      </p:sp>
+      <p:sp>
+        <p:nvSpPr>
+          <p:cNvPr id="11" name="TextBox 10"/>
+          <p:cNvSpPr txBox="1"/>
+          <p:nvPr/>
+        </p:nvSpPr>
+        <p:spPr>
+          <a:xfrm>
+            <a:off x="1075354" y="3702733"/>
+            <a:ext cx="1152030" cy="276999"/>
+          </a:xfrm>
+          <a:prstGeom prst="rect">
+            <a:avLst/>
+          </a:prstGeom>
+          <a:noFill/>
+          <a:ln>
+            <a:noFill/>
+          </a:ln>
+        </p:spPr>
+        <p:txBody>
+          <a:bodyPr wrap="square" rtlCol="0">
+            <a:spAutoFit/>
+          </a:bodyPr>
+          <a:lstStyle/>
+          <a:p>
+            <a:pPr algn="ctr"/>
+            <a:r>
+              <a:rPr lang="en-US" sz="1200" dirty="0">
+                <a:solidFill>
+                  <a:srgbClr val="216AAF"/>
+                </a:solidFill>
+              </a:rPr>
+              <a:t>Molecules</a:t>
+            </a:r>
+          </a:p>
+        </p:txBody>
+      </p:sp>
+      <p:sp>
+        <p:nvSpPr>
+          <p:cNvPr id="12" name="TextBox 11"/>
+          <p:cNvSpPr txBox="1"/>
+          <p:nvPr/>
+        </p:nvSpPr>
+        <p:spPr>
+          <a:xfrm>
+            <a:off x="307300" y="3702733"/>
+            <a:ext cx="1152030" cy="276999"/>
+          </a:xfrm>
+          <a:prstGeom prst="rect">
+            <a:avLst/>
+          </a:prstGeom>
+          <a:noFill/>
+          <a:ln>
+            <a:noFill/>
+          </a:ln>
+        </p:spPr>
+        <p:txBody>
+          <a:bodyPr wrap="square" rtlCol="0">
+            <a:spAutoFit/>
+          </a:bodyPr>
+          <a:lstStyle/>
+          <a:p>
+            <a:pPr algn="ctr"/>
+            <a:r>
+              <a:rPr lang="en-US" sz="1200" dirty="0">
+                <a:solidFill>
+                  <a:srgbClr val="216AAF"/>
+                </a:solidFill>
+              </a:rPr>
+              <a:t>Atoms</a:t>
+            </a:r>
+          </a:p>
+        </p:txBody>
+      </p:sp>
+      <p:sp>
+        <p:nvSpPr>
+          <p:cNvPr id="44" name="TextBox 43">
+            <a:extLst>
+              <a:ext uri="{FF2B5EF4-FFF2-40B4-BE49-F238E27FC236}">
+                <a16:creationId xmlns:a16="http://schemas.microsoft.com/office/drawing/2014/main" id="{457F4DC9-6CD0-42E1-84A2-4FB219749CFA}"/>
+              </a:ext>
+            </a:extLst>
+          </p:cNvPr>
+          <p:cNvSpPr txBox="1"/>
+          <p:nvPr/>
+        </p:nvSpPr>
+        <p:spPr>
+          <a:xfrm>
+            <a:off x="5557027" y="3702733"/>
+            <a:ext cx="1398960" cy="276999"/>
+          </a:xfrm>
+          <a:prstGeom prst="rect">
+            <a:avLst/>
+          </a:prstGeom>
+          <a:noFill/>
+          <a:ln>
+            <a:noFill/>
+          </a:ln>
+        </p:spPr>
+        <p:txBody>
+          <a:bodyPr wrap="square" rtlCol="0">
+            <a:spAutoFit/>
+          </a:bodyPr>
+          <a:lstStyle/>
+          <a:p>
+            <a:pPr algn="ctr"/>
+            <a:r>
+              <a:rPr lang="en-US" sz="1200" dirty="0">
+                <a:solidFill>
+                  <a:srgbClr val="216AAF"/>
+                </a:solidFill>
+              </a:rPr>
+              <a:t>Population</a:t>
+            </a:r>
+          </a:p>
+        </p:txBody>
+      </p:sp>
+      <p:sp>
+        <p:nvSpPr>
+          <p:cNvPr id="46" name="TextBox 45">
+            <a:extLst>
+              <a:ext uri="{FF2B5EF4-FFF2-40B4-BE49-F238E27FC236}">
+                <a16:creationId xmlns:a16="http://schemas.microsoft.com/office/drawing/2014/main" id="{FC1149F2-B40D-49D7-9767-71B333063EC3}"/>
+              </a:ext>
+            </a:extLst>
+          </p:cNvPr>
+          <p:cNvSpPr txBox="1"/>
+          <p:nvPr/>
+        </p:nvSpPr>
+        <p:spPr>
+          <a:xfrm>
+            <a:off x="6325054" y="3702733"/>
+            <a:ext cx="1398960" cy="276999"/>
+          </a:xfrm>
+          <a:prstGeom prst="rect">
+            <a:avLst/>
+          </a:prstGeom>
+          <a:noFill/>
+          <a:ln>
+            <a:noFill/>
+          </a:ln>
+        </p:spPr>
+        <p:txBody>
+          <a:bodyPr wrap="square" rtlCol="0">
+            <a:spAutoFit/>
+          </a:bodyPr>
+          <a:lstStyle/>
+          <a:p>
+            <a:pPr algn="ctr"/>
+            <a:r>
+              <a:rPr lang="en-US" sz="1200" dirty="0">
+                <a:solidFill>
+                  <a:srgbClr val="216AAF"/>
+                </a:solidFill>
+              </a:rPr>
+              <a:t>Ecosystem</a:t>
+            </a:r>
+          </a:p>
+        </p:txBody>
+      </p:sp>
+      <p:sp>
+        <p:nvSpPr>
+          <p:cNvPr id="47" name="TextBox 46">
+            <a:extLst>
+              <a:ext uri="{FF2B5EF4-FFF2-40B4-BE49-F238E27FC236}">
+                <a16:creationId xmlns:a16="http://schemas.microsoft.com/office/drawing/2014/main" id="{B0681F70-1369-4ED1-8DF8-1390E1AAB9F9}"/>
+              </a:ext>
+            </a:extLst>
+          </p:cNvPr>
+          <p:cNvSpPr txBox="1"/>
+          <p:nvPr/>
+        </p:nvSpPr>
+        <p:spPr>
+          <a:xfrm>
+            <a:off x="7089582" y="3702733"/>
+            <a:ext cx="1398960" cy="276999"/>
+          </a:xfrm>
+          <a:prstGeom prst="rect">
+            <a:avLst/>
+          </a:prstGeom>
+          <a:noFill/>
+          <a:ln>
+            <a:noFill/>
+          </a:ln>
+        </p:spPr>
+        <p:txBody>
+          <a:bodyPr wrap="square" rtlCol="0">
+            <a:spAutoFit/>
+          </a:bodyPr>
+          <a:lstStyle/>
+          <a:p>
+            <a:pPr algn="ctr"/>
+            <a:r>
+              <a:rPr lang="en-US" sz="1200" dirty="0">
+                <a:solidFill>
+                  <a:srgbClr val="216AAF"/>
+                </a:solidFill>
+              </a:rPr>
+              <a:t>Biosphere</a:t>
+            </a:r>
+          </a:p>
+        </p:txBody>
+      </p:sp>
+      <p:sp>
+        <p:nvSpPr>
+          <p:cNvPr id="48" name="TextBox 47">
+            <a:extLst>
+              <a:ext uri="{FF2B5EF4-FFF2-40B4-BE49-F238E27FC236}">
+                <a16:creationId xmlns:a16="http://schemas.microsoft.com/office/drawing/2014/main" id="{8BD80985-16C7-490D-A18A-5134BBFF86C7}"/>
+              </a:ext>
+            </a:extLst>
+          </p:cNvPr>
+          <p:cNvSpPr txBox="1"/>
+          <p:nvPr/>
+        </p:nvSpPr>
+        <p:spPr>
+          <a:xfrm>
+            <a:off x="732882" y="2240195"/>
+            <a:ext cx="1132233" cy="369332"/>
+          </a:xfrm>
+          <a:prstGeom prst="rect">
+            <a:avLst/>
+          </a:prstGeom>
+          <a:noFill/>
+        </p:spPr>
+        <p:txBody>
+          <a:bodyPr wrap="none" rtlCol="0">
+            <a:spAutoFit/>
+          </a:bodyPr>
+          <a:lstStyle/>
+          <a:p>
+            <a:r>
+              <a:rPr lang="en-US" dirty="0">
+                <a:solidFill>
+                  <a:prstClr val="black"/>
+                </a:solidFill>
+              </a:rPr>
+              <a:t>Chemistry</a:t>
+            </a:r>
+          </a:p>
+        </p:txBody>
+      </p:sp>
+      <p:sp>
+        <p:nvSpPr>
+          <p:cNvPr id="49" name="TextBox 48">
+            <a:extLst>
+              <a:ext uri="{FF2B5EF4-FFF2-40B4-BE49-F238E27FC236}">
+                <a16:creationId xmlns:a16="http://schemas.microsoft.com/office/drawing/2014/main" id="{3F1EA4F2-4EC0-4C6F-9C76-72C501B546F4}"/>
+              </a:ext>
+            </a:extLst>
+          </p:cNvPr>
+          <p:cNvSpPr txBox="1"/>
+          <p:nvPr/>
+        </p:nvSpPr>
+        <p:spPr>
+          <a:xfrm>
+            <a:off x="3135736" y="440867"/>
+            <a:ext cx="1875835" cy="369332"/>
+          </a:xfrm>
+          <a:prstGeom prst="rect">
+            <a:avLst/>
+          </a:prstGeom>
+          <a:noFill/>
+        </p:spPr>
+        <p:txBody>
+          <a:bodyPr wrap="none" rtlCol="0">
+            <a:spAutoFit/>
+          </a:bodyPr>
+          <a:lstStyle/>
+          <a:p>
+            <a:r>
+              <a:rPr lang="en-US" dirty="0">
+                <a:solidFill>
+                  <a:prstClr val="black"/>
+                </a:solidFill>
+              </a:rPr>
+              <a:t>Molecular Biology</a:t>
+            </a:r>
+          </a:p>
+        </p:txBody>
+      </p:sp>
+      <p:sp>
+        <p:nvSpPr>
+          <p:cNvPr id="50" name="TextBox 49">
+            <a:extLst>
+              <a:ext uri="{FF2B5EF4-FFF2-40B4-BE49-F238E27FC236}">
+                <a16:creationId xmlns:a16="http://schemas.microsoft.com/office/drawing/2014/main" id="{D21CA9A0-C54E-449F-A438-F181B7FAF720}"/>
+              </a:ext>
+            </a:extLst>
+          </p:cNvPr>
+          <p:cNvSpPr txBox="1"/>
+          <p:nvPr/>
+        </p:nvSpPr>
+        <p:spPr>
+          <a:xfrm>
+            <a:off x="5287447" y="264975"/>
+            <a:ext cx="1269899" cy="369332"/>
+          </a:xfrm>
+          <a:prstGeom prst="rect">
+            <a:avLst/>
+          </a:prstGeom>
+          <a:noFill/>
+        </p:spPr>
+        <p:txBody>
+          <a:bodyPr wrap="none" rtlCol="0">
+            <a:spAutoFit/>
+          </a:bodyPr>
+          <a:lstStyle/>
+          <a:p>
+            <a:r>
+              <a:rPr lang="en-US" dirty="0">
+                <a:solidFill>
+                  <a:prstClr val="black"/>
+                </a:solidFill>
+              </a:rPr>
+              <a:t>Cell Biology</a:t>
+            </a:r>
+          </a:p>
+        </p:txBody>
+      </p:sp>
+      <p:sp>
+        <p:nvSpPr>
+          <p:cNvPr id="51" name="TextBox 50">
+            <a:extLst>
+              <a:ext uri="{FF2B5EF4-FFF2-40B4-BE49-F238E27FC236}">
+                <a16:creationId xmlns:a16="http://schemas.microsoft.com/office/drawing/2014/main" id="{1533C6BA-227E-4F97-81FF-B5F406B6D651}"/>
+              </a:ext>
+            </a:extLst>
+          </p:cNvPr>
+          <p:cNvSpPr txBox="1"/>
+          <p:nvPr/>
+        </p:nvSpPr>
+        <p:spPr>
+          <a:xfrm>
+            <a:off x="6770372" y="334769"/>
+            <a:ext cx="1175322" cy="369332"/>
+          </a:xfrm>
+          <a:prstGeom prst="rect">
+            <a:avLst/>
+          </a:prstGeom>
+          <a:noFill/>
+        </p:spPr>
+        <p:txBody>
+          <a:bodyPr wrap="none" rtlCol="0">
+            <a:spAutoFit/>
+          </a:bodyPr>
+          <a:lstStyle/>
+          <a:p>
+            <a:r>
+              <a:rPr lang="en-US" dirty="0">
+                <a:solidFill>
+                  <a:prstClr val="black"/>
+                </a:solidFill>
+              </a:rPr>
+              <a:t>Physiology</a:t>
+            </a:r>
+          </a:p>
+        </p:txBody>
+      </p:sp>
+      <p:sp>
+        <p:nvSpPr>
+          <p:cNvPr id="52" name="TextBox 51">
+            <a:extLst>
+              <a:ext uri="{FF2B5EF4-FFF2-40B4-BE49-F238E27FC236}">
+                <a16:creationId xmlns:a16="http://schemas.microsoft.com/office/drawing/2014/main" id="{C1F04DC0-5200-4D1B-9321-DF51AE8763BE}"/>
+              </a:ext>
+            </a:extLst>
+          </p:cNvPr>
+          <p:cNvSpPr txBox="1"/>
+          <p:nvPr/>
+        </p:nvSpPr>
+        <p:spPr>
+          <a:xfrm>
+            <a:off x="7860838" y="65201"/>
+            <a:ext cx="899349" cy="369332"/>
+          </a:xfrm>
+          <a:prstGeom prst="rect">
+            <a:avLst/>
+          </a:prstGeom>
+          <a:noFill/>
+        </p:spPr>
+        <p:txBody>
+          <a:bodyPr wrap="none" rtlCol="0">
+            <a:spAutoFit/>
+          </a:bodyPr>
+          <a:lstStyle/>
+          <a:p>
+            <a:r>
+              <a:rPr lang="en-US" dirty="0">
+                <a:solidFill>
+                  <a:prstClr val="black"/>
+                </a:solidFill>
+              </a:rPr>
+              <a:t>Ecology</a:t>
+            </a:r>
+          </a:p>
+        </p:txBody>
+      </p:sp>
+      <p:pic>
+        <p:nvPicPr>
+          <p:cNvPr id="1032" name="Picture 8" descr="Earth globe isolated graphic illustration | free image by rawpixel ...">
+            <a:extLst>
+              <a:ext uri="{FF2B5EF4-FFF2-40B4-BE49-F238E27FC236}">
+                <a16:creationId xmlns:a16="http://schemas.microsoft.com/office/drawing/2014/main" id="{66423CCC-DAB8-4672-81B2-71780DF8166E}"/>
+              </a:ext>
+            </a:extLst>
+          </p:cNvPr>
+          <p:cNvPicPr>
+            <a:picLocks noChangeAspect="1" noChangeArrowheads="1"/>
+          </p:cNvPicPr>
+          <p:nvPr/>
+        </p:nvPicPr>
+        <p:blipFill rotWithShape="1">
+          <a:blip r:embed="rId7" cstate="print">
+            <a:clrChange>
+              <a:clrFrom>
+                <a:srgbClr val="FFFFFF"/>
+              </a:clrFrom>
+              <a:clrTo>
+                <a:srgbClr val="FFFFFF">
+                  <a:alpha val="0"/>
+                </a:srgbClr>
+              </a:clrTo>
+            </a:clrChange>
+            <a:grayscl/>
+            <a:extLst>
+              <a:ext uri="{28A0092B-C50C-407E-A947-70E740481C1C}">
+                <a14:useLocalDpi xmlns:a14="http://schemas.microsoft.com/office/drawing/2010/main" val="0"/>
+              </a:ext>
+            </a:extLst>
+          </a:blip>
+          <a:srcRect l="14795" t="16866" r="13370" b="15999"/>
+          <a:stretch/>
+        </p:blipFill>
+        <p:spPr bwMode="auto">
+          <a:xfrm>
+            <a:off x="7467600" y="3048000"/>
+            <a:ext cx="640080" cy="598193"/>
+          </a:xfrm>
+          <a:prstGeom prst="rect">
+            <a:avLst/>
+          </a:prstGeom>
+          <a:noFill/>
+          <a:extLst>
+            <a:ext uri="{909E8E84-426E-40DD-AFC4-6F175D3DCCD1}">
+              <a14:hiddenFill xmlns:a14="http://schemas.microsoft.com/office/drawing/2010/main">
+                <a:solidFill>
+                  <a:srgbClr val="FFFFFF"/>
+                </a:solidFill>
+              </a14:hiddenFill>
+            </a:ext>
+          </a:extLst>
+        </p:spPr>
+      </p:pic>
+      <p:pic>
+        <p:nvPicPr>
+          <p:cNvPr id="1030" name="Picture 6" descr="City symbol png 2 » PNG Image">
+            <a:extLst>
+              <a:ext uri="{FF2B5EF4-FFF2-40B4-BE49-F238E27FC236}">
+                <a16:creationId xmlns:a16="http://schemas.microsoft.com/office/drawing/2014/main" id="{19ED8026-485F-4BFB-8035-892AC97D83F7}"/>
+              </a:ext>
+            </a:extLst>
+          </p:cNvPr>
+          <p:cNvPicPr>
+            <a:picLocks noChangeAspect="1" noChangeArrowheads="1"/>
+          </p:cNvPicPr>
+          <p:nvPr/>
+        </p:nvPicPr>
+        <p:blipFill>
+          <a:blip r:embed="rId8" cstate="print">
+            <a:extLst>
+              <a:ext uri="{BEBA8EAE-BF5A-486C-A8C5-ECC9F3942E4B}">
+                <a14:imgProps xmlns:a14="http://schemas.microsoft.com/office/drawing/2010/main">
+                  <a14:imgLayer r:embed="rId9">
+                    <a14:imgEffect>
+                      <a14:brightnessContrast bright="70000" contrast="-70000"/>
+                    </a14:imgEffect>
+                  </a14:imgLayer>
+                </a14:imgProps>
+              </a:ext>
+              <a:ext uri="{28A0092B-C50C-407E-A947-70E740481C1C}">
+                <a14:useLocalDpi xmlns:a14="http://schemas.microsoft.com/office/drawing/2010/main" val="0"/>
+              </a:ext>
+            </a:extLst>
+          </a:blip>
+          <a:srcRect/>
+          <a:stretch>
+            <a:fillRect/>
+          </a:stretch>
+        </p:blipFill>
+        <p:spPr bwMode="auto">
+          <a:xfrm>
+            <a:off x="6776447" y="3085200"/>
+            <a:ext cx="491087" cy="491087"/>
+          </a:xfrm>
+          <a:prstGeom prst="rect">
+            <a:avLst/>
+          </a:prstGeom>
+          <a:noFill/>
+          <a:extLst>
+            <a:ext uri="{909E8E84-426E-40DD-AFC4-6F175D3DCCD1}">
+              <a14:hiddenFill xmlns:a14="http://schemas.microsoft.com/office/drawing/2010/main">
+                <a:solidFill>
+                  <a:srgbClr val="FFFFFF"/>
+                </a:solidFill>
+              </a14:hiddenFill>
+            </a:ext>
+          </a:extLst>
+        </p:spPr>
+      </p:pic>
+      <p:pic>
+        <p:nvPicPr>
+          <p:cNvPr id="1028" name="Picture 4" descr="Population Health Management Market 2019 Size, Share, Trends ...">
+            <a:extLst>
+              <a:ext uri="{FF2B5EF4-FFF2-40B4-BE49-F238E27FC236}">
+                <a16:creationId xmlns:a16="http://schemas.microsoft.com/office/drawing/2014/main" id="{D2DEFB6F-A635-425B-833B-FDE0283987DC}"/>
+              </a:ext>
+            </a:extLst>
+          </p:cNvPr>
+          <p:cNvPicPr>
+            <a:picLocks noChangeAspect="1" noChangeArrowheads="1"/>
+          </p:cNvPicPr>
+          <p:nvPr/>
+        </p:nvPicPr>
+        <p:blipFill>
+          <a:blip r:embed="rId10" cstate="print">
+            <a:clrChange>
+              <a:clrFrom>
+                <a:srgbClr val="FEFEFE"/>
+              </a:clrFrom>
+              <a:clrTo>
+                <a:srgbClr val="FEFEFE">
+                  <a:alpha val="0"/>
+                </a:srgbClr>
+              </a:clrTo>
+            </a:clrChange>
+            <a:grayscl/>
+            <a:extLst>
+              <a:ext uri="{28A0092B-C50C-407E-A947-70E740481C1C}">
+                <a14:useLocalDpi xmlns:a14="http://schemas.microsoft.com/office/drawing/2010/main" val="0"/>
+              </a:ext>
+            </a:extLst>
+          </a:blip>
+          <a:srcRect/>
+          <a:stretch>
+            <a:fillRect/>
+          </a:stretch>
+        </p:blipFill>
+        <p:spPr bwMode="auto">
+          <a:xfrm>
+            <a:off x="5970611" y="3117235"/>
+            <a:ext cx="571792" cy="459721"/>
+          </a:xfrm>
+          <a:prstGeom prst="rect">
+            <a:avLst/>
+          </a:prstGeom>
+          <a:noFill/>
+          <a:extLst>
+            <a:ext uri="{909E8E84-426E-40DD-AFC4-6F175D3DCCD1}">
+              <a14:hiddenFill xmlns:a14="http://schemas.microsoft.com/office/drawing/2010/main">
+                <a:solidFill>
+                  <a:srgbClr val="FFFFFF"/>
+                </a:solidFill>
+              </a14:hiddenFill>
+            </a:ext>
+          </a:extLst>
+        </p:spPr>
+      </p:pic>
+      <p:pic>
+        <p:nvPicPr>
+          <p:cNvPr id="38" name="Picture 37" descr="grey_human.png"/>
+          <p:cNvPicPr>
+            <a:picLocks noChangeAspect="1"/>
+          </p:cNvPicPr>
+          <p:nvPr/>
+        </p:nvPicPr>
+        <p:blipFill>
+          <a:blip r:embed="rId11" cstate="print">
+            <a:grayscl/>
+            <a:extLst>
+              <a:ext uri="{28A0092B-C50C-407E-A947-70E740481C1C}">
+                <a14:useLocalDpi xmlns:a14="http://schemas.microsoft.com/office/drawing/2010/main"/>
+              </a:ext>
+            </a:extLst>
+          </a:blip>
+          <a:stretch>
+            <a:fillRect/>
+          </a:stretch>
+        </p:blipFill>
+        <p:spPr>
+          <a:xfrm>
+            <a:off x="5357291" y="3071568"/>
+            <a:ext cx="232035" cy="547025"/>
+          </a:xfrm>
+          <a:prstGeom prst="rect">
+            <a:avLst/>
+          </a:prstGeom>
+        </p:spPr>
+      </p:pic>
+      <p:pic>
+        <p:nvPicPr>
+          <p:cNvPr id="21" name="Picture 20" descr="8.png"/>
+          <p:cNvPicPr>
+            <a:picLocks noChangeAspect="1"/>
+          </p:cNvPicPr>
+          <p:nvPr/>
+        </p:nvPicPr>
+        <p:blipFill rotWithShape="1">
+          <a:blip r:embed="rId12" cstate="screen">
+            <a:grayscl/>
+            <a:extLst>
+              <a:ext uri="{28A0092B-C50C-407E-A947-70E740481C1C}">
+                <a14:useLocalDpi xmlns:a14="http://schemas.microsoft.com/office/drawing/2010/main"/>
+              </a:ext>
+            </a:extLst>
+          </a:blip>
+          <a:srcRect l="13981" t="22420" r="14829" b="23813"/>
+          <a:stretch/>
+        </p:blipFill>
+        <p:spPr>
+          <a:xfrm>
+            <a:off x="4471937" y="3165382"/>
+            <a:ext cx="481195" cy="363431"/>
+          </a:xfrm>
+          <a:prstGeom prst="rect">
+            <a:avLst/>
+          </a:prstGeom>
+        </p:spPr>
+      </p:pic>
+      <p:pic>
+        <p:nvPicPr>
+          <p:cNvPr id="22" name="Picture 21" descr="5.png"/>
+          <p:cNvPicPr>
+            <a:picLocks noChangeAspect="1"/>
+          </p:cNvPicPr>
+          <p:nvPr/>
+        </p:nvPicPr>
+        <p:blipFill rotWithShape="1">
+          <a:blip r:embed="rId13" cstate="screen">
+            <a:grayscl/>
+            <a:extLst>
+              <a:ext uri="{28A0092B-C50C-407E-A947-70E740481C1C}">
+                <a14:useLocalDpi xmlns:a14="http://schemas.microsoft.com/office/drawing/2010/main"/>
+              </a:ext>
+            </a:extLst>
+          </a:blip>
+          <a:srcRect l="26100" t="12123" r="25423" b="12870"/>
+          <a:stretch/>
+        </p:blipFill>
+        <p:spPr>
+          <a:xfrm>
+            <a:off x="3791857" y="3101898"/>
+            <a:ext cx="306600" cy="474389"/>
+          </a:xfrm>
+          <a:prstGeom prst="rect">
+            <a:avLst/>
+          </a:prstGeom>
+        </p:spPr>
+      </p:pic>
+      <p:pic>
+        <p:nvPicPr>
+          <p:cNvPr id="28" name="Picture 27"/>
+          <p:cNvPicPr>
+            <a:picLocks noChangeAspect="1"/>
+          </p:cNvPicPr>
+          <p:nvPr/>
+        </p:nvPicPr>
+        <p:blipFill>
+          <a:blip r:embed="rId14" cstate="screen">
+            <a:extLst>
+              <a:ext uri="{BEBA8EAE-BF5A-486C-A8C5-ECC9F3942E4B}">
+                <a14:imgProps xmlns:a14="http://schemas.microsoft.com/office/drawing/2010/main">
+                  <a14:imgLayer r:embed="rId15">
+                    <a14:imgEffect>
+                      <a14:saturation sat="0"/>
+                    </a14:imgEffect>
+                  </a14:imgLayer>
+                </a14:imgProps>
+              </a:ext>
+              <a:ext uri="{28A0092B-C50C-407E-A947-70E740481C1C}">
+                <a14:useLocalDpi xmlns:a14="http://schemas.microsoft.com/office/drawing/2010/main"/>
+              </a:ext>
+            </a:extLst>
+          </a:blip>
+          <a:stretch>
+            <a:fillRect/>
+          </a:stretch>
+        </p:blipFill>
+        <p:spPr>
+          <a:xfrm>
+            <a:off x="2955611" y="3119087"/>
+            <a:ext cx="457200" cy="457200"/>
+          </a:xfrm>
+          <a:prstGeom prst="rect">
+            <a:avLst/>
+          </a:prstGeom>
+        </p:spPr>
+      </p:pic>
+      <p:pic>
+        <p:nvPicPr>
+          <p:cNvPr id="1034" name="Picture 10" descr="Cells Icon #94301 - Free Icons Library">
+            <a:extLst>
+              <a:ext uri="{FF2B5EF4-FFF2-40B4-BE49-F238E27FC236}">
+                <a16:creationId xmlns:a16="http://schemas.microsoft.com/office/drawing/2014/main" id="{96988CF3-2226-4067-ABF0-25AB393FBCF0}"/>
+              </a:ext>
+            </a:extLst>
+          </p:cNvPr>
+          <p:cNvPicPr>
+            <a:picLocks noChangeAspect="1" noChangeArrowheads="1"/>
+          </p:cNvPicPr>
+          <p:nvPr/>
+        </p:nvPicPr>
+        <p:blipFill>
+          <a:blip r:embed="rId16" cstate="print">
+            <a:extLst>
+              <a:ext uri="{BEBA8EAE-BF5A-486C-A8C5-ECC9F3942E4B}">
+                <a14:imgProps xmlns:a14="http://schemas.microsoft.com/office/drawing/2010/main">
+                  <a14:imgLayer r:embed="rId17">
+                    <a14:imgEffect>
+                      <a14:brightnessContrast bright="70000" contrast="-76000"/>
+                    </a14:imgEffect>
+                  </a14:imgLayer>
+                </a14:imgProps>
+              </a:ext>
+              <a:ext uri="{28A0092B-C50C-407E-A947-70E740481C1C}">
+                <a14:useLocalDpi xmlns:a14="http://schemas.microsoft.com/office/drawing/2010/main" val="0"/>
+              </a:ext>
+            </a:extLst>
+          </a:blip>
+          <a:srcRect/>
+          <a:stretch>
+            <a:fillRect/>
+          </a:stretch>
+        </p:blipFill>
+        <p:spPr bwMode="auto">
+          <a:xfrm>
+            <a:off x="2127869" y="3055090"/>
+            <a:ext cx="568003" cy="568003"/>
+          </a:xfrm>
+          <a:prstGeom prst="rect">
+            <a:avLst/>
+          </a:prstGeom>
+          <a:noFill/>
+          <a:extLst>
+            <a:ext uri="{909E8E84-426E-40DD-AFC4-6F175D3DCCD1}">
+              <a14:hiddenFill xmlns:a14="http://schemas.microsoft.com/office/drawing/2010/main">
+                <a:solidFill>
+                  <a:srgbClr val="FFFFFF"/>
+                </a:solidFill>
+              </a14:hiddenFill>
+            </a:ext>
+          </a:extLst>
+        </p:spPr>
+      </p:pic>
+      <p:pic>
+        <p:nvPicPr>
+          <p:cNvPr id="34" name="Picture 33"/>
+          <p:cNvPicPr>
+            <a:picLocks noChangeAspect="1"/>
+          </p:cNvPicPr>
+          <p:nvPr/>
+        </p:nvPicPr>
+        <p:blipFill>
+          <a:blip r:embed="rId18" cstate="print">
+            <a:grayscl/>
+            <a:extLst>
+              <a:ext uri="{28A0092B-C50C-407E-A947-70E740481C1C}">
+                <a14:useLocalDpi xmlns:a14="http://schemas.microsoft.com/office/drawing/2010/main"/>
+              </a:ext>
+            </a:extLst>
+          </a:blip>
+          <a:stretch>
+            <a:fillRect/>
+          </a:stretch>
+        </p:blipFill>
+        <p:spPr>
+          <a:xfrm>
+            <a:off x="1418918" y="3095154"/>
+            <a:ext cx="468649" cy="500693"/>
+          </a:xfrm>
+          <a:prstGeom prst="rect">
+            <a:avLst/>
+          </a:prstGeom>
+        </p:spPr>
+      </p:pic>
+      <p:pic>
+        <p:nvPicPr>
+          <p:cNvPr id="1026" name="Picture 2" descr="8FACT: Top 20 facts about atoms">
+            <a:extLst>
+              <a:ext uri="{FF2B5EF4-FFF2-40B4-BE49-F238E27FC236}">
+                <a16:creationId xmlns:a16="http://schemas.microsoft.com/office/drawing/2014/main" id="{D8D1B8DF-007F-40D8-A3FC-6DEAEB2D9E81}"/>
+              </a:ext>
+            </a:extLst>
+          </p:cNvPr>
+          <p:cNvPicPr>
+            <a:picLocks noChangeAspect="1" noChangeArrowheads="1"/>
+          </p:cNvPicPr>
+          <p:nvPr/>
+        </p:nvPicPr>
+        <p:blipFill rotWithShape="1">
+          <a:blip r:embed="rId19" cstate="print">
+            <a:clrChange>
+              <a:clrFrom>
+                <a:srgbClr val="F1F0EE"/>
+              </a:clrFrom>
+              <a:clrTo>
+                <a:srgbClr val="F1F0EE">
+                  <a:alpha val="0"/>
+                </a:srgbClr>
+              </a:clrTo>
+            </a:clrChange>
+            <a:grayscl/>
+            <a:extLst>
+              <a:ext uri="{28A0092B-C50C-407E-A947-70E740481C1C}">
+                <a14:useLocalDpi xmlns:a14="http://schemas.microsoft.com/office/drawing/2010/main" val="0"/>
+              </a:ext>
+            </a:extLst>
+          </a:blip>
+          <a:srcRect l="17913" t="13004" r="19762" b="12859"/>
+          <a:stretch/>
+        </p:blipFill>
+        <p:spPr bwMode="auto">
+          <a:xfrm>
+            <a:off x="661129" y="3128253"/>
+            <a:ext cx="456581" cy="434494"/>
+          </a:xfrm>
+          <a:prstGeom prst="rect">
+            <a:avLst/>
+          </a:prstGeom>
+          <a:noFill/>
+          <a:extLst>
+            <a:ext uri="{909E8E84-426E-40DD-AFC4-6F175D3DCCD1}">
+              <a14:hiddenFill xmlns:a14="http://schemas.microsoft.com/office/drawing/2010/main">
+                <a:solidFill>
+                  <a:srgbClr val="FFFFFF"/>
+                </a:solidFill>
+              </a14:hiddenFill>
+            </a:ext>
+          </a:extLst>
+        </p:spPr>
+      </p:pic>
+      <p:sp>
+        <p:nvSpPr>
+          <p:cNvPr id="97" name="TextBox 96">
+            <a:extLst>
+              <a:ext uri="{FF2B5EF4-FFF2-40B4-BE49-F238E27FC236}">
+                <a16:creationId xmlns:a16="http://schemas.microsoft.com/office/drawing/2014/main" id="{F0D5C815-2C78-4517-BD43-478248E54146}"/>
+              </a:ext>
+            </a:extLst>
+          </p:cNvPr>
+          <p:cNvSpPr txBox="1"/>
+          <p:nvPr/>
+        </p:nvSpPr>
+        <p:spPr>
+          <a:xfrm>
+            <a:off x="3184211" y="4678604"/>
+            <a:ext cx="1418978" cy="369332"/>
+          </a:xfrm>
+          <a:prstGeom prst="rect">
+            <a:avLst/>
+          </a:prstGeom>
+          <a:noFill/>
+        </p:spPr>
+        <p:txBody>
+          <a:bodyPr wrap="none" rtlCol="0">
+            <a:spAutoFit/>
+          </a:bodyPr>
+          <a:lstStyle/>
+          <a:p>
+            <a:r>
+              <a:rPr lang="en-US" dirty="0">
+                <a:solidFill>
+                  <a:prstClr val="black"/>
+                </a:solidFill>
+              </a:rPr>
+              <a:t>Pulse Fidelity</a:t>
+            </a:r>
+          </a:p>
+        </p:txBody>
+      </p:sp>
+      <p:sp>
+        <p:nvSpPr>
+          <p:cNvPr id="98" name="TextBox 97">
+            <a:extLst>
+              <a:ext uri="{FF2B5EF4-FFF2-40B4-BE49-F238E27FC236}">
+                <a16:creationId xmlns:a16="http://schemas.microsoft.com/office/drawing/2014/main" id="{17D9B6B0-D995-4BA0-8D8C-D4D1E04AED71}"/>
+              </a:ext>
+            </a:extLst>
+          </p:cNvPr>
+          <p:cNvSpPr txBox="1"/>
+          <p:nvPr/>
+        </p:nvSpPr>
+        <p:spPr>
+          <a:xfrm>
+            <a:off x="5357291" y="4633323"/>
+            <a:ext cx="1184748" cy="369332"/>
+          </a:xfrm>
+          <a:prstGeom prst="rect">
+            <a:avLst/>
+          </a:prstGeom>
+          <a:noFill/>
+        </p:spPr>
+        <p:txBody>
+          <a:bodyPr wrap="none" rtlCol="0">
+            <a:spAutoFit/>
+          </a:bodyPr>
+          <a:lstStyle/>
+          <a:p>
+            <a:r>
+              <a:rPr lang="en-US" dirty="0">
+                <a:solidFill>
+                  <a:prstClr val="black"/>
+                </a:solidFill>
+              </a:rPr>
+              <a:t>Extensions</a:t>
+            </a:r>
+          </a:p>
+        </p:txBody>
+      </p:sp>
+      <p:sp>
+        <p:nvSpPr>
+          <p:cNvPr id="99" name="TextBox 98">
+            <a:extLst>
+              <a:ext uri="{FF2B5EF4-FFF2-40B4-BE49-F238E27FC236}">
+                <a16:creationId xmlns:a16="http://schemas.microsoft.com/office/drawing/2014/main" id="{08BACFE7-D655-4209-9A3E-33EE3A55B005}"/>
+              </a:ext>
+            </a:extLst>
+          </p:cNvPr>
+          <p:cNvSpPr txBox="1"/>
+          <p:nvPr/>
+        </p:nvSpPr>
+        <p:spPr>
+          <a:xfrm>
+            <a:off x="1219200" y="4517532"/>
+            <a:ext cx="1184748" cy="369332"/>
+          </a:xfrm>
+          <a:prstGeom prst="rect">
+            <a:avLst/>
+          </a:prstGeom>
+          <a:noFill/>
+        </p:spPr>
+        <p:txBody>
+          <a:bodyPr wrap="none" rtlCol="0">
+            <a:spAutoFit/>
+          </a:bodyPr>
+          <a:lstStyle/>
+          <a:p>
+            <a:r>
+              <a:rPr lang="en-US" dirty="0">
+                <a:solidFill>
+                  <a:prstClr val="black"/>
+                </a:solidFill>
+              </a:rPr>
+              <a:t>Extensions</a:t>
+            </a:r>
+          </a:p>
+        </p:txBody>
+      </p:sp>
+      <p:sp>
+        <p:nvSpPr>
+          <p:cNvPr id="91" name="Left Brace 90">
+            <a:extLst>
+              <a:ext uri="{FF2B5EF4-FFF2-40B4-BE49-F238E27FC236}">
+                <a16:creationId xmlns:a16="http://schemas.microsoft.com/office/drawing/2014/main" id="{C7734A07-545D-4105-B3B4-1023C7371D77}"/>
+              </a:ext>
+            </a:extLst>
+          </p:cNvPr>
+          <p:cNvSpPr/>
+          <p:nvPr/>
+        </p:nvSpPr>
+        <p:spPr>
+          <a:xfrm rot="5400000">
+            <a:off x="1100363" y="1998131"/>
+            <a:ext cx="373884" cy="1540189"/>
+          </a:xfrm>
+          <a:prstGeom prst="leftBrace">
+            <a:avLst>
+              <a:gd name="adj1" fmla="val 33812"/>
+              <a:gd name="adj2" fmla="val 50000"/>
+            </a:avLst>
+          </a:prstGeom>
+        </p:spPr>
+        <p:style>
+          <a:lnRef idx="1">
+            <a:schemeClr val="accent1"/>
+          </a:lnRef>
+          <a:fillRef idx="0">
+            <a:schemeClr val="accent1"/>
+          </a:fillRef>
+          <a:effectRef idx="0">
+            <a:schemeClr val="accent1"/>
+          </a:effectRef>
+          <a:fontRef idx="minor">
+            <a:schemeClr val="tx1"/>
+          </a:fontRef>
+        </p:style>
+        <p:txBody>
+          <a:bodyPr rtlCol="0" anchor="ctr"/>
+          <a:lstStyle/>
+          <a:p>
+            <a:pPr algn="ctr"/>
+            <a:endParaRPr lang="en-US"/>
+          </a:p>
+        </p:txBody>
+      </p:sp>
+    </p:spTree>
+    <p:extLst>
+      <p:ext uri="{BB962C8B-B14F-4D97-AF65-F5344CB8AC3E}">
+        <p14:creationId xmlns:p14="http://schemas.microsoft.com/office/powerpoint/2010/main" val="3920370553"/>
+      </p:ext>
+    </p:extLst>
+  </p:cSld>
+  <p:clrMapOvr>
+    <a:masterClrMapping/>
+  </p:clrMapOvr>
+</p:sld>
+</file>
+
+<file path=ppt/slides/slide7.xml><?xml version="1.0" encoding="utf-8"?>
+<p:sld xmlns:a="http://schemas.openxmlformats.org/drawingml/2006/main" xmlns:r="http://schemas.openxmlformats.org/officeDocument/2006/relationships" xmlns:p="http://schemas.openxmlformats.org/presentationml/2006/main">
+  <p:cSld>
+    <p:spTree>
+      <p:nvGrpSpPr>
+        <p:cNvPr id="1" name=""/>
+        <p:cNvGrpSpPr/>
+        <p:nvPr/>
+      </p:nvGrpSpPr>
+      <p:grpSpPr>
+        <a:xfrm>
+          <a:off x="0" y="0"/>
+          <a:ext cx="0" cy="0"/>
+          <a:chOff x="0" y="0"/>
+          <a:chExt cx="0" cy="0"/>
+        </a:xfrm>
+      </p:grpSpPr>
       <p:sp>
         <p:nvSpPr>
           <p:cNvPr id="18" name="Down Arrow 17"/>

--- a/docs/Figures/SystemWorking.pptx
+++ b/docs/Figures/SystemWorking.pptx
@@ -8452,7 +8452,7 @@
           <a:p>
             <a:fld id="{7B126BB8-5932-4ACC-8CD5-328D9DA138C9}" type="datetimeFigureOut">
               <a:rPr lang="en-US" smtClean="0"/>
-              <a:t>6/4/2020</a:t>
+              <a:t>6/9/2020</a:t>
             </a:fld>
             <a:endParaRPr lang="en-US"/>
           </a:p>
@@ -8898,7 +8898,7 @@
           <a:p>
             <a:fld id="{9E9AFD63-10BD-4598-9E1E-9FFECB76D2D7}" type="datetimeFigureOut">
               <a:rPr lang="en-US" smtClean="0"/>
-              <a:t>6/4/2020</a:t>
+              <a:t>6/9/2020</a:t>
             </a:fld>
             <a:endParaRPr lang="en-US"/>
           </a:p>
@@ -9066,7 +9066,7 @@
           <a:p>
             <a:fld id="{9E9AFD63-10BD-4598-9E1E-9FFECB76D2D7}" type="datetimeFigureOut">
               <a:rPr lang="en-US" smtClean="0"/>
-              <a:t>6/4/2020</a:t>
+              <a:t>6/9/2020</a:t>
             </a:fld>
             <a:endParaRPr lang="en-US"/>
           </a:p>
@@ -9244,7 +9244,7 @@
           <a:p>
             <a:fld id="{9E9AFD63-10BD-4598-9E1E-9FFECB76D2D7}" type="datetimeFigureOut">
               <a:rPr lang="en-US" smtClean="0"/>
-              <a:t>6/4/2020</a:t>
+              <a:t>6/9/2020</a:t>
             </a:fld>
             <a:endParaRPr lang="en-US"/>
           </a:p>
@@ -10999,7 +10999,7 @@
           <a:p>
             <a:fld id="{9E9AFD63-10BD-4598-9E1E-9FFECB76D2D7}" type="datetimeFigureOut">
               <a:rPr lang="en-US" smtClean="0"/>
-              <a:t>6/4/2020</a:t>
+              <a:t>6/9/2020</a:t>
             </a:fld>
             <a:endParaRPr lang="en-US"/>
           </a:p>
@@ -11443,7 +11443,7 @@
           <a:p>
             <a:fld id="{9E9AFD63-10BD-4598-9E1E-9FFECB76D2D7}" type="datetimeFigureOut">
               <a:rPr lang="en-US" smtClean="0"/>
-              <a:t>6/4/2020</a:t>
+              <a:t>6/9/2020</a:t>
             </a:fld>
             <a:endParaRPr lang="en-US"/>
           </a:p>
@@ -11728,7 +11728,7 @@
           <a:p>
             <a:fld id="{9E9AFD63-10BD-4598-9E1E-9FFECB76D2D7}" type="datetimeFigureOut">
               <a:rPr lang="en-US" smtClean="0"/>
-              <a:t>6/4/2020</a:t>
+              <a:t>6/9/2020</a:t>
             </a:fld>
             <a:endParaRPr lang="en-US"/>
           </a:p>
@@ -12147,7 +12147,7 @@
           <a:p>
             <a:fld id="{9E9AFD63-10BD-4598-9E1E-9FFECB76D2D7}" type="datetimeFigureOut">
               <a:rPr lang="en-US" smtClean="0"/>
-              <a:t>6/4/2020</a:t>
+              <a:t>6/9/2020</a:t>
             </a:fld>
             <a:endParaRPr lang="en-US"/>
           </a:p>
@@ -12264,7 +12264,7 @@
           <a:p>
             <a:fld id="{9E9AFD63-10BD-4598-9E1E-9FFECB76D2D7}" type="datetimeFigureOut">
               <a:rPr lang="en-US" smtClean="0"/>
-              <a:t>6/4/2020</a:t>
+              <a:t>6/9/2020</a:t>
             </a:fld>
             <a:endParaRPr lang="en-US"/>
           </a:p>
@@ -12359,7 +12359,7 @@
           <a:p>
             <a:fld id="{9E9AFD63-10BD-4598-9E1E-9FFECB76D2D7}" type="datetimeFigureOut">
               <a:rPr lang="en-US" smtClean="0"/>
-              <a:t>6/4/2020</a:t>
+              <a:t>6/9/2020</a:t>
             </a:fld>
             <a:endParaRPr lang="en-US"/>
           </a:p>
@@ -12634,7 +12634,7 @@
           <a:p>
             <a:fld id="{9E9AFD63-10BD-4598-9E1E-9FFECB76D2D7}" type="datetimeFigureOut">
               <a:rPr lang="en-US" smtClean="0"/>
-              <a:t>6/4/2020</a:t>
+              <a:t>6/9/2020</a:t>
             </a:fld>
             <a:endParaRPr lang="en-US"/>
           </a:p>
@@ -12886,7 +12886,7 @@
           <a:p>
             <a:fld id="{9E9AFD63-10BD-4598-9E1E-9FFECB76D2D7}" type="datetimeFigureOut">
               <a:rPr lang="en-US" smtClean="0"/>
-              <a:t>6/4/2020</a:t>
+              <a:t>6/9/2020</a:t>
             </a:fld>
             <a:endParaRPr lang="en-US"/>
           </a:p>
@@ -13097,7 +13097,7 @@
           <a:p>
             <a:fld id="{9E9AFD63-10BD-4598-9E1E-9FFECB76D2D7}" type="datetimeFigureOut">
               <a:rPr lang="en-US" smtClean="0"/>
-              <a:t>6/4/2020</a:t>
+              <a:t>6/9/2020</a:t>
             </a:fld>
             <a:endParaRPr lang="en-US"/>
           </a:p>
@@ -17013,6 +17013,7 @@
         <p:nvCxnSpPr>
           <p:cNvPr id="37" name="Straight Connector 36"/>
           <p:cNvCxnSpPr>
+            <a:cxnSpLocks/>
             <a:endCxn id="8" idx="0"/>
           </p:cNvCxnSpPr>
           <p:nvPr/>
@@ -17414,6 +17415,7 @@
         <p:nvCxnSpPr>
           <p:cNvPr id="48" name="Straight Connector 47"/>
           <p:cNvCxnSpPr>
+            <a:cxnSpLocks/>
             <a:stCxn id="8" idx="2"/>
           </p:cNvCxnSpPr>
           <p:nvPr/>
@@ -17565,6 +17567,104 @@
             <a:solidFill>
               <a:schemeClr val="tx1"/>
             </a:solidFill>
+            <a:tailEnd type="arrow"/>
+          </a:ln>
+        </p:spPr>
+        <p:style>
+          <a:lnRef idx="1">
+            <a:schemeClr val="accent1"/>
+          </a:lnRef>
+          <a:fillRef idx="0">
+            <a:schemeClr val="accent1"/>
+          </a:fillRef>
+          <a:effectRef idx="0">
+            <a:schemeClr val="accent1"/>
+          </a:effectRef>
+          <a:fontRef idx="minor">
+            <a:schemeClr val="tx1"/>
+          </a:fontRef>
+        </p:style>
+      </p:cxnSp>
+      <p:sp>
+        <p:nvSpPr>
+          <p:cNvPr id="58" name="TextBox 57">
+            <a:extLst>
+              <a:ext uri="{FF2B5EF4-FFF2-40B4-BE49-F238E27FC236}">
+                <a16:creationId xmlns:a16="http://schemas.microsoft.com/office/drawing/2014/main" id="{DC3DEA0E-B847-42BE-BCD3-15FACF995658}"/>
+              </a:ext>
+            </a:extLst>
+          </p:cNvPr>
+          <p:cNvSpPr txBox="1"/>
+          <p:nvPr/>
+        </p:nvSpPr>
+        <p:spPr>
+          <a:xfrm>
+            <a:off x="4181766" y="945169"/>
+            <a:ext cx="901529" cy="461665"/>
+          </a:xfrm>
+          <a:prstGeom prst="rect">
+            <a:avLst/>
+          </a:prstGeom>
+          <a:ln w="12700"/>
+        </p:spPr>
+        <p:style>
+          <a:lnRef idx="2">
+            <a:schemeClr val="dk1"/>
+          </a:lnRef>
+          <a:fillRef idx="1">
+            <a:schemeClr val="lt1"/>
+          </a:fillRef>
+          <a:effectRef idx="0">
+            <a:schemeClr val="dk1"/>
+          </a:effectRef>
+          <a:fontRef idx="minor">
+            <a:schemeClr val="dk1"/>
+          </a:fontRef>
+        </p:style>
+        <p:txBody>
+          <a:bodyPr wrap="none" rtlCol="0">
+            <a:spAutoFit/>
+          </a:bodyPr>
+          <a:lstStyle/>
+          <a:p>
+            <a:r>
+              <a:rPr lang="en-US" sz="1200" dirty="0"/>
+              <a:t>Mechanical</a:t>
+            </a:r>
+          </a:p>
+          <a:p>
+            <a:r>
+              <a:rPr lang="en-US" sz="1200" dirty="0"/>
+              <a:t>Ventilator</a:t>
+            </a:r>
+          </a:p>
+        </p:txBody>
+      </p:sp>
+      <p:cxnSp>
+        <p:nvCxnSpPr>
+          <p:cNvPr id="59" name="Straight Connector 58">
+            <a:extLst>
+              <a:ext uri="{FF2B5EF4-FFF2-40B4-BE49-F238E27FC236}">
+                <a16:creationId xmlns:a16="http://schemas.microsoft.com/office/drawing/2014/main" id="{D82D4A2B-2AB3-49B4-88E8-F089520C6641}"/>
+              </a:ext>
+            </a:extLst>
+          </p:cNvPr>
+          <p:cNvCxnSpPr>
+            <a:cxnSpLocks/>
+            <a:endCxn id="58" idx="2"/>
+          </p:cNvCxnSpPr>
+          <p:nvPr/>
+        </p:nvCxnSpPr>
+        <p:spPr>
+          <a:xfrm flipV="1">
+            <a:off x="3459937" y="1406834"/>
+            <a:ext cx="1172594" cy="593398"/>
+          </a:xfrm>
+          <a:prstGeom prst="line">
+            <a:avLst/>
+          </a:prstGeom>
+          <a:ln w="25400">
+            <a:headEnd type="arrow"/>
             <a:tailEnd type="arrow"/>
           </a:ln>
         </p:spPr>
